--- a/2023/02产品/SNC8x/01)竞品分析/00)竞品芯片分析/品牌产品路线分析/Realtek/Realtek产品线分析2.pptx
+++ b/2023/02产品/SNC8x/01)竞品分析/00)竞品芯片分析/品牌产品路线分析/Realtek/Realtek产品线分析2.pptx
@@ -10,20 +10,20 @@
   <p:sldIdLst>
     <p:sldId id="256" r:id="rId2"/>
     <p:sldId id="265" r:id="rId3"/>
-    <p:sldId id="266" r:id="rId4"/>
-    <p:sldId id="269" r:id="rId5"/>
-    <p:sldId id="268" r:id="rId6"/>
-    <p:sldId id="258" r:id="rId7"/>
-    <p:sldId id="270" r:id="rId8"/>
-    <p:sldId id="271" r:id="rId9"/>
-    <p:sldId id="272" r:id="rId10"/>
-    <p:sldId id="273" r:id="rId11"/>
-    <p:sldId id="264" r:id="rId12"/>
+    <p:sldId id="268" r:id="rId4"/>
+    <p:sldId id="258" r:id="rId5"/>
+    <p:sldId id="270" r:id="rId6"/>
+    <p:sldId id="273" r:id="rId7"/>
+    <p:sldId id="264" r:id="rId8"/>
+    <p:sldId id="261" r:id="rId9"/>
+    <p:sldId id="262" r:id="rId10"/>
+    <p:sldId id="263" r:id="rId11"/>
+    <p:sldId id="266" r:id="rId12"/>
     <p:sldId id="260" r:id="rId13"/>
-    <p:sldId id="261" r:id="rId14"/>
-    <p:sldId id="262" r:id="rId15"/>
-    <p:sldId id="263" r:id="rId16"/>
-    <p:sldId id="259" r:id="rId17"/>
+    <p:sldId id="269" r:id="rId14"/>
+    <p:sldId id="259" r:id="rId15"/>
+    <p:sldId id="271" r:id="rId16"/>
+    <p:sldId id="272" r:id="rId17"/>
     <p:sldId id="267" r:id="rId18"/>
   </p:sldIdLst>
   <p:sldSz cx="12192000" cy="6858000"/>
@@ -213,7 +213,7 @@
           <a:p>
             <a:fld id="{28EA0F69-1204-4BA0-B38F-9FCC649F2CF7}" type="datetimeFigureOut">
               <a:rPr lang="zh-CN" altLang="en-US" smtClean="0"/>
-              <a:t>2023/5/18</a:t>
+              <a:t>2023/5/19</a:t>
             </a:fld>
             <a:endParaRPr lang="zh-CN" altLang="en-US"/>
           </a:p>
@@ -1018,7 +1018,7 @@
           <a:p>
             <a:fld id="{3F04F934-21C7-4C57-A156-D36005DEA771}" type="slidenum">
               <a:rPr lang="zh-CN" altLang="en-US" smtClean="0"/>
-              <a:t>6</a:t>
+              <a:t>4</a:t>
             </a:fld>
             <a:endParaRPr lang="zh-CN" altLang="en-US"/>
           </a:p>
@@ -1184,7 +1184,7 @@
           <a:p>
             <a:fld id="{F0D76D53-A3B4-4B96-A8CF-9D3A30CCA9B8}" type="datetimeFigureOut">
               <a:rPr lang="zh-CN" altLang="en-US" smtClean="0"/>
-              <a:t>2023/5/18</a:t>
+              <a:t>2023/5/19</a:t>
             </a:fld>
             <a:endParaRPr lang="zh-CN" altLang="en-US"/>
           </a:p>
@@ -1382,7 +1382,7 @@
           <a:p>
             <a:fld id="{F0D76D53-A3B4-4B96-A8CF-9D3A30CCA9B8}" type="datetimeFigureOut">
               <a:rPr lang="zh-CN" altLang="en-US" smtClean="0"/>
-              <a:t>2023/5/18</a:t>
+              <a:t>2023/5/19</a:t>
             </a:fld>
             <a:endParaRPr lang="zh-CN" altLang="en-US"/>
           </a:p>
@@ -1590,7 +1590,7 @@
           <a:p>
             <a:fld id="{F0D76D53-A3B4-4B96-A8CF-9D3A30CCA9B8}" type="datetimeFigureOut">
               <a:rPr lang="zh-CN" altLang="en-US" smtClean="0"/>
-              <a:t>2023/5/18</a:t>
+              <a:t>2023/5/19</a:t>
             </a:fld>
             <a:endParaRPr lang="zh-CN" altLang="en-US"/>
           </a:p>
@@ -1788,7 +1788,7 @@
           <a:p>
             <a:fld id="{F0D76D53-A3B4-4B96-A8CF-9D3A30CCA9B8}" type="datetimeFigureOut">
               <a:rPr lang="zh-CN" altLang="en-US" smtClean="0"/>
-              <a:t>2023/5/18</a:t>
+              <a:t>2023/5/19</a:t>
             </a:fld>
             <a:endParaRPr lang="zh-CN" altLang="en-US"/>
           </a:p>
@@ -2063,7 +2063,7 @@
           <a:p>
             <a:fld id="{F0D76D53-A3B4-4B96-A8CF-9D3A30CCA9B8}" type="datetimeFigureOut">
               <a:rPr lang="zh-CN" altLang="en-US" smtClean="0"/>
-              <a:t>2023/5/18</a:t>
+              <a:t>2023/5/19</a:t>
             </a:fld>
             <a:endParaRPr lang="zh-CN" altLang="en-US"/>
           </a:p>
@@ -2328,7 +2328,7 @@
           <a:p>
             <a:fld id="{F0D76D53-A3B4-4B96-A8CF-9D3A30CCA9B8}" type="datetimeFigureOut">
               <a:rPr lang="zh-CN" altLang="en-US" smtClean="0"/>
-              <a:t>2023/5/18</a:t>
+              <a:t>2023/5/19</a:t>
             </a:fld>
             <a:endParaRPr lang="zh-CN" altLang="en-US"/>
           </a:p>
@@ -2740,7 +2740,7 @@
           <a:p>
             <a:fld id="{F0D76D53-A3B4-4B96-A8CF-9D3A30CCA9B8}" type="datetimeFigureOut">
               <a:rPr lang="zh-CN" altLang="en-US" smtClean="0"/>
-              <a:t>2023/5/18</a:t>
+              <a:t>2023/5/19</a:t>
             </a:fld>
             <a:endParaRPr lang="zh-CN" altLang="en-US"/>
           </a:p>
@@ -2881,7 +2881,7 @@
           <a:p>
             <a:fld id="{F0D76D53-A3B4-4B96-A8CF-9D3A30CCA9B8}" type="datetimeFigureOut">
               <a:rPr lang="zh-CN" altLang="en-US" smtClean="0"/>
-              <a:t>2023/5/18</a:t>
+              <a:t>2023/5/19</a:t>
             </a:fld>
             <a:endParaRPr lang="zh-CN" altLang="en-US"/>
           </a:p>
@@ -2994,7 +2994,7 @@
           <a:p>
             <a:fld id="{F0D76D53-A3B4-4B96-A8CF-9D3A30CCA9B8}" type="datetimeFigureOut">
               <a:rPr lang="zh-CN" altLang="en-US" smtClean="0"/>
-              <a:t>2023/5/18</a:t>
+              <a:t>2023/5/19</a:t>
             </a:fld>
             <a:endParaRPr lang="zh-CN" altLang="en-US"/>
           </a:p>
@@ -3305,7 +3305,7 @@
           <a:p>
             <a:fld id="{F0D76D53-A3B4-4B96-A8CF-9D3A30CCA9B8}" type="datetimeFigureOut">
               <a:rPr lang="zh-CN" altLang="en-US" smtClean="0"/>
-              <a:t>2023/5/18</a:t>
+              <a:t>2023/5/19</a:t>
             </a:fld>
             <a:endParaRPr lang="zh-CN" altLang="en-US"/>
           </a:p>
@@ -3593,7 +3593,7 @@
           <a:p>
             <a:fld id="{F0D76D53-A3B4-4B96-A8CF-9D3A30CCA9B8}" type="datetimeFigureOut">
               <a:rPr lang="zh-CN" altLang="en-US" smtClean="0"/>
-              <a:t>2023/5/18</a:t>
+              <a:t>2023/5/19</a:t>
             </a:fld>
             <a:endParaRPr lang="zh-CN" altLang="en-US"/>
           </a:p>
@@ -3834,7 +3834,7 @@
           <a:p>
             <a:fld id="{F0D76D53-A3B4-4B96-A8CF-9D3A30CCA9B8}" type="datetimeFigureOut">
               <a:rPr lang="zh-CN" altLang="en-US" smtClean="0"/>
-              <a:t>2023/5/18</a:t>
+              <a:t>2023/5/19</a:t>
             </a:fld>
             <a:endParaRPr lang="zh-CN" altLang="en-US"/>
           </a:p>
@@ -4336,7 +4336,7 @@
           <p:cNvPr id="2" name="标题 1">
             <a:extLst>
               <a:ext uri="{FF2B5EF4-FFF2-40B4-BE49-F238E27FC236}">
-                <a16:creationId xmlns:a16="http://schemas.microsoft.com/office/drawing/2014/main" id="{C1528AD8-A3DA-2BC4-91C6-76CDE601CEF8}"/>
+                <a16:creationId xmlns:a16="http://schemas.microsoft.com/office/drawing/2014/main" id="{58B0690B-3B15-62A2-FDFA-C44039EDE883}"/>
               </a:ext>
             </a:extLst>
           </p:cNvPr>
@@ -4347,361 +4347,42 @@
             <p:ph type="title"/>
           </p:nvPr>
         </p:nvSpPr>
-        <p:spPr/>
+        <p:spPr>
+          <a:xfrm>
+            <a:off x="114631" y="86830"/>
+            <a:ext cx="10515600" cy="1325563"/>
+          </a:xfrm>
+        </p:spPr>
         <p:txBody>
           <a:bodyPr/>
           <a:lstStyle/>
           <a:p>
             <a:r>
+              <a:rPr lang="en-US" altLang="zh-CN" dirty="0"/>
+              <a:t>20~21</a:t>
+            </a:r>
+            <a:r>
               <a:rPr lang="zh-CN" altLang="en-US" dirty="0"/>
-              <a:t>游戏声卡</a:t>
-            </a:r>
-          </a:p>
-        </p:txBody>
-      </p:sp>
-      <p:sp>
-        <p:nvSpPr>
-          <p:cNvPr id="3" name="内容占位符 2">
-            <a:extLst>
-              <a:ext uri="{FF2B5EF4-FFF2-40B4-BE49-F238E27FC236}">
-                <a16:creationId xmlns:a16="http://schemas.microsoft.com/office/drawing/2014/main" id="{02A5EBA6-94AB-8FE6-8809-FCD1CFA94373}"/>
-              </a:ext>
-            </a:extLst>
-          </p:cNvPr>
-          <p:cNvSpPr>
-            <a:spLocks noGrp="1"/>
-          </p:cNvSpPr>
-          <p:nvPr>
-            <p:ph idx="1"/>
-          </p:nvPr>
-        </p:nvSpPr>
-        <p:spPr/>
-        <p:txBody>
-          <a:bodyPr/>
-          <a:lstStyle/>
-          <a:p>
-            <a:pPr algn="l"/>
-            <a:r>
-              <a:rPr lang="zh-CN" altLang="en-US" b="0" i="0" dirty="0">
-                <a:solidFill>
-                  <a:srgbClr val="191919"/>
-                </a:solidFill>
-                <a:effectLst/>
-                <a:latin typeface="PingFang SC"/>
-              </a:rPr>
-              <a:t>市场规模：</a:t>
-            </a:r>
-            <a:endParaRPr lang="en-US" altLang="zh-CN" b="0" i="0" dirty="0">
-              <a:solidFill>
-                <a:srgbClr val="191919"/>
-              </a:solidFill>
-              <a:effectLst/>
-              <a:latin typeface="PingFang SC"/>
-            </a:endParaRPr>
-          </a:p>
-          <a:p>
-            <a:pPr lvl="1"/>
-            <a:r>
-              <a:rPr lang="zh-CN" altLang="en-US" b="0" i="0" dirty="0">
-                <a:solidFill>
-                  <a:srgbClr val="191919"/>
-                </a:solidFill>
-                <a:effectLst/>
-                <a:latin typeface="PingFang SC"/>
-              </a:rPr>
-              <a:t>全球游戏声卡市场规模</a:t>
-            </a:r>
-            <a:r>
-              <a:rPr lang="en-US" altLang="zh-CN" b="0" i="0" dirty="0">
-                <a:solidFill>
-                  <a:srgbClr val="191919"/>
-                </a:solidFill>
-                <a:effectLst/>
-                <a:latin typeface="PingFang SC"/>
-              </a:rPr>
-              <a:t>2021</a:t>
-            </a:r>
-            <a:r>
-              <a:rPr lang="zh-CN" altLang="en-US" b="0" i="0" dirty="0">
-                <a:solidFill>
-                  <a:srgbClr val="191919"/>
-                </a:solidFill>
-                <a:effectLst/>
-                <a:latin typeface="PingFang SC"/>
-              </a:rPr>
-              <a:t>年达</a:t>
-            </a:r>
-            <a:r>
-              <a:rPr lang="en-US" altLang="zh-CN" b="0" i="0" dirty="0">
-                <a:solidFill>
-                  <a:srgbClr val="191919"/>
-                </a:solidFill>
-                <a:effectLst/>
-                <a:latin typeface="PingFang SC"/>
-              </a:rPr>
-              <a:t>24.06</a:t>
-            </a:r>
-            <a:r>
-              <a:rPr lang="zh-CN" altLang="en-US" b="0" i="0" dirty="0">
-                <a:solidFill>
-                  <a:srgbClr val="191919"/>
-                </a:solidFill>
-                <a:effectLst/>
-                <a:latin typeface="PingFang SC"/>
-              </a:rPr>
-              <a:t>亿元（人民币）。</a:t>
-            </a:r>
-            <a:endParaRPr lang="en-US" altLang="zh-CN" b="0" i="0" dirty="0">
-              <a:solidFill>
-                <a:srgbClr val="191919"/>
-              </a:solidFill>
-              <a:effectLst/>
-              <a:latin typeface="PingFang SC"/>
-            </a:endParaRPr>
-          </a:p>
-          <a:p>
-            <a:pPr lvl="1"/>
-            <a:r>
-              <a:rPr lang="zh-CN" altLang="en-US" b="0" i="0" dirty="0">
-                <a:solidFill>
-                  <a:srgbClr val="191919"/>
-                </a:solidFill>
-                <a:effectLst/>
-                <a:latin typeface="PingFang SC"/>
-              </a:rPr>
-              <a:t>主要区域（北美、欧洲、以及亚太等主要地区）在全球游戏声卡市场中的份额占比。其中，</a:t>
-            </a:r>
-            <a:r>
-              <a:rPr lang="en-US" altLang="zh-CN" b="0" i="0" dirty="0">
-                <a:solidFill>
-                  <a:srgbClr val="191919"/>
-                </a:solidFill>
-                <a:effectLst/>
-                <a:latin typeface="PingFang SC"/>
-              </a:rPr>
-              <a:t>2021</a:t>
-            </a:r>
-            <a:r>
-              <a:rPr lang="zh-CN" altLang="en-US" b="0" i="0" dirty="0">
-                <a:solidFill>
-                  <a:srgbClr val="191919"/>
-                </a:solidFill>
-                <a:effectLst/>
-                <a:latin typeface="PingFang SC"/>
-              </a:rPr>
-              <a:t>年中国占全球游戏声卡市场的</a:t>
-            </a:r>
-            <a:r>
-              <a:rPr lang="en-US" altLang="zh-CN" b="0" i="0" dirty="0">
-                <a:solidFill>
-                  <a:srgbClr val="191919"/>
-                </a:solidFill>
-                <a:effectLst/>
-                <a:latin typeface="PingFang SC"/>
-              </a:rPr>
-              <a:t>34.58%</a:t>
-            </a:r>
-            <a:r>
-              <a:rPr lang="zh-CN" altLang="en-US" b="0" i="0" dirty="0">
-                <a:solidFill>
-                  <a:srgbClr val="191919"/>
-                </a:solidFill>
-                <a:effectLst/>
-                <a:latin typeface="PingFang SC"/>
-              </a:rPr>
-              <a:t>。贝哲斯咨询预测，至</a:t>
-            </a:r>
-            <a:r>
-              <a:rPr lang="en-US" altLang="zh-CN" b="0" i="0" dirty="0">
-                <a:solidFill>
-                  <a:srgbClr val="191919"/>
-                </a:solidFill>
-                <a:effectLst/>
-                <a:latin typeface="PingFang SC"/>
-              </a:rPr>
-              <a:t>2027</a:t>
-            </a:r>
-            <a:r>
-              <a:rPr lang="zh-CN" altLang="en-US" b="0" i="0" dirty="0">
-                <a:solidFill>
-                  <a:srgbClr val="191919"/>
-                </a:solidFill>
-                <a:effectLst/>
-                <a:latin typeface="PingFang SC"/>
-              </a:rPr>
-              <a:t>年全球游戏声卡市场规模将以</a:t>
-            </a:r>
-            <a:r>
-              <a:rPr lang="en-US" altLang="zh-CN" b="0" i="0" dirty="0">
-                <a:solidFill>
-                  <a:srgbClr val="191919"/>
-                </a:solidFill>
-                <a:effectLst/>
-                <a:latin typeface="PingFang SC"/>
-              </a:rPr>
-              <a:t>6.75%</a:t>
-            </a:r>
-            <a:r>
-              <a:rPr lang="zh-CN" altLang="en-US" b="0" i="0" dirty="0">
-                <a:solidFill>
-                  <a:srgbClr val="191919"/>
-                </a:solidFill>
-                <a:effectLst/>
-                <a:latin typeface="PingFang SC"/>
-              </a:rPr>
-              <a:t>的</a:t>
-            </a:r>
-            <a:r>
-              <a:rPr lang="en-US" altLang="zh-CN" b="0" i="0" dirty="0">
-                <a:solidFill>
-                  <a:srgbClr val="191919"/>
-                </a:solidFill>
-                <a:effectLst/>
-                <a:latin typeface="PingFang SC"/>
-              </a:rPr>
-              <a:t>CAGR</a:t>
-            </a:r>
-            <a:r>
-              <a:rPr lang="zh-CN" altLang="en-US" b="0" i="0" dirty="0">
-                <a:solidFill>
-                  <a:srgbClr val="191919"/>
-                </a:solidFill>
-                <a:effectLst/>
-                <a:latin typeface="PingFang SC"/>
-              </a:rPr>
-              <a:t>达到</a:t>
-            </a:r>
-            <a:r>
-              <a:rPr lang="en-US" altLang="zh-CN" b="0" i="0" dirty="0">
-                <a:solidFill>
-                  <a:srgbClr val="191919"/>
-                </a:solidFill>
-                <a:effectLst/>
-                <a:latin typeface="PingFang SC"/>
-              </a:rPr>
-              <a:t>35.69</a:t>
-            </a:r>
-            <a:r>
-              <a:rPr lang="zh-CN" altLang="en-US" b="0" i="0" dirty="0">
-                <a:solidFill>
-                  <a:srgbClr val="191919"/>
-                </a:solidFill>
-                <a:effectLst/>
-                <a:latin typeface="PingFang SC"/>
-              </a:rPr>
-              <a:t>亿元。</a:t>
-            </a:r>
-          </a:p>
-          <a:p>
-            <a:pPr lvl="1"/>
-            <a:r>
-              <a:rPr lang="zh-CN" altLang="en-US" b="0" i="0" dirty="0">
-                <a:solidFill>
-                  <a:srgbClr val="191919"/>
-                </a:solidFill>
-                <a:effectLst/>
-                <a:latin typeface="PingFang SC"/>
-              </a:rPr>
-              <a:t>报告出版商</a:t>
-            </a:r>
-            <a:r>
-              <a:rPr lang="en-US" altLang="zh-CN" b="0" i="0" dirty="0">
-                <a:solidFill>
-                  <a:srgbClr val="191919"/>
-                </a:solidFill>
-                <a:effectLst/>
-                <a:latin typeface="PingFang SC"/>
-              </a:rPr>
-              <a:t>: </a:t>
-            </a:r>
-            <a:r>
-              <a:rPr lang="zh-CN" altLang="en-US" b="0" i="0" dirty="0">
-                <a:solidFill>
-                  <a:srgbClr val="191919"/>
-                </a:solidFill>
-                <a:effectLst/>
-                <a:latin typeface="PingFang SC"/>
-              </a:rPr>
-              <a:t>湖南贝哲斯信息咨询有限公司</a:t>
-            </a:r>
-            <a:endParaRPr lang="en-US" altLang="zh-CN" b="0" i="0" dirty="0">
-              <a:solidFill>
-                <a:srgbClr val="191919"/>
-              </a:solidFill>
-              <a:effectLst/>
-              <a:latin typeface="PingFang SC"/>
-            </a:endParaRPr>
-          </a:p>
-          <a:p>
-            <a:r>
-              <a:rPr lang="en-US" altLang="zh-CN" b="1" dirty="0">
-                <a:solidFill>
-                  <a:srgbClr val="404040"/>
-                </a:solidFill>
-                <a:effectLst/>
-                <a:latin typeface="MicrosoftYaHei Bold"/>
-              </a:rPr>
-              <a:t>2022</a:t>
-            </a:r>
-            <a:r>
-              <a:rPr lang="zh-CN" altLang="en-US" b="1" dirty="0">
-                <a:solidFill>
-                  <a:srgbClr val="404040"/>
-                </a:solidFill>
-                <a:effectLst/>
-                <a:latin typeface="MicrosoftYaHei Bold"/>
-              </a:rPr>
-              <a:t>年游戏用</a:t>
-            </a:r>
-            <a:r>
-              <a:rPr lang="en-US" altLang="zh-CN" b="1" dirty="0">
-                <a:solidFill>
-                  <a:srgbClr val="404040"/>
-                </a:solidFill>
-                <a:effectLst/>
-                <a:latin typeface="MicrosoftYaHei Bold"/>
-              </a:rPr>
-              <a:t>USB</a:t>
-            </a:r>
-            <a:r>
-              <a:rPr lang="zh-CN" altLang="en-US" b="1" dirty="0">
-                <a:solidFill>
-                  <a:srgbClr val="404040"/>
-                </a:solidFill>
-                <a:effectLst/>
-                <a:latin typeface="MicrosoftYaHei Bold"/>
-              </a:rPr>
-              <a:t>声卡可行性行业调研报告</a:t>
-            </a:r>
-          </a:p>
-          <a:p>
-            <a:pPr lvl="1"/>
-            <a:endParaRPr lang="zh-CN" altLang="en-US" b="0" i="0" dirty="0">
-              <a:solidFill>
-                <a:srgbClr val="191919"/>
-              </a:solidFill>
-              <a:effectLst/>
-              <a:latin typeface="PingFang SC"/>
-            </a:endParaRPr>
-          </a:p>
-          <a:p>
-            <a:endParaRPr lang="zh-CN" altLang="en-US" dirty="0"/>
+              <a:t>年供应链中断次数</a:t>
+            </a:r>
           </a:p>
         </p:txBody>
       </p:sp>
       <p:pic>
         <p:nvPicPr>
-          <p:cNvPr id="1026" name="Picture 2">
-            <a:extLst>
-              <a:ext uri="{FF2B5EF4-FFF2-40B4-BE49-F238E27FC236}">
-                <a16:creationId xmlns:a16="http://schemas.microsoft.com/office/drawing/2014/main" id="{93BE0554-8265-FF93-3DD2-1D94BDFA4259}"/>
+          <p:cNvPr id="5" name="内容占位符 4">
+            <a:extLst>
+              <a:ext uri="{FF2B5EF4-FFF2-40B4-BE49-F238E27FC236}">
+                <a16:creationId xmlns:a16="http://schemas.microsoft.com/office/drawing/2014/main" id="{B2539918-CEA2-A9F2-3874-AD58E46C3297}"/>
               </a:ext>
             </a:extLst>
           </p:cNvPr>
           <p:cNvPicPr>
-            <a:picLocks noChangeAspect="1" noChangeArrowheads="1"/>
+            <a:picLocks noGrp="1" noChangeAspect="1"/>
           </p:cNvPicPr>
-          <p:nvPr/>
+          <p:nvPr>
+            <p:ph idx="1"/>
+          </p:nvPr>
         </p:nvPicPr>
         <p:blipFill>
           <a:blip r:embed="rId2">
@@ -4711,35 +4392,342 @@
               </a:ext>
             </a:extLst>
           </a:blip>
-          <a:srcRect/>
           <a:stretch>
             <a:fillRect/>
           </a:stretch>
         </p:blipFill>
-        <p:spPr bwMode="auto">
+        <p:spPr>
           <a:xfrm>
-            <a:off x="8620369" y="3709255"/>
-            <a:ext cx="2467708" cy="2467708"/>
+            <a:off x="0" y="1346915"/>
+            <a:ext cx="6758609" cy="5495043"/>
+          </a:xfrm>
+        </p:spPr>
+      </p:pic>
+      <p:sp>
+        <p:nvSpPr>
+          <p:cNvPr id="6" name="内容占位符 2">
+            <a:extLst>
+              <a:ext uri="{FF2B5EF4-FFF2-40B4-BE49-F238E27FC236}">
+                <a16:creationId xmlns:a16="http://schemas.microsoft.com/office/drawing/2014/main" id="{CAE1FFA1-79AD-5F04-40D0-E4ADC46C85A2}"/>
+              </a:ext>
+            </a:extLst>
+          </p:cNvPr>
+          <p:cNvSpPr txBox="1">
+            <a:spLocks/>
+          </p:cNvSpPr>
+          <p:nvPr/>
+        </p:nvSpPr>
+        <p:spPr>
+          <a:xfrm>
+            <a:off x="6917636" y="1825625"/>
+            <a:ext cx="4436164" cy="2802034"/>
           </a:xfrm>
           <a:prstGeom prst="rect">
             <a:avLst/>
           </a:prstGeom>
-          <a:noFill/>
-          <a:extLst>
-            <a:ext uri="{909E8E84-426E-40DD-AFC4-6F175D3DCCD1}">
-              <a14:hiddenFill xmlns:a14="http://schemas.microsoft.com/office/drawing/2010/main">
-                <a:solidFill>
-                  <a:srgbClr val="FFFFFF"/>
-                </a:solidFill>
-              </a14:hiddenFill>
-            </a:ext>
-          </a:extLst>
         </p:spPr>
-      </p:pic>
+        <p:txBody>
+          <a:bodyPr vert="horz" lIns="91440" tIns="45720" rIns="91440" bIns="45720" rtlCol="0">
+            <a:normAutofit fontScale="85000" lnSpcReduction="10000"/>
+          </a:bodyPr>
+          <a:lstStyle>
+            <a:lvl1pPr marL="228600" indent="-228600" algn="l" defTabSz="914400" rtl="0" eaLnBrk="1" latinLnBrk="0" hangingPunct="1">
+              <a:lnSpc>
+                <a:spcPct val="90000"/>
+              </a:lnSpc>
+              <a:spcBef>
+                <a:spcPts val="1000"/>
+              </a:spcBef>
+              <a:buFont typeface="Arial" panose="020B0604020202020204" pitchFamily="34" charset="0"/>
+              <a:buChar char="•"/>
+              <a:defRPr sz="2800" kern="1200">
+                <a:solidFill>
+                  <a:schemeClr val="tx1"/>
+                </a:solidFill>
+                <a:latin typeface="+mn-lt"/>
+                <a:ea typeface="+mn-ea"/>
+                <a:cs typeface="+mn-cs"/>
+              </a:defRPr>
+            </a:lvl1pPr>
+            <a:lvl2pPr marL="685800" indent="-228600" algn="l" defTabSz="914400" rtl="0" eaLnBrk="1" latinLnBrk="0" hangingPunct="1">
+              <a:lnSpc>
+                <a:spcPct val="90000"/>
+              </a:lnSpc>
+              <a:spcBef>
+                <a:spcPts val="500"/>
+              </a:spcBef>
+              <a:buFont typeface="Arial" panose="020B0604020202020204" pitchFamily="34" charset="0"/>
+              <a:buChar char="•"/>
+              <a:defRPr sz="2400" kern="1200">
+                <a:solidFill>
+                  <a:schemeClr val="tx1"/>
+                </a:solidFill>
+                <a:latin typeface="+mn-lt"/>
+                <a:ea typeface="+mn-ea"/>
+                <a:cs typeface="+mn-cs"/>
+              </a:defRPr>
+            </a:lvl2pPr>
+            <a:lvl3pPr marL="1143000" indent="-228600" algn="l" defTabSz="914400" rtl="0" eaLnBrk="1" latinLnBrk="0" hangingPunct="1">
+              <a:lnSpc>
+                <a:spcPct val="90000"/>
+              </a:lnSpc>
+              <a:spcBef>
+                <a:spcPts val="500"/>
+              </a:spcBef>
+              <a:buFont typeface="Arial" panose="020B0604020202020204" pitchFamily="34" charset="0"/>
+              <a:buChar char="•"/>
+              <a:defRPr sz="2000" kern="1200">
+                <a:solidFill>
+                  <a:schemeClr val="tx1"/>
+                </a:solidFill>
+                <a:latin typeface="+mn-lt"/>
+                <a:ea typeface="+mn-ea"/>
+                <a:cs typeface="+mn-cs"/>
+              </a:defRPr>
+            </a:lvl3pPr>
+            <a:lvl4pPr marL="1600200" indent="-228600" algn="l" defTabSz="914400" rtl="0" eaLnBrk="1" latinLnBrk="0" hangingPunct="1">
+              <a:lnSpc>
+                <a:spcPct val="90000"/>
+              </a:lnSpc>
+              <a:spcBef>
+                <a:spcPts val="500"/>
+              </a:spcBef>
+              <a:buFont typeface="Arial" panose="020B0604020202020204" pitchFamily="34" charset="0"/>
+              <a:buChar char="•"/>
+              <a:defRPr sz="1800" kern="1200">
+                <a:solidFill>
+                  <a:schemeClr val="tx1"/>
+                </a:solidFill>
+                <a:latin typeface="+mn-lt"/>
+                <a:ea typeface="+mn-ea"/>
+                <a:cs typeface="+mn-cs"/>
+              </a:defRPr>
+            </a:lvl4pPr>
+            <a:lvl5pPr marL="2057400" indent="-228600" algn="l" defTabSz="914400" rtl="0" eaLnBrk="1" latinLnBrk="0" hangingPunct="1">
+              <a:lnSpc>
+                <a:spcPct val="90000"/>
+              </a:lnSpc>
+              <a:spcBef>
+                <a:spcPts val="500"/>
+              </a:spcBef>
+              <a:buFont typeface="Arial" panose="020B0604020202020204" pitchFamily="34" charset="0"/>
+              <a:buChar char="•"/>
+              <a:defRPr sz="1800" kern="1200">
+                <a:solidFill>
+                  <a:schemeClr val="tx1"/>
+                </a:solidFill>
+                <a:latin typeface="+mn-lt"/>
+                <a:ea typeface="+mn-ea"/>
+                <a:cs typeface="+mn-cs"/>
+              </a:defRPr>
+            </a:lvl5pPr>
+            <a:lvl6pPr marL="2514600" indent="-228600" algn="l" defTabSz="914400" rtl="0" eaLnBrk="1" latinLnBrk="0" hangingPunct="1">
+              <a:lnSpc>
+                <a:spcPct val="90000"/>
+              </a:lnSpc>
+              <a:spcBef>
+                <a:spcPts val="500"/>
+              </a:spcBef>
+              <a:buFont typeface="Arial" panose="020B0604020202020204" pitchFamily="34" charset="0"/>
+              <a:buChar char="•"/>
+              <a:defRPr sz="1800" kern="1200">
+                <a:solidFill>
+                  <a:schemeClr val="tx1"/>
+                </a:solidFill>
+                <a:latin typeface="+mn-lt"/>
+                <a:ea typeface="+mn-ea"/>
+                <a:cs typeface="+mn-cs"/>
+              </a:defRPr>
+            </a:lvl6pPr>
+            <a:lvl7pPr marL="2971800" indent="-228600" algn="l" defTabSz="914400" rtl="0" eaLnBrk="1" latinLnBrk="0" hangingPunct="1">
+              <a:lnSpc>
+                <a:spcPct val="90000"/>
+              </a:lnSpc>
+              <a:spcBef>
+                <a:spcPts val="500"/>
+              </a:spcBef>
+              <a:buFont typeface="Arial" panose="020B0604020202020204" pitchFamily="34" charset="0"/>
+              <a:buChar char="•"/>
+              <a:defRPr sz="1800" kern="1200">
+                <a:solidFill>
+                  <a:schemeClr val="tx1"/>
+                </a:solidFill>
+                <a:latin typeface="+mn-lt"/>
+                <a:ea typeface="+mn-ea"/>
+                <a:cs typeface="+mn-cs"/>
+              </a:defRPr>
+            </a:lvl7pPr>
+            <a:lvl8pPr marL="3429000" indent="-228600" algn="l" defTabSz="914400" rtl="0" eaLnBrk="1" latinLnBrk="0" hangingPunct="1">
+              <a:lnSpc>
+                <a:spcPct val="90000"/>
+              </a:lnSpc>
+              <a:spcBef>
+                <a:spcPts val="500"/>
+              </a:spcBef>
+              <a:buFont typeface="Arial" panose="020B0604020202020204" pitchFamily="34" charset="0"/>
+              <a:buChar char="•"/>
+              <a:defRPr sz="1800" kern="1200">
+                <a:solidFill>
+                  <a:schemeClr val="tx1"/>
+                </a:solidFill>
+                <a:latin typeface="+mn-lt"/>
+                <a:ea typeface="+mn-ea"/>
+                <a:cs typeface="+mn-cs"/>
+              </a:defRPr>
+            </a:lvl8pPr>
+            <a:lvl9pPr marL="3886200" indent="-228600" algn="l" defTabSz="914400" rtl="0" eaLnBrk="1" latinLnBrk="0" hangingPunct="1">
+              <a:lnSpc>
+                <a:spcPct val="90000"/>
+              </a:lnSpc>
+              <a:spcBef>
+                <a:spcPts val="500"/>
+              </a:spcBef>
+              <a:buFont typeface="Arial" panose="020B0604020202020204" pitchFamily="34" charset="0"/>
+              <a:buChar char="•"/>
+              <a:defRPr sz="1800" kern="1200">
+                <a:solidFill>
+                  <a:schemeClr val="tx1"/>
+                </a:solidFill>
+                <a:latin typeface="+mn-lt"/>
+                <a:ea typeface="+mn-ea"/>
+                <a:cs typeface="+mn-cs"/>
+              </a:defRPr>
+            </a:lvl9pPr>
+          </a:lstStyle>
+          <a:p>
+            <a:r>
+              <a:rPr lang="zh-CN" altLang="en-US" dirty="0">
+                <a:solidFill>
+                  <a:srgbClr val="121212"/>
+                </a:solidFill>
+                <a:latin typeface="-apple-system"/>
+              </a:rPr>
+              <a:t>美国的芯片禁售令，</a:t>
+            </a:r>
+            <a:r>
+              <a:rPr lang="zh-CN" altLang="en-US" b="0" i="0" dirty="0">
+                <a:solidFill>
+                  <a:srgbClr val="121212"/>
+                </a:solidFill>
+                <a:effectLst/>
+                <a:latin typeface="-apple-system"/>
+              </a:rPr>
+              <a:t>对我国的芯片制造行业主要有几点影响：</a:t>
+            </a:r>
+            <a:endParaRPr lang="en-US" altLang="zh-CN" dirty="0">
+              <a:solidFill>
+                <a:srgbClr val="121212"/>
+              </a:solidFill>
+              <a:latin typeface="-apple-system"/>
+            </a:endParaRPr>
+          </a:p>
+          <a:p>
+            <a:pPr lvl="1"/>
+            <a:r>
+              <a:rPr lang="zh-CN" altLang="en-US" dirty="0">
+                <a:solidFill>
+                  <a:srgbClr val="121212"/>
+                </a:solidFill>
+                <a:latin typeface="-apple-system"/>
+              </a:rPr>
+              <a:t>我国芯片制造类公司如</a:t>
+            </a:r>
+            <a:r>
+              <a:rPr lang="zh-CN" altLang="en-US" dirty="0">
+                <a:latin typeface="-apple-system"/>
+                <a:hlinkClick r:id="rId3"/>
+              </a:rPr>
+              <a:t>中芯国际</a:t>
+            </a:r>
+            <a:r>
+              <a:rPr lang="zh-CN" altLang="en-US" dirty="0">
+                <a:solidFill>
+                  <a:srgbClr val="121212"/>
+                </a:solidFill>
+                <a:latin typeface="-apple-system"/>
+              </a:rPr>
+              <a:t>等，如要用到生产</a:t>
+            </a:r>
+            <a:r>
+              <a:rPr lang="en-US" altLang="zh-CN" dirty="0">
+                <a:solidFill>
+                  <a:srgbClr val="121212"/>
+                </a:solidFill>
+                <a:latin typeface="-apple-system"/>
+              </a:rPr>
+              <a:t>16nm</a:t>
+            </a:r>
+            <a:r>
+              <a:rPr lang="zh-CN" altLang="en-US" dirty="0">
+                <a:solidFill>
+                  <a:srgbClr val="121212"/>
+                </a:solidFill>
+                <a:latin typeface="-apple-system"/>
+              </a:rPr>
+              <a:t>制程及以下的芯片，购买的芯片制造设备中含有美国技术的，需要向美国申请许可证。</a:t>
+            </a:r>
+            <a:endParaRPr lang="en-US" altLang="zh-CN" dirty="0">
+              <a:solidFill>
+                <a:srgbClr val="121212"/>
+              </a:solidFill>
+              <a:latin typeface="-apple-system"/>
+            </a:endParaRPr>
+          </a:p>
+          <a:p>
+            <a:pPr lvl="1"/>
+            <a:r>
+              <a:rPr lang="en-US" altLang="zh-CN" dirty="0">
+                <a:solidFill>
+                  <a:srgbClr val="121212"/>
+                </a:solidFill>
+                <a:latin typeface="-apple-system"/>
+              </a:rPr>
+              <a:t>16nm</a:t>
+            </a:r>
+            <a:r>
+              <a:rPr lang="zh-CN" altLang="en-US" dirty="0">
+                <a:solidFill>
+                  <a:srgbClr val="121212"/>
+                </a:solidFill>
+                <a:latin typeface="-apple-system"/>
+              </a:rPr>
+              <a:t>以上及</a:t>
+            </a:r>
+            <a:r>
+              <a:rPr lang="en-US" altLang="zh-CN" dirty="0">
+                <a:solidFill>
+                  <a:srgbClr val="121212"/>
+                </a:solidFill>
+                <a:latin typeface="-apple-system"/>
+              </a:rPr>
+              <a:t>28nm</a:t>
+            </a:r>
+            <a:r>
+              <a:rPr lang="zh-CN" altLang="en-US" dirty="0">
+                <a:solidFill>
+                  <a:srgbClr val="121212"/>
+                </a:solidFill>
+                <a:latin typeface="-apple-system"/>
+              </a:rPr>
+              <a:t>芯片生产，设计，都无什么影响</a:t>
+            </a:r>
+            <a:endParaRPr lang="en-US" altLang="zh-CN" dirty="0">
+              <a:solidFill>
+                <a:srgbClr val="121212"/>
+              </a:solidFill>
+              <a:latin typeface="-apple-system"/>
+            </a:endParaRPr>
+          </a:p>
+          <a:p>
+            <a:pPr lvl="1"/>
+            <a:endParaRPr lang="zh-CN" altLang="en-US" dirty="0"/>
+          </a:p>
+        </p:txBody>
+      </p:sp>
     </p:spTree>
     <p:extLst>
       <p:ext uri="{BB962C8B-B14F-4D97-AF65-F5344CB8AC3E}">
-        <p14:creationId xmlns:p14="http://schemas.microsoft.com/office/powerpoint/2010/main" val="3243233379"/>
+        <p14:creationId xmlns:p14="http://schemas.microsoft.com/office/powerpoint/2010/main" val="2297320895"/>
       </p:ext>
     </p:extLst>
   </p:cSld>
@@ -4771,7 +4759,7 @@
           <p:cNvPr id="2" name="标题 1">
             <a:extLst>
               <a:ext uri="{FF2B5EF4-FFF2-40B4-BE49-F238E27FC236}">
-                <a16:creationId xmlns:a16="http://schemas.microsoft.com/office/drawing/2014/main" id="{5D91B373-4DA1-3F20-B3B7-5C29897E4235}"/>
+                <a16:creationId xmlns:a16="http://schemas.microsoft.com/office/drawing/2014/main" id="{A3818E53-9846-FBD8-29CE-4E1267D91DCC}"/>
               </a:ext>
             </a:extLst>
           </p:cNvPr>
@@ -4782,37 +4770,44 @@
             <p:ph type="title"/>
           </p:nvPr>
         </p:nvSpPr>
-        <p:spPr/>
+        <p:spPr>
+          <a:xfrm>
+            <a:off x="7285679" y="162893"/>
+            <a:ext cx="4679343" cy="1325563"/>
+          </a:xfrm>
+        </p:spPr>
         <p:txBody>
           <a:bodyPr/>
           <a:lstStyle/>
           <a:p>
             <a:r>
+              <a:rPr lang="zh-CN" altLang="en-US" dirty="0"/>
+              <a:t>全球数字</a:t>
+            </a:r>
+            <a:r>
               <a:rPr lang="en-US" altLang="zh-CN" dirty="0"/>
-              <a:t>TWS </a:t>
+              <a:t>IC</a:t>
             </a:r>
             <a:r>
               <a:rPr lang="zh-CN" altLang="en-US" dirty="0"/>
-              <a:t>产品线</a:t>
+              <a:t>产业链</a:t>
             </a:r>
           </a:p>
         </p:txBody>
       </p:sp>
       <p:pic>
         <p:nvPicPr>
-          <p:cNvPr id="10" name="内容占位符 9">
-            <a:extLst>
-              <a:ext uri="{FF2B5EF4-FFF2-40B4-BE49-F238E27FC236}">
-                <a16:creationId xmlns:a16="http://schemas.microsoft.com/office/drawing/2014/main" id="{65A4E38E-591E-3114-91B5-3C11F3CE4816}"/>
+          <p:cNvPr id="1026" name="Picture 2">
+            <a:extLst>
+              <a:ext uri="{FF2B5EF4-FFF2-40B4-BE49-F238E27FC236}">
+                <a16:creationId xmlns:a16="http://schemas.microsoft.com/office/drawing/2014/main" id="{B2E5A8A3-2948-DC0B-38BC-7E1130366147}"/>
               </a:ext>
             </a:extLst>
           </p:cNvPr>
           <p:cNvPicPr>
-            <a:picLocks noGrp="1" noChangeAspect="1"/>
+            <a:picLocks noChangeAspect="1" noChangeArrowheads="1"/>
           </p:cNvPicPr>
-          <p:nvPr>
-            <p:ph idx="1"/>
-          </p:nvPr>
+          <p:nvPr/>
         </p:nvPicPr>
         <p:blipFill>
           <a:blip r:embed="rId2">
@@ -4822,111 +4817,302 @@
               </a:ext>
             </a:extLst>
           </a:blip>
+          <a:srcRect/>
+          <a:stretch>
+            <a:fillRect/>
+          </a:stretch>
+        </p:blipFill>
+        <p:spPr bwMode="auto">
+          <a:xfrm>
+            <a:off x="0" y="2530777"/>
+            <a:ext cx="3486870" cy="1893178"/>
+          </a:xfrm>
+          <a:prstGeom prst="rect">
+            <a:avLst/>
+          </a:prstGeom>
+          <a:noFill/>
+          <a:extLst>
+            <a:ext uri="{909E8E84-426E-40DD-AFC4-6F175D3DCCD1}">
+              <a14:hiddenFill xmlns:a14="http://schemas.microsoft.com/office/drawing/2010/main">
+                <a:solidFill>
+                  <a:srgbClr val="FFFFFF"/>
+                </a:solidFill>
+              </a14:hiddenFill>
+            </a:ext>
+          </a:extLst>
+        </p:spPr>
+      </p:pic>
+      <p:pic>
+        <p:nvPicPr>
+          <p:cNvPr id="1030" name="Picture 6">
+            <a:extLst>
+              <a:ext uri="{FF2B5EF4-FFF2-40B4-BE49-F238E27FC236}">
+                <a16:creationId xmlns:a16="http://schemas.microsoft.com/office/drawing/2014/main" id="{0191D247-D08D-3E8F-51C9-6EF633D9B0E8}"/>
+              </a:ext>
+            </a:extLst>
+          </p:cNvPr>
+          <p:cNvPicPr>
+            <a:picLocks noGrp="1" noChangeAspect="1" noChangeArrowheads="1"/>
+          </p:cNvPicPr>
+          <p:nvPr>
+            <p:ph idx="1"/>
+          </p:nvPr>
+        </p:nvPicPr>
+        <p:blipFill>
+          <a:blip r:embed="rId3">
+            <a:extLst>
+              <a:ext uri="{28A0092B-C50C-407E-A947-70E740481C1C}">
+                <a14:useLocalDpi xmlns:a14="http://schemas.microsoft.com/office/drawing/2010/main" val="0"/>
+              </a:ext>
+            </a:extLst>
+          </a:blip>
+          <a:srcRect/>
+          <a:stretch>
+            <a:fillRect/>
+          </a:stretch>
+        </p:blipFill>
+        <p:spPr bwMode="auto">
+          <a:xfrm>
+            <a:off x="3319296" y="446136"/>
+            <a:ext cx="3316758" cy="2084641"/>
+          </a:xfrm>
+          <a:prstGeom prst="rect">
+            <a:avLst/>
+          </a:prstGeom>
+          <a:noFill/>
+          <a:extLst>
+            <a:ext uri="{909E8E84-426E-40DD-AFC4-6F175D3DCCD1}">
+              <a14:hiddenFill xmlns:a14="http://schemas.microsoft.com/office/drawing/2010/main">
+                <a:solidFill>
+                  <a:srgbClr val="FFFFFF"/>
+                </a:solidFill>
+              </a14:hiddenFill>
+            </a:ext>
+          </a:extLst>
+        </p:spPr>
+      </p:pic>
+      <p:pic>
+        <p:nvPicPr>
+          <p:cNvPr id="1032" name="Picture 8">
+            <a:extLst>
+              <a:ext uri="{FF2B5EF4-FFF2-40B4-BE49-F238E27FC236}">
+                <a16:creationId xmlns:a16="http://schemas.microsoft.com/office/drawing/2014/main" id="{1DE16DE7-D071-F6BA-1814-D88839594442}"/>
+              </a:ext>
+            </a:extLst>
+          </p:cNvPr>
+          <p:cNvPicPr>
+            <a:picLocks noChangeAspect="1" noChangeArrowheads="1"/>
+          </p:cNvPicPr>
+          <p:nvPr/>
+        </p:nvPicPr>
+        <p:blipFill>
+          <a:blip r:embed="rId4">
+            <a:extLst>
+              <a:ext uri="{28A0092B-C50C-407E-A947-70E740481C1C}">
+                <a14:useLocalDpi xmlns:a14="http://schemas.microsoft.com/office/drawing/2010/main" val="0"/>
+              </a:ext>
+            </a:extLst>
+          </a:blip>
+          <a:srcRect/>
+          <a:stretch>
+            <a:fillRect/>
+          </a:stretch>
+        </p:blipFill>
+        <p:spPr bwMode="auto">
+          <a:xfrm>
+            <a:off x="3319296" y="4535193"/>
+            <a:ext cx="3316758" cy="2086948"/>
+          </a:xfrm>
+          <a:prstGeom prst="rect">
+            <a:avLst/>
+          </a:prstGeom>
+          <a:noFill/>
+          <a:extLst>
+            <a:ext uri="{909E8E84-426E-40DD-AFC4-6F175D3DCCD1}">
+              <a14:hiddenFill xmlns:a14="http://schemas.microsoft.com/office/drawing/2010/main">
+                <a:solidFill>
+                  <a:srgbClr val="FFFFFF"/>
+                </a:solidFill>
+              </a14:hiddenFill>
+            </a:ext>
+          </a:extLst>
+        </p:spPr>
+      </p:pic>
+      <p:pic>
+        <p:nvPicPr>
+          <p:cNvPr id="1034" name="Picture 10">
+            <a:extLst>
+              <a:ext uri="{FF2B5EF4-FFF2-40B4-BE49-F238E27FC236}">
+                <a16:creationId xmlns:a16="http://schemas.microsoft.com/office/drawing/2014/main" id="{B1A646F5-00B0-C026-FA81-30F3C2EE948B}"/>
+              </a:ext>
+            </a:extLst>
+          </p:cNvPr>
+          <p:cNvPicPr>
+            <a:picLocks noChangeAspect="1" noChangeArrowheads="1"/>
+          </p:cNvPicPr>
+          <p:nvPr/>
+        </p:nvPicPr>
+        <p:blipFill>
+          <a:blip r:embed="rId5">
+            <a:extLst>
+              <a:ext uri="{28A0092B-C50C-407E-A947-70E740481C1C}">
+                <a14:useLocalDpi xmlns:a14="http://schemas.microsoft.com/office/drawing/2010/main" val="0"/>
+              </a:ext>
+            </a:extLst>
+          </a:blip>
+          <a:srcRect/>
+          <a:stretch>
+            <a:fillRect/>
+          </a:stretch>
+        </p:blipFill>
+        <p:spPr bwMode="auto">
+          <a:xfrm>
+            <a:off x="9300538" y="4743829"/>
+            <a:ext cx="2664484" cy="1669677"/>
+          </a:xfrm>
+          <a:prstGeom prst="rect">
+            <a:avLst/>
+          </a:prstGeom>
+          <a:noFill/>
+          <a:extLst>
+            <a:ext uri="{909E8E84-426E-40DD-AFC4-6F175D3DCCD1}">
+              <a14:hiddenFill xmlns:a14="http://schemas.microsoft.com/office/drawing/2010/main">
+                <a:solidFill>
+                  <a:srgbClr val="FFFFFF"/>
+                </a:solidFill>
+              </a14:hiddenFill>
+            </a:ext>
+          </a:extLst>
+        </p:spPr>
+      </p:pic>
+      <p:pic>
+        <p:nvPicPr>
+          <p:cNvPr id="1036" name="Picture 12">
+            <a:extLst>
+              <a:ext uri="{FF2B5EF4-FFF2-40B4-BE49-F238E27FC236}">
+                <a16:creationId xmlns:a16="http://schemas.microsoft.com/office/drawing/2014/main" id="{129FC4B1-CE75-01D7-DCB4-E66878978E94}"/>
+              </a:ext>
+            </a:extLst>
+          </p:cNvPr>
+          <p:cNvPicPr>
+            <a:picLocks noChangeAspect="1" noChangeArrowheads="1"/>
+          </p:cNvPicPr>
+          <p:nvPr/>
+        </p:nvPicPr>
+        <p:blipFill>
+          <a:blip r:embed="rId6">
+            <a:extLst>
+              <a:ext uri="{28A0092B-C50C-407E-A947-70E740481C1C}">
+                <a14:useLocalDpi xmlns:a14="http://schemas.microsoft.com/office/drawing/2010/main" val="0"/>
+              </a:ext>
+            </a:extLst>
+          </a:blip>
+          <a:srcRect/>
+          <a:stretch>
+            <a:fillRect/>
+          </a:stretch>
+        </p:blipFill>
+        <p:spPr bwMode="auto">
+          <a:xfrm>
+            <a:off x="6636054" y="4743829"/>
+            <a:ext cx="2664484" cy="1669676"/>
+          </a:xfrm>
+          <a:prstGeom prst="rect">
+            <a:avLst/>
+          </a:prstGeom>
+          <a:noFill/>
+          <a:extLst>
+            <a:ext uri="{909E8E84-426E-40DD-AFC4-6F175D3DCCD1}">
+              <a14:hiddenFill xmlns:a14="http://schemas.microsoft.com/office/drawing/2010/main">
+                <a:solidFill>
+                  <a:srgbClr val="FFFFFF"/>
+                </a:solidFill>
+              </a14:hiddenFill>
+            </a:ext>
+          </a:extLst>
+        </p:spPr>
+      </p:pic>
+      <p:pic>
+        <p:nvPicPr>
+          <p:cNvPr id="1038" name="Picture 14">
+            <a:extLst>
+              <a:ext uri="{FF2B5EF4-FFF2-40B4-BE49-F238E27FC236}">
+                <a16:creationId xmlns:a16="http://schemas.microsoft.com/office/drawing/2014/main" id="{7A46E4DF-4538-7C59-D4CF-1E907FB634A6}"/>
+              </a:ext>
+            </a:extLst>
+          </p:cNvPr>
+          <p:cNvPicPr>
+            <a:picLocks noChangeAspect="1" noChangeArrowheads="1"/>
+          </p:cNvPicPr>
+          <p:nvPr/>
+        </p:nvPicPr>
+        <p:blipFill>
+          <a:blip r:embed="rId7">
+            <a:extLst>
+              <a:ext uri="{28A0092B-C50C-407E-A947-70E740481C1C}">
+                <a14:useLocalDpi xmlns:a14="http://schemas.microsoft.com/office/drawing/2010/main" val="0"/>
+              </a:ext>
+            </a:extLst>
+          </a:blip>
+          <a:srcRect/>
+          <a:stretch>
+            <a:fillRect/>
+          </a:stretch>
+        </p:blipFill>
+        <p:spPr bwMode="auto">
+          <a:xfrm>
+            <a:off x="3319296" y="2456774"/>
+            <a:ext cx="3316758" cy="2078419"/>
+          </a:xfrm>
+          <a:prstGeom prst="rect">
+            <a:avLst/>
+          </a:prstGeom>
+          <a:noFill/>
+          <a:extLst>
+            <a:ext uri="{909E8E84-426E-40DD-AFC4-6F175D3DCCD1}">
+              <a14:hiddenFill xmlns:a14="http://schemas.microsoft.com/office/drawing/2010/main">
+                <a:solidFill>
+                  <a:srgbClr val="FFFFFF"/>
+                </a:solidFill>
+              </a14:hiddenFill>
+            </a:ext>
+          </a:extLst>
+        </p:spPr>
+      </p:pic>
+      <p:pic>
+        <p:nvPicPr>
+          <p:cNvPr id="6" name="图片 5">
+            <a:extLst>
+              <a:ext uri="{FF2B5EF4-FFF2-40B4-BE49-F238E27FC236}">
+                <a16:creationId xmlns:a16="http://schemas.microsoft.com/office/drawing/2014/main" id="{BFB24CDD-AA31-9CC1-4C3C-9D7C359AE9C9}"/>
+              </a:ext>
+            </a:extLst>
+          </p:cNvPr>
+          <p:cNvPicPr>
+            <a:picLocks noChangeAspect="1"/>
+          </p:cNvPicPr>
+          <p:nvPr/>
+        </p:nvPicPr>
+        <p:blipFill>
+          <a:blip r:embed="rId8"/>
           <a:stretch>
             <a:fillRect/>
           </a:stretch>
         </p:blipFill>
         <p:spPr>
           <a:xfrm>
-            <a:off x="7484571" y="2994662"/>
-            <a:ext cx="4707429" cy="3863338"/>
+            <a:off x="6636054" y="2613226"/>
+            <a:ext cx="2481096" cy="1868296"/>
           </a:xfrm>
+          <a:prstGeom prst="rect">
+            <a:avLst/>
+          </a:prstGeom>
         </p:spPr>
       </p:pic>
-      <p:grpSp>
-        <p:nvGrpSpPr>
-          <p:cNvPr id="7" name="组合 6">
-            <a:extLst>
-              <a:ext uri="{FF2B5EF4-FFF2-40B4-BE49-F238E27FC236}">
-                <a16:creationId xmlns:a16="http://schemas.microsoft.com/office/drawing/2014/main" id="{A6011B77-515C-D91E-A597-D97F210696CC}"/>
-              </a:ext>
-            </a:extLst>
-          </p:cNvPr>
-          <p:cNvGrpSpPr/>
-          <p:nvPr/>
-        </p:nvGrpSpPr>
-        <p:grpSpPr>
-          <a:xfrm>
-            <a:off x="8010161" y="0"/>
-            <a:ext cx="4181839" cy="2920416"/>
-            <a:chOff x="8010161" y="0"/>
-            <a:chExt cx="4181839" cy="2920416"/>
-          </a:xfrm>
-        </p:grpSpPr>
-        <p:pic>
-          <p:nvPicPr>
-            <p:cNvPr id="5" name="图片 4">
-              <a:extLst>
-                <a:ext uri="{FF2B5EF4-FFF2-40B4-BE49-F238E27FC236}">
-                  <a16:creationId xmlns:a16="http://schemas.microsoft.com/office/drawing/2014/main" id="{E67B22C9-2271-A175-18A0-73AEC5BDF838}"/>
-                </a:ext>
-              </a:extLst>
-            </p:cNvPr>
-            <p:cNvPicPr>
-              <a:picLocks noChangeAspect="1"/>
-            </p:cNvPicPr>
-            <p:nvPr/>
-          </p:nvPicPr>
-          <p:blipFill>
-            <a:blip r:embed="rId3"/>
-            <a:stretch>
-              <a:fillRect/>
-            </a:stretch>
-          </p:blipFill>
-          <p:spPr>
-            <a:xfrm>
-              <a:off x="8010161" y="0"/>
-              <a:ext cx="4181839" cy="2920416"/>
-            </a:xfrm>
-            <a:prstGeom prst="rect">
-              <a:avLst/>
-            </a:prstGeom>
-          </p:spPr>
-        </p:pic>
-        <p:sp>
-          <p:nvSpPr>
-            <p:cNvPr id="6" name="文本框 5">
-              <a:extLst>
-                <a:ext uri="{FF2B5EF4-FFF2-40B4-BE49-F238E27FC236}">
-                  <a16:creationId xmlns:a16="http://schemas.microsoft.com/office/drawing/2014/main" id="{8690658D-582E-6C77-8BB3-5B921AD620A1}"/>
-                </a:ext>
-              </a:extLst>
-            </p:cNvPr>
-            <p:cNvSpPr txBox="1"/>
-            <p:nvPr/>
-          </p:nvSpPr>
-          <p:spPr>
-            <a:xfrm>
-              <a:off x="8010161" y="2612639"/>
-              <a:ext cx="1452642" cy="307777"/>
-            </a:xfrm>
-            <a:prstGeom prst="rect">
-              <a:avLst/>
-            </a:prstGeom>
-            <a:noFill/>
-          </p:spPr>
-          <p:txBody>
-            <a:bodyPr wrap="none" rtlCol="0">
-              <a:spAutoFit/>
-            </a:bodyPr>
-            <a:lstStyle/>
-            <a:p>
-              <a:r>
-                <a:rPr lang="en-US" altLang="zh-CN" sz="1400" b="1" dirty="0"/>
-                <a:t>TWS</a:t>
-              </a:r>
-              <a:r>
-                <a:rPr lang="zh-CN" altLang="en-US" sz="1400" b="1" dirty="0"/>
-                <a:t>出货量对比</a:t>
-              </a:r>
-            </a:p>
-          </p:txBody>
-        </p:sp>
-      </p:grpSp>
     </p:spTree>
     <p:extLst>
       <p:ext uri="{BB962C8B-B14F-4D97-AF65-F5344CB8AC3E}">
-        <p14:creationId xmlns:p14="http://schemas.microsoft.com/office/powerpoint/2010/main" val="4057805692"/>
+        <p14:creationId xmlns:p14="http://schemas.microsoft.com/office/powerpoint/2010/main" val="3462492987"/>
       </p:ext>
     </p:extLst>
   </p:cSld>
@@ -5084,7 +5270,7 @@
           <p:cNvPr id="2" name="标题 1">
             <a:extLst>
               <a:ext uri="{FF2B5EF4-FFF2-40B4-BE49-F238E27FC236}">
-                <a16:creationId xmlns:a16="http://schemas.microsoft.com/office/drawing/2014/main" id="{D401DBA5-853A-8BC1-075D-BB031ECEB4C0}"/>
+                <a16:creationId xmlns:a16="http://schemas.microsoft.com/office/drawing/2014/main" id="{869C2500-CA49-0C4F-293E-E8F863E92FEA}"/>
               </a:ext>
             </a:extLst>
           </p:cNvPr>
@@ -5101,51 +5287,546 @@
           <a:lstStyle/>
           <a:p>
             <a:r>
-              <a:rPr lang="zh-CN" altLang="en-US" dirty="0"/>
-              <a:t>小米是国内使用瑞昱较多的品牌</a:t>
-            </a:r>
+              <a:rPr lang="zh-CN" altLang="en-US" i="0" dirty="0">
+                <a:solidFill>
+                  <a:srgbClr val="333333"/>
+                </a:solidFill>
+                <a:effectLst/>
+                <a:latin typeface="Microsoft Yahei" panose="020B0503020204020204" pitchFamily="34" charset="-122"/>
+                <a:ea typeface="Microsoft Yahei" panose="020B0503020204020204" pitchFamily="34" charset="-122"/>
+              </a:rPr>
+              <a:t>台湾</a:t>
+            </a:r>
+            <a:r>
+              <a:rPr lang="en-US" altLang="zh-CN" i="0" dirty="0">
+                <a:solidFill>
+                  <a:srgbClr val="333333"/>
+                </a:solidFill>
+                <a:effectLst/>
+                <a:latin typeface="Microsoft Yahei" panose="020B0503020204020204" pitchFamily="34" charset="-122"/>
+                <a:ea typeface="Microsoft Yahei" panose="020B0503020204020204" pitchFamily="34" charset="-122"/>
+              </a:rPr>
+              <a:t>IC</a:t>
+            </a:r>
+            <a:r>
+              <a:rPr lang="zh-CN" altLang="en-US" i="0" dirty="0">
+                <a:solidFill>
+                  <a:srgbClr val="333333"/>
+                </a:solidFill>
+                <a:effectLst/>
+                <a:latin typeface="Microsoft Yahei" panose="020B0503020204020204" pitchFamily="34" charset="-122"/>
+                <a:ea typeface="Microsoft Yahei" panose="020B0503020204020204" pitchFamily="34" charset="-122"/>
+              </a:rPr>
+              <a:t>设计业全球市场占有率与竞争优势</a:t>
+            </a:r>
+            <a:endParaRPr lang="zh-CN" altLang="en-US" dirty="0"/>
           </a:p>
         </p:txBody>
       </p:sp>
-      <p:pic>
-        <p:nvPicPr>
-          <p:cNvPr id="5" name="内容占位符 4">
-            <a:extLst>
-              <a:ext uri="{FF2B5EF4-FFF2-40B4-BE49-F238E27FC236}">
-                <a16:creationId xmlns:a16="http://schemas.microsoft.com/office/drawing/2014/main" id="{02456E23-CF2F-651A-36F9-4CF156E73FEB}"/>
-              </a:ext>
-            </a:extLst>
-          </p:cNvPr>
-          <p:cNvPicPr>
-            <a:picLocks noGrp="1" noChangeAspect="1"/>
-          </p:cNvPicPr>
+      <p:sp>
+        <p:nvSpPr>
+          <p:cNvPr id="3" name="内容占位符 2">
+            <a:extLst>
+              <a:ext uri="{FF2B5EF4-FFF2-40B4-BE49-F238E27FC236}">
+                <a16:creationId xmlns:a16="http://schemas.microsoft.com/office/drawing/2014/main" id="{DE7D2BB0-A5EC-7AFE-82A6-4F23A1005B67}"/>
+              </a:ext>
+            </a:extLst>
+          </p:cNvPr>
+          <p:cNvSpPr>
+            <a:spLocks noGrp="1"/>
+          </p:cNvSpPr>
           <p:nvPr>
             <p:ph idx="1"/>
           </p:nvPr>
-        </p:nvPicPr>
-        <p:blipFill>
-          <a:blip r:embed="rId2">
-            <a:extLst>
-              <a:ext uri="{28A0092B-C50C-407E-A947-70E740481C1C}">
-                <a14:useLocalDpi xmlns:a14="http://schemas.microsoft.com/office/drawing/2010/main" val="0"/>
-              </a:ext>
-            </a:extLst>
-          </a:blip>
-          <a:stretch>
-            <a:fillRect/>
-          </a:stretch>
-        </p:blipFill>
-        <p:spPr>
-          <a:xfrm>
-            <a:off x="2558383" y="1825625"/>
-            <a:ext cx="7075234" cy="4351338"/>
-          </a:xfrm>
-        </p:spPr>
-      </p:pic>
+        </p:nvSpPr>
+        <p:spPr/>
+        <p:txBody>
+          <a:bodyPr>
+            <a:normAutofit/>
+          </a:bodyPr>
+          <a:lstStyle/>
+          <a:p>
+            <a:r>
+              <a:rPr lang="en-US" altLang="zh-CN" sz="2000" i="0" dirty="0">
+                <a:solidFill>
+                  <a:srgbClr val="000000"/>
+                </a:solidFill>
+                <a:effectLst/>
+                <a:ea typeface="等线" panose="02010600030101010101" pitchFamily="2" charset="-122"/>
+              </a:rPr>
+              <a:t>2022</a:t>
+            </a:r>
+            <a:r>
+              <a:rPr lang="zh-CN" altLang="en-US" sz="2000" i="0" dirty="0">
+                <a:solidFill>
+                  <a:srgbClr val="000000"/>
+                </a:solidFill>
+                <a:effectLst/>
+                <a:ea typeface="等线" panose="02010600030101010101" pitchFamily="2" charset="-122"/>
+              </a:rPr>
+              <a:t>年全球</a:t>
+            </a:r>
+            <a:r>
+              <a:rPr lang="en-US" altLang="zh-CN" sz="2000" i="0" dirty="0">
+                <a:solidFill>
+                  <a:srgbClr val="000000"/>
+                </a:solidFill>
+                <a:effectLst/>
+                <a:ea typeface="等线" panose="02010600030101010101" pitchFamily="2" charset="-122"/>
+              </a:rPr>
+              <a:t>IC</a:t>
+            </a:r>
+            <a:r>
+              <a:rPr lang="zh-CN" altLang="en-US" sz="2000" i="0" dirty="0">
+                <a:solidFill>
+                  <a:srgbClr val="000000"/>
+                </a:solidFill>
+                <a:effectLst/>
+                <a:ea typeface="等线" panose="02010600030101010101" pitchFamily="2" charset="-122"/>
+              </a:rPr>
+              <a:t>设计行业整体营收达到</a:t>
+            </a:r>
+            <a:r>
+              <a:rPr lang="en-US" altLang="zh-CN" sz="2000" i="0" dirty="0">
+                <a:solidFill>
+                  <a:srgbClr val="000000"/>
+                </a:solidFill>
+                <a:effectLst/>
+                <a:ea typeface="等线" panose="02010600030101010101" pitchFamily="2" charset="-122"/>
+              </a:rPr>
+              <a:t>2154</a:t>
+            </a:r>
+            <a:r>
+              <a:rPr lang="zh-CN" altLang="en-US" sz="2000" i="0" dirty="0">
+                <a:solidFill>
+                  <a:srgbClr val="000000"/>
+                </a:solidFill>
+                <a:effectLst/>
+                <a:ea typeface="等线" panose="02010600030101010101" pitchFamily="2" charset="-122"/>
+              </a:rPr>
+              <a:t>亿美元。其中，美国</a:t>
+            </a:r>
+            <a:r>
+              <a:rPr lang="en-US" altLang="zh-CN" sz="2000" i="0" dirty="0">
+                <a:solidFill>
+                  <a:srgbClr val="000000"/>
+                </a:solidFill>
+                <a:effectLst/>
+                <a:ea typeface="等线" panose="02010600030101010101" pitchFamily="2" charset="-122"/>
+              </a:rPr>
+              <a:t>IC</a:t>
+            </a:r>
+            <a:r>
+              <a:rPr lang="zh-CN" altLang="en-US" sz="2000" i="0" dirty="0">
+                <a:solidFill>
+                  <a:srgbClr val="000000"/>
+                </a:solidFill>
+                <a:effectLst/>
+                <a:ea typeface="等线" panose="02010600030101010101" pitchFamily="2" charset="-122"/>
+              </a:rPr>
+              <a:t>设计领域规模最大，市场份额达</a:t>
+            </a:r>
+            <a:r>
+              <a:rPr lang="en-US" altLang="zh-CN" sz="2000" i="0" dirty="0">
+                <a:solidFill>
+                  <a:srgbClr val="000000"/>
+                </a:solidFill>
+                <a:effectLst/>
+                <a:ea typeface="等线" panose="02010600030101010101" pitchFamily="2" charset="-122"/>
+              </a:rPr>
+              <a:t>63%</a:t>
+            </a:r>
+            <a:r>
+              <a:rPr lang="zh-CN" altLang="en-US" sz="2000" i="0" dirty="0">
+                <a:solidFill>
+                  <a:srgbClr val="000000"/>
+                </a:solidFill>
+                <a:effectLst/>
+                <a:ea typeface="等线" panose="02010600030101010101" pitchFamily="2" charset="-122"/>
+              </a:rPr>
+              <a:t>，营收超过</a:t>
+            </a:r>
+            <a:r>
+              <a:rPr lang="en-US" altLang="zh-CN" sz="2000" i="0" dirty="0">
+                <a:solidFill>
+                  <a:srgbClr val="000000"/>
+                </a:solidFill>
+                <a:effectLst/>
+                <a:ea typeface="等线" panose="02010600030101010101" pitchFamily="2" charset="-122"/>
+              </a:rPr>
+              <a:t>1300</a:t>
+            </a:r>
+            <a:r>
+              <a:rPr lang="zh-CN" altLang="en-US" sz="2000" i="0" dirty="0">
+                <a:solidFill>
+                  <a:srgbClr val="000000"/>
+                </a:solidFill>
+                <a:effectLst/>
+                <a:ea typeface="等线" panose="02010600030101010101" pitchFamily="2" charset="-122"/>
+              </a:rPr>
+              <a:t>亿美元。中国台湾的集成电路设计业为全球第二大，市场占有率达</a:t>
+            </a:r>
+            <a:r>
+              <a:rPr lang="en-US" altLang="zh-CN" sz="2000" i="0" dirty="0">
+                <a:solidFill>
+                  <a:srgbClr val="000000"/>
+                </a:solidFill>
+                <a:effectLst/>
+                <a:ea typeface="等线" panose="02010600030101010101" pitchFamily="2" charset="-122"/>
+              </a:rPr>
+              <a:t>18%</a:t>
+            </a:r>
+            <a:r>
+              <a:rPr lang="zh-CN" altLang="en-US" sz="2000" i="0" dirty="0">
+                <a:solidFill>
+                  <a:srgbClr val="000000"/>
+                </a:solidFill>
+                <a:effectLst/>
+                <a:ea typeface="等线" panose="02010600030101010101" pitchFamily="2" charset="-122"/>
+              </a:rPr>
+              <a:t>，营收接近</a:t>
+            </a:r>
+            <a:r>
+              <a:rPr lang="en-US" altLang="zh-CN" sz="2000" i="0" dirty="0">
+                <a:solidFill>
+                  <a:srgbClr val="000000"/>
+                </a:solidFill>
+                <a:effectLst/>
+                <a:ea typeface="等线" panose="02010600030101010101" pitchFamily="2" charset="-122"/>
+              </a:rPr>
+              <a:t>400</a:t>
+            </a:r>
+            <a:r>
+              <a:rPr lang="zh-CN" altLang="en-US" sz="2000" i="0" dirty="0">
+                <a:solidFill>
+                  <a:srgbClr val="000000"/>
+                </a:solidFill>
+                <a:effectLst/>
+                <a:ea typeface="等线" panose="02010600030101010101" pitchFamily="2" charset="-122"/>
+              </a:rPr>
+              <a:t>亿美元。中国大陆位居第三，市场份额接近</a:t>
+            </a:r>
+            <a:r>
+              <a:rPr lang="en-US" altLang="zh-CN" sz="2000" i="0" dirty="0">
+                <a:solidFill>
+                  <a:srgbClr val="000000"/>
+                </a:solidFill>
+                <a:effectLst/>
+                <a:ea typeface="等线" panose="02010600030101010101" pitchFamily="2" charset="-122"/>
+              </a:rPr>
+              <a:t>15%</a:t>
+            </a:r>
+            <a:r>
+              <a:rPr lang="zh-CN" altLang="en-US" sz="2000" i="0" dirty="0">
+                <a:solidFill>
+                  <a:srgbClr val="000000"/>
+                </a:solidFill>
+                <a:effectLst/>
+                <a:ea typeface="等线" panose="02010600030101010101" pitchFamily="2" charset="-122"/>
+              </a:rPr>
+              <a:t>。</a:t>
+            </a:r>
+            <a:endParaRPr lang="en-US" altLang="zh-CN" sz="2000" i="0" dirty="0">
+              <a:solidFill>
+                <a:srgbClr val="000000"/>
+              </a:solidFill>
+              <a:effectLst/>
+              <a:ea typeface="等线" panose="02010600030101010101" pitchFamily="2" charset="-122"/>
+            </a:endParaRPr>
+          </a:p>
+          <a:p>
+            <a:r>
+              <a:rPr lang="zh-CN" altLang="en-US" sz="2000" b="0" i="0" dirty="0">
+                <a:solidFill>
+                  <a:srgbClr val="000000"/>
+                </a:solidFill>
+                <a:effectLst/>
+                <a:latin typeface="+mn-ea"/>
+              </a:rPr>
+              <a:t>中国台湾</a:t>
+            </a:r>
+            <a:r>
+              <a:rPr lang="en-US" altLang="zh-CN" sz="2000" b="0" i="0" dirty="0">
+                <a:solidFill>
+                  <a:srgbClr val="000000"/>
+                </a:solidFill>
+                <a:effectLst/>
+                <a:latin typeface="+mn-ea"/>
+              </a:rPr>
+              <a:t>IC</a:t>
+            </a:r>
+            <a:r>
+              <a:rPr lang="zh-CN" altLang="en-US" sz="2000" b="0" i="0" dirty="0">
+                <a:solidFill>
+                  <a:srgbClr val="000000"/>
+                </a:solidFill>
+                <a:effectLst/>
+                <a:latin typeface="+mn-ea"/>
+              </a:rPr>
+              <a:t>设计业以数字</a:t>
+            </a:r>
+            <a:r>
+              <a:rPr lang="en-US" altLang="zh-CN" sz="2000" b="0" i="0" dirty="0">
+                <a:solidFill>
+                  <a:srgbClr val="000000"/>
+                </a:solidFill>
+                <a:effectLst/>
+                <a:latin typeface="+mn-ea"/>
+              </a:rPr>
+              <a:t>IC</a:t>
+            </a:r>
+            <a:r>
+              <a:rPr lang="zh-CN" altLang="en-US" sz="2000" b="0" i="0" dirty="0">
+                <a:solidFill>
+                  <a:srgbClr val="000000"/>
+                </a:solidFill>
+                <a:effectLst/>
+                <a:latin typeface="+mn-ea"/>
+              </a:rPr>
+              <a:t>为主，全球市场占有率达</a:t>
+            </a:r>
+            <a:r>
+              <a:rPr lang="en-US" altLang="zh-CN" sz="2000" b="0" i="0" dirty="0">
+                <a:solidFill>
+                  <a:srgbClr val="000000"/>
+                </a:solidFill>
+                <a:effectLst/>
+                <a:latin typeface="+mn-ea"/>
+              </a:rPr>
+              <a:t>12%</a:t>
+            </a:r>
+            <a:r>
+              <a:rPr lang="zh-CN" altLang="en-US" sz="2000" b="0" i="0" dirty="0">
+                <a:solidFill>
+                  <a:srgbClr val="000000"/>
+                </a:solidFill>
+                <a:effectLst/>
+                <a:latin typeface="+mn-ea"/>
+              </a:rPr>
+              <a:t>。相比之下，中国台湾的模拟</a:t>
+            </a:r>
+            <a:r>
+              <a:rPr lang="en-US" altLang="zh-CN" sz="2000" b="0" i="0" dirty="0">
+                <a:solidFill>
+                  <a:srgbClr val="000000"/>
+                </a:solidFill>
+                <a:effectLst/>
+                <a:latin typeface="+mn-ea"/>
+              </a:rPr>
+              <a:t>IC</a:t>
+            </a:r>
+            <a:r>
+              <a:rPr lang="zh-CN" altLang="en-US" sz="2000" b="0" i="0" dirty="0">
+                <a:solidFill>
+                  <a:srgbClr val="000000"/>
+                </a:solidFill>
+                <a:effectLst/>
+                <a:latin typeface="+mn-ea"/>
+              </a:rPr>
+              <a:t>估计占全球市场的</a:t>
+            </a:r>
+            <a:r>
+              <a:rPr lang="en-US" altLang="zh-CN" sz="2000" b="0" i="0" dirty="0">
+                <a:solidFill>
+                  <a:srgbClr val="000000"/>
+                </a:solidFill>
+                <a:effectLst/>
+                <a:latin typeface="+mn-ea"/>
+              </a:rPr>
+              <a:t>5%</a:t>
+            </a:r>
+            <a:r>
+              <a:rPr lang="zh-CN" altLang="en-US" sz="2000" b="0" i="0" dirty="0">
+                <a:solidFill>
+                  <a:srgbClr val="000000"/>
+                </a:solidFill>
+                <a:effectLst/>
+                <a:latin typeface="+mn-ea"/>
+              </a:rPr>
+              <a:t>左右。与内存和分立元件一样，台湾地区在全球市场上的份额有限，份额不到 </a:t>
+            </a:r>
+            <a:r>
+              <a:rPr lang="en-US" altLang="zh-CN" sz="2000" b="0" i="0" dirty="0">
+                <a:solidFill>
+                  <a:srgbClr val="000000"/>
+                </a:solidFill>
+                <a:effectLst/>
+                <a:latin typeface="+mn-ea"/>
+              </a:rPr>
+              <a:t>2%</a:t>
+            </a:r>
+            <a:r>
+              <a:rPr lang="zh-CN" altLang="en-US" sz="2000" b="0" i="0" dirty="0">
+                <a:solidFill>
+                  <a:srgbClr val="000000"/>
+                </a:solidFill>
+                <a:effectLst/>
+                <a:latin typeface="+mn-ea"/>
+              </a:rPr>
+              <a:t>。</a:t>
+            </a:r>
+            <a:endParaRPr lang="en-US" altLang="zh-CN" sz="2000" b="0" i="0" dirty="0">
+              <a:solidFill>
+                <a:srgbClr val="000000"/>
+              </a:solidFill>
+              <a:effectLst/>
+              <a:latin typeface="+mn-ea"/>
+            </a:endParaRPr>
+          </a:p>
+          <a:p>
+            <a:r>
+              <a:rPr lang="zh-CN" altLang="en-US" sz="1400" b="0" i="0" dirty="0">
+                <a:solidFill>
+                  <a:srgbClr val="000000"/>
+                </a:solidFill>
+                <a:effectLst/>
+                <a:latin typeface="Microsoft Yahei" panose="020B0503020204020204" pitchFamily="34" charset="-122"/>
+                <a:ea typeface="Microsoft Yahei" panose="020B0503020204020204" pitchFamily="34" charset="-122"/>
+              </a:rPr>
+              <a:t>从半导体产品的不同细分市场来看，美国在几个主要市场的市场份额仍然领先。高通、</a:t>
+            </a:r>
+            <a:r>
+              <a:rPr lang="en-US" altLang="zh-CN" sz="1400" b="0" i="0" dirty="0">
+                <a:solidFill>
+                  <a:srgbClr val="000000"/>
+                </a:solidFill>
+                <a:effectLst/>
+                <a:latin typeface="Microsoft Yahei" panose="020B0503020204020204" pitchFamily="34" charset="-122"/>
+                <a:ea typeface="Microsoft Yahei" panose="020B0503020204020204" pitchFamily="34" charset="-122"/>
+              </a:rPr>
+              <a:t>AMD</a:t>
+            </a:r>
+            <a:r>
+              <a:rPr lang="zh-CN" altLang="en-US" sz="1400" b="0" i="0" dirty="0">
+                <a:solidFill>
+                  <a:srgbClr val="000000"/>
+                </a:solidFill>
+                <a:effectLst/>
+                <a:latin typeface="Microsoft Yahei" panose="020B0503020204020204" pitchFamily="34" charset="-122"/>
+                <a:ea typeface="Microsoft Yahei" panose="020B0503020204020204" pitchFamily="34" charset="-122"/>
+              </a:rPr>
+              <a:t>、博通、英伟达和 </a:t>
+            </a:r>
+            <a:r>
+              <a:rPr lang="en-US" altLang="zh-CN" sz="1400" b="0" i="0" dirty="0">
+                <a:solidFill>
+                  <a:srgbClr val="000000"/>
+                </a:solidFill>
+                <a:effectLst/>
+                <a:latin typeface="Microsoft Yahei" panose="020B0503020204020204" pitchFamily="34" charset="-122"/>
+                <a:ea typeface="Microsoft Yahei" panose="020B0503020204020204" pitchFamily="34" charset="-122"/>
+              </a:rPr>
+              <a:t>Marvell </a:t>
+            </a:r>
+            <a:r>
+              <a:rPr lang="zh-CN" altLang="en-US" sz="1400" b="0" i="0" dirty="0">
+                <a:solidFill>
+                  <a:srgbClr val="000000"/>
+                </a:solidFill>
+                <a:effectLst/>
+                <a:latin typeface="Microsoft Yahei" panose="020B0503020204020204" pitchFamily="34" charset="-122"/>
+                <a:ea typeface="Microsoft Yahei" panose="020B0503020204020204" pitchFamily="34" charset="-122"/>
+              </a:rPr>
+              <a:t>等美国主要 </a:t>
+            </a:r>
+            <a:r>
+              <a:rPr lang="en-US" altLang="zh-CN" sz="1400" b="0" i="0" dirty="0">
+                <a:solidFill>
+                  <a:srgbClr val="000000"/>
+                </a:solidFill>
+                <a:effectLst/>
+                <a:latin typeface="Microsoft Yahei" panose="020B0503020204020204" pitchFamily="34" charset="-122"/>
+                <a:ea typeface="Microsoft Yahei" panose="020B0503020204020204" pitchFamily="34" charset="-122"/>
+              </a:rPr>
+              <a:t>IC </a:t>
+            </a:r>
+            <a:r>
+              <a:rPr lang="zh-CN" altLang="en-US" sz="1400" b="0" i="0" dirty="0">
+                <a:solidFill>
+                  <a:srgbClr val="000000"/>
+                </a:solidFill>
+                <a:effectLst/>
+                <a:latin typeface="Microsoft Yahei" panose="020B0503020204020204" pitchFamily="34" charset="-122"/>
+                <a:ea typeface="Microsoft Yahei" panose="020B0503020204020204" pitchFamily="34" charset="-122"/>
+              </a:rPr>
+              <a:t>设计公司是智能手机芯片、</a:t>
+            </a:r>
+            <a:r>
+              <a:rPr lang="en-US" altLang="zh-CN" sz="1400" b="0" i="0" dirty="0">
+                <a:solidFill>
+                  <a:srgbClr val="000000"/>
+                </a:solidFill>
+                <a:effectLst/>
+                <a:latin typeface="Microsoft Yahei" panose="020B0503020204020204" pitchFamily="34" charset="-122"/>
+                <a:ea typeface="Microsoft Yahei" panose="020B0503020204020204" pitchFamily="34" charset="-122"/>
+              </a:rPr>
+              <a:t>CPU</a:t>
+            </a:r>
+            <a:r>
+              <a:rPr lang="zh-CN" altLang="en-US" sz="1400" b="0" i="0" dirty="0">
+                <a:solidFill>
+                  <a:srgbClr val="000000"/>
+                </a:solidFill>
+                <a:effectLst/>
+                <a:latin typeface="Microsoft Yahei" panose="020B0503020204020204" pitchFamily="34" charset="-122"/>
+                <a:ea typeface="Microsoft Yahei" panose="020B0503020204020204" pitchFamily="34" charset="-122"/>
+              </a:rPr>
+              <a:t>、</a:t>
+            </a:r>
+            <a:r>
+              <a:rPr lang="en-US" altLang="zh-CN" sz="1400" b="0" i="0" dirty="0">
+                <a:solidFill>
+                  <a:srgbClr val="000000"/>
+                </a:solidFill>
+                <a:effectLst/>
+                <a:latin typeface="Microsoft Yahei" panose="020B0503020204020204" pitchFamily="34" charset="-122"/>
+                <a:ea typeface="Microsoft Yahei" panose="020B0503020204020204" pitchFamily="34" charset="-122"/>
+              </a:rPr>
+              <a:t>GPU </a:t>
+            </a:r>
+            <a:r>
+              <a:rPr lang="zh-CN" altLang="en-US" sz="1400" b="0" i="0" dirty="0">
+                <a:solidFill>
+                  <a:srgbClr val="000000"/>
+                </a:solidFill>
+                <a:effectLst/>
+                <a:latin typeface="Microsoft Yahei" panose="020B0503020204020204" pitchFamily="34" charset="-122"/>
+                <a:ea typeface="Microsoft Yahei" panose="020B0503020204020204" pitchFamily="34" charset="-122"/>
+              </a:rPr>
+              <a:t>和网络芯片领域的全球领导者。这使他们在与系统架构相关的微处理器</a:t>
+            </a:r>
+            <a:r>
+              <a:rPr lang="en-US" altLang="zh-CN" sz="1400" b="0" i="0" dirty="0">
+                <a:solidFill>
+                  <a:srgbClr val="000000"/>
+                </a:solidFill>
+                <a:effectLst/>
+                <a:latin typeface="Microsoft Yahei" panose="020B0503020204020204" pitchFamily="34" charset="-122"/>
+                <a:ea typeface="Microsoft Yahei" panose="020B0503020204020204" pitchFamily="34" charset="-122"/>
+              </a:rPr>
+              <a:t>/SoC </a:t>
+            </a:r>
+            <a:r>
+              <a:rPr lang="zh-CN" altLang="en-US" sz="1400" b="0" i="0" dirty="0">
+                <a:solidFill>
+                  <a:srgbClr val="000000"/>
+                </a:solidFill>
+                <a:effectLst/>
+                <a:latin typeface="Microsoft Yahei" panose="020B0503020204020204" pitchFamily="34" charset="-122"/>
+                <a:ea typeface="Microsoft Yahei" panose="020B0503020204020204" pitchFamily="34" charset="-122"/>
+              </a:rPr>
+              <a:t>中占据了主导地位。</a:t>
+            </a:r>
+            <a:endParaRPr lang="zh-CN" altLang="en-US" sz="2000" dirty="0">
+              <a:latin typeface="+mn-ea"/>
+            </a:endParaRPr>
+          </a:p>
+        </p:txBody>
+      </p:sp>
     </p:spTree>
     <p:extLst>
       <p:ext uri="{BB962C8B-B14F-4D97-AF65-F5344CB8AC3E}">
-        <p14:creationId xmlns:p14="http://schemas.microsoft.com/office/powerpoint/2010/main" val="2613768486"/>
+        <p14:creationId xmlns:p14="http://schemas.microsoft.com/office/powerpoint/2010/main" val="2289678418"/>
       </p:ext>
     </p:extLst>
   </p:cSld>
@@ -5177,7 +5858,7 @@
           <p:cNvPr id="2" name="标题 1">
             <a:extLst>
               <a:ext uri="{FF2B5EF4-FFF2-40B4-BE49-F238E27FC236}">
-                <a16:creationId xmlns:a16="http://schemas.microsoft.com/office/drawing/2014/main" id="{D31F25CB-930E-A67A-1833-D50C47409F1D}"/>
+                <a16:creationId xmlns:a16="http://schemas.microsoft.com/office/drawing/2014/main" id="{44E17A92-7DFE-AE61-0EAC-74B408C896D5}"/>
               </a:ext>
             </a:extLst>
           </p:cNvPr>
@@ -5194,55 +5875,783 @@
           <a:lstStyle/>
           <a:p>
             <a:r>
-              <a:rPr lang="en-US" altLang="zh-CN" dirty="0"/>
+              <a:rPr lang="zh-CN" altLang="en-US" dirty="0"/>
+              <a:t>零散信息</a:t>
+            </a:r>
+          </a:p>
+        </p:txBody>
+      </p:sp>
+      <p:sp>
+        <p:nvSpPr>
+          <p:cNvPr id="3" name="内容占位符 2">
+            <a:extLst>
+              <a:ext uri="{FF2B5EF4-FFF2-40B4-BE49-F238E27FC236}">
+                <a16:creationId xmlns:a16="http://schemas.microsoft.com/office/drawing/2014/main" id="{EF88DD60-AB20-4D76-39B7-7B1C8BF99697}"/>
+              </a:ext>
+            </a:extLst>
+          </p:cNvPr>
+          <p:cNvSpPr>
+            <a:spLocks noGrp="1"/>
+          </p:cNvSpPr>
+          <p:nvPr>
+            <p:ph idx="1"/>
+          </p:nvPr>
+        </p:nvSpPr>
+        <p:spPr/>
+        <p:txBody>
+          <a:bodyPr>
+            <a:normAutofit/>
+          </a:bodyPr>
+          <a:lstStyle/>
+          <a:p>
+            <a:r>
+              <a:rPr lang="en-US" altLang="zh-CN" sz="1400" dirty="0">
+                <a:solidFill>
+                  <a:srgbClr val="333333"/>
+                </a:solidFill>
+                <a:latin typeface="Microsoft yahei" panose="020B0503020204020204" pitchFamily="34" charset="-122"/>
+                <a:ea typeface="Microsoft yahei" panose="020B0503020204020204" pitchFamily="34" charset="-122"/>
+              </a:rPr>
+              <a:t>18</a:t>
+            </a:r>
+            <a:r>
+              <a:rPr lang="zh-CN" altLang="en-US" sz="1400" dirty="0">
+                <a:solidFill>
+                  <a:srgbClr val="333333"/>
+                </a:solidFill>
+                <a:latin typeface="Microsoft yahei" panose="020B0503020204020204" pitchFamily="34" charset="-122"/>
+                <a:ea typeface="Microsoft yahei" panose="020B0503020204020204" pitchFamily="34" charset="-122"/>
+              </a:rPr>
+              <a:t>年：瑞昱为国内网通芯片大厂，若依去年产品营收比重而言，</a:t>
+            </a:r>
+            <a:r>
+              <a:rPr lang="en-US" altLang="zh-CN" sz="1400" dirty="0">
+                <a:solidFill>
+                  <a:srgbClr val="333333"/>
+                </a:solidFill>
+                <a:latin typeface="Microsoft yahei" panose="020B0503020204020204" pitchFamily="34" charset="-122"/>
+                <a:ea typeface="Microsoft yahei" panose="020B0503020204020204" pitchFamily="34" charset="-122"/>
+              </a:rPr>
+              <a:t>PC</a:t>
+            </a:r>
+            <a:r>
+              <a:rPr lang="zh-CN" altLang="en-US" sz="1400" dirty="0">
+                <a:solidFill>
+                  <a:srgbClr val="333333"/>
+                </a:solidFill>
+                <a:latin typeface="Microsoft yahei" panose="020B0503020204020204" pitchFamily="34" charset="-122"/>
+                <a:ea typeface="Microsoft yahei" panose="020B0503020204020204" pitchFamily="34" charset="-122"/>
+              </a:rPr>
+              <a:t>相关约占</a:t>
+            </a:r>
+            <a:r>
+              <a:rPr lang="en-US" altLang="zh-CN" sz="1400" dirty="0">
+                <a:solidFill>
+                  <a:srgbClr val="333333"/>
+                </a:solidFill>
+                <a:latin typeface="Microsoft yahei" panose="020B0503020204020204" pitchFamily="34" charset="-122"/>
+                <a:ea typeface="Microsoft yahei" panose="020B0503020204020204" pitchFamily="34" charset="-122"/>
+              </a:rPr>
+              <a:t>30~35%</a:t>
+            </a:r>
+            <a:r>
+              <a:rPr lang="zh-CN" altLang="en-US" sz="1400" dirty="0">
+                <a:solidFill>
+                  <a:srgbClr val="333333"/>
+                </a:solidFill>
+                <a:latin typeface="Microsoft yahei" panose="020B0503020204020204" pitchFamily="34" charset="-122"/>
+                <a:ea typeface="Microsoft yahei" panose="020B0503020204020204" pitchFamily="34" charset="-122"/>
+              </a:rPr>
+              <a:t>、非</a:t>
+            </a:r>
+            <a:r>
+              <a:rPr lang="en-US" altLang="zh-CN" sz="1400" dirty="0">
+                <a:solidFill>
+                  <a:srgbClr val="333333"/>
+                </a:solidFill>
+                <a:latin typeface="Microsoft yahei" panose="020B0503020204020204" pitchFamily="34" charset="-122"/>
+                <a:ea typeface="Microsoft yahei" panose="020B0503020204020204" pitchFamily="34" charset="-122"/>
+              </a:rPr>
+              <a:t>PC</a:t>
+            </a:r>
+            <a:r>
+              <a:rPr lang="zh-CN" altLang="en-US" sz="1400" dirty="0">
+                <a:solidFill>
+                  <a:srgbClr val="333333"/>
+                </a:solidFill>
+                <a:latin typeface="Microsoft yahei" panose="020B0503020204020204" pitchFamily="34" charset="-122"/>
+                <a:ea typeface="Microsoft yahei" panose="020B0503020204020204" pitchFamily="34" charset="-122"/>
+              </a:rPr>
+              <a:t>相关约占</a:t>
+            </a:r>
+            <a:r>
+              <a:rPr lang="en-US" altLang="zh-CN" sz="1400" dirty="0">
+                <a:solidFill>
+                  <a:srgbClr val="333333"/>
+                </a:solidFill>
+                <a:latin typeface="Microsoft yahei" panose="020B0503020204020204" pitchFamily="34" charset="-122"/>
+                <a:ea typeface="Microsoft yahei" panose="020B0503020204020204" pitchFamily="34" charset="-122"/>
+              </a:rPr>
+              <a:t>65~70%</a:t>
+            </a:r>
+            <a:r>
+              <a:rPr lang="zh-CN" altLang="en-US" sz="1400" dirty="0">
+                <a:solidFill>
+                  <a:srgbClr val="333333"/>
+                </a:solidFill>
+                <a:latin typeface="Microsoft yahei" panose="020B0503020204020204" pitchFamily="34" charset="-122"/>
+                <a:ea typeface="Microsoft yahei" panose="020B0503020204020204" pitchFamily="34" charset="-122"/>
+              </a:rPr>
+              <a:t>。</a:t>
+            </a:r>
+            <a:endParaRPr lang="en-US" altLang="zh-CN" sz="1400" dirty="0">
+              <a:solidFill>
+                <a:srgbClr val="333333"/>
+              </a:solidFill>
+              <a:latin typeface="Microsoft yahei" panose="020B0503020204020204" pitchFamily="34" charset="-122"/>
+              <a:ea typeface="Microsoft yahei" panose="020B0503020204020204" pitchFamily="34" charset="-122"/>
+            </a:endParaRPr>
+          </a:p>
+          <a:p>
+            <a:r>
+              <a:rPr lang="zh-CN" altLang="en-US" sz="1400" dirty="0">
+                <a:solidFill>
+                  <a:srgbClr val="333333"/>
+                </a:solidFill>
+                <a:latin typeface="Microsoft yahei" panose="020B0503020204020204" pitchFamily="34" charset="-122"/>
+                <a:ea typeface="Microsoft yahei" panose="020B0503020204020204" pitchFamily="34" charset="-122"/>
+              </a:rPr>
+              <a:t>非</a:t>
+            </a:r>
+            <a:r>
+              <a:rPr lang="en-US" altLang="zh-CN" sz="1400" dirty="0">
+                <a:solidFill>
+                  <a:srgbClr val="333333"/>
+                </a:solidFill>
+                <a:latin typeface="Microsoft yahei" panose="020B0503020204020204" pitchFamily="34" charset="-122"/>
+                <a:ea typeface="Microsoft yahei" panose="020B0503020204020204" pitchFamily="34" charset="-122"/>
+              </a:rPr>
+              <a:t>PC</a:t>
+            </a:r>
+            <a:r>
+              <a:rPr lang="zh-CN" altLang="en-US" sz="1400" dirty="0">
+                <a:solidFill>
+                  <a:srgbClr val="333333"/>
+                </a:solidFill>
+                <a:latin typeface="Microsoft yahei" panose="020B0503020204020204" pitchFamily="34" charset="-122"/>
+                <a:ea typeface="Microsoft yahei" panose="020B0503020204020204" pitchFamily="34" charset="-122"/>
+              </a:rPr>
+              <a:t>相关，主要包含网通与多媒体产品。网通产品包含</a:t>
+            </a:r>
+            <a:r>
+              <a:rPr lang="en-US" altLang="zh-CN" sz="1400" dirty="0" err="1">
+                <a:solidFill>
+                  <a:srgbClr val="333333"/>
+                </a:solidFill>
+                <a:latin typeface="Microsoft yahei" panose="020B0503020204020204" pitchFamily="34" charset="-122"/>
+                <a:ea typeface="Microsoft yahei" panose="020B0503020204020204" pitchFamily="34" charset="-122"/>
+              </a:rPr>
+              <a:t>WiFi</a:t>
+            </a:r>
+            <a:r>
+              <a:rPr lang="zh-CN" altLang="en-US" sz="1400" dirty="0">
+                <a:solidFill>
+                  <a:srgbClr val="333333"/>
+                </a:solidFill>
+                <a:latin typeface="Microsoft yahei" panose="020B0503020204020204" pitchFamily="34" charset="-122"/>
+                <a:ea typeface="Microsoft yahei" panose="020B0503020204020204" pitchFamily="34" charset="-122"/>
+              </a:rPr>
+              <a:t>芯片、以太网络 </a:t>
+            </a:r>
+            <a:r>
+              <a:rPr lang="en-US" altLang="zh-CN" sz="1400" dirty="0">
+                <a:solidFill>
+                  <a:srgbClr val="333333"/>
+                </a:solidFill>
+                <a:latin typeface="Microsoft yahei" panose="020B0503020204020204" pitchFamily="34" charset="-122"/>
+                <a:ea typeface="Microsoft yahei" panose="020B0503020204020204" pitchFamily="34" charset="-122"/>
+              </a:rPr>
+              <a:t>(Ethernet)</a:t>
+            </a:r>
+            <a:r>
+              <a:rPr lang="zh-CN" altLang="en-US" sz="1400" dirty="0">
+                <a:solidFill>
+                  <a:srgbClr val="333333"/>
+                </a:solidFill>
+                <a:latin typeface="Microsoft yahei" panose="020B0503020204020204" pitchFamily="34" charset="-122"/>
+                <a:ea typeface="Microsoft yahei" panose="020B0503020204020204" pitchFamily="34" charset="-122"/>
+              </a:rPr>
+              <a:t>芯片、宽频接取设备芯片、</a:t>
+            </a:r>
+            <a:r>
+              <a:rPr lang="en-US" altLang="zh-CN" sz="1400" dirty="0">
+                <a:solidFill>
+                  <a:srgbClr val="333333"/>
+                </a:solidFill>
+                <a:latin typeface="Microsoft yahei" panose="020B0503020204020204" pitchFamily="34" charset="-122"/>
+                <a:ea typeface="Microsoft yahei" panose="020B0503020204020204" pitchFamily="34" charset="-122"/>
+              </a:rPr>
+              <a:t>Gateway</a:t>
+            </a:r>
+            <a:r>
+              <a:rPr lang="zh-CN" altLang="en-US" sz="1400" dirty="0">
+                <a:solidFill>
+                  <a:srgbClr val="333333"/>
+                </a:solidFill>
+                <a:latin typeface="Microsoft yahei" panose="020B0503020204020204" pitchFamily="34" charset="-122"/>
+                <a:ea typeface="Microsoft yahei" panose="020B0503020204020204" pitchFamily="34" charset="-122"/>
+              </a:rPr>
+              <a:t>控制芯片、</a:t>
+            </a:r>
+            <a:r>
+              <a:rPr lang="en-US" altLang="zh-CN" sz="1400" dirty="0">
+                <a:solidFill>
+                  <a:srgbClr val="333333"/>
+                </a:solidFill>
+                <a:latin typeface="Microsoft yahei" panose="020B0503020204020204" pitchFamily="34" charset="-122"/>
+                <a:ea typeface="Microsoft yahei" panose="020B0503020204020204" pitchFamily="34" charset="-122"/>
+              </a:rPr>
+              <a:t>Switch</a:t>
+            </a:r>
+            <a:r>
+              <a:rPr lang="zh-CN" altLang="en-US" sz="1400" dirty="0">
+                <a:solidFill>
+                  <a:srgbClr val="333333"/>
+                </a:solidFill>
+                <a:latin typeface="Microsoft yahei" panose="020B0503020204020204" pitchFamily="34" charset="-122"/>
+                <a:ea typeface="Microsoft yahei" panose="020B0503020204020204" pitchFamily="34" charset="-122"/>
+              </a:rPr>
+              <a:t>控制芯片等，占瑞昱整体营收比重逾半。</a:t>
+            </a:r>
+            <a:endParaRPr lang="en-US" altLang="zh-CN" sz="1400" dirty="0">
+              <a:solidFill>
+                <a:srgbClr val="333333"/>
+              </a:solidFill>
+              <a:latin typeface="Microsoft yahei" panose="020B0503020204020204" pitchFamily="34" charset="-122"/>
+              <a:ea typeface="Microsoft yahei" panose="020B0503020204020204" pitchFamily="34" charset="-122"/>
+            </a:endParaRPr>
+          </a:p>
+          <a:p>
+            <a:endParaRPr lang="en-US" altLang="zh-CN" sz="1400" dirty="0">
+              <a:solidFill>
+                <a:srgbClr val="333333"/>
+              </a:solidFill>
+              <a:latin typeface="Microsoft yahei" panose="020B0503020204020204" pitchFamily="34" charset="-122"/>
+              <a:ea typeface="Microsoft yahei" panose="020B0503020204020204" pitchFamily="34" charset="-122"/>
+            </a:endParaRPr>
+          </a:p>
+          <a:p>
+            <a:r>
+              <a:rPr lang="zh-CN" altLang="en-US" sz="1400" dirty="0">
+                <a:solidFill>
+                  <a:srgbClr val="333333"/>
+                </a:solidFill>
+                <a:latin typeface="Microsoft yahei" panose="020B0503020204020204" pitchFamily="34" charset="-122"/>
+                <a:ea typeface="Microsoft yahei" panose="020B0503020204020204" pitchFamily="34" charset="-122"/>
+              </a:rPr>
+              <a:t>由于瑞昱部分</a:t>
+            </a:r>
+            <a:r>
+              <a:rPr lang="en-US" altLang="zh-CN" sz="1400" dirty="0" err="1">
+                <a:solidFill>
+                  <a:srgbClr val="333333"/>
+                </a:solidFill>
+                <a:latin typeface="Microsoft yahei" panose="020B0503020204020204" pitchFamily="34" charset="-122"/>
+                <a:ea typeface="Microsoft yahei" panose="020B0503020204020204" pitchFamily="34" charset="-122"/>
+              </a:rPr>
+              <a:t>WiFi</a:t>
+            </a:r>
+            <a:r>
+              <a:rPr lang="zh-CN" altLang="en-US" sz="1400" dirty="0">
+                <a:solidFill>
+                  <a:srgbClr val="333333"/>
+                </a:solidFill>
+                <a:latin typeface="Microsoft yahei" panose="020B0503020204020204" pitchFamily="34" charset="-122"/>
+                <a:ea typeface="Microsoft yahei" panose="020B0503020204020204" pitchFamily="34" charset="-122"/>
+              </a:rPr>
+              <a:t>芯片</a:t>
+            </a:r>
+            <a:r>
+              <a:rPr lang="zh-CN" altLang="en-US" sz="1400" dirty="0">
+                <a:solidFill>
+                  <a:srgbClr val="FF0000"/>
+                </a:solidFill>
+                <a:latin typeface="Microsoft yahei" panose="020B0503020204020204" pitchFamily="34" charset="-122"/>
+                <a:ea typeface="Microsoft yahei" panose="020B0503020204020204" pitchFamily="34" charset="-122"/>
+              </a:rPr>
+              <a:t>有用到美国厂商的</a:t>
+            </a:r>
+            <a:r>
+              <a:rPr lang="en-US" altLang="zh-CN" sz="1400" dirty="0">
+                <a:solidFill>
+                  <a:srgbClr val="FF0000"/>
+                </a:solidFill>
+                <a:latin typeface="Microsoft yahei" panose="020B0503020204020204" pitchFamily="34" charset="-122"/>
+                <a:ea typeface="Microsoft yahei" panose="020B0503020204020204" pitchFamily="34" charset="-122"/>
+              </a:rPr>
+              <a:t>IP</a:t>
+            </a:r>
+            <a:r>
+              <a:rPr lang="zh-CN" altLang="en-US" sz="1400" dirty="0">
+                <a:solidFill>
+                  <a:srgbClr val="333333"/>
+                </a:solidFill>
+                <a:latin typeface="Microsoft yahei" panose="020B0503020204020204" pitchFamily="34" charset="-122"/>
+                <a:ea typeface="Microsoft yahei" panose="020B0503020204020204" pitchFamily="34" charset="-122"/>
+              </a:rPr>
+              <a:t>，因此客户中兴可能在美国禁售令延烧下，影响到瑞昱的芯片出货量，对此瑞昱表示，目前</a:t>
+            </a:r>
+            <a:r>
+              <a:rPr lang="en-US" altLang="zh-CN" sz="1400" dirty="0">
+                <a:solidFill>
+                  <a:srgbClr val="333333"/>
+                </a:solidFill>
+                <a:latin typeface="Microsoft yahei" panose="020B0503020204020204" pitchFamily="34" charset="-122"/>
+                <a:ea typeface="Microsoft yahei" panose="020B0503020204020204" pitchFamily="34" charset="-122"/>
+              </a:rPr>
+              <a:t>4</a:t>
+            </a:r>
+            <a:r>
+              <a:rPr lang="zh-CN" altLang="en-US" sz="1400" dirty="0">
+                <a:solidFill>
+                  <a:srgbClr val="333333"/>
+                </a:solidFill>
+                <a:latin typeface="Microsoft yahei" panose="020B0503020204020204" pitchFamily="34" charset="-122"/>
+                <a:ea typeface="Microsoft yahei" panose="020B0503020204020204" pitchFamily="34" charset="-122"/>
+              </a:rPr>
+              <a:t>、 </a:t>
+            </a:r>
+            <a:r>
+              <a:rPr lang="en-US" altLang="zh-CN" sz="1400" dirty="0">
+                <a:solidFill>
+                  <a:srgbClr val="333333"/>
+                </a:solidFill>
+                <a:latin typeface="Microsoft yahei" panose="020B0503020204020204" pitchFamily="34" charset="-122"/>
+                <a:ea typeface="Microsoft yahei" panose="020B0503020204020204" pitchFamily="34" charset="-122"/>
+              </a:rPr>
+              <a:t>5</a:t>
+            </a:r>
+            <a:r>
+              <a:rPr lang="zh-CN" altLang="en-US" sz="1400" dirty="0">
+                <a:solidFill>
+                  <a:srgbClr val="333333"/>
+                </a:solidFill>
+                <a:latin typeface="Microsoft yahei" panose="020B0503020204020204" pitchFamily="34" charset="-122"/>
+                <a:ea typeface="Microsoft yahei" panose="020B0503020204020204" pitchFamily="34" charset="-122"/>
+              </a:rPr>
+              <a:t>月看起来第</a:t>
+            </a:r>
+            <a:r>
+              <a:rPr lang="en-US" altLang="zh-CN" sz="1400" dirty="0">
+                <a:solidFill>
+                  <a:srgbClr val="333333"/>
+                </a:solidFill>
+                <a:latin typeface="Microsoft yahei" panose="020B0503020204020204" pitchFamily="34" charset="-122"/>
+                <a:ea typeface="Microsoft yahei" panose="020B0503020204020204" pitchFamily="34" charset="-122"/>
+              </a:rPr>
+              <a:t>1</a:t>
+            </a:r>
+            <a:r>
+              <a:rPr lang="zh-CN" altLang="en-US" sz="1400" dirty="0">
+                <a:solidFill>
+                  <a:srgbClr val="333333"/>
+                </a:solidFill>
+                <a:latin typeface="Microsoft yahei" panose="020B0503020204020204" pitchFamily="34" charset="-122"/>
+                <a:ea typeface="Microsoft yahei" panose="020B0503020204020204" pitchFamily="34" charset="-122"/>
+              </a:rPr>
+              <a:t>季动能仍延续，</a:t>
+            </a:r>
+            <a:r>
+              <a:rPr lang="en-US" altLang="zh-CN" sz="1400" dirty="0">
+                <a:solidFill>
+                  <a:srgbClr val="333333"/>
+                </a:solidFill>
+                <a:latin typeface="Microsoft yahei" panose="020B0503020204020204" pitchFamily="34" charset="-122"/>
+                <a:ea typeface="Microsoft yahei" panose="020B0503020204020204" pitchFamily="34" charset="-122"/>
+              </a:rPr>
+              <a:t>6</a:t>
+            </a:r>
+            <a:r>
+              <a:rPr lang="zh-CN" altLang="en-US" sz="1400" dirty="0">
+                <a:solidFill>
+                  <a:srgbClr val="333333"/>
+                </a:solidFill>
+                <a:latin typeface="Microsoft yahei" panose="020B0503020204020204" pitchFamily="34" charset="-122"/>
+                <a:ea typeface="Microsoft yahei" panose="020B0503020204020204" pitchFamily="34" charset="-122"/>
+              </a:rPr>
+              <a:t>月须持续观察禁售令的政策。</a:t>
+            </a:r>
+            <a:endParaRPr lang="en-US" altLang="zh-CN" sz="1400" dirty="0">
+              <a:solidFill>
+                <a:srgbClr val="333333"/>
+              </a:solidFill>
+              <a:latin typeface="Microsoft yahei" panose="020B0503020204020204" pitchFamily="34" charset="-122"/>
+              <a:ea typeface="Microsoft yahei" panose="020B0503020204020204" pitchFamily="34" charset="-122"/>
+            </a:endParaRPr>
+          </a:p>
+          <a:p>
+            <a:endParaRPr lang="en-US" altLang="zh-CN" sz="1400" dirty="0">
+              <a:solidFill>
+                <a:srgbClr val="333333"/>
+              </a:solidFill>
+              <a:latin typeface="Microsoft yahei" panose="020B0503020204020204" pitchFamily="34" charset="-122"/>
+              <a:ea typeface="Microsoft yahei" panose="020B0503020204020204" pitchFamily="34" charset="-122"/>
+            </a:endParaRPr>
+          </a:p>
+          <a:p>
+            <a:r>
+              <a:rPr lang="en-US" altLang="zh-CN" sz="1400" dirty="0">
+                <a:solidFill>
+                  <a:srgbClr val="333333"/>
+                </a:solidFill>
+                <a:latin typeface="Microsoft yahei" panose="020B0503020204020204" pitchFamily="34" charset="-122"/>
+                <a:ea typeface="Microsoft yahei" panose="020B0503020204020204" pitchFamily="34" charset="-122"/>
+              </a:rPr>
+              <a:t>2018:</a:t>
+            </a:r>
+            <a:r>
+              <a:rPr lang="zh-CN" altLang="en-US" sz="1400" dirty="0">
+                <a:solidFill>
+                  <a:srgbClr val="333333"/>
+                </a:solidFill>
+                <a:latin typeface="Microsoft yahei" panose="020B0503020204020204" pitchFamily="34" charset="-122"/>
+                <a:ea typeface="Microsoft yahei" panose="020B0503020204020204" pitchFamily="34" charset="-122"/>
+              </a:rPr>
+              <a:t>在</a:t>
+            </a:r>
+            <a:r>
+              <a:rPr lang="en-US" altLang="zh-CN" sz="1400" dirty="0">
+                <a:solidFill>
+                  <a:srgbClr val="333333"/>
+                </a:solidFill>
+                <a:latin typeface="Microsoft yahei" panose="020B0503020204020204" pitchFamily="34" charset="-122"/>
+                <a:ea typeface="Microsoft yahei" panose="020B0503020204020204" pitchFamily="34" charset="-122"/>
+              </a:rPr>
+              <a:t>PC</a:t>
+            </a:r>
+            <a:r>
+              <a:rPr lang="zh-CN" altLang="en-US" sz="1400" dirty="0">
+                <a:solidFill>
+                  <a:srgbClr val="333333"/>
+                </a:solidFill>
+                <a:latin typeface="Microsoft yahei" panose="020B0503020204020204" pitchFamily="34" charset="-122"/>
+                <a:ea typeface="Microsoft yahei" panose="020B0503020204020204" pitchFamily="34" charset="-122"/>
+              </a:rPr>
+              <a:t>相关产品部分，主要包含</a:t>
+            </a:r>
+            <a:r>
+              <a:rPr lang="en-US" altLang="zh-CN" sz="1400" dirty="0">
+                <a:solidFill>
+                  <a:srgbClr val="333333"/>
+                </a:solidFill>
+                <a:latin typeface="Microsoft yahei" panose="020B0503020204020204" pitchFamily="34" charset="-122"/>
+                <a:ea typeface="Microsoft yahei" panose="020B0503020204020204" pitchFamily="34" charset="-122"/>
+              </a:rPr>
+              <a:t>Audio codec (</a:t>
+            </a:r>
+            <a:r>
+              <a:rPr lang="zh-CN" altLang="en-US" sz="1400" dirty="0">
+                <a:solidFill>
+                  <a:srgbClr val="333333"/>
+                </a:solidFill>
+                <a:latin typeface="Microsoft yahei" panose="020B0503020204020204" pitchFamily="34" charset="-122"/>
+                <a:ea typeface="Microsoft yahei" panose="020B0503020204020204" pitchFamily="34" charset="-122"/>
+              </a:rPr>
+              <a:t>音频编解码器</a:t>
+            </a:r>
+            <a:r>
+              <a:rPr lang="en-US" altLang="zh-CN" sz="1400" dirty="0">
+                <a:solidFill>
+                  <a:srgbClr val="333333"/>
+                </a:solidFill>
+                <a:latin typeface="Microsoft yahei" panose="020B0503020204020204" pitchFamily="34" charset="-122"/>
+                <a:ea typeface="Microsoft yahei" panose="020B0503020204020204" pitchFamily="34" charset="-122"/>
+              </a:rPr>
+              <a:t>)</a:t>
+            </a:r>
+            <a:r>
+              <a:rPr lang="zh-CN" altLang="en-US" sz="1400" dirty="0">
+                <a:solidFill>
+                  <a:srgbClr val="333333"/>
+                </a:solidFill>
+                <a:latin typeface="Microsoft yahei" panose="020B0503020204020204" pitchFamily="34" charset="-122"/>
+                <a:ea typeface="Microsoft yahei" panose="020B0503020204020204" pitchFamily="34" charset="-122"/>
+              </a:rPr>
+              <a:t>、</a:t>
+            </a:r>
+            <a:r>
+              <a:rPr lang="en-US" altLang="zh-CN" sz="1400" dirty="0">
+                <a:solidFill>
+                  <a:srgbClr val="333333"/>
+                </a:solidFill>
+                <a:latin typeface="Microsoft yahei" panose="020B0503020204020204" pitchFamily="34" charset="-122"/>
+                <a:ea typeface="Microsoft yahei" panose="020B0503020204020204" pitchFamily="34" charset="-122"/>
+              </a:rPr>
+              <a:t>PC cam</a:t>
+            </a:r>
+            <a:r>
+              <a:rPr lang="zh-CN" altLang="en-US" sz="1400" dirty="0">
+                <a:solidFill>
+                  <a:srgbClr val="333333"/>
+                </a:solidFill>
+                <a:latin typeface="Microsoft yahei" panose="020B0503020204020204" pitchFamily="34" charset="-122"/>
+                <a:ea typeface="Microsoft yahei" panose="020B0503020204020204" pitchFamily="34" charset="-122"/>
+              </a:rPr>
+              <a:t>等相关芯片。去年</a:t>
+            </a:r>
+            <a:r>
+              <a:rPr lang="en-US" altLang="zh-CN" sz="1400" dirty="0">
+                <a:solidFill>
+                  <a:srgbClr val="333333"/>
+                </a:solidFill>
+                <a:latin typeface="Microsoft yahei" panose="020B0503020204020204" pitchFamily="34" charset="-122"/>
+                <a:ea typeface="Microsoft yahei" panose="020B0503020204020204" pitchFamily="34" charset="-122"/>
+              </a:rPr>
               <a:t>Audio</a:t>
             </a:r>
             <a:r>
-              <a:rPr lang="zh-CN" altLang="en-US" dirty="0"/>
-              <a:t>芯片的对比</a:t>
-            </a:r>
+              <a:rPr lang="zh-CN" altLang="en-US" sz="1400" dirty="0">
+                <a:solidFill>
+                  <a:srgbClr val="333333"/>
+                </a:solidFill>
+                <a:latin typeface="Microsoft yahei" panose="020B0503020204020204" pitchFamily="34" charset="-122"/>
+                <a:ea typeface="Microsoft yahei" panose="020B0503020204020204" pitchFamily="34" charset="-122"/>
+              </a:rPr>
+              <a:t>产品线于蓝牙耳机应用明显成长，而今年新产品</a:t>
+            </a:r>
+            <a:r>
+              <a:rPr lang="en-US" altLang="zh-CN" sz="1400" dirty="0">
+                <a:solidFill>
+                  <a:srgbClr val="333333"/>
+                </a:solidFill>
+                <a:latin typeface="Microsoft yahei" panose="020B0503020204020204" pitchFamily="34" charset="-122"/>
+                <a:ea typeface="Microsoft yahei" panose="020B0503020204020204" pitchFamily="34" charset="-122"/>
+              </a:rPr>
+              <a:t>USB Type-c</a:t>
+            </a:r>
+            <a:r>
+              <a:rPr lang="zh-CN" altLang="en-US" sz="1400" dirty="0">
+                <a:solidFill>
+                  <a:srgbClr val="333333"/>
+                </a:solidFill>
+                <a:latin typeface="Microsoft yahei" panose="020B0503020204020204" pitchFamily="34" charset="-122"/>
+                <a:ea typeface="Microsoft yahei" panose="020B0503020204020204" pitchFamily="34" charset="-122"/>
+              </a:rPr>
+              <a:t>也望开始贡献营收，今年底可望倍数成长，但</a:t>
+            </a:r>
+            <a:r>
+              <a:rPr lang="en-US" altLang="zh-CN" sz="1400" dirty="0">
+                <a:solidFill>
+                  <a:srgbClr val="333333"/>
+                </a:solidFill>
+                <a:latin typeface="Microsoft yahei" panose="020B0503020204020204" pitchFamily="34" charset="-122"/>
+                <a:ea typeface="Microsoft yahei" panose="020B0503020204020204" pitchFamily="34" charset="-122"/>
+              </a:rPr>
+              <a:t>ASP</a:t>
+            </a:r>
+            <a:r>
+              <a:rPr lang="zh-CN" altLang="en-US" sz="1400" dirty="0">
+                <a:solidFill>
+                  <a:srgbClr val="333333"/>
+                </a:solidFill>
+                <a:latin typeface="Microsoft yahei" panose="020B0503020204020204" pitchFamily="34" charset="-122"/>
+                <a:ea typeface="Microsoft yahei" panose="020B0503020204020204" pitchFamily="34" charset="-122"/>
+              </a:rPr>
+              <a:t>也受到竞争者压力明显。</a:t>
+            </a:r>
+            <a:endParaRPr lang="en-US" altLang="zh-CN" sz="1400" dirty="0">
+              <a:solidFill>
+                <a:srgbClr val="333333"/>
+              </a:solidFill>
+              <a:latin typeface="Microsoft yahei" panose="020B0503020204020204" pitchFamily="34" charset="-122"/>
+              <a:ea typeface="Microsoft yahei" panose="020B0503020204020204" pitchFamily="34" charset="-122"/>
+            </a:endParaRPr>
+          </a:p>
+          <a:p>
+            <a:endParaRPr lang="en-US" altLang="zh-CN" sz="1400" dirty="0">
+              <a:solidFill>
+                <a:srgbClr val="333333"/>
+              </a:solidFill>
+              <a:latin typeface="Microsoft yahei" panose="020B0503020204020204" pitchFamily="34" charset="-122"/>
+              <a:ea typeface="Microsoft yahei" panose="020B0503020204020204" pitchFamily="34" charset="-122"/>
+            </a:endParaRPr>
+          </a:p>
+          <a:p>
+            <a:r>
+              <a:rPr lang="en-US" altLang="zh-CN" sz="1400" dirty="0">
+                <a:solidFill>
+                  <a:srgbClr val="333333"/>
+                </a:solidFill>
+                <a:latin typeface="Microsoft yahei" panose="020B0503020204020204" pitchFamily="34" charset="-122"/>
+                <a:ea typeface="Microsoft yahei" panose="020B0503020204020204" pitchFamily="34" charset="-122"/>
+              </a:rPr>
+              <a:t>2020</a:t>
+            </a:r>
+            <a:r>
+              <a:rPr lang="zh-CN" altLang="en-US" sz="1400" dirty="0">
+                <a:solidFill>
+                  <a:srgbClr val="333333"/>
+                </a:solidFill>
+                <a:latin typeface="Microsoft yahei" panose="020B0503020204020204" pitchFamily="34" charset="-122"/>
+                <a:ea typeface="Microsoft yahei" panose="020B0503020204020204" pitchFamily="34" charset="-122"/>
+              </a:rPr>
+              <a:t>：</a:t>
+            </a:r>
+            <a:r>
+              <a:rPr lang="zh-CN" altLang="en-US" sz="1050" b="0" i="0" dirty="0">
+                <a:solidFill>
+                  <a:srgbClr val="31424E"/>
+                </a:solidFill>
+                <a:effectLst/>
+                <a:latin typeface="PingFangSC-Regular"/>
+              </a:rPr>
+              <a:t>钜亨网消息</a:t>
+            </a:r>
+            <a:r>
+              <a:rPr lang="en-US" altLang="zh-CN" sz="1050" b="0" i="0" dirty="0">
+                <a:solidFill>
+                  <a:srgbClr val="31424E"/>
+                </a:solidFill>
+                <a:effectLst/>
+                <a:latin typeface="PingFangSC-Regular"/>
+              </a:rPr>
+              <a:t>,</a:t>
+            </a:r>
+            <a:r>
+              <a:rPr lang="zh-CN" altLang="en-US" sz="1050" b="0" i="0" dirty="0">
+                <a:solidFill>
+                  <a:srgbClr val="31424E"/>
+                </a:solidFill>
+                <a:effectLst/>
+                <a:latin typeface="PingFangSC-Regular"/>
+              </a:rPr>
+              <a:t>近日</a:t>
+            </a:r>
+            <a:r>
+              <a:rPr lang="en-US" altLang="zh-CN" sz="1050" b="0" i="0" dirty="0">
+                <a:solidFill>
+                  <a:srgbClr val="31424E"/>
+                </a:solidFill>
+                <a:effectLst/>
+                <a:latin typeface="PingFangSC-Regular"/>
+              </a:rPr>
+              <a:t>,</a:t>
+            </a:r>
+            <a:r>
+              <a:rPr lang="en-US" altLang="zh-CN" sz="1050" b="0" i="0" u="none" strike="noStrike" dirty="0">
+                <a:solidFill>
+                  <a:srgbClr val="085AAD"/>
+                </a:solidFill>
+                <a:effectLst/>
+                <a:latin typeface="PingFangSC-Regular"/>
+                <a:hlinkClick r:id="rId2" tooltip="IC设计"/>
+              </a:rPr>
+              <a:t>IC</a:t>
+            </a:r>
+            <a:r>
+              <a:rPr lang="zh-CN" altLang="en-US" sz="1050" b="0" i="0" u="none" strike="noStrike" dirty="0">
+                <a:solidFill>
+                  <a:srgbClr val="085AAD"/>
+                </a:solidFill>
+                <a:effectLst/>
+                <a:latin typeface="PingFangSC-Regular"/>
+                <a:hlinkClick r:id="rId2" tooltip="IC设计"/>
+              </a:rPr>
+              <a:t>设计</a:t>
+            </a:r>
+            <a:r>
+              <a:rPr lang="zh-CN" altLang="en-US" sz="1050" b="0" i="0" dirty="0">
+                <a:solidFill>
+                  <a:srgbClr val="31424E"/>
+                </a:solidFill>
+                <a:effectLst/>
+                <a:latin typeface="PingFangSC-Regular"/>
+              </a:rPr>
+              <a:t>大厂瑞昱传出其音频编解码芯片</a:t>
+            </a:r>
+            <a:r>
+              <a:rPr lang="en-US" altLang="zh-CN" sz="1050" b="0" i="0" dirty="0">
+                <a:solidFill>
+                  <a:srgbClr val="31424E"/>
+                </a:solidFill>
+                <a:effectLst/>
+                <a:latin typeface="PingFangSC-Regular"/>
+              </a:rPr>
+              <a:t>(Audio Codec)</a:t>
+            </a:r>
+            <a:r>
+              <a:rPr lang="zh-CN" altLang="en-US" sz="1050" b="0" i="0" dirty="0">
+                <a:solidFill>
+                  <a:srgbClr val="31424E"/>
+                </a:solidFill>
+                <a:effectLst/>
+                <a:latin typeface="PingFangSC-Regular"/>
+              </a:rPr>
+              <a:t>遭某美系笔电大厂砍单</a:t>
+            </a:r>
+            <a:r>
+              <a:rPr lang="en-US" altLang="zh-CN" sz="1050" b="0" i="0" dirty="0">
+                <a:solidFill>
+                  <a:srgbClr val="31424E"/>
+                </a:solidFill>
+                <a:effectLst/>
+                <a:latin typeface="PingFangSC-Regular"/>
+              </a:rPr>
+              <a:t>,</a:t>
+            </a:r>
+            <a:r>
+              <a:rPr lang="zh-CN" altLang="en-US" sz="1050" b="0" i="0" dirty="0">
+                <a:solidFill>
+                  <a:srgbClr val="31424E"/>
+                </a:solidFill>
+                <a:effectLst/>
+                <a:latin typeface="PingFangSC-Regular"/>
+              </a:rPr>
+              <a:t>供货比重从八成降至二成</a:t>
+            </a:r>
+            <a:r>
+              <a:rPr lang="en-US" altLang="zh-CN" sz="1050" b="0" i="0" dirty="0">
+                <a:solidFill>
+                  <a:srgbClr val="31424E"/>
+                </a:solidFill>
+                <a:effectLst/>
+                <a:latin typeface="PingFangSC-Regular"/>
+              </a:rPr>
+              <a:t>,</a:t>
+            </a:r>
+            <a:r>
+              <a:rPr lang="zh-CN" altLang="en-US" sz="1050" b="0" i="0" dirty="0">
+                <a:solidFill>
+                  <a:srgbClr val="31424E"/>
+                </a:solidFill>
+                <a:effectLst/>
+                <a:latin typeface="PingFangSC-Regular"/>
+              </a:rPr>
+              <a:t>订单几乎腰斩。</a:t>
+            </a:r>
+            <a:endParaRPr lang="en-US" altLang="zh-CN" sz="1050" b="0" i="0" dirty="0">
+              <a:solidFill>
+                <a:srgbClr val="31424E"/>
+              </a:solidFill>
+              <a:effectLst/>
+              <a:latin typeface="PingFangSC-Regular"/>
+            </a:endParaRPr>
+          </a:p>
+          <a:p>
+            <a:endParaRPr lang="zh-CN" altLang="en-US" sz="1400" dirty="0">
+              <a:solidFill>
+                <a:srgbClr val="333333"/>
+              </a:solidFill>
+              <a:latin typeface="Microsoft yahei" panose="020B0503020204020204" pitchFamily="34" charset="-122"/>
+              <a:ea typeface="Microsoft yahei" panose="020B0503020204020204" pitchFamily="34" charset="-122"/>
+            </a:endParaRPr>
           </a:p>
         </p:txBody>
       </p:sp>
-      <p:pic>
-        <p:nvPicPr>
-          <p:cNvPr id="5" name="内容占位符 4">
-            <a:extLst>
-              <a:ext uri="{FF2B5EF4-FFF2-40B4-BE49-F238E27FC236}">
-                <a16:creationId xmlns:a16="http://schemas.microsoft.com/office/drawing/2014/main" id="{4F72D5FE-0101-C3AA-7865-E17052EACD12}"/>
-              </a:ext>
-            </a:extLst>
-          </p:cNvPr>
-          <p:cNvPicPr>
-            <a:picLocks noGrp="1" noChangeAspect="1"/>
-          </p:cNvPicPr>
-          <p:nvPr>
-            <p:ph idx="1"/>
-          </p:nvPr>
-        </p:nvPicPr>
-        <p:blipFill>
-          <a:blip r:embed="rId2">
-            <a:extLst>
-              <a:ext uri="{28A0092B-C50C-407E-A947-70E740481C1C}">
-                <a14:useLocalDpi xmlns:a14="http://schemas.microsoft.com/office/drawing/2010/main" val="0"/>
-              </a:ext>
-            </a:extLst>
-          </a:blip>
-          <a:stretch>
-            <a:fillRect/>
-          </a:stretch>
-        </p:blipFill>
-        <p:spPr>
-          <a:xfrm>
-            <a:off x="838200" y="2382573"/>
-            <a:ext cx="10515600" cy="3237441"/>
-          </a:xfrm>
-        </p:spPr>
-      </p:pic>
     </p:spTree>
     <p:extLst>
       <p:ext uri="{BB962C8B-B14F-4D97-AF65-F5344CB8AC3E}">
-        <p14:creationId xmlns:p14="http://schemas.microsoft.com/office/powerpoint/2010/main" val="1338407200"/>
+        <p14:creationId xmlns:p14="http://schemas.microsoft.com/office/powerpoint/2010/main" val="2316473608"/>
       </p:ext>
     </p:extLst>
   </p:cSld>
@@ -5274,7 +6683,7 @@
           <p:cNvPr id="2" name="标题 1">
             <a:extLst>
               <a:ext uri="{FF2B5EF4-FFF2-40B4-BE49-F238E27FC236}">
-                <a16:creationId xmlns:a16="http://schemas.microsoft.com/office/drawing/2014/main" id="{58B0690B-3B15-62A2-FDFA-C44039EDE883}"/>
+                <a16:creationId xmlns:a16="http://schemas.microsoft.com/office/drawing/2014/main" id="{BEAF98A0-7370-0D33-7C78-970F412FE7CD}"/>
               </a:ext>
             </a:extLst>
           </p:cNvPr>
@@ -5285,387 +6694,254 @@
             <p:ph type="title"/>
           </p:nvPr>
         </p:nvSpPr>
-        <p:spPr>
-          <a:xfrm>
-            <a:off x="114631" y="86830"/>
-            <a:ext cx="10515600" cy="1325563"/>
-          </a:xfrm>
-        </p:spPr>
+        <p:spPr/>
         <p:txBody>
           <a:bodyPr/>
           <a:lstStyle/>
           <a:p>
             <a:r>
               <a:rPr lang="en-US" altLang="zh-CN" dirty="0"/>
-              <a:t>20~21</a:t>
+              <a:t>PC</a:t>
             </a:r>
             <a:r>
               <a:rPr lang="zh-CN" altLang="en-US" dirty="0"/>
-              <a:t>年供应链中断次数</a:t>
+              <a:t>声卡</a:t>
+            </a:r>
+            <a:r>
+              <a:rPr lang="en-US" altLang="zh-CN" dirty="0"/>
+              <a:t>—HD Audio</a:t>
+            </a:r>
+            <a:r>
+              <a:rPr lang="zh-CN" altLang="en-US" dirty="0"/>
+              <a:t>音频技术规范 </a:t>
             </a:r>
           </a:p>
         </p:txBody>
       </p:sp>
-      <p:pic>
-        <p:nvPicPr>
-          <p:cNvPr id="5" name="内容占位符 4">
-            <a:extLst>
-              <a:ext uri="{FF2B5EF4-FFF2-40B4-BE49-F238E27FC236}">
-                <a16:creationId xmlns:a16="http://schemas.microsoft.com/office/drawing/2014/main" id="{B2539918-CEA2-A9F2-3874-AD58E46C3297}"/>
-              </a:ext>
-            </a:extLst>
-          </p:cNvPr>
-          <p:cNvPicPr>
-            <a:picLocks noGrp="1" noChangeAspect="1"/>
-          </p:cNvPicPr>
+      <p:sp>
+        <p:nvSpPr>
+          <p:cNvPr id="3" name="内容占位符 2">
+            <a:extLst>
+              <a:ext uri="{FF2B5EF4-FFF2-40B4-BE49-F238E27FC236}">
+                <a16:creationId xmlns:a16="http://schemas.microsoft.com/office/drawing/2014/main" id="{A805F199-452D-834B-8B38-6F9D37E27589}"/>
+              </a:ext>
+            </a:extLst>
+          </p:cNvPr>
+          <p:cNvSpPr>
+            <a:spLocks noGrp="1"/>
+          </p:cNvSpPr>
           <p:nvPr>
             <p:ph idx="1"/>
           </p:nvPr>
-        </p:nvPicPr>
-        <p:blipFill>
-          <a:blip r:embed="rId2">
-            <a:extLst>
-              <a:ext uri="{28A0092B-C50C-407E-A947-70E740481C1C}">
-                <a14:useLocalDpi xmlns:a14="http://schemas.microsoft.com/office/drawing/2010/main" val="0"/>
-              </a:ext>
-            </a:extLst>
-          </a:blip>
-          <a:stretch>
-            <a:fillRect/>
-          </a:stretch>
-        </p:blipFill>
-        <p:spPr>
-          <a:xfrm>
-            <a:off x="0" y="1346915"/>
-            <a:ext cx="6758609" cy="5495043"/>
-          </a:xfrm>
-        </p:spPr>
-      </p:pic>
-      <p:sp>
-        <p:nvSpPr>
-          <p:cNvPr id="6" name="内容占位符 2">
-            <a:extLst>
-              <a:ext uri="{FF2B5EF4-FFF2-40B4-BE49-F238E27FC236}">
-                <a16:creationId xmlns:a16="http://schemas.microsoft.com/office/drawing/2014/main" id="{CAE1FFA1-79AD-5F04-40D0-E4ADC46C85A2}"/>
-              </a:ext>
-            </a:extLst>
-          </p:cNvPr>
-          <p:cNvSpPr txBox="1">
-            <a:spLocks/>
-          </p:cNvSpPr>
-          <p:nvPr/>
-        </p:nvSpPr>
-        <p:spPr>
-          <a:xfrm>
-            <a:off x="6917636" y="1825625"/>
-            <a:ext cx="4436164" cy="2802034"/>
-          </a:xfrm>
-          <a:prstGeom prst="rect">
-            <a:avLst/>
-          </a:prstGeom>
-        </p:spPr>
+        </p:nvSpPr>
+        <p:spPr/>
         <p:txBody>
-          <a:bodyPr vert="horz" lIns="91440" tIns="45720" rIns="91440" bIns="45720" rtlCol="0">
-            <a:normAutofit fontScale="85000" lnSpcReduction="10000"/>
+          <a:bodyPr>
+            <a:normAutofit/>
           </a:bodyPr>
-          <a:lstStyle>
-            <a:lvl1pPr marL="228600" indent="-228600" algn="l" defTabSz="914400" rtl="0" eaLnBrk="1" latinLnBrk="0" hangingPunct="1">
-              <a:lnSpc>
-                <a:spcPct val="90000"/>
-              </a:lnSpc>
-              <a:spcBef>
-                <a:spcPts val="1000"/>
-              </a:spcBef>
-              <a:buFont typeface="Arial" panose="020B0604020202020204" pitchFamily="34" charset="0"/>
-              <a:buChar char="•"/>
-              <a:defRPr sz="2800" kern="1200">
-                <a:solidFill>
-                  <a:schemeClr val="tx1"/>
-                </a:solidFill>
-                <a:latin typeface="+mn-lt"/>
-                <a:ea typeface="+mn-ea"/>
-                <a:cs typeface="+mn-cs"/>
-              </a:defRPr>
-            </a:lvl1pPr>
-            <a:lvl2pPr marL="685800" indent="-228600" algn="l" defTabSz="914400" rtl="0" eaLnBrk="1" latinLnBrk="0" hangingPunct="1">
-              <a:lnSpc>
-                <a:spcPct val="90000"/>
-              </a:lnSpc>
-              <a:spcBef>
-                <a:spcPts val="500"/>
-              </a:spcBef>
-              <a:buFont typeface="Arial" panose="020B0604020202020204" pitchFamily="34" charset="0"/>
-              <a:buChar char="•"/>
-              <a:defRPr sz="2400" kern="1200">
-                <a:solidFill>
-                  <a:schemeClr val="tx1"/>
-                </a:solidFill>
-                <a:latin typeface="+mn-lt"/>
-                <a:ea typeface="+mn-ea"/>
-                <a:cs typeface="+mn-cs"/>
-              </a:defRPr>
-            </a:lvl2pPr>
-            <a:lvl3pPr marL="1143000" indent="-228600" algn="l" defTabSz="914400" rtl="0" eaLnBrk="1" latinLnBrk="0" hangingPunct="1">
-              <a:lnSpc>
-                <a:spcPct val="90000"/>
-              </a:lnSpc>
-              <a:spcBef>
-                <a:spcPts val="500"/>
-              </a:spcBef>
-              <a:buFont typeface="Arial" panose="020B0604020202020204" pitchFamily="34" charset="0"/>
-              <a:buChar char="•"/>
-              <a:defRPr sz="2000" kern="1200">
-                <a:solidFill>
-                  <a:schemeClr val="tx1"/>
-                </a:solidFill>
-                <a:latin typeface="+mn-lt"/>
-                <a:ea typeface="+mn-ea"/>
-                <a:cs typeface="+mn-cs"/>
-              </a:defRPr>
-            </a:lvl3pPr>
-            <a:lvl4pPr marL="1600200" indent="-228600" algn="l" defTabSz="914400" rtl="0" eaLnBrk="1" latinLnBrk="0" hangingPunct="1">
-              <a:lnSpc>
-                <a:spcPct val="90000"/>
-              </a:lnSpc>
-              <a:spcBef>
-                <a:spcPts val="500"/>
-              </a:spcBef>
-              <a:buFont typeface="Arial" panose="020B0604020202020204" pitchFamily="34" charset="0"/>
-              <a:buChar char="•"/>
-              <a:defRPr sz="1800" kern="1200">
-                <a:solidFill>
-                  <a:schemeClr val="tx1"/>
-                </a:solidFill>
-                <a:latin typeface="+mn-lt"/>
-                <a:ea typeface="+mn-ea"/>
-                <a:cs typeface="+mn-cs"/>
-              </a:defRPr>
-            </a:lvl4pPr>
-            <a:lvl5pPr marL="2057400" indent="-228600" algn="l" defTabSz="914400" rtl="0" eaLnBrk="1" latinLnBrk="0" hangingPunct="1">
-              <a:lnSpc>
-                <a:spcPct val="90000"/>
-              </a:lnSpc>
-              <a:spcBef>
-                <a:spcPts val="500"/>
-              </a:spcBef>
-              <a:buFont typeface="Arial" panose="020B0604020202020204" pitchFamily="34" charset="0"/>
-              <a:buChar char="•"/>
-              <a:defRPr sz="1800" kern="1200">
-                <a:solidFill>
-                  <a:schemeClr val="tx1"/>
-                </a:solidFill>
-                <a:latin typeface="+mn-lt"/>
-                <a:ea typeface="+mn-ea"/>
-                <a:cs typeface="+mn-cs"/>
-              </a:defRPr>
-            </a:lvl5pPr>
-            <a:lvl6pPr marL="2514600" indent="-228600" algn="l" defTabSz="914400" rtl="0" eaLnBrk="1" latinLnBrk="0" hangingPunct="1">
-              <a:lnSpc>
-                <a:spcPct val="90000"/>
-              </a:lnSpc>
-              <a:spcBef>
-                <a:spcPts val="500"/>
-              </a:spcBef>
-              <a:buFont typeface="Arial" panose="020B0604020202020204" pitchFamily="34" charset="0"/>
-              <a:buChar char="•"/>
-              <a:defRPr sz="1800" kern="1200">
-                <a:solidFill>
-                  <a:schemeClr val="tx1"/>
-                </a:solidFill>
-                <a:latin typeface="+mn-lt"/>
-                <a:ea typeface="+mn-ea"/>
-                <a:cs typeface="+mn-cs"/>
-              </a:defRPr>
-            </a:lvl6pPr>
-            <a:lvl7pPr marL="2971800" indent="-228600" algn="l" defTabSz="914400" rtl="0" eaLnBrk="1" latinLnBrk="0" hangingPunct="1">
-              <a:lnSpc>
-                <a:spcPct val="90000"/>
-              </a:lnSpc>
-              <a:spcBef>
-                <a:spcPts val="500"/>
-              </a:spcBef>
-              <a:buFont typeface="Arial" panose="020B0604020202020204" pitchFamily="34" charset="0"/>
-              <a:buChar char="•"/>
-              <a:defRPr sz="1800" kern="1200">
-                <a:solidFill>
-                  <a:schemeClr val="tx1"/>
-                </a:solidFill>
-                <a:latin typeface="+mn-lt"/>
-                <a:ea typeface="+mn-ea"/>
-                <a:cs typeface="+mn-cs"/>
-              </a:defRPr>
-            </a:lvl7pPr>
-            <a:lvl8pPr marL="3429000" indent="-228600" algn="l" defTabSz="914400" rtl="0" eaLnBrk="1" latinLnBrk="0" hangingPunct="1">
-              <a:lnSpc>
-                <a:spcPct val="90000"/>
-              </a:lnSpc>
-              <a:spcBef>
-                <a:spcPts val="500"/>
-              </a:spcBef>
-              <a:buFont typeface="Arial" panose="020B0604020202020204" pitchFamily="34" charset="0"/>
-              <a:buChar char="•"/>
-              <a:defRPr sz="1800" kern="1200">
-                <a:solidFill>
-                  <a:schemeClr val="tx1"/>
-                </a:solidFill>
-                <a:latin typeface="+mn-lt"/>
-                <a:ea typeface="+mn-ea"/>
-                <a:cs typeface="+mn-cs"/>
-              </a:defRPr>
-            </a:lvl8pPr>
-            <a:lvl9pPr marL="3886200" indent="-228600" algn="l" defTabSz="914400" rtl="0" eaLnBrk="1" latinLnBrk="0" hangingPunct="1">
-              <a:lnSpc>
-                <a:spcPct val="90000"/>
-              </a:lnSpc>
-              <a:spcBef>
-                <a:spcPts val="500"/>
-              </a:spcBef>
-              <a:buFont typeface="Arial" panose="020B0604020202020204" pitchFamily="34" charset="0"/>
-              <a:buChar char="•"/>
-              <a:defRPr sz="1800" kern="1200">
-                <a:solidFill>
-                  <a:schemeClr val="tx1"/>
-                </a:solidFill>
-                <a:latin typeface="+mn-lt"/>
-                <a:ea typeface="+mn-ea"/>
-                <a:cs typeface="+mn-cs"/>
-              </a:defRPr>
-            </a:lvl9pPr>
-          </a:lstStyle>
-          <a:p>
-            <a:r>
-              <a:rPr lang="zh-CN" altLang="en-US" dirty="0">
-                <a:solidFill>
-                  <a:srgbClr val="121212"/>
-                </a:solidFill>
-                <a:latin typeface="-apple-system"/>
-              </a:rPr>
-              <a:t>美国的芯片禁售令，</a:t>
+          <a:lstStyle/>
+          <a:p>
+            <a:r>
+              <a:rPr lang="en-US" altLang="zh-CN" dirty="0"/>
+              <a:t>HD Audio</a:t>
+            </a:r>
+          </a:p>
+          <a:p>
+            <a:pPr lvl="1"/>
+            <a:r>
+              <a:rPr lang="en-US" altLang="zh-CN" dirty="0"/>
+              <a:t>High Definition Audio Codecs</a:t>
+            </a:r>
+          </a:p>
+          <a:p>
+            <a:r>
+              <a:rPr lang="zh-CN" altLang="en-US" dirty="0"/>
+              <a:t>符合</a:t>
+            </a:r>
+            <a:r>
+              <a:rPr lang="en-US" altLang="zh-CN" dirty="0"/>
+              <a:t>HD Audio</a:t>
+            </a:r>
+            <a:r>
+              <a:rPr lang="zh-CN" altLang="en-US" dirty="0"/>
+              <a:t>规范的芯片：</a:t>
+            </a:r>
+            <a:endParaRPr lang="en-US" altLang="zh-CN" dirty="0"/>
+          </a:p>
+          <a:p>
+            <a:pPr lvl="1"/>
+            <a:r>
+              <a:rPr lang="en-US" altLang="zh-CN" dirty="0"/>
+              <a:t>Realtek</a:t>
+            </a:r>
+            <a:r>
+              <a:rPr lang="zh-CN" altLang="en-US" dirty="0"/>
+              <a:t>瑞昱：</a:t>
+            </a:r>
+            <a:r>
+              <a:rPr lang="en-US" altLang="zh-CN" dirty="0"/>
+              <a:t>ALC880</a:t>
+            </a:r>
+            <a:r>
+              <a:rPr lang="zh-CN" altLang="en-US" dirty="0"/>
+              <a:t>、</a:t>
+            </a:r>
+            <a:r>
+              <a:rPr lang="en-US" altLang="zh-CN" dirty="0"/>
+              <a:t>ALC882</a:t>
+            </a:r>
+            <a:r>
+              <a:rPr lang="zh-CN" altLang="en-US" dirty="0"/>
+              <a:t>、</a:t>
+            </a:r>
+            <a:r>
+              <a:rPr lang="en-US" altLang="zh-CN" dirty="0"/>
+              <a:t>ALC883</a:t>
+            </a:r>
+            <a:r>
+              <a:rPr lang="zh-CN" altLang="en-US" dirty="0"/>
+              <a:t>、</a:t>
+            </a:r>
+            <a:r>
+              <a:rPr lang="en-US" altLang="zh-CN" dirty="0"/>
+              <a:t>ALC885</a:t>
+            </a:r>
+            <a:r>
+              <a:rPr lang="zh-CN" altLang="en-US" dirty="0"/>
+              <a:t>、</a:t>
+            </a:r>
+            <a:r>
+              <a:rPr lang="en-US" altLang="zh-CN" dirty="0"/>
+              <a:t>ALC888</a:t>
+            </a:r>
+            <a:r>
+              <a:rPr lang="zh-CN" altLang="en-US" dirty="0"/>
+              <a:t>、</a:t>
+            </a:r>
+            <a:r>
+              <a:rPr lang="en-US" altLang="zh-CN" dirty="0"/>
+              <a:t>ALC260</a:t>
+            </a:r>
+            <a:r>
+              <a:rPr lang="zh-CN" altLang="en-US" dirty="0"/>
+              <a:t>、</a:t>
+            </a:r>
+            <a:r>
+              <a:rPr lang="en-US" altLang="zh-CN" dirty="0"/>
+              <a:t>ALC262</a:t>
+            </a:r>
+            <a:r>
+              <a:rPr lang="zh-CN" altLang="en-US" dirty="0"/>
+              <a:t>、</a:t>
+            </a:r>
+            <a:r>
+              <a:rPr lang="en-US" altLang="zh-CN" dirty="0"/>
+              <a:t>ALC268</a:t>
+            </a:r>
+            <a:r>
+              <a:rPr lang="zh-CN" altLang="en-US" dirty="0"/>
+              <a:t>、</a:t>
+            </a:r>
+            <a:r>
+              <a:rPr lang="en-US" altLang="zh-CN" dirty="0"/>
+              <a:t>ALC861</a:t>
+            </a:r>
+            <a:r>
+              <a:rPr lang="zh-CN" altLang="en-US" dirty="0"/>
+              <a:t>等</a:t>
+            </a:r>
+            <a:endParaRPr lang="en-US" altLang="zh-CN" dirty="0"/>
+          </a:p>
+          <a:p>
+            <a:pPr lvl="1"/>
+            <a:r>
+              <a:rPr lang="zh-CN" altLang="en-US" dirty="0"/>
+              <a:t>其他厂商：</a:t>
+            </a:r>
+            <a:r>
+              <a:rPr lang="en-US" altLang="zh-CN" dirty="0" err="1"/>
+              <a:t>Cmedia</a:t>
+            </a:r>
+            <a:r>
+              <a:rPr lang="zh-CN" altLang="en-US" dirty="0"/>
+              <a:t>、</a:t>
+            </a:r>
+            <a:r>
+              <a:rPr lang="en-US" altLang="zh-CN" dirty="0"/>
+              <a:t>ADI</a:t>
+            </a:r>
+            <a:r>
+              <a:rPr lang="zh-CN" altLang="en-US" dirty="0"/>
+              <a:t>、</a:t>
+            </a:r>
+            <a:r>
+              <a:rPr lang="en-US" altLang="zh-CN" dirty="0"/>
+              <a:t> </a:t>
+            </a:r>
+            <a:r>
+              <a:rPr lang="en-US" altLang="zh-CN" dirty="0" err="1"/>
+              <a:t>Sigmatel</a:t>
+            </a:r>
+            <a:r>
+              <a:rPr lang="zh-CN" altLang="en-US" dirty="0"/>
+              <a:t>、</a:t>
+            </a:r>
+            <a:r>
+              <a:rPr lang="en-US" altLang="zh-CN" dirty="0"/>
+              <a:t>VIA</a:t>
+            </a:r>
+          </a:p>
+          <a:p>
+            <a:r>
+              <a:rPr lang="zh-CN" altLang="en-US" dirty="0"/>
+              <a:t>主要应用</a:t>
+            </a:r>
+            <a:endParaRPr lang="en-US" altLang="zh-CN" dirty="0"/>
+          </a:p>
+          <a:p>
+            <a:pPr lvl="1"/>
+            <a:r>
+              <a:rPr lang="zh-CN" altLang="en-US" dirty="0"/>
+              <a:t>笔记本电脑</a:t>
+            </a:r>
+            <a:endParaRPr lang="en-US" altLang="zh-CN" dirty="0"/>
+          </a:p>
+          <a:p>
+            <a:pPr lvl="1"/>
+            <a:r>
+              <a:rPr lang="en-US" altLang="zh-CN" b="0" i="0" dirty="0">
+                <a:solidFill>
+                  <a:srgbClr val="666666"/>
+                </a:solidFill>
+                <a:effectLst/>
+                <a:latin typeface="Ubuntu" panose="020B0504030602030204" pitchFamily="34" charset="0"/>
+              </a:rPr>
+              <a:t>PCI</a:t>
             </a:r>
             <a:r>
               <a:rPr lang="zh-CN" altLang="en-US" b="0" i="0" dirty="0">
                 <a:solidFill>
-                  <a:srgbClr val="121212"/>
-                </a:solidFill>
-                <a:effectLst/>
-                <a:latin typeface="-apple-system"/>
-              </a:rPr>
-              <a:t>对我国的芯片制造行业主要有几点影响：</a:t>
-            </a:r>
-            <a:endParaRPr lang="en-US" altLang="zh-CN" dirty="0">
-              <a:solidFill>
-                <a:srgbClr val="121212"/>
-              </a:solidFill>
-              <a:latin typeface="-apple-system"/>
-            </a:endParaRPr>
-          </a:p>
-          <a:p>
-            <a:pPr lvl="1"/>
-            <a:r>
-              <a:rPr lang="zh-CN" altLang="en-US" dirty="0">
-                <a:solidFill>
-                  <a:srgbClr val="121212"/>
-                </a:solidFill>
-                <a:latin typeface="-apple-system"/>
-              </a:rPr>
-              <a:t>我国芯片制造类公司如</a:t>
-            </a:r>
-            <a:r>
-              <a:rPr lang="zh-CN" altLang="en-US" dirty="0">
-                <a:latin typeface="-apple-system"/>
-                <a:hlinkClick r:id="rId3"/>
-              </a:rPr>
-              <a:t>中芯国际</a:t>
-            </a:r>
-            <a:r>
-              <a:rPr lang="zh-CN" altLang="en-US" dirty="0">
-                <a:solidFill>
-                  <a:srgbClr val="121212"/>
-                </a:solidFill>
-                <a:latin typeface="-apple-system"/>
-              </a:rPr>
-              <a:t>等，如要用到生产</a:t>
-            </a:r>
-            <a:r>
-              <a:rPr lang="en-US" altLang="zh-CN" dirty="0">
-                <a:solidFill>
-                  <a:srgbClr val="121212"/>
-                </a:solidFill>
-                <a:latin typeface="-apple-system"/>
-              </a:rPr>
-              <a:t>16nm</a:t>
-            </a:r>
-            <a:r>
-              <a:rPr lang="zh-CN" altLang="en-US" dirty="0">
-                <a:solidFill>
-                  <a:srgbClr val="121212"/>
-                </a:solidFill>
-                <a:latin typeface="-apple-system"/>
-              </a:rPr>
-              <a:t>制程及以下的芯片，购买的芯片制造设备中含有美国技术的，需要向美国申请许可证。</a:t>
-            </a:r>
-            <a:endParaRPr lang="en-US" altLang="zh-CN" dirty="0">
-              <a:solidFill>
-                <a:srgbClr val="121212"/>
-              </a:solidFill>
-              <a:latin typeface="-apple-system"/>
-            </a:endParaRPr>
-          </a:p>
-          <a:p>
-            <a:pPr lvl="1"/>
-            <a:r>
-              <a:rPr lang="en-US" altLang="zh-CN" dirty="0">
-                <a:solidFill>
-                  <a:srgbClr val="121212"/>
-                </a:solidFill>
-                <a:latin typeface="-apple-system"/>
-              </a:rPr>
-              <a:t>16nm</a:t>
-            </a:r>
-            <a:r>
-              <a:rPr lang="zh-CN" altLang="en-US" dirty="0">
-                <a:solidFill>
-                  <a:srgbClr val="121212"/>
-                </a:solidFill>
-                <a:latin typeface="-apple-system"/>
-              </a:rPr>
-              <a:t>以上及</a:t>
-            </a:r>
-            <a:r>
-              <a:rPr lang="en-US" altLang="zh-CN" dirty="0">
-                <a:solidFill>
-                  <a:srgbClr val="121212"/>
-                </a:solidFill>
-                <a:latin typeface="-apple-system"/>
-              </a:rPr>
-              <a:t>28nm</a:t>
-            </a:r>
-            <a:r>
-              <a:rPr lang="zh-CN" altLang="en-US" dirty="0">
-                <a:solidFill>
-                  <a:srgbClr val="121212"/>
-                </a:solidFill>
-                <a:latin typeface="-apple-system"/>
-              </a:rPr>
-              <a:t>芯片生产，设计，都无什么影响</a:t>
-            </a:r>
-            <a:endParaRPr lang="en-US" altLang="zh-CN" dirty="0">
-              <a:solidFill>
-                <a:srgbClr val="121212"/>
-              </a:solidFill>
-              <a:latin typeface="-apple-system"/>
-            </a:endParaRPr>
-          </a:p>
-          <a:p>
-            <a:pPr lvl="1"/>
-            <a:endParaRPr lang="zh-CN" altLang="en-US" dirty="0"/>
+                  <a:srgbClr val="666666"/>
+                </a:solidFill>
+                <a:effectLst/>
+                <a:latin typeface="Ubuntu" panose="020B0504030602030204" pitchFamily="34" charset="0"/>
+              </a:rPr>
+              <a:t>声卡？？</a:t>
+            </a:r>
+            <a:endParaRPr lang="en-US" altLang="zh-CN" dirty="0"/>
+          </a:p>
+          <a:p>
+            <a:r>
+              <a:rPr lang="zh-CN" altLang="en-US" dirty="0"/>
+              <a:t>出货占比</a:t>
+            </a:r>
           </a:p>
         </p:txBody>
       </p:sp>
     </p:spTree>
     <p:extLst>
       <p:ext uri="{BB962C8B-B14F-4D97-AF65-F5344CB8AC3E}">
-        <p14:creationId xmlns:p14="http://schemas.microsoft.com/office/powerpoint/2010/main" val="2297320895"/>
+        <p14:creationId xmlns:p14="http://schemas.microsoft.com/office/powerpoint/2010/main" val="4275385750"/>
       </p:ext>
     </p:extLst>
   </p:cSld>
@@ -5697,7 +6973,7 @@
           <p:cNvPr id="2" name="标题 1">
             <a:extLst>
               <a:ext uri="{FF2B5EF4-FFF2-40B4-BE49-F238E27FC236}">
-                <a16:creationId xmlns:a16="http://schemas.microsoft.com/office/drawing/2014/main" id="{44E17A92-7DFE-AE61-0EAC-74B408C896D5}"/>
+                <a16:creationId xmlns:a16="http://schemas.microsoft.com/office/drawing/2014/main" id="{16A22911-6A67-F1F4-1359-653E55AF475E}"/>
               </a:ext>
             </a:extLst>
           </p:cNvPr>
@@ -5714,8 +6990,20 @@
           <a:lstStyle/>
           <a:p>
             <a:r>
+              <a:rPr lang="en-US" altLang="zh-CN" dirty="0"/>
+              <a:t>PC</a:t>
+            </a:r>
+            <a:r>
               <a:rPr lang="zh-CN" altLang="en-US" dirty="0"/>
-              <a:t>零散信息</a:t>
+              <a:t>声卡</a:t>
+            </a:r>
+            <a:r>
+              <a:rPr lang="en-US" altLang="zh-CN" dirty="0"/>
+              <a:t>—AC'97</a:t>
+            </a:r>
+            <a:r>
+              <a:rPr lang="zh-CN" altLang="en-US" dirty="0"/>
+              <a:t>音频技术规范</a:t>
             </a:r>
           </a:p>
         </p:txBody>
@@ -5725,7 +7013,7 @@
           <p:cNvPr id="3" name="内容占位符 2">
             <a:extLst>
               <a:ext uri="{FF2B5EF4-FFF2-40B4-BE49-F238E27FC236}">
-                <a16:creationId xmlns:a16="http://schemas.microsoft.com/office/drawing/2014/main" id="{EF88DD60-AB20-4D76-39B7-7B1C8BF99697}"/>
+                <a16:creationId xmlns:a16="http://schemas.microsoft.com/office/drawing/2014/main" id="{3837AD90-D308-2A6C-CD59-68928B1CDA45}"/>
               </a:ext>
             </a:extLst>
           </p:cNvPr>
@@ -5738,759 +7026,17 @@
         </p:nvSpPr>
         <p:spPr/>
         <p:txBody>
-          <a:bodyPr>
-            <a:normAutofit/>
-          </a:bodyPr>
+          <a:bodyPr/>
           <a:lstStyle/>
           <a:p>
-            <a:r>
-              <a:rPr lang="en-US" altLang="zh-CN" sz="1400" dirty="0">
-                <a:solidFill>
-                  <a:srgbClr val="333333"/>
-                </a:solidFill>
-                <a:latin typeface="Microsoft yahei" panose="020B0503020204020204" pitchFamily="34" charset="-122"/>
-                <a:ea typeface="Microsoft yahei" panose="020B0503020204020204" pitchFamily="34" charset="-122"/>
-              </a:rPr>
-              <a:t>18</a:t>
-            </a:r>
-            <a:r>
-              <a:rPr lang="zh-CN" altLang="en-US" sz="1400" dirty="0">
-                <a:solidFill>
-                  <a:srgbClr val="333333"/>
-                </a:solidFill>
-                <a:latin typeface="Microsoft yahei" panose="020B0503020204020204" pitchFamily="34" charset="-122"/>
-                <a:ea typeface="Microsoft yahei" panose="020B0503020204020204" pitchFamily="34" charset="-122"/>
-              </a:rPr>
-              <a:t>年：瑞昱为国内网通芯片大厂，若依去年产品营收比重而言，</a:t>
-            </a:r>
-            <a:r>
-              <a:rPr lang="en-US" altLang="zh-CN" sz="1400" dirty="0">
-                <a:solidFill>
-                  <a:srgbClr val="333333"/>
-                </a:solidFill>
-                <a:latin typeface="Microsoft yahei" panose="020B0503020204020204" pitchFamily="34" charset="-122"/>
-                <a:ea typeface="Microsoft yahei" panose="020B0503020204020204" pitchFamily="34" charset="-122"/>
-              </a:rPr>
-              <a:t>PC</a:t>
-            </a:r>
-            <a:r>
-              <a:rPr lang="zh-CN" altLang="en-US" sz="1400" dirty="0">
-                <a:solidFill>
-                  <a:srgbClr val="333333"/>
-                </a:solidFill>
-                <a:latin typeface="Microsoft yahei" panose="020B0503020204020204" pitchFamily="34" charset="-122"/>
-                <a:ea typeface="Microsoft yahei" panose="020B0503020204020204" pitchFamily="34" charset="-122"/>
-              </a:rPr>
-              <a:t>相关约占</a:t>
-            </a:r>
-            <a:r>
-              <a:rPr lang="en-US" altLang="zh-CN" sz="1400" dirty="0">
-                <a:solidFill>
-                  <a:srgbClr val="333333"/>
-                </a:solidFill>
-                <a:latin typeface="Microsoft yahei" panose="020B0503020204020204" pitchFamily="34" charset="-122"/>
-                <a:ea typeface="Microsoft yahei" panose="020B0503020204020204" pitchFamily="34" charset="-122"/>
-              </a:rPr>
-              <a:t>30~35%</a:t>
-            </a:r>
-            <a:r>
-              <a:rPr lang="zh-CN" altLang="en-US" sz="1400" dirty="0">
-                <a:solidFill>
-                  <a:srgbClr val="333333"/>
-                </a:solidFill>
-                <a:latin typeface="Microsoft yahei" panose="020B0503020204020204" pitchFamily="34" charset="-122"/>
-                <a:ea typeface="Microsoft yahei" panose="020B0503020204020204" pitchFamily="34" charset="-122"/>
-              </a:rPr>
-              <a:t>、非</a:t>
-            </a:r>
-            <a:r>
-              <a:rPr lang="en-US" altLang="zh-CN" sz="1400" dirty="0">
-                <a:solidFill>
-                  <a:srgbClr val="333333"/>
-                </a:solidFill>
-                <a:latin typeface="Microsoft yahei" panose="020B0503020204020204" pitchFamily="34" charset="-122"/>
-                <a:ea typeface="Microsoft yahei" panose="020B0503020204020204" pitchFamily="34" charset="-122"/>
-              </a:rPr>
-              <a:t>PC</a:t>
-            </a:r>
-            <a:r>
-              <a:rPr lang="zh-CN" altLang="en-US" sz="1400" dirty="0">
-                <a:solidFill>
-                  <a:srgbClr val="333333"/>
-                </a:solidFill>
-                <a:latin typeface="Microsoft yahei" panose="020B0503020204020204" pitchFamily="34" charset="-122"/>
-                <a:ea typeface="Microsoft yahei" panose="020B0503020204020204" pitchFamily="34" charset="-122"/>
-              </a:rPr>
-              <a:t>相关约占</a:t>
-            </a:r>
-            <a:r>
-              <a:rPr lang="en-US" altLang="zh-CN" sz="1400" dirty="0">
-                <a:solidFill>
-                  <a:srgbClr val="333333"/>
-                </a:solidFill>
-                <a:latin typeface="Microsoft yahei" panose="020B0503020204020204" pitchFamily="34" charset="-122"/>
-                <a:ea typeface="Microsoft yahei" panose="020B0503020204020204" pitchFamily="34" charset="-122"/>
-              </a:rPr>
-              <a:t>65~70%</a:t>
-            </a:r>
-            <a:r>
-              <a:rPr lang="zh-CN" altLang="en-US" sz="1400" dirty="0">
-                <a:solidFill>
-                  <a:srgbClr val="333333"/>
-                </a:solidFill>
-                <a:latin typeface="Microsoft yahei" panose="020B0503020204020204" pitchFamily="34" charset="-122"/>
-                <a:ea typeface="Microsoft yahei" panose="020B0503020204020204" pitchFamily="34" charset="-122"/>
-              </a:rPr>
-              <a:t>。</a:t>
-            </a:r>
-            <a:endParaRPr lang="en-US" altLang="zh-CN" sz="1400" dirty="0">
-              <a:solidFill>
-                <a:srgbClr val="333333"/>
-              </a:solidFill>
-              <a:latin typeface="Microsoft yahei" panose="020B0503020204020204" pitchFamily="34" charset="-122"/>
-              <a:ea typeface="Microsoft yahei" panose="020B0503020204020204" pitchFamily="34" charset="-122"/>
-            </a:endParaRPr>
-          </a:p>
-          <a:p>
-            <a:r>
-              <a:rPr lang="zh-CN" altLang="en-US" sz="1400" dirty="0">
-                <a:solidFill>
-                  <a:srgbClr val="333333"/>
-                </a:solidFill>
-                <a:latin typeface="Microsoft yahei" panose="020B0503020204020204" pitchFamily="34" charset="-122"/>
-                <a:ea typeface="Microsoft yahei" panose="020B0503020204020204" pitchFamily="34" charset="-122"/>
-              </a:rPr>
-              <a:t>非</a:t>
-            </a:r>
-            <a:r>
-              <a:rPr lang="en-US" altLang="zh-CN" sz="1400" dirty="0">
-                <a:solidFill>
-                  <a:srgbClr val="333333"/>
-                </a:solidFill>
-                <a:latin typeface="Microsoft yahei" panose="020B0503020204020204" pitchFamily="34" charset="-122"/>
-                <a:ea typeface="Microsoft yahei" panose="020B0503020204020204" pitchFamily="34" charset="-122"/>
-              </a:rPr>
-              <a:t>PC</a:t>
-            </a:r>
-            <a:r>
-              <a:rPr lang="zh-CN" altLang="en-US" sz="1400" dirty="0">
-                <a:solidFill>
-                  <a:srgbClr val="333333"/>
-                </a:solidFill>
-                <a:latin typeface="Microsoft yahei" panose="020B0503020204020204" pitchFamily="34" charset="-122"/>
-                <a:ea typeface="Microsoft yahei" panose="020B0503020204020204" pitchFamily="34" charset="-122"/>
-              </a:rPr>
-              <a:t>相关，主要包含网通与多媒体产品。网通产品包含</a:t>
-            </a:r>
-            <a:r>
-              <a:rPr lang="en-US" altLang="zh-CN" sz="1400" dirty="0" err="1">
-                <a:solidFill>
-                  <a:srgbClr val="333333"/>
-                </a:solidFill>
-                <a:latin typeface="Microsoft yahei" panose="020B0503020204020204" pitchFamily="34" charset="-122"/>
-                <a:ea typeface="Microsoft yahei" panose="020B0503020204020204" pitchFamily="34" charset="-122"/>
-              </a:rPr>
-              <a:t>WiFi</a:t>
-            </a:r>
-            <a:r>
-              <a:rPr lang="zh-CN" altLang="en-US" sz="1400" dirty="0">
-                <a:solidFill>
-                  <a:srgbClr val="333333"/>
-                </a:solidFill>
-                <a:latin typeface="Microsoft yahei" panose="020B0503020204020204" pitchFamily="34" charset="-122"/>
-                <a:ea typeface="Microsoft yahei" panose="020B0503020204020204" pitchFamily="34" charset="-122"/>
-              </a:rPr>
-              <a:t>芯片、以太网络 </a:t>
-            </a:r>
-            <a:r>
-              <a:rPr lang="en-US" altLang="zh-CN" sz="1400" dirty="0">
-                <a:solidFill>
-                  <a:srgbClr val="333333"/>
-                </a:solidFill>
-                <a:latin typeface="Microsoft yahei" panose="020B0503020204020204" pitchFamily="34" charset="-122"/>
-                <a:ea typeface="Microsoft yahei" panose="020B0503020204020204" pitchFamily="34" charset="-122"/>
-              </a:rPr>
-              <a:t>(Ethernet)</a:t>
-            </a:r>
-            <a:r>
-              <a:rPr lang="zh-CN" altLang="en-US" sz="1400" dirty="0">
-                <a:solidFill>
-                  <a:srgbClr val="333333"/>
-                </a:solidFill>
-                <a:latin typeface="Microsoft yahei" panose="020B0503020204020204" pitchFamily="34" charset="-122"/>
-                <a:ea typeface="Microsoft yahei" panose="020B0503020204020204" pitchFamily="34" charset="-122"/>
-              </a:rPr>
-              <a:t>芯片、宽频接取设备芯片、</a:t>
-            </a:r>
-            <a:r>
-              <a:rPr lang="en-US" altLang="zh-CN" sz="1400" dirty="0">
-                <a:solidFill>
-                  <a:srgbClr val="333333"/>
-                </a:solidFill>
-                <a:latin typeface="Microsoft yahei" panose="020B0503020204020204" pitchFamily="34" charset="-122"/>
-                <a:ea typeface="Microsoft yahei" panose="020B0503020204020204" pitchFamily="34" charset="-122"/>
-              </a:rPr>
-              <a:t>Gateway</a:t>
-            </a:r>
-            <a:r>
-              <a:rPr lang="zh-CN" altLang="en-US" sz="1400" dirty="0">
-                <a:solidFill>
-                  <a:srgbClr val="333333"/>
-                </a:solidFill>
-                <a:latin typeface="Microsoft yahei" panose="020B0503020204020204" pitchFamily="34" charset="-122"/>
-                <a:ea typeface="Microsoft yahei" panose="020B0503020204020204" pitchFamily="34" charset="-122"/>
-              </a:rPr>
-              <a:t>控制芯片、</a:t>
-            </a:r>
-            <a:r>
-              <a:rPr lang="en-US" altLang="zh-CN" sz="1400" dirty="0">
-                <a:solidFill>
-                  <a:srgbClr val="333333"/>
-                </a:solidFill>
-                <a:latin typeface="Microsoft yahei" panose="020B0503020204020204" pitchFamily="34" charset="-122"/>
-                <a:ea typeface="Microsoft yahei" panose="020B0503020204020204" pitchFamily="34" charset="-122"/>
-              </a:rPr>
-              <a:t>Switch</a:t>
-            </a:r>
-            <a:r>
-              <a:rPr lang="zh-CN" altLang="en-US" sz="1400" dirty="0">
-                <a:solidFill>
-                  <a:srgbClr val="333333"/>
-                </a:solidFill>
-                <a:latin typeface="Microsoft yahei" panose="020B0503020204020204" pitchFamily="34" charset="-122"/>
-                <a:ea typeface="Microsoft yahei" panose="020B0503020204020204" pitchFamily="34" charset="-122"/>
-              </a:rPr>
-              <a:t>控制芯片等，占瑞昱整体营收比重逾半。</a:t>
-            </a:r>
-            <a:endParaRPr lang="en-US" altLang="zh-CN" sz="1400" dirty="0">
-              <a:solidFill>
-                <a:srgbClr val="333333"/>
-              </a:solidFill>
-              <a:latin typeface="Microsoft yahei" panose="020B0503020204020204" pitchFamily="34" charset="-122"/>
-              <a:ea typeface="Microsoft yahei" panose="020B0503020204020204" pitchFamily="34" charset="-122"/>
-            </a:endParaRPr>
-          </a:p>
-          <a:p>
-            <a:endParaRPr lang="en-US" altLang="zh-CN" sz="1400" dirty="0">
-              <a:solidFill>
-                <a:srgbClr val="333333"/>
-              </a:solidFill>
-              <a:latin typeface="Microsoft yahei" panose="020B0503020204020204" pitchFamily="34" charset="-122"/>
-              <a:ea typeface="Microsoft yahei" panose="020B0503020204020204" pitchFamily="34" charset="-122"/>
-            </a:endParaRPr>
-          </a:p>
-          <a:p>
-            <a:r>
-              <a:rPr lang="zh-CN" altLang="en-US" sz="1400" dirty="0">
-                <a:solidFill>
-                  <a:srgbClr val="333333"/>
-                </a:solidFill>
-                <a:latin typeface="Microsoft yahei" panose="020B0503020204020204" pitchFamily="34" charset="-122"/>
-                <a:ea typeface="Microsoft yahei" panose="020B0503020204020204" pitchFamily="34" charset="-122"/>
-              </a:rPr>
-              <a:t>由于瑞昱部分</a:t>
-            </a:r>
-            <a:r>
-              <a:rPr lang="en-US" altLang="zh-CN" sz="1400" dirty="0" err="1">
-                <a:solidFill>
-                  <a:srgbClr val="333333"/>
-                </a:solidFill>
-                <a:latin typeface="Microsoft yahei" panose="020B0503020204020204" pitchFamily="34" charset="-122"/>
-                <a:ea typeface="Microsoft yahei" panose="020B0503020204020204" pitchFamily="34" charset="-122"/>
-              </a:rPr>
-              <a:t>WiFi</a:t>
-            </a:r>
-            <a:r>
-              <a:rPr lang="zh-CN" altLang="en-US" sz="1400" dirty="0">
-                <a:solidFill>
-                  <a:srgbClr val="333333"/>
-                </a:solidFill>
-                <a:latin typeface="Microsoft yahei" panose="020B0503020204020204" pitchFamily="34" charset="-122"/>
-                <a:ea typeface="Microsoft yahei" panose="020B0503020204020204" pitchFamily="34" charset="-122"/>
-              </a:rPr>
-              <a:t>芯片</a:t>
-            </a:r>
-            <a:r>
-              <a:rPr lang="zh-CN" altLang="en-US" sz="1400" dirty="0">
-                <a:solidFill>
-                  <a:srgbClr val="FF0000"/>
-                </a:solidFill>
-                <a:latin typeface="Microsoft yahei" panose="020B0503020204020204" pitchFamily="34" charset="-122"/>
-                <a:ea typeface="Microsoft yahei" panose="020B0503020204020204" pitchFamily="34" charset="-122"/>
-              </a:rPr>
-              <a:t>有用到美国厂商的</a:t>
-            </a:r>
-            <a:r>
-              <a:rPr lang="en-US" altLang="zh-CN" sz="1400" dirty="0">
-                <a:solidFill>
-                  <a:srgbClr val="FF0000"/>
-                </a:solidFill>
-                <a:latin typeface="Microsoft yahei" panose="020B0503020204020204" pitchFamily="34" charset="-122"/>
-                <a:ea typeface="Microsoft yahei" panose="020B0503020204020204" pitchFamily="34" charset="-122"/>
-              </a:rPr>
-              <a:t>IP</a:t>
-            </a:r>
-            <a:r>
-              <a:rPr lang="zh-CN" altLang="en-US" sz="1400" dirty="0">
-                <a:solidFill>
-                  <a:srgbClr val="333333"/>
-                </a:solidFill>
-                <a:latin typeface="Microsoft yahei" panose="020B0503020204020204" pitchFamily="34" charset="-122"/>
-                <a:ea typeface="Microsoft yahei" panose="020B0503020204020204" pitchFamily="34" charset="-122"/>
-              </a:rPr>
-              <a:t>，因此客户中兴可能在美国禁售令延烧下，影响到瑞昱的芯片出货量，对此瑞昱表示，目前</a:t>
-            </a:r>
-            <a:r>
-              <a:rPr lang="en-US" altLang="zh-CN" sz="1400" dirty="0">
-                <a:solidFill>
-                  <a:srgbClr val="333333"/>
-                </a:solidFill>
-                <a:latin typeface="Microsoft yahei" panose="020B0503020204020204" pitchFamily="34" charset="-122"/>
-                <a:ea typeface="Microsoft yahei" panose="020B0503020204020204" pitchFamily="34" charset="-122"/>
-              </a:rPr>
-              <a:t>4</a:t>
-            </a:r>
-            <a:r>
-              <a:rPr lang="zh-CN" altLang="en-US" sz="1400" dirty="0">
-                <a:solidFill>
-                  <a:srgbClr val="333333"/>
-                </a:solidFill>
-                <a:latin typeface="Microsoft yahei" panose="020B0503020204020204" pitchFamily="34" charset="-122"/>
-                <a:ea typeface="Microsoft yahei" panose="020B0503020204020204" pitchFamily="34" charset="-122"/>
-              </a:rPr>
-              <a:t>、 </a:t>
-            </a:r>
-            <a:r>
-              <a:rPr lang="en-US" altLang="zh-CN" sz="1400" dirty="0">
-                <a:solidFill>
-                  <a:srgbClr val="333333"/>
-                </a:solidFill>
-                <a:latin typeface="Microsoft yahei" panose="020B0503020204020204" pitchFamily="34" charset="-122"/>
-                <a:ea typeface="Microsoft yahei" panose="020B0503020204020204" pitchFamily="34" charset="-122"/>
-              </a:rPr>
-              <a:t>5</a:t>
-            </a:r>
-            <a:r>
-              <a:rPr lang="zh-CN" altLang="en-US" sz="1400" dirty="0">
-                <a:solidFill>
-                  <a:srgbClr val="333333"/>
-                </a:solidFill>
-                <a:latin typeface="Microsoft yahei" panose="020B0503020204020204" pitchFamily="34" charset="-122"/>
-                <a:ea typeface="Microsoft yahei" panose="020B0503020204020204" pitchFamily="34" charset="-122"/>
-              </a:rPr>
-              <a:t>月看起来第</a:t>
-            </a:r>
-            <a:r>
-              <a:rPr lang="en-US" altLang="zh-CN" sz="1400" dirty="0">
-                <a:solidFill>
-                  <a:srgbClr val="333333"/>
-                </a:solidFill>
-                <a:latin typeface="Microsoft yahei" panose="020B0503020204020204" pitchFamily="34" charset="-122"/>
-                <a:ea typeface="Microsoft yahei" panose="020B0503020204020204" pitchFamily="34" charset="-122"/>
-              </a:rPr>
-              <a:t>1</a:t>
-            </a:r>
-            <a:r>
-              <a:rPr lang="zh-CN" altLang="en-US" sz="1400" dirty="0">
-                <a:solidFill>
-                  <a:srgbClr val="333333"/>
-                </a:solidFill>
-                <a:latin typeface="Microsoft yahei" panose="020B0503020204020204" pitchFamily="34" charset="-122"/>
-                <a:ea typeface="Microsoft yahei" panose="020B0503020204020204" pitchFamily="34" charset="-122"/>
-              </a:rPr>
-              <a:t>季动能仍延续，</a:t>
-            </a:r>
-            <a:r>
-              <a:rPr lang="en-US" altLang="zh-CN" sz="1400" dirty="0">
-                <a:solidFill>
-                  <a:srgbClr val="333333"/>
-                </a:solidFill>
-                <a:latin typeface="Microsoft yahei" panose="020B0503020204020204" pitchFamily="34" charset="-122"/>
-                <a:ea typeface="Microsoft yahei" panose="020B0503020204020204" pitchFamily="34" charset="-122"/>
-              </a:rPr>
-              <a:t>6</a:t>
-            </a:r>
-            <a:r>
-              <a:rPr lang="zh-CN" altLang="en-US" sz="1400" dirty="0">
-                <a:solidFill>
-                  <a:srgbClr val="333333"/>
-                </a:solidFill>
-                <a:latin typeface="Microsoft yahei" panose="020B0503020204020204" pitchFamily="34" charset="-122"/>
-                <a:ea typeface="Microsoft yahei" panose="020B0503020204020204" pitchFamily="34" charset="-122"/>
-              </a:rPr>
-              <a:t>月须持续观察禁售令的政策。</a:t>
-            </a:r>
-            <a:endParaRPr lang="en-US" altLang="zh-CN" sz="1400" dirty="0">
-              <a:solidFill>
-                <a:srgbClr val="333333"/>
-              </a:solidFill>
-              <a:latin typeface="Microsoft yahei" panose="020B0503020204020204" pitchFamily="34" charset="-122"/>
-              <a:ea typeface="Microsoft yahei" panose="020B0503020204020204" pitchFamily="34" charset="-122"/>
-            </a:endParaRPr>
-          </a:p>
-          <a:p>
-            <a:endParaRPr lang="en-US" altLang="zh-CN" sz="1400" dirty="0">
-              <a:solidFill>
-                <a:srgbClr val="333333"/>
-              </a:solidFill>
-              <a:latin typeface="Microsoft yahei" panose="020B0503020204020204" pitchFamily="34" charset="-122"/>
-              <a:ea typeface="Microsoft yahei" panose="020B0503020204020204" pitchFamily="34" charset="-122"/>
-            </a:endParaRPr>
-          </a:p>
-          <a:p>
-            <a:r>
-              <a:rPr lang="en-US" altLang="zh-CN" sz="1400" dirty="0">
-                <a:solidFill>
-                  <a:srgbClr val="333333"/>
-                </a:solidFill>
-                <a:latin typeface="Microsoft yahei" panose="020B0503020204020204" pitchFamily="34" charset="-122"/>
-                <a:ea typeface="Microsoft yahei" panose="020B0503020204020204" pitchFamily="34" charset="-122"/>
-              </a:rPr>
-              <a:t>2018:</a:t>
-            </a:r>
-            <a:r>
-              <a:rPr lang="zh-CN" altLang="en-US" sz="1400" dirty="0">
-                <a:solidFill>
-                  <a:srgbClr val="333333"/>
-                </a:solidFill>
-                <a:latin typeface="Microsoft yahei" panose="020B0503020204020204" pitchFamily="34" charset="-122"/>
-                <a:ea typeface="Microsoft yahei" panose="020B0503020204020204" pitchFamily="34" charset="-122"/>
-              </a:rPr>
-              <a:t>在</a:t>
-            </a:r>
-            <a:r>
-              <a:rPr lang="en-US" altLang="zh-CN" sz="1400" dirty="0">
-                <a:solidFill>
-                  <a:srgbClr val="333333"/>
-                </a:solidFill>
-                <a:latin typeface="Microsoft yahei" panose="020B0503020204020204" pitchFamily="34" charset="-122"/>
-                <a:ea typeface="Microsoft yahei" panose="020B0503020204020204" pitchFamily="34" charset="-122"/>
-              </a:rPr>
-              <a:t>PC</a:t>
-            </a:r>
-            <a:r>
-              <a:rPr lang="zh-CN" altLang="en-US" sz="1400" dirty="0">
-                <a:solidFill>
-                  <a:srgbClr val="333333"/>
-                </a:solidFill>
-                <a:latin typeface="Microsoft yahei" panose="020B0503020204020204" pitchFamily="34" charset="-122"/>
-                <a:ea typeface="Microsoft yahei" panose="020B0503020204020204" pitchFamily="34" charset="-122"/>
-              </a:rPr>
-              <a:t>相关产品部分，主要包含</a:t>
-            </a:r>
-            <a:r>
-              <a:rPr lang="en-US" altLang="zh-CN" sz="1400" dirty="0">
-                <a:solidFill>
-                  <a:srgbClr val="333333"/>
-                </a:solidFill>
-                <a:latin typeface="Microsoft yahei" panose="020B0503020204020204" pitchFamily="34" charset="-122"/>
-                <a:ea typeface="Microsoft yahei" panose="020B0503020204020204" pitchFamily="34" charset="-122"/>
-              </a:rPr>
-              <a:t>Audio codec (</a:t>
-            </a:r>
-            <a:r>
-              <a:rPr lang="zh-CN" altLang="en-US" sz="1400" dirty="0">
-                <a:solidFill>
-                  <a:srgbClr val="333333"/>
-                </a:solidFill>
-                <a:latin typeface="Microsoft yahei" panose="020B0503020204020204" pitchFamily="34" charset="-122"/>
-                <a:ea typeface="Microsoft yahei" panose="020B0503020204020204" pitchFamily="34" charset="-122"/>
-              </a:rPr>
-              <a:t>音频编解码器</a:t>
-            </a:r>
-            <a:r>
-              <a:rPr lang="en-US" altLang="zh-CN" sz="1400" dirty="0">
-                <a:solidFill>
-                  <a:srgbClr val="333333"/>
-                </a:solidFill>
-                <a:latin typeface="Microsoft yahei" panose="020B0503020204020204" pitchFamily="34" charset="-122"/>
-                <a:ea typeface="Microsoft yahei" panose="020B0503020204020204" pitchFamily="34" charset="-122"/>
-              </a:rPr>
-              <a:t>)</a:t>
-            </a:r>
-            <a:r>
-              <a:rPr lang="zh-CN" altLang="en-US" sz="1400" dirty="0">
-                <a:solidFill>
-                  <a:srgbClr val="333333"/>
-                </a:solidFill>
-                <a:latin typeface="Microsoft yahei" panose="020B0503020204020204" pitchFamily="34" charset="-122"/>
-                <a:ea typeface="Microsoft yahei" panose="020B0503020204020204" pitchFamily="34" charset="-122"/>
-              </a:rPr>
-              <a:t>、</a:t>
-            </a:r>
-            <a:r>
-              <a:rPr lang="en-US" altLang="zh-CN" sz="1400" dirty="0">
-                <a:solidFill>
-                  <a:srgbClr val="333333"/>
-                </a:solidFill>
-                <a:latin typeface="Microsoft yahei" panose="020B0503020204020204" pitchFamily="34" charset="-122"/>
-                <a:ea typeface="Microsoft yahei" panose="020B0503020204020204" pitchFamily="34" charset="-122"/>
-              </a:rPr>
-              <a:t>PC cam</a:t>
-            </a:r>
-            <a:r>
-              <a:rPr lang="zh-CN" altLang="en-US" sz="1400" dirty="0">
-                <a:solidFill>
-                  <a:srgbClr val="333333"/>
-                </a:solidFill>
-                <a:latin typeface="Microsoft yahei" panose="020B0503020204020204" pitchFamily="34" charset="-122"/>
-                <a:ea typeface="Microsoft yahei" panose="020B0503020204020204" pitchFamily="34" charset="-122"/>
-              </a:rPr>
-              <a:t>等相关芯片。去年</a:t>
-            </a:r>
-            <a:r>
-              <a:rPr lang="en-US" altLang="zh-CN" sz="1400" dirty="0">
-                <a:solidFill>
-                  <a:srgbClr val="333333"/>
-                </a:solidFill>
-                <a:latin typeface="Microsoft yahei" panose="020B0503020204020204" pitchFamily="34" charset="-122"/>
-                <a:ea typeface="Microsoft yahei" panose="020B0503020204020204" pitchFamily="34" charset="-122"/>
-              </a:rPr>
-              <a:t>Audio</a:t>
-            </a:r>
-            <a:r>
-              <a:rPr lang="zh-CN" altLang="en-US" sz="1400" dirty="0">
-                <a:solidFill>
-                  <a:srgbClr val="333333"/>
-                </a:solidFill>
-                <a:latin typeface="Microsoft yahei" panose="020B0503020204020204" pitchFamily="34" charset="-122"/>
-                <a:ea typeface="Microsoft yahei" panose="020B0503020204020204" pitchFamily="34" charset="-122"/>
-              </a:rPr>
-              <a:t>产品线于蓝牙耳机应用明显成长，而今年新产品</a:t>
-            </a:r>
-            <a:r>
-              <a:rPr lang="en-US" altLang="zh-CN" sz="1400" dirty="0">
-                <a:solidFill>
-                  <a:srgbClr val="333333"/>
-                </a:solidFill>
-                <a:latin typeface="Microsoft yahei" panose="020B0503020204020204" pitchFamily="34" charset="-122"/>
-                <a:ea typeface="Microsoft yahei" panose="020B0503020204020204" pitchFamily="34" charset="-122"/>
-              </a:rPr>
-              <a:t>USB Type-c</a:t>
-            </a:r>
-            <a:r>
-              <a:rPr lang="zh-CN" altLang="en-US" sz="1400" dirty="0">
-                <a:solidFill>
-                  <a:srgbClr val="333333"/>
-                </a:solidFill>
-                <a:latin typeface="Microsoft yahei" panose="020B0503020204020204" pitchFamily="34" charset="-122"/>
-                <a:ea typeface="Microsoft yahei" panose="020B0503020204020204" pitchFamily="34" charset="-122"/>
-              </a:rPr>
-              <a:t>也望开始贡献营收，今年底可望倍数成长，但</a:t>
-            </a:r>
-            <a:r>
-              <a:rPr lang="en-US" altLang="zh-CN" sz="1400" dirty="0">
-                <a:solidFill>
-                  <a:srgbClr val="333333"/>
-                </a:solidFill>
-                <a:latin typeface="Microsoft yahei" panose="020B0503020204020204" pitchFamily="34" charset="-122"/>
-                <a:ea typeface="Microsoft yahei" panose="020B0503020204020204" pitchFamily="34" charset="-122"/>
-              </a:rPr>
-              <a:t>ASP</a:t>
-            </a:r>
-            <a:r>
-              <a:rPr lang="zh-CN" altLang="en-US" sz="1400" dirty="0">
-                <a:solidFill>
-                  <a:srgbClr val="333333"/>
-                </a:solidFill>
-                <a:latin typeface="Microsoft yahei" panose="020B0503020204020204" pitchFamily="34" charset="-122"/>
-                <a:ea typeface="Microsoft yahei" panose="020B0503020204020204" pitchFamily="34" charset="-122"/>
-              </a:rPr>
-              <a:t>也受到竞争者压力明显。</a:t>
-            </a:r>
-            <a:endParaRPr lang="en-US" altLang="zh-CN" sz="1400" dirty="0">
-              <a:solidFill>
-                <a:srgbClr val="333333"/>
-              </a:solidFill>
-              <a:latin typeface="Microsoft yahei" panose="020B0503020204020204" pitchFamily="34" charset="-122"/>
-              <a:ea typeface="Microsoft yahei" panose="020B0503020204020204" pitchFamily="34" charset="-122"/>
-            </a:endParaRPr>
-          </a:p>
-          <a:p>
-            <a:endParaRPr lang="en-US" altLang="zh-CN" sz="1400" dirty="0">
-              <a:solidFill>
-                <a:srgbClr val="333333"/>
-              </a:solidFill>
-              <a:latin typeface="Microsoft yahei" panose="020B0503020204020204" pitchFamily="34" charset="-122"/>
-              <a:ea typeface="Microsoft yahei" panose="020B0503020204020204" pitchFamily="34" charset="-122"/>
-            </a:endParaRPr>
-          </a:p>
-          <a:p>
-            <a:r>
-              <a:rPr lang="en-US" altLang="zh-CN" sz="1400" dirty="0">
-                <a:solidFill>
-                  <a:srgbClr val="333333"/>
-                </a:solidFill>
-                <a:latin typeface="Microsoft yahei" panose="020B0503020204020204" pitchFamily="34" charset="-122"/>
-                <a:ea typeface="Microsoft yahei" panose="020B0503020204020204" pitchFamily="34" charset="-122"/>
-              </a:rPr>
-              <a:t>2020</a:t>
-            </a:r>
-            <a:r>
-              <a:rPr lang="zh-CN" altLang="en-US" sz="1400" dirty="0">
-                <a:solidFill>
-                  <a:srgbClr val="333333"/>
-                </a:solidFill>
-                <a:latin typeface="Microsoft yahei" panose="020B0503020204020204" pitchFamily="34" charset="-122"/>
-                <a:ea typeface="Microsoft yahei" panose="020B0503020204020204" pitchFamily="34" charset="-122"/>
-              </a:rPr>
-              <a:t>：</a:t>
-            </a:r>
-            <a:r>
-              <a:rPr lang="zh-CN" altLang="en-US" sz="1050" b="0" i="0" dirty="0">
-                <a:solidFill>
-                  <a:srgbClr val="31424E"/>
-                </a:solidFill>
-                <a:effectLst/>
-                <a:latin typeface="PingFangSC-Regular"/>
-              </a:rPr>
-              <a:t>钜亨网消息</a:t>
-            </a:r>
-            <a:r>
-              <a:rPr lang="en-US" altLang="zh-CN" sz="1050" b="0" i="0" dirty="0">
-                <a:solidFill>
-                  <a:srgbClr val="31424E"/>
-                </a:solidFill>
-                <a:effectLst/>
-                <a:latin typeface="PingFangSC-Regular"/>
-              </a:rPr>
-              <a:t>,</a:t>
-            </a:r>
-            <a:r>
-              <a:rPr lang="zh-CN" altLang="en-US" sz="1050" b="0" i="0" dirty="0">
-                <a:solidFill>
-                  <a:srgbClr val="31424E"/>
-                </a:solidFill>
-                <a:effectLst/>
-                <a:latin typeface="PingFangSC-Regular"/>
-              </a:rPr>
-              <a:t>近日</a:t>
-            </a:r>
-            <a:r>
-              <a:rPr lang="en-US" altLang="zh-CN" sz="1050" b="0" i="0" dirty="0">
-                <a:solidFill>
-                  <a:srgbClr val="31424E"/>
-                </a:solidFill>
-                <a:effectLst/>
-                <a:latin typeface="PingFangSC-Regular"/>
-              </a:rPr>
-              <a:t>,</a:t>
-            </a:r>
-            <a:r>
-              <a:rPr lang="en-US" altLang="zh-CN" sz="1050" b="0" i="0" u="none" strike="noStrike" dirty="0">
-                <a:solidFill>
-                  <a:srgbClr val="085AAD"/>
-                </a:solidFill>
-                <a:effectLst/>
-                <a:latin typeface="PingFangSC-Regular"/>
-                <a:hlinkClick r:id="rId2" tooltip="IC设计"/>
-              </a:rPr>
-              <a:t>IC</a:t>
-            </a:r>
-            <a:r>
-              <a:rPr lang="zh-CN" altLang="en-US" sz="1050" b="0" i="0" u="none" strike="noStrike" dirty="0">
-                <a:solidFill>
-                  <a:srgbClr val="085AAD"/>
-                </a:solidFill>
-                <a:effectLst/>
-                <a:latin typeface="PingFangSC-Regular"/>
-                <a:hlinkClick r:id="rId2" tooltip="IC设计"/>
-              </a:rPr>
-              <a:t>设计</a:t>
-            </a:r>
-            <a:r>
-              <a:rPr lang="zh-CN" altLang="en-US" sz="1050" b="0" i="0" dirty="0">
-                <a:solidFill>
-                  <a:srgbClr val="31424E"/>
-                </a:solidFill>
-                <a:effectLst/>
-                <a:latin typeface="PingFangSC-Regular"/>
-              </a:rPr>
-              <a:t>大厂瑞昱传出其音频编解码芯片</a:t>
-            </a:r>
-            <a:r>
-              <a:rPr lang="en-US" altLang="zh-CN" sz="1050" b="0" i="0" dirty="0">
-                <a:solidFill>
-                  <a:srgbClr val="31424E"/>
-                </a:solidFill>
-                <a:effectLst/>
-                <a:latin typeface="PingFangSC-Regular"/>
-              </a:rPr>
-              <a:t>(Audio Codec)</a:t>
-            </a:r>
-            <a:r>
-              <a:rPr lang="zh-CN" altLang="en-US" sz="1050" b="0" i="0" dirty="0">
-                <a:solidFill>
-                  <a:srgbClr val="31424E"/>
-                </a:solidFill>
-                <a:effectLst/>
-                <a:latin typeface="PingFangSC-Regular"/>
-              </a:rPr>
-              <a:t>遭某美系笔电大厂砍单</a:t>
-            </a:r>
-            <a:r>
-              <a:rPr lang="en-US" altLang="zh-CN" sz="1050" b="0" i="0" dirty="0">
-                <a:solidFill>
-                  <a:srgbClr val="31424E"/>
-                </a:solidFill>
-                <a:effectLst/>
-                <a:latin typeface="PingFangSC-Regular"/>
-              </a:rPr>
-              <a:t>,</a:t>
-            </a:r>
-            <a:r>
-              <a:rPr lang="zh-CN" altLang="en-US" sz="1050" b="0" i="0" dirty="0">
-                <a:solidFill>
-                  <a:srgbClr val="31424E"/>
-                </a:solidFill>
-                <a:effectLst/>
-                <a:latin typeface="PingFangSC-Regular"/>
-              </a:rPr>
-              <a:t>供货比重从八成降至二成</a:t>
-            </a:r>
-            <a:r>
-              <a:rPr lang="en-US" altLang="zh-CN" sz="1050" b="0" i="0" dirty="0">
-                <a:solidFill>
-                  <a:srgbClr val="31424E"/>
-                </a:solidFill>
-                <a:effectLst/>
-                <a:latin typeface="PingFangSC-Regular"/>
-              </a:rPr>
-              <a:t>,</a:t>
-            </a:r>
-            <a:r>
-              <a:rPr lang="zh-CN" altLang="en-US" sz="1050" b="0" i="0" dirty="0">
-                <a:solidFill>
-                  <a:srgbClr val="31424E"/>
-                </a:solidFill>
-                <a:effectLst/>
-                <a:latin typeface="PingFangSC-Regular"/>
-              </a:rPr>
-              <a:t>订单几乎腰斩。</a:t>
-            </a:r>
-            <a:endParaRPr lang="en-US" altLang="zh-CN" sz="1050" b="0" i="0" dirty="0">
-              <a:solidFill>
-                <a:srgbClr val="31424E"/>
-              </a:solidFill>
-              <a:effectLst/>
-              <a:latin typeface="PingFangSC-Regular"/>
-            </a:endParaRPr>
-          </a:p>
-          <a:p>
-            <a:endParaRPr lang="zh-CN" altLang="en-US" sz="1400" dirty="0">
-              <a:solidFill>
-                <a:srgbClr val="333333"/>
-              </a:solidFill>
-              <a:latin typeface="Microsoft yahei" panose="020B0503020204020204" pitchFamily="34" charset="-122"/>
-              <a:ea typeface="Microsoft yahei" panose="020B0503020204020204" pitchFamily="34" charset="-122"/>
-            </a:endParaRPr>
+            <a:endParaRPr lang="zh-CN" altLang="en-US"/>
           </a:p>
         </p:txBody>
       </p:sp>
     </p:spTree>
     <p:extLst>
       <p:ext uri="{BB962C8B-B14F-4D97-AF65-F5344CB8AC3E}">
-        <p14:creationId xmlns:p14="http://schemas.microsoft.com/office/powerpoint/2010/main" val="2316473608"/>
+        <p14:creationId xmlns:p14="http://schemas.microsoft.com/office/powerpoint/2010/main" val="1971980735"/>
       </p:ext>
     </p:extLst>
   </p:cSld>
@@ -6567,6 +7113,42 @@
           </a:p>
         </p:txBody>
       </p:sp>
+      <p:pic>
+        <p:nvPicPr>
+          <p:cNvPr id="3" name="内容占位符 9">
+            <a:extLst>
+              <a:ext uri="{FF2B5EF4-FFF2-40B4-BE49-F238E27FC236}">
+                <a16:creationId xmlns:a16="http://schemas.microsoft.com/office/drawing/2014/main" id="{857BAACF-8F04-7FB3-C875-BFFB1DFC8362}"/>
+              </a:ext>
+            </a:extLst>
+          </p:cNvPr>
+          <p:cNvPicPr>
+            <a:picLocks noChangeAspect="1"/>
+          </p:cNvPicPr>
+          <p:nvPr/>
+        </p:nvPicPr>
+        <p:blipFill>
+          <a:blip r:embed="rId2">
+            <a:extLst>
+              <a:ext uri="{28A0092B-C50C-407E-A947-70E740481C1C}">
+                <a14:useLocalDpi xmlns:a14="http://schemas.microsoft.com/office/drawing/2010/main" val="0"/>
+              </a:ext>
+            </a:extLst>
+          </a:blip>
+          <a:stretch>
+            <a:fillRect/>
+          </a:stretch>
+        </p:blipFill>
+        <p:spPr>
+          <a:xfrm>
+            <a:off x="5027295" y="874225"/>
+            <a:ext cx="6461320" cy="5302738"/>
+          </a:xfrm>
+          <a:prstGeom prst="rect">
+            <a:avLst/>
+          </a:prstGeom>
+        </p:spPr>
+      </p:pic>
     </p:spTree>
     <p:extLst>
       <p:ext uri="{BB962C8B-B14F-4D97-AF65-F5344CB8AC3E}">
@@ -6882,7 +7464,7 @@
           <p:cNvPr id="2" name="标题 1">
             <a:extLst>
               <a:ext uri="{FF2B5EF4-FFF2-40B4-BE49-F238E27FC236}">
-                <a16:creationId xmlns:a16="http://schemas.microsoft.com/office/drawing/2014/main" id="{A3818E53-9846-FBD8-29CE-4E1267D91DCC}"/>
+                <a16:creationId xmlns:a16="http://schemas.microsoft.com/office/drawing/2014/main" id="{0A55BE32-06A6-4E06-2499-6EF55A6A49E2}"/>
               </a:ext>
             </a:extLst>
           </p:cNvPr>
@@ -6893,321 +7475,557 @@
             <p:ph type="title"/>
           </p:nvPr>
         </p:nvSpPr>
+        <p:spPr/>
+        <p:txBody>
+          <a:bodyPr/>
+          <a:lstStyle/>
+          <a:p>
+            <a:r>
+              <a:rPr lang="zh-CN" altLang="en-US" dirty="0"/>
+              <a:t>瑞昱产品线概览</a:t>
+            </a:r>
+          </a:p>
+        </p:txBody>
+      </p:sp>
+      <p:sp>
+        <p:nvSpPr>
+          <p:cNvPr id="3" name="内容占位符 2">
+            <a:extLst>
+              <a:ext uri="{FF2B5EF4-FFF2-40B4-BE49-F238E27FC236}">
+                <a16:creationId xmlns:a16="http://schemas.microsoft.com/office/drawing/2014/main" id="{88213330-483C-1815-97CC-756C058DFAC9}"/>
+              </a:ext>
+            </a:extLst>
+          </p:cNvPr>
+          <p:cNvSpPr>
+            <a:spLocks noGrp="1"/>
+          </p:cNvSpPr>
+          <p:nvPr>
+            <p:ph idx="1"/>
+          </p:nvPr>
+        </p:nvSpPr>
         <p:spPr>
           <a:xfrm>
-            <a:off x="7285679" y="162893"/>
-            <a:ext cx="4679343" cy="1325563"/>
+            <a:off x="838200" y="1825625"/>
+            <a:ext cx="5656385" cy="4351338"/>
           </a:xfrm>
         </p:spPr>
         <p:txBody>
-          <a:bodyPr/>
+          <a:bodyPr>
+            <a:normAutofit/>
+          </a:bodyPr>
           <a:lstStyle/>
           <a:p>
             <a:r>
-              <a:rPr lang="zh-CN" altLang="en-US" dirty="0"/>
-              <a:t>全球数字</a:t>
-            </a:r>
-            <a:r>
-              <a:rPr lang="en-US" altLang="zh-CN" dirty="0"/>
-              <a:t>IC</a:t>
-            </a:r>
-            <a:r>
-              <a:rPr lang="zh-CN" altLang="en-US" dirty="0"/>
-              <a:t>产业链</a:t>
-            </a:r>
+              <a:rPr lang="zh-CN" altLang="en-US" sz="1600" dirty="0"/>
+              <a:t>音频编解码</a:t>
+            </a:r>
+            <a:endParaRPr lang="en-US" altLang="zh-CN" sz="1600" dirty="0"/>
+          </a:p>
+          <a:p>
+            <a:pPr lvl="1"/>
+            <a:r>
+              <a:rPr lang="zh-CN" altLang="en-US" sz="1400" b="0" i="0" dirty="0">
+                <a:solidFill>
+                  <a:srgbClr val="31424E"/>
+                </a:solidFill>
+                <a:effectLst/>
+                <a:latin typeface="PingFangSC-Regular"/>
+              </a:rPr>
+              <a:t>瑞昱作为音频编解码芯片龙头业者</a:t>
+            </a:r>
+            <a:r>
+              <a:rPr lang="en-US" altLang="zh-CN" sz="1400" b="0" i="0" dirty="0">
+                <a:solidFill>
+                  <a:srgbClr val="31424E"/>
+                </a:solidFill>
+                <a:effectLst/>
+                <a:latin typeface="PingFangSC-Regular"/>
+              </a:rPr>
+              <a:t>,</a:t>
+            </a:r>
+            <a:r>
+              <a:rPr lang="zh-CN" altLang="en-US" sz="1400" b="0" i="0" dirty="0">
+                <a:solidFill>
+                  <a:srgbClr val="31424E"/>
+                </a:solidFill>
+                <a:effectLst/>
+                <a:latin typeface="PingFangSC-Regular"/>
+              </a:rPr>
+              <a:t>市占超过</a:t>
+            </a:r>
+            <a:r>
+              <a:rPr lang="en-US" altLang="zh-CN" sz="1400" b="0" i="0" dirty="0">
+                <a:solidFill>
+                  <a:srgbClr val="31424E"/>
+                </a:solidFill>
+                <a:effectLst/>
+                <a:latin typeface="PingFangSC-Regular"/>
+              </a:rPr>
+              <a:t>5</a:t>
+            </a:r>
+            <a:r>
+              <a:rPr lang="zh-CN" altLang="en-US" sz="1400" b="0" i="0" dirty="0">
+                <a:solidFill>
+                  <a:srgbClr val="31424E"/>
+                </a:solidFill>
+                <a:effectLst/>
+                <a:latin typeface="PingFangSC-Regular"/>
+              </a:rPr>
+              <a:t>成</a:t>
+            </a:r>
+            <a:r>
+              <a:rPr lang="en-US" altLang="zh-CN" sz="1400" b="0" i="0" dirty="0">
+                <a:solidFill>
+                  <a:srgbClr val="31424E"/>
+                </a:solidFill>
+                <a:effectLst/>
+                <a:latin typeface="PingFangSC-Regular"/>
+              </a:rPr>
+              <a:t>,</a:t>
+            </a:r>
+            <a:r>
+              <a:rPr lang="zh-CN" altLang="en-US" sz="1400" b="0" i="0" dirty="0">
+                <a:solidFill>
+                  <a:srgbClr val="31424E"/>
+                </a:solidFill>
+                <a:effectLst/>
+                <a:latin typeface="PingFangSC-Regular"/>
+              </a:rPr>
+              <a:t>布局涵盖</a:t>
+            </a:r>
+            <a:r>
+              <a:rPr lang="en-US" altLang="zh-CN" sz="1400" b="0" i="0" dirty="0">
+                <a:solidFill>
+                  <a:srgbClr val="31424E"/>
+                </a:solidFill>
+                <a:effectLst/>
+                <a:latin typeface="PingFangSC-Regular"/>
+              </a:rPr>
+              <a:t>PC</a:t>
+            </a:r>
+            <a:r>
+              <a:rPr lang="zh-CN" altLang="en-US" sz="1400" b="0" i="0" dirty="0">
+                <a:solidFill>
+                  <a:srgbClr val="31424E"/>
+                </a:solidFill>
+                <a:effectLst/>
+                <a:latin typeface="PingFangSC-Regular"/>
+              </a:rPr>
+              <a:t>、笔电等领域</a:t>
+            </a:r>
+            <a:r>
+              <a:rPr lang="en-US" altLang="zh-CN" sz="1400" b="0" i="0" dirty="0">
+                <a:solidFill>
+                  <a:srgbClr val="31424E"/>
+                </a:solidFill>
+                <a:effectLst/>
+                <a:latin typeface="PingFangSC-Regular"/>
+              </a:rPr>
+              <a:t>,</a:t>
+            </a:r>
+          </a:p>
+          <a:p>
+            <a:pPr lvl="1"/>
+            <a:r>
+              <a:rPr lang="zh-CN" altLang="en-US" sz="1400" b="0" i="0" dirty="0">
+                <a:solidFill>
+                  <a:srgbClr val="31424E"/>
+                </a:solidFill>
+                <a:effectLst/>
+                <a:latin typeface="PingFangSC-Regular"/>
+              </a:rPr>
+              <a:t>瑞昱自</a:t>
+            </a:r>
+            <a:r>
+              <a:rPr lang="en-US" altLang="zh-CN" sz="1400" b="0" i="0" dirty="0">
+                <a:solidFill>
+                  <a:srgbClr val="31424E"/>
+                </a:solidFill>
+                <a:effectLst/>
+                <a:latin typeface="PingFangSC-Regular"/>
+              </a:rPr>
+              <a:t>20</a:t>
+            </a:r>
+            <a:r>
+              <a:rPr lang="zh-CN" altLang="en-US" sz="1400" b="0" i="0" dirty="0">
+                <a:solidFill>
+                  <a:srgbClr val="31424E"/>
+                </a:solidFill>
+                <a:effectLst/>
+                <a:latin typeface="PingFangSC-Regular"/>
+              </a:rPr>
+              <a:t>年第三季以来</a:t>
+            </a:r>
+            <a:r>
+              <a:rPr lang="en-US" altLang="zh-CN" sz="1400" b="0" i="0" dirty="0">
+                <a:solidFill>
+                  <a:srgbClr val="31424E"/>
+                </a:solidFill>
+                <a:effectLst/>
+                <a:latin typeface="PingFangSC-Regular"/>
+              </a:rPr>
+              <a:t>,</a:t>
+            </a:r>
+            <a:r>
+              <a:rPr lang="zh-CN" altLang="en-US" sz="1400" b="0" i="0" dirty="0">
+                <a:solidFill>
+                  <a:srgbClr val="31424E"/>
+                </a:solidFill>
+                <a:effectLst/>
+                <a:latin typeface="PingFangSC-Regular"/>
+              </a:rPr>
+              <a:t>受到晶圆、封测产能紧张</a:t>
+            </a:r>
+            <a:r>
+              <a:rPr lang="en-US" altLang="zh-CN" sz="1400" b="0" i="0" dirty="0">
+                <a:solidFill>
+                  <a:srgbClr val="31424E"/>
+                </a:solidFill>
+                <a:effectLst/>
+                <a:latin typeface="PingFangSC-Regular"/>
+              </a:rPr>
+              <a:t>,</a:t>
+            </a:r>
+            <a:r>
+              <a:rPr lang="zh-CN" altLang="en-US" sz="1400" b="0" i="0" dirty="0">
+                <a:solidFill>
+                  <a:srgbClr val="31424E"/>
+                </a:solidFill>
+                <a:effectLst/>
+                <a:latin typeface="PingFangSC-Regular"/>
+              </a:rPr>
+              <a:t>内部订定供货顺序</a:t>
+            </a:r>
+            <a:r>
+              <a:rPr lang="en-US" altLang="zh-CN" sz="1400" b="0" i="0" dirty="0">
+                <a:solidFill>
+                  <a:srgbClr val="31424E"/>
+                </a:solidFill>
+                <a:effectLst/>
+                <a:latin typeface="PingFangSC-Regular"/>
+              </a:rPr>
+              <a:t>,</a:t>
+            </a:r>
+            <a:r>
+              <a:rPr lang="zh-CN" altLang="en-US" sz="1400" b="0" i="0" dirty="0">
+                <a:solidFill>
+                  <a:srgbClr val="31424E"/>
+                </a:solidFill>
+                <a:effectLst/>
+                <a:latin typeface="PingFangSC-Regular"/>
+              </a:rPr>
+              <a:t>依照各产品线、客户情况调配产能</a:t>
+            </a:r>
+            <a:r>
+              <a:rPr lang="en-US" altLang="zh-CN" sz="1400" b="0" i="0" dirty="0">
+                <a:solidFill>
+                  <a:srgbClr val="31424E"/>
+                </a:solidFill>
+                <a:effectLst/>
+                <a:latin typeface="PingFangSC-Regular"/>
+              </a:rPr>
+              <a:t>,</a:t>
+            </a:r>
+            <a:r>
+              <a:rPr lang="zh-CN" altLang="en-US" sz="1400" b="0" i="0" dirty="0">
+                <a:solidFill>
+                  <a:srgbClr val="31424E"/>
+                </a:solidFill>
+                <a:effectLst/>
+                <a:latin typeface="PingFangSC-Regular"/>
+              </a:rPr>
+              <a:t>音频编解码芯片尽管搭上笔电出货潮</a:t>
+            </a:r>
+            <a:r>
+              <a:rPr lang="en-US" altLang="zh-CN" sz="1400" b="0" i="0" dirty="0">
+                <a:solidFill>
+                  <a:srgbClr val="31424E"/>
+                </a:solidFill>
+                <a:effectLst/>
+                <a:latin typeface="PingFangSC-Regular"/>
+              </a:rPr>
+              <a:t>,</a:t>
+            </a:r>
+            <a:r>
+              <a:rPr lang="zh-CN" altLang="en-US" sz="1400" b="0" i="0" dirty="0">
+                <a:solidFill>
+                  <a:srgbClr val="31424E"/>
+                </a:solidFill>
+                <a:effectLst/>
+                <a:latin typeface="PingFangSC-Regular"/>
+              </a:rPr>
+              <a:t>但已不在前五大产品线上</a:t>
+            </a:r>
+            <a:r>
+              <a:rPr lang="en-US" altLang="zh-CN" sz="1400" b="0" i="0" dirty="0">
+                <a:solidFill>
+                  <a:srgbClr val="31424E"/>
+                </a:solidFill>
+                <a:effectLst/>
+                <a:latin typeface="PingFangSC-Regular"/>
+              </a:rPr>
+              <a:t>,</a:t>
+            </a:r>
+            <a:r>
+              <a:rPr lang="zh-CN" altLang="en-US" sz="1400" b="0" i="0" dirty="0">
+                <a:solidFill>
+                  <a:srgbClr val="31424E"/>
+                </a:solidFill>
+                <a:effectLst/>
+                <a:latin typeface="PingFangSC-Regular"/>
+              </a:rPr>
+              <a:t>因此出现排挤效应。</a:t>
+            </a:r>
+            <a:endParaRPr lang="en-US" altLang="zh-CN" sz="1400" b="0" i="0" dirty="0">
+              <a:solidFill>
+                <a:srgbClr val="31424E"/>
+              </a:solidFill>
+              <a:effectLst/>
+              <a:latin typeface="PingFangSC-Regular"/>
+            </a:endParaRPr>
+          </a:p>
+          <a:p>
+            <a:pPr lvl="1"/>
+            <a:r>
+              <a:rPr lang="zh-CN" altLang="en-US" sz="1400" b="0" i="0" dirty="0">
+                <a:solidFill>
+                  <a:srgbClr val="31424E"/>
+                </a:solidFill>
+                <a:effectLst/>
+                <a:latin typeface="PingFangSC-Regular"/>
+              </a:rPr>
+              <a:t>个人</a:t>
+            </a:r>
+            <a:r>
+              <a:rPr lang="en-US" altLang="zh-CN" sz="1400" b="0" i="0" dirty="0">
+                <a:solidFill>
+                  <a:srgbClr val="31424E"/>
+                </a:solidFill>
+                <a:effectLst/>
+                <a:latin typeface="PingFangSC-Regular"/>
+              </a:rPr>
+              <a:t>PC</a:t>
+            </a:r>
+            <a:r>
+              <a:rPr lang="zh-CN" altLang="en-US" sz="1400" b="0" i="0" dirty="0">
+                <a:solidFill>
+                  <a:srgbClr val="31424E"/>
+                </a:solidFill>
+                <a:effectLst/>
+                <a:latin typeface="PingFangSC-Regular"/>
+              </a:rPr>
+              <a:t>市场方面，近日，</a:t>
+            </a:r>
+            <a:r>
+              <a:rPr lang="en-US" altLang="zh-CN" sz="1400" b="0" i="0" dirty="0">
+                <a:solidFill>
+                  <a:srgbClr val="FF0000"/>
+                </a:solidFill>
+                <a:effectLst/>
+                <a:latin typeface="PingFangSC-Regular"/>
+              </a:rPr>
+              <a:t>IDC</a:t>
+            </a:r>
+            <a:r>
+              <a:rPr lang="zh-CN" altLang="en-US" sz="1400" b="0" i="0" dirty="0">
+                <a:solidFill>
+                  <a:srgbClr val="31424E"/>
+                </a:solidFill>
+                <a:effectLst/>
+                <a:latin typeface="PingFangSC-Regular"/>
+              </a:rPr>
+              <a:t>公布全球个人计算设备季度追踪初步结果显示，继二季度市场收缩</a:t>
+            </a:r>
+            <a:r>
+              <a:rPr lang="en-US" altLang="zh-CN" sz="1400" b="0" i="0" dirty="0">
+                <a:solidFill>
+                  <a:srgbClr val="31424E"/>
+                </a:solidFill>
+                <a:effectLst/>
+                <a:latin typeface="PingFangSC-Regular"/>
+              </a:rPr>
+              <a:t>15</a:t>
+            </a:r>
+            <a:r>
+              <a:rPr lang="zh-CN" altLang="en-US" sz="1400" b="0" i="0" dirty="0">
+                <a:solidFill>
+                  <a:srgbClr val="31424E"/>
+                </a:solidFill>
+                <a:effectLst/>
+                <a:latin typeface="PingFangSC-Regular"/>
+              </a:rPr>
+              <a:t>．</a:t>
+            </a:r>
+            <a:r>
+              <a:rPr lang="en-US" altLang="zh-CN" sz="1400" b="0" i="0" dirty="0">
+                <a:solidFill>
+                  <a:srgbClr val="31424E"/>
+                </a:solidFill>
+                <a:effectLst/>
+                <a:latin typeface="PingFangSC-Regular"/>
+              </a:rPr>
+              <a:t>3</a:t>
+            </a:r>
+            <a:r>
+              <a:rPr lang="zh-CN" altLang="en-US" sz="1400" b="0" i="0" dirty="0">
+                <a:solidFill>
+                  <a:srgbClr val="31424E"/>
+                </a:solidFill>
+                <a:effectLst/>
+                <a:latin typeface="PingFangSC-Regular"/>
+              </a:rPr>
+              <a:t>％后，三季度全球</a:t>
+            </a:r>
+            <a:r>
+              <a:rPr lang="en-US" altLang="zh-CN" sz="1400" b="0" i="0" dirty="0">
+                <a:solidFill>
+                  <a:srgbClr val="31424E"/>
+                </a:solidFill>
+                <a:effectLst/>
+                <a:latin typeface="PingFangSC-Regular"/>
+              </a:rPr>
+              <a:t>PC</a:t>
+            </a:r>
+            <a:r>
+              <a:rPr lang="zh-CN" altLang="en-US" sz="1400" b="0" i="0" dirty="0">
+                <a:solidFill>
+                  <a:srgbClr val="31424E"/>
+                </a:solidFill>
+                <a:effectLst/>
+                <a:latin typeface="PingFangSC-Regular"/>
+              </a:rPr>
+              <a:t>发货量再度同比收缩</a:t>
+            </a:r>
+            <a:r>
+              <a:rPr lang="en-US" altLang="zh-CN" sz="1400" b="0" i="0" dirty="0">
+                <a:solidFill>
+                  <a:srgbClr val="31424E"/>
+                </a:solidFill>
+                <a:effectLst/>
+                <a:latin typeface="PingFangSC-Regular"/>
+              </a:rPr>
+              <a:t>15</a:t>
+            </a:r>
+            <a:r>
+              <a:rPr lang="zh-CN" altLang="en-US" sz="1400" b="0" i="0" dirty="0">
+                <a:solidFill>
+                  <a:srgbClr val="31424E"/>
+                </a:solidFill>
+                <a:effectLst/>
+                <a:latin typeface="PingFangSC-Regular"/>
+              </a:rPr>
+              <a:t>．</a:t>
+            </a:r>
+            <a:r>
+              <a:rPr lang="en-US" altLang="zh-CN" sz="1400" b="0" i="0" dirty="0">
+                <a:solidFill>
+                  <a:srgbClr val="31424E"/>
+                </a:solidFill>
+                <a:effectLst/>
+                <a:latin typeface="PingFangSC-Regular"/>
+              </a:rPr>
+              <a:t>0</a:t>
+            </a:r>
+            <a:r>
+              <a:rPr lang="zh-CN" altLang="en-US" sz="1400" b="0" i="0" dirty="0">
+                <a:solidFill>
+                  <a:srgbClr val="31424E"/>
+                </a:solidFill>
+                <a:effectLst/>
+                <a:latin typeface="PingFangSC-Regular"/>
+              </a:rPr>
+              <a:t>％至</a:t>
+            </a:r>
+            <a:r>
+              <a:rPr lang="en-US" altLang="zh-CN" sz="1400" b="0" i="0" dirty="0">
+                <a:solidFill>
+                  <a:srgbClr val="31424E"/>
+                </a:solidFill>
+                <a:effectLst/>
+                <a:latin typeface="PingFangSC-Regular"/>
+              </a:rPr>
+              <a:t>7420</a:t>
+            </a:r>
+            <a:r>
+              <a:rPr lang="zh-CN" altLang="en-US" sz="1400" b="0" i="0" dirty="0">
+                <a:solidFill>
+                  <a:srgbClr val="31424E"/>
+                </a:solidFill>
+                <a:effectLst/>
+                <a:latin typeface="PingFangSC-Regular"/>
+              </a:rPr>
+              <a:t>万台。业内普遍估计，市场要到</a:t>
+            </a:r>
+            <a:r>
+              <a:rPr lang="en-US" altLang="zh-CN" sz="1400" b="0" i="0" dirty="0">
+                <a:solidFill>
+                  <a:srgbClr val="31424E"/>
+                </a:solidFill>
+                <a:effectLst/>
+                <a:latin typeface="PingFangSC-Regular"/>
+              </a:rPr>
+              <a:t>2023</a:t>
+            </a:r>
+            <a:r>
+              <a:rPr lang="zh-CN" altLang="en-US" sz="1400" b="0" i="0" dirty="0">
+                <a:solidFill>
+                  <a:srgbClr val="31424E"/>
+                </a:solidFill>
+                <a:effectLst/>
+                <a:latin typeface="PingFangSC-Regular"/>
+              </a:rPr>
+              <a:t>年第二季度才会稳定下来。美国一级品牌商指出，他们的库存仍为两个月。</a:t>
+            </a:r>
+            <a:endParaRPr lang="en-US" altLang="zh-CN" sz="1400" b="0" i="0" dirty="0">
+              <a:solidFill>
+                <a:srgbClr val="31424E"/>
+              </a:solidFill>
+              <a:effectLst/>
+              <a:latin typeface="PingFangSC-Regular"/>
+            </a:endParaRPr>
+          </a:p>
+          <a:p>
+            <a:pPr lvl="1"/>
+            <a:r>
+              <a:rPr lang="zh-CN" altLang="en-US" sz="1400" b="0" i="0" dirty="0">
+                <a:solidFill>
+                  <a:srgbClr val="31424E"/>
+                </a:solidFill>
+                <a:effectLst/>
+                <a:latin typeface="PingFangSC-Regular"/>
+              </a:rPr>
+              <a:t>从产品线来说，以太网芯片受到</a:t>
+            </a:r>
+            <a:r>
+              <a:rPr lang="en-US" altLang="zh-CN" sz="1400" b="0" i="0" dirty="0">
+                <a:solidFill>
+                  <a:srgbClr val="31424E"/>
+                </a:solidFill>
+                <a:effectLst/>
+                <a:latin typeface="PingFangSC-Regular"/>
+              </a:rPr>
+              <a:t>PC</a:t>
+            </a:r>
+            <a:r>
+              <a:rPr lang="zh-CN" altLang="en-US" sz="1400" b="0" i="0" dirty="0">
+                <a:solidFill>
+                  <a:srgbClr val="31424E"/>
+                </a:solidFill>
+                <a:effectLst/>
+                <a:latin typeface="PingFangSC-Regular"/>
+              </a:rPr>
+              <a:t>产品大幅下滑，消费性电子需求疲软，第三季销售明显下降。瑞昱预期高库存水位会持续到今年底，明年才会开始逐步往下降并恢复到正常水位</a:t>
+            </a:r>
+            <a:endParaRPr lang="zh-CN" altLang="en-US" sz="1400" dirty="0"/>
           </a:p>
         </p:txBody>
       </p:sp>
       <p:pic>
         <p:nvPicPr>
-          <p:cNvPr id="1026" name="Picture 2">
-            <a:extLst>
-              <a:ext uri="{FF2B5EF4-FFF2-40B4-BE49-F238E27FC236}">
-                <a16:creationId xmlns:a16="http://schemas.microsoft.com/office/drawing/2014/main" id="{B2E5A8A3-2948-DC0B-38BC-7E1130366147}"/>
-              </a:ext>
-            </a:extLst>
-          </p:cNvPr>
-          <p:cNvPicPr>
-            <a:picLocks noChangeAspect="1" noChangeArrowheads="1"/>
-          </p:cNvPicPr>
-          <p:nvPr/>
-        </p:nvPicPr>
-        <p:blipFill>
-          <a:blip r:embed="rId2">
-            <a:extLst>
-              <a:ext uri="{28A0092B-C50C-407E-A947-70E740481C1C}">
-                <a14:useLocalDpi xmlns:a14="http://schemas.microsoft.com/office/drawing/2010/main" val="0"/>
-              </a:ext>
-            </a:extLst>
-          </a:blip>
-          <a:srcRect/>
-          <a:stretch>
-            <a:fillRect/>
-          </a:stretch>
-        </p:blipFill>
-        <p:spPr bwMode="auto">
-          <a:xfrm>
-            <a:off x="0" y="2530777"/>
-            <a:ext cx="3486870" cy="1893178"/>
-          </a:xfrm>
-          <a:prstGeom prst="rect">
-            <a:avLst/>
-          </a:prstGeom>
-          <a:noFill/>
-          <a:extLst>
-            <a:ext uri="{909E8E84-426E-40DD-AFC4-6F175D3DCCD1}">
-              <a14:hiddenFill xmlns:a14="http://schemas.microsoft.com/office/drawing/2010/main">
-                <a:solidFill>
-                  <a:srgbClr val="FFFFFF"/>
-                </a:solidFill>
-              </a14:hiddenFill>
-            </a:ext>
-          </a:extLst>
-        </p:spPr>
-      </p:pic>
-      <p:pic>
-        <p:nvPicPr>
-          <p:cNvPr id="1030" name="Picture 6">
-            <a:extLst>
-              <a:ext uri="{FF2B5EF4-FFF2-40B4-BE49-F238E27FC236}">
-                <a16:creationId xmlns:a16="http://schemas.microsoft.com/office/drawing/2014/main" id="{0191D247-D08D-3E8F-51C9-6EF633D9B0E8}"/>
-              </a:ext>
-            </a:extLst>
-          </p:cNvPr>
-          <p:cNvPicPr>
-            <a:picLocks noGrp="1" noChangeAspect="1" noChangeArrowheads="1"/>
-          </p:cNvPicPr>
-          <p:nvPr>
-            <p:ph idx="1"/>
-          </p:nvPr>
-        </p:nvPicPr>
-        <p:blipFill>
-          <a:blip r:embed="rId3">
-            <a:extLst>
-              <a:ext uri="{28A0092B-C50C-407E-A947-70E740481C1C}">
-                <a14:useLocalDpi xmlns:a14="http://schemas.microsoft.com/office/drawing/2010/main" val="0"/>
-              </a:ext>
-            </a:extLst>
-          </a:blip>
-          <a:srcRect/>
-          <a:stretch>
-            <a:fillRect/>
-          </a:stretch>
-        </p:blipFill>
-        <p:spPr bwMode="auto">
-          <a:xfrm>
-            <a:off x="3319296" y="446136"/>
-            <a:ext cx="3316758" cy="2084641"/>
-          </a:xfrm>
-          <a:prstGeom prst="rect">
-            <a:avLst/>
-          </a:prstGeom>
-          <a:noFill/>
-          <a:extLst>
-            <a:ext uri="{909E8E84-426E-40DD-AFC4-6F175D3DCCD1}">
-              <a14:hiddenFill xmlns:a14="http://schemas.microsoft.com/office/drawing/2010/main">
-                <a:solidFill>
-                  <a:srgbClr val="FFFFFF"/>
-                </a:solidFill>
-              </a14:hiddenFill>
-            </a:ext>
-          </a:extLst>
-        </p:spPr>
-      </p:pic>
-      <p:pic>
-        <p:nvPicPr>
-          <p:cNvPr id="1032" name="Picture 8">
-            <a:extLst>
-              <a:ext uri="{FF2B5EF4-FFF2-40B4-BE49-F238E27FC236}">
-                <a16:creationId xmlns:a16="http://schemas.microsoft.com/office/drawing/2014/main" id="{1DE16DE7-D071-F6BA-1814-D88839594442}"/>
-              </a:ext>
-            </a:extLst>
-          </p:cNvPr>
-          <p:cNvPicPr>
-            <a:picLocks noChangeAspect="1" noChangeArrowheads="1"/>
-          </p:cNvPicPr>
-          <p:nvPr/>
-        </p:nvPicPr>
-        <p:blipFill>
-          <a:blip r:embed="rId4">
-            <a:extLst>
-              <a:ext uri="{28A0092B-C50C-407E-A947-70E740481C1C}">
-                <a14:useLocalDpi xmlns:a14="http://schemas.microsoft.com/office/drawing/2010/main" val="0"/>
-              </a:ext>
-            </a:extLst>
-          </a:blip>
-          <a:srcRect/>
-          <a:stretch>
-            <a:fillRect/>
-          </a:stretch>
-        </p:blipFill>
-        <p:spPr bwMode="auto">
-          <a:xfrm>
-            <a:off x="3319296" y="4535193"/>
-            <a:ext cx="3316758" cy="2086948"/>
-          </a:xfrm>
-          <a:prstGeom prst="rect">
-            <a:avLst/>
-          </a:prstGeom>
-          <a:noFill/>
-          <a:extLst>
-            <a:ext uri="{909E8E84-426E-40DD-AFC4-6F175D3DCCD1}">
-              <a14:hiddenFill xmlns:a14="http://schemas.microsoft.com/office/drawing/2010/main">
-                <a:solidFill>
-                  <a:srgbClr val="FFFFFF"/>
-                </a:solidFill>
-              </a14:hiddenFill>
-            </a:ext>
-          </a:extLst>
-        </p:spPr>
-      </p:pic>
-      <p:pic>
-        <p:nvPicPr>
-          <p:cNvPr id="1034" name="Picture 10">
-            <a:extLst>
-              <a:ext uri="{FF2B5EF4-FFF2-40B4-BE49-F238E27FC236}">
-                <a16:creationId xmlns:a16="http://schemas.microsoft.com/office/drawing/2014/main" id="{B1A646F5-00B0-C026-FA81-30F3C2EE948B}"/>
-              </a:ext>
-            </a:extLst>
-          </p:cNvPr>
-          <p:cNvPicPr>
-            <a:picLocks noChangeAspect="1" noChangeArrowheads="1"/>
-          </p:cNvPicPr>
-          <p:nvPr/>
-        </p:nvPicPr>
-        <p:blipFill>
-          <a:blip r:embed="rId5">
-            <a:extLst>
-              <a:ext uri="{28A0092B-C50C-407E-A947-70E740481C1C}">
-                <a14:useLocalDpi xmlns:a14="http://schemas.microsoft.com/office/drawing/2010/main" val="0"/>
-              </a:ext>
-            </a:extLst>
-          </a:blip>
-          <a:srcRect/>
-          <a:stretch>
-            <a:fillRect/>
-          </a:stretch>
-        </p:blipFill>
-        <p:spPr bwMode="auto">
-          <a:xfrm>
-            <a:off x="9300538" y="4743829"/>
-            <a:ext cx="2664484" cy="1669677"/>
-          </a:xfrm>
-          <a:prstGeom prst="rect">
-            <a:avLst/>
-          </a:prstGeom>
-          <a:noFill/>
-          <a:extLst>
-            <a:ext uri="{909E8E84-426E-40DD-AFC4-6F175D3DCCD1}">
-              <a14:hiddenFill xmlns:a14="http://schemas.microsoft.com/office/drawing/2010/main">
-                <a:solidFill>
-                  <a:srgbClr val="FFFFFF"/>
-                </a:solidFill>
-              </a14:hiddenFill>
-            </a:ext>
-          </a:extLst>
-        </p:spPr>
-      </p:pic>
-      <p:pic>
-        <p:nvPicPr>
-          <p:cNvPr id="1036" name="Picture 12">
-            <a:extLst>
-              <a:ext uri="{FF2B5EF4-FFF2-40B4-BE49-F238E27FC236}">
-                <a16:creationId xmlns:a16="http://schemas.microsoft.com/office/drawing/2014/main" id="{129FC4B1-CE75-01D7-DCB4-E66878978E94}"/>
-              </a:ext>
-            </a:extLst>
-          </p:cNvPr>
-          <p:cNvPicPr>
-            <a:picLocks noChangeAspect="1" noChangeArrowheads="1"/>
-          </p:cNvPicPr>
-          <p:nvPr/>
-        </p:nvPicPr>
-        <p:blipFill>
-          <a:blip r:embed="rId6">
-            <a:extLst>
-              <a:ext uri="{28A0092B-C50C-407E-A947-70E740481C1C}">
-                <a14:useLocalDpi xmlns:a14="http://schemas.microsoft.com/office/drawing/2010/main" val="0"/>
-              </a:ext>
-            </a:extLst>
-          </a:blip>
-          <a:srcRect/>
-          <a:stretch>
-            <a:fillRect/>
-          </a:stretch>
-        </p:blipFill>
-        <p:spPr bwMode="auto">
-          <a:xfrm>
-            <a:off x="6636054" y="4743829"/>
-            <a:ext cx="2664484" cy="1669676"/>
-          </a:xfrm>
-          <a:prstGeom prst="rect">
-            <a:avLst/>
-          </a:prstGeom>
-          <a:noFill/>
-          <a:extLst>
-            <a:ext uri="{909E8E84-426E-40DD-AFC4-6F175D3DCCD1}">
-              <a14:hiddenFill xmlns:a14="http://schemas.microsoft.com/office/drawing/2010/main">
-                <a:solidFill>
-                  <a:srgbClr val="FFFFFF"/>
-                </a:solidFill>
-              </a14:hiddenFill>
-            </a:ext>
-          </a:extLst>
-        </p:spPr>
-      </p:pic>
-      <p:pic>
-        <p:nvPicPr>
-          <p:cNvPr id="1038" name="Picture 14">
-            <a:extLst>
-              <a:ext uri="{FF2B5EF4-FFF2-40B4-BE49-F238E27FC236}">
-                <a16:creationId xmlns:a16="http://schemas.microsoft.com/office/drawing/2014/main" id="{7A46E4DF-4538-7C59-D4CF-1E907FB634A6}"/>
-              </a:ext>
-            </a:extLst>
-          </p:cNvPr>
-          <p:cNvPicPr>
-            <a:picLocks noChangeAspect="1" noChangeArrowheads="1"/>
-          </p:cNvPicPr>
-          <p:nvPr/>
-        </p:nvPicPr>
-        <p:blipFill>
-          <a:blip r:embed="rId7">
-            <a:extLst>
-              <a:ext uri="{28A0092B-C50C-407E-A947-70E740481C1C}">
-                <a14:useLocalDpi xmlns:a14="http://schemas.microsoft.com/office/drawing/2010/main" val="0"/>
-              </a:ext>
-            </a:extLst>
-          </a:blip>
-          <a:srcRect/>
-          <a:stretch>
-            <a:fillRect/>
-          </a:stretch>
-        </p:blipFill>
-        <p:spPr bwMode="auto">
-          <a:xfrm>
-            <a:off x="3319296" y="2456774"/>
-            <a:ext cx="3316758" cy="2078419"/>
-          </a:xfrm>
-          <a:prstGeom prst="rect">
-            <a:avLst/>
-          </a:prstGeom>
-          <a:noFill/>
-          <a:extLst>
-            <a:ext uri="{909E8E84-426E-40DD-AFC4-6F175D3DCCD1}">
-              <a14:hiddenFill xmlns:a14="http://schemas.microsoft.com/office/drawing/2010/main">
-                <a:solidFill>
-                  <a:srgbClr val="FFFFFF"/>
-                </a:solidFill>
-              </a14:hiddenFill>
-            </a:ext>
-          </a:extLst>
-        </p:spPr>
-      </p:pic>
-      <p:pic>
-        <p:nvPicPr>
-          <p:cNvPr id="6" name="图片 5">
-            <a:extLst>
-              <a:ext uri="{FF2B5EF4-FFF2-40B4-BE49-F238E27FC236}">
-                <a16:creationId xmlns:a16="http://schemas.microsoft.com/office/drawing/2014/main" id="{BFB24CDD-AA31-9CC1-4C3C-9D7C359AE9C9}"/>
+          <p:cNvPr id="4" name="图片 3">
+            <a:extLst>
+              <a:ext uri="{FF2B5EF4-FFF2-40B4-BE49-F238E27FC236}">
+                <a16:creationId xmlns:a16="http://schemas.microsoft.com/office/drawing/2014/main" id="{50520740-0A77-FC5C-5C5F-0926EA31651A}"/>
               </a:ext>
             </a:extLst>
           </p:cNvPr>
@@ -7217,1195 +8035,51 @@
           <p:nvPr/>
         </p:nvPicPr>
         <p:blipFill>
-          <a:blip r:embed="rId8"/>
+          <a:blip r:embed="rId2"/>
           <a:stretch>
             <a:fillRect/>
           </a:stretch>
         </p:blipFill>
         <p:spPr>
           <a:xfrm>
-            <a:off x="6636054" y="2613226"/>
-            <a:ext cx="2481096" cy="1868296"/>
+            <a:off x="7075671" y="311570"/>
+            <a:ext cx="4616265" cy="2758236"/>
           </a:xfrm>
           <a:prstGeom prst="rect">
             <a:avLst/>
           </a:prstGeom>
         </p:spPr>
       </p:pic>
-    </p:spTree>
-    <p:extLst>
-      <p:ext uri="{BB962C8B-B14F-4D97-AF65-F5344CB8AC3E}">
-        <p14:creationId xmlns:p14="http://schemas.microsoft.com/office/powerpoint/2010/main" val="3462492987"/>
-      </p:ext>
-    </p:extLst>
-  </p:cSld>
-  <p:clrMapOvr>
-    <a:masterClrMapping/>
-  </p:clrMapOvr>
-</p:sld>
-</file>
-
-<file path=ppt/slides/slide4.xml><?xml version="1.0" encoding="utf-8"?>
-<p:sld xmlns:a="http://schemas.openxmlformats.org/drawingml/2006/main" xmlns:r="http://schemas.openxmlformats.org/officeDocument/2006/relationships" xmlns:p="http://schemas.openxmlformats.org/presentationml/2006/main">
-  <p:cSld>
-    <p:spTree>
-      <p:nvGrpSpPr>
-        <p:cNvPr id="1" name=""/>
-        <p:cNvGrpSpPr/>
-        <p:nvPr/>
-      </p:nvGrpSpPr>
-      <p:grpSpPr>
-        <a:xfrm>
-          <a:off x="0" y="0"/>
-          <a:ext cx="0" cy="0"/>
-          <a:chOff x="0" y="0"/>
-          <a:chExt cx="0" cy="0"/>
-        </a:xfrm>
-      </p:grpSpPr>
-      <p:sp>
-        <p:nvSpPr>
-          <p:cNvPr id="2" name="标题 1">
-            <a:extLst>
-              <a:ext uri="{FF2B5EF4-FFF2-40B4-BE49-F238E27FC236}">
-                <a16:creationId xmlns:a16="http://schemas.microsoft.com/office/drawing/2014/main" id="{869C2500-CA49-0C4F-293E-E8F863E92FEA}"/>
-              </a:ext>
-            </a:extLst>
-          </p:cNvPr>
-          <p:cNvSpPr>
-            <a:spLocks noGrp="1"/>
-          </p:cNvSpPr>
-          <p:nvPr>
-            <p:ph type="title"/>
-          </p:nvPr>
-        </p:nvSpPr>
-        <p:spPr/>
-        <p:txBody>
-          <a:bodyPr/>
-          <a:lstStyle/>
-          <a:p>
-            <a:r>
-              <a:rPr lang="zh-CN" altLang="en-US" i="0" dirty="0">
-                <a:solidFill>
-                  <a:srgbClr val="333333"/>
-                </a:solidFill>
-                <a:effectLst/>
-                <a:latin typeface="Microsoft Yahei" panose="020B0503020204020204" pitchFamily="34" charset="-122"/>
-                <a:ea typeface="Microsoft Yahei" panose="020B0503020204020204" pitchFamily="34" charset="-122"/>
-              </a:rPr>
-              <a:t>台湾</a:t>
-            </a:r>
-            <a:r>
-              <a:rPr lang="en-US" altLang="zh-CN" i="0" dirty="0">
-                <a:solidFill>
-                  <a:srgbClr val="333333"/>
-                </a:solidFill>
-                <a:effectLst/>
-                <a:latin typeface="Microsoft Yahei" panose="020B0503020204020204" pitchFamily="34" charset="-122"/>
-                <a:ea typeface="Microsoft Yahei" panose="020B0503020204020204" pitchFamily="34" charset="-122"/>
-              </a:rPr>
-              <a:t>IC</a:t>
-            </a:r>
-            <a:r>
-              <a:rPr lang="zh-CN" altLang="en-US" i="0" dirty="0">
-                <a:solidFill>
-                  <a:srgbClr val="333333"/>
-                </a:solidFill>
-                <a:effectLst/>
-                <a:latin typeface="Microsoft Yahei" panose="020B0503020204020204" pitchFamily="34" charset="-122"/>
-                <a:ea typeface="Microsoft Yahei" panose="020B0503020204020204" pitchFamily="34" charset="-122"/>
-              </a:rPr>
-              <a:t>设计业全球市场占有率与竞争优势</a:t>
-            </a:r>
-            <a:endParaRPr lang="zh-CN" altLang="en-US" dirty="0"/>
-          </a:p>
-        </p:txBody>
-      </p:sp>
-      <p:sp>
-        <p:nvSpPr>
-          <p:cNvPr id="3" name="内容占位符 2">
-            <a:extLst>
-              <a:ext uri="{FF2B5EF4-FFF2-40B4-BE49-F238E27FC236}">
-                <a16:creationId xmlns:a16="http://schemas.microsoft.com/office/drawing/2014/main" id="{DE7D2BB0-A5EC-7AFE-82A6-4F23A1005B67}"/>
-              </a:ext>
-            </a:extLst>
-          </p:cNvPr>
-          <p:cNvSpPr>
-            <a:spLocks noGrp="1"/>
-          </p:cNvSpPr>
-          <p:nvPr>
-            <p:ph idx="1"/>
-          </p:nvPr>
-        </p:nvSpPr>
-        <p:spPr/>
-        <p:txBody>
-          <a:bodyPr>
-            <a:normAutofit/>
-          </a:bodyPr>
-          <a:lstStyle/>
-          <a:p>
-            <a:r>
-              <a:rPr lang="en-US" altLang="zh-CN" sz="2000" i="0" dirty="0">
-                <a:solidFill>
-                  <a:srgbClr val="000000"/>
-                </a:solidFill>
-                <a:effectLst/>
-                <a:ea typeface="等线" panose="02010600030101010101" pitchFamily="2" charset="-122"/>
-              </a:rPr>
-              <a:t>2022</a:t>
-            </a:r>
-            <a:r>
-              <a:rPr lang="zh-CN" altLang="en-US" sz="2000" i="0" dirty="0">
-                <a:solidFill>
-                  <a:srgbClr val="000000"/>
-                </a:solidFill>
-                <a:effectLst/>
-                <a:ea typeface="等线" panose="02010600030101010101" pitchFamily="2" charset="-122"/>
-              </a:rPr>
-              <a:t>年全球</a:t>
-            </a:r>
-            <a:r>
-              <a:rPr lang="en-US" altLang="zh-CN" sz="2000" i="0" dirty="0">
-                <a:solidFill>
-                  <a:srgbClr val="000000"/>
-                </a:solidFill>
-                <a:effectLst/>
-                <a:ea typeface="等线" panose="02010600030101010101" pitchFamily="2" charset="-122"/>
-              </a:rPr>
-              <a:t>IC</a:t>
-            </a:r>
-            <a:r>
-              <a:rPr lang="zh-CN" altLang="en-US" sz="2000" i="0" dirty="0">
-                <a:solidFill>
-                  <a:srgbClr val="000000"/>
-                </a:solidFill>
-                <a:effectLst/>
-                <a:ea typeface="等线" panose="02010600030101010101" pitchFamily="2" charset="-122"/>
-              </a:rPr>
-              <a:t>设计行业整体营收达到</a:t>
-            </a:r>
-            <a:r>
-              <a:rPr lang="en-US" altLang="zh-CN" sz="2000" i="0" dirty="0">
-                <a:solidFill>
-                  <a:srgbClr val="000000"/>
-                </a:solidFill>
-                <a:effectLst/>
-                <a:ea typeface="等线" panose="02010600030101010101" pitchFamily="2" charset="-122"/>
-              </a:rPr>
-              <a:t>2154</a:t>
-            </a:r>
-            <a:r>
-              <a:rPr lang="zh-CN" altLang="en-US" sz="2000" i="0" dirty="0">
-                <a:solidFill>
-                  <a:srgbClr val="000000"/>
-                </a:solidFill>
-                <a:effectLst/>
-                <a:ea typeface="等线" panose="02010600030101010101" pitchFamily="2" charset="-122"/>
-              </a:rPr>
-              <a:t>亿美元。其中，美国</a:t>
-            </a:r>
-            <a:r>
-              <a:rPr lang="en-US" altLang="zh-CN" sz="2000" i="0" dirty="0">
-                <a:solidFill>
-                  <a:srgbClr val="000000"/>
-                </a:solidFill>
-                <a:effectLst/>
-                <a:ea typeface="等线" panose="02010600030101010101" pitchFamily="2" charset="-122"/>
-              </a:rPr>
-              <a:t>IC</a:t>
-            </a:r>
-            <a:r>
-              <a:rPr lang="zh-CN" altLang="en-US" sz="2000" i="0" dirty="0">
-                <a:solidFill>
-                  <a:srgbClr val="000000"/>
-                </a:solidFill>
-                <a:effectLst/>
-                <a:ea typeface="等线" panose="02010600030101010101" pitchFamily="2" charset="-122"/>
-              </a:rPr>
-              <a:t>设计领域规模最大，市场份额达</a:t>
-            </a:r>
-            <a:r>
-              <a:rPr lang="en-US" altLang="zh-CN" sz="2000" i="0" dirty="0">
-                <a:solidFill>
-                  <a:srgbClr val="000000"/>
-                </a:solidFill>
-                <a:effectLst/>
-                <a:ea typeface="等线" panose="02010600030101010101" pitchFamily="2" charset="-122"/>
-              </a:rPr>
-              <a:t>63%</a:t>
-            </a:r>
-            <a:r>
-              <a:rPr lang="zh-CN" altLang="en-US" sz="2000" i="0" dirty="0">
-                <a:solidFill>
-                  <a:srgbClr val="000000"/>
-                </a:solidFill>
-                <a:effectLst/>
-                <a:ea typeface="等线" panose="02010600030101010101" pitchFamily="2" charset="-122"/>
-              </a:rPr>
-              <a:t>，营收超过</a:t>
-            </a:r>
-            <a:r>
-              <a:rPr lang="en-US" altLang="zh-CN" sz="2000" i="0" dirty="0">
-                <a:solidFill>
-                  <a:srgbClr val="000000"/>
-                </a:solidFill>
-                <a:effectLst/>
-                <a:ea typeface="等线" panose="02010600030101010101" pitchFamily="2" charset="-122"/>
-              </a:rPr>
-              <a:t>1300</a:t>
-            </a:r>
-            <a:r>
-              <a:rPr lang="zh-CN" altLang="en-US" sz="2000" i="0" dirty="0">
-                <a:solidFill>
-                  <a:srgbClr val="000000"/>
-                </a:solidFill>
-                <a:effectLst/>
-                <a:ea typeface="等线" panose="02010600030101010101" pitchFamily="2" charset="-122"/>
-              </a:rPr>
-              <a:t>亿美元。中国台湾的集成电路设计业为全球第二大，市场占有率达</a:t>
-            </a:r>
-            <a:r>
-              <a:rPr lang="en-US" altLang="zh-CN" sz="2000" i="0" dirty="0">
-                <a:solidFill>
-                  <a:srgbClr val="000000"/>
-                </a:solidFill>
-                <a:effectLst/>
-                <a:ea typeface="等线" panose="02010600030101010101" pitchFamily="2" charset="-122"/>
-              </a:rPr>
-              <a:t>18%</a:t>
-            </a:r>
-            <a:r>
-              <a:rPr lang="zh-CN" altLang="en-US" sz="2000" i="0" dirty="0">
-                <a:solidFill>
-                  <a:srgbClr val="000000"/>
-                </a:solidFill>
-                <a:effectLst/>
-                <a:ea typeface="等线" panose="02010600030101010101" pitchFamily="2" charset="-122"/>
-              </a:rPr>
-              <a:t>，营收接近</a:t>
-            </a:r>
-            <a:r>
-              <a:rPr lang="en-US" altLang="zh-CN" sz="2000" i="0" dirty="0">
-                <a:solidFill>
-                  <a:srgbClr val="000000"/>
-                </a:solidFill>
-                <a:effectLst/>
-                <a:ea typeface="等线" panose="02010600030101010101" pitchFamily="2" charset="-122"/>
-              </a:rPr>
-              <a:t>400</a:t>
-            </a:r>
-            <a:r>
-              <a:rPr lang="zh-CN" altLang="en-US" sz="2000" i="0" dirty="0">
-                <a:solidFill>
-                  <a:srgbClr val="000000"/>
-                </a:solidFill>
-                <a:effectLst/>
-                <a:ea typeface="等线" panose="02010600030101010101" pitchFamily="2" charset="-122"/>
-              </a:rPr>
-              <a:t>亿美元。中国大陆位居第三，市场份额接近</a:t>
-            </a:r>
-            <a:r>
-              <a:rPr lang="en-US" altLang="zh-CN" sz="2000" i="0" dirty="0">
-                <a:solidFill>
-                  <a:srgbClr val="000000"/>
-                </a:solidFill>
-                <a:effectLst/>
-                <a:ea typeface="等线" panose="02010600030101010101" pitchFamily="2" charset="-122"/>
-              </a:rPr>
-              <a:t>15%</a:t>
-            </a:r>
-            <a:r>
-              <a:rPr lang="zh-CN" altLang="en-US" sz="2000" i="0" dirty="0">
-                <a:solidFill>
-                  <a:srgbClr val="000000"/>
-                </a:solidFill>
-                <a:effectLst/>
-                <a:ea typeface="等线" panose="02010600030101010101" pitchFamily="2" charset="-122"/>
-              </a:rPr>
-              <a:t>。</a:t>
-            </a:r>
-            <a:endParaRPr lang="en-US" altLang="zh-CN" sz="2000" i="0" dirty="0">
-              <a:solidFill>
-                <a:srgbClr val="000000"/>
-              </a:solidFill>
-              <a:effectLst/>
-              <a:ea typeface="等线" panose="02010600030101010101" pitchFamily="2" charset="-122"/>
-            </a:endParaRPr>
-          </a:p>
-          <a:p>
-            <a:r>
-              <a:rPr lang="zh-CN" altLang="en-US" sz="2000" b="0" i="0" dirty="0">
-                <a:solidFill>
-                  <a:srgbClr val="000000"/>
-                </a:solidFill>
-                <a:effectLst/>
-                <a:latin typeface="+mn-ea"/>
-              </a:rPr>
-              <a:t>中国台湾</a:t>
-            </a:r>
-            <a:r>
-              <a:rPr lang="en-US" altLang="zh-CN" sz="2000" b="0" i="0" dirty="0">
-                <a:solidFill>
-                  <a:srgbClr val="000000"/>
-                </a:solidFill>
-                <a:effectLst/>
-                <a:latin typeface="+mn-ea"/>
-              </a:rPr>
-              <a:t>IC</a:t>
-            </a:r>
-            <a:r>
-              <a:rPr lang="zh-CN" altLang="en-US" sz="2000" b="0" i="0" dirty="0">
-                <a:solidFill>
-                  <a:srgbClr val="000000"/>
-                </a:solidFill>
-                <a:effectLst/>
-                <a:latin typeface="+mn-ea"/>
-              </a:rPr>
-              <a:t>设计业以数字</a:t>
-            </a:r>
-            <a:r>
-              <a:rPr lang="en-US" altLang="zh-CN" sz="2000" b="0" i="0" dirty="0">
-                <a:solidFill>
-                  <a:srgbClr val="000000"/>
-                </a:solidFill>
-                <a:effectLst/>
-                <a:latin typeface="+mn-ea"/>
-              </a:rPr>
-              <a:t>IC</a:t>
-            </a:r>
-            <a:r>
-              <a:rPr lang="zh-CN" altLang="en-US" sz="2000" b="0" i="0" dirty="0">
-                <a:solidFill>
-                  <a:srgbClr val="000000"/>
-                </a:solidFill>
-                <a:effectLst/>
-                <a:latin typeface="+mn-ea"/>
-              </a:rPr>
-              <a:t>为主，全球市场占有率达</a:t>
-            </a:r>
-            <a:r>
-              <a:rPr lang="en-US" altLang="zh-CN" sz="2000" b="0" i="0" dirty="0">
-                <a:solidFill>
-                  <a:srgbClr val="000000"/>
-                </a:solidFill>
-                <a:effectLst/>
-                <a:latin typeface="+mn-ea"/>
-              </a:rPr>
-              <a:t>12%</a:t>
-            </a:r>
-            <a:r>
-              <a:rPr lang="zh-CN" altLang="en-US" sz="2000" b="0" i="0" dirty="0">
-                <a:solidFill>
-                  <a:srgbClr val="000000"/>
-                </a:solidFill>
-                <a:effectLst/>
-                <a:latin typeface="+mn-ea"/>
-              </a:rPr>
-              <a:t>。相比之下，中国台湾的模拟</a:t>
-            </a:r>
-            <a:r>
-              <a:rPr lang="en-US" altLang="zh-CN" sz="2000" b="0" i="0" dirty="0">
-                <a:solidFill>
-                  <a:srgbClr val="000000"/>
-                </a:solidFill>
-                <a:effectLst/>
-                <a:latin typeface="+mn-ea"/>
-              </a:rPr>
-              <a:t>IC</a:t>
-            </a:r>
-            <a:r>
-              <a:rPr lang="zh-CN" altLang="en-US" sz="2000" b="0" i="0" dirty="0">
-                <a:solidFill>
-                  <a:srgbClr val="000000"/>
-                </a:solidFill>
-                <a:effectLst/>
-                <a:latin typeface="+mn-ea"/>
-              </a:rPr>
-              <a:t>估计占全球市场的</a:t>
-            </a:r>
-            <a:r>
-              <a:rPr lang="en-US" altLang="zh-CN" sz="2000" b="0" i="0" dirty="0">
-                <a:solidFill>
-                  <a:srgbClr val="000000"/>
-                </a:solidFill>
-                <a:effectLst/>
-                <a:latin typeface="+mn-ea"/>
-              </a:rPr>
-              <a:t>5%</a:t>
-            </a:r>
-            <a:r>
-              <a:rPr lang="zh-CN" altLang="en-US" sz="2000" b="0" i="0" dirty="0">
-                <a:solidFill>
-                  <a:srgbClr val="000000"/>
-                </a:solidFill>
-                <a:effectLst/>
-                <a:latin typeface="+mn-ea"/>
-              </a:rPr>
-              <a:t>左右。与内存和分立元件一样，台湾地区在全球市场上的份额有限，份额不到 </a:t>
-            </a:r>
-            <a:r>
-              <a:rPr lang="en-US" altLang="zh-CN" sz="2000" b="0" i="0" dirty="0">
-                <a:solidFill>
-                  <a:srgbClr val="000000"/>
-                </a:solidFill>
-                <a:effectLst/>
-                <a:latin typeface="+mn-ea"/>
-              </a:rPr>
-              <a:t>2%</a:t>
-            </a:r>
-            <a:r>
-              <a:rPr lang="zh-CN" altLang="en-US" sz="2000" b="0" i="0" dirty="0">
-                <a:solidFill>
-                  <a:srgbClr val="000000"/>
-                </a:solidFill>
-                <a:effectLst/>
-                <a:latin typeface="+mn-ea"/>
-              </a:rPr>
-              <a:t>。</a:t>
-            </a:r>
-            <a:endParaRPr lang="en-US" altLang="zh-CN" sz="2000" b="0" i="0" dirty="0">
-              <a:solidFill>
-                <a:srgbClr val="000000"/>
-              </a:solidFill>
-              <a:effectLst/>
-              <a:latin typeface="+mn-ea"/>
-            </a:endParaRPr>
-          </a:p>
-          <a:p>
-            <a:r>
-              <a:rPr lang="zh-CN" altLang="en-US" sz="1400" b="0" i="0" dirty="0">
-                <a:solidFill>
-                  <a:srgbClr val="000000"/>
-                </a:solidFill>
-                <a:effectLst/>
-                <a:latin typeface="Microsoft Yahei" panose="020B0503020204020204" pitchFamily="34" charset="-122"/>
-                <a:ea typeface="Microsoft Yahei" panose="020B0503020204020204" pitchFamily="34" charset="-122"/>
-              </a:rPr>
-              <a:t>从半导体产品的不同细分市场来看，美国在几个主要市场的市场份额仍然领先。高通、</a:t>
-            </a:r>
-            <a:r>
-              <a:rPr lang="en-US" altLang="zh-CN" sz="1400" b="0" i="0" dirty="0">
-                <a:solidFill>
-                  <a:srgbClr val="000000"/>
-                </a:solidFill>
-                <a:effectLst/>
-                <a:latin typeface="Microsoft Yahei" panose="020B0503020204020204" pitchFamily="34" charset="-122"/>
-                <a:ea typeface="Microsoft Yahei" panose="020B0503020204020204" pitchFamily="34" charset="-122"/>
-              </a:rPr>
-              <a:t>AMD</a:t>
-            </a:r>
-            <a:r>
-              <a:rPr lang="zh-CN" altLang="en-US" sz="1400" b="0" i="0" dirty="0">
-                <a:solidFill>
-                  <a:srgbClr val="000000"/>
-                </a:solidFill>
-                <a:effectLst/>
-                <a:latin typeface="Microsoft Yahei" panose="020B0503020204020204" pitchFamily="34" charset="-122"/>
-                <a:ea typeface="Microsoft Yahei" panose="020B0503020204020204" pitchFamily="34" charset="-122"/>
-              </a:rPr>
-              <a:t>、博通、英伟达和 </a:t>
-            </a:r>
-            <a:r>
-              <a:rPr lang="en-US" altLang="zh-CN" sz="1400" b="0" i="0" dirty="0">
-                <a:solidFill>
-                  <a:srgbClr val="000000"/>
-                </a:solidFill>
-                <a:effectLst/>
-                <a:latin typeface="Microsoft Yahei" panose="020B0503020204020204" pitchFamily="34" charset="-122"/>
-                <a:ea typeface="Microsoft Yahei" panose="020B0503020204020204" pitchFamily="34" charset="-122"/>
-              </a:rPr>
-              <a:t>Marvell </a:t>
-            </a:r>
-            <a:r>
-              <a:rPr lang="zh-CN" altLang="en-US" sz="1400" b="0" i="0" dirty="0">
-                <a:solidFill>
-                  <a:srgbClr val="000000"/>
-                </a:solidFill>
-                <a:effectLst/>
-                <a:latin typeface="Microsoft Yahei" panose="020B0503020204020204" pitchFamily="34" charset="-122"/>
-                <a:ea typeface="Microsoft Yahei" panose="020B0503020204020204" pitchFamily="34" charset="-122"/>
-              </a:rPr>
-              <a:t>等美国主要 </a:t>
-            </a:r>
-            <a:r>
-              <a:rPr lang="en-US" altLang="zh-CN" sz="1400" b="0" i="0" dirty="0">
-                <a:solidFill>
-                  <a:srgbClr val="000000"/>
-                </a:solidFill>
-                <a:effectLst/>
-                <a:latin typeface="Microsoft Yahei" panose="020B0503020204020204" pitchFamily="34" charset="-122"/>
-                <a:ea typeface="Microsoft Yahei" panose="020B0503020204020204" pitchFamily="34" charset="-122"/>
-              </a:rPr>
-              <a:t>IC </a:t>
-            </a:r>
-            <a:r>
-              <a:rPr lang="zh-CN" altLang="en-US" sz="1400" b="0" i="0" dirty="0">
-                <a:solidFill>
-                  <a:srgbClr val="000000"/>
-                </a:solidFill>
-                <a:effectLst/>
-                <a:latin typeface="Microsoft Yahei" panose="020B0503020204020204" pitchFamily="34" charset="-122"/>
-                <a:ea typeface="Microsoft Yahei" panose="020B0503020204020204" pitchFamily="34" charset="-122"/>
-              </a:rPr>
-              <a:t>设计公司是智能手机芯片、</a:t>
-            </a:r>
-            <a:r>
-              <a:rPr lang="en-US" altLang="zh-CN" sz="1400" b="0" i="0" dirty="0">
-                <a:solidFill>
-                  <a:srgbClr val="000000"/>
-                </a:solidFill>
-                <a:effectLst/>
-                <a:latin typeface="Microsoft Yahei" panose="020B0503020204020204" pitchFamily="34" charset="-122"/>
-                <a:ea typeface="Microsoft Yahei" panose="020B0503020204020204" pitchFamily="34" charset="-122"/>
-              </a:rPr>
-              <a:t>CPU</a:t>
-            </a:r>
-            <a:r>
-              <a:rPr lang="zh-CN" altLang="en-US" sz="1400" b="0" i="0" dirty="0">
-                <a:solidFill>
-                  <a:srgbClr val="000000"/>
-                </a:solidFill>
-                <a:effectLst/>
-                <a:latin typeface="Microsoft Yahei" panose="020B0503020204020204" pitchFamily="34" charset="-122"/>
-                <a:ea typeface="Microsoft Yahei" panose="020B0503020204020204" pitchFamily="34" charset="-122"/>
-              </a:rPr>
-              <a:t>、</a:t>
-            </a:r>
-            <a:r>
-              <a:rPr lang="en-US" altLang="zh-CN" sz="1400" b="0" i="0" dirty="0">
-                <a:solidFill>
-                  <a:srgbClr val="000000"/>
-                </a:solidFill>
-                <a:effectLst/>
-                <a:latin typeface="Microsoft Yahei" panose="020B0503020204020204" pitchFamily="34" charset="-122"/>
-                <a:ea typeface="Microsoft Yahei" panose="020B0503020204020204" pitchFamily="34" charset="-122"/>
-              </a:rPr>
-              <a:t>GPU </a:t>
-            </a:r>
-            <a:r>
-              <a:rPr lang="zh-CN" altLang="en-US" sz="1400" b="0" i="0" dirty="0">
-                <a:solidFill>
-                  <a:srgbClr val="000000"/>
-                </a:solidFill>
-                <a:effectLst/>
-                <a:latin typeface="Microsoft Yahei" panose="020B0503020204020204" pitchFamily="34" charset="-122"/>
-                <a:ea typeface="Microsoft Yahei" panose="020B0503020204020204" pitchFamily="34" charset="-122"/>
-              </a:rPr>
-              <a:t>和网络芯片领域的全球领导者。这使他们在与系统架构相关的微处理器</a:t>
-            </a:r>
-            <a:r>
-              <a:rPr lang="en-US" altLang="zh-CN" sz="1400" b="0" i="0" dirty="0">
-                <a:solidFill>
-                  <a:srgbClr val="000000"/>
-                </a:solidFill>
-                <a:effectLst/>
-                <a:latin typeface="Microsoft Yahei" panose="020B0503020204020204" pitchFamily="34" charset="-122"/>
-                <a:ea typeface="Microsoft Yahei" panose="020B0503020204020204" pitchFamily="34" charset="-122"/>
-              </a:rPr>
-              <a:t>/SoC </a:t>
-            </a:r>
-            <a:r>
-              <a:rPr lang="zh-CN" altLang="en-US" sz="1400" b="0" i="0" dirty="0">
-                <a:solidFill>
-                  <a:srgbClr val="000000"/>
-                </a:solidFill>
-                <a:effectLst/>
-                <a:latin typeface="Microsoft Yahei" panose="020B0503020204020204" pitchFamily="34" charset="-122"/>
-                <a:ea typeface="Microsoft Yahei" panose="020B0503020204020204" pitchFamily="34" charset="-122"/>
-              </a:rPr>
-              <a:t>中占据了主导地位。</a:t>
-            </a:r>
-            <a:endParaRPr lang="zh-CN" altLang="en-US" sz="2000" dirty="0">
-              <a:latin typeface="+mn-ea"/>
-            </a:endParaRPr>
-          </a:p>
-        </p:txBody>
-      </p:sp>
-    </p:spTree>
-    <p:extLst>
-      <p:ext uri="{BB962C8B-B14F-4D97-AF65-F5344CB8AC3E}">
-        <p14:creationId xmlns:p14="http://schemas.microsoft.com/office/powerpoint/2010/main" val="2289678418"/>
-      </p:ext>
-    </p:extLst>
-  </p:cSld>
-  <p:clrMapOvr>
-    <a:masterClrMapping/>
-  </p:clrMapOvr>
-</p:sld>
-</file>
-
-<file path=ppt/slides/slide5.xml><?xml version="1.0" encoding="utf-8"?>
-<p:sld xmlns:a="http://schemas.openxmlformats.org/drawingml/2006/main" xmlns:r="http://schemas.openxmlformats.org/officeDocument/2006/relationships" xmlns:p="http://schemas.openxmlformats.org/presentationml/2006/main">
-  <p:cSld>
-    <p:spTree>
-      <p:nvGrpSpPr>
-        <p:cNvPr id="1" name=""/>
-        <p:cNvGrpSpPr/>
-        <p:nvPr/>
-      </p:nvGrpSpPr>
-      <p:grpSpPr>
-        <a:xfrm>
-          <a:off x="0" y="0"/>
-          <a:ext cx="0" cy="0"/>
-          <a:chOff x="0" y="0"/>
-          <a:chExt cx="0" cy="0"/>
-        </a:xfrm>
-      </p:grpSpPr>
-      <p:sp>
-        <p:nvSpPr>
-          <p:cNvPr id="2" name="标题 1">
-            <a:extLst>
-              <a:ext uri="{FF2B5EF4-FFF2-40B4-BE49-F238E27FC236}">
-                <a16:creationId xmlns:a16="http://schemas.microsoft.com/office/drawing/2014/main" id="{0A55BE32-06A6-4E06-2499-6EF55A6A49E2}"/>
-              </a:ext>
-            </a:extLst>
-          </p:cNvPr>
-          <p:cNvSpPr>
-            <a:spLocks noGrp="1"/>
-          </p:cNvSpPr>
-          <p:nvPr>
-            <p:ph type="title"/>
-          </p:nvPr>
-        </p:nvSpPr>
-        <p:spPr/>
-        <p:txBody>
-          <a:bodyPr/>
-          <a:lstStyle/>
-          <a:p>
-            <a:r>
-              <a:rPr lang="zh-CN" altLang="en-US" dirty="0"/>
-              <a:t>瑞昱产品线概览</a:t>
-            </a:r>
-          </a:p>
-        </p:txBody>
-      </p:sp>
-      <p:sp>
-        <p:nvSpPr>
-          <p:cNvPr id="3" name="内容占位符 2">
-            <a:extLst>
-              <a:ext uri="{FF2B5EF4-FFF2-40B4-BE49-F238E27FC236}">
-                <a16:creationId xmlns:a16="http://schemas.microsoft.com/office/drawing/2014/main" id="{88213330-483C-1815-97CC-756C058DFAC9}"/>
-              </a:ext>
-            </a:extLst>
-          </p:cNvPr>
-          <p:cNvSpPr>
-            <a:spLocks noGrp="1"/>
-          </p:cNvSpPr>
-          <p:nvPr>
-            <p:ph idx="1"/>
-          </p:nvPr>
-        </p:nvSpPr>
-        <p:spPr/>
-        <p:txBody>
-          <a:bodyPr>
-            <a:normAutofit lnSpcReduction="10000"/>
-          </a:bodyPr>
-          <a:lstStyle/>
-          <a:p>
-            <a:r>
-              <a:rPr lang="zh-CN" altLang="en-US" dirty="0"/>
-              <a:t>音频编解码</a:t>
-            </a:r>
-            <a:endParaRPr lang="en-US" altLang="zh-CN" dirty="0"/>
-          </a:p>
-          <a:p>
-            <a:pPr lvl="1"/>
-            <a:r>
-              <a:rPr lang="zh-CN" altLang="en-US" b="0" i="0" dirty="0">
-                <a:solidFill>
-                  <a:srgbClr val="31424E"/>
-                </a:solidFill>
-                <a:effectLst/>
-                <a:latin typeface="PingFangSC-Regular"/>
-              </a:rPr>
-              <a:t>瑞昱作为音频编解码芯片龙头业者</a:t>
-            </a:r>
-            <a:r>
-              <a:rPr lang="en-US" altLang="zh-CN" b="0" i="0" dirty="0">
-                <a:solidFill>
-                  <a:srgbClr val="31424E"/>
-                </a:solidFill>
-                <a:effectLst/>
-                <a:latin typeface="PingFangSC-Regular"/>
-              </a:rPr>
-              <a:t>,</a:t>
-            </a:r>
-            <a:r>
-              <a:rPr lang="zh-CN" altLang="en-US" b="0" i="0" dirty="0">
-                <a:solidFill>
-                  <a:srgbClr val="31424E"/>
-                </a:solidFill>
-                <a:effectLst/>
-                <a:latin typeface="PingFangSC-Regular"/>
-              </a:rPr>
-              <a:t>市占超过</a:t>
-            </a:r>
-            <a:r>
-              <a:rPr lang="en-US" altLang="zh-CN" b="0" i="0" dirty="0">
-                <a:solidFill>
-                  <a:srgbClr val="31424E"/>
-                </a:solidFill>
-                <a:effectLst/>
-                <a:latin typeface="PingFangSC-Regular"/>
-              </a:rPr>
-              <a:t>5</a:t>
-            </a:r>
-            <a:r>
-              <a:rPr lang="zh-CN" altLang="en-US" b="0" i="0" dirty="0">
-                <a:solidFill>
-                  <a:srgbClr val="31424E"/>
-                </a:solidFill>
-                <a:effectLst/>
-                <a:latin typeface="PingFangSC-Regular"/>
-              </a:rPr>
-              <a:t>成</a:t>
-            </a:r>
-            <a:r>
-              <a:rPr lang="en-US" altLang="zh-CN" b="0" i="0" dirty="0">
-                <a:solidFill>
-                  <a:srgbClr val="31424E"/>
-                </a:solidFill>
-                <a:effectLst/>
-                <a:latin typeface="PingFangSC-Regular"/>
-              </a:rPr>
-              <a:t>,</a:t>
-            </a:r>
-            <a:r>
-              <a:rPr lang="zh-CN" altLang="en-US" b="0" i="0" dirty="0">
-                <a:solidFill>
-                  <a:srgbClr val="31424E"/>
-                </a:solidFill>
-                <a:effectLst/>
-                <a:latin typeface="PingFangSC-Regular"/>
-              </a:rPr>
-              <a:t>布局涵盖</a:t>
-            </a:r>
-            <a:r>
-              <a:rPr lang="en-US" altLang="zh-CN" b="0" i="0" dirty="0">
-                <a:solidFill>
-                  <a:srgbClr val="31424E"/>
-                </a:solidFill>
-                <a:effectLst/>
-                <a:latin typeface="PingFangSC-Regular"/>
-              </a:rPr>
-              <a:t>PC</a:t>
-            </a:r>
-            <a:r>
-              <a:rPr lang="zh-CN" altLang="en-US" b="0" i="0" dirty="0">
-                <a:solidFill>
-                  <a:srgbClr val="31424E"/>
-                </a:solidFill>
-                <a:effectLst/>
-                <a:latin typeface="PingFangSC-Regular"/>
-              </a:rPr>
-              <a:t>、笔电等领域</a:t>
-            </a:r>
-            <a:r>
-              <a:rPr lang="en-US" altLang="zh-CN" b="0" i="0" dirty="0">
-                <a:solidFill>
-                  <a:srgbClr val="31424E"/>
-                </a:solidFill>
-                <a:effectLst/>
-                <a:latin typeface="PingFangSC-Regular"/>
-              </a:rPr>
-              <a:t>,</a:t>
-            </a:r>
-          </a:p>
-          <a:p>
-            <a:pPr lvl="1"/>
-            <a:r>
-              <a:rPr lang="zh-CN" altLang="en-US" b="0" i="0" dirty="0">
-                <a:solidFill>
-                  <a:srgbClr val="31424E"/>
-                </a:solidFill>
-                <a:effectLst/>
-                <a:latin typeface="PingFangSC-Regular"/>
-              </a:rPr>
-              <a:t>瑞昱自</a:t>
-            </a:r>
-            <a:r>
-              <a:rPr lang="en-US" altLang="zh-CN" b="0" i="0" dirty="0">
-                <a:solidFill>
-                  <a:srgbClr val="31424E"/>
-                </a:solidFill>
-                <a:effectLst/>
-                <a:latin typeface="PingFangSC-Regular"/>
-              </a:rPr>
-              <a:t>20</a:t>
-            </a:r>
-            <a:r>
-              <a:rPr lang="zh-CN" altLang="en-US" b="0" i="0" dirty="0">
-                <a:solidFill>
-                  <a:srgbClr val="31424E"/>
-                </a:solidFill>
-                <a:effectLst/>
-                <a:latin typeface="PingFangSC-Regular"/>
-              </a:rPr>
-              <a:t>年第三季以来</a:t>
-            </a:r>
-            <a:r>
-              <a:rPr lang="en-US" altLang="zh-CN" b="0" i="0" dirty="0">
-                <a:solidFill>
-                  <a:srgbClr val="31424E"/>
-                </a:solidFill>
-                <a:effectLst/>
-                <a:latin typeface="PingFangSC-Regular"/>
-              </a:rPr>
-              <a:t>,</a:t>
-            </a:r>
-            <a:r>
-              <a:rPr lang="zh-CN" altLang="en-US" b="0" i="0" dirty="0">
-                <a:solidFill>
-                  <a:srgbClr val="31424E"/>
-                </a:solidFill>
-                <a:effectLst/>
-                <a:latin typeface="PingFangSC-Regular"/>
-              </a:rPr>
-              <a:t>受到晶圆、封测产能紧张</a:t>
-            </a:r>
-            <a:r>
-              <a:rPr lang="en-US" altLang="zh-CN" b="0" i="0" dirty="0">
-                <a:solidFill>
-                  <a:srgbClr val="31424E"/>
-                </a:solidFill>
-                <a:effectLst/>
-                <a:latin typeface="PingFangSC-Regular"/>
-              </a:rPr>
-              <a:t>,</a:t>
-            </a:r>
-            <a:r>
-              <a:rPr lang="zh-CN" altLang="en-US" b="0" i="0" dirty="0">
-                <a:solidFill>
-                  <a:srgbClr val="31424E"/>
-                </a:solidFill>
-                <a:effectLst/>
-                <a:latin typeface="PingFangSC-Regular"/>
-              </a:rPr>
-              <a:t>内部订定供货顺序</a:t>
-            </a:r>
-            <a:r>
-              <a:rPr lang="en-US" altLang="zh-CN" b="0" i="0" dirty="0">
-                <a:solidFill>
-                  <a:srgbClr val="31424E"/>
-                </a:solidFill>
-                <a:effectLst/>
-                <a:latin typeface="PingFangSC-Regular"/>
-              </a:rPr>
-              <a:t>,</a:t>
-            </a:r>
-            <a:r>
-              <a:rPr lang="zh-CN" altLang="en-US" b="0" i="0" dirty="0">
-                <a:solidFill>
-                  <a:srgbClr val="31424E"/>
-                </a:solidFill>
-                <a:effectLst/>
-                <a:latin typeface="PingFangSC-Regular"/>
-              </a:rPr>
-              <a:t>依照各产品线、客户情况调配产能</a:t>
-            </a:r>
-            <a:r>
-              <a:rPr lang="en-US" altLang="zh-CN" b="0" i="0" dirty="0">
-                <a:solidFill>
-                  <a:srgbClr val="31424E"/>
-                </a:solidFill>
-                <a:effectLst/>
-                <a:latin typeface="PingFangSC-Regular"/>
-              </a:rPr>
-              <a:t>,</a:t>
-            </a:r>
-            <a:r>
-              <a:rPr lang="zh-CN" altLang="en-US" b="0" i="0" dirty="0">
-                <a:solidFill>
-                  <a:srgbClr val="31424E"/>
-                </a:solidFill>
-                <a:effectLst/>
-                <a:latin typeface="PingFangSC-Regular"/>
-              </a:rPr>
-              <a:t>音频编解码芯片尽管搭上笔电出货潮</a:t>
-            </a:r>
-            <a:r>
-              <a:rPr lang="en-US" altLang="zh-CN" b="0" i="0" dirty="0">
-                <a:solidFill>
-                  <a:srgbClr val="31424E"/>
-                </a:solidFill>
-                <a:effectLst/>
-                <a:latin typeface="PingFangSC-Regular"/>
-              </a:rPr>
-              <a:t>,</a:t>
-            </a:r>
-            <a:r>
-              <a:rPr lang="zh-CN" altLang="en-US" b="0" i="0" dirty="0">
-                <a:solidFill>
-                  <a:srgbClr val="31424E"/>
-                </a:solidFill>
-                <a:effectLst/>
-                <a:latin typeface="PingFangSC-Regular"/>
-              </a:rPr>
-              <a:t>但已不在前五大产品线上</a:t>
-            </a:r>
-            <a:r>
-              <a:rPr lang="en-US" altLang="zh-CN" b="0" i="0" dirty="0">
-                <a:solidFill>
-                  <a:srgbClr val="31424E"/>
-                </a:solidFill>
-                <a:effectLst/>
-                <a:latin typeface="PingFangSC-Regular"/>
-              </a:rPr>
-              <a:t>,</a:t>
-            </a:r>
-            <a:r>
-              <a:rPr lang="zh-CN" altLang="en-US" b="0" i="0" dirty="0">
-                <a:solidFill>
-                  <a:srgbClr val="31424E"/>
-                </a:solidFill>
-                <a:effectLst/>
-                <a:latin typeface="PingFangSC-Regular"/>
-              </a:rPr>
-              <a:t>因此出现排挤效应。</a:t>
-            </a:r>
-            <a:endParaRPr lang="en-US" altLang="zh-CN" b="0" i="0" dirty="0">
-              <a:solidFill>
-                <a:srgbClr val="31424E"/>
-              </a:solidFill>
-              <a:effectLst/>
-              <a:latin typeface="PingFangSC-Regular"/>
-            </a:endParaRPr>
-          </a:p>
-          <a:p>
-            <a:pPr lvl="1"/>
-            <a:r>
-              <a:rPr lang="zh-CN" altLang="en-US" b="0" i="0" dirty="0">
-                <a:solidFill>
-                  <a:srgbClr val="31424E"/>
-                </a:solidFill>
-                <a:effectLst/>
-                <a:latin typeface="PingFangSC-Regular"/>
-              </a:rPr>
-              <a:t>个人</a:t>
-            </a:r>
-            <a:r>
-              <a:rPr lang="en-US" altLang="zh-CN" b="0" i="0" dirty="0">
-                <a:solidFill>
-                  <a:srgbClr val="31424E"/>
-                </a:solidFill>
-                <a:effectLst/>
-                <a:latin typeface="PingFangSC-Regular"/>
-              </a:rPr>
-              <a:t>PC</a:t>
-            </a:r>
-            <a:r>
-              <a:rPr lang="zh-CN" altLang="en-US" b="0" i="0" dirty="0">
-                <a:solidFill>
-                  <a:srgbClr val="31424E"/>
-                </a:solidFill>
-                <a:effectLst/>
-                <a:latin typeface="PingFangSC-Regular"/>
-              </a:rPr>
-              <a:t>市场方面，近日，</a:t>
-            </a:r>
-            <a:r>
-              <a:rPr lang="en-US" altLang="zh-CN" b="0" i="0" dirty="0">
-                <a:solidFill>
-                  <a:srgbClr val="FF0000"/>
-                </a:solidFill>
-                <a:effectLst/>
-                <a:latin typeface="PingFangSC-Regular"/>
-              </a:rPr>
-              <a:t>IDC</a:t>
-            </a:r>
-            <a:r>
-              <a:rPr lang="zh-CN" altLang="en-US" b="0" i="0" dirty="0">
-                <a:solidFill>
-                  <a:srgbClr val="31424E"/>
-                </a:solidFill>
-                <a:effectLst/>
-                <a:latin typeface="PingFangSC-Regular"/>
-              </a:rPr>
-              <a:t>公布全球个人计算设备季度追踪初步结果显示，继二季度市场收缩</a:t>
-            </a:r>
-            <a:r>
-              <a:rPr lang="en-US" altLang="zh-CN" b="0" i="0" dirty="0">
-                <a:solidFill>
-                  <a:srgbClr val="31424E"/>
-                </a:solidFill>
-                <a:effectLst/>
-                <a:latin typeface="PingFangSC-Regular"/>
-              </a:rPr>
-              <a:t>15</a:t>
-            </a:r>
-            <a:r>
-              <a:rPr lang="zh-CN" altLang="en-US" b="0" i="0" dirty="0">
-                <a:solidFill>
-                  <a:srgbClr val="31424E"/>
-                </a:solidFill>
-                <a:effectLst/>
-                <a:latin typeface="PingFangSC-Regular"/>
-              </a:rPr>
-              <a:t>．</a:t>
-            </a:r>
-            <a:r>
-              <a:rPr lang="en-US" altLang="zh-CN" b="0" i="0" dirty="0">
-                <a:solidFill>
-                  <a:srgbClr val="31424E"/>
-                </a:solidFill>
-                <a:effectLst/>
-                <a:latin typeface="PingFangSC-Regular"/>
-              </a:rPr>
-              <a:t>3</a:t>
-            </a:r>
-            <a:r>
-              <a:rPr lang="zh-CN" altLang="en-US" b="0" i="0" dirty="0">
-                <a:solidFill>
-                  <a:srgbClr val="31424E"/>
-                </a:solidFill>
-                <a:effectLst/>
-                <a:latin typeface="PingFangSC-Regular"/>
-              </a:rPr>
-              <a:t>％后，三季度全球</a:t>
-            </a:r>
-            <a:r>
-              <a:rPr lang="en-US" altLang="zh-CN" b="0" i="0" dirty="0">
-                <a:solidFill>
-                  <a:srgbClr val="31424E"/>
-                </a:solidFill>
-                <a:effectLst/>
-                <a:latin typeface="PingFangSC-Regular"/>
-              </a:rPr>
-              <a:t>PC</a:t>
-            </a:r>
-            <a:r>
-              <a:rPr lang="zh-CN" altLang="en-US" b="0" i="0" dirty="0">
-                <a:solidFill>
-                  <a:srgbClr val="31424E"/>
-                </a:solidFill>
-                <a:effectLst/>
-                <a:latin typeface="PingFangSC-Regular"/>
-              </a:rPr>
-              <a:t>发货量再度同比收缩</a:t>
-            </a:r>
-            <a:r>
-              <a:rPr lang="en-US" altLang="zh-CN" b="0" i="0" dirty="0">
-                <a:solidFill>
-                  <a:srgbClr val="31424E"/>
-                </a:solidFill>
-                <a:effectLst/>
-                <a:latin typeface="PingFangSC-Regular"/>
-              </a:rPr>
-              <a:t>15</a:t>
-            </a:r>
-            <a:r>
-              <a:rPr lang="zh-CN" altLang="en-US" b="0" i="0" dirty="0">
-                <a:solidFill>
-                  <a:srgbClr val="31424E"/>
-                </a:solidFill>
-                <a:effectLst/>
-                <a:latin typeface="PingFangSC-Regular"/>
-              </a:rPr>
-              <a:t>．</a:t>
-            </a:r>
-            <a:r>
-              <a:rPr lang="en-US" altLang="zh-CN" b="0" i="0" dirty="0">
-                <a:solidFill>
-                  <a:srgbClr val="31424E"/>
-                </a:solidFill>
-                <a:effectLst/>
-                <a:latin typeface="PingFangSC-Regular"/>
-              </a:rPr>
-              <a:t>0</a:t>
-            </a:r>
-            <a:r>
-              <a:rPr lang="zh-CN" altLang="en-US" b="0" i="0" dirty="0">
-                <a:solidFill>
-                  <a:srgbClr val="31424E"/>
-                </a:solidFill>
-                <a:effectLst/>
-                <a:latin typeface="PingFangSC-Regular"/>
-              </a:rPr>
-              <a:t>％至</a:t>
-            </a:r>
-            <a:r>
-              <a:rPr lang="en-US" altLang="zh-CN" b="0" i="0" dirty="0">
-                <a:solidFill>
-                  <a:srgbClr val="31424E"/>
-                </a:solidFill>
-                <a:effectLst/>
-                <a:latin typeface="PingFangSC-Regular"/>
-              </a:rPr>
-              <a:t>7420</a:t>
-            </a:r>
-            <a:r>
-              <a:rPr lang="zh-CN" altLang="en-US" b="0" i="0" dirty="0">
-                <a:solidFill>
-                  <a:srgbClr val="31424E"/>
-                </a:solidFill>
-                <a:effectLst/>
-                <a:latin typeface="PingFangSC-Regular"/>
-              </a:rPr>
-              <a:t>万台。业内普遍估计，市场要到</a:t>
-            </a:r>
-            <a:r>
-              <a:rPr lang="en-US" altLang="zh-CN" b="0" i="0" dirty="0">
-                <a:solidFill>
-                  <a:srgbClr val="31424E"/>
-                </a:solidFill>
-                <a:effectLst/>
-                <a:latin typeface="PingFangSC-Regular"/>
-              </a:rPr>
-              <a:t>2023</a:t>
-            </a:r>
-            <a:r>
-              <a:rPr lang="zh-CN" altLang="en-US" b="0" i="0" dirty="0">
-                <a:solidFill>
-                  <a:srgbClr val="31424E"/>
-                </a:solidFill>
-                <a:effectLst/>
-                <a:latin typeface="PingFangSC-Regular"/>
-              </a:rPr>
-              <a:t>年第二季度才会稳定下来。美国一级品牌商指出，他们的库存仍为两个月。</a:t>
-            </a:r>
-            <a:endParaRPr lang="en-US" altLang="zh-CN" b="0" i="0" dirty="0">
-              <a:solidFill>
-                <a:srgbClr val="31424E"/>
-              </a:solidFill>
-              <a:effectLst/>
-              <a:latin typeface="PingFangSC-Regular"/>
-            </a:endParaRPr>
-          </a:p>
-          <a:p>
-            <a:pPr lvl="1"/>
-            <a:r>
-              <a:rPr lang="zh-CN" altLang="en-US" b="0" i="0" dirty="0">
-                <a:solidFill>
-                  <a:srgbClr val="31424E"/>
-                </a:solidFill>
-                <a:effectLst/>
-                <a:latin typeface="PingFangSC-Regular"/>
-              </a:rPr>
-              <a:t>从产品线来说，以太网芯片受到</a:t>
-            </a:r>
-            <a:r>
-              <a:rPr lang="en-US" altLang="zh-CN" b="0" i="0" dirty="0">
-                <a:solidFill>
-                  <a:srgbClr val="31424E"/>
-                </a:solidFill>
-                <a:effectLst/>
-                <a:latin typeface="PingFangSC-Regular"/>
-              </a:rPr>
-              <a:t>PC</a:t>
-            </a:r>
-            <a:r>
-              <a:rPr lang="zh-CN" altLang="en-US" b="0" i="0" dirty="0">
-                <a:solidFill>
-                  <a:srgbClr val="31424E"/>
-                </a:solidFill>
-                <a:effectLst/>
-                <a:latin typeface="PingFangSC-Regular"/>
-              </a:rPr>
-              <a:t>产品大幅下滑，消费性电子需求疲软，第三季销售明显下降。瑞昱预期高库存水位会持续到今年底，明年才会开始逐步往下降并恢复到正常水位</a:t>
-            </a:r>
-            <a:endParaRPr lang="zh-CN" altLang="en-US" dirty="0"/>
-          </a:p>
-        </p:txBody>
-      </p:sp>
+      <p:pic>
+        <p:nvPicPr>
+          <p:cNvPr id="6" name="图片 5">
+            <a:extLst>
+              <a:ext uri="{FF2B5EF4-FFF2-40B4-BE49-F238E27FC236}">
+                <a16:creationId xmlns:a16="http://schemas.microsoft.com/office/drawing/2014/main" id="{BAFF992A-3BBA-82E5-B6DF-0B7409D72908}"/>
+              </a:ext>
+            </a:extLst>
+          </p:cNvPr>
+          <p:cNvPicPr>
+            <a:picLocks noChangeAspect="1"/>
+          </p:cNvPicPr>
+          <p:nvPr/>
+        </p:nvPicPr>
+        <p:blipFill>
+          <a:blip r:embed="rId3"/>
+          <a:stretch>
+            <a:fillRect/>
+          </a:stretch>
+        </p:blipFill>
+        <p:spPr>
+          <a:xfrm>
+            <a:off x="7075671" y="3440410"/>
+            <a:ext cx="4936721" cy="3106020"/>
+          </a:xfrm>
+          <a:prstGeom prst="rect">
+            <a:avLst/>
+          </a:prstGeom>
+        </p:spPr>
+      </p:pic>
     </p:spTree>
     <p:extLst>
       <p:ext uri="{BB962C8B-B14F-4D97-AF65-F5344CB8AC3E}">
@@ -8419,7 +8093,7 @@
 </p:sld>
 </file>
 
-<file path=ppt/slides/slide6.xml><?xml version="1.0" encoding="utf-8"?>
+<file path=ppt/slides/slide4.xml><?xml version="1.0" encoding="utf-8"?>
 <p:sld xmlns:a="http://schemas.openxmlformats.org/drawingml/2006/main" xmlns:r="http://schemas.openxmlformats.org/officeDocument/2006/relationships" xmlns:p="http://schemas.openxmlformats.org/presentationml/2006/main">
   <p:cSld>
     <p:spTree>
@@ -8660,6 +8334,719 @@
 </p:sld>
 </file>
 
+<file path=ppt/slides/slide5.xml><?xml version="1.0" encoding="utf-8"?>
+<p:sld xmlns:a="http://schemas.openxmlformats.org/drawingml/2006/main" xmlns:r="http://schemas.openxmlformats.org/officeDocument/2006/relationships" xmlns:p="http://schemas.openxmlformats.org/presentationml/2006/main">
+  <p:cSld>
+    <p:spTree>
+      <p:nvGrpSpPr>
+        <p:cNvPr id="1" name=""/>
+        <p:cNvGrpSpPr/>
+        <p:nvPr/>
+      </p:nvGrpSpPr>
+      <p:grpSpPr>
+        <a:xfrm>
+          <a:off x="0" y="0"/>
+          <a:ext cx="0" cy="0"/>
+          <a:chOff x="0" y="0"/>
+          <a:chExt cx="0" cy="0"/>
+        </a:xfrm>
+      </p:grpSpPr>
+      <p:sp>
+        <p:nvSpPr>
+          <p:cNvPr id="2" name="标题 1">
+            <a:extLst>
+              <a:ext uri="{FF2B5EF4-FFF2-40B4-BE49-F238E27FC236}">
+                <a16:creationId xmlns:a16="http://schemas.microsoft.com/office/drawing/2014/main" id="{9F503F54-AB57-4AFF-2C4B-5AA15A1392C1}"/>
+              </a:ext>
+            </a:extLst>
+          </p:cNvPr>
+          <p:cNvSpPr>
+            <a:spLocks noGrp="1"/>
+          </p:cNvSpPr>
+          <p:nvPr>
+            <p:ph type="title"/>
+          </p:nvPr>
+        </p:nvSpPr>
+        <p:spPr/>
+        <p:txBody>
+          <a:bodyPr/>
+          <a:lstStyle/>
+          <a:p>
+            <a:r>
+              <a:rPr lang="en-US" altLang="zh-CN" dirty="0"/>
+              <a:t>Audio</a:t>
+            </a:r>
+            <a:r>
+              <a:rPr lang="zh-CN" altLang="en-US" dirty="0"/>
+              <a:t>产品线情况</a:t>
+            </a:r>
+          </a:p>
+        </p:txBody>
+      </p:sp>
+      <p:sp>
+        <p:nvSpPr>
+          <p:cNvPr id="3" name="内容占位符 2">
+            <a:extLst>
+              <a:ext uri="{FF2B5EF4-FFF2-40B4-BE49-F238E27FC236}">
+                <a16:creationId xmlns:a16="http://schemas.microsoft.com/office/drawing/2014/main" id="{6A3F4699-1CB3-6603-26C3-D86811A06FEB}"/>
+              </a:ext>
+            </a:extLst>
+          </p:cNvPr>
+          <p:cNvSpPr>
+            <a:spLocks noGrp="1"/>
+          </p:cNvSpPr>
+          <p:nvPr>
+            <p:ph idx="1"/>
+          </p:nvPr>
+        </p:nvSpPr>
+        <p:spPr/>
+        <p:txBody>
+          <a:bodyPr/>
+          <a:lstStyle/>
+          <a:p>
+            <a:r>
+              <a:rPr lang="zh-CN" altLang="en-US" dirty="0"/>
+              <a:t>音频编解码器</a:t>
+            </a:r>
+            <a:endParaRPr lang="en-US" altLang="zh-CN" dirty="0"/>
+          </a:p>
+          <a:p>
+            <a:pPr lvl="1"/>
+            <a:r>
+              <a:rPr lang="zh-CN" altLang="en-US" dirty="0"/>
+              <a:t>主要集中在</a:t>
+            </a:r>
+            <a:r>
+              <a:rPr lang="en-US" altLang="zh-CN" dirty="0"/>
+              <a:t>PC</a:t>
+            </a:r>
+            <a:r>
+              <a:rPr lang="zh-CN" altLang="en-US" dirty="0"/>
+              <a:t>音频、声卡</a:t>
+            </a:r>
+            <a:endParaRPr lang="en-US" altLang="zh-CN" dirty="0"/>
+          </a:p>
+          <a:p>
+            <a:pPr lvl="2"/>
+            <a:r>
+              <a:rPr lang="zh-CN" altLang="en-US" dirty="0"/>
+              <a:t>销量占比：</a:t>
+            </a:r>
+            <a:r>
+              <a:rPr lang="en-US" altLang="zh-CN" dirty="0"/>
+              <a:t>20</a:t>
+            </a:r>
+            <a:r>
+              <a:rPr lang="zh-CN" altLang="en-US" dirty="0"/>
+              <a:t>年</a:t>
+            </a:r>
+            <a:r>
+              <a:rPr lang="en-US" altLang="zh-CN" dirty="0"/>
+              <a:t>2%</a:t>
+            </a:r>
+            <a:r>
+              <a:rPr lang="zh-CN" altLang="en-US" dirty="0"/>
+              <a:t>，</a:t>
+            </a:r>
+            <a:r>
+              <a:rPr lang="en-US" altLang="zh-CN" dirty="0"/>
+              <a:t>21</a:t>
+            </a:r>
+            <a:r>
+              <a:rPr lang="zh-CN" altLang="en-US" dirty="0"/>
+              <a:t>年</a:t>
+            </a:r>
+            <a:r>
+              <a:rPr lang="en-US" altLang="zh-CN" dirty="0"/>
+              <a:t>3%</a:t>
+            </a:r>
+          </a:p>
+          <a:p>
+            <a:pPr lvl="2"/>
+            <a:r>
+              <a:rPr lang="zh-CN" altLang="en-US" b="0" i="0" dirty="0">
+                <a:solidFill>
+                  <a:srgbClr val="333333"/>
+                </a:solidFill>
+                <a:effectLst/>
+                <a:latin typeface="PingFang SC"/>
+              </a:rPr>
+              <a:t>市场份额占比：瑞昱占据网卡和声卡市场超过</a:t>
+            </a:r>
+            <a:r>
+              <a:rPr lang="en-US" altLang="zh-CN" b="0" i="0" dirty="0">
+                <a:solidFill>
+                  <a:srgbClr val="333333"/>
+                </a:solidFill>
+                <a:effectLst/>
+                <a:latin typeface="PingFang SC"/>
+              </a:rPr>
+              <a:t>70%</a:t>
+            </a:r>
+            <a:r>
+              <a:rPr lang="zh-CN" altLang="en-US" b="0" i="0" dirty="0">
+                <a:solidFill>
+                  <a:srgbClr val="333333"/>
+                </a:solidFill>
+                <a:effectLst/>
+                <a:latin typeface="PingFang SC"/>
+              </a:rPr>
+              <a:t>的份额，以高性价比独步天下</a:t>
+            </a:r>
+            <a:endParaRPr lang="en-US" altLang="zh-CN" dirty="0"/>
+          </a:p>
+          <a:p>
+            <a:pPr lvl="2"/>
+            <a:r>
+              <a:rPr lang="zh-CN" altLang="en-US" dirty="0"/>
+              <a:t>竞争对手：</a:t>
+            </a:r>
+            <a:r>
+              <a:rPr lang="en-US" altLang="zh-CN" dirty="0"/>
+              <a:t>Cirrus Logic(10%)</a:t>
+            </a:r>
+            <a:r>
+              <a:rPr lang="zh-CN" altLang="en-US" dirty="0"/>
+              <a:t>、</a:t>
+            </a:r>
+            <a:r>
+              <a:rPr lang="en-US" altLang="zh-CN" dirty="0"/>
+              <a:t>Tempo-Semi (10%) </a:t>
+            </a:r>
+            <a:r>
+              <a:rPr lang="zh-CN" altLang="en-US" dirty="0"/>
+              <a:t>、</a:t>
+            </a:r>
+            <a:r>
+              <a:rPr lang="en-US" altLang="zh-CN" dirty="0"/>
+              <a:t>NXP (5%) </a:t>
+            </a:r>
+            <a:r>
+              <a:rPr lang="zh-CN" altLang="en-US" dirty="0"/>
+              <a:t>、</a:t>
+            </a:r>
+            <a:r>
+              <a:rPr lang="en-US" altLang="zh-CN" dirty="0"/>
+              <a:t>ADI (5%)</a:t>
+            </a:r>
+          </a:p>
+          <a:p>
+            <a:pPr lvl="1"/>
+            <a:r>
+              <a:rPr lang="zh-CN" altLang="en-US" dirty="0"/>
+              <a:t>消费类音频</a:t>
+            </a:r>
+            <a:endParaRPr lang="en-US" altLang="zh-CN" dirty="0"/>
+          </a:p>
+          <a:p>
+            <a:pPr lvl="1"/>
+            <a:endParaRPr lang="en-US" altLang="zh-CN" dirty="0"/>
+          </a:p>
+          <a:p>
+            <a:pPr lvl="1"/>
+            <a:r>
+              <a:rPr lang="zh-CN" altLang="en-US" dirty="0"/>
+              <a:t>应用产品：</a:t>
+            </a:r>
+            <a:endParaRPr lang="en-US" altLang="zh-CN" dirty="0"/>
+          </a:p>
+          <a:p>
+            <a:pPr lvl="2"/>
+            <a:r>
+              <a:rPr lang="en-US" altLang="zh-CN" dirty="0"/>
+              <a:t>TV</a:t>
+            </a:r>
+            <a:r>
+              <a:rPr lang="zh-CN" altLang="en-US" dirty="0"/>
+              <a:t>：中国厂商占据了 </a:t>
+            </a:r>
+            <a:r>
+              <a:rPr lang="en-US" altLang="zh-CN" dirty="0"/>
+              <a:t>50%</a:t>
+            </a:r>
+            <a:r>
+              <a:rPr lang="zh-CN" altLang="en-US" dirty="0"/>
+              <a:t>以上的份额，联发科电视芯片市占率处于全球第一的位置，份额大约在 </a:t>
+            </a:r>
+            <a:r>
+              <a:rPr lang="en-US" altLang="zh-CN" dirty="0"/>
+              <a:t>50%</a:t>
+            </a:r>
+            <a:r>
+              <a:rPr lang="zh-CN" altLang="en-US" dirty="0"/>
+              <a:t>左右、</a:t>
+            </a:r>
+            <a:r>
+              <a:rPr lang="en-US" altLang="zh-CN" dirty="0"/>
+              <a:t>PC</a:t>
+            </a:r>
+            <a:r>
+              <a:rPr lang="zh-CN" altLang="en-US" dirty="0"/>
+              <a:t>、笔电、</a:t>
+            </a:r>
+            <a:endParaRPr lang="en-US" altLang="zh-CN" dirty="0"/>
+          </a:p>
+          <a:p>
+            <a:r>
+              <a:rPr lang="zh-CN" altLang="en-US" dirty="0"/>
+              <a:t>蓝牙</a:t>
+            </a:r>
+            <a:endParaRPr lang="en-US" altLang="zh-CN" dirty="0"/>
+          </a:p>
+          <a:p>
+            <a:pPr lvl="1"/>
+            <a:endParaRPr lang="zh-CN" altLang="en-US" dirty="0"/>
+          </a:p>
+        </p:txBody>
+      </p:sp>
+    </p:spTree>
+    <p:extLst>
+      <p:ext uri="{BB962C8B-B14F-4D97-AF65-F5344CB8AC3E}">
+        <p14:creationId xmlns:p14="http://schemas.microsoft.com/office/powerpoint/2010/main" val="1653366859"/>
+      </p:ext>
+    </p:extLst>
+  </p:cSld>
+  <p:clrMapOvr>
+    <a:masterClrMapping/>
+  </p:clrMapOvr>
+</p:sld>
+</file>
+
+<file path=ppt/slides/slide6.xml><?xml version="1.0" encoding="utf-8"?>
+<p:sld xmlns:a="http://schemas.openxmlformats.org/drawingml/2006/main" xmlns:r="http://schemas.openxmlformats.org/officeDocument/2006/relationships" xmlns:p="http://schemas.openxmlformats.org/presentationml/2006/main">
+  <p:cSld>
+    <p:spTree>
+      <p:nvGrpSpPr>
+        <p:cNvPr id="1" name=""/>
+        <p:cNvGrpSpPr/>
+        <p:nvPr/>
+      </p:nvGrpSpPr>
+      <p:grpSpPr>
+        <a:xfrm>
+          <a:off x="0" y="0"/>
+          <a:ext cx="0" cy="0"/>
+          <a:chOff x="0" y="0"/>
+          <a:chExt cx="0" cy="0"/>
+        </a:xfrm>
+      </p:grpSpPr>
+      <p:sp>
+        <p:nvSpPr>
+          <p:cNvPr id="2" name="标题 1">
+            <a:extLst>
+              <a:ext uri="{FF2B5EF4-FFF2-40B4-BE49-F238E27FC236}">
+                <a16:creationId xmlns:a16="http://schemas.microsoft.com/office/drawing/2014/main" id="{C1528AD8-A3DA-2BC4-91C6-76CDE601CEF8}"/>
+              </a:ext>
+            </a:extLst>
+          </p:cNvPr>
+          <p:cNvSpPr>
+            <a:spLocks noGrp="1"/>
+          </p:cNvSpPr>
+          <p:nvPr>
+            <p:ph type="title"/>
+          </p:nvPr>
+        </p:nvSpPr>
+        <p:spPr/>
+        <p:txBody>
+          <a:bodyPr/>
+          <a:lstStyle/>
+          <a:p>
+            <a:r>
+              <a:rPr lang="zh-CN" altLang="en-US" dirty="0"/>
+              <a:t>游戏声卡</a:t>
+            </a:r>
+          </a:p>
+        </p:txBody>
+      </p:sp>
+      <p:sp>
+        <p:nvSpPr>
+          <p:cNvPr id="3" name="内容占位符 2">
+            <a:extLst>
+              <a:ext uri="{FF2B5EF4-FFF2-40B4-BE49-F238E27FC236}">
+                <a16:creationId xmlns:a16="http://schemas.microsoft.com/office/drawing/2014/main" id="{02A5EBA6-94AB-8FE6-8809-FCD1CFA94373}"/>
+              </a:ext>
+            </a:extLst>
+          </p:cNvPr>
+          <p:cNvSpPr>
+            <a:spLocks noGrp="1"/>
+          </p:cNvSpPr>
+          <p:nvPr>
+            <p:ph idx="1"/>
+          </p:nvPr>
+        </p:nvSpPr>
+        <p:spPr/>
+        <p:txBody>
+          <a:bodyPr/>
+          <a:lstStyle/>
+          <a:p>
+            <a:pPr algn="l"/>
+            <a:r>
+              <a:rPr lang="zh-CN" altLang="en-US" b="0" i="0" dirty="0">
+                <a:solidFill>
+                  <a:srgbClr val="191919"/>
+                </a:solidFill>
+                <a:effectLst/>
+                <a:latin typeface="PingFang SC"/>
+              </a:rPr>
+              <a:t>市场规模：</a:t>
+            </a:r>
+            <a:endParaRPr lang="en-US" altLang="zh-CN" b="0" i="0" dirty="0">
+              <a:solidFill>
+                <a:srgbClr val="191919"/>
+              </a:solidFill>
+              <a:effectLst/>
+              <a:latin typeface="PingFang SC"/>
+            </a:endParaRPr>
+          </a:p>
+          <a:p>
+            <a:pPr lvl="1"/>
+            <a:r>
+              <a:rPr lang="zh-CN" altLang="en-US" b="0" i="0" dirty="0">
+                <a:solidFill>
+                  <a:srgbClr val="191919"/>
+                </a:solidFill>
+                <a:effectLst/>
+                <a:latin typeface="PingFang SC"/>
+              </a:rPr>
+              <a:t>全球游戏声卡市场规模</a:t>
+            </a:r>
+            <a:r>
+              <a:rPr lang="en-US" altLang="zh-CN" b="0" i="0" dirty="0">
+                <a:solidFill>
+                  <a:srgbClr val="191919"/>
+                </a:solidFill>
+                <a:effectLst/>
+                <a:latin typeface="PingFang SC"/>
+              </a:rPr>
+              <a:t>2021</a:t>
+            </a:r>
+            <a:r>
+              <a:rPr lang="zh-CN" altLang="en-US" b="0" i="0" dirty="0">
+                <a:solidFill>
+                  <a:srgbClr val="191919"/>
+                </a:solidFill>
+                <a:effectLst/>
+                <a:latin typeface="PingFang SC"/>
+              </a:rPr>
+              <a:t>年达</a:t>
+            </a:r>
+            <a:r>
+              <a:rPr lang="en-US" altLang="zh-CN" b="0" i="0" dirty="0">
+                <a:solidFill>
+                  <a:srgbClr val="191919"/>
+                </a:solidFill>
+                <a:effectLst/>
+                <a:latin typeface="PingFang SC"/>
+              </a:rPr>
+              <a:t>24.06</a:t>
+            </a:r>
+            <a:r>
+              <a:rPr lang="zh-CN" altLang="en-US" b="0" i="0" dirty="0">
+                <a:solidFill>
+                  <a:srgbClr val="191919"/>
+                </a:solidFill>
+                <a:effectLst/>
+                <a:latin typeface="PingFang SC"/>
+              </a:rPr>
+              <a:t>亿元（人民币）。</a:t>
+            </a:r>
+            <a:endParaRPr lang="en-US" altLang="zh-CN" b="0" i="0" dirty="0">
+              <a:solidFill>
+                <a:srgbClr val="191919"/>
+              </a:solidFill>
+              <a:effectLst/>
+              <a:latin typeface="PingFang SC"/>
+            </a:endParaRPr>
+          </a:p>
+          <a:p>
+            <a:pPr lvl="1"/>
+            <a:r>
+              <a:rPr lang="zh-CN" altLang="en-US" b="0" i="0" dirty="0">
+                <a:solidFill>
+                  <a:srgbClr val="191919"/>
+                </a:solidFill>
+                <a:effectLst/>
+                <a:latin typeface="PingFang SC"/>
+              </a:rPr>
+              <a:t>主要区域（北美、欧洲、以及亚太等主要地区）在全球游戏声卡市场中的份额占比。其中，</a:t>
+            </a:r>
+            <a:r>
+              <a:rPr lang="en-US" altLang="zh-CN" b="0" i="0" dirty="0">
+                <a:solidFill>
+                  <a:srgbClr val="191919"/>
+                </a:solidFill>
+                <a:effectLst/>
+                <a:latin typeface="PingFang SC"/>
+              </a:rPr>
+              <a:t>2021</a:t>
+            </a:r>
+            <a:r>
+              <a:rPr lang="zh-CN" altLang="en-US" b="0" i="0" dirty="0">
+                <a:solidFill>
+                  <a:srgbClr val="191919"/>
+                </a:solidFill>
+                <a:effectLst/>
+                <a:latin typeface="PingFang SC"/>
+              </a:rPr>
+              <a:t>年中国占全球游戏声卡市场的</a:t>
+            </a:r>
+            <a:r>
+              <a:rPr lang="en-US" altLang="zh-CN" b="0" i="0" dirty="0">
+                <a:solidFill>
+                  <a:srgbClr val="191919"/>
+                </a:solidFill>
+                <a:effectLst/>
+                <a:latin typeface="PingFang SC"/>
+              </a:rPr>
+              <a:t>34.58%</a:t>
+            </a:r>
+            <a:r>
+              <a:rPr lang="zh-CN" altLang="en-US" b="0" i="0" dirty="0">
+                <a:solidFill>
+                  <a:srgbClr val="191919"/>
+                </a:solidFill>
+                <a:effectLst/>
+                <a:latin typeface="PingFang SC"/>
+              </a:rPr>
+              <a:t>。贝哲斯咨询预测，至</a:t>
+            </a:r>
+            <a:r>
+              <a:rPr lang="en-US" altLang="zh-CN" b="0" i="0" dirty="0">
+                <a:solidFill>
+                  <a:srgbClr val="191919"/>
+                </a:solidFill>
+                <a:effectLst/>
+                <a:latin typeface="PingFang SC"/>
+              </a:rPr>
+              <a:t>2027</a:t>
+            </a:r>
+            <a:r>
+              <a:rPr lang="zh-CN" altLang="en-US" b="0" i="0" dirty="0">
+                <a:solidFill>
+                  <a:srgbClr val="191919"/>
+                </a:solidFill>
+                <a:effectLst/>
+                <a:latin typeface="PingFang SC"/>
+              </a:rPr>
+              <a:t>年全球游戏声卡市场规模将以</a:t>
+            </a:r>
+            <a:r>
+              <a:rPr lang="en-US" altLang="zh-CN" b="0" i="0" dirty="0">
+                <a:solidFill>
+                  <a:srgbClr val="191919"/>
+                </a:solidFill>
+                <a:effectLst/>
+                <a:latin typeface="PingFang SC"/>
+              </a:rPr>
+              <a:t>6.75%</a:t>
+            </a:r>
+            <a:r>
+              <a:rPr lang="zh-CN" altLang="en-US" b="0" i="0" dirty="0">
+                <a:solidFill>
+                  <a:srgbClr val="191919"/>
+                </a:solidFill>
+                <a:effectLst/>
+                <a:latin typeface="PingFang SC"/>
+              </a:rPr>
+              <a:t>的</a:t>
+            </a:r>
+            <a:r>
+              <a:rPr lang="en-US" altLang="zh-CN" b="0" i="0" dirty="0">
+                <a:solidFill>
+                  <a:srgbClr val="191919"/>
+                </a:solidFill>
+                <a:effectLst/>
+                <a:latin typeface="PingFang SC"/>
+              </a:rPr>
+              <a:t>CAGR</a:t>
+            </a:r>
+            <a:r>
+              <a:rPr lang="zh-CN" altLang="en-US" b="0" i="0" dirty="0">
+                <a:solidFill>
+                  <a:srgbClr val="191919"/>
+                </a:solidFill>
+                <a:effectLst/>
+                <a:latin typeface="PingFang SC"/>
+              </a:rPr>
+              <a:t>达到</a:t>
+            </a:r>
+            <a:r>
+              <a:rPr lang="en-US" altLang="zh-CN" b="0" i="0" dirty="0">
+                <a:solidFill>
+                  <a:srgbClr val="191919"/>
+                </a:solidFill>
+                <a:effectLst/>
+                <a:latin typeface="PingFang SC"/>
+              </a:rPr>
+              <a:t>35.69</a:t>
+            </a:r>
+            <a:r>
+              <a:rPr lang="zh-CN" altLang="en-US" b="0" i="0" dirty="0">
+                <a:solidFill>
+                  <a:srgbClr val="191919"/>
+                </a:solidFill>
+                <a:effectLst/>
+                <a:latin typeface="PingFang SC"/>
+              </a:rPr>
+              <a:t>亿元。</a:t>
+            </a:r>
+          </a:p>
+          <a:p>
+            <a:pPr lvl="1"/>
+            <a:r>
+              <a:rPr lang="zh-CN" altLang="en-US" b="0" i="0" dirty="0">
+                <a:solidFill>
+                  <a:srgbClr val="191919"/>
+                </a:solidFill>
+                <a:effectLst/>
+                <a:latin typeface="PingFang SC"/>
+              </a:rPr>
+              <a:t>报告出版商</a:t>
+            </a:r>
+            <a:r>
+              <a:rPr lang="en-US" altLang="zh-CN" b="0" i="0" dirty="0">
+                <a:solidFill>
+                  <a:srgbClr val="191919"/>
+                </a:solidFill>
+                <a:effectLst/>
+                <a:latin typeface="PingFang SC"/>
+              </a:rPr>
+              <a:t>: </a:t>
+            </a:r>
+            <a:r>
+              <a:rPr lang="zh-CN" altLang="en-US" b="0" i="0" dirty="0">
+                <a:solidFill>
+                  <a:srgbClr val="191919"/>
+                </a:solidFill>
+                <a:effectLst/>
+                <a:latin typeface="PingFang SC"/>
+              </a:rPr>
+              <a:t>湖南贝哲斯信息咨询有限公司</a:t>
+            </a:r>
+            <a:endParaRPr lang="en-US" altLang="zh-CN" b="0" i="0" dirty="0">
+              <a:solidFill>
+                <a:srgbClr val="191919"/>
+              </a:solidFill>
+              <a:effectLst/>
+              <a:latin typeface="PingFang SC"/>
+            </a:endParaRPr>
+          </a:p>
+          <a:p>
+            <a:r>
+              <a:rPr lang="en-US" altLang="zh-CN" b="1" dirty="0">
+                <a:solidFill>
+                  <a:srgbClr val="404040"/>
+                </a:solidFill>
+                <a:effectLst/>
+                <a:latin typeface="MicrosoftYaHei Bold"/>
+              </a:rPr>
+              <a:t>2022</a:t>
+            </a:r>
+            <a:r>
+              <a:rPr lang="zh-CN" altLang="en-US" b="1" dirty="0">
+                <a:solidFill>
+                  <a:srgbClr val="404040"/>
+                </a:solidFill>
+                <a:effectLst/>
+                <a:latin typeface="MicrosoftYaHei Bold"/>
+              </a:rPr>
+              <a:t>年游戏用</a:t>
+            </a:r>
+            <a:r>
+              <a:rPr lang="en-US" altLang="zh-CN" b="1" dirty="0">
+                <a:solidFill>
+                  <a:srgbClr val="404040"/>
+                </a:solidFill>
+                <a:effectLst/>
+                <a:latin typeface="MicrosoftYaHei Bold"/>
+              </a:rPr>
+              <a:t>USB</a:t>
+            </a:r>
+            <a:r>
+              <a:rPr lang="zh-CN" altLang="en-US" b="1" dirty="0">
+                <a:solidFill>
+                  <a:srgbClr val="404040"/>
+                </a:solidFill>
+                <a:effectLst/>
+                <a:latin typeface="MicrosoftYaHei Bold"/>
+              </a:rPr>
+              <a:t>声卡可行性行业调研报告</a:t>
+            </a:r>
+          </a:p>
+          <a:p>
+            <a:pPr lvl="1"/>
+            <a:endParaRPr lang="zh-CN" altLang="en-US" b="0" i="0" dirty="0">
+              <a:solidFill>
+                <a:srgbClr val="191919"/>
+              </a:solidFill>
+              <a:effectLst/>
+              <a:latin typeface="PingFang SC"/>
+            </a:endParaRPr>
+          </a:p>
+          <a:p>
+            <a:endParaRPr lang="zh-CN" altLang="en-US" dirty="0"/>
+          </a:p>
+        </p:txBody>
+      </p:sp>
+      <p:pic>
+        <p:nvPicPr>
+          <p:cNvPr id="1026" name="Picture 2">
+            <a:extLst>
+              <a:ext uri="{FF2B5EF4-FFF2-40B4-BE49-F238E27FC236}">
+                <a16:creationId xmlns:a16="http://schemas.microsoft.com/office/drawing/2014/main" id="{93BE0554-8265-FF93-3DD2-1D94BDFA4259}"/>
+              </a:ext>
+            </a:extLst>
+          </p:cNvPr>
+          <p:cNvPicPr>
+            <a:picLocks noChangeAspect="1" noChangeArrowheads="1"/>
+          </p:cNvPicPr>
+          <p:nvPr/>
+        </p:nvPicPr>
+        <p:blipFill>
+          <a:blip r:embed="rId2">
+            <a:extLst>
+              <a:ext uri="{28A0092B-C50C-407E-A947-70E740481C1C}">
+                <a14:useLocalDpi xmlns:a14="http://schemas.microsoft.com/office/drawing/2010/main" val="0"/>
+              </a:ext>
+            </a:extLst>
+          </a:blip>
+          <a:srcRect/>
+          <a:stretch>
+            <a:fillRect/>
+          </a:stretch>
+        </p:blipFill>
+        <p:spPr bwMode="auto">
+          <a:xfrm>
+            <a:off x="8620369" y="3709255"/>
+            <a:ext cx="2467708" cy="2467708"/>
+          </a:xfrm>
+          <a:prstGeom prst="rect">
+            <a:avLst/>
+          </a:prstGeom>
+          <a:noFill/>
+          <a:extLst>
+            <a:ext uri="{909E8E84-426E-40DD-AFC4-6F175D3DCCD1}">
+              <a14:hiddenFill xmlns:a14="http://schemas.microsoft.com/office/drawing/2010/main">
+                <a:solidFill>
+                  <a:srgbClr val="FFFFFF"/>
+                </a:solidFill>
+              </a14:hiddenFill>
+            </a:ext>
+          </a:extLst>
+        </p:spPr>
+      </p:pic>
+    </p:spTree>
+    <p:extLst>
+      <p:ext uri="{BB962C8B-B14F-4D97-AF65-F5344CB8AC3E}">
+        <p14:creationId xmlns:p14="http://schemas.microsoft.com/office/powerpoint/2010/main" val="3243233379"/>
+      </p:ext>
+    </p:extLst>
+  </p:cSld>
+  <p:clrMapOvr>
+    <a:masterClrMapping/>
+  </p:clrMapOvr>
+</p:sld>
+</file>
+
 <file path=ppt/slides/slide7.xml><?xml version="1.0" encoding="utf-8"?>
 <p:sld xmlns:a="http://schemas.openxmlformats.org/drawingml/2006/main" xmlns:r="http://schemas.openxmlformats.org/officeDocument/2006/relationships" xmlns:p="http://schemas.openxmlformats.org/presentationml/2006/main">
   <p:cSld>
@@ -8682,7 +9069,7 @@
           <p:cNvPr id="2" name="标题 1">
             <a:extLst>
               <a:ext uri="{FF2B5EF4-FFF2-40B4-BE49-F238E27FC236}">
-                <a16:creationId xmlns:a16="http://schemas.microsoft.com/office/drawing/2014/main" id="{9F503F54-AB57-4AFF-2C4B-5AA15A1392C1}"/>
+                <a16:creationId xmlns:a16="http://schemas.microsoft.com/office/drawing/2014/main" id="{5D91B373-4DA1-3F20-B3B7-5C29897E4235}"/>
               </a:ext>
             </a:extLst>
           </p:cNvPr>
@@ -8699,232 +9086,84 @@
           <a:lstStyle/>
           <a:p>
             <a:r>
-              <a:rPr lang="en-US" altLang="zh-CN" dirty="0"/>
-              <a:t>Audio</a:t>
-            </a:r>
-            <a:r>
-              <a:rPr lang="zh-CN" altLang="en-US" dirty="0"/>
-              <a:t>产品线情况</a:t>
-            </a:r>
-          </a:p>
-        </p:txBody>
-      </p:sp>
-      <p:sp>
-        <p:nvSpPr>
-          <p:cNvPr id="3" name="内容占位符 2">
-            <a:extLst>
-              <a:ext uri="{FF2B5EF4-FFF2-40B4-BE49-F238E27FC236}">
-                <a16:creationId xmlns:a16="http://schemas.microsoft.com/office/drawing/2014/main" id="{6A3F4699-1CB3-6603-26C3-D86811A06FEB}"/>
-              </a:ext>
-            </a:extLst>
-          </p:cNvPr>
-          <p:cNvSpPr>
-            <a:spLocks noGrp="1"/>
-          </p:cNvSpPr>
-          <p:nvPr>
-            <p:ph idx="1"/>
-          </p:nvPr>
-        </p:nvSpPr>
-        <p:spPr/>
-        <p:txBody>
-          <a:bodyPr/>
-          <a:lstStyle/>
-          <a:p>
-            <a:r>
-              <a:rPr lang="zh-CN" altLang="en-US" dirty="0"/>
-              <a:t>音频编解码器</a:t>
-            </a:r>
-            <a:endParaRPr lang="en-US" altLang="zh-CN" dirty="0"/>
-          </a:p>
-          <a:p>
-            <a:pPr lvl="1"/>
-            <a:r>
-              <a:rPr lang="en-US" altLang="zh-CN" dirty="0"/>
-              <a:t>PC</a:t>
-            </a:r>
-            <a:r>
-              <a:rPr lang="zh-CN" altLang="en-US" dirty="0"/>
-              <a:t>音频、声卡</a:t>
-            </a:r>
-            <a:endParaRPr lang="en-US" altLang="zh-CN" dirty="0"/>
-          </a:p>
-          <a:p>
-            <a:pPr lvl="2"/>
-            <a:r>
-              <a:rPr lang="zh-CN" altLang="en-US" dirty="0"/>
-              <a:t>销量占比：</a:t>
-            </a:r>
-            <a:r>
-              <a:rPr lang="en-US" altLang="zh-CN" dirty="0"/>
-              <a:t>20</a:t>
-            </a:r>
-            <a:r>
-              <a:rPr lang="zh-CN" altLang="en-US" dirty="0"/>
-              <a:t>年</a:t>
-            </a:r>
-            <a:r>
-              <a:rPr lang="en-US" altLang="zh-CN" dirty="0"/>
-              <a:t>2%</a:t>
-            </a:r>
-            <a:r>
-              <a:rPr lang="zh-CN" altLang="en-US" dirty="0"/>
-              <a:t>，</a:t>
-            </a:r>
-            <a:r>
-              <a:rPr lang="en-US" altLang="zh-CN" dirty="0"/>
-              <a:t>21</a:t>
-            </a:r>
-            <a:r>
-              <a:rPr lang="zh-CN" altLang="en-US" dirty="0"/>
-              <a:t>年</a:t>
-            </a:r>
-            <a:r>
-              <a:rPr lang="en-US" altLang="zh-CN" dirty="0"/>
-              <a:t>3%</a:t>
-            </a:r>
-          </a:p>
-          <a:p>
-            <a:pPr lvl="2"/>
-            <a:r>
-              <a:rPr lang="zh-CN" altLang="en-US" b="0" i="0" dirty="0">
-                <a:solidFill>
-                  <a:srgbClr val="333333"/>
-                </a:solidFill>
-                <a:effectLst/>
-                <a:latin typeface="PingFang SC"/>
-              </a:rPr>
-              <a:t>市场份额占比：瑞昱占据网卡和声卡市场超过</a:t>
-            </a:r>
-            <a:r>
-              <a:rPr lang="en-US" altLang="zh-CN" b="0" i="0" dirty="0">
-                <a:solidFill>
-                  <a:srgbClr val="333333"/>
-                </a:solidFill>
-                <a:effectLst/>
-                <a:latin typeface="PingFang SC"/>
-              </a:rPr>
-              <a:t>70%</a:t>
-            </a:r>
-            <a:r>
-              <a:rPr lang="zh-CN" altLang="en-US" b="0" i="0" dirty="0">
-                <a:solidFill>
-                  <a:srgbClr val="333333"/>
-                </a:solidFill>
-                <a:effectLst/>
-                <a:latin typeface="PingFang SC"/>
-              </a:rPr>
-              <a:t>的份额，以高性价比独步天下</a:t>
-            </a:r>
-            <a:endParaRPr lang="en-US" altLang="zh-CN" dirty="0"/>
-          </a:p>
-          <a:p>
-            <a:pPr lvl="2"/>
-            <a:r>
-              <a:rPr lang="zh-CN" altLang="en-US" dirty="0"/>
-              <a:t>竞争对手：</a:t>
-            </a:r>
-            <a:r>
-              <a:rPr lang="en-US" altLang="zh-CN" dirty="0"/>
-              <a:t>Cirrus Logic(10%)</a:t>
-            </a:r>
-            <a:r>
-              <a:rPr lang="zh-CN" altLang="en-US" dirty="0"/>
-              <a:t>、</a:t>
-            </a:r>
-            <a:r>
-              <a:rPr lang="en-US" altLang="zh-CN" dirty="0"/>
-              <a:t>Tempo-Semi (10%) </a:t>
-            </a:r>
-            <a:r>
-              <a:rPr lang="zh-CN" altLang="en-US" dirty="0"/>
-              <a:t>、</a:t>
-            </a:r>
-            <a:r>
-              <a:rPr lang="en-US" altLang="zh-CN" dirty="0"/>
-              <a:t>NXP (5%) </a:t>
-            </a:r>
-            <a:r>
-              <a:rPr lang="zh-CN" altLang="en-US" dirty="0"/>
-              <a:t>、</a:t>
-            </a:r>
-            <a:r>
-              <a:rPr lang="en-US" altLang="zh-CN" dirty="0"/>
-              <a:t>ADI (5%)</a:t>
-            </a:r>
-          </a:p>
-          <a:p>
-            <a:pPr lvl="1"/>
-            <a:r>
-              <a:rPr lang="zh-CN" altLang="en-US" dirty="0"/>
-              <a:t>消费类音频</a:t>
-            </a:r>
-            <a:endParaRPr lang="en-US" altLang="zh-CN" dirty="0"/>
-          </a:p>
-          <a:p>
-            <a:pPr lvl="1"/>
-            <a:endParaRPr lang="en-US" altLang="zh-CN" dirty="0"/>
-          </a:p>
-          <a:p>
-            <a:pPr lvl="1"/>
-            <a:r>
-              <a:rPr lang="zh-CN" altLang="en-US" dirty="0"/>
-              <a:t>应用产品：</a:t>
-            </a:r>
-            <a:endParaRPr lang="en-US" altLang="zh-CN" dirty="0"/>
-          </a:p>
-          <a:p>
-            <a:pPr lvl="2"/>
-            <a:r>
-              <a:rPr lang="en-US" altLang="zh-CN" dirty="0"/>
-              <a:t>TV</a:t>
-            </a:r>
-            <a:r>
-              <a:rPr lang="zh-CN" altLang="en-US" dirty="0"/>
-              <a:t>：中国厂商占据了 </a:t>
-            </a:r>
-            <a:r>
-              <a:rPr lang="en-US" altLang="zh-CN" dirty="0"/>
-              <a:t>50%</a:t>
-            </a:r>
-            <a:r>
-              <a:rPr lang="zh-CN" altLang="en-US" dirty="0"/>
-              <a:t>以上的份额，联发科电视芯片市占率处于全球第一的位置，份额大约在 </a:t>
-            </a:r>
-            <a:r>
-              <a:rPr lang="en-US" altLang="zh-CN" dirty="0"/>
-              <a:t>50%</a:t>
-            </a:r>
-            <a:r>
-              <a:rPr lang="zh-CN" altLang="en-US" dirty="0"/>
-              <a:t>左右、</a:t>
-            </a:r>
-            <a:r>
-              <a:rPr lang="en-US" altLang="zh-CN" dirty="0"/>
-              <a:t>PC</a:t>
-            </a:r>
-            <a:r>
-              <a:rPr lang="zh-CN" altLang="en-US" dirty="0"/>
-              <a:t>、笔电、</a:t>
-            </a:r>
-            <a:endParaRPr lang="en-US" altLang="zh-CN" dirty="0"/>
-          </a:p>
-          <a:p>
-            <a:r>
               <a:rPr lang="zh-CN" altLang="en-US" dirty="0"/>
               <a:t>蓝牙</a:t>
             </a:r>
-            <a:endParaRPr lang="en-US" altLang="zh-CN" dirty="0"/>
-          </a:p>
-          <a:p>
-            <a:pPr lvl="1"/>
-            <a:endParaRPr lang="zh-CN" altLang="en-US" dirty="0"/>
+            <a:r>
+              <a:rPr lang="en-US" altLang="zh-CN" dirty="0"/>
+              <a:t> </a:t>
+            </a:r>
+            <a:r>
+              <a:rPr lang="zh-CN" altLang="en-US" dirty="0"/>
+              <a:t>产品线</a:t>
+            </a:r>
           </a:p>
         </p:txBody>
       </p:sp>
+      <p:pic>
+        <p:nvPicPr>
+          <p:cNvPr id="4" name="图片 3">
+            <a:extLst>
+              <a:ext uri="{FF2B5EF4-FFF2-40B4-BE49-F238E27FC236}">
+                <a16:creationId xmlns:a16="http://schemas.microsoft.com/office/drawing/2014/main" id="{B26386DE-A862-F346-C1DE-23E86B9DAFA6}"/>
+              </a:ext>
+            </a:extLst>
+          </p:cNvPr>
+          <p:cNvPicPr>
+            <a:picLocks noChangeAspect="1"/>
+          </p:cNvPicPr>
+          <p:nvPr/>
+        </p:nvPicPr>
+        <p:blipFill>
+          <a:blip r:embed="rId2"/>
+          <a:stretch>
+            <a:fillRect/>
+          </a:stretch>
+        </p:blipFill>
+        <p:spPr>
+          <a:xfrm>
+            <a:off x="548028" y="1424941"/>
+            <a:ext cx="7359482" cy="4612240"/>
+          </a:xfrm>
+          <a:prstGeom prst="rect">
+            <a:avLst/>
+          </a:prstGeom>
+        </p:spPr>
+      </p:pic>
+      <p:pic>
+        <p:nvPicPr>
+          <p:cNvPr id="5" name="图片 4">
+            <a:extLst>
+              <a:ext uri="{FF2B5EF4-FFF2-40B4-BE49-F238E27FC236}">
+                <a16:creationId xmlns:a16="http://schemas.microsoft.com/office/drawing/2014/main" id="{E67B22C9-2271-A175-18A0-73AEC5BDF838}"/>
+              </a:ext>
+            </a:extLst>
+          </p:cNvPr>
+          <p:cNvPicPr>
+            <a:picLocks noChangeAspect="1"/>
+          </p:cNvPicPr>
+          <p:nvPr/>
+        </p:nvPicPr>
+        <p:blipFill>
+          <a:blip r:embed="rId3"/>
+          <a:stretch>
+            <a:fillRect/>
+          </a:stretch>
+        </p:blipFill>
+        <p:spPr>
+          <a:xfrm>
+            <a:off x="9108277" y="0"/>
+            <a:ext cx="3083723" cy="2153539"/>
+          </a:xfrm>
+          <a:prstGeom prst="rect">
+            <a:avLst/>
+          </a:prstGeom>
+        </p:spPr>
+      </p:pic>
     </p:spTree>
     <p:extLst>
       <p:ext uri="{BB962C8B-B14F-4D97-AF65-F5344CB8AC3E}">
-        <p14:creationId xmlns:p14="http://schemas.microsoft.com/office/powerpoint/2010/main" val="1653366859"/>
+        <p14:creationId xmlns:p14="http://schemas.microsoft.com/office/powerpoint/2010/main" val="4057805692"/>
       </p:ext>
     </p:extLst>
   </p:cSld>
@@ -8956,7 +9195,7 @@
           <p:cNvPr id="2" name="标题 1">
             <a:extLst>
               <a:ext uri="{FF2B5EF4-FFF2-40B4-BE49-F238E27FC236}">
-                <a16:creationId xmlns:a16="http://schemas.microsoft.com/office/drawing/2014/main" id="{BEAF98A0-7370-0D33-7C78-970F412FE7CD}"/>
+                <a16:creationId xmlns:a16="http://schemas.microsoft.com/office/drawing/2014/main" id="{D401DBA5-853A-8BC1-075D-BB031ECEB4C0}"/>
               </a:ext>
             </a:extLst>
           </p:cNvPr>
@@ -8973,248 +9212,51 @@
           <a:lstStyle/>
           <a:p>
             <a:r>
-              <a:rPr lang="en-US" altLang="zh-CN" dirty="0"/>
-              <a:t>PC</a:t>
-            </a:r>
-            <a:r>
               <a:rPr lang="zh-CN" altLang="en-US" dirty="0"/>
-              <a:t>声卡</a:t>
-            </a:r>
-            <a:r>
-              <a:rPr lang="en-US" altLang="zh-CN" dirty="0"/>
-              <a:t>—HD Audio</a:t>
-            </a:r>
-            <a:r>
-              <a:rPr lang="zh-CN" altLang="en-US" dirty="0"/>
-              <a:t>音频技术规范 </a:t>
+              <a:t>小米是国内使用瑞昱较多的品牌</a:t>
             </a:r>
           </a:p>
         </p:txBody>
       </p:sp>
-      <p:sp>
-        <p:nvSpPr>
-          <p:cNvPr id="3" name="内容占位符 2">
-            <a:extLst>
-              <a:ext uri="{FF2B5EF4-FFF2-40B4-BE49-F238E27FC236}">
-                <a16:creationId xmlns:a16="http://schemas.microsoft.com/office/drawing/2014/main" id="{A805F199-452D-834B-8B38-6F9D37E27589}"/>
-              </a:ext>
-            </a:extLst>
-          </p:cNvPr>
-          <p:cNvSpPr>
-            <a:spLocks noGrp="1"/>
-          </p:cNvSpPr>
+      <p:pic>
+        <p:nvPicPr>
+          <p:cNvPr id="5" name="内容占位符 4">
+            <a:extLst>
+              <a:ext uri="{FF2B5EF4-FFF2-40B4-BE49-F238E27FC236}">
+                <a16:creationId xmlns:a16="http://schemas.microsoft.com/office/drawing/2014/main" id="{02456E23-CF2F-651A-36F9-4CF156E73FEB}"/>
+              </a:ext>
+            </a:extLst>
+          </p:cNvPr>
+          <p:cNvPicPr>
+            <a:picLocks noGrp="1" noChangeAspect="1"/>
+          </p:cNvPicPr>
           <p:nvPr>
             <p:ph idx="1"/>
           </p:nvPr>
-        </p:nvSpPr>
-        <p:spPr/>
-        <p:txBody>
-          <a:bodyPr>
-            <a:normAutofit/>
-          </a:bodyPr>
-          <a:lstStyle/>
-          <a:p>
-            <a:r>
-              <a:rPr lang="en-US" altLang="zh-CN" dirty="0"/>
-              <a:t>HD Audio</a:t>
-            </a:r>
-          </a:p>
-          <a:p>
-            <a:pPr lvl="1"/>
-            <a:r>
-              <a:rPr lang="en-US" altLang="zh-CN" dirty="0"/>
-              <a:t>High Definition Audio Codecs</a:t>
-            </a:r>
-          </a:p>
-          <a:p>
-            <a:r>
-              <a:rPr lang="zh-CN" altLang="en-US" dirty="0"/>
-              <a:t>符合</a:t>
-            </a:r>
-            <a:r>
-              <a:rPr lang="en-US" altLang="zh-CN" dirty="0"/>
-              <a:t>HD Audio</a:t>
-            </a:r>
-            <a:r>
-              <a:rPr lang="zh-CN" altLang="en-US" dirty="0"/>
-              <a:t>规范的芯片：</a:t>
-            </a:r>
-            <a:endParaRPr lang="en-US" altLang="zh-CN" dirty="0"/>
-          </a:p>
-          <a:p>
-            <a:pPr lvl="1"/>
-            <a:r>
-              <a:rPr lang="en-US" altLang="zh-CN" dirty="0"/>
-              <a:t>Realtek</a:t>
-            </a:r>
-            <a:r>
-              <a:rPr lang="zh-CN" altLang="en-US" dirty="0"/>
-              <a:t>瑞昱：</a:t>
-            </a:r>
-            <a:r>
-              <a:rPr lang="en-US" altLang="zh-CN" dirty="0"/>
-              <a:t>ALC880</a:t>
-            </a:r>
-            <a:r>
-              <a:rPr lang="zh-CN" altLang="en-US" dirty="0"/>
-              <a:t>、</a:t>
-            </a:r>
-            <a:r>
-              <a:rPr lang="en-US" altLang="zh-CN" dirty="0"/>
-              <a:t>ALC882</a:t>
-            </a:r>
-            <a:r>
-              <a:rPr lang="zh-CN" altLang="en-US" dirty="0"/>
-              <a:t>、</a:t>
-            </a:r>
-            <a:r>
-              <a:rPr lang="en-US" altLang="zh-CN" dirty="0"/>
-              <a:t>ALC883</a:t>
-            </a:r>
-            <a:r>
-              <a:rPr lang="zh-CN" altLang="en-US" dirty="0"/>
-              <a:t>、</a:t>
-            </a:r>
-            <a:r>
-              <a:rPr lang="en-US" altLang="zh-CN" dirty="0"/>
-              <a:t>ALC885</a:t>
-            </a:r>
-            <a:r>
-              <a:rPr lang="zh-CN" altLang="en-US" dirty="0"/>
-              <a:t>、</a:t>
-            </a:r>
-            <a:r>
-              <a:rPr lang="en-US" altLang="zh-CN" dirty="0"/>
-              <a:t>ALC888</a:t>
-            </a:r>
-            <a:r>
-              <a:rPr lang="zh-CN" altLang="en-US" dirty="0"/>
-              <a:t>、</a:t>
-            </a:r>
-            <a:r>
-              <a:rPr lang="en-US" altLang="zh-CN" dirty="0"/>
-              <a:t>ALC260</a:t>
-            </a:r>
-            <a:r>
-              <a:rPr lang="zh-CN" altLang="en-US" dirty="0"/>
-              <a:t>、</a:t>
-            </a:r>
-            <a:r>
-              <a:rPr lang="en-US" altLang="zh-CN" dirty="0"/>
-              <a:t>ALC262</a:t>
-            </a:r>
-            <a:r>
-              <a:rPr lang="zh-CN" altLang="en-US" dirty="0"/>
-              <a:t>、</a:t>
-            </a:r>
-            <a:r>
-              <a:rPr lang="en-US" altLang="zh-CN" dirty="0"/>
-              <a:t>ALC268</a:t>
-            </a:r>
-            <a:r>
-              <a:rPr lang="zh-CN" altLang="en-US" dirty="0"/>
-              <a:t>、</a:t>
-            </a:r>
-            <a:r>
-              <a:rPr lang="en-US" altLang="zh-CN" dirty="0"/>
-              <a:t>ALC861</a:t>
-            </a:r>
-            <a:r>
-              <a:rPr lang="zh-CN" altLang="en-US" dirty="0"/>
-              <a:t>等</a:t>
-            </a:r>
-            <a:endParaRPr lang="en-US" altLang="zh-CN" dirty="0"/>
-          </a:p>
-          <a:p>
-            <a:pPr lvl="1"/>
-            <a:r>
-              <a:rPr lang="zh-CN" altLang="en-US" dirty="0"/>
-              <a:t>其他厂商：</a:t>
-            </a:r>
-            <a:r>
-              <a:rPr lang="en-US" altLang="zh-CN" dirty="0" err="1"/>
-              <a:t>Cmedia</a:t>
-            </a:r>
-            <a:r>
-              <a:rPr lang="zh-CN" altLang="en-US" dirty="0"/>
-              <a:t>、</a:t>
-            </a:r>
-            <a:r>
-              <a:rPr lang="en-US" altLang="zh-CN" dirty="0"/>
-              <a:t>ADI</a:t>
-            </a:r>
-            <a:r>
-              <a:rPr lang="zh-CN" altLang="en-US" dirty="0"/>
-              <a:t>、</a:t>
-            </a:r>
-            <a:r>
-              <a:rPr lang="en-US" altLang="zh-CN" dirty="0"/>
-              <a:t> </a:t>
-            </a:r>
-            <a:r>
-              <a:rPr lang="en-US" altLang="zh-CN" dirty="0" err="1"/>
-              <a:t>Sigmatel</a:t>
-            </a:r>
-            <a:r>
-              <a:rPr lang="zh-CN" altLang="en-US" dirty="0"/>
-              <a:t>、</a:t>
-            </a:r>
-            <a:r>
-              <a:rPr lang="en-US" altLang="zh-CN" dirty="0"/>
-              <a:t>VIA</a:t>
-            </a:r>
-          </a:p>
-          <a:p>
-            <a:r>
-              <a:rPr lang="zh-CN" altLang="en-US" dirty="0"/>
-              <a:t>主要应用</a:t>
-            </a:r>
-            <a:endParaRPr lang="en-US" altLang="zh-CN" dirty="0"/>
-          </a:p>
-          <a:p>
-            <a:pPr lvl="1"/>
-            <a:r>
-              <a:rPr lang="zh-CN" altLang="en-US" dirty="0"/>
-              <a:t>笔记本电脑</a:t>
-            </a:r>
-            <a:endParaRPr lang="en-US" altLang="zh-CN" dirty="0"/>
-          </a:p>
-          <a:p>
-            <a:pPr lvl="1"/>
-            <a:r>
-              <a:rPr lang="en-US" altLang="zh-CN" b="0" i="0" dirty="0">
-                <a:solidFill>
-                  <a:srgbClr val="666666"/>
-                </a:solidFill>
-                <a:effectLst/>
-                <a:latin typeface="Ubuntu" panose="020B0504030602030204" pitchFamily="34" charset="0"/>
-              </a:rPr>
-              <a:t>PCI</a:t>
-            </a:r>
-            <a:r>
-              <a:rPr lang="zh-CN" altLang="en-US" b="0" i="0" dirty="0">
-                <a:solidFill>
-                  <a:srgbClr val="666666"/>
-                </a:solidFill>
-                <a:effectLst/>
-                <a:latin typeface="Ubuntu" panose="020B0504030602030204" pitchFamily="34" charset="0"/>
-              </a:rPr>
-              <a:t>声卡？？</a:t>
-            </a:r>
-            <a:endParaRPr lang="en-US" altLang="zh-CN" dirty="0"/>
-          </a:p>
-          <a:p>
-            <a:r>
-              <a:rPr lang="zh-CN" altLang="en-US" dirty="0"/>
-              <a:t>出货占比</a:t>
-            </a:r>
-          </a:p>
-        </p:txBody>
-      </p:sp>
+        </p:nvPicPr>
+        <p:blipFill>
+          <a:blip r:embed="rId2">
+            <a:extLst>
+              <a:ext uri="{28A0092B-C50C-407E-A947-70E740481C1C}">
+                <a14:useLocalDpi xmlns:a14="http://schemas.microsoft.com/office/drawing/2010/main" val="0"/>
+              </a:ext>
+            </a:extLst>
+          </a:blip>
+          <a:stretch>
+            <a:fillRect/>
+          </a:stretch>
+        </p:blipFill>
+        <p:spPr>
+          <a:xfrm>
+            <a:off x="2558383" y="1825625"/>
+            <a:ext cx="7075234" cy="4351338"/>
+          </a:xfrm>
+        </p:spPr>
+      </p:pic>
     </p:spTree>
     <p:extLst>
       <p:ext uri="{BB962C8B-B14F-4D97-AF65-F5344CB8AC3E}">
-        <p14:creationId xmlns:p14="http://schemas.microsoft.com/office/powerpoint/2010/main" val="4275385750"/>
+        <p14:creationId xmlns:p14="http://schemas.microsoft.com/office/powerpoint/2010/main" val="2613768486"/>
       </p:ext>
     </p:extLst>
   </p:cSld>
@@ -9246,7 +9288,7 @@
           <p:cNvPr id="2" name="标题 1">
             <a:extLst>
               <a:ext uri="{FF2B5EF4-FFF2-40B4-BE49-F238E27FC236}">
-                <a16:creationId xmlns:a16="http://schemas.microsoft.com/office/drawing/2014/main" id="{16A22911-6A67-F1F4-1359-653E55AF475E}"/>
+                <a16:creationId xmlns:a16="http://schemas.microsoft.com/office/drawing/2014/main" id="{D31F25CB-930E-A67A-1833-D50C47409F1D}"/>
               </a:ext>
             </a:extLst>
           </p:cNvPr>
@@ -9264,52 +9306,54 @@
           <a:p>
             <a:r>
               <a:rPr lang="en-US" altLang="zh-CN" dirty="0"/>
-              <a:t>PC</a:t>
+              <a:t>Audio</a:t>
             </a:r>
             <a:r>
               <a:rPr lang="zh-CN" altLang="en-US" dirty="0"/>
-              <a:t>声卡</a:t>
-            </a:r>
-            <a:r>
-              <a:rPr lang="en-US" altLang="zh-CN" dirty="0"/>
-              <a:t>—AC'97</a:t>
-            </a:r>
-            <a:r>
-              <a:rPr lang="zh-CN" altLang="en-US" dirty="0"/>
-              <a:t>音频技术规范</a:t>
+              <a:t>芯片的对比</a:t>
             </a:r>
           </a:p>
         </p:txBody>
       </p:sp>
-      <p:sp>
-        <p:nvSpPr>
-          <p:cNvPr id="3" name="内容占位符 2">
-            <a:extLst>
-              <a:ext uri="{FF2B5EF4-FFF2-40B4-BE49-F238E27FC236}">
-                <a16:creationId xmlns:a16="http://schemas.microsoft.com/office/drawing/2014/main" id="{3837AD90-D308-2A6C-CD59-68928B1CDA45}"/>
-              </a:ext>
-            </a:extLst>
-          </p:cNvPr>
-          <p:cNvSpPr>
-            <a:spLocks noGrp="1"/>
-          </p:cNvSpPr>
+      <p:pic>
+        <p:nvPicPr>
+          <p:cNvPr id="5" name="内容占位符 4">
+            <a:extLst>
+              <a:ext uri="{FF2B5EF4-FFF2-40B4-BE49-F238E27FC236}">
+                <a16:creationId xmlns:a16="http://schemas.microsoft.com/office/drawing/2014/main" id="{4F72D5FE-0101-C3AA-7865-E17052EACD12}"/>
+              </a:ext>
+            </a:extLst>
+          </p:cNvPr>
+          <p:cNvPicPr>
+            <a:picLocks noGrp="1" noChangeAspect="1"/>
+          </p:cNvPicPr>
           <p:nvPr>
             <p:ph idx="1"/>
           </p:nvPr>
-        </p:nvSpPr>
-        <p:spPr/>
-        <p:txBody>
-          <a:bodyPr/>
-          <a:lstStyle/>
-          <a:p>
-            <a:endParaRPr lang="zh-CN" altLang="en-US"/>
-          </a:p>
-        </p:txBody>
-      </p:sp>
+        </p:nvPicPr>
+        <p:blipFill>
+          <a:blip r:embed="rId2">
+            <a:extLst>
+              <a:ext uri="{28A0092B-C50C-407E-A947-70E740481C1C}">
+                <a14:useLocalDpi xmlns:a14="http://schemas.microsoft.com/office/drawing/2010/main" val="0"/>
+              </a:ext>
+            </a:extLst>
+          </a:blip>
+          <a:stretch>
+            <a:fillRect/>
+          </a:stretch>
+        </p:blipFill>
+        <p:spPr>
+          <a:xfrm>
+            <a:off x="838200" y="2382573"/>
+            <a:ext cx="10515600" cy="3237441"/>
+          </a:xfrm>
+        </p:spPr>
+      </p:pic>
     </p:spTree>
     <p:extLst>
       <p:ext uri="{BB962C8B-B14F-4D97-AF65-F5344CB8AC3E}">
-        <p14:creationId xmlns:p14="http://schemas.microsoft.com/office/powerpoint/2010/main" val="1971980735"/>
+        <p14:creationId xmlns:p14="http://schemas.microsoft.com/office/powerpoint/2010/main" val="1338407200"/>
       </p:ext>
     </p:extLst>
   </p:cSld>

--- a/2023/02产品/SNC8x/01)竞品分析/00)竞品芯片分析/品牌产品路线分析/Realtek/Realtek产品线分析2.pptx
+++ b/2023/02产品/SNC8x/01)竞品分析/00)竞品芯片分析/品牌产品路线分析/Realtek/Realtek产品线分析2.pptx
@@ -5,26 +5,33 @@
     <p:sldMasterId id="2147483648" r:id="rId1"/>
   </p:sldMasterIdLst>
   <p:notesMasterIdLst>
-    <p:notesMasterId r:id="rId19"/>
+    <p:notesMasterId r:id="rId26"/>
   </p:notesMasterIdLst>
   <p:sldIdLst>
     <p:sldId id="256" r:id="rId2"/>
     <p:sldId id="265" r:id="rId3"/>
-    <p:sldId id="268" r:id="rId4"/>
-    <p:sldId id="258" r:id="rId5"/>
-    <p:sldId id="270" r:id="rId6"/>
-    <p:sldId id="273" r:id="rId7"/>
-    <p:sldId id="264" r:id="rId8"/>
-    <p:sldId id="261" r:id="rId9"/>
-    <p:sldId id="262" r:id="rId10"/>
-    <p:sldId id="263" r:id="rId11"/>
-    <p:sldId id="266" r:id="rId12"/>
-    <p:sldId id="260" r:id="rId13"/>
-    <p:sldId id="269" r:id="rId14"/>
-    <p:sldId id="259" r:id="rId15"/>
-    <p:sldId id="271" r:id="rId16"/>
-    <p:sldId id="272" r:id="rId17"/>
-    <p:sldId id="267" r:id="rId18"/>
+    <p:sldId id="274" r:id="rId4"/>
+    <p:sldId id="275" r:id="rId5"/>
+    <p:sldId id="258" r:id="rId6"/>
+    <p:sldId id="268" r:id="rId7"/>
+    <p:sldId id="270" r:id="rId8"/>
+    <p:sldId id="279" r:id="rId9"/>
+    <p:sldId id="276" r:id="rId10"/>
+    <p:sldId id="264" r:id="rId11"/>
+    <p:sldId id="261" r:id="rId12"/>
+    <p:sldId id="277" r:id="rId13"/>
+    <p:sldId id="278" r:id="rId14"/>
+    <p:sldId id="262" r:id="rId15"/>
+    <p:sldId id="280" r:id="rId16"/>
+    <p:sldId id="273" r:id="rId17"/>
+    <p:sldId id="263" r:id="rId18"/>
+    <p:sldId id="266" r:id="rId19"/>
+    <p:sldId id="260" r:id="rId20"/>
+    <p:sldId id="269" r:id="rId21"/>
+    <p:sldId id="259" r:id="rId22"/>
+    <p:sldId id="271" r:id="rId23"/>
+    <p:sldId id="272" r:id="rId24"/>
+    <p:sldId id="267" r:id="rId25"/>
   </p:sldIdLst>
   <p:sldSz cx="12192000" cy="6858000"/>
   <p:notesSz cx="6858000" cy="9144000"/>
@@ -124,6 +131,46 @@
     </a:lvl9pPr>
   </p:defaultTextStyle>
   <p:extLst>
+    <p:ext uri="{521415D9-36F7-43E2-AB2F-B90AF26B5E84}">
+      <p14:sectionLst xmlns:p14="http://schemas.microsoft.com/office/powerpoint/2010/main">
+        <p14:section name="默认节" id="{AA360A88-545B-F346-B8C8-BD3132B5D57F}">
+          <p14:sldIdLst>
+            <p14:sldId id="256"/>
+            <p14:sldId id="265"/>
+            <p14:sldId id="274"/>
+            <p14:sldId id="275"/>
+            <p14:sldId id="258"/>
+            <p14:sldId id="268"/>
+            <p14:sldId id="270"/>
+          </p14:sldIdLst>
+        </p14:section>
+        <p14:section name="无线产品" id="{29BA8E00-06BC-6E42-862D-F28F0E84654B}">
+          <p14:sldIdLst>
+            <p14:sldId id="279"/>
+            <p14:sldId id="276"/>
+            <p14:sldId id="264"/>
+            <p14:sldId id="261"/>
+            <p14:sldId id="277"/>
+            <p14:sldId id="278"/>
+          </p14:sldIdLst>
+        </p14:section>
+        <p14:section name="音频编解码" id="{CBB7A4E8-E55C-CC4B-BF7F-70E63E1FBC4F}">
+          <p14:sldIdLst>
+            <p14:sldId id="262"/>
+            <p14:sldId id="280"/>
+            <p14:sldId id="273"/>
+            <p14:sldId id="263"/>
+            <p14:sldId id="266"/>
+            <p14:sldId id="260"/>
+            <p14:sldId id="269"/>
+            <p14:sldId id="259"/>
+            <p14:sldId id="271"/>
+            <p14:sldId id="272"/>
+            <p14:sldId id="267"/>
+          </p14:sldIdLst>
+        </p14:section>
+      </p14:sectionLst>
+    </p:ext>
     <p:ext uri="{EFAFB233-063F-42B5-8137-9DF3F51BA10A}">
       <p15:sldGuideLst xmlns:p15="http://schemas.microsoft.com/office/powerpoint/2012/main"/>
     </p:ext>
@@ -213,7 +260,7 @@
           <a:p>
             <a:fld id="{28EA0F69-1204-4BA0-B38F-9FCC649F2CF7}" type="datetimeFigureOut">
               <a:rPr lang="zh-CN" altLang="en-US" smtClean="0"/>
-              <a:t>2023/5/19</a:t>
+              <a:t>2023/5/21</a:t>
             </a:fld>
             <a:endParaRPr lang="zh-CN" altLang="en-US"/>
           </a:p>
@@ -1018,7 +1065,7 @@
           <a:p>
             <a:fld id="{3F04F934-21C7-4C57-A156-D36005DEA771}" type="slidenum">
               <a:rPr lang="zh-CN" altLang="en-US" smtClean="0"/>
-              <a:t>4</a:t>
+              <a:t>5</a:t>
             </a:fld>
             <a:endParaRPr lang="zh-CN" altLang="en-US"/>
           </a:p>
@@ -1184,7 +1231,7 @@
           <a:p>
             <a:fld id="{F0D76D53-A3B4-4B96-A8CF-9D3A30CCA9B8}" type="datetimeFigureOut">
               <a:rPr lang="zh-CN" altLang="en-US" smtClean="0"/>
-              <a:t>2023/5/19</a:t>
+              <a:t>2023/5/21</a:t>
             </a:fld>
             <a:endParaRPr lang="zh-CN" altLang="en-US"/>
           </a:p>
@@ -1382,7 +1429,7 @@
           <a:p>
             <a:fld id="{F0D76D53-A3B4-4B96-A8CF-9D3A30CCA9B8}" type="datetimeFigureOut">
               <a:rPr lang="zh-CN" altLang="en-US" smtClean="0"/>
-              <a:t>2023/5/19</a:t>
+              <a:t>2023/5/21</a:t>
             </a:fld>
             <a:endParaRPr lang="zh-CN" altLang="en-US"/>
           </a:p>
@@ -1590,7 +1637,7 @@
           <a:p>
             <a:fld id="{F0D76D53-A3B4-4B96-A8CF-9D3A30CCA9B8}" type="datetimeFigureOut">
               <a:rPr lang="zh-CN" altLang="en-US" smtClean="0"/>
-              <a:t>2023/5/19</a:t>
+              <a:t>2023/5/21</a:t>
             </a:fld>
             <a:endParaRPr lang="zh-CN" altLang="en-US"/>
           </a:p>
@@ -1788,7 +1835,7 @@
           <a:p>
             <a:fld id="{F0D76D53-A3B4-4B96-A8CF-9D3A30CCA9B8}" type="datetimeFigureOut">
               <a:rPr lang="zh-CN" altLang="en-US" smtClean="0"/>
-              <a:t>2023/5/19</a:t>
+              <a:t>2023/5/21</a:t>
             </a:fld>
             <a:endParaRPr lang="zh-CN" altLang="en-US"/>
           </a:p>
@@ -2063,7 +2110,7 @@
           <a:p>
             <a:fld id="{F0D76D53-A3B4-4B96-A8CF-9D3A30CCA9B8}" type="datetimeFigureOut">
               <a:rPr lang="zh-CN" altLang="en-US" smtClean="0"/>
-              <a:t>2023/5/19</a:t>
+              <a:t>2023/5/21</a:t>
             </a:fld>
             <a:endParaRPr lang="zh-CN" altLang="en-US"/>
           </a:p>
@@ -2328,7 +2375,7 @@
           <a:p>
             <a:fld id="{F0D76D53-A3B4-4B96-A8CF-9D3A30CCA9B8}" type="datetimeFigureOut">
               <a:rPr lang="zh-CN" altLang="en-US" smtClean="0"/>
-              <a:t>2023/5/19</a:t>
+              <a:t>2023/5/21</a:t>
             </a:fld>
             <a:endParaRPr lang="zh-CN" altLang="en-US"/>
           </a:p>
@@ -2740,7 +2787,7 @@
           <a:p>
             <a:fld id="{F0D76D53-A3B4-4B96-A8CF-9D3A30CCA9B8}" type="datetimeFigureOut">
               <a:rPr lang="zh-CN" altLang="en-US" smtClean="0"/>
-              <a:t>2023/5/19</a:t>
+              <a:t>2023/5/21</a:t>
             </a:fld>
             <a:endParaRPr lang="zh-CN" altLang="en-US"/>
           </a:p>
@@ -2881,7 +2928,7 @@
           <a:p>
             <a:fld id="{F0D76D53-A3B4-4B96-A8CF-9D3A30CCA9B8}" type="datetimeFigureOut">
               <a:rPr lang="zh-CN" altLang="en-US" smtClean="0"/>
-              <a:t>2023/5/19</a:t>
+              <a:t>2023/5/21</a:t>
             </a:fld>
             <a:endParaRPr lang="zh-CN" altLang="en-US"/>
           </a:p>
@@ -2994,7 +3041,7 @@
           <a:p>
             <a:fld id="{F0D76D53-A3B4-4B96-A8CF-9D3A30CCA9B8}" type="datetimeFigureOut">
               <a:rPr lang="zh-CN" altLang="en-US" smtClean="0"/>
-              <a:t>2023/5/19</a:t>
+              <a:t>2023/5/21</a:t>
             </a:fld>
             <a:endParaRPr lang="zh-CN" altLang="en-US"/>
           </a:p>
@@ -3305,7 +3352,7 @@
           <a:p>
             <a:fld id="{F0D76D53-A3B4-4B96-A8CF-9D3A30CCA9B8}" type="datetimeFigureOut">
               <a:rPr lang="zh-CN" altLang="en-US" smtClean="0"/>
-              <a:t>2023/5/19</a:t>
+              <a:t>2023/5/21</a:t>
             </a:fld>
             <a:endParaRPr lang="zh-CN" altLang="en-US"/>
           </a:p>
@@ -3593,7 +3640,7 @@
           <a:p>
             <a:fld id="{F0D76D53-A3B4-4B96-A8CF-9D3A30CCA9B8}" type="datetimeFigureOut">
               <a:rPr lang="zh-CN" altLang="en-US" smtClean="0"/>
-              <a:t>2023/5/19</a:t>
+              <a:t>2023/5/21</a:t>
             </a:fld>
             <a:endParaRPr lang="zh-CN" altLang="en-US"/>
           </a:p>
@@ -3834,7 +3881,7 @@
           <a:p>
             <a:fld id="{F0D76D53-A3B4-4B96-A8CF-9D3A30CCA9B8}" type="datetimeFigureOut">
               <a:rPr lang="zh-CN" altLang="en-US" smtClean="0"/>
-              <a:t>2023/5/19</a:t>
+              <a:t>2023/5/21</a:t>
             </a:fld>
             <a:endParaRPr lang="zh-CN" altLang="en-US"/>
           </a:p>
@@ -4336,6 +4383,1699 @@
           <p:cNvPr id="2" name="标题 1">
             <a:extLst>
               <a:ext uri="{FF2B5EF4-FFF2-40B4-BE49-F238E27FC236}">
+                <a16:creationId xmlns:a16="http://schemas.microsoft.com/office/drawing/2014/main" id="{5D91B373-4DA1-3F20-B3B7-5C29897E4235}"/>
+              </a:ext>
+            </a:extLst>
+          </p:cNvPr>
+          <p:cNvSpPr>
+            <a:spLocks noGrp="1"/>
+          </p:cNvSpPr>
+          <p:nvPr>
+            <p:ph type="title"/>
+          </p:nvPr>
+        </p:nvSpPr>
+        <p:spPr/>
+        <p:txBody>
+          <a:bodyPr/>
+          <a:lstStyle/>
+          <a:p>
+            <a:r>
+              <a:rPr lang="zh-CN" altLang="en-US" dirty="0"/>
+              <a:t>蓝牙音频</a:t>
+            </a:r>
+            <a:r>
+              <a:rPr lang="en-US" altLang="zh-CN" dirty="0"/>
+              <a:t> </a:t>
+            </a:r>
+            <a:r>
+              <a:rPr lang="zh-CN" altLang="en-US" dirty="0"/>
+              <a:t>产品线</a:t>
+            </a:r>
+          </a:p>
+        </p:txBody>
+      </p:sp>
+      <p:pic>
+        <p:nvPicPr>
+          <p:cNvPr id="4" name="图片 3">
+            <a:extLst>
+              <a:ext uri="{FF2B5EF4-FFF2-40B4-BE49-F238E27FC236}">
+                <a16:creationId xmlns:a16="http://schemas.microsoft.com/office/drawing/2014/main" id="{B26386DE-A862-F346-C1DE-23E86B9DAFA6}"/>
+              </a:ext>
+            </a:extLst>
+          </p:cNvPr>
+          <p:cNvPicPr>
+            <a:picLocks noChangeAspect="1"/>
+          </p:cNvPicPr>
+          <p:nvPr/>
+        </p:nvPicPr>
+        <p:blipFill>
+          <a:blip r:embed="rId2"/>
+          <a:stretch>
+            <a:fillRect/>
+          </a:stretch>
+        </p:blipFill>
+        <p:spPr>
+          <a:xfrm>
+            <a:off x="838200" y="1274410"/>
+            <a:ext cx="8560249" cy="5364769"/>
+          </a:xfrm>
+          <a:prstGeom prst="rect">
+            <a:avLst/>
+          </a:prstGeom>
+        </p:spPr>
+      </p:pic>
+      <p:pic>
+        <p:nvPicPr>
+          <p:cNvPr id="5" name="图片 4">
+            <a:extLst>
+              <a:ext uri="{FF2B5EF4-FFF2-40B4-BE49-F238E27FC236}">
+                <a16:creationId xmlns:a16="http://schemas.microsoft.com/office/drawing/2014/main" id="{E67B22C9-2271-A175-18A0-73AEC5BDF838}"/>
+              </a:ext>
+            </a:extLst>
+          </p:cNvPr>
+          <p:cNvPicPr>
+            <a:picLocks noChangeAspect="1"/>
+          </p:cNvPicPr>
+          <p:nvPr/>
+        </p:nvPicPr>
+        <p:blipFill>
+          <a:blip r:embed="rId3"/>
+          <a:stretch>
+            <a:fillRect/>
+          </a:stretch>
+        </p:blipFill>
+        <p:spPr>
+          <a:xfrm>
+            <a:off x="9108277" y="0"/>
+            <a:ext cx="3083723" cy="2153539"/>
+          </a:xfrm>
+          <a:prstGeom prst="rect">
+            <a:avLst/>
+          </a:prstGeom>
+        </p:spPr>
+      </p:pic>
+    </p:spTree>
+    <p:extLst>
+      <p:ext uri="{BB962C8B-B14F-4D97-AF65-F5344CB8AC3E}">
+        <p14:creationId xmlns:p14="http://schemas.microsoft.com/office/powerpoint/2010/main" val="4057805692"/>
+      </p:ext>
+    </p:extLst>
+  </p:cSld>
+  <p:clrMapOvr>
+    <a:masterClrMapping/>
+  </p:clrMapOvr>
+</p:sld>
+</file>
+
+<file path=ppt/slides/slide11.xml><?xml version="1.0" encoding="utf-8"?>
+<p:sld xmlns:a="http://schemas.openxmlformats.org/drawingml/2006/main" xmlns:r="http://schemas.openxmlformats.org/officeDocument/2006/relationships" xmlns:p="http://schemas.openxmlformats.org/presentationml/2006/main">
+  <p:cSld>
+    <p:spTree>
+      <p:nvGrpSpPr>
+        <p:cNvPr id="1" name=""/>
+        <p:cNvGrpSpPr/>
+        <p:nvPr/>
+      </p:nvGrpSpPr>
+      <p:grpSpPr>
+        <a:xfrm>
+          <a:off x="0" y="0"/>
+          <a:ext cx="0" cy="0"/>
+          <a:chOff x="0" y="0"/>
+          <a:chExt cx="0" cy="0"/>
+        </a:xfrm>
+      </p:grpSpPr>
+      <p:sp>
+        <p:nvSpPr>
+          <p:cNvPr id="2" name="标题 1">
+            <a:extLst>
+              <a:ext uri="{FF2B5EF4-FFF2-40B4-BE49-F238E27FC236}">
+                <a16:creationId xmlns:a16="http://schemas.microsoft.com/office/drawing/2014/main" id="{D401DBA5-853A-8BC1-075D-BB031ECEB4C0}"/>
+              </a:ext>
+            </a:extLst>
+          </p:cNvPr>
+          <p:cNvSpPr>
+            <a:spLocks noGrp="1"/>
+          </p:cNvSpPr>
+          <p:nvPr>
+            <p:ph type="title"/>
+          </p:nvPr>
+        </p:nvSpPr>
+        <p:spPr/>
+        <p:txBody>
+          <a:bodyPr/>
+          <a:lstStyle/>
+          <a:p>
+            <a:r>
+              <a:rPr lang="zh-CN" altLang="en-US" dirty="0"/>
+              <a:t>小米是国内使用瑞昱较多的品牌</a:t>
+            </a:r>
+          </a:p>
+        </p:txBody>
+      </p:sp>
+      <p:pic>
+        <p:nvPicPr>
+          <p:cNvPr id="5" name="内容占位符 4">
+            <a:extLst>
+              <a:ext uri="{FF2B5EF4-FFF2-40B4-BE49-F238E27FC236}">
+                <a16:creationId xmlns:a16="http://schemas.microsoft.com/office/drawing/2014/main" id="{02456E23-CF2F-651A-36F9-4CF156E73FEB}"/>
+              </a:ext>
+            </a:extLst>
+          </p:cNvPr>
+          <p:cNvPicPr>
+            <a:picLocks noGrp="1" noChangeAspect="1"/>
+          </p:cNvPicPr>
+          <p:nvPr>
+            <p:ph idx="1"/>
+          </p:nvPr>
+        </p:nvPicPr>
+        <p:blipFill>
+          <a:blip r:embed="rId2">
+            <a:extLst>
+              <a:ext uri="{28A0092B-C50C-407E-A947-70E740481C1C}">
+                <a14:useLocalDpi xmlns:a14="http://schemas.microsoft.com/office/drawing/2010/main" val="0"/>
+              </a:ext>
+            </a:extLst>
+          </a:blip>
+          <a:stretch>
+            <a:fillRect/>
+          </a:stretch>
+        </p:blipFill>
+        <p:spPr>
+          <a:xfrm>
+            <a:off x="2558383" y="1825625"/>
+            <a:ext cx="7075234" cy="4351338"/>
+          </a:xfrm>
+        </p:spPr>
+      </p:pic>
+    </p:spTree>
+    <p:extLst>
+      <p:ext uri="{BB962C8B-B14F-4D97-AF65-F5344CB8AC3E}">
+        <p14:creationId xmlns:p14="http://schemas.microsoft.com/office/powerpoint/2010/main" val="2613768486"/>
+      </p:ext>
+    </p:extLst>
+  </p:cSld>
+  <p:clrMapOvr>
+    <a:masterClrMapping/>
+  </p:clrMapOvr>
+</p:sld>
+</file>
+
+<file path=ppt/slides/slide12.xml><?xml version="1.0" encoding="utf-8"?>
+<p:sld xmlns:a="http://schemas.openxmlformats.org/drawingml/2006/main" xmlns:r="http://schemas.openxmlformats.org/officeDocument/2006/relationships" xmlns:p="http://schemas.openxmlformats.org/presentationml/2006/main">
+  <p:cSld>
+    <p:spTree>
+      <p:nvGrpSpPr>
+        <p:cNvPr id="1" name=""/>
+        <p:cNvGrpSpPr/>
+        <p:nvPr/>
+      </p:nvGrpSpPr>
+      <p:grpSpPr>
+        <a:xfrm>
+          <a:off x="0" y="0"/>
+          <a:ext cx="0" cy="0"/>
+          <a:chOff x="0" y="0"/>
+          <a:chExt cx="0" cy="0"/>
+        </a:xfrm>
+      </p:grpSpPr>
+      <p:sp>
+        <p:nvSpPr>
+          <p:cNvPr id="2" name="标题 1">
+            <a:extLst>
+              <a:ext uri="{FF2B5EF4-FFF2-40B4-BE49-F238E27FC236}">
+                <a16:creationId xmlns:a16="http://schemas.microsoft.com/office/drawing/2014/main" id="{32A86A6A-9F4E-C4A6-F59E-778946C78D2F}"/>
+              </a:ext>
+            </a:extLst>
+          </p:cNvPr>
+          <p:cNvSpPr>
+            <a:spLocks noGrp="1"/>
+          </p:cNvSpPr>
+          <p:nvPr>
+            <p:ph type="title"/>
+          </p:nvPr>
+        </p:nvSpPr>
+        <p:spPr/>
+        <p:txBody>
+          <a:bodyPr>
+            <a:normAutofit/>
+          </a:bodyPr>
+          <a:lstStyle/>
+          <a:p>
+            <a:r>
+              <a:rPr lang="en-US" altLang="zh-CN" b="1" i="0" u="none" strike="noStrike" dirty="0" err="1">
+                <a:solidFill>
+                  <a:srgbClr val="4D4D4D"/>
+                </a:solidFill>
+                <a:effectLst/>
+                <a:latin typeface="-apple-system"/>
+              </a:rPr>
+              <a:t>WiFi</a:t>
+            </a:r>
+            <a:r>
+              <a:rPr lang="zh-CN" altLang="en-US" b="1" i="0" u="none" strike="noStrike" dirty="0">
+                <a:solidFill>
+                  <a:srgbClr val="4D4D4D"/>
+                </a:solidFill>
+                <a:effectLst/>
+                <a:latin typeface="-apple-system"/>
+              </a:rPr>
+              <a:t>产品线主攻的市场</a:t>
+            </a:r>
+            <a:endParaRPr kumimoji="1" lang="zh-CN" altLang="en-US" dirty="0"/>
+          </a:p>
+        </p:txBody>
+      </p:sp>
+      <p:sp>
+        <p:nvSpPr>
+          <p:cNvPr id="3" name="内容占位符 2">
+            <a:extLst>
+              <a:ext uri="{FF2B5EF4-FFF2-40B4-BE49-F238E27FC236}">
+                <a16:creationId xmlns:a16="http://schemas.microsoft.com/office/drawing/2014/main" id="{A7B0EC64-2082-7F9A-904A-0B342C9064A5}"/>
+              </a:ext>
+            </a:extLst>
+          </p:cNvPr>
+          <p:cNvSpPr>
+            <a:spLocks noGrp="1"/>
+          </p:cNvSpPr>
+          <p:nvPr>
+            <p:ph idx="1"/>
+          </p:nvPr>
+        </p:nvSpPr>
+        <p:spPr/>
+        <p:txBody>
+          <a:bodyPr>
+            <a:normAutofit fontScale="92500" lnSpcReduction="20000"/>
+          </a:bodyPr>
+          <a:lstStyle/>
+          <a:p>
+            <a:r>
+              <a:rPr lang="zh-CN" altLang="en-US" b="1" i="0" u="none" strike="noStrike" dirty="0">
+                <a:solidFill>
+                  <a:srgbClr val="4D4D4D"/>
+                </a:solidFill>
+                <a:effectLst/>
+                <a:latin typeface="-apple-system"/>
+              </a:rPr>
+              <a:t>主要是</a:t>
+            </a:r>
+            <a:r>
+              <a:rPr lang="en-US" altLang="zh-CN" b="1" i="0" u="none" strike="noStrike" dirty="0" err="1">
+                <a:solidFill>
+                  <a:srgbClr val="4D4D4D"/>
+                </a:solidFill>
+                <a:effectLst/>
+                <a:latin typeface="-apple-system"/>
+              </a:rPr>
+              <a:t>WiFi</a:t>
+            </a:r>
+            <a:r>
+              <a:rPr lang="zh-CN" altLang="en-US" b="1" i="0" u="none" strike="noStrike" dirty="0">
+                <a:solidFill>
+                  <a:srgbClr val="4D4D4D"/>
+                </a:solidFill>
+                <a:effectLst/>
+                <a:latin typeface="-apple-system"/>
+              </a:rPr>
+              <a:t>收发器，以及</a:t>
+            </a:r>
+            <a:r>
+              <a:rPr lang="en-US" altLang="zh-CN" b="1" i="0" u="none" strike="noStrike" dirty="0" err="1">
+                <a:solidFill>
+                  <a:srgbClr val="4D4D4D"/>
+                </a:solidFill>
+                <a:effectLst/>
+                <a:latin typeface="-apple-system"/>
+              </a:rPr>
+              <a:t>WiFi&amp;BT</a:t>
+            </a:r>
+            <a:r>
+              <a:rPr lang="zh-CN" altLang="en-US" b="1" i="0" u="none" strike="noStrike" dirty="0">
+                <a:solidFill>
+                  <a:srgbClr val="4D4D4D"/>
+                </a:solidFill>
+                <a:effectLst/>
+                <a:latin typeface="-apple-system"/>
+              </a:rPr>
+              <a:t>，</a:t>
+            </a:r>
+            <a:r>
+              <a:rPr lang="en-US" altLang="zh-CN" b="1" i="0" u="none" strike="noStrike" dirty="0" err="1">
+                <a:solidFill>
+                  <a:srgbClr val="4D4D4D"/>
+                </a:solidFill>
+                <a:effectLst/>
+                <a:latin typeface="-apple-system"/>
+              </a:rPr>
+              <a:t>WiFi&amp;BLE</a:t>
+            </a:r>
+            <a:r>
+              <a:rPr lang="zh-CN" altLang="en-US" b="1" i="0" u="none" strike="noStrike" dirty="0">
+                <a:solidFill>
+                  <a:srgbClr val="4D4D4D"/>
+                </a:solidFill>
+                <a:effectLst/>
+                <a:latin typeface="-apple-system"/>
+              </a:rPr>
+              <a:t>收发器，主要配合主处理器</a:t>
+            </a:r>
+            <a:endParaRPr lang="en-US" altLang="zh-CN" b="1" i="0" u="none" strike="noStrike" dirty="0">
+              <a:solidFill>
+                <a:srgbClr val="4D4D4D"/>
+              </a:solidFill>
+              <a:effectLst/>
+              <a:latin typeface="-apple-system"/>
+            </a:endParaRPr>
+          </a:p>
+          <a:p>
+            <a:pPr lvl="1"/>
+            <a:r>
+              <a:rPr kumimoji="1" lang="zh-CN" altLang="en-US" dirty="0"/>
+              <a:t>笔记本，市场出货量下降，</a:t>
+            </a:r>
+            <a:r>
+              <a:rPr kumimoji="1" lang="en-US" altLang="zh-CN" dirty="0"/>
+              <a:t>2019</a:t>
+            </a:r>
+            <a:r>
+              <a:rPr kumimoji="1" lang="zh-CN" altLang="en-US" dirty="0"/>
+              <a:t>年</a:t>
+            </a:r>
+            <a:r>
+              <a:rPr kumimoji="1" lang="en-US" altLang="zh-CN" dirty="0"/>
+              <a:t>1.5</a:t>
+            </a:r>
+            <a:r>
+              <a:rPr kumimoji="1" lang="zh-CN" altLang="en-US" dirty="0"/>
+              <a:t>亿；</a:t>
+            </a:r>
+          </a:p>
+          <a:p>
+            <a:pPr lvl="1"/>
+            <a:r>
+              <a:rPr kumimoji="1" lang="zh-CN" altLang="en-US" dirty="0"/>
+              <a:t> </a:t>
+            </a:r>
+          </a:p>
+          <a:p>
+            <a:pPr lvl="1"/>
+            <a:r>
+              <a:rPr kumimoji="1" lang="zh-CN" altLang="en-US" dirty="0"/>
+              <a:t>平板电脑，市场出货基本稳定，</a:t>
+            </a:r>
+            <a:r>
+              <a:rPr kumimoji="1" lang="en-US" altLang="zh-CN" dirty="0"/>
+              <a:t>2019</a:t>
+            </a:r>
+            <a:r>
+              <a:rPr kumimoji="1" lang="zh-CN" altLang="en-US" dirty="0"/>
+              <a:t>年</a:t>
+            </a:r>
+            <a:r>
+              <a:rPr kumimoji="1" lang="en-US" altLang="zh-CN" dirty="0"/>
+              <a:t>1.6</a:t>
+            </a:r>
+            <a:r>
+              <a:rPr kumimoji="1" lang="zh-CN" altLang="en-US" dirty="0"/>
+              <a:t>亿；</a:t>
+            </a:r>
+          </a:p>
+          <a:p>
+            <a:pPr lvl="1"/>
+            <a:r>
+              <a:rPr kumimoji="1" lang="zh-CN" altLang="en-US" dirty="0"/>
+              <a:t> </a:t>
+            </a:r>
+          </a:p>
+          <a:p>
+            <a:pPr lvl="1"/>
+            <a:r>
+              <a:rPr kumimoji="1" lang="zh-CN" altLang="en-US" dirty="0"/>
+              <a:t>路由器</a:t>
+            </a:r>
+            <a:r>
+              <a:rPr kumimoji="1" lang="en-US" altLang="zh-CN" dirty="0"/>
+              <a:t>/</a:t>
+            </a:r>
+            <a:r>
+              <a:rPr kumimoji="1" lang="zh-CN" altLang="en-US" dirty="0"/>
+              <a:t>网关，市场出货基本稳定，</a:t>
+            </a:r>
+            <a:r>
+              <a:rPr kumimoji="1" lang="en-US" altLang="zh-CN" dirty="0"/>
+              <a:t>2019</a:t>
+            </a:r>
+            <a:r>
+              <a:rPr kumimoji="1" lang="zh-CN" altLang="en-US" dirty="0"/>
+              <a:t>年</a:t>
+            </a:r>
+            <a:r>
+              <a:rPr kumimoji="1" lang="en-US" altLang="zh-CN" dirty="0"/>
+              <a:t>3.2</a:t>
+            </a:r>
+            <a:r>
+              <a:rPr kumimoji="1" lang="zh-CN" altLang="en-US" dirty="0"/>
+              <a:t>亿；</a:t>
+            </a:r>
+          </a:p>
+          <a:p>
+            <a:pPr lvl="1"/>
+            <a:r>
+              <a:rPr kumimoji="1" lang="zh-CN" altLang="en-US" dirty="0"/>
+              <a:t> </a:t>
+            </a:r>
+          </a:p>
+          <a:p>
+            <a:pPr lvl="1"/>
+            <a:r>
+              <a:rPr kumimoji="1" lang="en-US" altLang="zh-CN" dirty="0"/>
+              <a:t>OTT</a:t>
+            </a:r>
+            <a:r>
+              <a:rPr kumimoji="1" lang="zh-CN" altLang="en-US" dirty="0"/>
+              <a:t>盒子，</a:t>
+            </a:r>
+            <a:r>
+              <a:rPr kumimoji="1" lang="en-US" altLang="zh-CN" dirty="0"/>
+              <a:t>2018</a:t>
+            </a:r>
+            <a:r>
+              <a:rPr kumimoji="1" lang="zh-CN" altLang="en-US" dirty="0"/>
+              <a:t>年经过快速增长后，</a:t>
+            </a:r>
+            <a:r>
+              <a:rPr kumimoji="1" lang="en-US" altLang="zh-CN" dirty="0"/>
+              <a:t>2019</a:t>
+            </a:r>
+            <a:r>
+              <a:rPr kumimoji="1" lang="zh-CN" altLang="en-US" dirty="0"/>
+              <a:t>年掉了</a:t>
+            </a:r>
+            <a:r>
+              <a:rPr kumimoji="1" lang="en-US" altLang="zh-CN" dirty="0"/>
+              <a:t>13%</a:t>
+            </a:r>
+            <a:r>
+              <a:rPr kumimoji="1" lang="zh-CN" altLang="en-US" dirty="0"/>
+              <a:t>左右，出货</a:t>
+            </a:r>
+            <a:r>
+              <a:rPr kumimoji="1" lang="en-US" altLang="zh-CN" dirty="0"/>
+              <a:t>1.3</a:t>
+            </a:r>
+            <a:r>
+              <a:rPr kumimoji="1" lang="zh-CN" altLang="en-US" dirty="0"/>
+              <a:t>亿元；</a:t>
+            </a:r>
+          </a:p>
+          <a:p>
+            <a:pPr lvl="1"/>
+            <a:r>
+              <a:rPr kumimoji="1" lang="zh-CN" altLang="en-US" dirty="0"/>
+              <a:t> </a:t>
+            </a:r>
+          </a:p>
+          <a:p>
+            <a:pPr lvl="1"/>
+            <a:r>
+              <a:rPr kumimoji="1" lang="zh-CN" altLang="en-US" dirty="0"/>
+              <a:t>智能音箱，</a:t>
+            </a:r>
+            <a:r>
+              <a:rPr kumimoji="1" lang="en-US" altLang="zh-CN" dirty="0"/>
+              <a:t>2019</a:t>
+            </a:r>
+            <a:r>
+              <a:rPr kumimoji="1" lang="zh-CN" altLang="en-US" dirty="0"/>
+              <a:t>年接近翻番，出货</a:t>
+            </a:r>
+            <a:r>
+              <a:rPr kumimoji="1" lang="en-US" altLang="zh-CN" dirty="0"/>
+              <a:t>1.3</a:t>
+            </a:r>
+            <a:r>
+              <a:rPr kumimoji="1" lang="zh-CN" altLang="en-US" dirty="0"/>
+              <a:t>亿；</a:t>
+            </a:r>
+            <a:r>
+              <a:rPr kumimoji="1" lang="en-US" altLang="zh-CN" dirty="0"/>
+              <a:t>(2020</a:t>
+            </a:r>
+            <a:r>
+              <a:rPr kumimoji="1" lang="zh-CN" altLang="en-US" dirty="0"/>
+              <a:t>年不增反掉</a:t>
+            </a:r>
+            <a:r>
+              <a:rPr kumimoji="1" lang="en-US" altLang="zh-CN" dirty="0"/>
+              <a:t>)</a:t>
+            </a:r>
+            <a:r>
+              <a:rPr kumimoji="1" lang="zh-CN" altLang="en-US" dirty="0"/>
+              <a:t>；</a:t>
+            </a:r>
+          </a:p>
+          <a:p>
+            <a:pPr lvl="1"/>
+            <a:r>
+              <a:rPr kumimoji="1" lang="zh-CN" altLang="en-US" dirty="0"/>
+              <a:t> </a:t>
+            </a:r>
+          </a:p>
+          <a:p>
+            <a:pPr lvl="1"/>
+            <a:r>
+              <a:rPr kumimoji="1" lang="zh-CN" altLang="en-US" dirty="0"/>
+              <a:t>网络摄像机，</a:t>
+            </a:r>
+            <a:r>
+              <a:rPr kumimoji="1" lang="en-US" altLang="zh-CN" dirty="0"/>
+              <a:t>2019</a:t>
+            </a:r>
+            <a:r>
+              <a:rPr kumimoji="1" lang="zh-CN" altLang="en-US" dirty="0"/>
+              <a:t>年持续增长，出货接近</a:t>
+            </a:r>
+            <a:r>
+              <a:rPr kumimoji="1" lang="en-US" altLang="zh-CN" dirty="0"/>
+              <a:t>1</a:t>
+            </a:r>
+            <a:r>
+              <a:rPr kumimoji="1" lang="zh-CN" altLang="en-US" dirty="0"/>
+              <a:t>亿元；</a:t>
+            </a:r>
+          </a:p>
+        </p:txBody>
+      </p:sp>
+    </p:spTree>
+    <p:extLst>
+      <p:ext uri="{BB962C8B-B14F-4D97-AF65-F5344CB8AC3E}">
+        <p14:creationId xmlns:p14="http://schemas.microsoft.com/office/powerpoint/2010/main" val="3197990076"/>
+      </p:ext>
+    </p:extLst>
+  </p:cSld>
+  <p:clrMapOvr>
+    <a:masterClrMapping/>
+  </p:clrMapOvr>
+</p:sld>
+</file>
+
+<file path=ppt/slides/slide13.xml><?xml version="1.0" encoding="utf-8"?>
+<p:sld xmlns:a="http://schemas.openxmlformats.org/drawingml/2006/main" xmlns:r="http://schemas.openxmlformats.org/officeDocument/2006/relationships" xmlns:p="http://schemas.openxmlformats.org/presentationml/2006/main">
+  <p:cSld>
+    <p:spTree>
+      <p:nvGrpSpPr>
+        <p:cNvPr id="1" name=""/>
+        <p:cNvGrpSpPr/>
+        <p:nvPr/>
+      </p:nvGrpSpPr>
+      <p:grpSpPr>
+        <a:xfrm>
+          <a:off x="0" y="0"/>
+          <a:ext cx="0" cy="0"/>
+          <a:chOff x="0" y="0"/>
+          <a:chExt cx="0" cy="0"/>
+        </a:xfrm>
+      </p:grpSpPr>
+      <p:sp>
+        <p:nvSpPr>
+          <p:cNvPr id="2" name="标题 1">
+            <a:extLst>
+              <a:ext uri="{FF2B5EF4-FFF2-40B4-BE49-F238E27FC236}">
+                <a16:creationId xmlns:a16="http://schemas.microsoft.com/office/drawing/2014/main" id="{391A5D9F-7FA6-6FC6-A3A2-B627A03B4737}"/>
+              </a:ext>
+            </a:extLst>
+          </p:cNvPr>
+          <p:cNvSpPr>
+            <a:spLocks noGrp="1"/>
+          </p:cNvSpPr>
+          <p:nvPr>
+            <p:ph type="title"/>
+          </p:nvPr>
+        </p:nvSpPr>
+        <p:spPr/>
+        <p:txBody>
+          <a:bodyPr/>
+          <a:lstStyle/>
+          <a:p>
+            <a:r>
+              <a:rPr lang="en-US" altLang="zh-CN" b="1" i="0" u="none" strike="noStrike" dirty="0">
+                <a:solidFill>
+                  <a:srgbClr val="4D4D4D"/>
+                </a:solidFill>
+                <a:effectLst/>
+                <a:latin typeface="-apple-system"/>
+              </a:rPr>
+              <a:t> IoT</a:t>
+            </a:r>
+            <a:r>
+              <a:rPr lang="zh-CN" altLang="en-US" b="1" i="0" u="none" strike="noStrike" dirty="0">
+                <a:solidFill>
+                  <a:srgbClr val="4D4D4D"/>
+                </a:solidFill>
+                <a:effectLst/>
+                <a:latin typeface="-apple-system"/>
+              </a:rPr>
+              <a:t>产品线</a:t>
+            </a:r>
+            <a:endParaRPr kumimoji="1" lang="zh-CN" altLang="en-US" dirty="0"/>
+          </a:p>
+        </p:txBody>
+      </p:sp>
+      <p:sp>
+        <p:nvSpPr>
+          <p:cNvPr id="3" name="内容占位符 2">
+            <a:extLst>
+              <a:ext uri="{FF2B5EF4-FFF2-40B4-BE49-F238E27FC236}">
+                <a16:creationId xmlns:a16="http://schemas.microsoft.com/office/drawing/2014/main" id="{CD05BADD-2F54-21F8-B339-5DAEF8BB3CDD}"/>
+              </a:ext>
+            </a:extLst>
+          </p:cNvPr>
+          <p:cNvSpPr>
+            <a:spLocks noGrp="1"/>
+          </p:cNvSpPr>
+          <p:nvPr>
+            <p:ph idx="1"/>
+          </p:nvPr>
+        </p:nvSpPr>
+        <p:spPr/>
+        <p:txBody>
+          <a:bodyPr/>
+          <a:lstStyle/>
+          <a:p>
+            <a:r>
+              <a:rPr lang="zh-CN" altLang="en-US" b="1" i="0" u="none" strike="noStrike" dirty="0">
+                <a:solidFill>
+                  <a:srgbClr val="4D4D4D"/>
+                </a:solidFill>
+                <a:effectLst/>
+                <a:latin typeface="-apple-system"/>
+              </a:rPr>
+              <a:t>主要是</a:t>
+            </a:r>
+            <a:r>
+              <a:rPr lang="en-US" altLang="zh-CN" b="1" i="0" u="none" strike="noStrike" dirty="0">
+                <a:solidFill>
+                  <a:srgbClr val="4D4D4D"/>
+                </a:solidFill>
+                <a:effectLst/>
+                <a:latin typeface="-apple-system"/>
+              </a:rPr>
+              <a:t>IoT </a:t>
+            </a:r>
+            <a:r>
+              <a:rPr lang="en-US" altLang="zh-CN" b="1" i="0" u="none" strike="noStrike" dirty="0" err="1">
+                <a:solidFill>
+                  <a:srgbClr val="4D4D4D"/>
+                </a:solidFill>
+                <a:effectLst/>
+                <a:latin typeface="-apple-system"/>
+              </a:rPr>
+              <a:t>WiFi</a:t>
+            </a:r>
+            <a:r>
+              <a:rPr lang="en-US" altLang="zh-CN" b="1" i="0" u="none" strike="noStrike" dirty="0">
+                <a:solidFill>
+                  <a:srgbClr val="4D4D4D"/>
+                </a:solidFill>
+                <a:effectLst/>
+                <a:latin typeface="-apple-system"/>
+              </a:rPr>
+              <a:t> &amp; IoT </a:t>
+            </a:r>
+            <a:r>
+              <a:rPr lang="en-US" altLang="zh-CN" b="1" i="0" u="none" strike="noStrike" dirty="0" err="1">
+                <a:solidFill>
+                  <a:srgbClr val="4D4D4D"/>
+                </a:solidFill>
+                <a:effectLst/>
+                <a:latin typeface="-apple-system"/>
+              </a:rPr>
+              <a:t>WiFi&amp;BLE</a:t>
+            </a:r>
+            <a:r>
+              <a:rPr lang="en-US" altLang="zh-CN" b="1" i="0" u="none" strike="noStrike" dirty="0">
+                <a:solidFill>
+                  <a:srgbClr val="4D4D4D"/>
+                </a:solidFill>
+                <a:effectLst/>
+                <a:latin typeface="-apple-system"/>
+              </a:rPr>
+              <a:t> Combo</a:t>
+            </a:r>
+            <a:r>
+              <a:rPr lang="zh-CN" altLang="en-US" b="1" i="0" u="none" strike="noStrike" dirty="0">
+                <a:solidFill>
+                  <a:srgbClr val="4D4D4D"/>
+                </a:solidFill>
+                <a:effectLst/>
+                <a:latin typeface="-apple-system"/>
+              </a:rPr>
+              <a:t>，主打的市场为智能照明，智能插座，智能家电，以为物联网网关等</a:t>
+            </a:r>
+            <a:endParaRPr lang="en-US" altLang="zh-CN" b="1" i="0" u="none" strike="noStrike" dirty="0">
+              <a:solidFill>
+                <a:srgbClr val="4D4D4D"/>
+              </a:solidFill>
+              <a:effectLst/>
+              <a:latin typeface="-apple-system"/>
+            </a:endParaRPr>
+          </a:p>
+          <a:p>
+            <a:pPr algn="l"/>
+            <a:r>
+              <a:rPr lang="zh-CN" altLang="en-US" b="0" i="0" u="none" strike="noStrike" dirty="0">
+                <a:solidFill>
+                  <a:srgbClr val="4F4F4F"/>
+                </a:solidFill>
+                <a:effectLst/>
+                <a:latin typeface="-apple-system"/>
+              </a:rPr>
+              <a:t>智能插座，</a:t>
+            </a:r>
+            <a:r>
+              <a:rPr lang="en-US" altLang="zh-CN" b="0" i="0" u="none" strike="noStrike" dirty="0">
+                <a:solidFill>
+                  <a:srgbClr val="4F4F4F"/>
+                </a:solidFill>
+                <a:effectLst/>
+                <a:latin typeface="-apple-system"/>
+              </a:rPr>
+              <a:t>2018</a:t>
+            </a:r>
+            <a:r>
+              <a:rPr lang="zh-CN" altLang="en-US" b="0" i="0" u="none" strike="noStrike" dirty="0">
+                <a:solidFill>
+                  <a:srgbClr val="4F4F4F"/>
+                </a:solidFill>
+                <a:effectLst/>
+                <a:latin typeface="-apple-system"/>
+              </a:rPr>
+              <a:t>年市场出货</a:t>
+            </a:r>
+            <a:r>
+              <a:rPr lang="en-US" altLang="zh-CN" b="0" i="0" u="none" strike="noStrike" dirty="0">
+                <a:solidFill>
+                  <a:srgbClr val="4F4F4F"/>
+                </a:solidFill>
+                <a:effectLst/>
+                <a:latin typeface="-apple-system"/>
+              </a:rPr>
+              <a:t>2100</a:t>
+            </a:r>
+            <a:r>
+              <a:rPr lang="zh-CN" altLang="en-US" b="0" i="0" u="none" strike="noStrike" dirty="0">
+                <a:solidFill>
+                  <a:srgbClr val="4F4F4F"/>
+                </a:solidFill>
+                <a:effectLst/>
+                <a:latin typeface="-apple-system"/>
+              </a:rPr>
+              <a:t>万，</a:t>
+            </a:r>
+            <a:r>
+              <a:rPr lang="en-US" altLang="zh-CN" b="0" i="0" u="none" strike="noStrike" dirty="0">
+                <a:solidFill>
+                  <a:srgbClr val="4F4F4F"/>
+                </a:solidFill>
+                <a:effectLst/>
+                <a:latin typeface="-apple-system"/>
+              </a:rPr>
+              <a:t>2019</a:t>
+            </a:r>
+            <a:r>
+              <a:rPr lang="zh-CN" altLang="en-US" b="0" i="0" u="none" strike="noStrike" dirty="0">
+                <a:solidFill>
+                  <a:srgbClr val="4F4F4F"/>
+                </a:solidFill>
+                <a:effectLst/>
+                <a:latin typeface="-apple-system"/>
+              </a:rPr>
+              <a:t>出货</a:t>
+            </a:r>
+            <a:r>
+              <a:rPr lang="en-US" altLang="zh-CN" b="0" i="0" u="none" strike="noStrike" dirty="0">
+                <a:solidFill>
+                  <a:srgbClr val="4F4F4F"/>
+                </a:solidFill>
+                <a:effectLst/>
+                <a:latin typeface="-apple-system"/>
+              </a:rPr>
+              <a:t>4000</a:t>
+            </a:r>
+            <a:r>
+              <a:rPr lang="zh-CN" altLang="en-US" b="0" i="0" u="none" strike="noStrike" dirty="0">
+                <a:solidFill>
+                  <a:srgbClr val="4F4F4F"/>
+                </a:solidFill>
+                <a:effectLst/>
+                <a:latin typeface="-apple-system"/>
+              </a:rPr>
+              <a:t>万；</a:t>
+            </a:r>
+          </a:p>
+          <a:p>
+            <a:pPr algn="l"/>
+            <a:r>
+              <a:rPr lang="zh-CN" altLang="en-US" b="0" i="0" u="none" strike="noStrike" dirty="0">
+                <a:solidFill>
+                  <a:srgbClr val="4F4F4F"/>
+                </a:solidFill>
+                <a:effectLst/>
+                <a:latin typeface="-apple-system"/>
+              </a:rPr>
+              <a:t> </a:t>
+            </a:r>
+          </a:p>
+          <a:p>
+            <a:pPr algn="l"/>
+            <a:r>
+              <a:rPr lang="zh-CN" altLang="en-US" b="0" i="0" u="none" strike="noStrike" dirty="0">
+                <a:solidFill>
+                  <a:srgbClr val="4F4F4F"/>
+                </a:solidFill>
+                <a:effectLst/>
+                <a:latin typeface="-apple-system"/>
+              </a:rPr>
+              <a:t>智能照明，</a:t>
+            </a:r>
+            <a:r>
+              <a:rPr lang="en-US" altLang="zh-CN" b="0" i="0" u="none" strike="noStrike" dirty="0">
+                <a:solidFill>
+                  <a:srgbClr val="4F4F4F"/>
+                </a:solidFill>
+                <a:effectLst/>
+                <a:latin typeface="-apple-system"/>
+              </a:rPr>
+              <a:t>2018</a:t>
+            </a:r>
+            <a:r>
+              <a:rPr lang="zh-CN" altLang="en-US" b="0" i="0" u="none" strike="noStrike" dirty="0">
+                <a:solidFill>
+                  <a:srgbClr val="4F4F4F"/>
+                </a:solidFill>
+                <a:effectLst/>
+                <a:latin typeface="-apple-system"/>
+              </a:rPr>
+              <a:t>年市场出货</a:t>
+            </a:r>
+            <a:r>
+              <a:rPr lang="en-US" altLang="zh-CN" b="0" i="0" u="none" strike="noStrike" dirty="0">
+                <a:solidFill>
+                  <a:srgbClr val="4F4F4F"/>
+                </a:solidFill>
+                <a:effectLst/>
+                <a:latin typeface="-apple-system"/>
+              </a:rPr>
+              <a:t>3900</a:t>
+            </a:r>
+            <a:r>
+              <a:rPr lang="zh-CN" altLang="en-US" b="0" i="0" u="none" strike="noStrike" dirty="0">
+                <a:solidFill>
+                  <a:srgbClr val="4F4F4F"/>
+                </a:solidFill>
+                <a:effectLst/>
+                <a:latin typeface="-apple-system"/>
+              </a:rPr>
+              <a:t>万，</a:t>
+            </a:r>
+            <a:r>
+              <a:rPr lang="en-US" altLang="zh-CN" b="0" i="0" u="none" strike="noStrike" dirty="0">
+                <a:solidFill>
+                  <a:srgbClr val="4F4F4F"/>
+                </a:solidFill>
+                <a:effectLst/>
+                <a:latin typeface="-apple-system"/>
+              </a:rPr>
+              <a:t>2019</a:t>
+            </a:r>
+            <a:r>
+              <a:rPr lang="zh-CN" altLang="en-US" b="0" i="0" u="none" strike="noStrike" dirty="0">
+                <a:solidFill>
+                  <a:srgbClr val="4F4F4F"/>
+                </a:solidFill>
+                <a:effectLst/>
+                <a:latin typeface="-apple-system"/>
+              </a:rPr>
+              <a:t>年出货</a:t>
+            </a:r>
+            <a:r>
+              <a:rPr lang="en-US" altLang="zh-CN" b="0" i="0" u="none" strike="noStrike" dirty="0">
+                <a:solidFill>
+                  <a:srgbClr val="4F4F4F"/>
+                </a:solidFill>
+                <a:effectLst/>
+                <a:latin typeface="-apple-system"/>
+              </a:rPr>
+              <a:t>5900</a:t>
+            </a:r>
+            <a:r>
+              <a:rPr lang="zh-CN" altLang="en-US" b="0" i="0" u="none" strike="noStrike" dirty="0">
+                <a:solidFill>
+                  <a:srgbClr val="4F4F4F"/>
+                </a:solidFill>
+                <a:effectLst/>
+                <a:latin typeface="-apple-system"/>
+              </a:rPr>
+              <a:t>万；</a:t>
+            </a:r>
+          </a:p>
+          <a:p>
+            <a:pPr algn="l"/>
+            <a:r>
+              <a:rPr lang="zh-CN" altLang="en-US" b="0" i="0" u="none" strike="noStrike" dirty="0">
+                <a:solidFill>
+                  <a:srgbClr val="4F4F4F"/>
+                </a:solidFill>
+                <a:effectLst/>
+                <a:latin typeface="-apple-system"/>
+              </a:rPr>
+              <a:t> </a:t>
+            </a:r>
+          </a:p>
+          <a:p>
+            <a:pPr algn="l"/>
+            <a:r>
+              <a:rPr lang="zh-CN" altLang="en-US" b="0" i="0" u="none" strike="noStrike" dirty="0">
+                <a:solidFill>
+                  <a:srgbClr val="4F4F4F"/>
+                </a:solidFill>
+                <a:effectLst/>
+                <a:latin typeface="-apple-system"/>
+              </a:rPr>
+              <a:t>智能家电，</a:t>
+            </a:r>
+            <a:r>
+              <a:rPr lang="en-US" altLang="zh-CN" b="0" i="0" u="none" strike="noStrike" dirty="0">
+                <a:solidFill>
+                  <a:srgbClr val="4F4F4F"/>
+                </a:solidFill>
+                <a:effectLst/>
+                <a:latin typeface="-apple-system"/>
+              </a:rPr>
+              <a:t>2018</a:t>
+            </a:r>
+            <a:r>
+              <a:rPr lang="zh-CN" altLang="en-US" b="0" i="0" u="none" strike="noStrike" dirty="0">
+                <a:solidFill>
+                  <a:srgbClr val="4F4F4F"/>
+                </a:solidFill>
+                <a:effectLst/>
+                <a:latin typeface="-apple-system"/>
+              </a:rPr>
+              <a:t>年市场出货</a:t>
+            </a:r>
+            <a:r>
+              <a:rPr lang="en-US" altLang="zh-CN" b="0" i="0" u="none" strike="noStrike" dirty="0">
+                <a:solidFill>
+                  <a:srgbClr val="4F4F4F"/>
+                </a:solidFill>
+                <a:effectLst/>
+                <a:latin typeface="-apple-system"/>
+              </a:rPr>
+              <a:t>6600</a:t>
+            </a:r>
+            <a:r>
+              <a:rPr lang="zh-CN" altLang="en-US" b="0" i="0" u="none" strike="noStrike" dirty="0">
+                <a:solidFill>
+                  <a:srgbClr val="4F4F4F"/>
+                </a:solidFill>
+                <a:effectLst/>
+                <a:latin typeface="-apple-system"/>
+              </a:rPr>
+              <a:t>万，</a:t>
+            </a:r>
+            <a:r>
+              <a:rPr lang="en-US" altLang="zh-CN" b="0" i="0" u="none" strike="noStrike" dirty="0">
+                <a:solidFill>
+                  <a:srgbClr val="4F4F4F"/>
+                </a:solidFill>
+                <a:effectLst/>
+                <a:latin typeface="-apple-system"/>
+              </a:rPr>
+              <a:t>2019</a:t>
+            </a:r>
+            <a:r>
+              <a:rPr lang="zh-CN" altLang="en-US" b="0" i="0" u="none" strike="noStrike" dirty="0">
+                <a:solidFill>
+                  <a:srgbClr val="4F4F4F"/>
+                </a:solidFill>
+                <a:effectLst/>
+                <a:latin typeface="-apple-system"/>
+              </a:rPr>
+              <a:t>年出货破亿；</a:t>
+            </a:r>
+          </a:p>
+          <a:p>
+            <a:pPr lvl="1"/>
+            <a:endParaRPr kumimoji="1" lang="zh-CN" altLang="en-US" dirty="0"/>
+          </a:p>
+        </p:txBody>
+      </p:sp>
+    </p:spTree>
+    <p:extLst>
+      <p:ext uri="{BB962C8B-B14F-4D97-AF65-F5344CB8AC3E}">
+        <p14:creationId xmlns:p14="http://schemas.microsoft.com/office/powerpoint/2010/main" val="4129147113"/>
+      </p:ext>
+    </p:extLst>
+  </p:cSld>
+  <p:clrMapOvr>
+    <a:masterClrMapping/>
+  </p:clrMapOvr>
+</p:sld>
+</file>
+
+<file path=ppt/slides/slide14.xml><?xml version="1.0" encoding="utf-8"?>
+<p:sld xmlns:a="http://schemas.openxmlformats.org/drawingml/2006/main" xmlns:r="http://schemas.openxmlformats.org/officeDocument/2006/relationships" xmlns:p="http://schemas.openxmlformats.org/presentationml/2006/main">
+  <p:cSld>
+    <p:spTree>
+      <p:nvGrpSpPr>
+        <p:cNvPr id="1" name=""/>
+        <p:cNvGrpSpPr/>
+        <p:nvPr/>
+      </p:nvGrpSpPr>
+      <p:grpSpPr>
+        <a:xfrm>
+          <a:off x="0" y="0"/>
+          <a:ext cx="0" cy="0"/>
+          <a:chOff x="0" y="0"/>
+          <a:chExt cx="0" cy="0"/>
+        </a:xfrm>
+      </p:grpSpPr>
+      <p:sp>
+        <p:nvSpPr>
+          <p:cNvPr id="2" name="标题 1">
+            <a:extLst>
+              <a:ext uri="{FF2B5EF4-FFF2-40B4-BE49-F238E27FC236}">
+                <a16:creationId xmlns:a16="http://schemas.microsoft.com/office/drawing/2014/main" id="{D31F25CB-930E-A67A-1833-D50C47409F1D}"/>
+              </a:ext>
+            </a:extLst>
+          </p:cNvPr>
+          <p:cNvSpPr>
+            <a:spLocks noGrp="1"/>
+          </p:cNvSpPr>
+          <p:nvPr>
+            <p:ph type="title"/>
+          </p:nvPr>
+        </p:nvSpPr>
+        <p:spPr/>
+        <p:txBody>
+          <a:bodyPr/>
+          <a:lstStyle/>
+          <a:p>
+            <a:r>
+              <a:rPr lang="en-US" altLang="zh-CN" dirty="0"/>
+              <a:t>Audio</a:t>
+            </a:r>
+            <a:r>
+              <a:rPr lang="zh-CN" altLang="en-US" dirty="0"/>
+              <a:t>芯片的对比</a:t>
+            </a:r>
+          </a:p>
+        </p:txBody>
+      </p:sp>
+      <p:pic>
+        <p:nvPicPr>
+          <p:cNvPr id="5" name="内容占位符 4">
+            <a:extLst>
+              <a:ext uri="{FF2B5EF4-FFF2-40B4-BE49-F238E27FC236}">
+                <a16:creationId xmlns:a16="http://schemas.microsoft.com/office/drawing/2014/main" id="{4F72D5FE-0101-C3AA-7865-E17052EACD12}"/>
+              </a:ext>
+            </a:extLst>
+          </p:cNvPr>
+          <p:cNvPicPr>
+            <a:picLocks noGrp="1" noChangeAspect="1"/>
+          </p:cNvPicPr>
+          <p:nvPr>
+            <p:ph idx="1"/>
+          </p:nvPr>
+        </p:nvPicPr>
+        <p:blipFill>
+          <a:blip r:embed="rId2">
+            <a:extLst>
+              <a:ext uri="{28A0092B-C50C-407E-A947-70E740481C1C}">
+                <a14:useLocalDpi xmlns:a14="http://schemas.microsoft.com/office/drawing/2010/main" val="0"/>
+              </a:ext>
+            </a:extLst>
+          </a:blip>
+          <a:stretch>
+            <a:fillRect/>
+          </a:stretch>
+        </p:blipFill>
+        <p:spPr>
+          <a:xfrm>
+            <a:off x="838200" y="2382573"/>
+            <a:ext cx="10515600" cy="3237441"/>
+          </a:xfrm>
+        </p:spPr>
+      </p:pic>
+    </p:spTree>
+    <p:extLst>
+      <p:ext uri="{BB962C8B-B14F-4D97-AF65-F5344CB8AC3E}">
+        <p14:creationId xmlns:p14="http://schemas.microsoft.com/office/powerpoint/2010/main" val="1338407200"/>
+      </p:ext>
+    </p:extLst>
+  </p:cSld>
+  <p:clrMapOvr>
+    <a:masterClrMapping/>
+  </p:clrMapOvr>
+</p:sld>
+</file>
+
+<file path=ppt/slides/slide15.xml><?xml version="1.0" encoding="utf-8"?>
+<p:sld xmlns:a="http://schemas.openxmlformats.org/drawingml/2006/main" xmlns:r="http://schemas.openxmlformats.org/officeDocument/2006/relationships" xmlns:p="http://schemas.openxmlformats.org/presentationml/2006/main">
+  <p:cSld>
+    <p:spTree>
+      <p:nvGrpSpPr>
+        <p:cNvPr id="1" name=""/>
+        <p:cNvGrpSpPr/>
+        <p:nvPr/>
+      </p:nvGrpSpPr>
+      <p:grpSpPr>
+        <a:xfrm>
+          <a:off x="0" y="0"/>
+          <a:ext cx="0" cy="0"/>
+          <a:chOff x="0" y="0"/>
+          <a:chExt cx="0" cy="0"/>
+        </a:xfrm>
+      </p:grpSpPr>
+      <p:sp>
+        <p:nvSpPr>
+          <p:cNvPr id="2" name="标题 1">
+            <a:extLst>
+              <a:ext uri="{FF2B5EF4-FFF2-40B4-BE49-F238E27FC236}">
+                <a16:creationId xmlns:a16="http://schemas.microsoft.com/office/drawing/2014/main" id="{5D5EBAA9-6C63-6F71-646E-9D60696F936A}"/>
+              </a:ext>
+            </a:extLst>
+          </p:cNvPr>
+          <p:cNvSpPr>
+            <a:spLocks noGrp="1"/>
+          </p:cNvSpPr>
+          <p:nvPr>
+            <p:ph type="title"/>
+          </p:nvPr>
+        </p:nvSpPr>
+        <p:spPr/>
+        <p:txBody>
+          <a:bodyPr/>
+          <a:lstStyle/>
+          <a:p>
+            <a:endParaRPr kumimoji="1" lang="zh-CN" altLang="en-US" dirty="0"/>
+          </a:p>
+        </p:txBody>
+      </p:sp>
+      <p:sp>
+        <p:nvSpPr>
+          <p:cNvPr id="3" name="内容占位符 2">
+            <a:extLst>
+              <a:ext uri="{FF2B5EF4-FFF2-40B4-BE49-F238E27FC236}">
+                <a16:creationId xmlns:a16="http://schemas.microsoft.com/office/drawing/2014/main" id="{20ED4D2E-76FB-7E09-54A2-3E8F3836A49F}"/>
+              </a:ext>
+            </a:extLst>
+          </p:cNvPr>
+          <p:cNvSpPr>
+            <a:spLocks noGrp="1"/>
+          </p:cNvSpPr>
+          <p:nvPr>
+            <p:ph idx="1"/>
+          </p:nvPr>
+        </p:nvSpPr>
+        <p:spPr/>
+        <p:txBody>
+          <a:bodyPr/>
+          <a:lstStyle/>
+          <a:p>
+            <a:endParaRPr kumimoji="1" lang="zh-CN" altLang="en-US"/>
+          </a:p>
+        </p:txBody>
+      </p:sp>
+    </p:spTree>
+    <p:extLst>
+      <p:ext uri="{BB962C8B-B14F-4D97-AF65-F5344CB8AC3E}">
+        <p14:creationId xmlns:p14="http://schemas.microsoft.com/office/powerpoint/2010/main" val="3891632867"/>
+      </p:ext>
+    </p:extLst>
+  </p:cSld>
+  <p:clrMapOvr>
+    <a:masterClrMapping/>
+  </p:clrMapOvr>
+</p:sld>
+</file>
+
+<file path=ppt/slides/slide16.xml><?xml version="1.0" encoding="utf-8"?>
+<p:sld xmlns:a="http://schemas.openxmlformats.org/drawingml/2006/main" xmlns:r="http://schemas.openxmlformats.org/officeDocument/2006/relationships" xmlns:p="http://schemas.openxmlformats.org/presentationml/2006/main">
+  <p:cSld>
+    <p:spTree>
+      <p:nvGrpSpPr>
+        <p:cNvPr id="1" name=""/>
+        <p:cNvGrpSpPr/>
+        <p:nvPr/>
+      </p:nvGrpSpPr>
+      <p:grpSpPr>
+        <a:xfrm>
+          <a:off x="0" y="0"/>
+          <a:ext cx="0" cy="0"/>
+          <a:chOff x="0" y="0"/>
+          <a:chExt cx="0" cy="0"/>
+        </a:xfrm>
+      </p:grpSpPr>
+      <p:sp>
+        <p:nvSpPr>
+          <p:cNvPr id="2" name="标题 1">
+            <a:extLst>
+              <a:ext uri="{FF2B5EF4-FFF2-40B4-BE49-F238E27FC236}">
+                <a16:creationId xmlns:a16="http://schemas.microsoft.com/office/drawing/2014/main" id="{C1528AD8-A3DA-2BC4-91C6-76CDE601CEF8}"/>
+              </a:ext>
+            </a:extLst>
+          </p:cNvPr>
+          <p:cNvSpPr>
+            <a:spLocks noGrp="1"/>
+          </p:cNvSpPr>
+          <p:nvPr>
+            <p:ph type="title"/>
+          </p:nvPr>
+        </p:nvSpPr>
+        <p:spPr/>
+        <p:txBody>
+          <a:bodyPr/>
+          <a:lstStyle/>
+          <a:p>
+            <a:r>
+              <a:rPr lang="zh-CN" altLang="en-US" dirty="0"/>
+              <a:t>游戏声卡</a:t>
+            </a:r>
+          </a:p>
+        </p:txBody>
+      </p:sp>
+      <p:sp>
+        <p:nvSpPr>
+          <p:cNvPr id="3" name="内容占位符 2">
+            <a:extLst>
+              <a:ext uri="{FF2B5EF4-FFF2-40B4-BE49-F238E27FC236}">
+                <a16:creationId xmlns:a16="http://schemas.microsoft.com/office/drawing/2014/main" id="{02A5EBA6-94AB-8FE6-8809-FCD1CFA94373}"/>
+              </a:ext>
+            </a:extLst>
+          </p:cNvPr>
+          <p:cNvSpPr>
+            <a:spLocks noGrp="1"/>
+          </p:cNvSpPr>
+          <p:nvPr>
+            <p:ph idx="1"/>
+          </p:nvPr>
+        </p:nvSpPr>
+        <p:spPr/>
+        <p:txBody>
+          <a:bodyPr/>
+          <a:lstStyle/>
+          <a:p>
+            <a:pPr algn="l"/>
+            <a:r>
+              <a:rPr lang="zh-CN" altLang="en-US" b="0" i="0" dirty="0">
+                <a:solidFill>
+                  <a:srgbClr val="191919"/>
+                </a:solidFill>
+                <a:effectLst/>
+                <a:latin typeface="PingFang SC"/>
+              </a:rPr>
+              <a:t>市场规模：</a:t>
+            </a:r>
+            <a:endParaRPr lang="en-US" altLang="zh-CN" b="0" i="0" dirty="0">
+              <a:solidFill>
+                <a:srgbClr val="191919"/>
+              </a:solidFill>
+              <a:effectLst/>
+              <a:latin typeface="PingFang SC"/>
+            </a:endParaRPr>
+          </a:p>
+          <a:p>
+            <a:pPr lvl="1"/>
+            <a:r>
+              <a:rPr lang="zh-CN" altLang="en-US" b="0" i="0" dirty="0">
+                <a:solidFill>
+                  <a:srgbClr val="191919"/>
+                </a:solidFill>
+                <a:effectLst/>
+                <a:latin typeface="PingFang SC"/>
+              </a:rPr>
+              <a:t>全球游戏声卡市场规模</a:t>
+            </a:r>
+            <a:r>
+              <a:rPr lang="en-US" altLang="zh-CN" b="0" i="0" dirty="0">
+                <a:solidFill>
+                  <a:srgbClr val="191919"/>
+                </a:solidFill>
+                <a:effectLst/>
+                <a:latin typeface="PingFang SC"/>
+              </a:rPr>
+              <a:t>2021</a:t>
+            </a:r>
+            <a:r>
+              <a:rPr lang="zh-CN" altLang="en-US" b="0" i="0" dirty="0">
+                <a:solidFill>
+                  <a:srgbClr val="191919"/>
+                </a:solidFill>
+                <a:effectLst/>
+                <a:latin typeface="PingFang SC"/>
+              </a:rPr>
+              <a:t>年达</a:t>
+            </a:r>
+            <a:r>
+              <a:rPr lang="en-US" altLang="zh-CN" b="0" i="0" dirty="0">
+                <a:solidFill>
+                  <a:srgbClr val="191919"/>
+                </a:solidFill>
+                <a:effectLst/>
+                <a:latin typeface="PingFang SC"/>
+              </a:rPr>
+              <a:t>24.06</a:t>
+            </a:r>
+            <a:r>
+              <a:rPr lang="zh-CN" altLang="en-US" b="0" i="0" dirty="0">
+                <a:solidFill>
+                  <a:srgbClr val="191919"/>
+                </a:solidFill>
+                <a:effectLst/>
+                <a:latin typeface="PingFang SC"/>
+              </a:rPr>
+              <a:t>亿元（人民币）。</a:t>
+            </a:r>
+            <a:endParaRPr lang="en-US" altLang="zh-CN" b="0" i="0" dirty="0">
+              <a:solidFill>
+                <a:srgbClr val="191919"/>
+              </a:solidFill>
+              <a:effectLst/>
+              <a:latin typeface="PingFang SC"/>
+            </a:endParaRPr>
+          </a:p>
+          <a:p>
+            <a:pPr lvl="1"/>
+            <a:r>
+              <a:rPr lang="zh-CN" altLang="en-US" b="0" i="0" dirty="0">
+                <a:solidFill>
+                  <a:srgbClr val="191919"/>
+                </a:solidFill>
+                <a:effectLst/>
+                <a:latin typeface="PingFang SC"/>
+              </a:rPr>
+              <a:t>主要区域（北美、欧洲、以及亚太等主要地区）在全球游戏声卡市场中的份额占比。其中，</a:t>
+            </a:r>
+            <a:r>
+              <a:rPr lang="en-US" altLang="zh-CN" b="0" i="0" dirty="0">
+                <a:solidFill>
+                  <a:srgbClr val="191919"/>
+                </a:solidFill>
+                <a:effectLst/>
+                <a:latin typeface="PingFang SC"/>
+              </a:rPr>
+              <a:t>2021</a:t>
+            </a:r>
+            <a:r>
+              <a:rPr lang="zh-CN" altLang="en-US" b="0" i="0" dirty="0">
+                <a:solidFill>
+                  <a:srgbClr val="191919"/>
+                </a:solidFill>
+                <a:effectLst/>
+                <a:latin typeface="PingFang SC"/>
+              </a:rPr>
+              <a:t>年中国占全球游戏声卡市场的</a:t>
+            </a:r>
+            <a:r>
+              <a:rPr lang="en-US" altLang="zh-CN" b="0" i="0" dirty="0">
+                <a:solidFill>
+                  <a:srgbClr val="191919"/>
+                </a:solidFill>
+                <a:effectLst/>
+                <a:latin typeface="PingFang SC"/>
+              </a:rPr>
+              <a:t>34.58%</a:t>
+            </a:r>
+            <a:r>
+              <a:rPr lang="zh-CN" altLang="en-US" b="0" i="0" dirty="0">
+                <a:solidFill>
+                  <a:srgbClr val="191919"/>
+                </a:solidFill>
+                <a:effectLst/>
+                <a:latin typeface="PingFang SC"/>
+              </a:rPr>
+              <a:t>。贝哲斯咨询预测，至</a:t>
+            </a:r>
+            <a:r>
+              <a:rPr lang="en-US" altLang="zh-CN" b="0" i="0" dirty="0">
+                <a:solidFill>
+                  <a:srgbClr val="191919"/>
+                </a:solidFill>
+                <a:effectLst/>
+                <a:latin typeface="PingFang SC"/>
+              </a:rPr>
+              <a:t>2027</a:t>
+            </a:r>
+            <a:r>
+              <a:rPr lang="zh-CN" altLang="en-US" b="0" i="0" dirty="0">
+                <a:solidFill>
+                  <a:srgbClr val="191919"/>
+                </a:solidFill>
+                <a:effectLst/>
+                <a:latin typeface="PingFang SC"/>
+              </a:rPr>
+              <a:t>年全球游戏声卡市场规模将以</a:t>
+            </a:r>
+            <a:r>
+              <a:rPr lang="en-US" altLang="zh-CN" b="0" i="0" dirty="0">
+                <a:solidFill>
+                  <a:srgbClr val="191919"/>
+                </a:solidFill>
+                <a:effectLst/>
+                <a:latin typeface="PingFang SC"/>
+              </a:rPr>
+              <a:t>6.75%</a:t>
+            </a:r>
+            <a:r>
+              <a:rPr lang="zh-CN" altLang="en-US" b="0" i="0" dirty="0">
+                <a:solidFill>
+                  <a:srgbClr val="191919"/>
+                </a:solidFill>
+                <a:effectLst/>
+                <a:latin typeface="PingFang SC"/>
+              </a:rPr>
+              <a:t>的</a:t>
+            </a:r>
+            <a:r>
+              <a:rPr lang="en-US" altLang="zh-CN" b="0" i="0" dirty="0">
+                <a:solidFill>
+                  <a:srgbClr val="191919"/>
+                </a:solidFill>
+                <a:effectLst/>
+                <a:latin typeface="PingFang SC"/>
+              </a:rPr>
+              <a:t>CAGR</a:t>
+            </a:r>
+            <a:r>
+              <a:rPr lang="zh-CN" altLang="en-US" b="0" i="0" dirty="0">
+                <a:solidFill>
+                  <a:srgbClr val="191919"/>
+                </a:solidFill>
+                <a:effectLst/>
+                <a:latin typeface="PingFang SC"/>
+              </a:rPr>
+              <a:t>达到</a:t>
+            </a:r>
+            <a:r>
+              <a:rPr lang="en-US" altLang="zh-CN" b="0" i="0" dirty="0">
+                <a:solidFill>
+                  <a:srgbClr val="191919"/>
+                </a:solidFill>
+                <a:effectLst/>
+                <a:latin typeface="PingFang SC"/>
+              </a:rPr>
+              <a:t>35.69</a:t>
+            </a:r>
+            <a:r>
+              <a:rPr lang="zh-CN" altLang="en-US" b="0" i="0" dirty="0">
+                <a:solidFill>
+                  <a:srgbClr val="191919"/>
+                </a:solidFill>
+                <a:effectLst/>
+                <a:latin typeface="PingFang SC"/>
+              </a:rPr>
+              <a:t>亿元。</a:t>
+            </a:r>
+          </a:p>
+          <a:p>
+            <a:pPr lvl="1"/>
+            <a:r>
+              <a:rPr lang="zh-CN" altLang="en-US" b="0" i="0" dirty="0">
+                <a:solidFill>
+                  <a:srgbClr val="191919"/>
+                </a:solidFill>
+                <a:effectLst/>
+                <a:latin typeface="PingFang SC"/>
+              </a:rPr>
+              <a:t>报告出版商</a:t>
+            </a:r>
+            <a:r>
+              <a:rPr lang="en-US" altLang="zh-CN" b="0" i="0" dirty="0">
+                <a:solidFill>
+                  <a:srgbClr val="191919"/>
+                </a:solidFill>
+                <a:effectLst/>
+                <a:latin typeface="PingFang SC"/>
+              </a:rPr>
+              <a:t>: </a:t>
+            </a:r>
+            <a:r>
+              <a:rPr lang="zh-CN" altLang="en-US" b="0" i="0" dirty="0">
+                <a:solidFill>
+                  <a:srgbClr val="191919"/>
+                </a:solidFill>
+                <a:effectLst/>
+                <a:latin typeface="PingFang SC"/>
+              </a:rPr>
+              <a:t>湖南贝哲斯信息咨询有限公司</a:t>
+            </a:r>
+            <a:endParaRPr lang="en-US" altLang="zh-CN" b="0" i="0" dirty="0">
+              <a:solidFill>
+                <a:srgbClr val="191919"/>
+              </a:solidFill>
+              <a:effectLst/>
+              <a:latin typeface="PingFang SC"/>
+            </a:endParaRPr>
+          </a:p>
+          <a:p>
+            <a:r>
+              <a:rPr lang="en-US" altLang="zh-CN" b="1" dirty="0">
+                <a:solidFill>
+                  <a:srgbClr val="404040"/>
+                </a:solidFill>
+                <a:effectLst/>
+                <a:latin typeface="MicrosoftYaHei Bold"/>
+              </a:rPr>
+              <a:t>2022</a:t>
+            </a:r>
+            <a:r>
+              <a:rPr lang="zh-CN" altLang="en-US" b="1" dirty="0">
+                <a:solidFill>
+                  <a:srgbClr val="404040"/>
+                </a:solidFill>
+                <a:effectLst/>
+                <a:latin typeface="MicrosoftYaHei Bold"/>
+              </a:rPr>
+              <a:t>年游戏用</a:t>
+            </a:r>
+            <a:r>
+              <a:rPr lang="en-US" altLang="zh-CN" b="1" dirty="0">
+                <a:solidFill>
+                  <a:srgbClr val="404040"/>
+                </a:solidFill>
+                <a:effectLst/>
+                <a:latin typeface="MicrosoftYaHei Bold"/>
+              </a:rPr>
+              <a:t>USB</a:t>
+            </a:r>
+            <a:r>
+              <a:rPr lang="zh-CN" altLang="en-US" b="1" dirty="0">
+                <a:solidFill>
+                  <a:srgbClr val="404040"/>
+                </a:solidFill>
+                <a:effectLst/>
+                <a:latin typeface="MicrosoftYaHei Bold"/>
+              </a:rPr>
+              <a:t>声卡可行性行业调研报告</a:t>
+            </a:r>
+          </a:p>
+          <a:p>
+            <a:pPr lvl="1"/>
+            <a:endParaRPr lang="zh-CN" altLang="en-US" b="0" i="0" dirty="0">
+              <a:solidFill>
+                <a:srgbClr val="191919"/>
+              </a:solidFill>
+              <a:effectLst/>
+              <a:latin typeface="PingFang SC"/>
+            </a:endParaRPr>
+          </a:p>
+          <a:p>
+            <a:endParaRPr lang="zh-CN" altLang="en-US" dirty="0"/>
+          </a:p>
+        </p:txBody>
+      </p:sp>
+      <p:pic>
+        <p:nvPicPr>
+          <p:cNvPr id="1026" name="Picture 2">
+            <a:extLst>
+              <a:ext uri="{FF2B5EF4-FFF2-40B4-BE49-F238E27FC236}">
+                <a16:creationId xmlns:a16="http://schemas.microsoft.com/office/drawing/2014/main" id="{93BE0554-8265-FF93-3DD2-1D94BDFA4259}"/>
+              </a:ext>
+            </a:extLst>
+          </p:cNvPr>
+          <p:cNvPicPr>
+            <a:picLocks noChangeAspect="1" noChangeArrowheads="1"/>
+          </p:cNvPicPr>
+          <p:nvPr/>
+        </p:nvPicPr>
+        <p:blipFill>
+          <a:blip r:embed="rId2">
+            <a:extLst>
+              <a:ext uri="{28A0092B-C50C-407E-A947-70E740481C1C}">
+                <a14:useLocalDpi xmlns:a14="http://schemas.microsoft.com/office/drawing/2010/main" val="0"/>
+              </a:ext>
+            </a:extLst>
+          </a:blip>
+          <a:srcRect/>
+          <a:stretch>
+            <a:fillRect/>
+          </a:stretch>
+        </p:blipFill>
+        <p:spPr bwMode="auto">
+          <a:xfrm>
+            <a:off x="8620369" y="3709255"/>
+            <a:ext cx="2467708" cy="2467708"/>
+          </a:xfrm>
+          <a:prstGeom prst="rect">
+            <a:avLst/>
+          </a:prstGeom>
+          <a:noFill/>
+          <a:extLst>
+            <a:ext uri="{909E8E84-426E-40DD-AFC4-6F175D3DCCD1}">
+              <a14:hiddenFill xmlns:a14="http://schemas.microsoft.com/office/drawing/2010/main">
+                <a:solidFill>
+                  <a:srgbClr val="FFFFFF"/>
+                </a:solidFill>
+              </a14:hiddenFill>
+            </a:ext>
+          </a:extLst>
+        </p:spPr>
+      </p:pic>
+    </p:spTree>
+    <p:extLst>
+      <p:ext uri="{BB962C8B-B14F-4D97-AF65-F5344CB8AC3E}">
+        <p14:creationId xmlns:p14="http://schemas.microsoft.com/office/powerpoint/2010/main" val="3243233379"/>
+      </p:ext>
+    </p:extLst>
+  </p:cSld>
+  <p:clrMapOvr>
+    <a:masterClrMapping/>
+  </p:clrMapOvr>
+</p:sld>
+</file>
+
+<file path=ppt/slides/slide17.xml><?xml version="1.0" encoding="utf-8"?>
+<p:sld xmlns:a="http://schemas.openxmlformats.org/drawingml/2006/main" xmlns:r="http://schemas.openxmlformats.org/officeDocument/2006/relationships" xmlns:p="http://schemas.openxmlformats.org/presentationml/2006/main">
+  <p:cSld>
+    <p:spTree>
+      <p:nvGrpSpPr>
+        <p:cNvPr id="1" name=""/>
+        <p:cNvGrpSpPr/>
+        <p:nvPr/>
+      </p:nvGrpSpPr>
+      <p:grpSpPr>
+        <a:xfrm>
+          <a:off x="0" y="0"/>
+          <a:ext cx="0" cy="0"/>
+          <a:chOff x="0" y="0"/>
+          <a:chExt cx="0" cy="0"/>
+        </a:xfrm>
+      </p:grpSpPr>
+      <p:sp>
+        <p:nvSpPr>
+          <p:cNvPr id="2" name="标题 1">
+            <a:extLst>
+              <a:ext uri="{FF2B5EF4-FFF2-40B4-BE49-F238E27FC236}">
                 <a16:creationId xmlns:a16="http://schemas.microsoft.com/office/drawing/2014/main" id="{58B0690B-3B15-62A2-FDFA-C44039EDE883}"/>
               </a:ext>
             </a:extLst>
@@ -4737,7 +6477,7 @@
 </p:sld>
 </file>
 
-<file path=ppt/slides/slide11.xml><?xml version="1.0" encoding="utf-8"?>
+<file path=ppt/slides/slide18.xml><?xml version="1.0" encoding="utf-8"?>
 <p:sld xmlns:a="http://schemas.openxmlformats.org/drawingml/2006/main" xmlns:r="http://schemas.openxmlformats.org/officeDocument/2006/relationships" xmlns:p="http://schemas.openxmlformats.org/presentationml/2006/main">
   <p:cSld>
     <p:spTree>
@@ -5122,7 +6862,7 @@
 </p:sld>
 </file>
 
-<file path=ppt/slides/slide12.xml><?xml version="1.0" encoding="utf-8"?>
+<file path=ppt/slides/slide19.xml><?xml version="1.0" encoding="utf-8"?>
 <p:sld xmlns:a="http://schemas.openxmlformats.org/drawingml/2006/main" xmlns:r="http://schemas.openxmlformats.org/officeDocument/2006/relationships" xmlns:p="http://schemas.openxmlformats.org/presentationml/2006/main">
   <p:cSld>
     <p:spTree>
@@ -5248,1920 +6988,6 @@
 </p:sld>
 </file>
 
-<file path=ppt/slides/slide13.xml><?xml version="1.0" encoding="utf-8"?>
-<p:sld xmlns:a="http://schemas.openxmlformats.org/drawingml/2006/main" xmlns:r="http://schemas.openxmlformats.org/officeDocument/2006/relationships" xmlns:p="http://schemas.openxmlformats.org/presentationml/2006/main">
-  <p:cSld>
-    <p:spTree>
-      <p:nvGrpSpPr>
-        <p:cNvPr id="1" name=""/>
-        <p:cNvGrpSpPr/>
-        <p:nvPr/>
-      </p:nvGrpSpPr>
-      <p:grpSpPr>
-        <a:xfrm>
-          <a:off x="0" y="0"/>
-          <a:ext cx="0" cy="0"/>
-          <a:chOff x="0" y="0"/>
-          <a:chExt cx="0" cy="0"/>
-        </a:xfrm>
-      </p:grpSpPr>
-      <p:sp>
-        <p:nvSpPr>
-          <p:cNvPr id="2" name="标题 1">
-            <a:extLst>
-              <a:ext uri="{FF2B5EF4-FFF2-40B4-BE49-F238E27FC236}">
-                <a16:creationId xmlns:a16="http://schemas.microsoft.com/office/drawing/2014/main" id="{869C2500-CA49-0C4F-293E-E8F863E92FEA}"/>
-              </a:ext>
-            </a:extLst>
-          </p:cNvPr>
-          <p:cNvSpPr>
-            <a:spLocks noGrp="1"/>
-          </p:cNvSpPr>
-          <p:nvPr>
-            <p:ph type="title"/>
-          </p:nvPr>
-        </p:nvSpPr>
-        <p:spPr/>
-        <p:txBody>
-          <a:bodyPr/>
-          <a:lstStyle/>
-          <a:p>
-            <a:r>
-              <a:rPr lang="zh-CN" altLang="en-US" i="0" dirty="0">
-                <a:solidFill>
-                  <a:srgbClr val="333333"/>
-                </a:solidFill>
-                <a:effectLst/>
-                <a:latin typeface="Microsoft Yahei" panose="020B0503020204020204" pitchFamily="34" charset="-122"/>
-                <a:ea typeface="Microsoft Yahei" panose="020B0503020204020204" pitchFamily="34" charset="-122"/>
-              </a:rPr>
-              <a:t>台湾</a:t>
-            </a:r>
-            <a:r>
-              <a:rPr lang="en-US" altLang="zh-CN" i="0" dirty="0">
-                <a:solidFill>
-                  <a:srgbClr val="333333"/>
-                </a:solidFill>
-                <a:effectLst/>
-                <a:latin typeface="Microsoft Yahei" panose="020B0503020204020204" pitchFamily="34" charset="-122"/>
-                <a:ea typeface="Microsoft Yahei" panose="020B0503020204020204" pitchFamily="34" charset="-122"/>
-              </a:rPr>
-              <a:t>IC</a:t>
-            </a:r>
-            <a:r>
-              <a:rPr lang="zh-CN" altLang="en-US" i="0" dirty="0">
-                <a:solidFill>
-                  <a:srgbClr val="333333"/>
-                </a:solidFill>
-                <a:effectLst/>
-                <a:latin typeface="Microsoft Yahei" panose="020B0503020204020204" pitchFamily="34" charset="-122"/>
-                <a:ea typeface="Microsoft Yahei" panose="020B0503020204020204" pitchFamily="34" charset="-122"/>
-              </a:rPr>
-              <a:t>设计业全球市场占有率与竞争优势</a:t>
-            </a:r>
-            <a:endParaRPr lang="zh-CN" altLang="en-US" dirty="0"/>
-          </a:p>
-        </p:txBody>
-      </p:sp>
-      <p:sp>
-        <p:nvSpPr>
-          <p:cNvPr id="3" name="内容占位符 2">
-            <a:extLst>
-              <a:ext uri="{FF2B5EF4-FFF2-40B4-BE49-F238E27FC236}">
-                <a16:creationId xmlns:a16="http://schemas.microsoft.com/office/drawing/2014/main" id="{DE7D2BB0-A5EC-7AFE-82A6-4F23A1005B67}"/>
-              </a:ext>
-            </a:extLst>
-          </p:cNvPr>
-          <p:cNvSpPr>
-            <a:spLocks noGrp="1"/>
-          </p:cNvSpPr>
-          <p:nvPr>
-            <p:ph idx="1"/>
-          </p:nvPr>
-        </p:nvSpPr>
-        <p:spPr/>
-        <p:txBody>
-          <a:bodyPr>
-            <a:normAutofit/>
-          </a:bodyPr>
-          <a:lstStyle/>
-          <a:p>
-            <a:r>
-              <a:rPr lang="en-US" altLang="zh-CN" sz="2000" i="0" dirty="0">
-                <a:solidFill>
-                  <a:srgbClr val="000000"/>
-                </a:solidFill>
-                <a:effectLst/>
-                <a:ea typeface="等线" panose="02010600030101010101" pitchFamily="2" charset="-122"/>
-              </a:rPr>
-              <a:t>2022</a:t>
-            </a:r>
-            <a:r>
-              <a:rPr lang="zh-CN" altLang="en-US" sz="2000" i="0" dirty="0">
-                <a:solidFill>
-                  <a:srgbClr val="000000"/>
-                </a:solidFill>
-                <a:effectLst/>
-                <a:ea typeface="等线" panose="02010600030101010101" pitchFamily="2" charset="-122"/>
-              </a:rPr>
-              <a:t>年全球</a:t>
-            </a:r>
-            <a:r>
-              <a:rPr lang="en-US" altLang="zh-CN" sz="2000" i="0" dirty="0">
-                <a:solidFill>
-                  <a:srgbClr val="000000"/>
-                </a:solidFill>
-                <a:effectLst/>
-                <a:ea typeface="等线" panose="02010600030101010101" pitchFamily="2" charset="-122"/>
-              </a:rPr>
-              <a:t>IC</a:t>
-            </a:r>
-            <a:r>
-              <a:rPr lang="zh-CN" altLang="en-US" sz="2000" i="0" dirty="0">
-                <a:solidFill>
-                  <a:srgbClr val="000000"/>
-                </a:solidFill>
-                <a:effectLst/>
-                <a:ea typeface="等线" panose="02010600030101010101" pitchFamily="2" charset="-122"/>
-              </a:rPr>
-              <a:t>设计行业整体营收达到</a:t>
-            </a:r>
-            <a:r>
-              <a:rPr lang="en-US" altLang="zh-CN" sz="2000" i="0" dirty="0">
-                <a:solidFill>
-                  <a:srgbClr val="000000"/>
-                </a:solidFill>
-                <a:effectLst/>
-                <a:ea typeface="等线" panose="02010600030101010101" pitchFamily="2" charset="-122"/>
-              </a:rPr>
-              <a:t>2154</a:t>
-            </a:r>
-            <a:r>
-              <a:rPr lang="zh-CN" altLang="en-US" sz="2000" i="0" dirty="0">
-                <a:solidFill>
-                  <a:srgbClr val="000000"/>
-                </a:solidFill>
-                <a:effectLst/>
-                <a:ea typeface="等线" panose="02010600030101010101" pitchFamily="2" charset="-122"/>
-              </a:rPr>
-              <a:t>亿美元。其中，美国</a:t>
-            </a:r>
-            <a:r>
-              <a:rPr lang="en-US" altLang="zh-CN" sz="2000" i="0" dirty="0">
-                <a:solidFill>
-                  <a:srgbClr val="000000"/>
-                </a:solidFill>
-                <a:effectLst/>
-                <a:ea typeface="等线" panose="02010600030101010101" pitchFamily="2" charset="-122"/>
-              </a:rPr>
-              <a:t>IC</a:t>
-            </a:r>
-            <a:r>
-              <a:rPr lang="zh-CN" altLang="en-US" sz="2000" i="0" dirty="0">
-                <a:solidFill>
-                  <a:srgbClr val="000000"/>
-                </a:solidFill>
-                <a:effectLst/>
-                <a:ea typeface="等线" panose="02010600030101010101" pitchFamily="2" charset="-122"/>
-              </a:rPr>
-              <a:t>设计领域规模最大，市场份额达</a:t>
-            </a:r>
-            <a:r>
-              <a:rPr lang="en-US" altLang="zh-CN" sz="2000" i="0" dirty="0">
-                <a:solidFill>
-                  <a:srgbClr val="000000"/>
-                </a:solidFill>
-                <a:effectLst/>
-                <a:ea typeface="等线" panose="02010600030101010101" pitchFamily="2" charset="-122"/>
-              </a:rPr>
-              <a:t>63%</a:t>
-            </a:r>
-            <a:r>
-              <a:rPr lang="zh-CN" altLang="en-US" sz="2000" i="0" dirty="0">
-                <a:solidFill>
-                  <a:srgbClr val="000000"/>
-                </a:solidFill>
-                <a:effectLst/>
-                <a:ea typeface="等线" panose="02010600030101010101" pitchFamily="2" charset="-122"/>
-              </a:rPr>
-              <a:t>，营收超过</a:t>
-            </a:r>
-            <a:r>
-              <a:rPr lang="en-US" altLang="zh-CN" sz="2000" i="0" dirty="0">
-                <a:solidFill>
-                  <a:srgbClr val="000000"/>
-                </a:solidFill>
-                <a:effectLst/>
-                <a:ea typeface="等线" panose="02010600030101010101" pitchFamily="2" charset="-122"/>
-              </a:rPr>
-              <a:t>1300</a:t>
-            </a:r>
-            <a:r>
-              <a:rPr lang="zh-CN" altLang="en-US" sz="2000" i="0" dirty="0">
-                <a:solidFill>
-                  <a:srgbClr val="000000"/>
-                </a:solidFill>
-                <a:effectLst/>
-                <a:ea typeface="等线" panose="02010600030101010101" pitchFamily="2" charset="-122"/>
-              </a:rPr>
-              <a:t>亿美元。中国台湾的集成电路设计业为全球第二大，市场占有率达</a:t>
-            </a:r>
-            <a:r>
-              <a:rPr lang="en-US" altLang="zh-CN" sz="2000" i="0" dirty="0">
-                <a:solidFill>
-                  <a:srgbClr val="000000"/>
-                </a:solidFill>
-                <a:effectLst/>
-                <a:ea typeface="等线" panose="02010600030101010101" pitchFamily="2" charset="-122"/>
-              </a:rPr>
-              <a:t>18%</a:t>
-            </a:r>
-            <a:r>
-              <a:rPr lang="zh-CN" altLang="en-US" sz="2000" i="0" dirty="0">
-                <a:solidFill>
-                  <a:srgbClr val="000000"/>
-                </a:solidFill>
-                <a:effectLst/>
-                <a:ea typeface="等线" panose="02010600030101010101" pitchFamily="2" charset="-122"/>
-              </a:rPr>
-              <a:t>，营收接近</a:t>
-            </a:r>
-            <a:r>
-              <a:rPr lang="en-US" altLang="zh-CN" sz="2000" i="0" dirty="0">
-                <a:solidFill>
-                  <a:srgbClr val="000000"/>
-                </a:solidFill>
-                <a:effectLst/>
-                <a:ea typeface="等线" panose="02010600030101010101" pitchFamily="2" charset="-122"/>
-              </a:rPr>
-              <a:t>400</a:t>
-            </a:r>
-            <a:r>
-              <a:rPr lang="zh-CN" altLang="en-US" sz="2000" i="0" dirty="0">
-                <a:solidFill>
-                  <a:srgbClr val="000000"/>
-                </a:solidFill>
-                <a:effectLst/>
-                <a:ea typeface="等线" panose="02010600030101010101" pitchFamily="2" charset="-122"/>
-              </a:rPr>
-              <a:t>亿美元。中国大陆位居第三，市场份额接近</a:t>
-            </a:r>
-            <a:r>
-              <a:rPr lang="en-US" altLang="zh-CN" sz="2000" i="0" dirty="0">
-                <a:solidFill>
-                  <a:srgbClr val="000000"/>
-                </a:solidFill>
-                <a:effectLst/>
-                <a:ea typeface="等线" panose="02010600030101010101" pitchFamily="2" charset="-122"/>
-              </a:rPr>
-              <a:t>15%</a:t>
-            </a:r>
-            <a:r>
-              <a:rPr lang="zh-CN" altLang="en-US" sz="2000" i="0" dirty="0">
-                <a:solidFill>
-                  <a:srgbClr val="000000"/>
-                </a:solidFill>
-                <a:effectLst/>
-                <a:ea typeface="等线" panose="02010600030101010101" pitchFamily="2" charset="-122"/>
-              </a:rPr>
-              <a:t>。</a:t>
-            </a:r>
-            <a:endParaRPr lang="en-US" altLang="zh-CN" sz="2000" i="0" dirty="0">
-              <a:solidFill>
-                <a:srgbClr val="000000"/>
-              </a:solidFill>
-              <a:effectLst/>
-              <a:ea typeface="等线" panose="02010600030101010101" pitchFamily="2" charset="-122"/>
-            </a:endParaRPr>
-          </a:p>
-          <a:p>
-            <a:r>
-              <a:rPr lang="zh-CN" altLang="en-US" sz="2000" b="0" i="0" dirty="0">
-                <a:solidFill>
-                  <a:srgbClr val="000000"/>
-                </a:solidFill>
-                <a:effectLst/>
-                <a:latin typeface="+mn-ea"/>
-              </a:rPr>
-              <a:t>中国台湾</a:t>
-            </a:r>
-            <a:r>
-              <a:rPr lang="en-US" altLang="zh-CN" sz="2000" b="0" i="0" dirty="0">
-                <a:solidFill>
-                  <a:srgbClr val="000000"/>
-                </a:solidFill>
-                <a:effectLst/>
-                <a:latin typeface="+mn-ea"/>
-              </a:rPr>
-              <a:t>IC</a:t>
-            </a:r>
-            <a:r>
-              <a:rPr lang="zh-CN" altLang="en-US" sz="2000" b="0" i="0" dirty="0">
-                <a:solidFill>
-                  <a:srgbClr val="000000"/>
-                </a:solidFill>
-                <a:effectLst/>
-                <a:latin typeface="+mn-ea"/>
-              </a:rPr>
-              <a:t>设计业以数字</a:t>
-            </a:r>
-            <a:r>
-              <a:rPr lang="en-US" altLang="zh-CN" sz="2000" b="0" i="0" dirty="0">
-                <a:solidFill>
-                  <a:srgbClr val="000000"/>
-                </a:solidFill>
-                <a:effectLst/>
-                <a:latin typeface="+mn-ea"/>
-              </a:rPr>
-              <a:t>IC</a:t>
-            </a:r>
-            <a:r>
-              <a:rPr lang="zh-CN" altLang="en-US" sz="2000" b="0" i="0" dirty="0">
-                <a:solidFill>
-                  <a:srgbClr val="000000"/>
-                </a:solidFill>
-                <a:effectLst/>
-                <a:latin typeface="+mn-ea"/>
-              </a:rPr>
-              <a:t>为主，全球市场占有率达</a:t>
-            </a:r>
-            <a:r>
-              <a:rPr lang="en-US" altLang="zh-CN" sz="2000" b="0" i="0" dirty="0">
-                <a:solidFill>
-                  <a:srgbClr val="000000"/>
-                </a:solidFill>
-                <a:effectLst/>
-                <a:latin typeface="+mn-ea"/>
-              </a:rPr>
-              <a:t>12%</a:t>
-            </a:r>
-            <a:r>
-              <a:rPr lang="zh-CN" altLang="en-US" sz="2000" b="0" i="0" dirty="0">
-                <a:solidFill>
-                  <a:srgbClr val="000000"/>
-                </a:solidFill>
-                <a:effectLst/>
-                <a:latin typeface="+mn-ea"/>
-              </a:rPr>
-              <a:t>。相比之下，中国台湾的模拟</a:t>
-            </a:r>
-            <a:r>
-              <a:rPr lang="en-US" altLang="zh-CN" sz="2000" b="0" i="0" dirty="0">
-                <a:solidFill>
-                  <a:srgbClr val="000000"/>
-                </a:solidFill>
-                <a:effectLst/>
-                <a:latin typeface="+mn-ea"/>
-              </a:rPr>
-              <a:t>IC</a:t>
-            </a:r>
-            <a:r>
-              <a:rPr lang="zh-CN" altLang="en-US" sz="2000" b="0" i="0" dirty="0">
-                <a:solidFill>
-                  <a:srgbClr val="000000"/>
-                </a:solidFill>
-                <a:effectLst/>
-                <a:latin typeface="+mn-ea"/>
-              </a:rPr>
-              <a:t>估计占全球市场的</a:t>
-            </a:r>
-            <a:r>
-              <a:rPr lang="en-US" altLang="zh-CN" sz="2000" b="0" i="0" dirty="0">
-                <a:solidFill>
-                  <a:srgbClr val="000000"/>
-                </a:solidFill>
-                <a:effectLst/>
-                <a:latin typeface="+mn-ea"/>
-              </a:rPr>
-              <a:t>5%</a:t>
-            </a:r>
-            <a:r>
-              <a:rPr lang="zh-CN" altLang="en-US" sz="2000" b="0" i="0" dirty="0">
-                <a:solidFill>
-                  <a:srgbClr val="000000"/>
-                </a:solidFill>
-                <a:effectLst/>
-                <a:latin typeface="+mn-ea"/>
-              </a:rPr>
-              <a:t>左右。与内存和分立元件一样，台湾地区在全球市场上的份额有限，份额不到 </a:t>
-            </a:r>
-            <a:r>
-              <a:rPr lang="en-US" altLang="zh-CN" sz="2000" b="0" i="0" dirty="0">
-                <a:solidFill>
-                  <a:srgbClr val="000000"/>
-                </a:solidFill>
-                <a:effectLst/>
-                <a:latin typeface="+mn-ea"/>
-              </a:rPr>
-              <a:t>2%</a:t>
-            </a:r>
-            <a:r>
-              <a:rPr lang="zh-CN" altLang="en-US" sz="2000" b="0" i="0" dirty="0">
-                <a:solidFill>
-                  <a:srgbClr val="000000"/>
-                </a:solidFill>
-                <a:effectLst/>
-                <a:latin typeface="+mn-ea"/>
-              </a:rPr>
-              <a:t>。</a:t>
-            </a:r>
-            <a:endParaRPr lang="en-US" altLang="zh-CN" sz="2000" b="0" i="0" dirty="0">
-              <a:solidFill>
-                <a:srgbClr val="000000"/>
-              </a:solidFill>
-              <a:effectLst/>
-              <a:latin typeface="+mn-ea"/>
-            </a:endParaRPr>
-          </a:p>
-          <a:p>
-            <a:r>
-              <a:rPr lang="zh-CN" altLang="en-US" sz="1400" b="0" i="0" dirty="0">
-                <a:solidFill>
-                  <a:srgbClr val="000000"/>
-                </a:solidFill>
-                <a:effectLst/>
-                <a:latin typeface="Microsoft Yahei" panose="020B0503020204020204" pitchFamily="34" charset="-122"/>
-                <a:ea typeface="Microsoft Yahei" panose="020B0503020204020204" pitchFamily="34" charset="-122"/>
-              </a:rPr>
-              <a:t>从半导体产品的不同细分市场来看，美国在几个主要市场的市场份额仍然领先。高通、</a:t>
-            </a:r>
-            <a:r>
-              <a:rPr lang="en-US" altLang="zh-CN" sz="1400" b="0" i="0" dirty="0">
-                <a:solidFill>
-                  <a:srgbClr val="000000"/>
-                </a:solidFill>
-                <a:effectLst/>
-                <a:latin typeface="Microsoft Yahei" panose="020B0503020204020204" pitchFamily="34" charset="-122"/>
-                <a:ea typeface="Microsoft Yahei" panose="020B0503020204020204" pitchFamily="34" charset="-122"/>
-              </a:rPr>
-              <a:t>AMD</a:t>
-            </a:r>
-            <a:r>
-              <a:rPr lang="zh-CN" altLang="en-US" sz="1400" b="0" i="0" dirty="0">
-                <a:solidFill>
-                  <a:srgbClr val="000000"/>
-                </a:solidFill>
-                <a:effectLst/>
-                <a:latin typeface="Microsoft Yahei" panose="020B0503020204020204" pitchFamily="34" charset="-122"/>
-                <a:ea typeface="Microsoft Yahei" panose="020B0503020204020204" pitchFamily="34" charset="-122"/>
-              </a:rPr>
-              <a:t>、博通、英伟达和 </a:t>
-            </a:r>
-            <a:r>
-              <a:rPr lang="en-US" altLang="zh-CN" sz="1400" b="0" i="0" dirty="0">
-                <a:solidFill>
-                  <a:srgbClr val="000000"/>
-                </a:solidFill>
-                <a:effectLst/>
-                <a:latin typeface="Microsoft Yahei" panose="020B0503020204020204" pitchFamily="34" charset="-122"/>
-                <a:ea typeface="Microsoft Yahei" panose="020B0503020204020204" pitchFamily="34" charset="-122"/>
-              </a:rPr>
-              <a:t>Marvell </a:t>
-            </a:r>
-            <a:r>
-              <a:rPr lang="zh-CN" altLang="en-US" sz="1400" b="0" i="0" dirty="0">
-                <a:solidFill>
-                  <a:srgbClr val="000000"/>
-                </a:solidFill>
-                <a:effectLst/>
-                <a:latin typeface="Microsoft Yahei" panose="020B0503020204020204" pitchFamily="34" charset="-122"/>
-                <a:ea typeface="Microsoft Yahei" panose="020B0503020204020204" pitchFamily="34" charset="-122"/>
-              </a:rPr>
-              <a:t>等美国主要 </a:t>
-            </a:r>
-            <a:r>
-              <a:rPr lang="en-US" altLang="zh-CN" sz="1400" b="0" i="0" dirty="0">
-                <a:solidFill>
-                  <a:srgbClr val="000000"/>
-                </a:solidFill>
-                <a:effectLst/>
-                <a:latin typeface="Microsoft Yahei" panose="020B0503020204020204" pitchFamily="34" charset="-122"/>
-                <a:ea typeface="Microsoft Yahei" panose="020B0503020204020204" pitchFamily="34" charset="-122"/>
-              </a:rPr>
-              <a:t>IC </a:t>
-            </a:r>
-            <a:r>
-              <a:rPr lang="zh-CN" altLang="en-US" sz="1400" b="0" i="0" dirty="0">
-                <a:solidFill>
-                  <a:srgbClr val="000000"/>
-                </a:solidFill>
-                <a:effectLst/>
-                <a:latin typeface="Microsoft Yahei" panose="020B0503020204020204" pitchFamily="34" charset="-122"/>
-                <a:ea typeface="Microsoft Yahei" panose="020B0503020204020204" pitchFamily="34" charset="-122"/>
-              </a:rPr>
-              <a:t>设计公司是智能手机芯片、</a:t>
-            </a:r>
-            <a:r>
-              <a:rPr lang="en-US" altLang="zh-CN" sz="1400" b="0" i="0" dirty="0">
-                <a:solidFill>
-                  <a:srgbClr val="000000"/>
-                </a:solidFill>
-                <a:effectLst/>
-                <a:latin typeface="Microsoft Yahei" panose="020B0503020204020204" pitchFamily="34" charset="-122"/>
-                <a:ea typeface="Microsoft Yahei" panose="020B0503020204020204" pitchFamily="34" charset="-122"/>
-              </a:rPr>
-              <a:t>CPU</a:t>
-            </a:r>
-            <a:r>
-              <a:rPr lang="zh-CN" altLang="en-US" sz="1400" b="0" i="0" dirty="0">
-                <a:solidFill>
-                  <a:srgbClr val="000000"/>
-                </a:solidFill>
-                <a:effectLst/>
-                <a:latin typeface="Microsoft Yahei" panose="020B0503020204020204" pitchFamily="34" charset="-122"/>
-                <a:ea typeface="Microsoft Yahei" panose="020B0503020204020204" pitchFamily="34" charset="-122"/>
-              </a:rPr>
-              <a:t>、</a:t>
-            </a:r>
-            <a:r>
-              <a:rPr lang="en-US" altLang="zh-CN" sz="1400" b="0" i="0" dirty="0">
-                <a:solidFill>
-                  <a:srgbClr val="000000"/>
-                </a:solidFill>
-                <a:effectLst/>
-                <a:latin typeface="Microsoft Yahei" panose="020B0503020204020204" pitchFamily="34" charset="-122"/>
-                <a:ea typeface="Microsoft Yahei" panose="020B0503020204020204" pitchFamily="34" charset="-122"/>
-              </a:rPr>
-              <a:t>GPU </a:t>
-            </a:r>
-            <a:r>
-              <a:rPr lang="zh-CN" altLang="en-US" sz="1400" b="0" i="0" dirty="0">
-                <a:solidFill>
-                  <a:srgbClr val="000000"/>
-                </a:solidFill>
-                <a:effectLst/>
-                <a:latin typeface="Microsoft Yahei" panose="020B0503020204020204" pitchFamily="34" charset="-122"/>
-                <a:ea typeface="Microsoft Yahei" panose="020B0503020204020204" pitchFamily="34" charset="-122"/>
-              </a:rPr>
-              <a:t>和网络芯片领域的全球领导者。这使他们在与系统架构相关的微处理器</a:t>
-            </a:r>
-            <a:r>
-              <a:rPr lang="en-US" altLang="zh-CN" sz="1400" b="0" i="0" dirty="0">
-                <a:solidFill>
-                  <a:srgbClr val="000000"/>
-                </a:solidFill>
-                <a:effectLst/>
-                <a:latin typeface="Microsoft Yahei" panose="020B0503020204020204" pitchFamily="34" charset="-122"/>
-                <a:ea typeface="Microsoft Yahei" panose="020B0503020204020204" pitchFamily="34" charset="-122"/>
-              </a:rPr>
-              <a:t>/SoC </a:t>
-            </a:r>
-            <a:r>
-              <a:rPr lang="zh-CN" altLang="en-US" sz="1400" b="0" i="0" dirty="0">
-                <a:solidFill>
-                  <a:srgbClr val="000000"/>
-                </a:solidFill>
-                <a:effectLst/>
-                <a:latin typeface="Microsoft Yahei" panose="020B0503020204020204" pitchFamily="34" charset="-122"/>
-                <a:ea typeface="Microsoft Yahei" panose="020B0503020204020204" pitchFamily="34" charset="-122"/>
-              </a:rPr>
-              <a:t>中占据了主导地位。</a:t>
-            </a:r>
-            <a:endParaRPr lang="zh-CN" altLang="en-US" sz="2000" dirty="0">
-              <a:latin typeface="+mn-ea"/>
-            </a:endParaRPr>
-          </a:p>
-        </p:txBody>
-      </p:sp>
-    </p:spTree>
-    <p:extLst>
-      <p:ext uri="{BB962C8B-B14F-4D97-AF65-F5344CB8AC3E}">
-        <p14:creationId xmlns:p14="http://schemas.microsoft.com/office/powerpoint/2010/main" val="2289678418"/>
-      </p:ext>
-    </p:extLst>
-  </p:cSld>
-  <p:clrMapOvr>
-    <a:masterClrMapping/>
-  </p:clrMapOvr>
-</p:sld>
-</file>
-
-<file path=ppt/slides/slide14.xml><?xml version="1.0" encoding="utf-8"?>
-<p:sld xmlns:a="http://schemas.openxmlformats.org/drawingml/2006/main" xmlns:r="http://schemas.openxmlformats.org/officeDocument/2006/relationships" xmlns:p="http://schemas.openxmlformats.org/presentationml/2006/main">
-  <p:cSld>
-    <p:spTree>
-      <p:nvGrpSpPr>
-        <p:cNvPr id="1" name=""/>
-        <p:cNvGrpSpPr/>
-        <p:nvPr/>
-      </p:nvGrpSpPr>
-      <p:grpSpPr>
-        <a:xfrm>
-          <a:off x="0" y="0"/>
-          <a:ext cx="0" cy="0"/>
-          <a:chOff x="0" y="0"/>
-          <a:chExt cx="0" cy="0"/>
-        </a:xfrm>
-      </p:grpSpPr>
-      <p:sp>
-        <p:nvSpPr>
-          <p:cNvPr id="2" name="标题 1">
-            <a:extLst>
-              <a:ext uri="{FF2B5EF4-FFF2-40B4-BE49-F238E27FC236}">
-                <a16:creationId xmlns:a16="http://schemas.microsoft.com/office/drawing/2014/main" id="{44E17A92-7DFE-AE61-0EAC-74B408C896D5}"/>
-              </a:ext>
-            </a:extLst>
-          </p:cNvPr>
-          <p:cNvSpPr>
-            <a:spLocks noGrp="1"/>
-          </p:cNvSpPr>
-          <p:nvPr>
-            <p:ph type="title"/>
-          </p:nvPr>
-        </p:nvSpPr>
-        <p:spPr/>
-        <p:txBody>
-          <a:bodyPr/>
-          <a:lstStyle/>
-          <a:p>
-            <a:r>
-              <a:rPr lang="zh-CN" altLang="en-US" dirty="0"/>
-              <a:t>零散信息</a:t>
-            </a:r>
-          </a:p>
-        </p:txBody>
-      </p:sp>
-      <p:sp>
-        <p:nvSpPr>
-          <p:cNvPr id="3" name="内容占位符 2">
-            <a:extLst>
-              <a:ext uri="{FF2B5EF4-FFF2-40B4-BE49-F238E27FC236}">
-                <a16:creationId xmlns:a16="http://schemas.microsoft.com/office/drawing/2014/main" id="{EF88DD60-AB20-4D76-39B7-7B1C8BF99697}"/>
-              </a:ext>
-            </a:extLst>
-          </p:cNvPr>
-          <p:cNvSpPr>
-            <a:spLocks noGrp="1"/>
-          </p:cNvSpPr>
-          <p:nvPr>
-            <p:ph idx="1"/>
-          </p:nvPr>
-        </p:nvSpPr>
-        <p:spPr/>
-        <p:txBody>
-          <a:bodyPr>
-            <a:normAutofit/>
-          </a:bodyPr>
-          <a:lstStyle/>
-          <a:p>
-            <a:r>
-              <a:rPr lang="en-US" altLang="zh-CN" sz="1400" dirty="0">
-                <a:solidFill>
-                  <a:srgbClr val="333333"/>
-                </a:solidFill>
-                <a:latin typeface="Microsoft yahei" panose="020B0503020204020204" pitchFamily="34" charset="-122"/>
-                <a:ea typeface="Microsoft yahei" panose="020B0503020204020204" pitchFamily="34" charset="-122"/>
-              </a:rPr>
-              <a:t>18</a:t>
-            </a:r>
-            <a:r>
-              <a:rPr lang="zh-CN" altLang="en-US" sz="1400" dirty="0">
-                <a:solidFill>
-                  <a:srgbClr val="333333"/>
-                </a:solidFill>
-                <a:latin typeface="Microsoft yahei" panose="020B0503020204020204" pitchFamily="34" charset="-122"/>
-                <a:ea typeface="Microsoft yahei" panose="020B0503020204020204" pitchFamily="34" charset="-122"/>
-              </a:rPr>
-              <a:t>年：瑞昱为国内网通芯片大厂，若依去年产品营收比重而言，</a:t>
-            </a:r>
-            <a:r>
-              <a:rPr lang="en-US" altLang="zh-CN" sz="1400" dirty="0">
-                <a:solidFill>
-                  <a:srgbClr val="333333"/>
-                </a:solidFill>
-                <a:latin typeface="Microsoft yahei" panose="020B0503020204020204" pitchFamily="34" charset="-122"/>
-                <a:ea typeface="Microsoft yahei" panose="020B0503020204020204" pitchFamily="34" charset="-122"/>
-              </a:rPr>
-              <a:t>PC</a:t>
-            </a:r>
-            <a:r>
-              <a:rPr lang="zh-CN" altLang="en-US" sz="1400" dirty="0">
-                <a:solidFill>
-                  <a:srgbClr val="333333"/>
-                </a:solidFill>
-                <a:latin typeface="Microsoft yahei" panose="020B0503020204020204" pitchFamily="34" charset="-122"/>
-                <a:ea typeface="Microsoft yahei" panose="020B0503020204020204" pitchFamily="34" charset="-122"/>
-              </a:rPr>
-              <a:t>相关约占</a:t>
-            </a:r>
-            <a:r>
-              <a:rPr lang="en-US" altLang="zh-CN" sz="1400" dirty="0">
-                <a:solidFill>
-                  <a:srgbClr val="333333"/>
-                </a:solidFill>
-                <a:latin typeface="Microsoft yahei" panose="020B0503020204020204" pitchFamily="34" charset="-122"/>
-                <a:ea typeface="Microsoft yahei" panose="020B0503020204020204" pitchFamily="34" charset="-122"/>
-              </a:rPr>
-              <a:t>30~35%</a:t>
-            </a:r>
-            <a:r>
-              <a:rPr lang="zh-CN" altLang="en-US" sz="1400" dirty="0">
-                <a:solidFill>
-                  <a:srgbClr val="333333"/>
-                </a:solidFill>
-                <a:latin typeface="Microsoft yahei" panose="020B0503020204020204" pitchFamily="34" charset="-122"/>
-                <a:ea typeface="Microsoft yahei" panose="020B0503020204020204" pitchFamily="34" charset="-122"/>
-              </a:rPr>
-              <a:t>、非</a:t>
-            </a:r>
-            <a:r>
-              <a:rPr lang="en-US" altLang="zh-CN" sz="1400" dirty="0">
-                <a:solidFill>
-                  <a:srgbClr val="333333"/>
-                </a:solidFill>
-                <a:latin typeface="Microsoft yahei" panose="020B0503020204020204" pitchFamily="34" charset="-122"/>
-                <a:ea typeface="Microsoft yahei" panose="020B0503020204020204" pitchFamily="34" charset="-122"/>
-              </a:rPr>
-              <a:t>PC</a:t>
-            </a:r>
-            <a:r>
-              <a:rPr lang="zh-CN" altLang="en-US" sz="1400" dirty="0">
-                <a:solidFill>
-                  <a:srgbClr val="333333"/>
-                </a:solidFill>
-                <a:latin typeface="Microsoft yahei" panose="020B0503020204020204" pitchFamily="34" charset="-122"/>
-                <a:ea typeface="Microsoft yahei" panose="020B0503020204020204" pitchFamily="34" charset="-122"/>
-              </a:rPr>
-              <a:t>相关约占</a:t>
-            </a:r>
-            <a:r>
-              <a:rPr lang="en-US" altLang="zh-CN" sz="1400" dirty="0">
-                <a:solidFill>
-                  <a:srgbClr val="333333"/>
-                </a:solidFill>
-                <a:latin typeface="Microsoft yahei" panose="020B0503020204020204" pitchFamily="34" charset="-122"/>
-                <a:ea typeface="Microsoft yahei" panose="020B0503020204020204" pitchFamily="34" charset="-122"/>
-              </a:rPr>
-              <a:t>65~70%</a:t>
-            </a:r>
-            <a:r>
-              <a:rPr lang="zh-CN" altLang="en-US" sz="1400" dirty="0">
-                <a:solidFill>
-                  <a:srgbClr val="333333"/>
-                </a:solidFill>
-                <a:latin typeface="Microsoft yahei" panose="020B0503020204020204" pitchFamily="34" charset="-122"/>
-                <a:ea typeface="Microsoft yahei" panose="020B0503020204020204" pitchFamily="34" charset="-122"/>
-              </a:rPr>
-              <a:t>。</a:t>
-            </a:r>
-            <a:endParaRPr lang="en-US" altLang="zh-CN" sz="1400" dirty="0">
-              <a:solidFill>
-                <a:srgbClr val="333333"/>
-              </a:solidFill>
-              <a:latin typeface="Microsoft yahei" panose="020B0503020204020204" pitchFamily="34" charset="-122"/>
-              <a:ea typeface="Microsoft yahei" panose="020B0503020204020204" pitchFamily="34" charset="-122"/>
-            </a:endParaRPr>
-          </a:p>
-          <a:p>
-            <a:r>
-              <a:rPr lang="zh-CN" altLang="en-US" sz="1400" dirty="0">
-                <a:solidFill>
-                  <a:srgbClr val="333333"/>
-                </a:solidFill>
-                <a:latin typeface="Microsoft yahei" panose="020B0503020204020204" pitchFamily="34" charset="-122"/>
-                <a:ea typeface="Microsoft yahei" panose="020B0503020204020204" pitchFamily="34" charset="-122"/>
-              </a:rPr>
-              <a:t>非</a:t>
-            </a:r>
-            <a:r>
-              <a:rPr lang="en-US" altLang="zh-CN" sz="1400" dirty="0">
-                <a:solidFill>
-                  <a:srgbClr val="333333"/>
-                </a:solidFill>
-                <a:latin typeface="Microsoft yahei" panose="020B0503020204020204" pitchFamily="34" charset="-122"/>
-                <a:ea typeface="Microsoft yahei" panose="020B0503020204020204" pitchFamily="34" charset="-122"/>
-              </a:rPr>
-              <a:t>PC</a:t>
-            </a:r>
-            <a:r>
-              <a:rPr lang="zh-CN" altLang="en-US" sz="1400" dirty="0">
-                <a:solidFill>
-                  <a:srgbClr val="333333"/>
-                </a:solidFill>
-                <a:latin typeface="Microsoft yahei" panose="020B0503020204020204" pitchFamily="34" charset="-122"/>
-                <a:ea typeface="Microsoft yahei" panose="020B0503020204020204" pitchFamily="34" charset="-122"/>
-              </a:rPr>
-              <a:t>相关，主要包含网通与多媒体产品。网通产品包含</a:t>
-            </a:r>
-            <a:r>
-              <a:rPr lang="en-US" altLang="zh-CN" sz="1400" dirty="0" err="1">
-                <a:solidFill>
-                  <a:srgbClr val="333333"/>
-                </a:solidFill>
-                <a:latin typeface="Microsoft yahei" panose="020B0503020204020204" pitchFamily="34" charset="-122"/>
-                <a:ea typeface="Microsoft yahei" panose="020B0503020204020204" pitchFamily="34" charset="-122"/>
-              </a:rPr>
-              <a:t>WiFi</a:t>
-            </a:r>
-            <a:r>
-              <a:rPr lang="zh-CN" altLang="en-US" sz="1400" dirty="0">
-                <a:solidFill>
-                  <a:srgbClr val="333333"/>
-                </a:solidFill>
-                <a:latin typeface="Microsoft yahei" panose="020B0503020204020204" pitchFamily="34" charset="-122"/>
-                <a:ea typeface="Microsoft yahei" panose="020B0503020204020204" pitchFamily="34" charset="-122"/>
-              </a:rPr>
-              <a:t>芯片、以太网络 </a:t>
-            </a:r>
-            <a:r>
-              <a:rPr lang="en-US" altLang="zh-CN" sz="1400" dirty="0">
-                <a:solidFill>
-                  <a:srgbClr val="333333"/>
-                </a:solidFill>
-                <a:latin typeface="Microsoft yahei" panose="020B0503020204020204" pitchFamily="34" charset="-122"/>
-                <a:ea typeface="Microsoft yahei" panose="020B0503020204020204" pitchFamily="34" charset="-122"/>
-              </a:rPr>
-              <a:t>(Ethernet)</a:t>
-            </a:r>
-            <a:r>
-              <a:rPr lang="zh-CN" altLang="en-US" sz="1400" dirty="0">
-                <a:solidFill>
-                  <a:srgbClr val="333333"/>
-                </a:solidFill>
-                <a:latin typeface="Microsoft yahei" panose="020B0503020204020204" pitchFamily="34" charset="-122"/>
-                <a:ea typeface="Microsoft yahei" panose="020B0503020204020204" pitchFamily="34" charset="-122"/>
-              </a:rPr>
-              <a:t>芯片、宽频接取设备芯片、</a:t>
-            </a:r>
-            <a:r>
-              <a:rPr lang="en-US" altLang="zh-CN" sz="1400" dirty="0">
-                <a:solidFill>
-                  <a:srgbClr val="333333"/>
-                </a:solidFill>
-                <a:latin typeface="Microsoft yahei" panose="020B0503020204020204" pitchFamily="34" charset="-122"/>
-                <a:ea typeface="Microsoft yahei" panose="020B0503020204020204" pitchFamily="34" charset="-122"/>
-              </a:rPr>
-              <a:t>Gateway</a:t>
-            </a:r>
-            <a:r>
-              <a:rPr lang="zh-CN" altLang="en-US" sz="1400" dirty="0">
-                <a:solidFill>
-                  <a:srgbClr val="333333"/>
-                </a:solidFill>
-                <a:latin typeface="Microsoft yahei" panose="020B0503020204020204" pitchFamily="34" charset="-122"/>
-                <a:ea typeface="Microsoft yahei" panose="020B0503020204020204" pitchFamily="34" charset="-122"/>
-              </a:rPr>
-              <a:t>控制芯片、</a:t>
-            </a:r>
-            <a:r>
-              <a:rPr lang="en-US" altLang="zh-CN" sz="1400" dirty="0">
-                <a:solidFill>
-                  <a:srgbClr val="333333"/>
-                </a:solidFill>
-                <a:latin typeface="Microsoft yahei" panose="020B0503020204020204" pitchFamily="34" charset="-122"/>
-                <a:ea typeface="Microsoft yahei" panose="020B0503020204020204" pitchFamily="34" charset="-122"/>
-              </a:rPr>
-              <a:t>Switch</a:t>
-            </a:r>
-            <a:r>
-              <a:rPr lang="zh-CN" altLang="en-US" sz="1400" dirty="0">
-                <a:solidFill>
-                  <a:srgbClr val="333333"/>
-                </a:solidFill>
-                <a:latin typeface="Microsoft yahei" panose="020B0503020204020204" pitchFamily="34" charset="-122"/>
-                <a:ea typeface="Microsoft yahei" panose="020B0503020204020204" pitchFamily="34" charset="-122"/>
-              </a:rPr>
-              <a:t>控制芯片等，占瑞昱整体营收比重逾半。</a:t>
-            </a:r>
-            <a:endParaRPr lang="en-US" altLang="zh-CN" sz="1400" dirty="0">
-              <a:solidFill>
-                <a:srgbClr val="333333"/>
-              </a:solidFill>
-              <a:latin typeface="Microsoft yahei" panose="020B0503020204020204" pitchFamily="34" charset="-122"/>
-              <a:ea typeface="Microsoft yahei" panose="020B0503020204020204" pitchFamily="34" charset="-122"/>
-            </a:endParaRPr>
-          </a:p>
-          <a:p>
-            <a:endParaRPr lang="en-US" altLang="zh-CN" sz="1400" dirty="0">
-              <a:solidFill>
-                <a:srgbClr val="333333"/>
-              </a:solidFill>
-              <a:latin typeface="Microsoft yahei" panose="020B0503020204020204" pitchFamily="34" charset="-122"/>
-              <a:ea typeface="Microsoft yahei" panose="020B0503020204020204" pitchFamily="34" charset="-122"/>
-            </a:endParaRPr>
-          </a:p>
-          <a:p>
-            <a:r>
-              <a:rPr lang="zh-CN" altLang="en-US" sz="1400" dirty="0">
-                <a:solidFill>
-                  <a:srgbClr val="333333"/>
-                </a:solidFill>
-                <a:latin typeface="Microsoft yahei" panose="020B0503020204020204" pitchFamily="34" charset="-122"/>
-                <a:ea typeface="Microsoft yahei" panose="020B0503020204020204" pitchFamily="34" charset="-122"/>
-              </a:rPr>
-              <a:t>由于瑞昱部分</a:t>
-            </a:r>
-            <a:r>
-              <a:rPr lang="en-US" altLang="zh-CN" sz="1400" dirty="0" err="1">
-                <a:solidFill>
-                  <a:srgbClr val="333333"/>
-                </a:solidFill>
-                <a:latin typeface="Microsoft yahei" panose="020B0503020204020204" pitchFamily="34" charset="-122"/>
-                <a:ea typeface="Microsoft yahei" panose="020B0503020204020204" pitchFamily="34" charset="-122"/>
-              </a:rPr>
-              <a:t>WiFi</a:t>
-            </a:r>
-            <a:r>
-              <a:rPr lang="zh-CN" altLang="en-US" sz="1400" dirty="0">
-                <a:solidFill>
-                  <a:srgbClr val="333333"/>
-                </a:solidFill>
-                <a:latin typeface="Microsoft yahei" panose="020B0503020204020204" pitchFamily="34" charset="-122"/>
-                <a:ea typeface="Microsoft yahei" panose="020B0503020204020204" pitchFamily="34" charset="-122"/>
-              </a:rPr>
-              <a:t>芯片</a:t>
-            </a:r>
-            <a:r>
-              <a:rPr lang="zh-CN" altLang="en-US" sz="1400" dirty="0">
-                <a:solidFill>
-                  <a:srgbClr val="FF0000"/>
-                </a:solidFill>
-                <a:latin typeface="Microsoft yahei" panose="020B0503020204020204" pitchFamily="34" charset="-122"/>
-                <a:ea typeface="Microsoft yahei" panose="020B0503020204020204" pitchFamily="34" charset="-122"/>
-              </a:rPr>
-              <a:t>有用到美国厂商的</a:t>
-            </a:r>
-            <a:r>
-              <a:rPr lang="en-US" altLang="zh-CN" sz="1400" dirty="0">
-                <a:solidFill>
-                  <a:srgbClr val="FF0000"/>
-                </a:solidFill>
-                <a:latin typeface="Microsoft yahei" panose="020B0503020204020204" pitchFamily="34" charset="-122"/>
-                <a:ea typeface="Microsoft yahei" panose="020B0503020204020204" pitchFamily="34" charset="-122"/>
-              </a:rPr>
-              <a:t>IP</a:t>
-            </a:r>
-            <a:r>
-              <a:rPr lang="zh-CN" altLang="en-US" sz="1400" dirty="0">
-                <a:solidFill>
-                  <a:srgbClr val="333333"/>
-                </a:solidFill>
-                <a:latin typeface="Microsoft yahei" panose="020B0503020204020204" pitchFamily="34" charset="-122"/>
-                <a:ea typeface="Microsoft yahei" panose="020B0503020204020204" pitchFamily="34" charset="-122"/>
-              </a:rPr>
-              <a:t>，因此客户中兴可能在美国禁售令延烧下，影响到瑞昱的芯片出货量，对此瑞昱表示，目前</a:t>
-            </a:r>
-            <a:r>
-              <a:rPr lang="en-US" altLang="zh-CN" sz="1400" dirty="0">
-                <a:solidFill>
-                  <a:srgbClr val="333333"/>
-                </a:solidFill>
-                <a:latin typeface="Microsoft yahei" panose="020B0503020204020204" pitchFamily="34" charset="-122"/>
-                <a:ea typeface="Microsoft yahei" panose="020B0503020204020204" pitchFamily="34" charset="-122"/>
-              </a:rPr>
-              <a:t>4</a:t>
-            </a:r>
-            <a:r>
-              <a:rPr lang="zh-CN" altLang="en-US" sz="1400" dirty="0">
-                <a:solidFill>
-                  <a:srgbClr val="333333"/>
-                </a:solidFill>
-                <a:latin typeface="Microsoft yahei" panose="020B0503020204020204" pitchFamily="34" charset="-122"/>
-                <a:ea typeface="Microsoft yahei" panose="020B0503020204020204" pitchFamily="34" charset="-122"/>
-              </a:rPr>
-              <a:t>、 </a:t>
-            </a:r>
-            <a:r>
-              <a:rPr lang="en-US" altLang="zh-CN" sz="1400" dirty="0">
-                <a:solidFill>
-                  <a:srgbClr val="333333"/>
-                </a:solidFill>
-                <a:latin typeface="Microsoft yahei" panose="020B0503020204020204" pitchFamily="34" charset="-122"/>
-                <a:ea typeface="Microsoft yahei" panose="020B0503020204020204" pitchFamily="34" charset="-122"/>
-              </a:rPr>
-              <a:t>5</a:t>
-            </a:r>
-            <a:r>
-              <a:rPr lang="zh-CN" altLang="en-US" sz="1400" dirty="0">
-                <a:solidFill>
-                  <a:srgbClr val="333333"/>
-                </a:solidFill>
-                <a:latin typeface="Microsoft yahei" panose="020B0503020204020204" pitchFamily="34" charset="-122"/>
-                <a:ea typeface="Microsoft yahei" panose="020B0503020204020204" pitchFamily="34" charset="-122"/>
-              </a:rPr>
-              <a:t>月看起来第</a:t>
-            </a:r>
-            <a:r>
-              <a:rPr lang="en-US" altLang="zh-CN" sz="1400" dirty="0">
-                <a:solidFill>
-                  <a:srgbClr val="333333"/>
-                </a:solidFill>
-                <a:latin typeface="Microsoft yahei" panose="020B0503020204020204" pitchFamily="34" charset="-122"/>
-                <a:ea typeface="Microsoft yahei" panose="020B0503020204020204" pitchFamily="34" charset="-122"/>
-              </a:rPr>
-              <a:t>1</a:t>
-            </a:r>
-            <a:r>
-              <a:rPr lang="zh-CN" altLang="en-US" sz="1400" dirty="0">
-                <a:solidFill>
-                  <a:srgbClr val="333333"/>
-                </a:solidFill>
-                <a:latin typeface="Microsoft yahei" panose="020B0503020204020204" pitchFamily="34" charset="-122"/>
-                <a:ea typeface="Microsoft yahei" panose="020B0503020204020204" pitchFamily="34" charset="-122"/>
-              </a:rPr>
-              <a:t>季动能仍延续，</a:t>
-            </a:r>
-            <a:r>
-              <a:rPr lang="en-US" altLang="zh-CN" sz="1400" dirty="0">
-                <a:solidFill>
-                  <a:srgbClr val="333333"/>
-                </a:solidFill>
-                <a:latin typeface="Microsoft yahei" panose="020B0503020204020204" pitchFamily="34" charset="-122"/>
-                <a:ea typeface="Microsoft yahei" panose="020B0503020204020204" pitchFamily="34" charset="-122"/>
-              </a:rPr>
-              <a:t>6</a:t>
-            </a:r>
-            <a:r>
-              <a:rPr lang="zh-CN" altLang="en-US" sz="1400" dirty="0">
-                <a:solidFill>
-                  <a:srgbClr val="333333"/>
-                </a:solidFill>
-                <a:latin typeface="Microsoft yahei" panose="020B0503020204020204" pitchFamily="34" charset="-122"/>
-                <a:ea typeface="Microsoft yahei" panose="020B0503020204020204" pitchFamily="34" charset="-122"/>
-              </a:rPr>
-              <a:t>月须持续观察禁售令的政策。</a:t>
-            </a:r>
-            <a:endParaRPr lang="en-US" altLang="zh-CN" sz="1400" dirty="0">
-              <a:solidFill>
-                <a:srgbClr val="333333"/>
-              </a:solidFill>
-              <a:latin typeface="Microsoft yahei" panose="020B0503020204020204" pitchFamily="34" charset="-122"/>
-              <a:ea typeface="Microsoft yahei" panose="020B0503020204020204" pitchFamily="34" charset="-122"/>
-            </a:endParaRPr>
-          </a:p>
-          <a:p>
-            <a:endParaRPr lang="en-US" altLang="zh-CN" sz="1400" dirty="0">
-              <a:solidFill>
-                <a:srgbClr val="333333"/>
-              </a:solidFill>
-              <a:latin typeface="Microsoft yahei" panose="020B0503020204020204" pitchFamily="34" charset="-122"/>
-              <a:ea typeface="Microsoft yahei" panose="020B0503020204020204" pitchFamily="34" charset="-122"/>
-            </a:endParaRPr>
-          </a:p>
-          <a:p>
-            <a:r>
-              <a:rPr lang="en-US" altLang="zh-CN" sz="1400" dirty="0">
-                <a:solidFill>
-                  <a:srgbClr val="333333"/>
-                </a:solidFill>
-                <a:latin typeface="Microsoft yahei" panose="020B0503020204020204" pitchFamily="34" charset="-122"/>
-                <a:ea typeface="Microsoft yahei" panose="020B0503020204020204" pitchFamily="34" charset="-122"/>
-              </a:rPr>
-              <a:t>2018:</a:t>
-            </a:r>
-            <a:r>
-              <a:rPr lang="zh-CN" altLang="en-US" sz="1400" dirty="0">
-                <a:solidFill>
-                  <a:srgbClr val="333333"/>
-                </a:solidFill>
-                <a:latin typeface="Microsoft yahei" panose="020B0503020204020204" pitchFamily="34" charset="-122"/>
-                <a:ea typeface="Microsoft yahei" panose="020B0503020204020204" pitchFamily="34" charset="-122"/>
-              </a:rPr>
-              <a:t>在</a:t>
-            </a:r>
-            <a:r>
-              <a:rPr lang="en-US" altLang="zh-CN" sz="1400" dirty="0">
-                <a:solidFill>
-                  <a:srgbClr val="333333"/>
-                </a:solidFill>
-                <a:latin typeface="Microsoft yahei" panose="020B0503020204020204" pitchFamily="34" charset="-122"/>
-                <a:ea typeface="Microsoft yahei" panose="020B0503020204020204" pitchFamily="34" charset="-122"/>
-              </a:rPr>
-              <a:t>PC</a:t>
-            </a:r>
-            <a:r>
-              <a:rPr lang="zh-CN" altLang="en-US" sz="1400" dirty="0">
-                <a:solidFill>
-                  <a:srgbClr val="333333"/>
-                </a:solidFill>
-                <a:latin typeface="Microsoft yahei" panose="020B0503020204020204" pitchFamily="34" charset="-122"/>
-                <a:ea typeface="Microsoft yahei" panose="020B0503020204020204" pitchFamily="34" charset="-122"/>
-              </a:rPr>
-              <a:t>相关产品部分，主要包含</a:t>
-            </a:r>
-            <a:r>
-              <a:rPr lang="en-US" altLang="zh-CN" sz="1400" dirty="0">
-                <a:solidFill>
-                  <a:srgbClr val="333333"/>
-                </a:solidFill>
-                <a:latin typeface="Microsoft yahei" panose="020B0503020204020204" pitchFamily="34" charset="-122"/>
-                <a:ea typeface="Microsoft yahei" panose="020B0503020204020204" pitchFamily="34" charset="-122"/>
-              </a:rPr>
-              <a:t>Audio codec (</a:t>
-            </a:r>
-            <a:r>
-              <a:rPr lang="zh-CN" altLang="en-US" sz="1400" dirty="0">
-                <a:solidFill>
-                  <a:srgbClr val="333333"/>
-                </a:solidFill>
-                <a:latin typeface="Microsoft yahei" panose="020B0503020204020204" pitchFamily="34" charset="-122"/>
-                <a:ea typeface="Microsoft yahei" panose="020B0503020204020204" pitchFamily="34" charset="-122"/>
-              </a:rPr>
-              <a:t>音频编解码器</a:t>
-            </a:r>
-            <a:r>
-              <a:rPr lang="en-US" altLang="zh-CN" sz="1400" dirty="0">
-                <a:solidFill>
-                  <a:srgbClr val="333333"/>
-                </a:solidFill>
-                <a:latin typeface="Microsoft yahei" panose="020B0503020204020204" pitchFamily="34" charset="-122"/>
-                <a:ea typeface="Microsoft yahei" panose="020B0503020204020204" pitchFamily="34" charset="-122"/>
-              </a:rPr>
-              <a:t>)</a:t>
-            </a:r>
-            <a:r>
-              <a:rPr lang="zh-CN" altLang="en-US" sz="1400" dirty="0">
-                <a:solidFill>
-                  <a:srgbClr val="333333"/>
-                </a:solidFill>
-                <a:latin typeface="Microsoft yahei" panose="020B0503020204020204" pitchFamily="34" charset="-122"/>
-                <a:ea typeface="Microsoft yahei" panose="020B0503020204020204" pitchFamily="34" charset="-122"/>
-              </a:rPr>
-              <a:t>、</a:t>
-            </a:r>
-            <a:r>
-              <a:rPr lang="en-US" altLang="zh-CN" sz="1400" dirty="0">
-                <a:solidFill>
-                  <a:srgbClr val="333333"/>
-                </a:solidFill>
-                <a:latin typeface="Microsoft yahei" panose="020B0503020204020204" pitchFamily="34" charset="-122"/>
-                <a:ea typeface="Microsoft yahei" panose="020B0503020204020204" pitchFamily="34" charset="-122"/>
-              </a:rPr>
-              <a:t>PC cam</a:t>
-            </a:r>
-            <a:r>
-              <a:rPr lang="zh-CN" altLang="en-US" sz="1400" dirty="0">
-                <a:solidFill>
-                  <a:srgbClr val="333333"/>
-                </a:solidFill>
-                <a:latin typeface="Microsoft yahei" panose="020B0503020204020204" pitchFamily="34" charset="-122"/>
-                <a:ea typeface="Microsoft yahei" panose="020B0503020204020204" pitchFamily="34" charset="-122"/>
-              </a:rPr>
-              <a:t>等相关芯片。去年</a:t>
-            </a:r>
-            <a:r>
-              <a:rPr lang="en-US" altLang="zh-CN" sz="1400" dirty="0">
-                <a:solidFill>
-                  <a:srgbClr val="333333"/>
-                </a:solidFill>
-                <a:latin typeface="Microsoft yahei" panose="020B0503020204020204" pitchFamily="34" charset="-122"/>
-                <a:ea typeface="Microsoft yahei" panose="020B0503020204020204" pitchFamily="34" charset="-122"/>
-              </a:rPr>
-              <a:t>Audio</a:t>
-            </a:r>
-            <a:r>
-              <a:rPr lang="zh-CN" altLang="en-US" sz="1400" dirty="0">
-                <a:solidFill>
-                  <a:srgbClr val="333333"/>
-                </a:solidFill>
-                <a:latin typeface="Microsoft yahei" panose="020B0503020204020204" pitchFamily="34" charset="-122"/>
-                <a:ea typeface="Microsoft yahei" panose="020B0503020204020204" pitchFamily="34" charset="-122"/>
-              </a:rPr>
-              <a:t>产品线于蓝牙耳机应用明显成长，而今年新产品</a:t>
-            </a:r>
-            <a:r>
-              <a:rPr lang="en-US" altLang="zh-CN" sz="1400" dirty="0">
-                <a:solidFill>
-                  <a:srgbClr val="333333"/>
-                </a:solidFill>
-                <a:latin typeface="Microsoft yahei" panose="020B0503020204020204" pitchFamily="34" charset="-122"/>
-                <a:ea typeface="Microsoft yahei" panose="020B0503020204020204" pitchFamily="34" charset="-122"/>
-              </a:rPr>
-              <a:t>USB Type-c</a:t>
-            </a:r>
-            <a:r>
-              <a:rPr lang="zh-CN" altLang="en-US" sz="1400" dirty="0">
-                <a:solidFill>
-                  <a:srgbClr val="333333"/>
-                </a:solidFill>
-                <a:latin typeface="Microsoft yahei" panose="020B0503020204020204" pitchFamily="34" charset="-122"/>
-                <a:ea typeface="Microsoft yahei" panose="020B0503020204020204" pitchFamily="34" charset="-122"/>
-              </a:rPr>
-              <a:t>也望开始贡献营收，今年底可望倍数成长，但</a:t>
-            </a:r>
-            <a:r>
-              <a:rPr lang="en-US" altLang="zh-CN" sz="1400" dirty="0">
-                <a:solidFill>
-                  <a:srgbClr val="333333"/>
-                </a:solidFill>
-                <a:latin typeface="Microsoft yahei" panose="020B0503020204020204" pitchFamily="34" charset="-122"/>
-                <a:ea typeface="Microsoft yahei" panose="020B0503020204020204" pitchFamily="34" charset="-122"/>
-              </a:rPr>
-              <a:t>ASP</a:t>
-            </a:r>
-            <a:r>
-              <a:rPr lang="zh-CN" altLang="en-US" sz="1400" dirty="0">
-                <a:solidFill>
-                  <a:srgbClr val="333333"/>
-                </a:solidFill>
-                <a:latin typeface="Microsoft yahei" panose="020B0503020204020204" pitchFamily="34" charset="-122"/>
-                <a:ea typeface="Microsoft yahei" panose="020B0503020204020204" pitchFamily="34" charset="-122"/>
-              </a:rPr>
-              <a:t>也受到竞争者压力明显。</a:t>
-            </a:r>
-            <a:endParaRPr lang="en-US" altLang="zh-CN" sz="1400" dirty="0">
-              <a:solidFill>
-                <a:srgbClr val="333333"/>
-              </a:solidFill>
-              <a:latin typeface="Microsoft yahei" panose="020B0503020204020204" pitchFamily="34" charset="-122"/>
-              <a:ea typeface="Microsoft yahei" panose="020B0503020204020204" pitchFamily="34" charset="-122"/>
-            </a:endParaRPr>
-          </a:p>
-          <a:p>
-            <a:endParaRPr lang="en-US" altLang="zh-CN" sz="1400" dirty="0">
-              <a:solidFill>
-                <a:srgbClr val="333333"/>
-              </a:solidFill>
-              <a:latin typeface="Microsoft yahei" panose="020B0503020204020204" pitchFamily="34" charset="-122"/>
-              <a:ea typeface="Microsoft yahei" panose="020B0503020204020204" pitchFamily="34" charset="-122"/>
-            </a:endParaRPr>
-          </a:p>
-          <a:p>
-            <a:r>
-              <a:rPr lang="en-US" altLang="zh-CN" sz="1400" dirty="0">
-                <a:solidFill>
-                  <a:srgbClr val="333333"/>
-                </a:solidFill>
-                <a:latin typeface="Microsoft yahei" panose="020B0503020204020204" pitchFamily="34" charset="-122"/>
-                <a:ea typeface="Microsoft yahei" panose="020B0503020204020204" pitchFamily="34" charset="-122"/>
-              </a:rPr>
-              <a:t>2020</a:t>
-            </a:r>
-            <a:r>
-              <a:rPr lang="zh-CN" altLang="en-US" sz="1400" dirty="0">
-                <a:solidFill>
-                  <a:srgbClr val="333333"/>
-                </a:solidFill>
-                <a:latin typeface="Microsoft yahei" panose="020B0503020204020204" pitchFamily="34" charset="-122"/>
-                <a:ea typeface="Microsoft yahei" panose="020B0503020204020204" pitchFamily="34" charset="-122"/>
-              </a:rPr>
-              <a:t>：</a:t>
-            </a:r>
-            <a:r>
-              <a:rPr lang="zh-CN" altLang="en-US" sz="1050" b="0" i="0" dirty="0">
-                <a:solidFill>
-                  <a:srgbClr val="31424E"/>
-                </a:solidFill>
-                <a:effectLst/>
-                <a:latin typeface="PingFangSC-Regular"/>
-              </a:rPr>
-              <a:t>钜亨网消息</a:t>
-            </a:r>
-            <a:r>
-              <a:rPr lang="en-US" altLang="zh-CN" sz="1050" b="0" i="0" dirty="0">
-                <a:solidFill>
-                  <a:srgbClr val="31424E"/>
-                </a:solidFill>
-                <a:effectLst/>
-                <a:latin typeface="PingFangSC-Regular"/>
-              </a:rPr>
-              <a:t>,</a:t>
-            </a:r>
-            <a:r>
-              <a:rPr lang="zh-CN" altLang="en-US" sz="1050" b="0" i="0" dirty="0">
-                <a:solidFill>
-                  <a:srgbClr val="31424E"/>
-                </a:solidFill>
-                <a:effectLst/>
-                <a:latin typeface="PingFangSC-Regular"/>
-              </a:rPr>
-              <a:t>近日</a:t>
-            </a:r>
-            <a:r>
-              <a:rPr lang="en-US" altLang="zh-CN" sz="1050" b="0" i="0" dirty="0">
-                <a:solidFill>
-                  <a:srgbClr val="31424E"/>
-                </a:solidFill>
-                <a:effectLst/>
-                <a:latin typeface="PingFangSC-Regular"/>
-              </a:rPr>
-              <a:t>,</a:t>
-            </a:r>
-            <a:r>
-              <a:rPr lang="en-US" altLang="zh-CN" sz="1050" b="0" i="0" u="none" strike="noStrike" dirty="0">
-                <a:solidFill>
-                  <a:srgbClr val="085AAD"/>
-                </a:solidFill>
-                <a:effectLst/>
-                <a:latin typeface="PingFangSC-Regular"/>
-                <a:hlinkClick r:id="rId2" tooltip="IC设计"/>
-              </a:rPr>
-              <a:t>IC</a:t>
-            </a:r>
-            <a:r>
-              <a:rPr lang="zh-CN" altLang="en-US" sz="1050" b="0" i="0" u="none" strike="noStrike" dirty="0">
-                <a:solidFill>
-                  <a:srgbClr val="085AAD"/>
-                </a:solidFill>
-                <a:effectLst/>
-                <a:latin typeface="PingFangSC-Regular"/>
-                <a:hlinkClick r:id="rId2" tooltip="IC设计"/>
-              </a:rPr>
-              <a:t>设计</a:t>
-            </a:r>
-            <a:r>
-              <a:rPr lang="zh-CN" altLang="en-US" sz="1050" b="0" i="0" dirty="0">
-                <a:solidFill>
-                  <a:srgbClr val="31424E"/>
-                </a:solidFill>
-                <a:effectLst/>
-                <a:latin typeface="PingFangSC-Regular"/>
-              </a:rPr>
-              <a:t>大厂瑞昱传出其音频编解码芯片</a:t>
-            </a:r>
-            <a:r>
-              <a:rPr lang="en-US" altLang="zh-CN" sz="1050" b="0" i="0" dirty="0">
-                <a:solidFill>
-                  <a:srgbClr val="31424E"/>
-                </a:solidFill>
-                <a:effectLst/>
-                <a:latin typeface="PingFangSC-Regular"/>
-              </a:rPr>
-              <a:t>(Audio Codec)</a:t>
-            </a:r>
-            <a:r>
-              <a:rPr lang="zh-CN" altLang="en-US" sz="1050" b="0" i="0" dirty="0">
-                <a:solidFill>
-                  <a:srgbClr val="31424E"/>
-                </a:solidFill>
-                <a:effectLst/>
-                <a:latin typeface="PingFangSC-Regular"/>
-              </a:rPr>
-              <a:t>遭某美系笔电大厂砍单</a:t>
-            </a:r>
-            <a:r>
-              <a:rPr lang="en-US" altLang="zh-CN" sz="1050" b="0" i="0" dirty="0">
-                <a:solidFill>
-                  <a:srgbClr val="31424E"/>
-                </a:solidFill>
-                <a:effectLst/>
-                <a:latin typeface="PingFangSC-Regular"/>
-              </a:rPr>
-              <a:t>,</a:t>
-            </a:r>
-            <a:r>
-              <a:rPr lang="zh-CN" altLang="en-US" sz="1050" b="0" i="0" dirty="0">
-                <a:solidFill>
-                  <a:srgbClr val="31424E"/>
-                </a:solidFill>
-                <a:effectLst/>
-                <a:latin typeface="PingFangSC-Regular"/>
-              </a:rPr>
-              <a:t>供货比重从八成降至二成</a:t>
-            </a:r>
-            <a:r>
-              <a:rPr lang="en-US" altLang="zh-CN" sz="1050" b="0" i="0" dirty="0">
-                <a:solidFill>
-                  <a:srgbClr val="31424E"/>
-                </a:solidFill>
-                <a:effectLst/>
-                <a:latin typeface="PingFangSC-Regular"/>
-              </a:rPr>
-              <a:t>,</a:t>
-            </a:r>
-            <a:r>
-              <a:rPr lang="zh-CN" altLang="en-US" sz="1050" b="0" i="0" dirty="0">
-                <a:solidFill>
-                  <a:srgbClr val="31424E"/>
-                </a:solidFill>
-                <a:effectLst/>
-                <a:latin typeface="PingFangSC-Regular"/>
-              </a:rPr>
-              <a:t>订单几乎腰斩。</a:t>
-            </a:r>
-            <a:endParaRPr lang="en-US" altLang="zh-CN" sz="1050" b="0" i="0" dirty="0">
-              <a:solidFill>
-                <a:srgbClr val="31424E"/>
-              </a:solidFill>
-              <a:effectLst/>
-              <a:latin typeface="PingFangSC-Regular"/>
-            </a:endParaRPr>
-          </a:p>
-          <a:p>
-            <a:endParaRPr lang="zh-CN" altLang="en-US" sz="1400" dirty="0">
-              <a:solidFill>
-                <a:srgbClr val="333333"/>
-              </a:solidFill>
-              <a:latin typeface="Microsoft yahei" panose="020B0503020204020204" pitchFamily="34" charset="-122"/>
-              <a:ea typeface="Microsoft yahei" panose="020B0503020204020204" pitchFamily="34" charset="-122"/>
-            </a:endParaRPr>
-          </a:p>
-        </p:txBody>
-      </p:sp>
-    </p:spTree>
-    <p:extLst>
-      <p:ext uri="{BB962C8B-B14F-4D97-AF65-F5344CB8AC3E}">
-        <p14:creationId xmlns:p14="http://schemas.microsoft.com/office/powerpoint/2010/main" val="2316473608"/>
-      </p:ext>
-    </p:extLst>
-  </p:cSld>
-  <p:clrMapOvr>
-    <a:masterClrMapping/>
-  </p:clrMapOvr>
-</p:sld>
-</file>
-
-<file path=ppt/slides/slide15.xml><?xml version="1.0" encoding="utf-8"?>
-<p:sld xmlns:a="http://schemas.openxmlformats.org/drawingml/2006/main" xmlns:r="http://schemas.openxmlformats.org/officeDocument/2006/relationships" xmlns:p="http://schemas.openxmlformats.org/presentationml/2006/main">
-  <p:cSld>
-    <p:spTree>
-      <p:nvGrpSpPr>
-        <p:cNvPr id="1" name=""/>
-        <p:cNvGrpSpPr/>
-        <p:nvPr/>
-      </p:nvGrpSpPr>
-      <p:grpSpPr>
-        <a:xfrm>
-          <a:off x="0" y="0"/>
-          <a:ext cx="0" cy="0"/>
-          <a:chOff x="0" y="0"/>
-          <a:chExt cx="0" cy="0"/>
-        </a:xfrm>
-      </p:grpSpPr>
-      <p:sp>
-        <p:nvSpPr>
-          <p:cNvPr id="2" name="标题 1">
-            <a:extLst>
-              <a:ext uri="{FF2B5EF4-FFF2-40B4-BE49-F238E27FC236}">
-                <a16:creationId xmlns:a16="http://schemas.microsoft.com/office/drawing/2014/main" id="{BEAF98A0-7370-0D33-7C78-970F412FE7CD}"/>
-              </a:ext>
-            </a:extLst>
-          </p:cNvPr>
-          <p:cNvSpPr>
-            <a:spLocks noGrp="1"/>
-          </p:cNvSpPr>
-          <p:nvPr>
-            <p:ph type="title"/>
-          </p:nvPr>
-        </p:nvSpPr>
-        <p:spPr/>
-        <p:txBody>
-          <a:bodyPr/>
-          <a:lstStyle/>
-          <a:p>
-            <a:r>
-              <a:rPr lang="en-US" altLang="zh-CN" dirty="0"/>
-              <a:t>PC</a:t>
-            </a:r>
-            <a:r>
-              <a:rPr lang="zh-CN" altLang="en-US" dirty="0"/>
-              <a:t>声卡</a:t>
-            </a:r>
-            <a:r>
-              <a:rPr lang="en-US" altLang="zh-CN" dirty="0"/>
-              <a:t>—HD Audio</a:t>
-            </a:r>
-            <a:r>
-              <a:rPr lang="zh-CN" altLang="en-US" dirty="0"/>
-              <a:t>音频技术规范 </a:t>
-            </a:r>
-          </a:p>
-        </p:txBody>
-      </p:sp>
-      <p:sp>
-        <p:nvSpPr>
-          <p:cNvPr id="3" name="内容占位符 2">
-            <a:extLst>
-              <a:ext uri="{FF2B5EF4-FFF2-40B4-BE49-F238E27FC236}">
-                <a16:creationId xmlns:a16="http://schemas.microsoft.com/office/drawing/2014/main" id="{A805F199-452D-834B-8B38-6F9D37E27589}"/>
-              </a:ext>
-            </a:extLst>
-          </p:cNvPr>
-          <p:cNvSpPr>
-            <a:spLocks noGrp="1"/>
-          </p:cNvSpPr>
-          <p:nvPr>
-            <p:ph idx="1"/>
-          </p:nvPr>
-        </p:nvSpPr>
-        <p:spPr/>
-        <p:txBody>
-          <a:bodyPr>
-            <a:normAutofit/>
-          </a:bodyPr>
-          <a:lstStyle/>
-          <a:p>
-            <a:r>
-              <a:rPr lang="en-US" altLang="zh-CN" dirty="0"/>
-              <a:t>HD Audio</a:t>
-            </a:r>
-          </a:p>
-          <a:p>
-            <a:pPr lvl="1"/>
-            <a:r>
-              <a:rPr lang="en-US" altLang="zh-CN" dirty="0"/>
-              <a:t>High Definition Audio Codecs</a:t>
-            </a:r>
-          </a:p>
-          <a:p>
-            <a:r>
-              <a:rPr lang="zh-CN" altLang="en-US" dirty="0"/>
-              <a:t>符合</a:t>
-            </a:r>
-            <a:r>
-              <a:rPr lang="en-US" altLang="zh-CN" dirty="0"/>
-              <a:t>HD Audio</a:t>
-            </a:r>
-            <a:r>
-              <a:rPr lang="zh-CN" altLang="en-US" dirty="0"/>
-              <a:t>规范的芯片：</a:t>
-            </a:r>
-            <a:endParaRPr lang="en-US" altLang="zh-CN" dirty="0"/>
-          </a:p>
-          <a:p>
-            <a:pPr lvl="1"/>
-            <a:r>
-              <a:rPr lang="en-US" altLang="zh-CN" dirty="0"/>
-              <a:t>Realtek</a:t>
-            </a:r>
-            <a:r>
-              <a:rPr lang="zh-CN" altLang="en-US" dirty="0"/>
-              <a:t>瑞昱：</a:t>
-            </a:r>
-            <a:r>
-              <a:rPr lang="en-US" altLang="zh-CN" dirty="0"/>
-              <a:t>ALC880</a:t>
-            </a:r>
-            <a:r>
-              <a:rPr lang="zh-CN" altLang="en-US" dirty="0"/>
-              <a:t>、</a:t>
-            </a:r>
-            <a:r>
-              <a:rPr lang="en-US" altLang="zh-CN" dirty="0"/>
-              <a:t>ALC882</a:t>
-            </a:r>
-            <a:r>
-              <a:rPr lang="zh-CN" altLang="en-US" dirty="0"/>
-              <a:t>、</a:t>
-            </a:r>
-            <a:r>
-              <a:rPr lang="en-US" altLang="zh-CN" dirty="0"/>
-              <a:t>ALC883</a:t>
-            </a:r>
-            <a:r>
-              <a:rPr lang="zh-CN" altLang="en-US" dirty="0"/>
-              <a:t>、</a:t>
-            </a:r>
-            <a:r>
-              <a:rPr lang="en-US" altLang="zh-CN" dirty="0"/>
-              <a:t>ALC885</a:t>
-            </a:r>
-            <a:r>
-              <a:rPr lang="zh-CN" altLang="en-US" dirty="0"/>
-              <a:t>、</a:t>
-            </a:r>
-            <a:r>
-              <a:rPr lang="en-US" altLang="zh-CN" dirty="0"/>
-              <a:t>ALC888</a:t>
-            </a:r>
-            <a:r>
-              <a:rPr lang="zh-CN" altLang="en-US" dirty="0"/>
-              <a:t>、</a:t>
-            </a:r>
-            <a:r>
-              <a:rPr lang="en-US" altLang="zh-CN" dirty="0"/>
-              <a:t>ALC260</a:t>
-            </a:r>
-            <a:r>
-              <a:rPr lang="zh-CN" altLang="en-US" dirty="0"/>
-              <a:t>、</a:t>
-            </a:r>
-            <a:r>
-              <a:rPr lang="en-US" altLang="zh-CN" dirty="0"/>
-              <a:t>ALC262</a:t>
-            </a:r>
-            <a:r>
-              <a:rPr lang="zh-CN" altLang="en-US" dirty="0"/>
-              <a:t>、</a:t>
-            </a:r>
-            <a:r>
-              <a:rPr lang="en-US" altLang="zh-CN" dirty="0"/>
-              <a:t>ALC268</a:t>
-            </a:r>
-            <a:r>
-              <a:rPr lang="zh-CN" altLang="en-US" dirty="0"/>
-              <a:t>、</a:t>
-            </a:r>
-            <a:r>
-              <a:rPr lang="en-US" altLang="zh-CN" dirty="0"/>
-              <a:t>ALC861</a:t>
-            </a:r>
-            <a:r>
-              <a:rPr lang="zh-CN" altLang="en-US" dirty="0"/>
-              <a:t>等</a:t>
-            </a:r>
-            <a:endParaRPr lang="en-US" altLang="zh-CN" dirty="0"/>
-          </a:p>
-          <a:p>
-            <a:pPr lvl="1"/>
-            <a:r>
-              <a:rPr lang="zh-CN" altLang="en-US" dirty="0"/>
-              <a:t>其他厂商：</a:t>
-            </a:r>
-            <a:r>
-              <a:rPr lang="en-US" altLang="zh-CN" dirty="0" err="1"/>
-              <a:t>Cmedia</a:t>
-            </a:r>
-            <a:r>
-              <a:rPr lang="zh-CN" altLang="en-US" dirty="0"/>
-              <a:t>、</a:t>
-            </a:r>
-            <a:r>
-              <a:rPr lang="en-US" altLang="zh-CN" dirty="0"/>
-              <a:t>ADI</a:t>
-            </a:r>
-            <a:r>
-              <a:rPr lang="zh-CN" altLang="en-US" dirty="0"/>
-              <a:t>、</a:t>
-            </a:r>
-            <a:r>
-              <a:rPr lang="en-US" altLang="zh-CN" dirty="0"/>
-              <a:t> </a:t>
-            </a:r>
-            <a:r>
-              <a:rPr lang="en-US" altLang="zh-CN" dirty="0" err="1"/>
-              <a:t>Sigmatel</a:t>
-            </a:r>
-            <a:r>
-              <a:rPr lang="zh-CN" altLang="en-US" dirty="0"/>
-              <a:t>、</a:t>
-            </a:r>
-            <a:r>
-              <a:rPr lang="en-US" altLang="zh-CN" dirty="0"/>
-              <a:t>VIA</a:t>
-            </a:r>
-          </a:p>
-          <a:p>
-            <a:r>
-              <a:rPr lang="zh-CN" altLang="en-US" dirty="0"/>
-              <a:t>主要应用</a:t>
-            </a:r>
-            <a:endParaRPr lang="en-US" altLang="zh-CN" dirty="0"/>
-          </a:p>
-          <a:p>
-            <a:pPr lvl="1"/>
-            <a:r>
-              <a:rPr lang="zh-CN" altLang="en-US" dirty="0"/>
-              <a:t>笔记本电脑</a:t>
-            </a:r>
-            <a:endParaRPr lang="en-US" altLang="zh-CN" dirty="0"/>
-          </a:p>
-          <a:p>
-            <a:pPr lvl="1"/>
-            <a:r>
-              <a:rPr lang="en-US" altLang="zh-CN" b="0" i="0" dirty="0">
-                <a:solidFill>
-                  <a:srgbClr val="666666"/>
-                </a:solidFill>
-                <a:effectLst/>
-                <a:latin typeface="Ubuntu" panose="020B0504030602030204" pitchFamily="34" charset="0"/>
-              </a:rPr>
-              <a:t>PCI</a:t>
-            </a:r>
-            <a:r>
-              <a:rPr lang="zh-CN" altLang="en-US" b="0" i="0" dirty="0">
-                <a:solidFill>
-                  <a:srgbClr val="666666"/>
-                </a:solidFill>
-                <a:effectLst/>
-                <a:latin typeface="Ubuntu" panose="020B0504030602030204" pitchFamily="34" charset="0"/>
-              </a:rPr>
-              <a:t>声卡？？</a:t>
-            </a:r>
-            <a:endParaRPr lang="en-US" altLang="zh-CN" dirty="0"/>
-          </a:p>
-          <a:p>
-            <a:r>
-              <a:rPr lang="zh-CN" altLang="en-US" dirty="0"/>
-              <a:t>出货占比</a:t>
-            </a:r>
-          </a:p>
-        </p:txBody>
-      </p:sp>
-    </p:spTree>
-    <p:extLst>
-      <p:ext uri="{BB962C8B-B14F-4D97-AF65-F5344CB8AC3E}">
-        <p14:creationId xmlns:p14="http://schemas.microsoft.com/office/powerpoint/2010/main" val="4275385750"/>
-      </p:ext>
-    </p:extLst>
-  </p:cSld>
-  <p:clrMapOvr>
-    <a:masterClrMapping/>
-  </p:clrMapOvr>
-</p:sld>
-</file>
-
-<file path=ppt/slides/slide16.xml><?xml version="1.0" encoding="utf-8"?>
-<p:sld xmlns:a="http://schemas.openxmlformats.org/drawingml/2006/main" xmlns:r="http://schemas.openxmlformats.org/officeDocument/2006/relationships" xmlns:p="http://schemas.openxmlformats.org/presentationml/2006/main">
-  <p:cSld>
-    <p:spTree>
-      <p:nvGrpSpPr>
-        <p:cNvPr id="1" name=""/>
-        <p:cNvGrpSpPr/>
-        <p:nvPr/>
-      </p:nvGrpSpPr>
-      <p:grpSpPr>
-        <a:xfrm>
-          <a:off x="0" y="0"/>
-          <a:ext cx="0" cy="0"/>
-          <a:chOff x="0" y="0"/>
-          <a:chExt cx="0" cy="0"/>
-        </a:xfrm>
-      </p:grpSpPr>
-      <p:sp>
-        <p:nvSpPr>
-          <p:cNvPr id="2" name="标题 1">
-            <a:extLst>
-              <a:ext uri="{FF2B5EF4-FFF2-40B4-BE49-F238E27FC236}">
-                <a16:creationId xmlns:a16="http://schemas.microsoft.com/office/drawing/2014/main" id="{16A22911-6A67-F1F4-1359-653E55AF475E}"/>
-              </a:ext>
-            </a:extLst>
-          </p:cNvPr>
-          <p:cNvSpPr>
-            <a:spLocks noGrp="1"/>
-          </p:cNvSpPr>
-          <p:nvPr>
-            <p:ph type="title"/>
-          </p:nvPr>
-        </p:nvSpPr>
-        <p:spPr/>
-        <p:txBody>
-          <a:bodyPr/>
-          <a:lstStyle/>
-          <a:p>
-            <a:r>
-              <a:rPr lang="en-US" altLang="zh-CN" dirty="0"/>
-              <a:t>PC</a:t>
-            </a:r>
-            <a:r>
-              <a:rPr lang="zh-CN" altLang="en-US" dirty="0"/>
-              <a:t>声卡</a:t>
-            </a:r>
-            <a:r>
-              <a:rPr lang="en-US" altLang="zh-CN" dirty="0"/>
-              <a:t>—AC'97</a:t>
-            </a:r>
-            <a:r>
-              <a:rPr lang="zh-CN" altLang="en-US" dirty="0"/>
-              <a:t>音频技术规范</a:t>
-            </a:r>
-          </a:p>
-        </p:txBody>
-      </p:sp>
-      <p:sp>
-        <p:nvSpPr>
-          <p:cNvPr id="3" name="内容占位符 2">
-            <a:extLst>
-              <a:ext uri="{FF2B5EF4-FFF2-40B4-BE49-F238E27FC236}">
-                <a16:creationId xmlns:a16="http://schemas.microsoft.com/office/drawing/2014/main" id="{3837AD90-D308-2A6C-CD59-68928B1CDA45}"/>
-              </a:ext>
-            </a:extLst>
-          </p:cNvPr>
-          <p:cNvSpPr>
-            <a:spLocks noGrp="1"/>
-          </p:cNvSpPr>
-          <p:nvPr>
-            <p:ph idx="1"/>
-          </p:nvPr>
-        </p:nvSpPr>
-        <p:spPr/>
-        <p:txBody>
-          <a:bodyPr/>
-          <a:lstStyle/>
-          <a:p>
-            <a:endParaRPr lang="zh-CN" altLang="en-US"/>
-          </a:p>
-        </p:txBody>
-      </p:sp>
-    </p:spTree>
-    <p:extLst>
-      <p:ext uri="{BB962C8B-B14F-4D97-AF65-F5344CB8AC3E}">
-        <p14:creationId xmlns:p14="http://schemas.microsoft.com/office/powerpoint/2010/main" val="1971980735"/>
-      </p:ext>
-    </p:extLst>
-  </p:cSld>
-  <p:clrMapOvr>
-    <a:masterClrMapping/>
-  </p:clrMapOvr>
-</p:sld>
-</file>
-
-<file path=ppt/slides/slide17.xml><?xml version="1.0" encoding="utf-8"?>
-<p:sld xmlns:a="http://schemas.openxmlformats.org/drawingml/2006/main" xmlns:r="http://schemas.openxmlformats.org/officeDocument/2006/relationships" xmlns:p="http://schemas.openxmlformats.org/presentationml/2006/main">
-  <p:cSld>
-    <p:spTree>
-      <p:nvGrpSpPr>
-        <p:cNvPr id="1" name=""/>
-        <p:cNvGrpSpPr/>
-        <p:nvPr/>
-      </p:nvGrpSpPr>
-      <p:grpSpPr>
-        <a:xfrm>
-          <a:off x="0" y="0"/>
-          <a:ext cx="0" cy="0"/>
-          <a:chOff x="0" y="0"/>
-          <a:chExt cx="0" cy="0"/>
-        </a:xfrm>
-      </p:grpSpPr>
-      <p:sp>
-        <p:nvSpPr>
-          <p:cNvPr id="2" name="标题 1">
-            <a:extLst>
-              <a:ext uri="{FF2B5EF4-FFF2-40B4-BE49-F238E27FC236}">
-                <a16:creationId xmlns:a16="http://schemas.microsoft.com/office/drawing/2014/main" id="{80E79BBC-0EDD-391F-2488-99DD9FDEB15D}"/>
-              </a:ext>
-            </a:extLst>
-          </p:cNvPr>
-          <p:cNvSpPr>
-            <a:spLocks noGrp="1"/>
-          </p:cNvSpPr>
-          <p:nvPr>
-            <p:ph type="title"/>
-          </p:nvPr>
-        </p:nvSpPr>
-        <p:spPr/>
-        <p:txBody>
-          <a:bodyPr/>
-          <a:lstStyle/>
-          <a:p>
-            <a:endParaRPr lang="zh-CN" altLang="en-US"/>
-          </a:p>
-        </p:txBody>
-      </p:sp>
-      <p:sp>
-        <p:nvSpPr>
-          <p:cNvPr id="5" name="内容占位符 4">
-            <a:extLst>
-              <a:ext uri="{FF2B5EF4-FFF2-40B4-BE49-F238E27FC236}">
-                <a16:creationId xmlns:a16="http://schemas.microsoft.com/office/drawing/2014/main" id="{A3BF63EB-A701-5FFE-8D02-3A38172C13B9}"/>
-              </a:ext>
-            </a:extLst>
-          </p:cNvPr>
-          <p:cNvSpPr>
-            <a:spLocks noGrp="1"/>
-          </p:cNvSpPr>
-          <p:nvPr>
-            <p:ph idx="1"/>
-          </p:nvPr>
-        </p:nvSpPr>
-        <p:spPr/>
-        <p:txBody>
-          <a:bodyPr/>
-          <a:lstStyle/>
-          <a:p>
-            <a:endParaRPr lang="zh-CN" altLang="en-US"/>
-          </a:p>
-        </p:txBody>
-      </p:sp>
-      <p:pic>
-        <p:nvPicPr>
-          <p:cNvPr id="3" name="内容占位符 9">
-            <a:extLst>
-              <a:ext uri="{FF2B5EF4-FFF2-40B4-BE49-F238E27FC236}">
-                <a16:creationId xmlns:a16="http://schemas.microsoft.com/office/drawing/2014/main" id="{857BAACF-8F04-7FB3-C875-BFFB1DFC8362}"/>
-              </a:ext>
-            </a:extLst>
-          </p:cNvPr>
-          <p:cNvPicPr>
-            <a:picLocks noChangeAspect="1"/>
-          </p:cNvPicPr>
-          <p:nvPr/>
-        </p:nvPicPr>
-        <p:blipFill>
-          <a:blip r:embed="rId2">
-            <a:extLst>
-              <a:ext uri="{28A0092B-C50C-407E-A947-70E740481C1C}">
-                <a14:useLocalDpi xmlns:a14="http://schemas.microsoft.com/office/drawing/2010/main" val="0"/>
-              </a:ext>
-            </a:extLst>
-          </a:blip>
-          <a:stretch>
-            <a:fillRect/>
-          </a:stretch>
-        </p:blipFill>
-        <p:spPr>
-          <a:xfrm>
-            <a:off x="5027295" y="874225"/>
-            <a:ext cx="6461320" cy="5302738"/>
-          </a:xfrm>
-          <a:prstGeom prst="rect">
-            <a:avLst/>
-          </a:prstGeom>
-        </p:spPr>
-      </p:pic>
-    </p:spTree>
-    <p:extLst>
-      <p:ext uri="{BB962C8B-B14F-4D97-AF65-F5344CB8AC3E}">
-        <p14:creationId xmlns:p14="http://schemas.microsoft.com/office/powerpoint/2010/main" val="1676262535"/>
-      </p:ext>
-    </p:extLst>
-  </p:cSld>
-  <p:clrMapOvr>
-    <a:masterClrMapping/>
-  </p:clrMapOvr>
-</p:sld>
-</file>
-
 <file path=ppt/slides/slide2.xml><?xml version="1.0" encoding="utf-8"?>
 <p:sld xmlns:a="http://schemas.openxmlformats.org/drawingml/2006/main" xmlns:r="http://schemas.openxmlformats.org/officeDocument/2006/relationships" xmlns:p="http://schemas.openxmlformats.org/presentationml/2006/main">
   <p:cSld>
@@ -7433,6 +7259,1961 @@
     <p:extLst>
       <p:ext uri="{BB962C8B-B14F-4D97-AF65-F5344CB8AC3E}">
         <p14:creationId xmlns:p14="http://schemas.microsoft.com/office/powerpoint/2010/main" val="3760269573"/>
+      </p:ext>
+    </p:extLst>
+  </p:cSld>
+  <p:clrMapOvr>
+    <a:masterClrMapping/>
+  </p:clrMapOvr>
+</p:sld>
+</file>
+
+<file path=ppt/slides/slide20.xml><?xml version="1.0" encoding="utf-8"?>
+<p:sld xmlns:a="http://schemas.openxmlformats.org/drawingml/2006/main" xmlns:r="http://schemas.openxmlformats.org/officeDocument/2006/relationships" xmlns:p="http://schemas.openxmlformats.org/presentationml/2006/main">
+  <p:cSld>
+    <p:spTree>
+      <p:nvGrpSpPr>
+        <p:cNvPr id="1" name=""/>
+        <p:cNvGrpSpPr/>
+        <p:nvPr/>
+      </p:nvGrpSpPr>
+      <p:grpSpPr>
+        <a:xfrm>
+          <a:off x="0" y="0"/>
+          <a:ext cx="0" cy="0"/>
+          <a:chOff x="0" y="0"/>
+          <a:chExt cx="0" cy="0"/>
+        </a:xfrm>
+      </p:grpSpPr>
+      <p:sp>
+        <p:nvSpPr>
+          <p:cNvPr id="2" name="标题 1">
+            <a:extLst>
+              <a:ext uri="{FF2B5EF4-FFF2-40B4-BE49-F238E27FC236}">
+                <a16:creationId xmlns:a16="http://schemas.microsoft.com/office/drawing/2014/main" id="{869C2500-CA49-0C4F-293E-E8F863E92FEA}"/>
+              </a:ext>
+            </a:extLst>
+          </p:cNvPr>
+          <p:cNvSpPr>
+            <a:spLocks noGrp="1"/>
+          </p:cNvSpPr>
+          <p:nvPr>
+            <p:ph type="title"/>
+          </p:nvPr>
+        </p:nvSpPr>
+        <p:spPr/>
+        <p:txBody>
+          <a:bodyPr/>
+          <a:lstStyle/>
+          <a:p>
+            <a:r>
+              <a:rPr lang="zh-CN" altLang="en-US" i="0" dirty="0">
+                <a:solidFill>
+                  <a:srgbClr val="333333"/>
+                </a:solidFill>
+                <a:effectLst/>
+                <a:latin typeface="Microsoft Yahei" panose="020B0503020204020204" pitchFamily="34" charset="-122"/>
+                <a:ea typeface="Microsoft Yahei" panose="020B0503020204020204" pitchFamily="34" charset="-122"/>
+              </a:rPr>
+              <a:t>台湾</a:t>
+            </a:r>
+            <a:r>
+              <a:rPr lang="en-US" altLang="zh-CN" i="0" dirty="0">
+                <a:solidFill>
+                  <a:srgbClr val="333333"/>
+                </a:solidFill>
+                <a:effectLst/>
+                <a:latin typeface="Microsoft Yahei" panose="020B0503020204020204" pitchFamily="34" charset="-122"/>
+                <a:ea typeface="Microsoft Yahei" panose="020B0503020204020204" pitchFamily="34" charset="-122"/>
+              </a:rPr>
+              <a:t>IC</a:t>
+            </a:r>
+            <a:r>
+              <a:rPr lang="zh-CN" altLang="en-US" i="0" dirty="0">
+                <a:solidFill>
+                  <a:srgbClr val="333333"/>
+                </a:solidFill>
+                <a:effectLst/>
+                <a:latin typeface="Microsoft Yahei" panose="020B0503020204020204" pitchFamily="34" charset="-122"/>
+                <a:ea typeface="Microsoft Yahei" panose="020B0503020204020204" pitchFamily="34" charset="-122"/>
+              </a:rPr>
+              <a:t>设计业全球市场占有率与竞争优势</a:t>
+            </a:r>
+            <a:endParaRPr lang="zh-CN" altLang="en-US" dirty="0"/>
+          </a:p>
+        </p:txBody>
+      </p:sp>
+      <p:sp>
+        <p:nvSpPr>
+          <p:cNvPr id="3" name="内容占位符 2">
+            <a:extLst>
+              <a:ext uri="{FF2B5EF4-FFF2-40B4-BE49-F238E27FC236}">
+                <a16:creationId xmlns:a16="http://schemas.microsoft.com/office/drawing/2014/main" id="{DE7D2BB0-A5EC-7AFE-82A6-4F23A1005B67}"/>
+              </a:ext>
+            </a:extLst>
+          </p:cNvPr>
+          <p:cNvSpPr>
+            <a:spLocks noGrp="1"/>
+          </p:cNvSpPr>
+          <p:nvPr>
+            <p:ph idx="1"/>
+          </p:nvPr>
+        </p:nvSpPr>
+        <p:spPr/>
+        <p:txBody>
+          <a:bodyPr>
+            <a:normAutofit/>
+          </a:bodyPr>
+          <a:lstStyle/>
+          <a:p>
+            <a:r>
+              <a:rPr lang="en-US" altLang="zh-CN" sz="2000" i="0" dirty="0">
+                <a:solidFill>
+                  <a:srgbClr val="000000"/>
+                </a:solidFill>
+                <a:effectLst/>
+                <a:ea typeface="等线" panose="02010600030101010101" pitchFamily="2" charset="-122"/>
+              </a:rPr>
+              <a:t>2022</a:t>
+            </a:r>
+            <a:r>
+              <a:rPr lang="zh-CN" altLang="en-US" sz="2000" i="0" dirty="0">
+                <a:solidFill>
+                  <a:srgbClr val="000000"/>
+                </a:solidFill>
+                <a:effectLst/>
+                <a:ea typeface="等线" panose="02010600030101010101" pitchFamily="2" charset="-122"/>
+              </a:rPr>
+              <a:t>年全球</a:t>
+            </a:r>
+            <a:r>
+              <a:rPr lang="en-US" altLang="zh-CN" sz="2000" i="0" dirty="0">
+                <a:solidFill>
+                  <a:srgbClr val="000000"/>
+                </a:solidFill>
+                <a:effectLst/>
+                <a:ea typeface="等线" panose="02010600030101010101" pitchFamily="2" charset="-122"/>
+              </a:rPr>
+              <a:t>IC</a:t>
+            </a:r>
+            <a:r>
+              <a:rPr lang="zh-CN" altLang="en-US" sz="2000" i="0" dirty="0">
+                <a:solidFill>
+                  <a:srgbClr val="000000"/>
+                </a:solidFill>
+                <a:effectLst/>
+                <a:ea typeface="等线" panose="02010600030101010101" pitchFamily="2" charset="-122"/>
+              </a:rPr>
+              <a:t>设计行业整体营收达到</a:t>
+            </a:r>
+            <a:r>
+              <a:rPr lang="en-US" altLang="zh-CN" sz="2000" i="0" dirty="0">
+                <a:solidFill>
+                  <a:srgbClr val="000000"/>
+                </a:solidFill>
+                <a:effectLst/>
+                <a:ea typeface="等线" panose="02010600030101010101" pitchFamily="2" charset="-122"/>
+              </a:rPr>
+              <a:t>2154</a:t>
+            </a:r>
+            <a:r>
+              <a:rPr lang="zh-CN" altLang="en-US" sz="2000" i="0" dirty="0">
+                <a:solidFill>
+                  <a:srgbClr val="000000"/>
+                </a:solidFill>
+                <a:effectLst/>
+                <a:ea typeface="等线" panose="02010600030101010101" pitchFamily="2" charset="-122"/>
+              </a:rPr>
+              <a:t>亿美元。其中，美国</a:t>
+            </a:r>
+            <a:r>
+              <a:rPr lang="en-US" altLang="zh-CN" sz="2000" i="0" dirty="0">
+                <a:solidFill>
+                  <a:srgbClr val="000000"/>
+                </a:solidFill>
+                <a:effectLst/>
+                <a:ea typeface="等线" panose="02010600030101010101" pitchFamily="2" charset="-122"/>
+              </a:rPr>
+              <a:t>IC</a:t>
+            </a:r>
+            <a:r>
+              <a:rPr lang="zh-CN" altLang="en-US" sz="2000" i="0" dirty="0">
+                <a:solidFill>
+                  <a:srgbClr val="000000"/>
+                </a:solidFill>
+                <a:effectLst/>
+                <a:ea typeface="等线" panose="02010600030101010101" pitchFamily="2" charset="-122"/>
+              </a:rPr>
+              <a:t>设计领域规模最大，市场份额达</a:t>
+            </a:r>
+            <a:r>
+              <a:rPr lang="en-US" altLang="zh-CN" sz="2000" i="0" dirty="0">
+                <a:solidFill>
+                  <a:srgbClr val="000000"/>
+                </a:solidFill>
+                <a:effectLst/>
+                <a:ea typeface="等线" panose="02010600030101010101" pitchFamily="2" charset="-122"/>
+              </a:rPr>
+              <a:t>63%</a:t>
+            </a:r>
+            <a:r>
+              <a:rPr lang="zh-CN" altLang="en-US" sz="2000" i="0" dirty="0">
+                <a:solidFill>
+                  <a:srgbClr val="000000"/>
+                </a:solidFill>
+                <a:effectLst/>
+                <a:ea typeface="等线" panose="02010600030101010101" pitchFamily="2" charset="-122"/>
+              </a:rPr>
+              <a:t>，营收超过</a:t>
+            </a:r>
+            <a:r>
+              <a:rPr lang="en-US" altLang="zh-CN" sz="2000" i="0" dirty="0">
+                <a:solidFill>
+                  <a:srgbClr val="000000"/>
+                </a:solidFill>
+                <a:effectLst/>
+                <a:ea typeface="等线" panose="02010600030101010101" pitchFamily="2" charset="-122"/>
+              </a:rPr>
+              <a:t>1300</a:t>
+            </a:r>
+            <a:r>
+              <a:rPr lang="zh-CN" altLang="en-US" sz="2000" i="0" dirty="0">
+                <a:solidFill>
+                  <a:srgbClr val="000000"/>
+                </a:solidFill>
+                <a:effectLst/>
+                <a:ea typeface="等线" panose="02010600030101010101" pitchFamily="2" charset="-122"/>
+              </a:rPr>
+              <a:t>亿美元。中国台湾的集成电路设计业为全球第二大，市场占有率达</a:t>
+            </a:r>
+            <a:r>
+              <a:rPr lang="en-US" altLang="zh-CN" sz="2000" i="0" dirty="0">
+                <a:solidFill>
+                  <a:srgbClr val="000000"/>
+                </a:solidFill>
+                <a:effectLst/>
+                <a:ea typeface="等线" panose="02010600030101010101" pitchFamily="2" charset="-122"/>
+              </a:rPr>
+              <a:t>18%</a:t>
+            </a:r>
+            <a:r>
+              <a:rPr lang="zh-CN" altLang="en-US" sz="2000" i="0" dirty="0">
+                <a:solidFill>
+                  <a:srgbClr val="000000"/>
+                </a:solidFill>
+                <a:effectLst/>
+                <a:ea typeface="等线" panose="02010600030101010101" pitchFamily="2" charset="-122"/>
+              </a:rPr>
+              <a:t>，营收接近</a:t>
+            </a:r>
+            <a:r>
+              <a:rPr lang="en-US" altLang="zh-CN" sz="2000" i="0" dirty="0">
+                <a:solidFill>
+                  <a:srgbClr val="000000"/>
+                </a:solidFill>
+                <a:effectLst/>
+                <a:ea typeface="等线" panose="02010600030101010101" pitchFamily="2" charset="-122"/>
+              </a:rPr>
+              <a:t>400</a:t>
+            </a:r>
+            <a:r>
+              <a:rPr lang="zh-CN" altLang="en-US" sz="2000" i="0" dirty="0">
+                <a:solidFill>
+                  <a:srgbClr val="000000"/>
+                </a:solidFill>
+                <a:effectLst/>
+                <a:ea typeface="等线" panose="02010600030101010101" pitchFamily="2" charset="-122"/>
+              </a:rPr>
+              <a:t>亿美元。中国大陆位居第三，市场份额接近</a:t>
+            </a:r>
+            <a:r>
+              <a:rPr lang="en-US" altLang="zh-CN" sz="2000" i="0" dirty="0">
+                <a:solidFill>
+                  <a:srgbClr val="000000"/>
+                </a:solidFill>
+                <a:effectLst/>
+                <a:ea typeface="等线" panose="02010600030101010101" pitchFamily="2" charset="-122"/>
+              </a:rPr>
+              <a:t>15%</a:t>
+            </a:r>
+            <a:r>
+              <a:rPr lang="zh-CN" altLang="en-US" sz="2000" i="0" dirty="0">
+                <a:solidFill>
+                  <a:srgbClr val="000000"/>
+                </a:solidFill>
+                <a:effectLst/>
+                <a:ea typeface="等线" panose="02010600030101010101" pitchFamily="2" charset="-122"/>
+              </a:rPr>
+              <a:t>。</a:t>
+            </a:r>
+            <a:endParaRPr lang="en-US" altLang="zh-CN" sz="2000" i="0" dirty="0">
+              <a:solidFill>
+                <a:srgbClr val="000000"/>
+              </a:solidFill>
+              <a:effectLst/>
+              <a:ea typeface="等线" panose="02010600030101010101" pitchFamily="2" charset="-122"/>
+            </a:endParaRPr>
+          </a:p>
+          <a:p>
+            <a:r>
+              <a:rPr lang="zh-CN" altLang="en-US" sz="2000" b="0" i="0" dirty="0">
+                <a:solidFill>
+                  <a:srgbClr val="000000"/>
+                </a:solidFill>
+                <a:effectLst/>
+                <a:latin typeface="+mn-ea"/>
+              </a:rPr>
+              <a:t>中国台湾</a:t>
+            </a:r>
+            <a:r>
+              <a:rPr lang="en-US" altLang="zh-CN" sz="2000" b="0" i="0" dirty="0">
+                <a:solidFill>
+                  <a:srgbClr val="000000"/>
+                </a:solidFill>
+                <a:effectLst/>
+                <a:latin typeface="+mn-ea"/>
+              </a:rPr>
+              <a:t>IC</a:t>
+            </a:r>
+            <a:r>
+              <a:rPr lang="zh-CN" altLang="en-US" sz="2000" b="0" i="0" dirty="0">
+                <a:solidFill>
+                  <a:srgbClr val="000000"/>
+                </a:solidFill>
+                <a:effectLst/>
+                <a:latin typeface="+mn-ea"/>
+              </a:rPr>
+              <a:t>设计业以数字</a:t>
+            </a:r>
+            <a:r>
+              <a:rPr lang="en-US" altLang="zh-CN" sz="2000" b="0" i="0" dirty="0">
+                <a:solidFill>
+                  <a:srgbClr val="000000"/>
+                </a:solidFill>
+                <a:effectLst/>
+                <a:latin typeface="+mn-ea"/>
+              </a:rPr>
+              <a:t>IC</a:t>
+            </a:r>
+            <a:r>
+              <a:rPr lang="zh-CN" altLang="en-US" sz="2000" b="0" i="0" dirty="0">
+                <a:solidFill>
+                  <a:srgbClr val="000000"/>
+                </a:solidFill>
+                <a:effectLst/>
+                <a:latin typeface="+mn-ea"/>
+              </a:rPr>
+              <a:t>为主，全球市场占有率达</a:t>
+            </a:r>
+            <a:r>
+              <a:rPr lang="en-US" altLang="zh-CN" sz="2000" b="0" i="0" dirty="0">
+                <a:solidFill>
+                  <a:srgbClr val="000000"/>
+                </a:solidFill>
+                <a:effectLst/>
+                <a:latin typeface="+mn-ea"/>
+              </a:rPr>
+              <a:t>12%</a:t>
+            </a:r>
+            <a:r>
+              <a:rPr lang="zh-CN" altLang="en-US" sz="2000" b="0" i="0" dirty="0">
+                <a:solidFill>
+                  <a:srgbClr val="000000"/>
+                </a:solidFill>
+                <a:effectLst/>
+                <a:latin typeface="+mn-ea"/>
+              </a:rPr>
+              <a:t>。相比之下，中国台湾的模拟</a:t>
+            </a:r>
+            <a:r>
+              <a:rPr lang="en-US" altLang="zh-CN" sz="2000" b="0" i="0" dirty="0">
+                <a:solidFill>
+                  <a:srgbClr val="000000"/>
+                </a:solidFill>
+                <a:effectLst/>
+                <a:latin typeface="+mn-ea"/>
+              </a:rPr>
+              <a:t>IC</a:t>
+            </a:r>
+            <a:r>
+              <a:rPr lang="zh-CN" altLang="en-US" sz="2000" b="0" i="0" dirty="0">
+                <a:solidFill>
+                  <a:srgbClr val="000000"/>
+                </a:solidFill>
+                <a:effectLst/>
+                <a:latin typeface="+mn-ea"/>
+              </a:rPr>
+              <a:t>估计占全球市场的</a:t>
+            </a:r>
+            <a:r>
+              <a:rPr lang="en-US" altLang="zh-CN" sz="2000" b="0" i="0" dirty="0">
+                <a:solidFill>
+                  <a:srgbClr val="000000"/>
+                </a:solidFill>
+                <a:effectLst/>
+                <a:latin typeface="+mn-ea"/>
+              </a:rPr>
+              <a:t>5%</a:t>
+            </a:r>
+            <a:r>
+              <a:rPr lang="zh-CN" altLang="en-US" sz="2000" b="0" i="0" dirty="0">
+                <a:solidFill>
+                  <a:srgbClr val="000000"/>
+                </a:solidFill>
+                <a:effectLst/>
+                <a:latin typeface="+mn-ea"/>
+              </a:rPr>
+              <a:t>左右。与内存和分立元件一样，台湾地区在全球市场上的份额有限，份额不到 </a:t>
+            </a:r>
+            <a:r>
+              <a:rPr lang="en-US" altLang="zh-CN" sz="2000" b="0" i="0" dirty="0">
+                <a:solidFill>
+                  <a:srgbClr val="000000"/>
+                </a:solidFill>
+                <a:effectLst/>
+                <a:latin typeface="+mn-ea"/>
+              </a:rPr>
+              <a:t>2%</a:t>
+            </a:r>
+            <a:r>
+              <a:rPr lang="zh-CN" altLang="en-US" sz="2000" b="0" i="0" dirty="0">
+                <a:solidFill>
+                  <a:srgbClr val="000000"/>
+                </a:solidFill>
+                <a:effectLst/>
+                <a:latin typeface="+mn-ea"/>
+              </a:rPr>
+              <a:t>。</a:t>
+            </a:r>
+            <a:endParaRPr lang="en-US" altLang="zh-CN" sz="2000" b="0" i="0" dirty="0">
+              <a:solidFill>
+                <a:srgbClr val="000000"/>
+              </a:solidFill>
+              <a:effectLst/>
+              <a:latin typeface="+mn-ea"/>
+            </a:endParaRPr>
+          </a:p>
+          <a:p>
+            <a:r>
+              <a:rPr lang="zh-CN" altLang="en-US" sz="1400" b="0" i="0" dirty="0">
+                <a:solidFill>
+                  <a:srgbClr val="000000"/>
+                </a:solidFill>
+                <a:effectLst/>
+                <a:latin typeface="Microsoft Yahei" panose="020B0503020204020204" pitchFamily="34" charset="-122"/>
+                <a:ea typeface="Microsoft Yahei" panose="020B0503020204020204" pitchFamily="34" charset="-122"/>
+              </a:rPr>
+              <a:t>从半导体产品的不同细分市场来看，美国在几个主要市场的市场份额仍然领先。高通、</a:t>
+            </a:r>
+            <a:r>
+              <a:rPr lang="en-US" altLang="zh-CN" sz="1400" b="0" i="0" dirty="0">
+                <a:solidFill>
+                  <a:srgbClr val="000000"/>
+                </a:solidFill>
+                <a:effectLst/>
+                <a:latin typeface="Microsoft Yahei" panose="020B0503020204020204" pitchFamily="34" charset="-122"/>
+                <a:ea typeface="Microsoft Yahei" panose="020B0503020204020204" pitchFamily="34" charset="-122"/>
+              </a:rPr>
+              <a:t>AMD</a:t>
+            </a:r>
+            <a:r>
+              <a:rPr lang="zh-CN" altLang="en-US" sz="1400" b="0" i="0" dirty="0">
+                <a:solidFill>
+                  <a:srgbClr val="000000"/>
+                </a:solidFill>
+                <a:effectLst/>
+                <a:latin typeface="Microsoft Yahei" panose="020B0503020204020204" pitchFamily="34" charset="-122"/>
+                <a:ea typeface="Microsoft Yahei" panose="020B0503020204020204" pitchFamily="34" charset="-122"/>
+              </a:rPr>
+              <a:t>、博通、英伟达和 </a:t>
+            </a:r>
+            <a:r>
+              <a:rPr lang="en-US" altLang="zh-CN" sz="1400" b="0" i="0" dirty="0">
+                <a:solidFill>
+                  <a:srgbClr val="000000"/>
+                </a:solidFill>
+                <a:effectLst/>
+                <a:latin typeface="Microsoft Yahei" panose="020B0503020204020204" pitchFamily="34" charset="-122"/>
+                <a:ea typeface="Microsoft Yahei" panose="020B0503020204020204" pitchFamily="34" charset="-122"/>
+              </a:rPr>
+              <a:t>Marvell </a:t>
+            </a:r>
+            <a:r>
+              <a:rPr lang="zh-CN" altLang="en-US" sz="1400" b="0" i="0" dirty="0">
+                <a:solidFill>
+                  <a:srgbClr val="000000"/>
+                </a:solidFill>
+                <a:effectLst/>
+                <a:latin typeface="Microsoft Yahei" panose="020B0503020204020204" pitchFamily="34" charset="-122"/>
+                <a:ea typeface="Microsoft Yahei" panose="020B0503020204020204" pitchFamily="34" charset="-122"/>
+              </a:rPr>
+              <a:t>等美国主要 </a:t>
+            </a:r>
+            <a:r>
+              <a:rPr lang="en-US" altLang="zh-CN" sz="1400" b="0" i="0" dirty="0">
+                <a:solidFill>
+                  <a:srgbClr val="000000"/>
+                </a:solidFill>
+                <a:effectLst/>
+                <a:latin typeface="Microsoft Yahei" panose="020B0503020204020204" pitchFamily="34" charset="-122"/>
+                <a:ea typeface="Microsoft Yahei" panose="020B0503020204020204" pitchFamily="34" charset="-122"/>
+              </a:rPr>
+              <a:t>IC </a:t>
+            </a:r>
+            <a:r>
+              <a:rPr lang="zh-CN" altLang="en-US" sz="1400" b="0" i="0" dirty="0">
+                <a:solidFill>
+                  <a:srgbClr val="000000"/>
+                </a:solidFill>
+                <a:effectLst/>
+                <a:latin typeface="Microsoft Yahei" panose="020B0503020204020204" pitchFamily="34" charset="-122"/>
+                <a:ea typeface="Microsoft Yahei" panose="020B0503020204020204" pitchFamily="34" charset="-122"/>
+              </a:rPr>
+              <a:t>设计公司是智能手机芯片、</a:t>
+            </a:r>
+            <a:r>
+              <a:rPr lang="en-US" altLang="zh-CN" sz="1400" b="0" i="0" dirty="0">
+                <a:solidFill>
+                  <a:srgbClr val="000000"/>
+                </a:solidFill>
+                <a:effectLst/>
+                <a:latin typeface="Microsoft Yahei" panose="020B0503020204020204" pitchFamily="34" charset="-122"/>
+                <a:ea typeface="Microsoft Yahei" panose="020B0503020204020204" pitchFamily="34" charset="-122"/>
+              </a:rPr>
+              <a:t>CPU</a:t>
+            </a:r>
+            <a:r>
+              <a:rPr lang="zh-CN" altLang="en-US" sz="1400" b="0" i="0" dirty="0">
+                <a:solidFill>
+                  <a:srgbClr val="000000"/>
+                </a:solidFill>
+                <a:effectLst/>
+                <a:latin typeface="Microsoft Yahei" panose="020B0503020204020204" pitchFamily="34" charset="-122"/>
+                <a:ea typeface="Microsoft Yahei" panose="020B0503020204020204" pitchFamily="34" charset="-122"/>
+              </a:rPr>
+              <a:t>、</a:t>
+            </a:r>
+            <a:r>
+              <a:rPr lang="en-US" altLang="zh-CN" sz="1400" b="0" i="0" dirty="0">
+                <a:solidFill>
+                  <a:srgbClr val="000000"/>
+                </a:solidFill>
+                <a:effectLst/>
+                <a:latin typeface="Microsoft Yahei" panose="020B0503020204020204" pitchFamily="34" charset="-122"/>
+                <a:ea typeface="Microsoft Yahei" panose="020B0503020204020204" pitchFamily="34" charset="-122"/>
+              </a:rPr>
+              <a:t>GPU </a:t>
+            </a:r>
+            <a:r>
+              <a:rPr lang="zh-CN" altLang="en-US" sz="1400" b="0" i="0" dirty="0">
+                <a:solidFill>
+                  <a:srgbClr val="000000"/>
+                </a:solidFill>
+                <a:effectLst/>
+                <a:latin typeface="Microsoft Yahei" panose="020B0503020204020204" pitchFamily="34" charset="-122"/>
+                <a:ea typeface="Microsoft Yahei" panose="020B0503020204020204" pitchFamily="34" charset="-122"/>
+              </a:rPr>
+              <a:t>和网络芯片领域的全球领导者。这使他们在与系统架构相关的微处理器</a:t>
+            </a:r>
+            <a:r>
+              <a:rPr lang="en-US" altLang="zh-CN" sz="1400" b="0" i="0" dirty="0">
+                <a:solidFill>
+                  <a:srgbClr val="000000"/>
+                </a:solidFill>
+                <a:effectLst/>
+                <a:latin typeface="Microsoft Yahei" panose="020B0503020204020204" pitchFamily="34" charset="-122"/>
+                <a:ea typeface="Microsoft Yahei" panose="020B0503020204020204" pitchFamily="34" charset="-122"/>
+              </a:rPr>
+              <a:t>/SoC </a:t>
+            </a:r>
+            <a:r>
+              <a:rPr lang="zh-CN" altLang="en-US" sz="1400" b="0" i="0" dirty="0">
+                <a:solidFill>
+                  <a:srgbClr val="000000"/>
+                </a:solidFill>
+                <a:effectLst/>
+                <a:latin typeface="Microsoft Yahei" panose="020B0503020204020204" pitchFamily="34" charset="-122"/>
+                <a:ea typeface="Microsoft Yahei" panose="020B0503020204020204" pitchFamily="34" charset="-122"/>
+              </a:rPr>
+              <a:t>中占据了主导地位。</a:t>
+            </a:r>
+            <a:endParaRPr lang="zh-CN" altLang="en-US" sz="2000" dirty="0">
+              <a:latin typeface="+mn-ea"/>
+            </a:endParaRPr>
+          </a:p>
+        </p:txBody>
+      </p:sp>
+    </p:spTree>
+    <p:extLst>
+      <p:ext uri="{BB962C8B-B14F-4D97-AF65-F5344CB8AC3E}">
+        <p14:creationId xmlns:p14="http://schemas.microsoft.com/office/powerpoint/2010/main" val="2289678418"/>
+      </p:ext>
+    </p:extLst>
+  </p:cSld>
+  <p:clrMapOvr>
+    <a:masterClrMapping/>
+  </p:clrMapOvr>
+</p:sld>
+</file>
+
+<file path=ppt/slides/slide21.xml><?xml version="1.0" encoding="utf-8"?>
+<p:sld xmlns:a="http://schemas.openxmlformats.org/drawingml/2006/main" xmlns:r="http://schemas.openxmlformats.org/officeDocument/2006/relationships" xmlns:p="http://schemas.openxmlformats.org/presentationml/2006/main">
+  <p:cSld>
+    <p:spTree>
+      <p:nvGrpSpPr>
+        <p:cNvPr id="1" name=""/>
+        <p:cNvGrpSpPr/>
+        <p:nvPr/>
+      </p:nvGrpSpPr>
+      <p:grpSpPr>
+        <a:xfrm>
+          <a:off x="0" y="0"/>
+          <a:ext cx="0" cy="0"/>
+          <a:chOff x="0" y="0"/>
+          <a:chExt cx="0" cy="0"/>
+        </a:xfrm>
+      </p:grpSpPr>
+      <p:sp>
+        <p:nvSpPr>
+          <p:cNvPr id="2" name="标题 1">
+            <a:extLst>
+              <a:ext uri="{FF2B5EF4-FFF2-40B4-BE49-F238E27FC236}">
+                <a16:creationId xmlns:a16="http://schemas.microsoft.com/office/drawing/2014/main" id="{44E17A92-7DFE-AE61-0EAC-74B408C896D5}"/>
+              </a:ext>
+            </a:extLst>
+          </p:cNvPr>
+          <p:cNvSpPr>
+            <a:spLocks noGrp="1"/>
+          </p:cNvSpPr>
+          <p:nvPr>
+            <p:ph type="title"/>
+          </p:nvPr>
+        </p:nvSpPr>
+        <p:spPr/>
+        <p:txBody>
+          <a:bodyPr/>
+          <a:lstStyle/>
+          <a:p>
+            <a:r>
+              <a:rPr lang="zh-CN" altLang="en-US" dirty="0"/>
+              <a:t>零散信息</a:t>
+            </a:r>
+          </a:p>
+        </p:txBody>
+      </p:sp>
+      <p:sp>
+        <p:nvSpPr>
+          <p:cNvPr id="3" name="内容占位符 2">
+            <a:extLst>
+              <a:ext uri="{FF2B5EF4-FFF2-40B4-BE49-F238E27FC236}">
+                <a16:creationId xmlns:a16="http://schemas.microsoft.com/office/drawing/2014/main" id="{EF88DD60-AB20-4D76-39B7-7B1C8BF99697}"/>
+              </a:ext>
+            </a:extLst>
+          </p:cNvPr>
+          <p:cNvSpPr>
+            <a:spLocks noGrp="1"/>
+          </p:cNvSpPr>
+          <p:nvPr>
+            <p:ph idx="1"/>
+          </p:nvPr>
+        </p:nvSpPr>
+        <p:spPr/>
+        <p:txBody>
+          <a:bodyPr>
+            <a:normAutofit/>
+          </a:bodyPr>
+          <a:lstStyle/>
+          <a:p>
+            <a:r>
+              <a:rPr lang="en-US" altLang="zh-CN" sz="1400" dirty="0">
+                <a:solidFill>
+                  <a:srgbClr val="333333"/>
+                </a:solidFill>
+                <a:latin typeface="Microsoft yahei" panose="020B0503020204020204" pitchFamily="34" charset="-122"/>
+                <a:ea typeface="Microsoft yahei" panose="020B0503020204020204" pitchFamily="34" charset="-122"/>
+              </a:rPr>
+              <a:t>18</a:t>
+            </a:r>
+            <a:r>
+              <a:rPr lang="zh-CN" altLang="en-US" sz="1400" dirty="0">
+                <a:solidFill>
+                  <a:srgbClr val="333333"/>
+                </a:solidFill>
+                <a:latin typeface="Microsoft yahei" panose="020B0503020204020204" pitchFamily="34" charset="-122"/>
+                <a:ea typeface="Microsoft yahei" panose="020B0503020204020204" pitchFamily="34" charset="-122"/>
+              </a:rPr>
+              <a:t>年：瑞昱为国内网通芯片大厂，若依去年产品营收比重而言，</a:t>
+            </a:r>
+            <a:r>
+              <a:rPr lang="en-US" altLang="zh-CN" sz="1400" dirty="0">
+                <a:solidFill>
+                  <a:srgbClr val="333333"/>
+                </a:solidFill>
+                <a:latin typeface="Microsoft yahei" panose="020B0503020204020204" pitchFamily="34" charset="-122"/>
+                <a:ea typeface="Microsoft yahei" panose="020B0503020204020204" pitchFamily="34" charset="-122"/>
+              </a:rPr>
+              <a:t>PC</a:t>
+            </a:r>
+            <a:r>
+              <a:rPr lang="zh-CN" altLang="en-US" sz="1400" dirty="0">
+                <a:solidFill>
+                  <a:srgbClr val="333333"/>
+                </a:solidFill>
+                <a:latin typeface="Microsoft yahei" panose="020B0503020204020204" pitchFamily="34" charset="-122"/>
+                <a:ea typeface="Microsoft yahei" panose="020B0503020204020204" pitchFamily="34" charset="-122"/>
+              </a:rPr>
+              <a:t>相关约占</a:t>
+            </a:r>
+            <a:r>
+              <a:rPr lang="en-US" altLang="zh-CN" sz="1400" dirty="0">
+                <a:solidFill>
+                  <a:srgbClr val="333333"/>
+                </a:solidFill>
+                <a:latin typeface="Microsoft yahei" panose="020B0503020204020204" pitchFamily="34" charset="-122"/>
+                <a:ea typeface="Microsoft yahei" panose="020B0503020204020204" pitchFamily="34" charset="-122"/>
+              </a:rPr>
+              <a:t>30~35%</a:t>
+            </a:r>
+            <a:r>
+              <a:rPr lang="zh-CN" altLang="en-US" sz="1400" dirty="0">
+                <a:solidFill>
+                  <a:srgbClr val="333333"/>
+                </a:solidFill>
+                <a:latin typeface="Microsoft yahei" panose="020B0503020204020204" pitchFamily="34" charset="-122"/>
+                <a:ea typeface="Microsoft yahei" panose="020B0503020204020204" pitchFamily="34" charset="-122"/>
+              </a:rPr>
+              <a:t>、非</a:t>
+            </a:r>
+            <a:r>
+              <a:rPr lang="en-US" altLang="zh-CN" sz="1400" dirty="0">
+                <a:solidFill>
+                  <a:srgbClr val="333333"/>
+                </a:solidFill>
+                <a:latin typeface="Microsoft yahei" panose="020B0503020204020204" pitchFamily="34" charset="-122"/>
+                <a:ea typeface="Microsoft yahei" panose="020B0503020204020204" pitchFamily="34" charset="-122"/>
+              </a:rPr>
+              <a:t>PC</a:t>
+            </a:r>
+            <a:r>
+              <a:rPr lang="zh-CN" altLang="en-US" sz="1400" dirty="0">
+                <a:solidFill>
+                  <a:srgbClr val="333333"/>
+                </a:solidFill>
+                <a:latin typeface="Microsoft yahei" panose="020B0503020204020204" pitchFamily="34" charset="-122"/>
+                <a:ea typeface="Microsoft yahei" panose="020B0503020204020204" pitchFamily="34" charset="-122"/>
+              </a:rPr>
+              <a:t>相关约占</a:t>
+            </a:r>
+            <a:r>
+              <a:rPr lang="en-US" altLang="zh-CN" sz="1400" dirty="0">
+                <a:solidFill>
+                  <a:srgbClr val="333333"/>
+                </a:solidFill>
+                <a:latin typeface="Microsoft yahei" panose="020B0503020204020204" pitchFamily="34" charset="-122"/>
+                <a:ea typeface="Microsoft yahei" panose="020B0503020204020204" pitchFamily="34" charset="-122"/>
+              </a:rPr>
+              <a:t>65~70%</a:t>
+            </a:r>
+            <a:r>
+              <a:rPr lang="zh-CN" altLang="en-US" sz="1400" dirty="0">
+                <a:solidFill>
+                  <a:srgbClr val="333333"/>
+                </a:solidFill>
+                <a:latin typeface="Microsoft yahei" panose="020B0503020204020204" pitchFamily="34" charset="-122"/>
+                <a:ea typeface="Microsoft yahei" panose="020B0503020204020204" pitchFamily="34" charset="-122"/>
+              </a:rPr>
+              <a:t>。</a:t>
+            </a:r>
+            <a:endParaRPr lang="en-US" altLang="zh-CN" sz="1400" dirty="0">
+              <a:solidFill>
+                <a:srgbClr val="333333"/>
+              </a:solidFill>
+              <a:latin typeface="Microsoft yahei" panose="020B0503020204020204" pitchFamily="34" charset="-122"/>
+              <a:ea typeface="Microsoft yahei" panose="020B0503020204020204" pitchFamily="34" charset="-122"/>
+            </a:endParaRPr>
+          </a:p>
+          <a:p>
+            <a:pPr lvl="1"/>
+            <a:r>
+              <a:rPr lang="zh-CN" altLang="en-US" sz="1000" dirty="0">
+                <a:solidFill>
+                  <a:srgbClr val="333333"/>
+                </a:solidFill>
+                <a:latin typeface="Microsoft yahei" panose="020B0503020204020204" pitchFamily="34" charset="-122"/>
+                <a:ea typeface="Microsoft yahei" panose="020B0503020204020204" pitchFamily="34" charset="-122"/>
+              </a:rPr>
+              <a:t>非</a:t>
+            </a:r>
+            <a:r>
+              <a:rPr lang="en-US" altLang="zh-CN" sz="1000" dirty="0">
+                <a:solidFill>
+                  <a:srgbClr val="333333"/>
+                </a:solidFill>
+                <a:latin typeface="Microsoft yahei" panose="020B0503020204020204" pitchFamily="34" charset="-122"/>
+                <a:ea typeface="Microsoft yahei" panose="020B0503020204020204" pitchFamily="34" charset="-122"/>
+              </a:rPr>
+              <a:t>PC</a:t>
+            </a:r>
+            <a:r>
+              <a:rPr lang="zh-CN" altLang="en-US" sz="1000" dirty="0">
+                <a:solidFill>
+                  <a:srgbClr val="333333"/>
+                </a:solidFill>
+                <a:latin typeface="Microsoft yahei" panose="020B0503020204020204" pitchFamily="34" charset="-122"/>
+                <a:ea typeface="Microsoft yahei" panose="020B0503020204020204" pitchFamily="34" charset="-122"/>
+              </a:rPr>
+              <a:t>相关，主要包含网通与多媒体产品。网通产品包含</a:t>
+            </a:r>
+            <a:r>
+              <a:rPr lang="en-US" altLang="zh-CN" sz="1000" dirty="0" err="1">
+                <a:solidFill>
+                  <a:srgbClr val="333333"/>
+                </a:solidFill>
+                <a:latin typeface="Microsoft yahei" panose="020B0503020204020204" pitchFamily="34" charset="-122"/>
+                <a:ea typeface="Microsoft yahei" panose="020B0503020204020204" pitchFamily="34" charset="-122"/>
+              </a:rPr>
+              <a:t>WiFi</a:t>
+            </a:r>
+            <a:r>
+              <a:rPr lang="zh-CN" altLang="en-US" sz="1000" dirty="0">
+                <a:solidFill>
+                  <a:srgbClr val="333333"/>
+                </a:solidFill>
+                <a:latin typeface="Microsoft yahei" panose="020B0503020204020204" pitchFamily="34" charset="-122"/>
+                <a:ea typeface="Microsoft yahei" panose="020B0503020204020204" pitchFamily="34" charset="-122"/>
+              </a:rPr>
+              <a:t>芯片、以太网络 </a:t>
+            </a:r>
+            <a:r>
+              <a:rPr lang="en-US" altLang="zh-CN" sz="1000" dirty="0">
+                <a:solidFill>
+                  <a:srgbClr val="333333"/>
+                </a:solidFill>
+                <a:latin typeface="Microsoft yahei" panose="020B0503020204020204" pitchFamily="34" charset="-122"/>
+                <a:ea typeface="Microsoft yahei" panose="020B0503020204020204" pitchFamily="34" charset="-122"/>
+              </a:rPr>
+              <a:t>(Ethernet)</a:t>
+            </a:r>
+            <a:r>
+              <a:rPr lang="zh-CN" altLang="en-US" sz="1000" dirty="0">
+                <a:solidFill>
+                  <a:srgbClr val="333333"/>
+                </a:solidFill>
+                <a:latin typeface="Microsoft yahei" panose="020B0503020204020204" pitchFamily="34" charset="-122"/>
+                <a:ea typeface="Microsoft yahei" panose="020B0503020204020204" pitchFamily="34" charset="-122"/>
+              </a:rPr>
+              <a:t>芯片、宽频接取设备芯片、</a:t>
+            </a:r>
+            <a:r>
+              <a:rPr lang="en-US" altLang="zh-CN" sz="1000" dirty="0">
+                <a:solidFill>
+                  <a:srgbClr val="333333"/>
+                </a:solidFill>
+                <a:latin typeface="Microsoft yahei" panose="020B0503020204020204" pitchFamily="34" charset="-122"/>
+                <a:ea typeface="Microsoft yahei" panose="020B0503020204020204" pitchFamily="34" charset="-122"/>
+              </a:rPr>
+              <a:t>Gateway</a:t>
+            </a:r>
+            <a:r>
+              <a:rPr lang="zh-CN" altLang="en-US" sz="1000" dirty="0">
+                <a:solidFill>
+                  <a:srgbClr val="333333"/>
+                </a:solidFill>
+                <a:latin typeface="Microsoft yahei" panose="020B0503020204020204" pitchFamily="34" charset="-122"/>
+                <a:ea typeface="Microsoft yahei" panose="020B0503020204020204" pitchFamily="34" charset="-122"/>
+              </a:rPr>
+              <a:t>控制芯片、</a:t>
+            </a:r>
+            <a:r>
+              <a:rPr lang="en-US" altLang="zh-CN" sz="1000" dirty="0">
+                <a:solidFill>
+                  <a:srgbClr val="333333"/>
+                </a:solidFill>
+                <a:latin typeface="Microsoft yahei" panose="020B0503020204020204" pitchFamily="34" charset="-122"/>
+                <a:ea typeface="Microsoft yahei" panose="020B0503020204020204" pitchFamily="34" charset="-122"/>
+              </a:rPr>
+              <a:t>Switch</a:t>
+            </a:r>
+            <a:r>
+              <a:rPr lang="zh-CN" altLang="en-US" sz="1000" dirty="0">
+                <a:solidFill>
+                  <a:srgbClr val="333333"/>
+                </a:solidFill>
+                <a:latin typeface="Microsoft yahei" panose="020B0503020204020204" pitchFamily="34" charset="-122"/>
+                <a:ea typeface="Microsoft yahei" panose="020B0503020204020204" pitchFamily="34" charset="-122"/>
+              </a:rPr>
+              <a:t>控制芯片等，占瑞昱整体营收比重逾半。</a:t>
+            </a:r>
+            <a:endParaRPr lang="en-US" altLang="zh-CN" sz="1400" dirty="0">
+              <a:solidFill>
+                <a:srgbClr val="333333"/>
+              </a:solidFill>
+              <a:latin typeface="Microsoft yahei" panose="020B0503020204020204" pitchFamily="34" charset="-122"/>
+              <a:ea typeface="Microsoft yahei" panose="020B0503020204020204" pitchFamily="34" charset="-122"/>
+            </a:endParaRPr>
+          </a:p>
+          <a:p>
+            <a:pPr lvl="1"/>
+            <a:r>
+              <a:rPr lang="zh-CN" altLang="en-US" sz="1000" dirty="0">
+                <a:solidFill>
+                  <a:srgbClr val="333333"/>
+                </a:solidFill>
+                <a:latin typeface="Microsoft yahei" panose="020B0503020204020204" pitchFamily="34" charset="-122"/>
+                <a:ea typeface="Microsoft yahei" panose="020B0503020204020204" pitchFamily="34" charset="-122"/>
+              </a:rPr>
+              <a:t>在</a:t>
+            </a:r>
+            <a:r>
+              <a:rPr lang="en-US" altLang="zh-CN" sz="1000" dirty="0">
+                <a:solidFill>
+                  <a:srgbClr val="333333"/>
+                </a:solidFill>
+                <a:latin typeface="Microsoft yahei" panose="020B0503020204020204" pitchFamily="34" charset="-122"/>
+                <a:ea typeface="Microsoft yahei" panose="020B0503020204020204" pitchFamily="34" charset="-122"/>
+              </a:rPr>
+              <a:t>PC</a:t>
+            </a:r>
+            <a:r>
+              <a:rPr lang="zh-CN" altLang="en-US" sz="1000" dirty="0">
+                <a:solidFill>
+                  <a:srgbClr val="333333"/>
+                </a:solidFill>
+                <a:latin typeface="Microsoft yahei" panose="020B0503020204020204" pitchFamily="34" charset="-122"/>
+                <a:ea typeface="Microsoft yahei" panose="020B0503020204020204" pitchFamily="34" charset="-122"/>
+              </a:rPr>
+              <a:t>相关产品部分，主要包含</a:t>
+            </a:r>
+            <a:r>
+              <a:rPr lang="en-US" altLang="zh-CN" sz="1000" dirty="0">
+                <a:solidFill>
+                  <a:srgbClr val="333333"/>
+                </a:solidFill>
+                <a:latin typeface="Microsoft yahei" panose="020B0503020204020204" pitchFamily="34" charset="-122"/>
+                <a:ea typeface="Microsoft yahei" panose="020B0503020204020204" pitchFamily="34" charset="-122"/>
+              </a:rPr>
+              <a:t>Audio codec (</a:t>
+            </a:r>
+            <a:r>
+              <a:rPr lang="zh-CN" altLang="en-US" sz="1000" dirty="0">
+                <a:solidFill>
+                  <a:srgbClr val="333333"/>
+                </a:solidFill>
+                <a:latin typeface="Microsoft yahei" panose="020B0503020204020204" pitchFamily="34" charset="-122"/>
+                <a:ea typeface="Microsoft yahei" panose="020B0503020204020204" pitchFamily="34" charset="-122"/>
+              </a:rPr>
+              <a:t>音频编解码器</a:t>
+            </a:r>
+            <a:r>
+              <a:rPr lang="en-US" altLang="zh-CN" sz="1000" dirty="0">
+                <a:solidFill>
+                  <a:srgbClr val="333333"/>
+                </a:solidFill>
+                <a:latin typeface="Microsoft yahei" panose="020B0503020204020204" pitchFamily="34" charset="-122"/>
+                <a:ea typeface="Microsoft yahei" panose="020B0503020204020204" pitchFamily="34" charset="-122"/>
+              </a:rPr>
+              <a:t>)</a:t>
+            </a:r>
+            <a:r>
+              <a:rPr lang="zh-CN" altLang="en-US" sz="1000" dirty="0">
+                <a:solidFill>
+                  <a:srgbClr val="333333"/>
+                </a:solidFill>
+                <a:latin typeface="Microsoft yahei" panose="020B0503020204020204" pitchFamily="34" charset="-122"/>
+                <a:ea typeface="Microsoft yahei" panose="020B0503020204020204" pitchFamily="34" charset="-122"/>
+              </a:rPr>
+              <a:t>、</a:t>
+            </a:r>
+            <a:r>
+              <a:rPr lang="en-US" altLang="zh-CN" sz="1000" dirty="0">
+                <a:solidFill>
+                  <a:srgbClr val="333333"/>
+                </a:solidFill>
+                <a:latin typeface="Microsoft yahei" panose="020B0503020204020204" pitchFamily="34" charset="-122"/>
+                <a:ea typeface="Microsoft yahei" panose="020B0503020204020204" pitchFamily="34" charset="-122"/>
+              </a:rPr>
+              <a:t>PC cam</a:t>
+            </a:r>
+            <a:r>
+              <a:rPr lang="zh-CN" altLang="en-US" sz="1000" dirty="0">
+                <a:solidFill>
+                  <a:srgbClr val="333333"/>
+                </a:solidFill>
+                <a:latin typeface="Microsoft yahei" panose="020B0503020204020204" pitchFamily="34" charset="-122"/>
+                <a:ea typeface="Microsoft yahei" panose="020B0503020204020204" pitchFamily="34" charset="-122"/>
+              </a:rPr>
+              <a:t>等相关芯片。去年</a:t>
+            </a:r>
+            <a:r>
+              <a:rPr lang="en-US" altLang="zh-CN" sz="1000" dirty="0">
+                <a:solidFill>
+                  <a:srgbClr val="333333"/>
+                </a:solidFill>
+                <a:latin typeface="Microsoft yahei" panose="020B0503020204020204" pitchFamily="34" charset="-122"/>
+                <a:ea typeface="Microsoft yahei" panose="020B0503020204020204" pitchFamily="34" charset="-122"/>
+              </a:rPr>
+              <a:t>Audio</a:t>
+            </a:r>
+            <a:r>
+              <a:rPr lang="zh-CN" altLang="en-US" sz="1000" dirty="0">
+                <a:solidFill>
+                  <a:srgbClr val="333333"/>
+                </a:solidFill>
+                <a:latin typeface="Microsoft yahei" panose="020B0503020204020204" pitchFamily="34" charset="-122"/>
+                <a:ea typeface="Microsoft yahei" panose="020B0503020204020204" pitchFamily="34" charset="-122"/>
+              </a:rPr>
+              <a:t>产品线于蓝牙耳机应用明显成长，而今年新产品</a:t>
+            </a:r>
+            <a:r>
+              <a:rPr lang="en-US" altLang="zh-CN" sz="1000" dirty="0">
+                <a:solidFill>
+                  <a:srgbClr val="333333"/>
+                </a:solidFill>
+                <a:latin typeface="Microsoft yahei" panose="020B0503020204020204" pitchFamily="34" charset="-122"/>
+                <a:ea typeface="Microsoft yahei" panose="020B0503020204020204" pitchFamily="34" charset="-122"/>
+              </a:rPr>
+              <a:t>USB Type-c</a:t>
+            </a:r>
+            <a:r>
+              <a:rPr lang="zh-CN" altLang="en-US" sz="1000" dirty="0">
+                <a:solidFill>
+                  <a:srgbClr val="333333"/>
+                </a:solidFill>
+                <a:latin typeface="Microsoft yahei" panose="020B0503020204020204" pitchFamily="34" charset="-122"/>
+                <a:ea typeface="Microsoft yahei" panose="020B0503020204020204" pitchFamily="34" charset="-122"/>
+              </a:rPr>
+              <a:t>也望开始贡献营收，今年底可望倍数成长，但</a:t>
+            </a:r>
+            <a:r>
+              <a:rPr lang="en-US" altLang="zh-CN" sz="1000" dirty="0">
+                <a:solidFill>
+                  <a:srgbClr val="333333"/>
+                </a:solidFill>
+                <a:latin typeface="Microsoft yahei" panose="020B0503020204020204" pitchFamily="34" charset="-122"/>
+                <a:ea typeface="Microsoft yahei" panose="020B0503020204020204" pitchFamily="34" charset="-122"/>
+              </a:rPr>
+              <a:t>ASP</a:t>
+            </a:r>
+            <a:r>
+              <a:rPr lang="zh-CN" altLang="en-US" sz="1000" dirty="0">
+                <a:solidFill>
+                  <a:srgbClr val="333333"/>
+                </a:solidFill>
+                <a:latin typeface="Microsoft yahei" panose="020B0503020204020204" pitchFamily="34" charset="-122"/>
+                <a:ea typeface="Microsoft yahei" panose="020B0503020204020204" pitchFamily="34" charset="-122"/>
+              </a:rPr>
+              <a:t>也受到竞争者压力明显。</a:t>
+            </a:r>
+            <a:endParaRPr lang="en-US" altLang="zh-CN" sz="1400" dirty="0">
+              <a:solidFill>
+                <a:srgbClr val="333333"/>
+              </a:solidFill>
+              <a:latin typeface="Microsoft yahei" panose="020B0503020204020204" pitchFamily="34" charset="-122"/>
+              <a:ea typeface="Microsoft yahei" panose="020B0503020204020204" pitchFamily="34" charset="-122"/>
+            </a:endParaRPr>
+          </a:p>
+          <a:p>
+            <a:r>
+              <a:rPr lang="en-US" altLang="zh-CN" sz="1400" dirty="0">
+                <a:solidFill>
+                  <a:srgbClr val="333333"/>
+                </a:solidFill>
+                <a:latin typeface="Microsoft yahei" panose="020B0503020204020204" pitchFamily="34" charset="-122"/>
+                <a:ea typeface="Microsoft yahei" panose="020B0503020204020204" pitchFamily="34" charset="-122"/>
+              </a:rPr>
+              <a:t>2020</a:t>
+            </a:r>
+            <a:r>
+              <a:rPr lang="zh-CN" altLang="en-US" sz="1400" dirty="0">
+                <a:solidFill>
+                  <a:srgbClr val="333333"/>
+                </a:solidFill>
+                <a:latin typeface="Microsoft yahei" panose="020B0503020204020204" pitchFamily="34" charset="-122"/>
+                <a:ea typeface="Microsoft yahei" panose="020B0503020204020204" pitchFamily="34" charset="-122"/>
+              </a:rPr>
+              <a:t>：</a:t>
+            </a:r>
+            <a:r>
+              <a:rPr lang="zh-CN" altLang="en-US" sz="1050" b="0" i="0" dirty="0">
+                <a:solidFill>
+                  <a:srgbClr val="31424E"/>
+                </a:solidFill>
+                <a:effectLst/>
+                <a:latin typeface="PingFangSC-Regular"/>
+              </a:rPr>
+              <a:t>钜亨网消息</a:t>
+            </a:r>
+            <a:r>
+              <a:rPr lang="en-US" altLang="zh-CN" sz="1050" b="0" i="0" dirty="0">
+                <a:solidFill>
+                  <a:srgbClr val="31424E"/>
+                </a:solidFill>
+                <a:effectLst/>
+                <a:latin typeface="PingFangSC-Regular"/>
+              </a:rPr>
+              <a:t>,</a:t>
+            </a:r>
+            <a:r>
+              <a:rPr lang="zh-CN" altLang="en-US" sz="1050" b="0" i="0" dirty="0">
+                <a:solidFill>
+                  <a:srgbClr val="31424E"/>
+                </a:solidFill>
+                <a:effectLst/>
+                <a:latin typeface="PingFangSC-Regular"/>
+              </a:rPr>
+              <a:t>近日</a:t>
+            </a:r>
+            <a:r>
+              <a:rPr lang="en-US" altLang="zh-CN" sz="1050" b="0" i="0" dirty="0">
+                <a:solidFill>
+                  <a:srgbClr val="31424E"/>
+                </a:solidFill>
+                <a:effectLst/>
+                <a:latin typeface="PingFangSC-Regular"/>
+              </a:rPr>
+              <a:t>,</a:t>
+            </a:r>
+            <a:r>
+              <a:rPr lang="en-US" altLang="zh-CN" sz="1050" b="0" i="0" u="none" strike="noStrike" dirty="0">
+                <a:solidFill>
+                  <a:srgbClr val="085AAD"/>
+                </a:solidFill>
+                <a:effectLst/>
+                <a:latin typeface="PingFangSC-Regular"/>
+                <a:hlinkClick r:id="rId2" tooltip="IC设计"/>
+              </a:rPr>
+              <a:t>IC</a:t>
+            </a:r>
+            <a:r>
+              <a:rPr lang="zh-CN" altLang="en-US" sz="1050" b="0" i="0" u="none" strike="noStrike" dirty="0">
+                <a:solidFill>
+                  <a:srgbClr val="085AAD"/>
+                </a:solidFill>
+                <a:effectLst/>
+                <a:latin typeface="PingFangSC-Regular"/>
+                <a:hlinkClick r:id="rId2" tooltip="IC设计"/>
+              </a:rPr>
+              <a:t>设计</a:t>
+            </a:r>
+            <a:r>
+              <a:rPr lang="zh-CN" altLang="en-US" sz="1050" b="0" i="0" dirty="0">
+                <a:solidFill>
+                  <a:srgbClr val="31424E"/>
+                </a:solidFill>
+                <a:effectLst/>
+                <a:latin typeface="PingFangSC-Regular"/>
+              </a:rPr>
+              <a:t>大厂瑞昱传出其音频编解码芯片</a:t>
+            </a:r>
+            <a:r>
+              <a:rPr lang="en-US" altLang="zh-CN" sz="1050" b="0" i="0" dirty="0">
+                <a:solidFill>
+                  <a:srgbClr val="31424E"/>
+                </a:solidFill>
+                <a:effectLst/>
+                <a:latin typeface="PingFangSC-Regular"/>
+              </a:rPr>
+              <a:t>(Audio Codec)</a:t>
+            </a:r>
+            <a:r>
+              <a:rPr lang="zh-CN" altLang="en-US" sz="1050" b="0" i="0" dirty="0">
+                <a:solidFill>
+                  <a:srgbClr val="31424E"/>
+                </a:solidFill>
+                <a:effectLst/>
+                <a:latin typeface="PingFangSC-Regular"/>
+              </a:rPr>
+              <a:t>遭某美系笔电大厂砍单</a:t>
+            </a:r>
+            <a:r>
+              <a:rPr lang="en-US" altLang="zh-CN" sz="1050" b="0" i="0" dirty="0">
+                <a:solidFill>
+                  <a:srgbClr val="31424E"/>
+                </a:solidFill>
+                <a:effectLst/>
+                <a:latin typeface="PingFangSC-Regular"/>
+              </a:rPr>
+              <a:t>,</a:t>
+            </a:r>
+            <a:r>
+              <a:rPr lang="zh-CN" altLang="en-US" sz="1050" b="0" i="0" dirty="0">
+                <a:solidFill>
+                  <a:srgbClr val="31424E"/>
+                </a:solidFill>
+                <a:effectLst/>
+                <a:latin typeface="PingFangSC-Regular"/>
+              </a:rPr>
+              <a:t>供货比重从八成降至二成</a:t>
+            </a:r>
+            <a:r>
+              <a:rPr lang="en-US" altLang="zh-CN" sz="1050" b="0" i="0" dirty="0">
+                <a:solidFill>
+                  <a:srgbClr val="31424E"/>
+                </a:solidFill>
+                <a:effectLst/>
+                <a:latin typeface="PingFangSC-Regular"/>
+              </a:rPr>
+              <a:t>,</a:t>
+            </a:r>
+            <a:r>
+              <a:rPr lang="zh-CN" altLang="en-US" sz="1050" b="0" i="0" dirty="0">
+                <a:solidFill>
+                  <a:srgbClr val="31424E"/>
+                </a:solidFill>
+                <a:effectLst/>
+                <a:latin typeface="PingFangSC-Regular"/>
+              </a:rPr>
+              <a:t>订单几乎腰斩。</a:t>
+            </a:r>
+            <a:endParaRPr lang="en-US" altLang="zh-CN" sz="1050" b="0" i="0" dirty="0">
+              <a:solidFill>
+                <a:srgbClr val="31424E"/>
+              </a:solidFill>
+              <a:effectLst/>
+              <a:latin typeface="PingFangSC-Regular"/>
+            </a:endParaRPr>
+          </a:p>
+          <a:p>
+            <a:endParaRPr lang="en-US" altLang="zh-CN" sz="1050" dirty="0">
+              <a:solidFill>
+                <a:srgbClr val="31424E"/>
+              </a:solidFill>
+              <a:latin typeface="PingFangSC-Regular"/>
+            </a:endParaRPr>
+          </a:p>
+          <a:p>
+            <a:r>
+              <a:rPr lang="zh-CN" altLang="en-US" sz="1050" b="0" i="0" dirty="0">
+                <a:solidFill>
+                  <a:srgbClr val="31424E"/>
+                </a:solidFill>
+                <a:effectLst/>
+                <a:latin typeface="PingFangSC-Regular"/>
+              </a:rPr>
+              <a:t>从信息检索结果来看，</a:t>
+            </a:r>
+            <a:r>
+              <a:rPr lang="en-US" altLang="zh-CN" sz="1050" b="0" i="0" dirty="0">
+                <a:solidFill>
+                  <a:srgbClr val="31424E"/>
+                </a:solidFill>
+                <a:effectLst/>
+                <a:latin typeface="PingFangSC-Regular"/>
+              </a:rPr>
+              <a:t>USB</a:t>
+            </a:r>
+            <a:r>
+              <a:rPr lang="zh-CN" altLang="en-US" sz="1050" b="0" i="0" dirty="0">
+                <a:solidFill>
+                  <a:srgbClr val="31424E"/>
+                </a:solidFill>
+                <a:effectLst/>
+                <a:latin typeface="PingFangSC-Regular"/>
+              </a:rPr>
+              <a:t> 不是瑞昱主要品类，瑞昱</a:t>
+            </a:r>
+            <a:r>
+              <a:rPr lang="en-US" altLang="zh-CN" sz="1050" b="0" i="0" dirty="0">
+                <a:solidFill>
+                  <a:srgbClr val="31424E"/>
+                </a:solidFill>
+                <a:effectLst/>
+                <a:latin typeface="PingFangSC-Regular"/>
+              </a:rPr>
+              <a:t>USB</a:t>
+            </a:r>
+            <a:r>
+              <a:rPr lang="zh-CN" altLang="en-US" sz="1050" b="0" i="0" dirty="0">
+                <a:solidFill>
+                  <a:srgbClr val="31424E"/>
+                </a:solidFill>
+                <a:effectLst/>
+                <a:latin typeface="PingFangSC-Regular"/>
+              </a:rPr>
+              <a:t>搜索不到有用信息</a:t>
+            </a:r>
+            <a:endParaRPr lang="en-US" altLang="zh-CN" sz="1050" b="0" i="0" dirty="0">
+              <a:solidFill>
+                <a:srgbClr val="31424E"/>
+              </a:solidFill>
+              <a:effectLst/>
+              <a:latin typeface="PingFangSC-Regular"/>
+            </a:endParaRPr>
+          </a:p>
+          <a:p>
+            <a:endParaRPr lang="en-US" altLang="zh-CN" sz="1400" dirty="0">
+              <a:solidFill>
+                <a:srgbClr val="333333"/>
+              </a:solidFill>
+              <a:latin typeface="Microsoft yahei" panose="020B0503020204020204" pitchFamily="34" charset="-122"/>
+              <a:ea typeface="Microsoft yahei" panose="020B0503020204020204" pitchFamily="34" charset="-122"/>
+            </a:endParaRPr>
+          </a:p>
+          <a:p>
+            <a:r>
+              <a:rPr lang="zh-CN" altLang="en-US" sz="1400" dirty="0">
+                <a:solidFill>
+                  <a:srgbClr val="333333"/>
+                </a:solidFill>
+                <a:latin typeface="Microsoft yahei" panose="020B0503020204020204" pitchFamily="34" charset="-122"/>
+                <a:ea typeface="Microsoft yahei" panose="020B0503020204020204" pitchFamily="34" charset="-122"/>
+              </a:rPr>
+              <a:t>由于瑞昱部分</a:t>
+            </a:r>
+            <a:r>
+              <a:rPr lang="en-US" altLang="zh-CN" sz="1400" dirty="0" err="1">
+                <a:solidFill>
+                  <a:srgbClr val="333333"/>
+                </a:solidFill>
+                <a:latin typeface="Microsoft yahei" panose="020B0503020204020204" pitchFamily="34" charset="-122"/>
+                <a:ea typeface="Microsoft yahei" panose="020B0503020204020204" pitchFamily="34" charset="-122"/>
+              </a:rPr>
+              <a:t>WiFi</a:t>
+            </a:r>
+            <a:r>
+              <a:rPr lang="zh-CN" altLang="en-US" sz="1400" dirty="0">
+                <a:solidFill>
+                  <a:srgbClr val="333333"/>
+                </a:solidFill>
+                <a:latin typeface="Microsoft yahei" panose="020B0503020204020204" pitchFamily="34" charset="-122"/>
+                <a:ea typeface="Microsoft yahei" panose="020B0503020204020204" pitchFamily="34" charset="-122"/>
+              </a:rPr>
+              <a:t>芯片</a:t>
+            </a:r>
+            <a:r>
+              <a:rPr lang="zh-CN" altLang="en-US" sz="1400" dirty="0">
+                <a:solidFill>
+                  <a:srgbClr val="FF0000"/>
+                </a:solidFill>
+                <a:latin typeface="Microsoft yahei" panose="020B0503020204020204" pitchFamily="34" charset="-122"/>
+                <a:ea typeface="Microsoft yahei" panose="020B0503020204020204" pitchFamily="34" charset="-122"/>
+              </a:rPr>
+              <a:t>有用到美国厂商的</a:t>
+            </a:r>
+            <a:r>
+              <a:rPr lang="en-US" altLang="zh-CN" sz="1400" dirty="0">
+                <a:solidFill>
+                  <a:srgbClr val="FF0000"/>
+                </a:solidFill>
+                <a:latin typeface="Microsoft yahei" panose="020B0503020204020204" pitchFamily="34" charset="-122"/>
+                <a:ea typeface="Microsoft yahei" panose="020B0503020204020204" pitchFamily="34" charset="-122"/>
+              </a:rPr>
+              <a:t>IP</a:t>
+            </a:r>
+            <a:r>
+              <a:rPr lang="zh-CN" altLang="en-US" sz="1400" dirty="0">
+                <a:solidFill>
+                  <a:srgbClr val="333333"/>
+                </a:solidFill>
+                <a:latin typeface="Microsoft yahei" panose="020B0503020204020204" pitchFamily="34" charset="-122"/>
+                <a:ea typeface="Microsoft yahei" panose="020B0503020204020204" pitchFamily="34" charset="-122"/>
+              </a:rPr>
+              <a:t>，因此客户中兴可能在美国禁售令延烧下，影响到瑞昱的芯片出货量，对此瑞昱表示，目前</a:t>
+            </a:r>
+            <a:r>
+              <a:rPr lang="en-US" altLang="zh-CN" sz="1400" dirty="0">
+                <a:solidFill>
+                  <a:srgbClr val="333333"/>
+                </a:solidFill>
+                <a:latin typeface="Microsoft yahei" panose="020B0503020204020204" pitchFamily="34" charset="-122"/>
+                <a:ea typeface="Microsoft yahei" panose="020B0503020204020204" pitchFamily="34" charset="-122"/>
+              </a:rPr>
+              <a:t>4</a:t>
+            </a:r>
+            <a:r>
+              <a:rPr lang="zh-CN" altLang="en-US" sz="1400" dirty="0">
+                <a:solidFill>
+                  <a:srgbClr val="333333"/>
+                </a:solidFill>
+                <a:latin typeface="Microsoft yahei" panose="020B0503020204020204" pitchFamily="34" charset="-122"/>
+                <a:ea typeface="Microsoft yahei" panose="020B0503020204020204" pitchFamily="34" charset="-122"/>
+              </a:rPr>
+              <a:t>、 </a:t>
+            </a:r>
+            <a:r>
+              <a:rPr lang="en-US" altLang="zh-CN" sz="1400" dirty="0">
+                <a:solidFill>
+                  <a:srgbClr val="333333"/>
+                </a:solidFill>
+                <a:latin typeface="Microsoft yahei" panose="020B0503020204020204" pitchFamily="34" charset="-122"/>
+                <a:ea typeface="Microsoft yahei" panose="020B0503020204020204" pitchFamily="34" charset="-122"/>
+              </a:rPr>
+              <a:t>5</a:t>
+            </a:r>
+            <a:r>
+              <a:rPr lang="zh-CN" altLang="en-US" sz="1400" dirty="0">
+                <a:solidFill>
+                  <a:srgbClr val="333333"/>
+                </a:solidFill>
+                <a:latin typeface="Microsoft yahei" panose="020B0503020204020204" pitchFamily="34" charset="-122"/>
+                <a:ea typeface="Microsoft yahei" panose="020B0503020204020204" pitchFamily="34" charset="-122"/>
+              </a:rPr>
+              <a:t>月看起来第</a:t>
+            </a:r>
+            <a:r>
+              <a:rPr lang="en-US" altLang="zh-CN" sz="1400" dirty="0">
+                <a:solidFill>
+                  <a:srgbClr val="333333"/>
+                </a:solidFill>
+                <a:latin typeface="Microsoft yahei" panose="020B0503020204020204" pitchFamily="34" charset="-122"/>
+                <a:ea typeface="Microsoft yahei" panose="020B0503020204020204" pitchFamily="34" charset="-122"/>
+              </a:rPr>
+              <a:t>1</a:t>
+            </a:r>
+            <a:r>
+              <a:rPr lang="zh-CN" altLang="en-US" sz="1400" dirty="0">
+                <a:solidFill>
+                  <a:srgbClr val="333333"/>
+                </a:solidFill>
+                <a:latin typeface="Microsoft yahei" panose="020B0503020204020204" pitchFamily="34" charset="-122"/>
+                <a:ea typeface="Microsoft yahei" panose="020B0503020204020204" pitchFamily="34" charset="-122"/>
+              </a:rPr>
+              <a:t>季动能仍延续，</a:t>
+            </a:r>
+            <a:r>
+              <a:rPr lang="en-US" altLang="zh-CN" sz="1400" dirty="0">
+                <a:solidFill>
+                  <a:srgbClr val="333333"/>
+                </a:solidFill>
+                <a:latin typeface="Microsoft yahei" panose="020B0503020204020204" pitchFamily="34" charset="-122"/>
+                <a:ea typeface="Microsoft yahei" panose="020B0503020204020204" pitchFamily="34" charset="-122"/>
+              </a:rPr>
+              <a:t>6</a:t>
+            </a:r>
+            <a:r>
+              <a:rPr lang="zh-CN" altLang="en-US" sz="1400" dirty="0">
+                <a:solidFill>
+                  <a:srgbClr val="333333"/>
+                </a:solidFill>
+                <a:latin typeface="Microsoft yahei" panose="020B0503020204020204" pitchFamily="34" charset="-122"/>
+                <a:ea typeface="Microsoft yahei" panose="020B0503020204020204" pitchFamily="34" charset="-122"/>
+              </a:rPr>
+              <a:t>月须持续观察禁售令的政策。</a:t>
+            </a:r>
+            <a:endParaRPr lang="en-US" altLang="zh-CN" sz="1400" dirty="0">
+              <a:solidFill>
+                <a:srgbClr val="333333"/>
+              </a:solidFill>
+              <a:latin typeface="Microsoft yahei" panose="020B0503020204020204" pitchFamily="34" charset="-122"/>
+              <a:ea typeface="Microsoft yahei" panose="020B0503020204020204" pitchFamily="34" charset="-122"/>
+            </a:endParaRPr>
+          </a:p>
+          <a:p>
+            <a:endParaRPr lang="zh-CN" altLang="en-US" sz="1400" dirty="0">
+              <a:solidFill>
+                <a:srgbClr val="333333"/>
+              </a:solidFill>
+              <a:latin typeface="Microsoft yahei" panose="020B0503020204020204" pitchFamily="34" charset="-122"/>
+              <a:ea typeface="Microsoft yahei" panose="020B0503020204020204" pitchFamily="34" charset="-122"/>
+            </a:endParaRPr>
+          </a:p>
+        </p:txBody>
+      </p:sp>
+    </p:spTree>
+    <p:extLst>
+      <p:ext uri="{BB962C8B-B14F-4D97-AF65-F5344CB8AC3E}">
+        <p14:creationId xmlns:p14="http://schemas.microsoft.com/office/powerpoint/2010/main" val="2316473608"/>
+      </p:ext>
+    </p:extLst>
+  </p:cSld>
+  <p:clrMapOvr>
+    <a:masterClrMapping/>
+  </p:clrMapOvr>
+</p:sld>
+</file>
+
+<file path=ppt/slides/slide22.xml><?xml version="1.0" encoding="utf-8"?>
+<p:sld xmlns:a="http://schemas.openxmlformats.org/drawingml/2006/main" xmlns:r="http://schemas.openxmlformats.org/officeDocument/2006/relationships" xmlns:p="http://schemas.openxmlformats.org/presentationml/2006/main">
+  <p:cSld>
+    <p:spTree>
+      <p:nvGrpSpPr>
+        <p:cNvPr id="1" name=""/>
+        <p:cNvGrpSpPr/>
+        <p:nvPr/>
+      </p:nvGrpSpPr>
+      <p:grpSpPr>
+        <a:xfrm>
+          <a:off x="0" y="0"/>
+          <a:ext cx="0" cy="0"/>
+          <a:chOff x="0" y="0"/>
+          <a:chExt cx="0" cy="0"/>
+        </a:xfrm>
+      </p:grpSpPr>
+      <p:sp>
+        <p:nvSpPr>
+          <p:cNvPr id="2" name="标题 1">
+            <a:extLst>
+              <a:ext uri="{FF2B5EF4-FFF2-40B4-BE49-F238E27FC236}">
+                <a16:creationId xmlns:a16="http://schemas.microsoft.com/office/drawing/2014/main" id="{BEAF98A0-7370-0D33-7C78-970F412FE7CD}"/>
+              </a:ext>
+            </a:extLst>
+          </p:cNvPr>
+          <p:cNvSpPr>
+            <a:spLocks noGrp="1"/>
+          </p:cNvSpPr>
+          <p:nvPr>
+            <p:ph type="title"/>
+          </p:nvPr>
+        </p:nvSpPr>
+        <p:spPr/>
+        <p:txBody>
+          <a:bodyPr/>
+          <a:lstStyle/>
+          <a:p>
+            <a:r>
+              <a:rPr lang="en-US" altLang="zh-CN" dirty="0"/>
+              <a:t>PC</a:t>
+            </a:r>
+            <a:r>
+              <a:rPr lang="zh-CN" altLang="en-US" dirty="0"/>
+              <a:t>声卡</a:t>
+            </a:r>
+            <a:r>
+              <a:rPr lang="en-US" altLang="zh-CN" dirty="0"/>
+              <a:t>—HD Audio</a:t>
+            </a:r>
+            <a:r>
+              <a:rPr lang="zh-CN" altLang="en-US" dirty="0"/>
+              <a:t>音频技术规范 </a:t>
+            </a:r>
+          </a:p>
+        </p:txBody>
+      </p:sp>
+      <p:sp>
+        <p:nvSpPr>
+          <p:cNvPr id="3" name="内容占位符 2">
+            <a:extLst>
+              <a:ext uri="{FF2B5EF4-FFF2-40B4-BE49-F238E27FC236}">
+                <a16:creationId xmlns:a16="http://schemas.microsoft.com/office/drawing/2014/main" id="{A805F199-452D-834B-8B38-6F9D37E27589}"/>
+              </a:ext>
+            </a:extLst>
+          </p:cNvPr>
+          <p:cNvSpPr>
+            <a:spLocks noGrp="1"/>
+          </p:cNvSpPr>
+          <p:nvPr>
+            <p:ph idx="1"/>
+          </p:nvPr>
+        </p:nvSpPr>
+        <p:spPr/>
+        <p:txBody>
+          <a:bodyPr>
+            <a:normAutofit/>
+          </a:bodyPr>
+          <a:lstStyle/>
+          <a:p>
+            <a:r>
+              <a:rPr lang="en-US" altLang="zh-CN" dirty="0"/>
+              <a:t>HD Audio</a:t>
+            </a:r>
+          </a:p>
+          <a:p>
+            <a:pPr lvl="1"/>
+            <a:r>
+              <a:rPr lang="en-US" altLang="zh-CN" dirty="0"/>
+              <a:t>High Definition Audio Codecs</a:t>
+            </a:r>
+          </a:p>
+          <a:p>
+            <a:r>
+              <a:rPr lang="zh-CN" altLang="en-US" dirty="0"/>
+              <a:t>符合</a:t>
+            </a:r>
+            <a:r>
+              <a:rPr lang="en-US" altLang="zh-CN" dirty="0"/>
+              <a:t>HD Audio</a:t>
+            </a:r>
+            <a:r>
+              <a:rPr lang="zh-CN" altLang="en-US" dirty="0"/>
+              <a:t>规范的芯片：</a:t>
+            </a:r>
+            <a:endParaRPr lang="en-US" altLang="zh-CN" dirty="0"/>
+          </a:p>
+          <a:p>
+            <a:pPr lvl="1"/>
+            <a:r>
+              <a:rPr lang="en-US" altLang="zh-CN" dirty="0"/>
+              <a:t>Realtek</a:t>
+            </a:r>
+            <a:r>
+              <a:rPr lang="zh-CN" altLang="en-US" dirty="0"/>
+              <a:t>瑞昱：</a:t>
+            </a:r>
+            <a:r>
+              <a:rPr lang="en-US" altLang="zh-CN" dirty="0"/>
+              <a:t>ALC880</a:t>
+            </a:r>
+            <a:r>
+              <a:rPr lang="zh-CN" altLang="en-US" dirty="0"/>
+              <a:t>、</a:t>
+            </a:r>
+            <a:r>
+              <a:rPr lang="en-US" altLang="zh-CN" dirty="0"/>
+              <a:t>ALC882</a:t>
+            </a:r>
+            <a:r>
+              <a:rPr lang="zh-CN" altLang="en-US" dirty="0"/>
+              <a:t>、</a:t>
+            </a:r>
+            <a:r>
+              <a:rPr lang="en-US" altLang="zh-CN" dirty="0"/>
+              <a:t>ALC883</a:t>
+            </a:r>
+            <a:r>
+              <a:rPr lang="zh-CN" altLang="en-US" dirty="0"/>
+              <a:t>、</a:t>
+            </a:r>
+            <a:r>
+              <a:rPr lang="en-US" altLang="zh-CN" dirty="0"/>
+              <a:t>ALC885</a:t>
+            </a:r>
+            <a:r>
+              <a:rPr lang="zh-CN" altLang="en-US" dirty="0"/>
+              <a:t>、</a:t>
+            </a:r>
+            <a:r>
+              <a:rPr lang="en-US" altLang="zh-CN" dirty="0"/>
+              <a:t>ALC888</a:t>
+            </a:r>
+            <a:r>
+              <a:rPr lang="zh-CN" altLang="en-US" dirty="0"/>
+              <a:t>、</a:t>
+            </a:r>
+            <a:r>
+              <a:rPr lang="en-US" altLang="zh-CN" dirty="0"/>
+              <a:t>ALC260</a:t>
+            </a:r>
+            <a:r>
+              <a:rPr lang="zh-CN" altLang="en-US" dirty="0"/>
+              <a:t>、</a:t>
+            </a:r>
+            <a:r>
+              <a:rPr lang="en-US" altLang="zh-CN" dirty="0"/>
+              <a:t>ALC262</a:t>
+            </a:r>
+            <a:r>
+              <a:rPr lang="zh-CN" altLang="en-US" dirty="0"/>
+              <a:t>、</a:t>
+            </a:r>
+            <a:r>
+              <a:rPr lang="en-US" altLang="zh-CN" dirty="0"/>
+              <a:t>ALC268</a:t>
+            </a:r>
+            <a:r>
+              <a:rPr lang="zh-CN" altLang="en-US" dirty="0"/>
+              <a:t>、</a:t>
+            </a:r>
+            <a:r>
+              <a:rPr lang="en-US" altLang="zh-CN" dirty="0"/>
+              <a:t>ALC861</a:t>
+            </a:r>
+            <a:r>
+              <a:rPr lang="zh-CN" altLang="en-US" dirty="0"/>
+              <a:t>等</a:t>
+            </a:r>
+            <a:endParaRPr lang="en-US" altLang="zh-CN" dirty="0"/>
+          </a:p>
+          <a:p>
+            <a:pPr lvl="1"/>
+            <a:r>
+              <a:rPr lang="zh-CN" altLang="en-US" dirty="0"/>
+              <a:t>其他厂商：</a:t>
+            </a:r>
+            <a:r>
+              <a:rPr lang="en-US" altLang="zh-CN" dirty="0" err="1"/>
+              <a:t>Cmedia</a:t>
+            </a:r>
+            <a:r>
+              <a:rPr lang="zh-CN" altLang="en-US" dirty="0"/>
+              <a:t>、</a:t>
+            </a:r>
+            <a:r>
+              <a:rPr lang="en-US" altLang="zh-CN" dirty="0"/>
+              <a:t>ADI</a:t>
+            </a:r>
+            <a:r>
+              <a:rPr lang="zh-CN" altLang="en-US" dirty="0"/>
+              <a:t>、</a:t>
+            </a:r>
+            <a:r>
+              <a:rPr lang="en-US" altLang="zh-CN" dirty="0"/>
+              <a:t> </a:t>
+            </a:r>
+            <a:r>
+              <a:rPr lang="en-US" altLang="zh-CN" dirty="0" err="1"/>
+              <a:t>Sigmatel</a:t>
+            </a:r>
+            <a:r>
+              <a:rPr lang="zh-CN" altLang="en-US" dirty="0"/>
+              <a:t>、</a:t>
+            </a:r>
+            <a:r>
+              <a:rPr lang="en-US" altLang="zh-CN" dirty="0"/>
+              <a:t>VIA</a:t>
+            </a:r>
+          </a:p>
+          <a:p>
+            <a:r>
+              <a:rPr lang="zh-CN" altLang="en-US" dirty="0"/>
+              <a:t>主要应用</a:t>
+            </a:r>
+            <a:endParaRPr lang="en-US" altLang="zh-CN" dirty="0"/>
+          </a:p>
+          <a:p>
+            <a:pPr lvl="1"/>
+            <a:r>
+              <a:rPr lang="zh-CN" altLang="en-US" dirty="0"/>
+              <a:t>笔记本电脑</a:t>
+            </a:r>
+            <a:endParaRPr lang="en-US" altLang="zh-CN" dirty="0"/>
+          </a:p>
+          <a:p>
+            <a:pPr lvl="1"/>
+            <a:r>
+              <a:rPr lang="en-US" altLang="zh-CN" b="0" i="0" dirty="0">
+                <a:solidFill>
+                  <a:srgbClr val="666666"/>
+                </a:solidFill>
+                <a:effectLst/>
+                <a:latin typeface="Ubuntu" panose="020B0504030602030204" pitchFamily="34" charset="0"/>
+              </a:rPr>
+              <a:t>PCI</a:t>
+            </a:r>
+            <a:r>
+              <a:rPr lang="zh-CN" altLang="en-US" b="0" i="0" dirty="0">
+                <a:solidFill>
+                  <a:srgbClr val="666666"/>
+                </a:solidFill>
+                <a:effectLst/>
+                <a:latin typeface="Ubuntu" panose="020B0504030602030204" pitchFamily="34" charset="0"/>
+              </a:rPr>
+              <a:t>声卡？？</a:t>
+            </a:r>
+            <a:endParaRPr lang="en-US" altLang="zh-CN" dirty="0"/>
+          </a:p>
+          <a:p>
+            <a:r>
+              <a:rPr lang="zh-CN" altLang="en-US" dirty="0"/>
+              <a:t>出货占比</a:t>
+            </a:r>
+          </a:p>
+        </p:txBody>
+      </p:sp>
+    </p:spTree>
+    <p:extLst>
+      <p:ext uri="{BB962C8B-B14F-4D97-AF65-F5344CB8AC3E}">
+        <p14:creationId xmlns:p14="http://schemas.microsoft.com/office/powerpoint/2010/main" val="4275385750"/>
+      </p:ext>
+    </p:extLst>
+  </p:cSld>
+  <p:clrMapOvr>
+    <a:masterClrMapping/>
+  </p:clrMapOvr>
+</p:sld>
+</file>
+
+<file path=ppt/slides/slide23.xml><?xml version="1.0" encoding="utf-8"?>
+<p:sld xmlns:a="http://schemas.openxmlformats.org/drawingml/2006/main" xmlns:r="http://schemas.openxmlformats.org/officeDocument/2006/relationships" xmlns:p="http://schemas.openxmlformats.org/presentationml/2006/main">
+  <p:cSld>
+    <p:spTree>
+      <p:nvGrpSpPr>
+        <p:cNvPr id="1" name=""/>
+        <p:cNvGrpSpPr/>
+        <p:nvPr/>
+      </p:nvGrpSpPr>
+      <p:grpSpPr>
+        <a:xfrm>
+          <a:off x="0" y="0"/>
+          <a:ext cx="0" cy="0"/>
+          <a:chOff x="0" y="0"/>
+          <a:chExt cx="0" cy="0"/>
+        </a:xfrm>
+      </p:grpSpPr>
+      <p:sp>
+        <p:nvSpPr>
+          <p:cNvPr id="2" name="标题 1">
+            <a:extLst>
+              <a:ext uri="{FF2B5EF4-FFF2-40B4-BE49-F238E27FC236}">
+                <a16:creationId xmlns:a16="http://schemas.microsoft.com/office/drawing/2014/main" id="{16A22911-6A67-F1F4-1359-653E55AF475E}"/>
+              </a:ext>
+            </a:extLst>
+          </p:cNvPr>
+          <p:cNvSpPr>
+            <a:spLocks noGrp="1"/>
+          </p:cNvSpPr>
+          <p:nvPr>
+            <p:ph type="title"/>
+          </p:nvPr>
+        </p:nvSpPr>
+        <p:spPr/>
+        <p:txBody>
+          <a:bodyPr/>
+          <a:lstStyle/>
+          <a:p>
+            <a:r>
+              <a:rPr lang="en-US" altLang="zh-CN" dirty="0"/>
+              <a:t>PC</a:t>
+            </a:r>
+            <a:r>
+              <a:rPr lang="zh-CN" altLang="en-US" dirty="0"/>
+              <a:t>声卡</a:t>
+            </a:r>
+            <a:r>
+              <a:rPr lang="en-US" altLang="zh-CN" dirty="0"/>
+              <a:t>—AC'97</a:t>
+            </a:r>
+            <a:r>
+              <a:rPr lang="zh-CN" altLang="en-US" dirty="0"/>
+              <a:t>音频技术规范</a:t>
+            </a:r>
+          </a:p>
+        </p:txBody>
+      </p:sp>
+      <p:sp>
+        <p:nvSpPr>
+          <p:cNvPr id="3" name="内容占位符 2">
+            <a:extLst>
+              <a:ext uri="{FF2B5EF4-FFF2-40B4-BE49-F238E27FC236}">
+                <a16:creationId xmlns:a16="http://schemas.microsoft.com/office/drawing/2014/main" id="{3837AD90-D308-2A6C-CD59-68928B1CDA45}"/>
+              </a:ext>
+            </a:extLst>
+          </p:cNvPr>
+          <p:cNvSpPr>
+            <a:spLocks noGrp="1"/>
+          </p:cNvSpPr>
+          <p:nvPr>
+            <p:ph idx="1"/>
+          </p:nvPr>
+        </p:nvSpPr>
+        <p:spPr/>
+        <p:txBody>
+          <a:bodyPr/>
+          <a:lstStyle/>
+          <a:p>
+            <a:endParaRPr lang="zh-CN" altLang="en-US"/>
+          </a:p>
+        </p:txBody>
+      </p:sp>
+    </p:spTree>
+    <p:extLst>
+      <p:ext uri="{BB962C8B-B14F-4D97-AF65-F5344CB8AC3E}">
+        <p14:creationId xmlns:p14="http://schemas.microsoft.com/office/powerpoint/2010/main" val="1971980735"/>
+      </p:ext>
+    </p:extLst>
+  </p:cSld>
+  <p:clrMapOvr>
+    <a:masterClrMapping/>
+  </p:clrMapOvr>
+</p:sld>
+</file>
+
+<file path=ppt/slides/slide24.xml><?xml version="1.0" encoding="utf-8"?>
+<p:sld xmlns:a="http://schemas.openxmlformats.org/drawingml/2006/main" xmlns:r="http://schemas.openxmlformats.org/officeDocument/2006/relationships" xmlns:p="http://schemas.openxmlformats.org/presentationml/2006/main">
+  <p:cSld>
+    <p:spTree>
+      <p:nvGrpSpPr>
+        <p:cNvPr id="1" name=""/>
+        <p:cNvGrpSpPr/>
+        <p:nvPr/>
+      </p:nvGrpSpPr>
+      <p:grpSpPr>
+        <a:xfrm>
+          <a:off x="0" y="0"/>
+          <a:ext cx="0" cy="0"/>
+          <a:chOff x="0" y="0"/>
+          <a:chExt cx="0" cy="0"/>
+        </a:xfrm>
+      </p:grpSpPr>
+      <p:sp>
+        <p:nvSpPr>
+          <p:cNvPr id="2" name="标题 1">
+            <a:extLst>
+              <a:ext uri="{FF2B5EF4-FFF2-40B4-BE49-F238E27FC236}">
+                <a16:creationId xmlns:a16="http://schemas.microsoft.com/office/drawing/2014/main" id="{80E79BBC-0EDD-391F-2488-99DD9FDEB15D}"/>
+              </a:ext>
+            </a:extLst>
+          </p:cNvPr>
+          <p:cNvSpPr>
+            <a:spLocks noGrp="1"/>
+          </p:cNvSpPr>
+          <p:nvPr>
+            <p:ph type="title"/>
+          </p:nvPr>
+        </p:nvSpPr>
+        <p:spPr/>
+        <p:txBody>
+          <a:bodyPr/>
+          <a:lstStyle/>
+          <a:p>
+            <a:endParaRPr lang="zh-CN" altLang="en-US"/>
+          </a:p>
+        </p:txBody>
+      </p:sp>
+      <p:sp>
+        <p:nvSpPr>
+          <p:cNvPr id="5" name="内容占位符 4">
+            <a:extLst>
+              <a:ext uri="{FF2B5EF4-FFF2-40B4-BE49-F238E27FC236}">
+                <a16:creationId xmlns:a16="http://schemas.microsoft.com/office/drawing/2014/main" id="{A3BF63EB-A701-5FFE-8D02-3A38172C13B9}"/>
+              </a:ext>
+            </a:extLst>
+          </p:cNvPr>
+          <p:cNvSpPr>
+            <a:spLocks noGrp="1"/>
+          </p:cNvSpPr>
+          <p:nvPr>
+            <p:ph idx="1"/>
+          </p:nvPr>
+        </p:nvSpPr>
+        <p:spPr/>
+        <p:txBody>
+          <a:bodyPr/>
+          <a:lstStyle/>
+          <a:p>
+            <a:endParaRPr lang="zh-CN" altLang="en-US"/>
+          </a:p>
+        </p:txBody>
+      </p:sp>
+      <p:pic>
+        <p:nvPicPr>
+          <p:cNvPr id="3" name="内容占位符 9">
+            <a:extLst>
+              <a:ext uri="{FF2B5EF4-FFF2-40B4-BE49-F238E27FC236}">
+                <a16:creationId xmlns:a16="http://schemas.microsoft.com/office/drawing/2014/main" id="{857BAACF-8F04-7FB3-C875-BFFB1DFC8362}"/>
+              </a:ext>
+            </a:extLst>
+          </p:cNvPr>
+          <p:cNvPicPr>
+            <a:picLocks noChangeAspect="1"/>
+          </p:cNvPicPr>
+          <p:nvPr/>
+        </p:nvPicPr>
+        <p:blipFill>
+          <a:blip r:embed="rId2">
+            <a:extLst>
+              <a:ext uri="{28A0092B-C50C-407E-A947-70E740481C1C}">
+                <a14:useLocalDpi xmlns:a14="http://schemas.microsoft.com/office/drawing/2010/main" val="0"/>
+              </a:ext>
+            </a:extLst>
+          </a:blip>
+          <a:stretch>
+            <a:fillRect/>
+          </a:stretch>
+        </p:blipFill>
+        <p:spPr>
+          <a:xfrm>
+            <a:off x="5027295" y="874225"/>
+            <a:ext cx="6461320" cy="5302738"/>
+          </a:xfrm>
+          <a:prstGeom prst="rect">
+            <a:avLst/>
+          </a:prstGeom>
+        </p:spPr>
+      </p:pic>
+    </p:spTree>
+    <p:extLst>
+      <p:ext uri="{BB962C8B-B14F-4D97-AF65-F5344CB8AC3E}">
+        <p14:creationId xmlns:p14="http://schemas.microsoft.com/office/powerpoint/2010/main" val="1676262535"/>
       </p:ext>
     </p:extLst>
   </p:cSld>
@@ -7464,7 +9245,7 @@
           <p:cNvPr id="2" name="标题 1">
             <a:extLst>
               <a:ext uri="{FF2B5EF4-FFF2-40B4-BE49-F238E27FC236}">
-                <a16:creationId xmlns:a16="http://schemas.microsoft.com/office/drawing/2014/main" id="{0A55BE32-06A6-4E06-2499-6EF55A6A49E2}"/>
+                <a16:creationId xmlns:a16="http://schemas.microsoft.com/office/drawing/2014/main" id="{F44D6908-F871-AA56-9945-84255A37EB21}"/>
               </a:ext>
             </a:extLst>
           </p:cNvPr>
@@ -7480,10 +9261,7 @@
           <a:bodyPr/>
           <a:lstStyle/>
           <a:p>
-            <a:r>
-              <a:rPr lang="zh-CN" altLang="en-US" dirty="0"/>
-              <a:t>瑞昱产品线概览</a:t>
-            </a:r>
+            <a:endParaRPr kumimoji="1" lang="zh-CN" altLang="en-US" dirty="0"/>
           </a:p>
         </p:txBody>
       </p:sp>
@@ -7492,7 +9270,7 @@
           <p:cNvPr id="3" name="内容占位符 2">
             <a:extLst>
               <a:ext uri="{FF2B5EF4-FFF2-40B4-BE49-F238E27FC236}">
-                <a16:creationId xmlns:a16="http://schemas.microsoft.com/office/drawing/2014/main" id="{88213330-483C-1815-97CC-756C058DFAC9}"/>
+                <a16:creationId xmlns:a16="http://schemas.microsoft.com/office/drawing/2014/main" id="{A30F24EE-667C-7BA6-8C68-65E4A29E3700}"/>
               </a:ext>
             </a:extLst>
           </p:cNvPr>
@@ -7503,587 +9281,29 @@
             <p:ph idx="1"/>
           </p:nvPr>
         </p:nvSpPr>
-        <p:spPr>
-          <a:xfrm>
-            <a:off x="838200" y="1825625"/>
-            <a:ext cx="5656385" cy="4351338"/>
-          </a:xfrm>
-        </p:spPr>
+        <p:spPr/>
         <p:txBody>
-          <a:bodyPr>
-            <a:normAutofit/>
-          </a:bodyPr>
+          <a:bodyPr/>
           <a:lstStyle/>
           <a:p>
             <a:r>
-              <a:rPr lang="zh-CN" altLang="en-US" sz="1600" dirty="0"/>
-              <a:t>音频编解码</a:t>
-            </a:r>
-            <a:endParaRPr lang="en-US" altLang="zh-CN" sz="1600" dirty="0"/>
-          </a:p>
-          <a:p>
-            <a:pPr lvl="1"/>
-            <a:r>
-              <a:rPr lang="zh-CN" altLang="en-US" sz="1400" b="0" i="0" dirty="0">
-                <a:solidFill>
-                  <a:srgbClr val="31424E"/>
-                </a:solidFill>
-                <a:effectLst/>
-                <a:latin typeface="PingFangSC-Regular"/>
-              </a:rPr>
-              <a:t>瑞昱作为音频编解码芯片龙头业者</a:t>
-            </a:r>
-            <a:r>
-              <a:rPr lang="en-US" altLang="zh-CN" sz="1400" b="0" i="0" dirty="0">
-                <a:solidFill>
-                  <a:srgbClr val="31424E"/>
-                </a:solidFill>
-                <a:effectLst/>
-                <a:latin typeface="PingFangSC-Regular"/>
-              </a:rPr>
-              <a:t>,</a:t>
-            </a:r>
-            <a:r>
-              <a:rPr lang="zh-CN" altLang="en-US" sz="1400" b="0" i="0" dirty="0">
-                <a:solidFill>
-                  <a:srgbClr val="31424E"/>
-                </a:solidFill>
-                <a:effectLst/>
-                <a:latin typeface="PingFangSC-Regular"/>
-              </a:rPr>
-              <a:t>市占超过</a:t>
-            </a:r>
-            <a:r>
-              <a:rPr lang="en-US" altLang="zh-CN" sz="1400" b="0" i="0" dirty="0">
-                <a:solidFill>
-                  <a:srgbClr val="31424E"/>
-                </a:solidFill>
-                <a:effectLst/>
-                <a:latin typeface="PingFangSC-Regular"/>
-              </a:rPr>
-              <a:t>5</a:t>
-            </a:r>
-            <a:r>
-              <a:rPr lang="zh-CN" altLang="en-US" sz="1400" b="0" i="0" dirty="0">
-                <a:solidFill>
-                  <a:srgbClr val="31424E"/>
-                </a:solidFill>
-                <a:effectLst/>
-                <a:latin typeface="PingFangSC-Regular"/>
-              </a:rPr>
-              <a:t>成</a:t>
-            </a:r>
-            <a:r>
-              <a:rPr lang="en-US" altLang="zh-CN" sz="1400" b="0" i="0" dirty="0">
-                <a:solidFill>
-                  <a:srgbClr val="31424E"/>
-                </a:solidFill>
-                <a:effectLst/>
-                <a:latin typeface="PingFangSC-Regular"/>
-              </a:rPr>
-              <a:t>,</a:t>
-            </a:r>
-            <a:r>
-              <a:rPr lang="zh-CN" altLang="en-US" sz="1400" b="0" i="0" dirty="0">
-                <a:solidFill>
-                  <a:srgbClr val="31424E"/>
-                </a:solidFill>
-                <a:effectLst/>
-                <a:latin typeface="PingFangSC-Regular"/>
-              </a:rPr>
-              <a:t>布局涵盖</a:t>
-            </a:r>
-            <a:r>
-              <a:rPr lang="en-US" altLang="zh-CN" sz="1400" b="0" i="0" dirty="0">
-                <a:solidFill>
-                  <a:srgbClr val="31424E"/>
-                </a:solidFill>
-                <a:effectLst/>
-                <a:latin typeface="PingFangSC-Regular"/>
-              </a:rPr>
-              <a:t>PC</a:t>
-            </a:r>
-            <a:r>
-              <a:rPr lang="zh-CN" altLang="en-US" sz="1400" b="0" i="0" dirty="0">
-                <a:solidFill>
-                  <a:srgbClr val="31424E"/>
-                </a:solidFill>
-                <a:effectLst/>
-                <a:latin typeface="PingFangSC-Regular"/>
-              </a:rPr>
-              <a:t>、笔电等领域</a:t>
-            </a:r>
-            <a:r>
-              <a:rPr lang="en-US" altLang="zh-CN" sz="1400" b="0" i="0" dirty="0">
-                <a:solidFill>
-                  <a:srgbClr val="31424E"/>
-                </a:solidFill>
-                <a:effectLst/>
-                <a:latin typeface="PingFangSC-Regular"/>
-              </a:rPr>
-              <a:t>,</a:t>
-            </a:r>
-          </a:p>
-          <a:p>
-            <a:pPr lvl="1"/>
-            <a:r>
-              <a:rPr lang="zh-CN" altLang="en-US" sz="1400" b="0" i="0" dirty="0">
-                <a:solidFill>
-                  <a:srgbClr val="31424E"/>
-                </a:solidFill>
-                <a:effectLst/>
-                <a:latin typeface="PingFangSC-Regular"/>
-              </a:rPr>
-              <a:t>瑞昱自</a:t>
-            </a:r>
-            <a:r>
-              <a:rPr lang="en-US" altLang="zh-CN" sz="1400" b="0" i="0" dirty="0">
-                <a:solidFill>
-                  <a:srgbClr val="31424E"/>
-                </a:solidFill>
-                <a:effectLst/>
-                <a:latin typeface="PingFangSC-Regular"/>
-              </a:rPr>
-              <a:t>20</a:t>
-            </a:r>
-            <a:r>
-              <a:rPr lang="zh-CN" altLang="en-US" sz="1400" b="0" i="0" dirty="0">
-                <a:solidFill>
-                  <a:srgbClr val="31424E"/>
-                </a:solidFill>
-                <a:effectLst/>
-                <a:latin typeface="PingFangSC-Regular"/>
-              </a:rPr>
-              <a:t>年第三季以来</a:t>
-            </a:r>
-            <a:r>
-              <a:rPr lang="en-US" altLang="zh-CN" sz="1400" b="0" i="0" dirty="0">
-                <a:solidFill>
-                  <a:srgbClr val="31424E"/>
-                </a:solidFill>
-                <a:effectLst/>
-                <a:latin typeface="PingFangSC-Regular"/>
-              </a:rPr>
-              <a:t>,</a:t>
-            </a:r>
-            <a:r>
-              <a:rPr lang="zh-CN" altLang="en-US" sz="1400" b="0" i="0" dirty="0">
-                <a:solidFill>
-                  <a:srgbClr val="31424E"/>
-                </a:solidFill>
-                <a:effectLst/>
-                <a:latin typeface="PingFangSC-Regular"/>
-              </a:rPr>
-              <a:t>受到晶圆、封测产能紧张</a:t>
-            </a:r>
-            <a:r>
-              <a:rPr lang="en-US" altLang="zh-CN" sz="1400" b="0" i="0" dirty="0">
-                <a:solidFill>
-                  <a:srgbClr val="31424E"/>
-                </a:solidFill>
-                <a:effectLst/>
-                <a:latin typeface="PingFangSC-Regular"/>
-              </a:rPr>
-              <a:t>,</a:t>
-            </a:r>
-            <a:r>
-              <a:rPr lang="zh-CN" altLang="en-US" sz="1400" b="0" i="0" dirty="0">
-                <a:solidFill>
-                  <a:srgbClr val="31424E"/>
-                </a:solidFill>
-                <a:effectLst/>
-                <a:latin typeface="PingFangSC-Regular"/>
-              </a:rPr>
-              <a:t>内部订定供货顺序</a:t>
-            </a:r>
-            <a:r>
-              <a:rPr lang="en-US" altLang="zh-CN" sz="1400" b="0" i="0" dirty="0">
-                <a:solidFill>
-                  <a:srgbClr val="31424E"/>
-                </a:solidFill>
-                <a:effectLst/>
-                <a:latin typeface="PingFangSC-Regular"/>
-              </a:rPr>
-              <a:t>,</a:t>
-            </a:r>
-            <a:r>
-              <a:rPr lang="zh-CN" altLang="en-US" sz="1400" b="0" i="0" dirty="0">
-                <a:solidFill>
-                  <a:srgbClr val="31424E"/>
-                </a:solidFill>
-                <a:effectLst/>
-                <a:latin typeface="PingFangSC-Regular"/>
-              </a:rPr>
-              <a:t>依照各产品线、客户情况调配产能</a:t>
-            </a:r>
-            <a:r>
-              <a:rPr lang="en-US" altLang="zh-CN" sz="1400" b="0" i="0" dirty="0">
-                <a:solidFill>
-                  <a:srgbClr val="31424E"/>
-                </a:solidFill>
-                <a:effectLst/>
-                <a:latin typeface="PingFangSC-Regular"/>
-              </a:rPr>
-              <a:t>,</a:t>
-            </a:r>
-            <a:r>
-              <a:rPr lang="zh-CN" altLang="en-US" sz="1400" b="0" i="0" dirty="0">
-                <a:solidFill>
-                  <a:srgbClr val="31424E"/>
-                </a:solidFill>
-                <a:effectLst/>
-                <a:latin typeface="PingFangSC-Regular"/>
-              </a:rPr>
-              <a:t>音频编解码芯片尽管搭上笔电出货潮</a:t>
-            </a:r>
-            <a:r>
-              <a:rPr lang="en-US" altLang="zh-CN" sz="1400" b="0" i="0" dirty="0">
-                <a:solidFill>
-                  <a:srgbClr val="31424E"/>
-                </a:solidFill>
-                <a:effectLst/>
-                <a:latin typeface="PingFangSC-Regular"/>
-              </a:rPr>
-              <a:t>,</a:t>
-            </a:r>
-            <a:r>
-              <a:rPr lang="zh-CN" altLang="en-US" sz="1400" b="0" i="0" dirty="0">
-                <a:solidFill>
-                  <a:srgbClr val="31424E"/>
-                </a:solidFill>
-                <a:effectLst/>
-                <a:latin typeface="PingFangSC-Regular"/>
-              </a:rPr>
-              <a:t>但已不在前五大产品线上</a:t>
-            </a:r>
-            <a:r>
-              <a:rPr lang="en-US" altLang="zh-CN" sz="1400" b="0" i="0" dirty="0">
-                <a:solidFill>
-                  <a:srgbClr val="31424E"/>
-                </a:solidFill>
-                <a:effectLst/>
-                <a:latin typeface="PingFangSC-Regular"/>
-              </a:rPr>
-              <a:t>,</a:t>
-            </a:r>
-            <a:r>
-              <a:rPr lang="zh-CN" altLang="en-US" sz="1400" b="0" i="0" dirty="0">
-                <a:solidFill>
-                  <a:srgbClr val="31424E"/>
-                </a:solidFill>
-                <a:effectLst/>
-                <a:latin typeface="PingFangSC-Regular"/>
-              </a:rPr>
-              <a:t>因此出现排挤效应。</a:t>
-            </a:r>
-            <a:endParaRPr lang="en-US" altLang="zh-CN" sz="1400" b="0" i="0" dirty="0">
-              <a:solidFill>
-                <a:srgbClr val="31424E"/>
-              </a:solidFill>
-              <a:effectLst/>
-              <a:latin typeface="PingFangSC-Regular"/>
-            </a:endParaRPr>
-          </a:p>
-          <a:p>
-            <a:pPr lvl="1"/>
-            <a:r>
-              <a:rPr lang="zh-CN" altLang="en-US" sz="1400" b="0" i="0" dirty="0">
-                <a:solidFill>
-                  <a:srgbClr val="31424E"/>
-                </a:solidFill>
-                <a:effectLst/>
-                <a:latin typeface="PingFangSC-Regular"/>
-              </a:rPr>
-              <a:t>个人</a:t>
-            </a:r>
-            <a:r>
-              <a:rPr lang="en-US" altLang="zh-CN" sz="1400" b="0" i="0" dirty="0">
-                <a:solidFill>
-                  <a:srgbClr val="31424E"/>
-                </a:solidFill>
-                <a:effectLst/>
-                <a:latin typeface="PingFangSC-Regular"/>
-              </a:rPr>
-              <a:t>PC</a:t>
-            </a:r>
-            <a:r>
-              <a:rPr lang="zh-CN" altLang="en-US" sz="1400" b="0" i="0" dirty="0">
-                <a:solidFill>
-                  <a:srgbClr val="31424E"/>
-                </a:solidFill>
-                <a:effectLst/>
-                <a:latin typeface="PingFangSC-Regular"/>
-              </a:rPr>
-              <a:t>市场方面，近日，</a:t>
-            </a:r>
-            <a:r>
-              <a:rPr lang="en-US" altLang="zh-CN" sz="1400" b="0" i="0" dirty="0">
-                <a:solidFill>
-                  <a:srgbClr val="FF0000"/>
-                </a:solidFill>
-                <a:effectLst/>
-                <a:latin typeface="PingFangSC-Regular"/>
-              </a:rPr>
-              <a:t>IDC</a:t>
-            </a:r>
-            <a:r>
-              <a:rPr lang="zh-CN" altLang="en-US" sz="1400" b="0" i="0" dirty="0">
-                <a:solidFill>
-                  <a:srgbClr val="31424E"/>
-                </a:solidFill>
-                <a:effectLst/>
-                <a:latin typeface="PingFangSC-Regular"/>
-              </a:rPr>
-              <a:t>公布全球个人计算设备季度追踪初步结果显示，继二季度市场收缩</a:t>
-            </a:r>
-            <a:r>
-              <a:rPr lang="en-US" altLang="zh-CN" sz="1400" b="0" i="0" dirty="0">
-                <a:solidFill>
-                  <a:srgbClr val="31424E"/>
-                </a:solidFill>
-                <a:effectLst/>
-                <a:latin typeface="PingFangSC-Regular"/>
-              </a:rPr>
-              <a:t>15</a:t>
-            </a:r>
-            <a:r>
-              <a:rPr lang="zh-CN" altLang="en-US" sz="1400" b="0" i="0" dirty="0">
-                <a:solidFill>
-                  <a:srgbClr val="31424E"/>
-                </a:solidFill>
-                <a:effectLst/>
-                <a:latin typeface="PingFangSC-Regular"/>
-              </a:rPr>
-              <a:t>．</a:t>
-            </a:r>
-            <a:r>
-              <a:rPr lang="en-US" altLang="zh-CN" sz="1400" b="0" i="0" dirty="0">
-                <a:solidFill>
-                  <a:srgbClr val="31424E"/>
-                </a:solidFill>
-                <a:effectLst/>
-                <a:latin typeface="PingFangSC-Regular"/>
-              </a:rPr>
-              <a:t>3</a:t>
-            </a:r>
-            <a:r>
-              <a:rPr lang="zh-CN" altLang="en-US" sz="1400" b="0" i="0" dirty="0">
-                <a:solidFill>
-                  <a:srgbClr val="31424E"/>
-                </a:solidFill>
-                <a:effectLst/>
-                <a:latin typeface="PingFangSC-Regular"/>
-              </a:rPr>
-              <a:t>％后，三季度全球</a:t>
-            </a:r>
-            <a:r>
-              <a:rPr lang="en-US" altLang="zh-CN" sz="1400" b="0" i="0" dirty="0">
-                <a:solidFill>
-                  <a:srgbClr val="31424E"/>
-                </a:solidFill>
-                <a:effectLst/>
-                <a:latin typeface="PingFangSC-Regular"/>
-              </a:rPr>
-              <a:t>PC</a:t>
-            </a:r>
-            <a:r>
-              <a:rPr lang="zh-CN" altLang="en-US" sz="1400" b="0" i="0" dirty="0">
-                <a:solidFill>
-                  <a:srgbClr val="31424E"/>
-                </a:solidFill>
-                <a:effectLst/>
-                <a:latin typeface="PingFangSC-Regular"/>
-              </a:rPr>
-              <a:t>发货量再度同比收缩</a:t>
-            </a:r>
-            <a:r>
-              <a:rPr lang="en-US" altLang="zh-CN" sz="1400" b="0" i="0" dirty="0">
-                <a:solidFill>
-                  <a:srgbClr val="31424E"/>
-                </a:solidFill>
-                <a:effectLst/>
-                <a:latin typeface="PingFangSC-Regular"/>
-              </a:rPr>
-              <a:t>15</a:t>
-            </a:r>
-            <a:r>
-              <a:rPr lang="zh-CN" altLang="en-US" sz="1400" b="0" i="0" dirty="0">
-                <a:solidFill>
-                  <a:srgbClr val="31424E"/>
-                </a:solidFill>
-                <a:effectLst/>
-                <a:latin typeface="PingFangSC-Regular"/>
-              </a:rPr>
-              <a:t>．</a:t>
-            </a:r>
-            <a:r>
-              <a:rPr lang="en-US" altLang="zh-CN" sz="1400" b="0" i="0" dirty="0">
-                <a:solidFill>
-                  <a:srgbClr val="31424E"/>
-                </a:solidFill>
-                <a:effectLst/>
-                <a:latin typeface="PingFangSC-Regular"/>
-              </a:rPr>
-              <a:t>0</a:t>
-            </a:r>
-            <a:r>
-              <a:rPr lang="zh-CN" altLang="en-US" sz="1400" b="0" i="0" dirty="0">
-                <a:solidFill>
-                  <a:srgbClr val="31424E"/>
-                </a:solidFill>
-                <a:effectLst/>
-                <a:latin typeface="PingFangSC-Regular"/>
-              </a:rPr>
-              <a:t>％至</a:t>
-            </a:r>
-            <a:r>
-              <a:rPr lang="en-US" altLang="zh-CN" sz="1400" b="0" i="0" dirty="0">
-                <a:solidFill>
-                  <a:srgbClr val="31424E"/>
-                </a:solidFill>
-                <a:effectLst/>
-                <a:latin typeface="PingFangSC-Regular"/>
-              </a:rPr>
-              <a:t>7420</a:t>
-            </a:r>
-            <a:r>
-              <a:rPr lang="zh-CN" altLang="en-US" sz="1400" b="0" i="0" dirty="0">
-                <a:solidFill>
-                  <a:srgbClr val="31424E"/>
-                </a:solidFill>
-                <a:effectLst/>
-                <a:latin typeface="PingFangSC-Regular"/>
-              </a:rPr>
-              <a:t>万台。业内普遍估计，市场要到</a:t>
-            </a:r>
-            <a:r>
-              <a:rPr lang="en-US" altLang="zh-CN" sz="1400" b="0" i="0" dirty="0">
-                <a:solidFill>
-                  <a:srgbClr val="31424E"/>
-                </a:solidFill>
-                <a:effectLst/>
-                <a:latin typeface="PingFangSC-Regular"/>
-              </a:rPr>
-              <a:t>2023</a:t>
-            </a:r>
-            <a:r>
-              <a:rPr lang="zh-CN" altLang="en-US" sz="1400" b="0" i="0" dirty="0">
-                <a:solidFill>
-                  <a:srgbClr val="31424E"/>
-                </a:solidFill>
-                <a:effectLst/>
-                <a:latin typeface="PingFangSC-Regular"/>
-              </a:rPr>
-              <a:t>年第二季度才会稳定下来。美国一级品牌商指出，他们的库存仍为两个月。</a:t>
-            </a:r>
-            <a:endParaRPr lang="en-US" altLang="zh-CN" sz="1400" b="0" i="0" dirty="0">
-              <a:solidFill>
-                <a:srgbClr val="31424E"/>
-              </a:solidFill>
-              <a:effectLst/>
-              <a:latin typeface="PingFangSC-Regular"/>
-            </a:endParaRPr>
-          </a:p>
-          <a:p>
-            <a:pPr lvl="1"/>
-            <a:r>
-              <a:rPr lang="zh-CN" altLang="en-US" sz="1400" b="0" i="0" dirty="0">
-                <a:solidFill>
-                  <a:srgbClr val="31424E"/>
-                </a:solidFill>
-                <a:effectLst/>
-                <a:latin typeface="PingFangSC-Regular"/>
-              </a:rPr>
-              <a:t>从产品线来说，以太网芯片受到</a:t>
-            </a:r>
-            <a:r>
-              <a:rPr lang="en-US" altLang="zh-CN" sz="1400" b="0" i="0" dirty="0">
-                <a:solidFill>
-                  <a:srgbClr val="31424E"/>
-                </a:solidFill>
-                <a:effectLst/>
-                <a:latin typeface="PingFangSC-Regular"/>
-              </a:rPr>
-              <a:t>PC</a:t>
-            </a:r>
-            <a:r>
-              <a:rPr lang="zh-CN" altLang="en-US" sz="1400" b="0" i="0" dirty="0">
-                <a:solidFill>
-                  <a:srgbClr val="31424E"/>
-                </a:solidFill>
-                <a:effectLst/>
-                <a:latin typeface="PingFangSC-Regular"/>
-              </a:rPr>
-              <a:t>产品大幅下滑，消费性电子需求疲软，第三季销售明显下降。瑞昱预期高库存水位会持续到今年底，明年才会开始逐步往下降并恢复到正常水位</a:t>
-            </a:r>
-            <a:endParaRPr lang="zh-CN" altLang="en-US" sz="1400" dirty="0"/>
+              <a:rPr lang="zh-CN" altLang="en-US" dirty="0">
+                <a:effectLst/>
+                <a:latin typeface="Microsoft YaHei" panose="020B0503020204020204" pitchFamily="34" charset="-122"/>
+                <a:ea typeface="Microsoft YaHei" panose="020B0503020204020204" pitchFamily="34" charset="-122"/>
+              </a:rPr>
+              <a:t>哪些产品线比较好？包括未来考虑国产化替代的</a:t>
+            </a:r>
+          </a:p>
+          <a:p>
+            <a:endParaRPr kumimoji="1" lang="zh-CN" altLang="en-US" dirty="0"/>
           </a:p>
         </p:txBody>
       </p:sp>
-      <p:pic>
-        <p:nvPicPr>
-          <p:cNvPr id="4" name="图片 3">
-            <a:extLst>
-              <a:ext uri="{FF2B5EF4-FFF2-40B4-BE49-F238E27FC236}">
-                <a16:creationId xmlns:a16="http://schemas.microsoft.com/office/drawing/2014/main" id="{50520740-0A77-FC5C-5C5F-0926EA31651A}"/>
-              </a:ext>
-            </a:extLst>
-          </p:cNvPr>
-          <p:cNvPicPr>
-            <a:picLocks noChangeAspect="1"/>
-          </p:cNvPicPr>
-          <p:nvPr/>
-        </p:nvPicPr>
-        <p:blipFill>
-          <a:blip r:embed="rId2"/>
-          <a:stretch>
-            <a:fillRect/>
-          </a:stretch>
-        </p:blipFill>
-        <p:spPr>
-          <a:xfrm>
-            <a:off x="7075671" y="311570"/>
-            <a:ext cx="4616265" cy="2758236"/>
-          </a:xfrm>
-          <a:prstGeom prst="rect">
-            <a:avLst/>
-          </a:prstGeom>
-        </p:spPr>
-      </p:pic>
-      <p:pic>
-        <p:nvPicPr>
-          <p:cNvPr id="6" name="图片 5">
-            <a:extLst>
-              <a:ext uri="{FF2B5EF4-FFF2-40B4-BE49-F238E27FC236}">
-                <a16:creationId xmlns:a16="http://schemas.microsoft.com/office/drawing/2014/main" id="{BAFF992A-3BBA-82E5-B6DF-0B7409D72908}"/>
-              </a:ext>
-            </a:extLst>
-          </p:cNvPr>
-          <p:cNvPicPr>
-            <a:picLocks noChangeAspect="1"/>
-          </p:cNvPicPr>
-          <p:nvPr/>
-        </p:nvPicPr>
-        <p:blipFill>
-          <a:blip r:embed="rId3"/>
-          <a:stretch>
-            <a:fillRect/>
-          </a:stretch>
-        </p:blipFill>
-        <p:spPr>
-          <a:xfrm>
-            <a:off x="7075671" y="3440410"/>
-            <a:ext cx="4936721" cy="3106020"/>
-          </a:xfrm>
-          <a:prstGeom prst="rect">
-            <a:avLst/>
-          </a:prstGeom>
-        </p:spPr>
-      </p:pic>
     </p:spTree>
     <p:extLst>
       <p:ext uri="{BB962C8B-B14F-4D97-AF65-F5344CB8AC3E}">
-        <p14:creationId xmlns:p14="http://schemas.microsoft.com/office/powerpoint/2010/main" val="3077496882"/>
+        <p14:creationId xmlns:p14="http://schemas.microsoft.com/office/powerpoint/2010/main" val="203034177"/>
       </p:ext>
     </p:extLst>
   </p:cSld>
@@ -8094,6 +9314,89 @@
 </file>
 
 <file path=ppt/slides/slide4.xml><?xml version="1.0" encoding="utf-8"?>
+<p:sld xmlns:a="http://schemas.openxmlformats.org/drawingml/2006/main" xmlns:r="http://schemas.openxmlformats.org/officeDocument/2006/relationships" xmlns:p="http://schemas.openxmlformats.org/presentationml/2006/main">
+  <p:cSld>
+    <p:spTree>
+      <p:nvGrpSpPr>
+        <p:cNvPr id="1" name=""/>
+        <p:cNvGrpSpPr/>
+        <p:nvPr/>
+      </p:nvGrpSpPr>
+      <p:grpSpPr>
+        <a:xfrm>
+          <a:off x="0" y="0"/>
+          <a:ext cx="0" cy="0"/>
+          <a:chOff x="0" y="0"/>
+          <a:chExt cx="0" cy="0"/>
+        </a:xfrm>
+      </p:grpSpPr>
+      <p:sp>
+        <p:nvSpPr>
+          <p:cNvPr id="2" name="标题 1">
+            <a:extLst>
+              <a:ext uri="{FF2B5EF4-FFF2-40B4-BE49-F238E27FC236}">
+                <a16:creationId xmlns:a16="http://schemas.microsoft.com/office/drawing/2014/main" id="{9EDAA341-C4D5-8632-6C75-8829FEEFE0AD}"/>
+              </a:ext>
+            </a:extLst>
+          </p:cNvPr>
+          <p:cNvSpPr>
+            <a:spLocks noGrp="1"/>
+          </p:cNvSpPr>
+          <p:nvPr>
+            <p:ph type="title"/>
+          </p:nvPr>
+        </p:nvSpPr>
+        <p:spPr/>
+        <p:txBody>
+          <a:bodyPr/>
+          <a:lstStyle/>
+          <a:p>
+            <a:r>
+              <a:rPr kumimoji="1" lang="zh-CN" altLang="en-US" dirty="0"/>
+              <a:t>瑞昱产品线</a:t>
+            </a:r>
+          </a:p>
+        </p:txBody>
+      </p:sp>
+      <p:sp>
+        <p:nvSpPr>
+          <p:cNvPr id="3" name="内容占位符 2">
+            <a:extLst>
+              <a:ext uri="{FF2B5EF4-FFF2-40B4-BE49-F238E27FC236}">
+                <a16:creationId xmlns:a16="http://schemas.microsoft.com/office/drawing/2014/main" id="{AD0AD996-19D1-798E-5C32-C1A96AAE2E26}"/>
+              </a:ext>
+            </a:extLst>
+          </p:cNvPr>
+          <p:cNvSpPr>
+            <a:spLocks noGrp="1"/>
+          </p:cNvSpPr>
+          <p:nvPr>
+            <p:ph idx="1"/>
+          </p:nvPr>
+        </p:nvSpPr>
+        <p:spPr/>
+        <p:txBody>
+          <a:bodyPr/>
+          <a:lstStyle/>
+          <a:p>
+            <a:endParaRPr kumimoji="1" lang="zh-CN" altLang="en-US"/>
+          </a:p>
+        </p:txBody>
+      </p:sp>
+    </p:spTree>
+    <p:extLst>
+      <p:ext uri="{BB962C8B-B14F-4D97-AF65-F5344CB8AC3E}">
+        <p14:creationId xmlns:p14="http://schemas.microsoft.com/office/powerpoint/2010/main" val="2926562895"/>
+      </p:ext>
+    </p:extLst>
+  </p:cSld>
+  <p:clrMapOvr>
+    <a:masterClrMapping/>
+  </p:clrMapOvr>
+</p:sld>
+</file>
+
+<file path=ppt/slides/slide5.xml><?xml version="1.0" encoding="utf-8"?>
 <p:sld xmlns:a="http://schemas.openxmlformats.org/drawingml/2006/main" xmlns:r="http://schemas.openxmlformats.org/officeDocument/2006/relationships" xmlns:p="http://schemas.openxmlformats.org/presentationml/2006/main">
   <p:cSld>
     <p:spTree>
@@ -8334,284 +9637,6 @@
 </p:sld>
 </file>
 
-<file path=ppt/slides/slide5.xml><?xml version="1.0" encoding="utf-8"?>
-<p:sld xmlns:a="http://schemas.openxmlformats.org/drawingml/2006/main" xmlns:r="http://schemas.openxmlformats.org/officeDocument/2006/relationships" xmlns:p="http://schemas.openxmlformats.org/presentationml/2006/main">
-  <p:cSld>
-    <p:spTree>
-      <p:nvGrpSpPr>
-        <p:cNvPr id="1" name=""/>
-        <p:cNvGrpSpPr/>
-        <p:nvPr/>
-      </p:nvGrpSpPr>
-      <p:grpSpPr>
-        <a:xfrm>
-          <a:off x="0" y="0"/>
-          <a:ext cx="0" cy="0"/>
-          <a:chOff x="0" y="0"/>
-          <a:chExt cx="0" cy="0"/>
-        </a:xfrm>
-      </p:grpSpPr>
-      <p:sp>
-        <p:nvSpPr>
-          <p:cNvPr id="2" name="标题 1">
-            <a:extLst>
-              <a:ext uri="{FF2B5EF4-FFF2-40B4-BE49-F238E27FC236}">
-                <a16:creationId xmlns:a16="http://schemas.microsoft.com/office/drawing/2014/main" id="{9F503F54-AB57-4AFF-2C4B-5AA15A1392C1}"/>
-              </a:ext>
-            </a:extLst>
-          </p:cNvPr>
-          <p:cNvSpPr>
-            <a:spLocks noGrp="1"/>
-          </p:cNvSpPr>
-          <p:nvPr>
-            <p:ph type="title"/>
-          </p:nvPr>
-        </p:nvSpPr>
-        <p:spPr/>
-        <p:txBody>
-          <a:bodyPr/>
-          <a:lstStyle/>
-          <a:p>
-            <a:r>
-              <a:rPr lang="en-US" altLang="zh-CN" dirty="0"/>
-              <a:t>Audio</a:t>
-            </a:r>
-            <a:r>
-              <a:rPr lang="zh-CN" altLang="en-US" dirty="0"/>
-              <a:t>产品线情况</a:t>
-            </a:r>
-          </a:p>
-        </p:txBody>
-      </p:sp>
-      <p:sp>
-        <p:nvSpPr>
-          <p:cNvPr id="3" name="内容占位符 2">
-            <a:extLst>
-              <a:ext uri="{FF2B5EF4-FFF2-40B4-BE49-F238E27FC236}">
-                <a16:creationId xmlns:a16="http://schemas.microsoft.com/office/drawing/2014/main" id="{6A3F4699-1CB3-6603-26C3-D86811A06FEB}"/>
-              </a:ext>
-            </a:extLst>
-          </p:cNvPr>
-          <p:cNvSpPr>
-            <a:spLocks noGrp="1"/>
-          </p:cNvSpPr>
-          <p:nvPr>
-            <p:ph idx="1"/>
-          </p:nvPr>
-        </p:nvSpPr>
-        <p:spPr/>
-        <p:txBody>
-          <a:bodyPr/>
-          <a:lstStyle/>
-          <a:p>
-            <a:r>
-              <a:rPr lang="zh-CN" altLang="en-US" dirty="0"/>
-              <a:t>音频编解码器</a:t>
-            </a:r>
-            <a:endParaRPr lang="en-US" altLang="zh-CN" dirty="0"/>
-          </a:p>
-          <a:p>
-            <a:pPr lvl="1"/>
-            <a:r>
-              <a:rPr lang="zh-CN" altLang="en-US" dirty="0"/>
-              <a:t>主要集中在</a:t>
-            </a:r>
-            <a:r>
-              <a:rPr lang="en-US" altLang="zh-CN" dirty="0"/>
-              <a:t>PC</a:t>
-            </a:r>
-            <a:r>
-              <a:rPr lang="zh-CN" altLang="en-US" dirty="0"/>
-              <a:t>音频、声卡</a:t>
-            </a:r>
-            <a:endParaRPr lang="en-US" altLang="zh-CN" dirty="0"/>
-          </a:p>
-          <a:p>
-            <a:pPr lvl="2"/>
-            <a:r>
-              <a:rPr lang="zh-CN" altLang="en-US" dirty="0"/>
-              <a:t>销量占比：</a:t>
-            </a:r>
-            <a:r>
-              <a:rPr lang="en-US" altLang="zh-CN" dirty="0"/>
-              <a:t>20</a:t>
-            </a:r>
-            <a:r>
-              <a:rPr lang="zh-CN" altLang="en-US" dirty="0"/>
-              <a:t>年</a:t>
-            </a:r>
-            <a:r>
-              <a:rPr lang="en-US" altLang="zh-CN" dirty="0"/>
-              <a:t>2%</a:t>
-            </a:r>
-            <a:r>
-              <a:rPr lang="zh-CN" altLang="en-US" dirty="0"/>
-              <a:t>，</a:t>
-            </a:r>
-            <a:r>
-              <a:rPr lang="en-US" altLang="zh-CN" dirty="0"/>
-              <a:t>21</a:t>
-            </a:r>
-            <a:r>
-              <a:rPr lang="zh-CN" altLang="en-US" dirty="0"/>
-              <a:t>年</a:t>
-            </a:r>
-            <a:r>
-              <a:rPr lang="en-US" altLang="zh-CN" dirty="0"/>
-              <a:t>3%</a:t>
-            </a:r>
-          </a:p>
-          <a:p>
-            <a:pPr lvl="2"/>
-            <a:r>
-              <a:rPr lang="zh-CN" altLang="en-US" b="0" i="0" dirty="0">
-                <a:solidFill>
-                  <a:srgbClr val="333333"/>
-                </a:solidFill>
-                <a:effectLst/>
-                <a:latin typeface="PingFang SC"/>
-              </a:rPr>
-              <a:t>市场份额占比：瑞昱占据网卡和声卡市场超过</a:t>
-            </a:r>
-            <a:r>
-              <a:rPr lang="en-US" altLang="zh-CN" b="0" i="0" dirty="0">
-                <a:solidFill>
-                  <a:srgbClr val="333333"/>
-                </a:solidFill>
-                <a:effectLst/>
-                <a:latin typeface="PingFang SC"/>
-              </a:rPr>
-              <a:t>70%</a:t>
-            </a:r>
-            <a:r>
-              <a:rPr lang="zh-CN" altLang="en-US" b="0" i="0" dirty="0">
-                <a:solidFill>
-                  <a:srgbClr val="333333"/>
-                </a:solidFill>
-                <a:effectLst/>
-                <a:latin typeface="PingFang SC"/>
-              </a:rPr>
-              <a:t>的份额，以高性价比独步天下</a:t>
-            </a:r>
-            <a:endParaRPr lang="en-US" altLang="zh-CN" dirty="0"/>
-          </a:p>
-          <a:p>
-            <a:pPr lvl="2"/>
-            <a:r>
-              <a:rPr lang="zh-CN" altLang="en-US" dirty="0"/>
-              <a:t>竞争对手：</a:t>
-            </a:r>
-            <a:r>
-              <a:rPr lang="en-US" altLang="zh-CN" dirty="0"/>
-              <a:t>Cirrus Logic(10%)</a:t>
-            </a:r>
-            <a:r>
-              <a:rPr lang="zh-CN" altLang="en-US" dirty="0"/>
-              <a:t>、</a:t>
-            </a:r>
-            <a:r>
-              <a:rPr lang="en-US" altLang="zh-CN" dirty="0"/>
-              <a:t>Tempo-Semi (10%) </a:t>
-            </a:r>
-            <a:r>
-              <a:rPr lang="zh-CN" altLang="en-US" dirty="0"/>
-              <a:t>、</a:t>
-            </a:r>
-            <a:r>
-              <a:rPr lang="en-US" altLang="zh-CN" dirty="0"/>
-              <a:t>NXP (5%) </a:t>
-            </a:r>
-            <a:r>
-              <a:rPr lang="zh-CN" altLang="en-US" dirty="0"/>
-              <a:t>、</a:t>
-            </a:r>
-            <a:r>
-              <a:rPr lang="en-US" altLang="zh-CN" dirty="0"/>
-              <a:t>ADI (5%)</a:t>
-            </a:r>
-          </a:p>
-          <a:p>
-            <a:pPr lvl="1"/>
-            <a:r>
-              <a:rPr lang="zh-CN" altLang="en-US" dirty="0"/>
-              <a:t>消费类音频</a:t>
-            </a:r>
-            <a:endParaRPr lang="en-US" altLang="zh-CN" dirty="0"/>
-          </a:p>
-          <a:p>
-            <a:pPr lvl="1"/>
-            <a:endParaRPr lang="en-US" altLang="zh-CN" dirty="0"/>
-          </a:p>
-          <a:p>
-            <a:pPr lvl="1"/>
-            <a:r>
-              <a:rPr lang="zh-CN" altLang="en-US" dirty="0"/>
-              <a:t>应用产品：</a:t>
-            </a:r>
-            <a:endParaRPr lang="en-US" altLang="zh-CN" dirty="0"/>
-          </a:p>
-          <a:p>
-            <a:pPr lvl="2"/>
-            <a:r>
-              <a:rPr lang="en-US" altLang="zh-CN" dirty="0"/>
-              <a:t>TV</a:t>
-            </a:r>
-            <a:r>
-              <a:rPr lang="zh-CN" altLang="en-US" dirty="0"/>
-              <a:t>：中国厂商占据了 </a:t>
-            </a:r>
-            <a:r>
-              <a:rPr lang="en-US" altLang="zh-CN" dirty="0"/>
-              <a:t>50%</a:t>
-            </a:r>
-            <a:r>
-              <a:rPr lang="zh-CN" altLang="en-US" dirty="0"/>
-              <a:t>以上的份额，联发科电视芯片市占率处于全球第一的位置，份额大约在 </a:t>
-            </a:r>
-            <a:r>
-              <a:rPr lang="en-US" altLang="zh-CN" dirty="0"/>
-              <a:t>50%</a:t>
-            </a:r>
-            <a:r>
-              <a:rPr lang="zh-CN" altLang="en-US" dirty="0"/>
-              <a:t>左右、</a:t>
-            </a:r>
-            <a:r>
-              <a:rPr lang="en-US" altLang="zh-CN" dirty="0"/>
-              <a:t>PC</a:t>
-            </a:r>
-            <a:r>
-              <a:rPr lang="zh-CN" altLang="en-US" dirty="0"/>
-              <a:t>、笔电、</a:t>
-            </a:r>
-            <a:endParaRPr lang="en-US" altLang="zh-CN" dirty="0"/>
-          </a:p>
-          <a:p>
-            <a:r>
-              <a:rPr lang="zh-CN" altLang="en-US" dirty="0"/>
-              <a:t>蓝牙</a:t>
-            </a:r>
-            <a:endParaRPr lang="en-US" altLang="zh-CN" dirty="0"/>
-          </a:p>
-          <a:p>
-            <a:pPr lvl="1"/>
-            <a:endParaRPr lang="zh-CN" altLang="en-US" dirty="0"/>
-          </a:p>
-        </p:txBody>
-      </p:sp>
-    </p:spTree>
-    <p:extLst>
-      <p:ext uri="{BB962C8B-B14F-4D97-AF65-F5344CB8AC3E}">
-        <p14:creationId xmlns:p14="http://schemas.microsoft.com/office/powerpoint/2010/main" val="1653366859"/>
-      </p:ext>
-    </p:extLst>
-  </p:cSld>
-  <p:clrMapOvr>
-    <a:masterClrMapping/>
-  </p:clrMapOvr>
-</p:sld>
-</file>
-
 <file path=ppt/slides/slide6.xml><?xml version="1.0" encoding="utf-8"?>
 <p:sld xmlns:a="http://schemas.openxmlformats.org/drawingml/2006/main" xmlns:r="http://schemas.openxmlformats.org/officeDocument/2006/relationships" xmlns:p="http://schemas.openxmlformats.org/presentationml/2006/main">
   <p:cSld>
@@ -8634,7 +9659,7 @@
           <p:cNvPr id="2" name="标题 1">
             <a:extLst>
               <a:ext uri="{FF2B5EF4-FFF2-40B4-BE49-F238E27FC236}">
-                <a16:creationId xmlns:a16="http://schemas.microsoft.com/office/drawing/2014/main" id="{C1528AD8-A3DA-2BC4-91C6-76CDE601CEF8}"/>
+                <a16:creationId xmlns:a16="http://schemas.microsoft.com/office/drawing/2014/main" id="{0A55BE32-06A6-4E06-2499-6EF55A6A49E2}"/>
               </a:ext>
             </a:extLst>
           </p:cNvPr>
@@ -8652,7 +9677,7 @@
           <a:p>
             <a:r>
               <a:rPr lang="zh-CN" altLang="en-US" dirty="0"/>
-              <a:t>游戏声卡</a:t>
+              <a:t>瑞昱产品线概览</a:t>
             </a:r>
           </a:p>
         </p:txBody>
@@ -8662,7 +9687,7 @@
           <p:cNvPr id="3" name="内容占位符 2">
             <a:extLst>
               <a:ext uri="{FF2B5EF4-FFF2-40B4-BE49-F238E27FC236}">
-                <a16:creationId xmlns:a16="http://schemas.microsoft.com/office/drawing/2014/main" id="{02A5EBA6-94AB-8FE6-8809-FCD1CFA94373}"/>
+                <a16:creationId xmlns:a16="http://schemas.microsoft.com/office/drawing/2014/main" id="{88213330-483C-1815-97CC-756C058DFAC9}"/>
               </a:ext>
             </a:extLst>
           </p:cNvPr>
@@ -8673,371 +9698,587 @@
             <p:ph idx="1"/>
           </p:nvPr>
         </p:nvSpPr>
-        <p:spPr/>
+        <p:spPr>
+          <a:xfrm>
+            <a:off x="838200" y="1825625"/>
+            <a:ext cx="5656385" cy="4351338"/>
+          </a:xfrm>
+        </p:spPr>
         <p:txBody>
-          <a:bodyPr/>
+          <a:bodyPr>
+            <a:normAutofit/>
+          </a:bodyPr>
           <a:lstStyle/>
           <a:p>
-            <a:pPr algn="l"/>
-            <a:r>
-              <a:rPr lang="zh-CN" altLang="en-US" b="0" i="0" dirty="0">
-                <a:solidFill>
-                  <a:srgbClr val="191919"/>
-                </a:solidFill>
-                <a:effectLst/>
-                <a:latin typeface="PingFang SC"/>
-              </a:rPr>
-              <a:t>市场规模：</a:t>
-            </a:r>
-            <a:endParaRPr lang="en-US" altLang="zh-CN" b="0" i="0" dirty="0">
+            <a:r>
+              <a:rPr lang="zh-CN" altLang="en-US" sz="1600" dirty="0"/>
+              <a:t>音频编解码</a:t>
+            </a:r>
+            <a:endParaRPr lang="en-US" altLang="zh-CN" sz="1600" dirty="0"/>
+          </a:p>
+          <a:p>
+            <a:pPr lvl="1"/>
+            <a:r>
+              <a:rPr lang="zh-CN" altLang="en-US" sz="1400" b="0" i="0" dirty="0">
+                <a:solidFill>
+                  <a:srgbClr val="31424E"/>
+                </a:solidFill>
+                <a:effectLst/>
+                <a:latin typeface="PingFangSC-Regular"/>
+              </a:rPr>
+              <a:t>瑞昱作为音频编解码芯片龙头业者</a:t>
+            </a:r>
+            <a:r>
+              <a:rPr lang="en-US" altLang="zh-CN" sz="1400" b="0" i="0" dirty="0">
+                <a:solidFill>
+                  <a:srgbClr val="31424E"/>
+                </a:solidFill>
+                <a:effectLst/>
+                <a:latin typeface="PingFangSC-Regular"/>
+              </a:rPr>
+              <a:t>,</a:t>
+            </a:r>
+            <a:r>
+              <a:rPr lang="zh-CN" altLang="en-US" sz="1400" b="0" i="0" dirty="0">
+                <a:solidFill>
+                  <a:srgbClr val="31424E"/>
+                </a:solidFill>
+                <a:effectLst/>
+                <a:latin typeface="PingFangSC-Regular"/>
+              </a:rPr>
+              <a:t>市占超过</a:t>
+            </a:r>
+            <a:r>
+              <a:rPr lang="en-US" altLang="zh-CN" sz="1400" b="0" i="0" dirty="0">
+                <a:solidFill>
+                  <a:srgbClr val="31424E"/>
+                </a:solidFill>
+                <a:effectLst/>
+                <a:latin typeface="PingFangSC-Regular"/>
+              </a:rPr>
+              <a:t>5</a:t>
+            </a:r>
+            <a:r>
+              <a:rPr lang="zh-CN" altLang="en-US" sz="1400" b="0" i="0" dirty="0">
+                <a:solidFill>
+                  <a:srgbClr val="31424E"/>
+                </a:solidFill>
+                <a:effectLst/>
+                <a:latin typeface="PingFangSC-Regular"/>
+              </a:rPr>
+              <a:t>成</a:t>
+            </a:r>
+            <a:r>
+              <a:rPr lang="en-US" altLang="zh-CN" sz="1400" b="0" i="0" dirty="0">
+                <a:solidFill>
+                  <a:srgbClr val="31424E"/>
+                </a:solidFill>
+                <a:effectLst/>
+                <a:latin typeface="PingFangSC-Regular"/>
+              </a:rPr>
+              <a:t>,</a:t>
+            </a:r>
+            <a:r>
+              <a:rPr lang="zh-CN" altLang="en-US" sz="1400" b="0" i="0" dirty="0">
+                <a:solidFill>
+                  <a:srgbClr val="31424E"/>
+                </a:solidFill>
+                <a:effectLst/>
+                <a:latin typeface="PingFangSC-Regular"/>
+              </a:rPr>
+              <a:t>布局涵盖</a:t>
+            </a:r>
+            <a:r>
+              <a:rPr lang="en-US" altLang="zh-CN" sz="1400" b="0" i="0" dirty="0">
+                <a:solidFill>
+                  <a:srgbClr val="31424E"/>
+                </a:solidFill>
+                <a:effectLst/>
+                <a:latin typeface="PingFangSC-Regular"/>
+              </a:rPr>
+              <a:t>PC</a:t>
+            </a:r>
+            <a:r>
+              <a:rPr lang="zh-CN" altLang="en-US" sz="1400" b="0" i="0" dirty="0">
+                <a:solidFill>
+                  <a:srgbClr val="31424E"/>
+                </a:solidFill>
+                <a:effectLst/>
+                <a:latin typeface="PingFangSC-Regular"/>
+              </a:rPr>
+              <a:t>、笔电等领域</a:t>
+            </a:r>
+            <a:r>
+              <a:rPr lang="en-US" altLang="zh-CN" sz="1400" b="0" i="0" dirty="0">
+                <a:solidFill>
+                  <a:srgbClr val="31424E"/>
+                </a:solidFill>
+                <a:effectLst/>
+                <a:latin typeface="PingFangSC-Regular"/>
+              </a:rPr>
+              <a:t>,</a:t>
+            </a:r>
+          </a:p>
+          <a:p>
+            <a:pPr lvl="1"/>
+            <a:r>
+              <a:rPr lang="zh-CN" altLang="en-US" sz="1400" b="0" i="0" dirty="0">
+                <a:solidFill>
+                  <a:srgbClr val="31424E"/>
+                </a:solidFill>
+                <a:effectLst/>
+                <a:latin typeface="PingFangSC-Regular"/>
+              </a:rPr>
+              <a:t>瑞昱自</a:t>
+            </a:r>
+            <a:r>
+              <a:rPr lang="en-US" altLang="zh-CN" sz="1400" b="0" i="0" dirty="0">
+                <a:solidFill>
+                  <a:srgbClr val="31424E"/>
+                </a:solidFill>
+                <a:effectLst/>
+                <a:latin typeface="PingFangSC-Regular"/>
+              </a:rPr>
+              <a:t>20</a:t>
+            </a:r>
+            <a:r>
+              <a:rPr lang="zh-CN" altLang="en-US" sz="1400" b="0" i="0" dirty="0">
+                <a:solidFill>
+                  <a:srgbClr val="31424E"/>
+                </a:solidFill>
+                <a:effectLst/>
+                <a:latin typeface="PingFangSC-Regular"/>
+              </a:rPr>
+              <a:t>年第三季以来</a:t>
+            </a:r>
+            <a:r>
+              <a:rPr lang="en-US" altLang="zh-CN" sz="1400" b="0" i="0" dirty="0">
+                <a:solidFill>
+                  <a:srgbClr val="31424E"/>
+                </a:solidFill>
+                <a:effectLst/>
+                <a:latin typeface="PingFangSC-Regular"/>
+              </a:rPr>
+              <a:t>,</a:t>
+            </a:r>
+            <a:r>
+              <a:rPr lang="zh-CN" altLang="en-US" sz="1400" b="0" i="0" dirty="0">
+                <a:solidFill>
+                  <a:srgbClr val="31424E"/>
+                </a:solidFill>
+                <a:effectLst/>
+                <a:latin typeface="PingFangSC-Regular"/>
+              </a:rPr>
+              <a:t>受到晶圆、封测产能紧张</a:t>
+            </a:r>
+            <a:r>
+              <a:rPr lang="en-US" altLang="zh-CN" sz="1400" b="0" i="0" dirty="0">
+                <a:solidFill>
+                  <a:srgbClr val="31424E"/>
+                </a:solidFill>
+                <a:effectLst/>
+                <a:latin typeface="PingFangSC-Regular"/>
+              </a:rPr>
+              <a:t>,</a:t>
+            </a:r>
+            <a:r>
+              <a:rPr lang="zh-CN" altLang="en-US" sz="1400" b="0" i="0" dirty="0">
+                <a:solidFill>
+                  <a:srgbClr val="31424E"/>
+                </a:solidFill>
+                <a:effectLst/>
+                <a:latin typeface="PingFangSC-Regular"/>
+              </a:rPr>
+              <a:t>内部订定供货顺序</a:t>
+            </a:r>
+            <a:r>
+              <a:rPr lang="en-US" altLang="zh-CN" sz="1400" b="0" i="0" dirty="0">
+                <a:solidFill>
+                  <a:srgbClr val="31424E"/>
+                </a:solidFill>
+                <a:effectLst/>
+                <a:latin typeface="PingFangSC-Regular"/>
+              </a:rPr>
+              <a:t>,</a:t>
+            </a:r>
+            <a:r>
+              <a:rPr lang="zh-CN" altLang="en-US" sz="1400" b="0" i="0" dirty="0">
+                <a:solidFill>
+                  <a:srgbClr val="31424E"/>
+                </a:solidFill>
+                <a:effectLst/>
+                <a:latin typeface="PingFangSC-Regular"/>
+              </a:rPr>
+              <a:t>依照各产品线、客户情况调配产能</a:t>
+            </a:r>
+            <a:r>
+              <a:rPr lang="en-US" altLang="zh-CN" sz="1400" b="0" i="0" dirty="0">
+                <a:solidFill>
+                  <a:srgbClr val="31424E"/>
+                </a:solidFill>
+                <a:effectLst/>
+                <a:latin typeface="PingFangSC-Regular"/>
+              </a:rPr>
+              <a:t>,</a:t>
+            </a:r>
+            <a:r>
+              <a:rPr lang="zh-CN" altLang="en-US" sz="1400" b="0" i="0" dirty="0">
+                <a:solidFill>
+                  <a:srgbClr val="31424E"/>
+                </a:solidFill>
+                <a:effectLst/>
+                <a:latin typeface="PingFangSC-Regular"/>
+              </a:rPr>
+              <a:t>音频编解码芯片尽管搭上笔电出货潮</a:t>
+            </a:r>
+            <a:r>
+              <a:rPr lang="en-US" altLang="zh-CN" sz="1400" b="0" i="0" dirty="0">
+                <a:solidFill>
+                  <a:srgbClr val="31424E"/>
+                </a:solidFill>
+                <a:effectLst/>
+                <a:latin typeface="PingFangSC-Regular"/>
+              </a:rPr>
+              <a:t>,</a:t>
+            </a:r>
+            <a:r>
+              <a:rPr lang="zh-CN" altLang="en-US" sz="1400" b="0" i="0" dirty="0">
+                <a:solidFill>
+                  <a:srgbClr val="31424E"/>
+                </a:solidFill>
+                <a:effectLst/>
+                <a:latin typeface="PingFangSC-Regular"/>
+              </a:rPr>
+              <a:t>但已不在前五大产品线上</a:t>
+            </a:r>
+            <a:r>
+              <a:rPr lang="en-US" altLang="zh-CN" sz="1400" b="0" i="0" dirty="0">
+                <a:solidFill>
+                  <a:srgbClr val="31424E"/>
+                </a:solidFill>
+                <a:effectLst/>
+                <a:latin typeface="PingFangSC-Regular"/>
+              </a:rPr>
+              <a:t>,</a:t>
+            </a:r>
+            <a:r>
+              <a:rPr lang="zh-CN" altLang="en-US" sz="1400" b="0" i="0" dirty="0">
+                <a:solidFill>
+                  <a:srgbClr val="31424E"/>
+                </a:solidFill>
+                <a:effectLst/>
+                <a:latin typeface="PingFangSC-Regular"/>
+              </a:rPr>
+              <a:t>因此出现排挤效应。</a:t>
+            </a:r>
+            <a:endParaRPr lang="en-US" altLang="zh-CN" sz="1400" b="0" i="0" dirty="0">
               <a:solidFill>
-                <a:srgbClr val="191919"/>
+                <a:srgbClr val="31424E"/>
               </a:solidFill>
               <a:effectLst/>
-              <a:latin typeface="PingFang SC"/>
+              <a:latin typeface="PingFangSC-Regular"/>
             </a:endParaRPr>
           </a:p>
           <a:p>
             <a:pPr lvl="1"/>
             <a:r>
-              <a:rPr lang="zh-CN" altLang="en-US" b="0" i="0" dirty="0">
-                <a:solidFill>
-                  <a:srgbClr val="191919"/>
-                </a:solidFill>
-                <a:effectLst/>
-                <a:latin typeface="PingFang SC"/>
-              </a:rPr>
-              <a:t>全球游戏声卡市场规模</a:t>
-            </a:r>
-            <a:r>
-              <a:rPr lang="en-US" altLang="zh-CN" b="0" i="0" dirty="0">
-                <a:solidFill>
-                  <a:srgbClr val="191919"/>
-                </a:solidFill>
-                <a:effectLst/>
-                <a:latin typeface="PingFang SC"/>
-              </a:rPr>
-              <a:t>2021</a:t>
-            </a:r>
-            <a:r>
-              <a:rPr lang="zh-CN" altLang="en-US" b="0" i="0" dirty="0">
-                <a:solidFill>
-                  <a:srgbClr val="191919"/>
-                </a:solidFill>
-                <a:effectLst/>
-                <a:latin typeface="PingFang SC"/>
-              </a:rPr>
-              <a:t>年达</a:t>
-            </a:r>
-            <a:r>
-              <a:rPr lang="en-US" altLang="zh-CN" b="0" i="0" dirty="0">
-                <a:solidFill>
-                  <a:srgbClr val="191919"/>
-                </a:solidFill>
-                <a:effectLst/>
-                <a:latin typeface="PingFang SC"/>
-              </a:rPr>
-              <a:t>24.06</a:t>
-            </a:r>
-            <a:r>
-              <a:rPr lang="zh-CN" altLang="en-US" b="0" i="0" dirty="0">
-                <a:solidFill>
-                  <a:srgbClr val="191919"/>
-                </a:solidFill>
-                <a:effectLst/>
-                <a:latin typeface="PingFang SC"/>
-              </a:rPr>
-              <a:t>亿元（人民币）。</a:t>
-            </a:r>
-            <a:endParaRPr lang="en-US" altLang="zh-CN" b="0" i="0" dirty="0">
+              <a:rPr lang="zh-CN" altLang="en-US" sz="1400" b="0" i="0" dirty="0">
+                <a:solidFill>
+                  <a:srgbClr val="31424E"/>
+                </a:solidFill>
+                <a:effectLst/>
+                <a:latin typeface="PingFangSC-Regular"/>
+              </a:rPr>
+              <a:t>个人</a:t>
+            </a:r>
+            <a:r>
+              <a:rPr lang="en-US" altLang="zh-CN" sz="1400" b="0" i="0" dirty="0">
+                <a:solidFill>
+                  <a:srgbClr val="31424E"/>
+                </a:solidFill>
+                <a:effectLst/>
+                <a:latin typeface="PingFangSC-Regular"/>
+              </a:rPr>
+              <a:t>PC</a:t>
+            </a:r>
+            <a:r>
+              <a:rPr lang="zh-CN" altLang="en-US" sz="1400" b="0" i="0" dirty="0">
+                <a:solidFill>
+                  <a:srgbClr val="31424E"/>
+                </a:solidFill>
+                <a:effectLst/>
+                <a:latin typeface="PingFangSC-Regular"/>
+              </a:rPr>
+              <a:t>市场方面，近日，</a:t>
+            </a:r>
+            <a:r>
+              <a:rPr lang="en-US" altLang="zh-CN" sz="1400" b="0" i="0" dirty="0">
+                <a:solidFill>
+                  <a:srgbClr val="FF0000"/>
+                </a:solidFill>
+                <a:effectLst/>
+                <a:latin typeface="PingFangSC-Regular"/>
+              </a:rPr>
+              <a:t>IDC</a:t>
+            </a:r>
+            <a:r>
+              <a:rPr lang="zh-CN" altLang="en-US" sz="1400" b="0" i="0" dirty="0">
+                <a:solidFill>
+                  <a:srgbClr val="31424E"/>
+                </a:solidFill>
+                <a:effectLst/>
+                <a:latin typeface="PingFangSC-Regular"/>
+              </a:rPr>
+              <a:t>公布全球个人计算设备季度追踪初步结果显示，继二季度市场收缩</a:t>
+            </a:r>
+            <a:r>
+              <a:rPr lang="en-US" altLang="zh-CN" sz="1400" b="0" i="0" dirty="0">
+                <a:solidFill>
+                  <a:srgbClr val="31424E"/>
+                </a:solidFill>
+                <a:effectLst/>
+                <a:latin typeface="PingFangSC-Regular"/>
+              </a:rPr>
+              <a:t>15</a:t>
+            </a:r>
+            <a:r>
+              <a:rPr lang="zh-CN" altLang="en-US" sz="1400" b="0" i="0" dirty="0">
+                <a:solidFill>
+                  <a:srgbClr val="31424E"/>
+                </a:solidFill>
+                <a:effectLst/>
+                <a:latin typeface="PingFangSC-Regular"/>
+              </a:rPr>
+              <a:t>．</a:t>
+            </a:r>
+            <a:r>
+              <a:rPr lang="en-US" altLang="zh-CN" sz="1400" b="0" i="0" dirty="0">
+                <a:solidFill>
+                  <a:srgbClr val="31424E"/>
+                </a:solidFill>
+                <a:effectLst/>
+                <a:latin typeface="PingFangSC-Regular"/>
+              </a:rPr>
+              <a:t>3</a:t>
+            </a:r>
+            <a:r>
+              <a:rPr lang="zh-CN" altLang="en-US" sz="1400" b="0" i="0" dirty="0">
+                <a:solidFill>
+                  <a:srgbClr val="31424E"/>
+                </a:solidFill>
+                <a:effectLst/>
+                <a:latin typeface="PingFangSC-Regular"/>
+              </a:rPr>
+              <a:t>％后，三季度全球</a:t>
+            </a:r>
+            <a:r>
+              <a:rPr lang="en-US" altLang="zh-CN" sz="1400" b="0" i="0" dirty="0">
+                <a:solidFill>
+                  <a:srgbClr val="31424E"/>
+                </a:solidFill>
+                <a:effectLst/>
+                <a:latin typeface="PingFangSC-Regular"/>
+              </a:rPr>
+              <a:t>PC</a:t>
+            </a:r>
+            <a:r>
+              <a:rPr lang="zh-CN" altLang="en-US" sz="1400" b="0" i="0" dirty="0">
+                <a:solidFill>
+                  <a:srgbClr val="31424E"/>
+                </a:solidFill>
+                <a:effectLst/>
+                <a:latin typeface="PingFangSC-Regular"/>
+              </a:rPr>
+              <a:t>发货量再度同比收缩</a:t>
+            </a:r>
+            <a:r>
+              <a:rPr lang="en-US" altLang="zh-CN" sz="1400" b="0" i="0" dirty="0">
+                <a:solidFill>
+                  <a:srgbClr val="31424E"/>
+                </a:solidFill>
+                <a:effectLst/>
+                <a:latin typeface="PingFangSC-Regular"/>
+              </a:rPr>
+              <a:t>15</a:t>
+            </a:r>
+            <a:r>
+              <a:rPr lang="zh-CN" altLang="en-US" sz="1400" b="0" i="0" dirty="0">
+                <a:solidFill>
+                  <a:srgbClr val="31424E"/>
+                </a:solidFill>
+                <a:effectLst/>
+                <a:latin typeface="PingFangSC-Regular"/>
+              </a:rPr>
+              <a:t>．</a:t>
+            </a:r>
+            <a:r>
+              <a:rPr lang="en-US" altLang="zh-CN" sz="1400" b="0" i="0" dirty="0">
+                <a:solidFill>
+                  <a:srgbClr val="31424E"/>
+                </a:solidFill>
+                <a:effectLst/>
+                <a:latin typeface="PingFangSC-Regular"/>
+              </a:rPr>
+              <a:t>0</a:t>
+            </a:r>
+            <a:r>
+              <a:rPr lang="zh-CN" altLang="en-US" sz="1400" b="0" i="0" dirty="0">
+                <a:solidFill>
+                  <a:srgbClr val="31424E"/>
+                </a:solidFill>
+                <a:effectLst/>
+                <a:latin typeface="PingFangSC-Regular"/>
+              </a:rPr>
+              <a:t>％至</a:t>
+            </a:r>
+            <a:r>
+              <a:rPr lang="en-US" altLang="zh-CN" sz="1400" b="0" i="0" dirty="0">
+                <a:solidFill>
+                  <a:srgbClr val="31424E"/>
+                </a:solidFill>
+                <a:effectLst/>
+                <a:latin typeface="PingFangSC-Regular"/>
+              </a:rPr>
+              <a:t>7420</a:t>
+            </a:r>
+            <a:r>
+              <a:rPr lang="zh-CN" altLang="en-US" sz="1400" b="0" i="0" dirty="0">
+                <a:solidFill>
+                  <a:srgbClr val="31424E"/>
+                </a:solidFill>
+                <a:effectLst/>
+                <a:latin typeface="PingFangSC-Regular"/>
+              </a:rPr>
+              <a:t>万台。业内普遍估计，市场要到</a:t>
+            </a:r>
+            <a:r>
+              <a:rPr lang="en-US" altLang="zh-CN" sz="1400" b="0" i="0" dirty="0">
+                <a:solidFill>
+                  <a:srgbClr val="31424E"/>
+                </a:solidFill>
+                <a:effectLst/>
+                <a:latin typeface="PingFangSC-Regular"/>
+              </a:rPr>
+              <a:t>2023</a:t>
+            </a:r>
+            <a:r>
+              <a:rPr lang="zh-CN" altLang="en-US" sz="1400" b="0" i="0" dirty="0">
+                <a:solidFill>
+                  <a:srgbClr val="31424E"/>
+                </a:solidFill>
+                <a:effectLst/>
+                <a:latin typeface="PingFangSC-Regular"/>
+              </a:rPr>
+              <a:t>年第二季度才会稳定下来。美国一级品牌商指出，他们的库存仍为两个月。</a:t>
+            </a:r>
+            <a:endParaRPr lang="en-US" altLang="zh-CN" sz="1400" b="0" i="0" dirty="0">
               <a:solidFill>
-                <a:srgbClr val="191919"/>
+                <a:srgbClr val="31424E"/>
               </a:solidFill>
               <a:effectLst/>
-              <a:latin typeface="PingFang SC"/>
+              <a:latin typeface="PingFangSC-Regular"/>
             </a:endParaRPr>
           </a:p>
           <a:p>
             <a:pPr lvl="1"/>
             <a:r>
-              <a:rPr lang="zh-CN" altLang="en-US" b="0" i="0" dirty="0">
-                <a:solidFill>
-                  <a:srgbClr val="191919"/>
-                </a:solidFill>
-                <a:effectLst/>
-                <a:latin typeface="PingFang SC"/>
-              </a:rPr>
-              <a:t>主要区域（北美、欧洲、以及亚太等主要地区）在全球游戏声卡市场中的份额占比。其中，</a:t>
-            </a:r>
-            <a:r>
-              <a:rPr lang="en-US" altLang="zh-CN" b="0" i="0" dirty="0">
-                <a:solidFill>
-                  <a:srgbClr val="191919"/>
-                </a:solidFill>
-                <a:effectLst/>
-                <a:latin typeface="PingFang SC"/>
-              </a:rPr>
-              <a:t>2021</a:t>
-            </a:r>
-            <a:r>
-              <a:rPr lang="zh-CN" altLang="en-US" b="0" i="0" dirty="0">
-                <a:solidFill>
-                  <a:srgbClr val="191919"/>
-                </a:solidFill>
-                <a:effectLst/>
-                <a:latin typeface="PingFang SC"/>
-              </a:rPr>
-              <a:t>年中国占全球游戏声卡市场的</a:t>
-            </a:r>
-            <a:r>
-              <a:rPr lang="en-US" altLang="zh-CN" b="0" i="0" dirty="0">
-                <a:solidFill>
-                  <a:srgbClr val="191919"/>
-                </a:solidFill>
-                <a:effectLst/>
-                <a:latin typeface="PingFang SC"/>
-              </a:rPr>
-              <a:t>34.58%</a:t>
-            </a:r>
-            <a:r>
-              <a:rPr lang="zh-CN" altLang="en-US" b="0" i="0" dirty="0">
-                <a:solidFill>
-                  <a:srgbClr val="191919"/>
-                </a:solidFill>
-                <a:effectLst/>
-                <a:latin typeface="PingFang SC"/>
-              </a:rPr>
-              <a:t>。贝哲斯咨询预测，至</a:t>
-            </a:r>
-            <a:r>
-              <a:rPr lang="en-US" altLang="zh-CN" b="0" i="0" dirty="0">
-                <a:solidFill>
-                  <a:srgbClr val="191919"/>
-                </a:solidFill>
-                <a:effectLst/>
-                <a:latin typeface="PingFang SC"/>
-              </a:rPr>
-              <a:t>2027</a:t>
-            </a:r>
-            <a:r>
-              <a:rPr lang="zh-CN" altLang="en-US" b="0" i="0" dirty="0">
-                <a:solidFill>
-                  <a:srgbClr val="191919"/>
-                </a:solidFill>
-                <a:effectLst/>
-                <a:latin typeface="PingFang SC"/>
-              </a:rPr>
-              <a:t>年全球游戏声卡市场规模将以</a:t>
-            </a:r>
-            <a:r>
-              <a:rPr lang="en-US" altLang="zh-CN" b="0" i="0" dirty="0">
-                <a:solidFill>
-                  <a:srgbClr val="191919"/>
-                </a:solidFill>
-                <a:effectLst/>
-                <a:latin typeface="PingFang SC"/>
-              </a:rPr>
-              <a:t>6.75%</a:t>
-            </a:r>
-            <a:r>
-              <a:rPr lang="zh-CN" altLang="en-US" b="0" i="0" dirty="0">
-                <a:solidFill>
-                  <a:srgbClr val="191919"/>
-                </a:solidFill>
-                <a:effectLst/>
-                <a:latin typeface="PingFang SC"/>
-              </a:rPr>
-              <a:t>的</a:t>
-            </a:r>
-            <a:r>
-              <a:rPr lang="en-US" altLang="zh-CN" b="0" i="0" dirty="0">
-                <a:solidFill>
-                  <a:srgbClr val="191919"/>
-                </a:solidFill>
-                <a:effectLst/>
-                <a:latin typeface="PingFang SC"/>
-              </a:rPr>
-              <a:t>CAGR</a:t>
-            </a:r>
-            <a:r>
-              <a:rPr lang="zh-CN" altLang="en-US" b="0" i="0" dirty="0">
-                <a:solidFill>
-                  <a:srgbClr val="191919"/>
-                </a:solidFill>
-                <a:effectLst/>
-                <a:latin typeface="PingFang SC"/>
-              </a:rPr>
-              <a:t>达到</a:t>
-            </a:r>
-            <a:r>
-              <a:rPr lang="en-US" altLang="zh-CN" b="0" i="0" dirty="0">
-                <a:solidFill>
-                  <a:srgbClr val="191919"/>
-                </a:solidFill>
-                <a:effectLst/>
-                <a:latin typeface="PingFang SC"/>
-              </a:rPr>
-              <a:t>35.69</a:t>
-            </a:r>
-            <a:r>
-              <a:rPr lang="zh-CN" altLang="en-US" b="0" i="0" dirty="0">
-                <a:solidFill>
-                  <a:srgbClr val="191919"/>
-                </a:solidFill>
-                <a:effectLst/>
-                <a:latin typeface="PingFang SC"/>
-              </a:rPr>
-              <a:t>亿元。</a:t>
-            </a:r>
-          </a:p>
-          <a:p>
-            <a:pPr lvl="1"/>
-            <a:r>
-              <a:rPr lang="zh-CN" altLang="en-US" b="0" i="0" dirty="0">
-                <a:solidFill>
-                  <a:srgbClr val="191919"/>
-                </a:solidFill>
-                <a:effectLst/>
-                <a:latin typeface="PingFang SC"/>
-              </a:rPr>
-              <a:t>报告出版商</a:t>
-            </a:r>
-            <a:r>
-              <a:rPr lang="en-US" altLang="zh-CN" b="0" i="0" dirty="0">
-                <a:solidFill>
-                  <a:srgbClr val="191919"/>
-                </a:solidFill>
-                <a:effectLst/>
-                <a:latin typeface="PingFang SC"/>
-              </a:rPr>
-              <a:t>: </a:t>
-            </a:r>
-            <a:r>
-              <a:rPr lang="zh-CN" altLang="en-US" b="0" i="0" dirty="0">
-                <a:solidFill>
-                  <a:srgbClr val="191919"/>
-                </a:solidFill>
-                <a:effectLst/>
-                <a:latin typeface="PingFang SC"/>
-              </a:rPr>
-              <a:t>湖南贝哲斯信息咨询有限公司</a:t>
-            </a:r>
-            <a:endParaRPr lang="en-US" altLang="zh-CN" b="0" i="0" dirty="0">
-              <a:solidFill>
-                <a:srgbClr val="191919"/>
-              </a:solidFill>
-              <a:effectLst/>
-              <a:latin typeface="PingFang SC"/>
-            </a:endParaRPr>
-          </a:p>
-          <a:p>
-            <a:r>
-              <a:rPr lang="en-US" altLang="zh-CN" b="1" dirty="0">
-                <a:solidFill>
-                  <a:srgbClr val="404040"/>
-                </a:solidFill>
-                <a:effectLst/>
-                <a:latin typeface="MicrosoftYaHei Bold"/>
-              </a:rPr>
-              <a:t>2022</a:t>
-            </a:r>
-            <a:r>
-              <a:rPr lang="zh-CN" altLang="en-US" b="1" dirty="0">
-                <a:solidFill>
-                  <a:srgbClr val="404040"/>
-                </a:solidFill>
-                <a:effectLst/>
-                <a:latin typeface="MicrosoftYaHei Bold"/>
-              </a:rPr>
-              <a:t>年游戏用</a:t>
-            </a:r>
-            <a:r>
-              <a:rPr lang="en-US" altLang="zh-CN" b="1" dirty="0">
-                <a:solidFill>
-                  <a:srgbClr val="404040"/>
-                </a:solidFill>
-                <a:effectLst/>
-                <a:latin typeface="MicrosoftYaHei Bold"/>
-              </a:rPr>
-              <a:t>USB</a:t>
-            </a:r>
-            <a:r>
-              <a:rPr lang="zh-CN" altLang="en-US" b="1" dirty="0">
-                <a:solidFill>
-                  <a:srgbClr val="404040"/>
-                </a:solidFill>
-                <a:effectLst/>
-                <a:latin typeface="MicrosoftYaHei Bold"/>
-              </a:rPr>
-              <a:t>声卡可行性行业调研报告</a:t>
-            </a:r>
-          </a:p>
-          <a:p>
-            <a:pPr lvl="1"/>
-            <a:endParaRPr lang="zh-CN" altLang="en-US" b="0" i="0" dirty="0">
-              <a:solidFill>
-                <a:srgbClr val="191919"/>
-              </a:solidFill>
-              <a:effectLst/>
-              <a:latin typeface="PingFang SC"/>
-            </a:endParaRPr>
-          </a:p>
-          <a:p>
-            <a:endParaRPr lang="zh-CN" altLang="en-US" dirty="0"/>
+              <a:rPr lang="zh-CN" altLang="en-US" sz="1400" b="0" i="0" dirty="0">
+                <a:solidFill>
+                  <a:srgbClr val="31424E"/>
+                </a:solidFill>
+                <a:effectLst/>
+                <a:latin typeface="PingFangSC-Regular"/>
+              </a:rPr>
+              <a:t>从产品线来说，以太网芯片受到</a:t>
+            </a:r>
+            <a:r>
+              <a:rPr lang="en-US" altLang="zh-CN" sz="1400" b="0" i="0" dirty="0">
+                <a:solidFill>
+                  <a:srgbClr val="31424E"/>
+                </a:solidFill>
+                <a:effectLst/>
+                <a:latin typeface="PingFangSC-Regular"/>
+              </a:rPr>
+              <a:t>PC</a:t>
+            </a:r>
+            <a:r>
+              <a:rPr lang="zh-CN" altLang="en-US" sz="1400" b="0" i="0" dirty="0">
+                <a:solidFill>
+                  <a:srgbClr val="31424E"/>
+                </a:solidFill>
+                <a:effectLst/>
+                <a:latin typeface="PingFangSC-Regular"/>
+              </a:rPr>
+              <a:t>产品大幅下滑，消费性电子需求疲软，第三季销售明显下降。瑞昱预期高库存水位会持续到今年底，明年才会开始逐步往下降并恢复到正常水位</a:t>
+            </a:r>
+            <a:endParaRPr lang="zh-CN" altLang="en-US" sz="1400" dirty="0"/>
           </a:p>
         </p:txBody>
       </p:sp>
       <p:pic>
         <p:nvPicPr>
-          <p:cNvPr id="1026" name="Picture 2">
-            <a:extLst>
-              <a:ext uri="{FF2B5EF4-FFF2-40B4-BE49-F238E27FC236}">
-                <a16:creationId xmlns:a16="http://schemas.microsoft.com/office/drawing/2014/main" id="{93BE0554-8265-FF93-3DD2-1D94BDFA4259}"/>
+          <p:cNvPr id="4" name="图片 3">
+            <a:extLst>
+              <a:ext uri="{FF2B5EF4-FFF2-40B4-BE49-F238E27FC236}">
+                <a16:creationId xmlns:a16="http://schemas.microsoft.com/office/drawing/2014/main" id="{50520740-0A77-FC5C-5C5F-0926EA31651A}"/>
               </a:ext>
             </a:extLst>
           </p:cNvPr>
           <p:cNvPicPr>
-            <a:picLocks noChangeAspect="1" noChangeArrowheads="1"/>
+            <a:picLocks noChangeAspect="1"/>
           </p:cNvPicPr>
           <p:nvPr/>
         </p:nvPicPr>
         <p:blipFill>
-          <a:blip r:embed="rId2">
-            <a:extLst>
-              <a:ext uri="{28A0092B-C50C-407E-A947-70E740481C1C}">
-                <a14:useLocalDpi xmlns:a14="http://schemas.microsoft.com/office/drawing/2010/main" val="0"/>
-              </a:ext>
-            </a:extLst>
-          </a:blip>
-          <a:srcRect/>
+          <a:blip r:embed="rId2"/>
           <a:stretch>
             <a:fillRect/>
           </a:stretch>
         </p:blipFill>
-        <p:spPr bwMode="auto">
+        <p:spPr>
           <a:xfrm>
-            <a:off x="8620369" y="3709255"/>
-            <a:ext cx="2467708" cy="2467708"/>
+            <a:off x="7075671" y="311570"/>
+            <a:ext cx="4616265" cy="2758236"/>
           </a:xfrm>
           <a:prstGeom prst="rect">
             <a:avLst/>
           </a:prstGeom>
-          <a:noFill/>
-          <a:extLst>
-            <a:ext uri="{909E8E84-426E-40DD-AFC4-6F175D3DCCD1}">
-              <a14:hiddenFill xmlns:a14="http://schemas.microsoft.com/office/drawing/2010/main">
-                <a:solidFill>
-                  <a:srgbClr val="FFFFFF"/>
-                </a:solidFill>
-              </a14:hiddenFill>
-            </a:ext>
-          </a:extLst>
+        </p:spPr>
+      </p:pic>
+      <p:pic>
+        <p:nvPicPr>
+          <p:cNvPr id="6" name="图片 5">
+            <a:extLst>
+              <a:ext uri="{FF2B5EF4-FFF2-40B4-BE49-F238E27FC236}">
+                <a16:creationId xmlns:a16="http://schemas.microsoft.com/office/drawing/2014/main" id="{BAFF992A-3BBA-82E5-B6DF-0B7409D72908}"/>
+              </a:ext>
+            </a:extLst>
+          </p:cNvPr>
+          <p:cNvPicPr>
+            <a:picLocks noChangeAspect="1"/>
+          </p:cNvPicPr>
+          <p:nvPr/>
+        </p:nvPicPr>
+        <p:blipFill>
+          <a:blip r:embed="rId3"/>
+          <a:stretch>
+            <a:fillRect/>
+          </a:stretch>
+        </p:blipFill>
+        <p:spPr>
+          <a:xfrm>
+            <a:off x="7075671" y="3440410"/>
+            <a:ext cx="4936721" cy="3106020"/>
+          </a:xfrm>
+          <a:prstGeom prst="rect">
+            <a:avLst/>
+          </a:prstGeom>
         </p:spPr>
       </p:pic>
     </p:spTree>
     <p:extLst>
       <p:ext uri="{BB962C8B-B14F-4D97-AF65-F5344CB8AC3E}">
-        <p14:creationId xmlns:p14="http://schemas.microsoft.com/office/powerpoint/2010/main" val="3243233379"/>
+        <p14:creationId xmlns:p14="http://schemas.microsoft.com/office/powerpoint/2010/main" val="3077496882"/>
       </p:ext>
     </p:extLst>
   </p:cSld>
@@ -9069,7 +10310,7 @@
           <p:cNvPr id="2" name="标题 1">
             <a:extLst>
               <a:ext uri="{FF2B5EF4-FFF2-40B4-BE49-F238E27FC236}">
-                <a16:creationId xmlns:a16="http://schemas.microsoft.com/office/drawing/2014/main" id="{5D91B373-4DA1-3F20-B3B7-5C29897E4235}"/>
+                <a16:creationId xmlns:a16="http://schemas.microsoft.com/office/drawing/2014/main" id="{9F503F54-AB57-4AFF-2C4B-5AA15A1392C1}"/>
               </a:ext>
             </a:extLst>
           </p:cNvPr>
@@ -9086,84 +10327,236 @@
           <a:lstStyle/>
           <a:p>
             <a:r>
+              <a:rPr lang="en-US" altLang="zh-CN" dirty="0"/>
+              <a:t>Audio</a:t>
+            </a:r>
+            <a:r>
+              <a:rPr lang="zh-CN" altLang="en-US" dirty="0"/>
+              <a:t>产品线情况</a:t>
+            </a:r>
+          </a:p>
+        </p:txBody>
+      </p:sp>
+      <p:sp>
+        <p:nvSpPr>
+          <p:cNvPr id="3" name="内容占位符 2">
+            <a:extLst>
+              <a:ext uri="{FF2B5EF4-FFF2-40B4-BE49-F238E27FC236}">
+                <a16:creationId xmlns:a16="http://schemas.microsoft.com/office/drawing/2014/main" id="{6A3F4699-1CB3-6603-26C3-D86811A06FEB}"/>
+              </a:ext>
+            </a:extLst>
+          </p:cNvPr>
+          <p:cNvSpPr>
+            <a:spLocks noGrp="1"/>
+          </p:cNvSpPr>
+          <p:nvPr>
+            <p:ph idx="1"/>
+          </p:nvPr>
+        </p:nvSpPr>
+        <p:spPr/>
+        <p:txBody>
+          <a:bodyPr/>
+          <a:lstStyle/>
+          <a:p>
+            <a:r>
+              <a:rPr lang="zh-CN" altLang="en-US" dirty="0"/>
+              <a:t>音频编解码器</a:t>
+            </a:r>
+            <a:endParaRPr lang="en-US" altLang="zh-CN" dirty="0"/>
+          </a:p>
+          <a:p>
+            <a:pPr lvl="1"/>
+            <a:r>
+              <a:rPr lang="zh-CN" altLang="en-US" dirty="0"/>
+              <a:t>主要集中在</a:t>
+            </a:r>
+            <a:r>
+              <a:rPr lang="en-US" altLang="zh-CN" dirty="0"/>
+              <a:t>PC</a:t>
+            </a:r>
+            <a:r>
+              <a:rPr lang="zh-CN" altLang="en-US" dirty="0"/>
+              <a:t>音频、声卡</a:t>
+            </a:r>
+            <a:endParaRPr lang="en-US" altLang="zh-CN" dirty="0"/>
+          </a:p>
+          <a:p>
+            <a:pPr lvl="2"/>
+            <a:r>
+              <a:rPr lang="zh-CN" altLang="en-US" dirty="0"/>
+              <a:t>销量占比：</a:t>
+            </a:r>
+            <a:r>
+              <a:rPr lang="en-US" altLang="zh-CN" dirty="0"/>
+              <a:t>20</a:t>
+            </a:r>
+            <a:r>
+              <a:rPr lang="zh-CN" altLang="en-US" dirty="0"/>
+              <a:t>年</a:t>
+            </a:r>
+            <a:r>
+              <a:rPr lang="en-US" altLang="zh-CN" dirty="0"/>
+              <a:t>2%</a:t>
+            </a:r>
+            <a:r>
+              <a:rPr lang="zh-CN" altLang="en-US" dirty="0"/>
+              <a:t>，</a:t>
+            </a:r>
+            <a:r>
+              <a:rPr lang="en-US" altLang="zh-CN" dirty="0"/>
+              <a:t>21</a:t>
+            </a:r>
+            <a:r>
+              <a:rPr lang="zh-CN" altLang="en-US" dirty="0"/>
+              <a:t>年</a:t>
+            </a:r>
+            <a:r>
+              <a:rPr lang="en-US" altLang="zh-CN" dirty="0"/>
+              <a:t>3%</a:t>
+            </a:r>
+          </a:p>
+          <a:p>
+            <a:pPr lvl="2"/>
+            <a:r>
+              <a:rPr lang="zh-CN" altLang="en-US" b="0" i="0" dirty="0">
+                <a:solidFill>
+                  <a:srgbClr val="333333"/>
+                </a:solidFill>
+                <a:effectLst/>
+                <a:latin typeface="PingFang SC"/>
+              </a:rPr>
+              <a:t>市场份额占比：瑞昱占据网卡和声卡市场超过</a:t>
+            </a:r>
+            <a:r>
+              <a:rPr lang="en-US" altLang="zh-CN" b="0" i="0" dirty="0">
+                <a:solidFill>
+                  <a:srgbClr val="333333"/>
+                </a:solidFill>
+                <a:effectLst/>
+                <a:latin typeface="PingFang SC"/>
+              </a:rPr>
+              <a:t>70%</a:t>
+            </a:r>
+            <a:r>
+              <a:rPr lang="zh-CN" altLang="en-US" b="0" i="0" dirty="0">
+                <a:solidFill>
+                  <a:srgbClr val="333333"/>
+                </a:solidFill>
+                <a:effectLst/>
+                <a:latin typeface="PingFang SC"/>
+              </a:rPr>
+              <a:t>的份额，以高性价比独步天下</a:t>
+            </a:r>
+            <a:endParaRPr lang="en-US" altLang="zh-CN" dirty="0"/>
+          </a:p>
+          <a:p>
+            <a:pPr lvl="2"/>
+            <a:r>
+              <a:rPr lang="zh-CN" altLang="en-US" dirty="0"/>
+              <a:t>竞争对手：</a:t>
+            </a:r>
+            <a:r>
+              <a:rPr lang="en-US" altLang="zh-CN" dirty="0"/>
+              <a:t>Cirrus Logic(10%)</a:t>
+            </a:r>
+            <a:r>
+              <a:rPr lang="zh-CN" altLang="en-US" dirty="0"/>
+              <a:t>、</a:t>
+            </a:r>
+            <a:r>
+              <a:rPr lang="en-US" altLang="zh-CN" dirty="0"/>
+              <a:t>Tempo-Semi (10%) </a:t>
+            </a:r>
+            <a:r>
+              <a:rPr lang="zh-CN" altLang="en-US" dirty="0"/>
+              <a:t>、</a:t>
+            </a:r>
+            <a:r>
+              <a:rPr lang="en-US" altLang="zh-CN" dirty="0"/>
+              <a:t>NXP (5%) </a:t>
+            </a:r>
+            <a:r>
+              <a:rPr lang="zh-CN" altLang="en-US" dirty="0"/>
+              <a:t>、</a:t>
+            </a:r>
+            <a:r>
+              <a:rPr lang="en-US" altLang="zh-CN" dirty="0"/>
+              <a:t>ADI (5%)</a:t>
+            </a:r>
+          </a:p>
+          <a:p>
+            <a:pPr lvl="1"/>
+            <a:r>
+              <a:rPr lang="zh-CN" altLang="en-US" dirty="0"/>
+              <a:t>消费类音频</a:t>
+            </a:r>
+            <a:endParaRPr lang="en-US" altLang="zh-CN" dirty="0"/>
+          </a:p>
+          <a:p>
+            <a:pPr lvl="1"/>
+            <a:endParaRPr lang="en-US" altLang="zh-CN" dirty="0"/>
+          </a:p>
+          <a:p>
+            <a:pPr lvl="1"/>
+            <a:r>
+              <a:rPr lang="zh-CN" altLang="en-US" dirty="0"/>
+              <a:t>应用产品：</a:t>
+            </a:r>
+            <a:endParaRPr lang="en-US" altLang="zh-CN" dirty="0"/>
+          </a:p>
+          <a:p>
+            <a:pPr lvl="2"/>
+            <a:r>
+              <a:rPr lang="en-US" altLang="zh-CN" dirty="0"/>
+              <a:t>TV</a:t>
+            </a:r>
+            <a:r>
+              <a:rPr lang="zh-CN" altLang="en-US" dirty="0"/>
+              <a:t>：中国厂商占据了 </a:t>
+            </a:r>
+            <a:r>
+              <a:rPr lang="en-US" altLang="zh-CN" dirty="0"/>
+              <a:t>50%</a:t>
+            </a:r>
+            <a:r>
+              <a:rPr lang="zh-CN" altLang="en-US" dirty="0"/>
+              <a:t>以上的份额，联发科电视芯片市占率处于全球第一的位置，份额大约在 </a:t>
+            </a:r>
+            <a:r>
+              <a:rPr lang="en-US" altLang="zh-CN" dirty="0"/>
+              <a:t>50%</a:t>
+            </a:r>
+            <a:r>
+              <a:rPr lang="zh-CN" altLang="en-US" dirty="0"/>
+              <a:t>左右、</a:t>
+            </a:r>
+            <a:r>
+              <a:rPr lang="en-US" altLang="zh-CN" dirty="0"/>
+              <a:t>PC</a:t>
+            </a:r>
+            <a:r>
+              <a:rPr lang="zh-CN" altLang="en-US" dirty="0"/>
+              <a:t>、笔电、</a:t>
+            </a:r>
+            <a:endParaRPr lang="en-US" altLang="zh-CN" dirty="0"/>
+          </a:p>
+          <a:p>
+            <a:r>
               <a:rPr lang="zh-CN" altLang="en-US" dirty="0"/>
               <a:t>蓝牙</a:t>
             </a:r>
-            <a:r>
-              <a:rPr lang="en-US" altLang="zh-CN" dirty="0"/>
-              <a:t> </a:t>
-            </a:r>
-            <a:r>
-              <a:rPr lang="zh-CN" altLang="en-US" dirty="0"/>
-              <a:t>产品线</a:t>
-            </a:r>
+            <a:endParaRPr lang="en-US" altLang="zh-CN" dirty="0"/>
+          </a:p>
+          <a:p>
+            <a:pPr lvl="1"/>
+            <a:endParaRPr lang="zh-CN" altLang="en-US" dirty="0"/>
           </a:p>
         </p:txBody>
       </p:sp>
-      <p:pic>
-        <p:nvPicPr>
-          <p:cNvPr id="4" name="图片 3">
-            <a:extLst>
-              <a:ext uri="{FF2B5EF4-FFF2-40B4-BE49-F238E27FC236}">
-                <a16:creationId xmlns:a16="http://schemas.microsoft.com/office/drawing/2014/main" id="{B26386DE-A862-F346-C1DE-23E86B9DAFA6}"/>
-              </a:ext>
-            </a:extLst>
-          </p:cNvPr>
-          <p:cNvPicPr>
-            <a:picLocks noChangeAspect="1"/>
-          </p:cNvPicPr>
-          <p:nvPr/>
-        </p:nvPicPr>
-        <p:blipFill>
-          <a:blip r:embed="rId2"/>
-          <a:stretch>
-            <a:fillRect/>
-          </a:stretch>
-        </p:blipFill>
-        <p:spPr>
-          <a:xfrm>
-            <a:off x="548028" y="1424941"/>
-            <a:ext cx="7359482" cy="4612240"/>
-          </a:xfrm>
-          <a:prstGeom prst="rect">
-            <a:avLst/>
-          </a:prstGeom>
-        </p:spPr>
-      </p:pic>
-      <p:pic>
-        <p:nvPicPr>
-          <p:cNvPr id="5" name="图片 4">
-            <a:extLst>
-              <a:ext uri="{FF2B5EF4-FFF2-40B4-BE49-F238E27FC236}">
-                <a16:creationId xmlns:a16="http://schemas.microsoft.com/office/drawing/2014/main" id="{E67B22C9-2271-A175-18A0-73AEC5BDF838}"/>
-              </a:ext>
-            </a:extLst>
-          </p:cNvPr>
-          <p:cNvPicPr>
-            <a:picLocks noChangeAspect="1"/>
-          </p:cNvPicPr>
-          <p:nvPr/>
-        </p:nvPicPr>
-        <p:blipFill>
-          <a:blip r:embed="rId3"/>
-          <a:stretch>
-            <a:fillRect/>
-          </a:stretch>
-        </p:blipFill>
-        <p:spPr>
-          <a:xfrm>
-            <a:off x="9108277" y="0"/>
-            <a:ext cx="3083723" cy="2153539"/>
-          </a:xfrm>
-          <a:prstGeom prst="rect">
-            <a:avLst/>
-          </a:prstGeom>
-        </p:spPr>
-      </p:pic>
     </p:spTree>
     <p:extLst>
       <p:ext uri="{BB962C8B-B14F-4D97-AF65-F5344CB8AC3E}">
-        <p14:creationId xmlns:p14="http://schemas.microsoft.com/office/powerpoint/2010/main" val="4057805692"/>
+        <p14:creationId xmlns:p14="http://schemas.microsoft.com/office/powerpoint/2010/main" val="1653366859"/>
       </p:ext>
     </p:extLst>
   </p:cSld>
@@ -9195,7 +10588,7 @@
           <p:cNvPr id="2" name="标题 1">
             <a:extLst>
               <a:ext uri="{FF2B5EF4-FFF2-40B4-BE49-F238E27FC236}">
-                <a16:creationId xmlns:a16="http://schemas.microsoft.com/office/drawing/2014/main" id="{D401DBA5-853A-8BC1-075D-BB031ECEB4C0}"/>
+                <a16:creationId xmlns:a16="http://schemas.microsoft.com/office/drawing/2014/main" id="{2281D2DB-876A-3DFD-3730-A417E45F7848}"/>
               </a:ext>
             </a:extLst>
           </p:cNvPr>
@@ -9212,27 +10605,152 @@
           <a:lstStyle/>
           <a:p>
             <a:r>
-              <a:rPr lang="zh-CN" altLang="en-US" dirty="0"/>
-              <a:t>小米是国内使用瑞昱较多的品牌</a:t>
-            </a:r>
+              <a:rPr lang="en-US" altLang="zh-CN" b="1" i="0" u="none" strike="noStrike" dirty="0">
+                <a:solidFill>
+                  <a:srgbClr val="4D4D4D"/>
+                </a:solidFill>
+                <a:effectLst/>
+                <a:latin typeface="-apple-system"/>
+              </a:rPr>
+              <a:t>Realtek</a:t>
+            </a:r>
+            <a:r>
+              <a:rPr lang="zh-CN" altLang="en-US" b="1" i="0" u="none" strike="noStrike" dirty="0">
+                <a:solidFill>
+                  <a:srgbClr val="4D4D4D"/>
+                </a:solidFill>
+                <a:effectLst/>
+                <a:latin typeface="-apple-system"/>
+              </a:rPr>
+              <a:t>无线产品表现</a:t>
+            </a:r>
+            <a:endParaRPr kumimoji="1" lang="zh-CN" altLang="en-US" dirty="0"/>
+          </a:p>
+        </p:txBody>
+      </p:sp>
+      <p:sp>
+        <p:nvSpPr>
+          <p:cNvPr id="3" name="内容占位符 2">
+            <a:extLst>
+              <a:ext uri="{FF2B5EF4-FFF2-40B4-BE49-F238E27FC236}">
+                <a16:creationId xmlns:a16="http://schemas.microsoft.com/office/drawing/2014/main" id="{4F1F306E-AAE7-CC27-A8C2-8BDD87344AD3}"/>
+              </a:ext>
+            </a:extLst>
+          </p:cNvPr>
+          <p:cNvSpPr>
+            <a:spLocks noGrp="1"/>
+          </p:cNvSpPr>
+          <p:nvPr>
+            <p:ph idx="1"/>
+          </p:nvPr>
+        </p:nvSpPr>
+        <p:spPr/>
+        <p:txBody>
+          <a:bodyPr/>
+          <a:lstStyle/>
+          <a:p>
+            <a:pPr marL="0" indent="0" algn="l">
+              <a:buNone/>
+            </a:pPr>
+            <a:r>
+              <a:rPr lang="en-US" altLang="zh-CN" b="0" i="0" u="none" strike="noStrike" dirty="0" err="1">
+                <a:solidFill>
+                  <a:srgbClr val="4D4D4D"/>
+                </a:solidFill>
+                <a:effectLst/>
+                <a:latin typeface="-apple-system"/>
+              </a:rPr>
+              <a:t>WiFi</a:t>
+            </a:r>
+            <a:r>
+              <a:rPr lang="zh-CN" altLang="en-US" b="0" i="0" u="none" strike="noStrike" dirty="0">
+                <a:solidFill>
+                  <a:srgbClr val="4D4D4D"/>
+                </a:solidFill>
+                <a:effectLst/>
+                <a:latin typeface="-apple-system"/>
+              </a:rPr>
+              <a:t>及</a:t>
+            </a:r>
+            <a:r>
+              <a:rPr lang="en-US" altLang="zh-CN" b="0" i="0" u="none" strike="noStrike" dirty="0">
+                <a:solidFill>
+                  <a:srgbClr val="4D4D4D"/>
+                </a:solidFill>
+                <a:effectLst/>
+                <a:latin typeface="-apple-system"/>
+              </a:rPr>
+              <a:t>BLE</a:t>
+            </a:r>
+            <a:r>
+              <a:rPr lang="zh-CN" altLang="en-US" b="0" i="0" u="none" strike="noStrike" dirty="0">
+                <a:solidFill>
+                  <a:srgbClr val="4D4D4D"/>
+                </a:solidFill>
+                <a:effectLst/>
+                <a:latin typeface="-apple-system"/>
+              </a:rPr>
+              <a:t>产品线，</a:t>
+            </a:r>
+            <a:r>
+              <a:rPr lang="en-US" altLang="zh-CN" b="0" i="0" u="none" strike="noStrike" dirty="0">
+                <a:solidFill>
+                  <a:srgbClr val="4D4D4D"/>
+                </a:solidFill>
+                <a:effectLst/>
+                <a:latin typeface="-apple-system"/>
+              </a:rPr>
+              <a:t>2019</a:t>
+            </a:r>
+            <a:r>
+              <a:rPr lang="zh-CN" altLang="en-US" b="0" i="0" u="none" strike="noStrike" dirty="0">
+                <a:solidFill>
+                  <a:srgbClr val="4D4D4D"/>
+                </a:solidFill>
+                <a:effectLst/>
+                <a:latin typeface="-apple-system"/>
+              </a:rPr>
+              <a:t>总出货</a:t>
+            </a:r>
+            <a:r>
+              <a:rPr lang="en-US" altLang="zh-CN" b="0" i="0" u="none" strike="noStrike" dirty="0">
+                <a:solidFill>
+                  <a:srgbClr val="4D4D4D"/>
+                </a:solidFill>
+                <a:effectLst/>
+                <a:latin typeface="-apple-system"/>
+              </a:rPr>
+              <a:t>~8</a:t>
+            </a:r>
+            <a:r>
+              <a:rPr lang="zh-CN" altLang="en-US" b="0" i="0" u="none" strike="noStrike" dirty="0">
+                <a:solidFill>
+                  <a:srgbClr val="4D4D4D"/>
+                </a:solidFill>
+                <a:effectLst/>
+                <a:latin typeface="-apple-system"/>
+              </a:rPr>
+              <a:t>亿，且维持了高速增长，排名非常考前；位列全球第四；</a:t>
+            </a:r>
+          </a:p>
+          <a:p>
+            <a:endParaRPr kumimoji="1" lang="zh-CN" altLang="en-US" dirty="0"/>
           </a:p>
         </p:txBody>
       </p:sp>
       <p:pic>
         <p:nvPicPr>
-          <p:cNvPr id="5" name="内容占位符 4">
-            <a:extLst>
-              <a:ext uri="{FF2B5EF4-FFF2-40B4-BE49-F238E27FC236}">
-                <a16:creationId xmlns:a16="http://schemas.microsoft.com/office/drawing/2014/main" id="{02456E23-CF2F-651A-36F9-4CF156E73FEB}"/>
+          <p:cNvPr id="1028" name="Picture 4">
+            <a:extLst>
+              <a:ext uri="{FF2B5EF4-FFF2-40B4-BE49-F238E27FC236}">
+                <a16:creationId xmlns:a16="http://schemas.microsoft.com/office/drawing/2014/main" id="{267BEDB4-6C18-AB4D-7F7B-28CE05AB9C58}"/>
               </a:ext>
             </a:extLst>
           </p:cNvPr>
           <p:cNvPicPr>
-            <a:picLocks noGrp="1" noChangeAspect="1"/>
+            <a:picLocks noChangeAspect="1" noChangeArrowheads="1"/>
           </p:cNvPicPr>
-          <p:nvPr>
-            <p:ph idx="1"/>
-          </p:nvPr>
+          <p:nvPr/>
         </p:nvPicPr>
         <p:blipFill>
           <a:blip r:embed="rId2">
@@ -9242,21 +10760,35 @@
               </a:ext>
             </a:extLst>
           </a:blip>
+          <a:srcRect/>
           <a:stretch>
             <a:fillRect/>
           </a:stretch>
         </p:blipFill>
-        <p:spPr>
+        <p:spPr bwMode="auto">
           <a:xfrm>
-            <a:off x="2558383" y="1825625"/>
-            <a:ext cx="7075234" cy="4351338"/>
+            <a:off x="3213100" y="2794000"/>
+            <a:ext cx="5765800" cy="1270000"/>
           </a:xfrm>
+          <a:prstGeom prst="rect">
+            <a:avLst/>
+          </a:prstGeom>
+          <a:noFill/>
+          <a:extLst>
+            <a:ext uri="{909E8E84-426E-40DD-AFC4-6F175D3DCCD1}">
+              <a14:hiddenFill xmlns:a14="http://schemas.microsoft.com/office/drawing/2010/main">
+                <a:solidFill>
+                  <a:srgbClr val="FFFFFF"/>
+                </a:solidFill>
+              </a14:hiddenFill>
+            </a:ext>
+          </a:extLst>
         </p:spPr>
       </p:pic>
     </p:spTree>
     <p:extLst>
       <p:ext uri="{BB962C8B-B14F-4D97-AF65-F5344CB8AC3E}">
-        <p14:creationId xmlns:p14="http://schemas.microsoft.com/office/powerpoint/2010/main" val="2613768486"/>
+        <p14:creationId xmlns:p14="http://schemas.microsoft.com/office/powerpoint/2010/main" val="113064724"/>
       </p:ext>
     </p:extLst>
   </p:cSld>
@@ -9288,7 +10820,7 @@
           <p:cNvPr id="2" name="标题 1">
             <a:extLst>
               <a:ext uri="{FF2B5EF4-FFF2-40B4-BE49-F238E27FC236}">
-                <a16:creationId xmlns:a16="http://schemas.microsoft.com/office/drawing/2014/main" id="{D31F25CB-930E-A67A-1833-D50C47409F1D}"/>
+                <a16:creationId xmlns:a16="http://schemas.microsoft.com/office/drawing/2014/main" id="{51863B11-AA96-44EC-2B04-52925F2CB1E2}"/>
               </a:ext>
             </a:extLst>
           </p:cNvPr>
@@ -9305,55 +10837,345 @@
           <a:lstStyle/>
           <a:p>
             <a:r>
-              <a:rPr lang="en-US" altLang="zh-CN" dirty="0"/>
-              <a:t>Audio</a:t>
-            </a:r>
-            <a:r>
-              <a:rPr lang="zh-CN" altLang="en-US" dirty="0"/>
-              <a:t>芯片的对比</a:t>
-            </a:r>
+              <a:rPr lang="zh-CN" altLang="en-US" b="1" i="0" u="none" strike="noStrike" dirty="0">
+                <a:solidFill>
+                  <a:srgbClr val="4D4D4D"/>
+                </a:solidFill>
+                <a:effectLst/>
+                <a:latin typeface="-apple-system"/>
+              </a:rPr>
+              <a:t>蓝牙产品线主攻的市场</a:t>
+            </a:r>
+            <a:endParaRPr kumimoji="1" lang="zh-CN" altLang="en-US" dirty="0"/>
           </a:p>
         </p:txBody>
       </p:sp>
-      <p:pic>
-        <p:nvPicPr>
-          <p:cNvPr id="5" name="内容占位符 4">
-            <a:extLst>
-              <a:ext uri="{FF2B5EF4-FFF2-40B4-BE49-F238E27FC236}">
-                <a16:creationId xmlns:a16="http://schemas.microsoft.com/office/drawing/2014/main" id="{4F72D5FE-0101-C3AA-7865-E17052EACD12}"/>
-              </a:ext>
-            </a:extLst>
-          </p:cNvPr>
-          <p:cNvPicPr>
-            <a:picLocks noGrp="1" noChangeAspect="1"/>
-          </p:cNvPicPr>
+      <p:sp>
+        <p:nvSpPr>
+          <p:cNvPr id="3" name="内容占位符 2">
+            <a:extLst>
+              <a:ext uri="{FF2B5EF4-FFF2-40B4-BE49-F238E27FC236}">
+                <a16:creationId xmlns:a16="http://schemas.microsoft.com/office/drawing/2014/main" id="{211D1812-C622-D39C-6877-B381179FDA9B}"/>
+              </a:ext>
+            </a:extLst>
+          </p:cNvPr>
+          <p:cNvSpPr>
+            <a:spLocks noGrp="1"/>
+          </p:cNvSpPr>
           <p:nvPr>
             <p:ph idx="1"/>
           </p:nvPr>
-        </p:nvPicPr>
-        <p:blipFill>
-          <a:blip r:embed="rId2">
-            <a:extLst>
-              <a:ext uri="{28A0092B-C50C-407E-A947-70E740481C1C}">
-                <a14:useLocalDpi xmlns:a14="http://schemas.microsoft.com/office/drawing/2010/main" val="0"/>
-              </a:ext>
-            </a:extLst>
-          </a:blip>
-          <a:stretch>
-            <a:fillRect/>
-          </a:stretch>
-        </p:blipFill>
-        <p:spPr>
-          <a:xfrm>
-            <a:off x="838200" y="2382573"/>
-            <a:ext cx="10515600" cy="3237441"/>
-          </a:xfrm>
-        </p:spPr>
-      </p:pic>
+        </p:nvSpPr>
+        <p:spPr/>
+        <p:txBody>
+          <a:bodyPr>
+            <a:normAutofit fontScale="77500" lnSpcReduction="20000"/>
+          </a:bodyPr>
+          <a:lstStyle/>
+          <a:p>
+            <a:r>
+              <a:rPr kumimoji="1" lang="en-US" altLang="zh-CN" dirty="0"/>
+              <a:t>- </a:t>
+            </a:r>
+            <a:r>
+              <a:rPr kumimoji="1" lang="zh-CN" altLang="en-US" dirty="0"/>
+              <a:t>蓝牙遥控器 ，这是一个亿级市场，</a:t>
+            </a:r>
+            <a:r>
+              <a:rPr kumimoji="1" lang="en-US" altLang="zh-CN" dirty="0"/>
+              <a:t>2018</a:t>
+            </a:r>
+            <a:r>
+              <a:rPr kumimoji="1" lang="zh-CN" altLang="en-US" dirty="0"/>
+              <a:t>市场出货</a:t>
+            </a:r>
+            <a:r>
+              <a:rPr kumimoji="1" lang="en-US" altLang="zh-CN" dirty="0"/>
+              <a:t>1.3</a:t>
+            </a:r>
+            <a:r>
+              <a:rPr kumimoji="1" lang="zh-CN" altLang="en-US" dirty="0"/>
+              <a:t>亿颗，</a:t>
+            </a:r>
+            <a:r>
+              <a:rPr kumimoji="1" lang="en-US" altLang="zh-CN" dirty="0"/>
+              <a:t>2019</a:t>
+            </a:r>
+            <a:r>
+              <a:rPr kumimoji="1" lang="zh-CN" altLang="en-US" dirty="0"/>
+              <a:t>市场出货</a:t>
+            </a:r>
+            <a:r>
+              <a:rPr kumimoji="1" lang="en-US" altLang="zh-CN" dirty="0"/>
+              <a:t>1.6</a:t>
+            </a:r>
+            <a:r>
+              <a:rPr kumimoji="1" lang="zh-CN" altLang="en-US" dirty="0"/>
+              <a:t>亿颗；</a:t>
+            </a:r>
+          </a:p>
+          <a:p>
+            <a:r>
+              <a:rPr kumimoji="1" lang="zh-CN" altLang="en-US" dirty="0"/>
+              <a:t> </a:t>
+            </a:r>
+          </a:p>
+          <a:p>
+            <a:r>
+              <a:rPr kumimoji="1" lang="en-US" altLang="zh-CN" dirty="0"/>
+              <a:t>- HID</a:t>
+            </a:r>
+            <a:r>
+              <a:rPr kumimoji="1" lang="zh-CN" altLang="en-US" dirty="0"/>
+              <a:t>设备</a:t>
+            </a:r>
+            <a:r>
+              <a:rPr kumimoji="1" lang="en-US" altLang="zh-CN" dirty="0"/>
+              <a:t>(</a:t>
+            </a:r>
+            <a:r>
+              <a:rPr kumimoji="1" lang="zh-CN" altLang="en-US" dirty="0"/>
+              <a:t>鼠标，键盘等</a:t>
+            </a:r>
+            <a:r>
+              <a:rPr kumimoji="1" lang="en-US" altLang="zh-CN" dirty="0"/>
+              <a:t>) </a:t>
+            </a:r>
+            <a:r>
+              <a:rPr kumimoji="1" lang="zh-CN" altLang="en-US" dirty="0"/>
+              <a:t>，</a:t>
+            </a:r>
+            <a:r>
+              <a:rPr kumimoji="1" lang="en-US" altLang="zh-CN" dirty="0"/>
+              <a:t>2018</a:t>
+            </a:r>
+            <a:r>
+              <a:rPr kumimoji="1" lang="zh-CN" altLang="en-US" dirty="0"/>
+              <a:t>市场出货</a:t>
+            </a:r>
+            <a:r>
+              <a:rPr kumimoji="1" lang="en-US" altLang="zh-CN" dirty="0"/>
+              <a:t>5300</a:t>
+            </a:r>
+            <a:r>
+              <a:rPr kumimoji="1" lang="zh-CN" altLang="en-US" dirty="0"/>
+              <a:t>万颗，</a:t>
+            </a:r>
+            <a:r>
+              <a:rPr kumimoji="1" lang="en-US" altLang="zh-CN" dirty="0"/>
+              <a:t>2019</a:t>
+            </a:r>
+            <a:r>
+              <a:rPr kumimoji="1" lang="zh-CN" altLang="en-US" dirty="0"/>
+              <a:t>市场出货</a:t>
+            </a:r>
+            <a:r>
+              <a:rPr kumimoji="1" lang="en-US" altLang="zh-CN" dirty="0"/>
+              <a:t>6530</a:t>
+            </a:r>
+            <a:r>
+              <a:rPr kumimoji="1" lang="zh-CN" altLang="en-US" dirty="0"/>
+              <a:t>万颗；</a:t>
+            </a:r>
+          </a:p>
+          <a:p>
+            <a:r>
+              <a:rPr kumimoji="1" lang="zh-CN" altLang="en-US" dirty="0"/>
+              <a:t> </a:t>
+            </a:r>
+          </a:p>
+          <a:p>
+            <a:r>
+              <a:rPr kumimoji="1" lang="en-US" altLang="zh-CN" dirty="0"/>
+              <a:t>- BLE </a:t>
+            </a:r>
+            <a:r>
+              <a:rPr kumimoji="1" lang="zh-CN" altLang="en-US" dirty="0"/>
+              <a:t>照明，</a:t>
+            </a:r>
+            <a:r>
+              <a:rPr kumimoji="1" lang="en-US" altLang="zh-CN" dirty="0"/>
+              <a:t>2018</a:t>
+            </a:r>
+            <a:r>
+              <a:rPr kumimoji="1" lang="zh-CN" altLang="en-US" dirty="0"/>
+              <a:t>市场出货</a:t>
+            </a:r>
+            <a:r>
+              <a:rPr kumimoji="1" lang="en-US" altLang="zh-CN" dirty="0"/>
+              <a:t>1000</a:t>
+            </a:r>
+            <a:r>
+              <a:rPr kumimoji="1" lang="zh-CN" altLang="en-US" dirty="0"/>
+              <a:t>万，</a:t>
+            </a:r>
+            <a:r>
+              <a:rPr kumimoji="1" lang="en-US" altLang="zh-CN" dirty="0"/>
+              <a:t>2019</a:t>
+            </a:r>
+            <a:r>
+              <a:rPr kumimoji="1" lang="zh-CN" altLang="en-US" dirty="0"/>
+              <a:t>市场出货</a:t>
+            </a:r>
+            <a:r>
+              <a:rPr kumimoji="1" lang="en-US" altLang="zh-CN" dirty="0"/>
+              <a:t>2300</a:t>
+            </a:r>
+            <a:r>
+              <a:rPr kumimoji="1" lang="zh-CN" altLang="en-US" dirty="0"/>
+              <a:t>万；</a:t>
+            </a:r>
+          </a:p>
+          <a:p>
+            <a:r>
+              <a:rPr kumimoji="1" lang="zh-CN" altLang="en-US" dirty="0"/>
+              <a:t> </a:t>
+            </a:r>
+          </a:p>
+          <a:p>
+            <a:r>
+              <a:rPr kumimoji="1" lang="en-US" altLang="zh-CN" dirty="0"/>
+              <a:t>- </a:t>
+            </a:r>
+            <a:r>
+              <a:rPr kumimoji="1" lang="zh-CN" altLang="en-US" dirty="0"/>
+              <a:t>耳机 ，整个耳机市场，</a:t>
+            </a:r>
+            <a:r>
+              <a:rPr kumimoji="1" lang="en-US" altLang="zh-CN" dirty="0"/>
+              <a:t>2018</a:t>
+            </a:r>
+            <a:r>
+              <a:rPr kumimoji="1" lang="zh-CN" altLang="en-US" dirty="0"/>
+              <a:t>市场出货</a:t>
+            </a:r>
+            <a:r>
+              <a:rPr kumimoji="1" lang="en-US" altLang="zh-CN" dirty="0"/>
+              <a:t>7.1</a:t>
+            </a:r>
+            <a:r>
+              <a:rPr kumimoji="1" lang="zh-CN" altLang="en-US" dirty="0"/>
+              <a:t>亿，</a:t>
+            </a:r>
+            <a:r>
+              <a:rPr kumimoji="1" lang="en-US" altLang="zh-CN" dirty="0"/>
+              <a:t>2019</a:t>
+            </a:r>
+            <a:r>
+              <a:rPr kumimoji="1" lang="zh-CN" altLang="en-US" dirty="0"/>
+              <a:t>市场出货</a:t>
+            </a:r>
+            <a:r>
+              <a:rPr kumimoji="1" lang="en-US" altLang="zh-CN" dirty="0"/>
+              <a:t>11.9</a:t>
+            </a:r>
+            <a:r>
+              <a:rPr kumimoji="1" lang="zh-CN" altLang="en-US" dirty="0"/>
+              <a:t>亿；</a:t>
+            </a:r>
+          </a:p>
+          <a:p>
+            <a:r>
+              <a:rPr kumimoji="1" lang="zh-CN" altLang="en-US" dirty="0"/>
+              <a:t> </a:t>
+            </a:r>
+          </a:p>
+          <a:p>
+            <a:r>
+              <a:rPr kumimoji="1" lang="en-US" altLang="zh-CN" dirty="0"/>
+              <a:t>- </a:t>
+            </a:r>
+            <a:r>
+              <a:rPr kumimoji="1" lang="zh-CN" altLang="en-US" dirty="0"/>
+              <a:t>智能手表 ，</a:t>
+            </a:r>
+            <a:r>
+              <a:rPr kumimoji="1" lang="en-US" altLang="zh-CN" dirty="0"/>
+              <a:t>2018</a:t>
+            </a:r>
+            <a:r>
+              <a:rPr kumimoji="1" lang="zh-CN" altLang="en-US" dirty="0"/>
+              <a:t>市场出货</a:t>
+            </a:r>
+            <a:r>
+              <a:rPr kumimoji="1" lang="en-US" altLang="zh-CN" dirty="0"/>
+              <a:t>8000</a:t>
+            </a:r>
+            <a:r>
+              <a:rPr kumimoji="1" lang="zh-CN" altLang="en-US" dirty="0"/>
+              <a:t>万，</a:t>
+            </a:r>
+            <a:r>
+              <a:rPr kumimoji="1" lang="en-US" altLang="zh-CN" dirty="0"/>
+              <a:t>2019</a:t>
+            </a:r>
+            <a:r>
+              <a:rPr kumimoji="1" lang="zh-CN" altLang="en-US" dirty="0"/>
+              <a:t>市场出货</a:t>
+            </a:r>
+            <a:r>
+              <a:rPr kumimoji="1" lang="en-US" altLang="zh-CN" dirty="0"/>
+              <a:t>10,000</a:t>
+            </a:r>
+            <a:r>
+              <a:rPr kumimoji="1" lang="zh-CN" altLang="en-US" dirty="0"/>
+              <a:t>万；</a:t>
+            </a:r>
+          </a:p>
+          <a:p>
+            <a:r>
+              <a:rPr kumimoji="1" lang="zh-CN" altLang="en-US" dirty="0"/>
+              <a:t> </a:t>
+            </a:r>
+          </a:p>
+          <a:p>
+            <a:r>
+              <a:rPr kumimoji="1" lang="en-US" altLang="zh-CN" dirty="0"/>
+              <a:t>- </a:t>
+            </a:r>
+            <a:r>
+              <a:rPr kumimoji="1" lang="zh-CN" altLang="en-US" dirty="0"/>
+              <a:t>追踪器 ，追踪器市场以海外为主，</a:t>
+            </a:r>
+            <a:r>
+              <a:rPr kumimoji="1" lang="en-US" altLang="zh-CN" dirty="0"/>
+              <a:t>2018</a:t>
+            </a:r>
+            <a:r>
+              <a:rPr kumimoji="1" lang="zh-CN" altLang="en-US" dirty="0"/>
+              <a:t>市场出货</a:t>
+            </a:r>
+            <a:r>
+              <a:rPr kumimoji="1" lang="en-US" altLang="zh-CN" dirty="0"/>
+              <a:t>1.3</a:t>
+            </a:r>
+            <a:r>
+              <a:rPr kumimoji="1" lang="zh-CN" altLang="en-US" dirty="0"/>
+              <a:t>亿，</a:t>
+            </a:r>
+            <a:r>
+              <a:rPr kumimoji="1" lang="en-US" altLang="zh-CN" dirty="0"/>
+              <a:t>2019</a:t>
+            </a:r>
+            <a:r>
+              <a:rPr kumimoji="1" lang="zh-CN" altLang="en-US" dirty="0"/>
+              <a:t>市场出货</a:t>
+            </a:r>
+            <a:r>
+              <a:rPr kumimoji="1" lang="en-US" altLang="zh-CN" dirty="0"/>
+              <a:t>1.4</a:t>
+            </a:r>
+            <a:r>
+              <a:rPr kumimoji="1" lang="zh-CN" altLang="en-US" dirty="0"/>
+              <a:t>亿；</a:t>
+            </a:r>
+          </a:p>
+        </p:txBody>
+      </p:sp>
     </p:spTree>
     <p:extLst>
       <p:ext uri="{BB962C8B-B14F-4D97-AF65-F5344CB8AC3E}">
-        <p14:creationId xmlns:p14="http://schemas.microsoft.com/office/powerpoint/2010/main" val="1338407200"/>
+        <p14:creationId xmlns:p14="http://schemas.microsoft.com/office/powerpoint/2010/main" val="421189582"/>
       </p:ext>
     </p:extLst>
   </p:cSld>

--- a/2023/02产品/SNC8x/01)竞品分析/00)竞品芯片分析/品牌产品路线分析/Realtek/Realtek产品线分析2.pptx
+++ b/2023/02产品/SNC8x/01)竞品分析/00)竞品芯片分析/品牌产品路线分析/Realtek/Realtek产品线分析2.pptx
@@ -5,7 +5,7 @@
     <p:sldMasterId id="2147483648" r:id="rId1"/>
   </p:sldMasterIdLst>
   <p:notesMasterIdLst>
-    <p:notesMasterId r:id="rId16"/>
+    <p:notesMasterId r:id="rId15"/>
   </p:notesMasterIdLst>
   <p:sldIdLst>
     <p:sldId id="256" r:id="rId2"/>
@@ -13,15 +13,14 @@
     <p:sldId id="275" r:id="rId4"/>
     <p:sldId id="258" r:id="rId5"/>
     <p:sldId id="270" r:id="rId6"/>
-    <p:sldId id="262" r:id="rId7"/>
-    <p:sldId id="271" r:id="rId8"/>
-    <p:sldId id="282" r:id="rId9"/>
-    <p:sldId id="273" r:id="rId10"/>
-    <p:sldId id="281" r:id="rId11"/>
-    <p:sldId id="264" r:id="rId12"/>
-    <p:sldId id="279" r:id="rId13"/>
-    <p:sldId id="277" r:id="rId14"/>
-    <p:sldId id="278" r:id="rId15"/>
+    <p:sldId id="271" r:id="rId7"/>
+    <p:sldId id="282" r:id="rId8"/>
+    <p:sldId id="273" r:id="rId9"/>
+    <p:sldId id="281" r:id="rId10"/>
+    <p:sldId id="264" r:id="rId11"/>
+    <p:sldId id="279" r:id="rId12"/>
+    <p:sldId id="277" r:id="rId13"/>
+    <p:sldId id="278" r:id="rId14"/>
   </p:sldIdLst>
   <p:sldSz cx="12192000" cy="6858000"/>
   <p:notesSz cx="6858000" cy="9144000"/>
@@ -134,7 +133,6 @@
         <p14:section name="音频编解码产品线" id="{CBB7A4E8-E55C-CC4B-BF7F-70E63E1FBC4F}">
           <p14:sldIdLst>
             <p14:sldId id="270"/>
-            <p14:sldId id="262"/>
             <p14:sldId id="271"/>
             <p14:sldId id="282"/>
             <p14:sldId id="273"/>
@@ -244,7 +242,7 @@
           <a:p>
             <a:fld id="{28EA0F69-1204-4BA0-B38F-9FCC649F2CF7}" type="datetimeFigureOut">
               <a:rPr lang="zh-CN" altLang="en-US" smtClean="0"/>
-              <a:t>2023/5/22</a:t>
+              <a:t>2023/5/23</a:t>
             </a:fld>
             <a:endParaRPr lang="zh-CN" altLang="en-US"/>
           </a:p>
@@ -1215,7 +1213,7 @@
           <a:p>
             <a:fld id="{F0D76D53-A3B4-4B96-A8CF-9D3A30CCA9B8}" type="datetimeFigureOut">
               <a:rPr lang="zh-CN" altLang="en-US" smtClean="0"/>
-              <a:t>2023/5/22</a:t>
+              <a:t>2023/5/23</a:t>
             </a:fld>
             <a:endParaRPr lang="zh-CN" altLang="en-US"/>
           </a:p>
@@ -1413,7 +1411,7 @@
           <a:p>
             <a:fld id="{F0D76D53-A3B4-4B96-A8CF-9D3A30CCA9B8}" type="datetimeFigureOut">
               <a:rPr lang="zh-CN" altLang="en-US" smtClean="0"/>
-              <a:t>2023/5/22</a:t>
+              <a:t>2023/5/23</a:t>
             </a:fld>
             <a:endParaRPr lang="zh-CN" altLang="en-US"/>
           </a:p>
@@ -1621,7 +1619,7 @@
           <a:p>
             <a:fld id="{F0D76D53-A3B4-4B96-A8CF-9D3A30CCA9B8}" type="datetimeFigureOut">
               <a:rPr lang="zh-CN" altLang="en-US" smtClean="0"/>
-              <a:t>2023/5/22</a:t>
+              <a:t>2023/5/23</a:t>
             </a:fld>
             <a:endParaRPr lang="zh-CN" altLang="en-US"/>
           </a:p>
@@ -1819,7 +1817,7 @@
           <a:p>
             <a:fld id="{F0D76D53-A3B4-4B96-A8CF-9D3A30CCA9B8}" type="datetimeFigureOut">
               <a:rPr lang="zh-CN" altLang="en-US" smtClean="0"/>
-              <a:t>2023/5/22</a:t>
+              <a:t>2023/5/23</a:t>
             </a:fld>
             <a:endParaRPr lang="zh-CN" altLang="en-US"/>
           </a:p>
@@ -2094,7 +2092,7 @@
           <a:p>
             <a:fld id="{F0D76D53-A3B4-4B96-A8CF-9D3A30CCA9B8}" type="datetimeFigureOut">
               <a:rPr lang="zh-CN" altLang="en-US" smtClean="0"/>
-              <a:t>2023/5/22</a:t>
+              <a:t>2023/5/23</a:t>
             </a:fld>
             <a:endParaRPr lang="zh-CN" altLang="en-US"/>
           </a:p>
@@ -2359,7 +2357,7 @@
           <a:p>
             <a:fld id="{F0D76D53-A3B4-4B96-A8CF-9D3A30CCA9B8}" type="datetimeFigureOut">
               <a:rPr lang="zh-CN" altLang="en-US" smtClean="0"/>
-              <a:t>2023/5/22</a:t>
+              <a:t>2023/5/23</a:t>
             </a:fld>
             <a:endParaRPr lang="zh-CN" altLang="en-US"/>
           </a:p>
@@ -2771,7 +2769,7 @@
           <a:p>
             <a:fld id="{F0D76D53-A3B4-4B96-A8CF-9D3A30CCA9B8}" type="datetimeFigureOut">
               <a:rPr lang="zh-CN" altLang="en-US" smtClean="0"/>
-              <a:t>2023/5/22</a:t>
+              <a:t>2023/5/23</a:t>
             </a:fld>
             <a:endParaRPr lang="zh-CN" altLang="en-US"/>
           </a:p>
@@ -2912,7 +2910,7 @@
           <a:p>
             <a:fld id="{F0D76D53-A3B4-4B96-A8CF-9D3A30CCA9B8}" type="datetimeFigureOut">
               <a:rPr lang="zh-CN" altLang="en-US" smtClean="0"/>
-              <a:t>2023/5/22</a:t>
+              <a:t>2023/5/23</a:t>
             </a:fld>
             <a:endParaRPr lang="zh-CN" altLang="en-US"/>
           </a:p>
@@ -3025,7 +3023,7 @@
           <a:p>
             <a:fld id="{F0D76D53-A3B4-4B96-A8CF-9D3A30CCA9B8}" type="datetimeFigureOut">
               <a:rPr lang="zh-CN" altLang="en-US" smtClean="0"/>
-              <a:t>2023/5/22</a:t>
+              <a:t>2023/5/23</a:t>
             </a:fld>
             <a:endParaRPr lang="zh-CN" altLang="en-US"/>
           </a:p>
@@ -3336,7 +3334,7 @@
           <a:p>
             <a:fld id="{F0D76D53-A3B4-4B96-A8CF-9D3A30CCA9B8}" type="datetimeFigureOut">
               <a:rPr lang="zh-CN" altLang="en-US" smtClean="0"/>
-              <a:t>2023/5/22</a:t>
+              <a:t>2023/5/23</a:t>
             </a:fld>
             <a:endParaRPr lang="zh-CN" altLang="en-US"/>
           </a:p>
@@ -3624,7 +3622,7 @@
           <a:p>
             <a:fld id="{F0D76D53-A3B4-4B96-A8CF-9D3A30CCA9B8}" type="datetimeFigureOut">
               <a:rPr lang="zh-CN" altLang="en-US" smtClean="0"/>
-              <a:t>2023/5/22</a:t>
+              <a:t>2023/5/23</a:t>
             </a:fld>
             <a:endParaRPr lang="zh-CN" altLang="en-US"/>
           </a:p>
@@ -3865,7 +3863,7 @@
           <a:p>
             <a:fld id="{F0D76D53-A3B4-4B96-A8CF-9D3A30CCA9B8}" type="datetimeFigureOut">
               <a:rPr lang="zh-CN" altLang="en-US" smtClean="0"/>
-              <a:t>2023/5/22</a:t>
+              <a:t>2023/5/23</a:t>
             </a:fld>
             <a:endParaRPr lang="zh-CN" altLang="en-US"/>
           </a:p>
@@ -4367,728 +4365,6 @@
           <p:cNvPr id="2" name="标题 1">
             <a:extLst>
               <a:ext uri="{FF2B5EF4-FFF2-40B4-BE49-F238E27FC236}">
-                <a16:creationId xmlns:a16="http://schemas.microsoft.com/office/drawing/2014/main" id="{9F503F54-AB57-4AFF-2C4B-5AA15A1392C1}"/>
-              </a:ext>
-            </a:extLst>
-          </p:cNvPr>
-          <p:cNvSpPr>
-            <a:spLocks noGrp="1"/>
-          </p:cNvSpPr>
-          <p:nvPr>
-            <p:ph type="title"/>
-          </p:nvPr>
-        </p:nvSpPr>
-        <p:spPr/>
-        <p:txBody>
-          <a:bodyPr/>
-          <a:lstStyle/>
-          <a:p>
-            <a:r>
-              <a:rPr lang="zh-CN" altLang="en-US" b="1" dirty="0"/>
-              <a:t>瑞昱音频相关产品线情况 </a:t>
-            </a:r>
-            <a:r>
-              <a:rPr lang="en-US" altLang="zh-CN" b="1" dirty="0"/>
-              <a:t>—</a:t>
-            </a:r>
-            <a:r>
-              <a:rPr lang="zh-CN" altLang="en-US" b="1" dirty="0"/>
-              <a:t> 蓝牙</a:t>
-            </a:r>
-          </a:p>
-        </p:txBody>
-      </p:sp>
-      <p:sp>
-        <p:nvSpPr>
-          <p:cNvPr id="3" name="内容占位符 2">
-            <a:extLst>
-              <a:ext uri="{FF2B5EF4-FFF2-40B4-BE49-F238E27FC236}">
-                <a16:creationId xmlns:a16="http://schemas.microsoft.com/office/drawing/2014/main" id="{6A3F4699-1CB3-6603-26C3-D86811A06FEB}"/>
-              </a:ext>
-            </a:extLst>
-          </p:cNvPr>
-          <p:cNvSpPr>
-            <a:spLocks noGrp="1"/>
-          </p:cNvSpPr>
-          <p:nvPr>
-            <p:ph idx="1"/>
-          </p:nvPr>
-        </p:nvSpPr>
-        <p:spPr/>
-        <p:txBody>
-          <a:bodyPr>
-            <a:normAutofit fontScale="92500" lnSpcReduction="20000"/>
-          </a:bodyPr>
-          <a:lstStyle/>
-          <a:p>
-            <a:r>
-              <a:rPr lang="zh-CN" altLang="en-US" dirty="0"/>
-              <a:t>蓝牙</a:t>
-            </a:r>
-            <a:endParaRPr lang="en-US" altLang="zh-CN" dirty="0"/>
-          </a:p>
-          <a:p>
-            <a:pPr lvl="1"/>
-            <a:r>
-              <a:rPr lang="zh-CN" altLang="en-US" dirty="0"/>
-              <a:t>主要应用在</a:t>
-            </a:r>
-            <a:r>
-              <a:rPr lang="en-US" altLang="zh-CN" dirty="0"/>
-              <a:t>TWS</a:t>
-            </a:r>
-            <a:r>
-              <a:rPr lang="zh-CN" altLang="en-US" dirty="0"/>
-              <a:t>耳机</a:t>
-            </a:r>
-            <a:endParaRPr lang="en-US" altLang="zh-CN" dirty="0"/>
-          </a:p>
-          <a:p>
-            <a:pPr lvl="2"/>
-            <a:r>
-              <a:rPr lang="zh-CN" altLang="en-US" dirty="0"/>
-              <a:t>销量占比：</a:t>
-            </a:r>
-            <a:endParaRPr lang="en-US" altLang="zh-CN" dirty="0"/>
-          </a:p>
-          <a:p>
-            <a:pPr lvl="2"/>
-            <a:r>
-              <a:rPr lang="zh-CN" altLang="en-US" b="0" i="0" dirty="0">
-                <a:solidFill>
-                  <a:srgbClr val="333333"/>
-                </a:solidFill>
-                <a:effectLst/>
-                <a:latin typeface="PingFang SC"/>
-              </a:rPr>
-              <a:t>市场份额占比：</a:t>
-            </a:r>
-            <a:endParaRPr lang="en-US" altLang="zh-CN" b="0" i="0" dirty="0">
-              <a:solidFill>
-                <a:srgbClr val="333333"/>
-              </a:solidFill>
-              <a:effectLst/>
-              <a:latin typeface="PingFang SC"/>
-            </a:endParaRPr>
-          </a:p>
-          <a:p>
-            <a:pPr lvl="2"/>
-            <a:r>
-              <a:rPr lang="zh-CN" altLang="en-US" dirty="0"/>
-              <a:t>竞争对手：</a:t>
-            </a:r>
-            <a:endParaRPr lang="en-US" altLang="zh-CN" dirty="0"/>
-          </a:p>
-          <a:p>
-            <a:pPr lvl="1"/>
-            <a:r>
-              <a:rPr lang="zh-CN" altLang="en-US" dirty="0">
-                <a:solidFill>
-                  <a:srgbClr val="4D4D4D"/>
-                </a:solidFill>
-                <a:latin typeface="-apple-system"/>
-              </a:rPr>
-              <a:t>蓝牙产品线主攻的市场</a:t>
-            </a:r>
-            <a:endParaRPr lang="en-US" altLang="zh-CN" sz="2800" dirty="0">
-              <a:solidFill>
-                <a:srgbClr val="4D4D4D"/>
-              </a:solidFill>
-              <a:latin typeface="-apple-system"/>
-            </a:endParaRPr>
-          </a:p>
-          <a:p>
-            <a:pPr lvl="2"/>
-            <a:r>
-              <a:rPr lang="zh-CN" altLang="en-US" dirty="0"/>
-              <a:t>蓝牙遥控器 ，这是一个亿级市场，</a:t>
-            </a:r>
-            <a:r>
-              <a:rPr lang="en-US" altLang="zh-CN" dirty="0"/>
-              <a:t>2018</a:t>
-            </a:r>
-            <a:r>
-              <a:rPr lang="zh-CN" altLang="en-US" dirty="0"/>
-              <a:t>市场出货</a:t>
-            </a:r>
-            <a:r>
-              <a:rPr lang="en-US" altLang="zh-CN" dirty="0"/>
-              <a:t>1.3</a:t>
-            </a:r>
-            <a:r>
-              <a:rPr lang="zh-CN" altLang="en-US" dirty="0"/>
-              <a:t>亿颗，</a:t>
-            </a:r>
-            <a:r>
-              <a:rPr lang="en-US" altLang="zh-CN" dirty="0"/>
-              <a:t>2019</a:t>
-            </a:r>
-            <a:r>
-              <a:rPr lang="zh-CN" altLang="en-US" dirty="0"/>
-              <a:t>市场出货</a:t>
-            </a:r>
-            <a:r>
-              <a:rPr lang="en-US" altLang="zh-CN" dirty="0"/>
-              <a:t>1.6</a:t>
-            </a:r>
-            <a:r>
-              <a:rPr lang="zh-CN" altLang="en-US" dirty="0"/>
-              <a:t>亿颗；</a:t>
-            </a:r>
-            <a:endParaRPr lang="en-US" altLang="zh-CN" dirty="0"/>
-          </a:p>
-          <a:p>
-            <a:pPr lvl="2"/>
-            <a:r>
-              <a:rPr lang="en-US" altLang="zh-CN" sz="2100" dirty="0"/>
-              <a:t>HID</a:t>
-            </a:r>
-            <a:r>
-              <a:rPr lang="zh-CN" altLang="en-US" sz="2100" dirty="0"/>
-              <a:t>设备</a:t>
-            </a:r>
-            <a:r>
-              <a:rPr lang="en-US" altLang="zh-CN" sz="2100" dirty="0"/>
-              <a:t>(</a:t>
-            </a:r>
-            <a:r>
-              <a:rPr lang="zh-CN" altLang="en-US" sz="2100" dirty="0"/>
-              <a:t>鼠标，键盘等</a:t>
-            </a:r>
-            <a:r>
-              <a:rPr lang="en-US" altLang="zh-CN" sz="2100" dirty="0"/>
-              <a:t>) </a:t>
-            </a:r>
-            <a:r>
-              <a:rPr lang="zh-CN" altLang="en-US" sz="2100" dirty="0"/>
-              <a:t>，</a:t>
-            </a:r>
-            <a:r>
-              <a:rPr lang="en-US" altLang="zh-CN" sz="2100" dirty="0"/>
-              <a:t>2018</a:t>
-            </a:r>
-            <a:r>
-              <a:rPr lang="zh-CN" altLang="en-US" sz="2100" dirty="0"/>
-              <a:t>市场出货</a:t>
-            </a:r>
-            <a:r>
-              <a:rPr lang="en-US" altLang="zh-CN" sz="2100" dirty="0"/>
-              <a:t>5300</a:t>
-            </a:r>
-            <a:r>
-              <a:rPr lang="zh-CN" altLang="en-US" sz="2100" dirty="0"/>
-              <a:t>万颗，</a:t>
-            </a:r>
-            <a:r>
-              <a:rPr lang="en-US" altLang="zh-CN" sz="2100" dirty="0"/>
-              <a:t>2019</a:t>
-            </a:r>
-            <a:r>
-              <a:rPr lang="zh-CN" altLang="en-US" sz="2100" dirty="0"/>
-              <a:t>市场出货</a:t>
-            </a:r>
-            <a:r>
-              <a:rPr lang="en-US" altLang="zh-CN" sz="2100" dirty="0"/>
-              <a:t>6530</a:t>
-            </a:r>
-            <a:r>
-              <a:rPr lang="zh-CN" altLang="en-US" sz="2100" dirty="0"/>
-              <a:t>万颗；</a:t>
-            </a:r>
-            <a:endParaRPr lang="en-US" altLang="zh-CN" sz="2100" dirty="0"/>
-          </a:p>
-          <a:p>
-            <a:pPr lvl="2"/>
-            <a:r>
-              <a:rPr lang="en-US" altLang="zh-CN" sz="2100" dirty="0"/>
-              <a:t>BLE </a:t>
-            </a:r>
-            <a:r>
-              <a:rPr lang="zh-CN" altLang="en-US" sz="2100" dirty="0"/>
-              <a:t>照明，</a:t>
-            </a:r>
-            <a:r>
-              <a:rPr lang="en-US" altLang="zh-CN" sz="2100" dirty="0"/>
-              <a:t>2018</a:t>
-            </a:r>
-            <a:r>
-              <a:rPr lang="zh-CN" altLang="en-US" sz="2100" dirty="0"/>
-              <a:t>市场出货</a:t>
-            </a:r>
-            <a:r>
-              <a:rPr lang="en-US" altLang="zh-CN" sz="2100" dirty="0"/>
-              <a:t>1000</a:t>
-            </a:r>
-            <a:r>
-              <a:rPr lang="zh-CN" altLang="en-US" sz="2100" dirty="0"/>
-              <a:t>万，</a:t>
-            </a:r>
-            <a:r>
-              <a:rPr lang="en-US" altLang="zh-CN" sz="2100" dirty="0"/>
-              <a:t>2019</a:t>
-            </a:r>
-            <a:r>
-              <a:rPr lang="zh-CN" altLang="en-US" sz="2100" dirty="0"/>
-              <a:t>市场出货</a:t>
-            </a:r>
-            <a:r>
-              <a:rPr lang="en-US" altLang="zh-CN" sz="2100" dirty="0"/>
-              <a:t>2300</a:t>
-            </a:r>
-            <a:r>
-              <a:rPr lang="zh-CN" altLang="en-US" sz="2100" dirty="0"/>
-              <a:t>万；</a:t>
-            </a:r>
-            <a:endParaRPr lang="en-US" altLang="zh-CN" sz="2100" dirty="0"/>
-          </a:p>
-          <a:p>
-            <a:pPr lvl="2"/>
-            <a:r>
-              <a:rPr lang="zh-CN" altLang="en-US" sz="2100" dirty="0">
-                <a:solidFill>
-                  <a:srgbClr val="FF0000"/>
-                </a:solidFill>
-              </a:rPr>
-              <a:t>耳机 ，整个耳机市场，</a:t>
-            </a:r>
-            <a:r>
-              <a:rPr lang="en-US" altLang="zh-CN" sz="2100" dirty="0">
-                <a:solidFill>
-                  <a:srgbClr val="FF0000"/>
-                </a:solidFill>
-              </a:rPr>
-              <a:t>2018</a:t>
-            </a:r>
-            <a:r>
-              <a:rPr lang="zh-CN" altLang="en-US" sz="2100" dirty="0">
-                <a:solidFill>
-                  <a:srgbClr val="FF0000"/>
-                </a:solidFill>
-              </a:rPr>
-              <a:t>市场出货</a:t>
-            </a:r>
-            <a:r>
-              <a:rPr lang="en-US" altLang="zh-CN" sz="2100" dirty="0">
-                <a:solidFill>
-                  <a:srgbClr val="FF0000"/>
-                </a:solidFill>
-              </a:rPr>
-              <a:t>7.1</a:t>
-            </a:r>
-            <a:r>
-              <a:rPr lang="zh-CN" altLang="en-US" sz="2100" dirty="0">
-                <a:solidFill>
-                  <a:srgbClr val="FF0000"/>
-                </a:solidFill>
-              </a:rPr>
-              <a:t>亿，</a:t>
-            </a:r>
-            <a:r>
-              <a:rPr lang="en-US" altLang="zh-CN" sz="2100" dirty="0">
-                <a:solidFill>
-                  <a:srgbClr val="FF0000"/>
-                </a:solidFill>
-              </a:rPr>
-              <a:t>2019</a:t>
-            </a:r>
-            <a:r>
-              <a:rPr lang="zh-CN" altLang="en-US" sz="2100" dirty="0">
-                <a:solidFill>
-                  <a:srgbClr val="FF0000"/>
-                </a:solidFill>
-              </a:rPr>
-              <a:t>市场出货</a:t>
-            </a:r>
-            <a:r>
-              <a:rPr lang="en-US" altLang="zh-CN" sz="2100" dirty="0">
-                <a:solidFill>
-                  <a:srgbClr val="FF0000"/>
-                </a:solidFill>
-              </a:rPr>
-              <a:t>11.9</a:t>
-            </a:r>
-            <a:r>
-              <a:rPr lang="zh-CN" altLang="en-US" sz="2100" dirty="0">
-                <a:solidFill>
-                  <a:srgbClr val="FF0000"/>
-                </a:solidFill>
-              </a:rPr>
-              <a:t>亿；</a:t>
-            </a:r>
-            <a:endParaRPr lang="en-US" altLang="zh-CN" sz="2100" dirty="0">
-              <a:solidFill>
-                <a:srgbClr val="FF0000"/>
-              </a:solidFill>
-            </a:endParaRPr>
-          </a:p>
-          <a:p>
-            <a:pPr lvl="2"/>
-            <a:r>
-              <a:rPr lang="zh-CN" altLang="en-US" sz="2100" dirty="0"/>
-              <a:t>智能手表 ，</a:t>
-            </a:r>
-            <a:r>
-              <a:rPr lang="en-US" altLang="zh-CN" sz="2100" dirty="0"/>
-              <a:t>2018</a:t>
-            </a:r>
-            <a:r>
-              <a:rPr lang="zh-CN" altLang="en-US" sz="2100" dirty="0"/>
-              <a:t>市场出货</a:t>
-            </a:r>
-            <a:r>
-              <a:rPr lang="en-US" altLang="zh-CN" sz="2100" dirty="0"/>
-              <a:t>8000</a:t>
-            </a:r>
-            <a:r>
-              <a:rPr lang="zh-CN" altLang="en-US" sz="2100" dirty="0"/>
-              <a:t>万，</a:t>
-            </a:r>
-            <a:r>
-              <a:rPr lang="en-US" altLang="zh-CN" sz="2100" dirty="0"/>
-              <a:t>2019</a:t>
-            </a:r>
-            <a:r>
-              <a:rPr lang="zh-CN" altLang="en-US" sz="2100" dirty="0"/>
-              <a:t>市场出货</a:t>
-            </a:r>
-            <a:r>
-              <a:rPr lang="en-US" altLang="zh-CN" sz="2100" dirty="0"/>
-              <a:t>10,000</a:t>
-            </a:r>
-            <a:r>
-              <a:rPr lang="zh-CN" altLang="en-US" sz="2100" dirty="0"/>
-              <a:t>万；</a:t>
-            </a:r>
-            <a:endParaRPr lang="en-US" altLang="zh-CN" sz="2100" dirty="0"/>
-          </a:p>
-          <a:p>
-            <a:pPr lvl="2"/>
-            <a:r>
-              <a:rPr lang="zh-CN" altLang="en-US" sz="2100" dirty="0"/>
-              <a:t>追踪器 ，追踪器市场以海外为主，</a:t>
-            </a:r>
-            <a:r>
-              <a:rPr lang="en-US" altLang="zh-CN" sz="2100" dirty="0"/>
-              <a:t>2018</a:t>
-            </a:r>
-            <a:r>
-              <a:rPr lang="zh-CN" altLang="en-US" sz="2100" dirty="0"/>
-              <a:t>市场出货</a:t>
-            </a:r>
-            <a:r>
-              <a:rPr lang="en-US" altLang="zh-CN" sz="2100" dirty="0"/>
-              <a:t>1.3</a:t>
-            </a:r>
-            <a:r>
-              <a:rPr lang="zh-CN" altLang="en-US" sz="2100" dirty="0"/>
-              <a:t>亿，</a:t>
-            </a:r>
-            <a:r>
-              <a:rPr lang="en-US" altLang="zh-CN" sz="2100" dirty="0"/>
-              <a:t>2019</a:t>
-            </a:r>
-            <a:r>
-              <a:rPr lang="zh-CN" altLang="en-US" sz="2100" dirty="0"/>
-              <a:t>市场出货</a:t>
-            </a:r>
-            <a:r>
-              <a:rPr lang="en-US" altLang="zh-CN" sz="2100" dirty="0"/>
-              <a:t>1.4</a:t>
-            </a:r>
-            <a:r>
-              <a:rPr lang="zh-CN" altLang="en-US" sz="2100" dirty="0"/>
-              <a:t>亿；</a:t>
-            </a:r>
-            <a:endParaRPr lang="en-US" altLang="zh-CN" sz="2100" dirty="0"/>
-          </a:p>
-          <a:p>
-            <a:pPr lvl="1"/>
-            <a:r>
-              <a:rPr lang="zh-CN" altLang="en-US" sz="2500" dirty="0"/>
-              <a:t>主要客户</a:t>
-            </a:r>
-            <a:endParaRPr lang="en-US" altLang="zh-CN" sz="2500" dirty="0"/>
-          </a:p>
-          <a:p>
-            <a:pPr lvl="2"/>
-            <a:r>
-              <a:rPr lang="zh-CN" altLang="en-US" sz="2100" dirty="0"/>
-              <a:t>小米、漫步者</a:t>
-            </a:r>
-          </a:p>
-        </p:txBody>
-      </p:sp>
-      <p:sp>
-        <p:nvSpPr>
-          <p:cNvPr id="4" name="内容占位符 2">
-            <a:extLst>
-              <a:ext uri="{FF2B5EF4-FFF2-40B4-BE49-F238E27FC236}">
-                <a16:creationId xmlns:a16="http://schemas.microsoft.com/office/drawing/2014/main" id="{9B13C352-FABF-9867-D3E3-131D3774531C}"/>
-              </a:ext>
-            </a:extLst>
-          </p:cNvPr>
-          <p:cNvSpPr txBox="1">
-            <a:spLocks/>
-          </p:cNvSpPr>
-          <p:nvPr/>
-        </p:nvSpPr>
-        <p:spPr>
-          <a:xfrm>
-            <a:off x="990600" y="1978025"/>
-            <a:ext cx="10515600" cy="4351338"/>
-          </a:xfrm>
-          <a:prstGeom prst="rect">
-            <a:avLst/>
-          </a:prstGeom>
-        </p:spPr>
-        <p:txBody>
-          <a:bodyPr vert="horz" lIns="91440" tIns="45720" rIns="91440" bIns="45720" rtlCol="0">
-            <a:normAutofit/>
-          </a:bodyPr>
-          <a:lstStyle>
-            <a:lvl1pPr marL="228600" indent="-228600" algn="l" defTabSz="914400" rtl="0" eaLnBrk="1" latinLnBrk="0" hangingPunct="1">
-              <a:lnSpc>
-                <a:spcPct val="90000"/>
-              </a:lnSpc>
-              <a:spcBef>
-                <a:spcPts val="1000"/>
-              </a:spcBef>
-              <a:buFont typeface="Arial" panose="020B0604020202020204" pitchFamily="34" charset="0"/>
-              <a:buChar char="•"/>
-              <a:defRPr sz="2800" kern="1200">
-                <a:solidFill>
-                  <a:schemeClr val="tx1"/>
-                </a:solidFill>
-                <a:latin typeface="+mn-lt"/>
-                <a:ea typeface="+mn-ea"/>
-                <a:cs typeface="+mn-cs"/>
-              </a:defRPr>
-            </a:lvl1pPr>
-            <a:lvl2pPr marL="685800" indent="-228600" algn="l" defTabSz="914400" rtl="0" eaLnBrk="1" latinLnBrk="0" hangingPunct="1">
-              <a:lnSpc>
-                <a:spcPct val="90000"/>
-              </a:lnSpc>
-              <a:spcBef>
-                <a:spcPts val="500"/>
-              </a:spcBef>
-              <a:buFont typeface="Arial" panose="020B0604020202020204" pitchFamily="34" charset="0"/>
-              <a:buChar char="•"/>
-              <a:defRPr sz="2400" kern="1200">
-                <a:solidFill>
-                  <a:schemeClr val="tx1"/>
-                </a:solidFill>
-                <a:latin typeface="+mn-lt"/>
-                <a:ea typeface="+mn-ea"/>
-                <a:cs typeface="+mn-cs"/>
-              </a:defRPr>
-            </a:lvl2pPr>
-            <a:lvl3pPr marL="1143000" indent="-228600" algn="l" defTabSz="914400" rtl="0" eaLnBrk="1" latinLnBrk="0" hangingPunct="1">
-              <a:lnSpc>
-                <a:spcPct val="90000"/>
-              </a:lnSpc>
-              <a:spcBef>
-                <a:spcPts val="500"/>
-              </a:spcBef>
-              <a:buFont typeface="Arial" panose="020B0604020202020204" pitchFamily="34" charset="0"/>
-              <a:buChar char="•"/>
-              <a:defRPr sz="2000" kern="1200">
-                <a:solidFill>
-                  <a:schemeClr val="tx1"/>
-                </a:solidFill>
-                <a:latin typeface="+mn-lt"/>
-                <a:ea typeface="+mn-ea"/>
-                <a:cs typeface="+mn-cs"/>
-              </a:defRPr>
-            </a:lvl3pPr>
-            <a:lvl4pPr marL="1600200" indent="-228600" algn="l" defTabSz="914400" rtl="0" eaLnBrk="1" latinLnBrk="0" hangingPunct="1">
-              <a:lnSpc>
-                <a:spcPct val="90000"/>
-              </a:lnSpc>
-              <a:spcBef>
-                <a:spcPts val="500"/>
-              </a:spcBef>
-              <a:buFont typeface="Arial" panose="020B0604020202020204" pitchFamily="34" charset="0"/>
-              <a:buChar char="•"/>
-              <a:defRPr sz="1800" kern="1200">
-                <a:solidFill>
-                  <a:schemeClr val="tx1"/>
-                </a:solidFill>
-                <a:latin typeface="+mn-lt"/>
-                <a:ea typeface="+mn-ea"/>
-                <a:cs typeface="+mn-cs"/>
-              </a:defRPr>
-            </a:lvl4pPr>
-            <a:lvl5pPr marL="2057400" indent="-228600" algn="l" defTabSz="914400" rtl="0" eaLnBrk="1" latinLnBrk="0" hangingPunct="1">
-              <a:lnSpc>
-                <a:spcPct val="90000"/>
-              </a:lnSpc>
-              <a:spcBef>
-                <a:spcPts val="500"/>
-              </a:spcBef>
-              <a:buFont typeface="Arial" panose="020B0604020202020204" pitchFamily="34" charset="0"/>
-              <a:buChar char="•"/>
-              <a:defRPr sz="1800" kern="1200">
-                <a:solidFill>
-                  <a:schemeClr val="tx1"/>
-                </a:solidFill>
-                <a:latin typeface="+mn-lt"/>
-                <a:ea typeface="+mn-ea"/>
-                <a:cs typeface="+mn-cs"/>
-              </a:defRPr>
-            </a:lvl5pPr>
-            <a:lvl6pPr marL="2514600" indent="-228600" algn="l" defTabSz="914400" rtl="0" eaLnBrk="1" latinLnBrk="0" hangingPunct="1">
-              <a:lnSpc>
-                <a:spcPct val="90000"/>
-              </a:lnSpc>
-              <a:spcBef>
-                <a:spcPts val="500"/>
-              </a:spcBef>
-              <a:buFont typeface="Arial" panose="020B0604020202020204" pitchFamily="34" charset="0"/>
-              <a:buChar char="•"/>
-              <a:defRPr sz="1800" kern="1200">
-                <a:solidFill>
-                  <a:schemeClr val="tx1"/>
-                </a:solidFill>
-                <a:latin typeface="+mn-lt"/>
-                <a:ea typeface="+mn-ea"/>
-                <a:cs typeface="+mn-cs"/>
-              </a:defRPr>
-            </a:lvl6pPr>
-            <a:lvl7pPr marL="2971800" indent="-228600" algn="l" defTabSz="914400" rtl="0" eaLnBrk="1" latinLnBrk="0" hangingPunct="1">
-              <a:lnSpc>
-                <a:spcPct val="90000"/>
-              </a:lnSpc>
-              <a:spcBef>
-                <a:spcPts val="500"/>
-              </a:spcBef>
-              <a:buFont typeface="Arial" panose="020B0604020202020204" pitchFamily="34" charset="0"/>
-              <a:buChar char="•"/>
-              <a:defRPr sz="1800" kern="1200">
-                <a:solidFill>
-                  <a:schemeClr val="tx1"/>
-                </a:solidFill>
-                <a:latin typeface="+mn-lt"/>
-                <a:ea typeface="+mn-ea"/>
-                <a:cs typeface="+mn-cs"/>
-              </a:defRPr>
-            </a:lvl7pPr>
-            <a:lvl8pPr marL="3429000" indent="-228600" algn="l" defTabSz="914400" rtl="0" eaLnBrk="1" latinLnBrk="0" hangingPunct="1">
-              <a:lnSpc>
-                <a:spcPct val="90000"/>
-              </a:lnSpc>
-              <a:spcBef>
-                <a:spcPts val="500"/>
-              </a:spcBef>
-              <a:buFont typeface="Arial" panose="020B0604020202020204" pitchFamily="34" charset="0"/>
-              <a:buChar char="•"/>
-              <a:defRPr sz="1800" kern="1200">
-                <a:solidFill>
-                  <a:schemeClr val="tx1"/>
-                </a:solidFill>
-                <a:latin typeface="+mn-lt"/>
-                <a:ea typeface="+mn-ea"/>
-                <a:cs typeface="+mn-cs"/>
-              </a:defRPr>
-            </a:lvl8pPr>
-            <a:lvl9pPr marL="3886200" indent="-228600" algn="l" defTabSz="914400" rtl="0" eaLnBrk="1" latinLnBrk="0" hangingPunct="1">
-              <a:lnSpc>
-                <a:spcPct val="90000"/>
-              </a:lnSpc>
-              <a:spcBef>
-                <a:spcPts val="500"/>
-              </a:spcBef>
-              <a:buFont typeface="Arial" panose="020B0604020202020204" pitchFamily="34" charset="0"/>
-              <a:buChar char="•"/>
-              <a:defRPr sz="1800" kern="1200">
-                <a:solidFill>
-                  <a:schemeClr val="tx1"/>
-                </a:solidFill>
-                <a:latin typeface="+mn-lt"/>
-                <a:ea typeface="+mn-ea"/>
-                <a:cs typeface="+mn-cs"/>
-              </a:defRPr>
-            </a:lvl9pPr>
-          </a:lstStyle>
-          <a:p>
-            <a:pPr marL="0" indent="0">
-              <a:buFont typeface="Arial" panose="020B0604020202020204" pitchFamily="34" charset="0"/>
-              <a:buNone/>
-            </a:pPr>
-            <a:endParaRPr lang="zh-CN" altLang="en-US" sz="1600" dirty="0"/>
-          </a:p>
-        </p:txBody>
-      </p:sp>
-      <p:pic>
-        <p:nvPicPr>
-          <p:cNvPr id="5" name="内容占位符 4">
-            <a:extLst>
-              <a:ext uri="{FF2B5EF4-FFF2-40B4-BE49-F238E27FC236}">
-                <a16:creationId xmlns:a16="http://schemas.microsoft.com/office/drawing/2014/main" id="{C3A236F6-7D3C-E16A-AD26-61FF3077AC7B}"/>
-              </a:ext>
-            </a:extLst>
-          </p:cNvPr>
-          <p:cNvPicPr>
-            <a:picLocks noChangeAspect="1"/>
-          </p:cNvPicPr>
-          <p:nvPr/>
-        </p:nvPicPr>
-        <p:blipFill>
-          <a:blip r:embed="rId2">
-            <a:extLst>
-              <a:ext uri="{28A0092B-C50C-407E-A947-70E740481C1C}">
-                <a14:useLocalDpi xmlns:a14="http://schemas.microsoft.com/office/drawing/2010/main" val="0"/>
-              </a:ext>
-            </a:extLst>
-          </a:blip>
-          <a:stretch>
-            <a:fillRect/>
-          </a:stretch>
-        </p:blipFill>
-        <p:spPr>
-          <a:xfrm>
-            <a:off x="8176847" y="1374421"/>
-            <a:ext cx="4015154" cy="2469359"/>
-          </a:xfrm>
-          <a:prstGeom prst="rect">
-            <a:avLst/>
-          </a:prstGeom>
-        </p:spPr>
-      </p:pic>
-    </p:spTree>
-    <p:extLst>
-      <p:ext uri="{BB962C8B-B14F-4D97-AF65-F5344CB8AC3E}">
-        <p14:creationId xmlns:p14="http://schemas.microsoft.com/office/powerpoint/2010/main" val="2250246380"/>
-      </p:ext>
-    </p:extLst>
-  </p:cSld>
-  <p:clrMapOvr>
-    <a:masterClrMapping/>
-  </p:clrMapOvr>
-</p:sld>
-</file>
-
-<file path=ppt/slides/slide11.xml><?xml version="1.0" encoding="utf-8"?>
-<p:sld xmlns:a="http://schemas.openxmlformats.org/drawingml/2006/main" xmlns:r="http://schemas.openxmlformats.org/officeDocument/2006/relationships" xmlns:p="http://schemas.openxmlformats.org/presentationml/2006/main">
-  <p:cSld>
-    <p:spTree>
-      <p:nvGrpSpPr>
-        <p:cNvPr id="1" name=""/>
-        <p:cNvGrpSpPr/>
-        <p:nvPr/>
-      </p:nvGrpSpPr>
-      <p:grpSpPr>
-        <a:xfrm>
-          <a:off x="0" y="0"/>
-          <a:ext cx="0" cy="0"/>
-          <a:chOff x="0" y="0"/>
-          <a:chExt cx="0" cy="0"/>
-        </a:xfrm>
-      </p:grpSpPr>
-      <p:sp>
-        <p:nvSpPr>
-          <p:cNvPr id="2" name="标题 1">
-            <a:extLst>
-              <a:ext uri="{FF2B5EF4-FFF2-40B4-BE49-F238E27FC236}">
                 <a16:creationId xmlns:a16="http://schemas.microsoft.com/office/drawing/2014/main" id="{5D91B373-4DA1-3F20-B3B7-5C29897E4235}"/>
               </a:ext>
             </a:extLst>
@@ -5193,7 +4469,7 @@
 </p:sld>
 </file>
 
-<file path=ppt/slides/slide12.xml><?xml version="1.0" encoding="utf-8"?>
+<file path=ppt/slides/slide11.xml><?xml version="1.0" encoding="utf-8"?>
 <p:sld xmlns:a="http://schemas.openxmlformats.org/drawingml/2006/main" xmlns:r="http://schemas.openxmlformats.org/officeDocument/2006/relationships" xmlns:p="http://schemas.openxmlformats.org/presentationml/2006/main">
   <p:cSld>
     <p:spTree>
@@ -5425,7 +4701,7 @@
 </p:sld>
 </file>
 
-<file path=ppt/slides/slide13.xml><?xml version="1.0" encoding="utf-8"?>
+<file path=ppt/slides/slide12.xml><?xml version="1.0" encoding="utf-8"?>
 <p:sld xmlns:a="http://schemas.openxmlformats.org/drawingml/2006/main" xmlns:r="http://schemas.openxmlformats.org/officeDocument/2006/relationships" xmlns:p="http://schemas.openxmlformats.org/presentationml/2006/main">
   <p:cSld>
     <p:spTree>
@@ -5847,7 +5123,7 @@
 </p:sld>
 </file>
 
-<file path=ppt/slides/slide14.xml><?xml version="1.0" encoding="utf-8"?>
+<file path=ppt/slides/slide13.xml><?xml version="1.0" encoding="utf-8"?>
 <p:sld xmlns:a="http://schemas.openxmlformats.org/drawingml/2006/main" xmlns:r="http://schemas.openxmlformats.org/officeDocument/2006/relationships" xmlns:p="http://schemas.openxmlformats.org/presentationml/2006/main">
   <p:cSld>
     <p:spTree>
@@ -6517,12 +5793,12 @@
         <p:spPr>
           <a:xfrm>
             <a:off x="7007469" y="1690688"/>
-            <a:ext cx="5029200" cy="4543253"/>
+            <a:ext cx="4545623" cy="4802187"/>
           </a:xfrm>
         </p:spPr>
         <p:txBody>
           <a:bodyPr>
-            <a:normAutofit/>
+            <a:normAutofit lnSpcReduction="10000"/>
           </a:bodyPr>
           <a:lstStyle/>
           <a:p>
@@ -6873,7 +6149,7 @@
           <p:nvPr>
             <p:extLst>
               <p:ext uri="{D42A27DB-BD31-4B8C-83A1-F6EECF244321}">
-                <p14:modId xmlns:p14="http://schemas.microsoft.com/office/powerpoint/2010/main" val="2826964109"/>
+                <p14:modId xmlns:p14="http://schemas.microsoft.com/office/powerpoint/2010/main" val="2293463224"/>
               </p:ext>
             </p:extLst>
           </p:nvPr>
@@ -7155,7 +6431,7 @@
                     <a:bodyPr/>
                     <a:lstStyle/>
                     <a:p>
-                      <a:pPr algn="l" fontAlgn="ctr"/>
+                      <a:pPr algn="ctr" fontAlgn="ctr"/>
                       <a:r>
                         <a:rPr lang="zh-CN" altLang="en-US" sz="1400" b="1" u="none" strike="noStrike" dirty="0">
                           <a:effectLst/>
@@ -7402,7 +6678,7 @@
                     <a:bodyPr/>
                     <a:lstStyle/>
                     <a:p>
-                      <a:pPr algn="l" fontAlgn="ctr"/>
+                      <a:pPr algn="ctr" fontAlgn="ctr"/>
                       <a:r>
                         <a:rPr lang="zh-CN" altLang="en-US" sz="1400" b="1" u="none" strike="noStrike" dirty="0">
                           <a:effectLst/>
@@ -7643,7 +6919,7 @@
                     <a:bodyPr/>
                     <a:lstStyle/>
                     <a:p>
-                      <a:pPr algn="l" fontAlgn="ctr"/>
+                      <a:pPr algn="ctr" fontAlgn="ctr"/>
                       <a:r>
                         <a:rPr lang="zh-CN" altLang="en-US" sz="1400" b="1" u="none" strike="noStrike" dirty="0">
                           <a:effectLst/>
@@ -7866,7 +7142,7 @@
                     <a:bodyPr/>
                     <a:lstStyle/>
                     <a:p>
-                      <a:pPr algn="l" fontAlgn="ctr"/>
+                      <a:pPr algn="ctr" fontAlgn="ctr"/>
                       <a:r>
                         <a:rPr lang="zh-CN" altLang="en-US" sz="1400" b="1" u="none" strike="noStrike" dirty="0">
                           <a:effectLst/>
@@ -8089,7 +7365,7 @@
                     <a:bodyPr/>
                     <a:lstStyle/>
                     <a:p>
-                      <a:pPr algn="l" fontAlgn="ctr"/>
+                      <a:pPr algn="ctr" fontAlgn="ctr"/>
                       <a:r>
                         <a:rPr lang="zh-CN" altLang="en-US" sz="1400" b="1" u="none" strike="noStrike" dirty="0">
                           <a:effectLst/>
@@ -8318,7 +7594,7 @@
                     <a:bodyPr/>
                     <a:lstStyle/>
                     <a:p>
-                      <a:pPr algn="l" fontAlgn="ctr"/>
+                      <a:pPr algn="ctr" fontAlgn="ctr"/>
                       <a:r>
                         <a:rPr lang="zh-CN" altLang="en-US" sz="1400" b="1" u="none" strike="noStrike" dirty="0">
                           <a:effectLst/>
@@ -8619,7 +7895,7 @@
                     <a:bodyPr/>
                     <a:lstStyle/>
                     <a:p>
-                      <a:pPr algn="l" fontAlgn="ctr"/>
+                      <a:pPr algn="ctr" fontAlgn="ctr"/>
                       <a:r>
                         <a:rPr lang="zh-CN" altLang="en-US" sz="1400" b="1" u="none" strike="noStrike" dirty="0">
                           <a:effectLst/>
@@ -8794,7 +8070,7 @@
                     <a:bodyPr/>
                     <a:lstStyle/>
                     <a:p>
-                      <a:pPr algn="l" fontAlgn="ctr"/>
+                      <a:pPr algn="ctr" fontAlgn="ctr"/>
                       <a:r>
                         <a:rPr lang="en-US" sz="1400" b="1" u="none" strike="noStrike" dirty="0">
                           <a:effectLst/>
@@ -9011,7 +8287,7 @@
                     <a:bodyPr/>
                     <a:lstStyle/>
                     <a:p>
-                      <a:pPr algn="l" fontAlgn="ctr"/>
+                      <a:pPr algn="ctr" fontAlgn="ctr"/>
                       <a:r>
                         <a:rPr lang="zh-CN" altLang="en-US" sz="1400" b="1" u="none" strike="noStrike" dirty="0">
                           <a:effectLst/>
@@ -9252,7 +8528,7 @@
                     <a:bodyPr/>
                     <a:lstStyle/>
                     <a:p>
-                      <a:pPr algn="l" fontAlgn="ctr"/>
+                      <a:pPr algn="ctr" fontAlgn="ctr"/>
                       <a:r>
                         <a:rPr lang="zh-CN" altLang="en-US" sz="1400" b="1" u="none" strike="noStrike" dirty="0">
                           <a:effectLst/>
@@ -9496,7 +8772,7 @@
           <a:p>
             <a:r>
               <a:rPr lang="zh-CN" altLang="en-US" b="1" dirty="0"/>
-              <a:t>瑞昱音频相关产品线情况 </a:t>
+              <a:t>瑞昱音频产品线</a:t>
             </a:r>
             <a:r>
               <a:rPr lang="en-US" altLang="zh-CN" b="1" dirty="0"/>
@@ -9619,7 +8895,27 @@
                 <a:effectLst/>
                 <a:latin typeface="PingFang SC"/>
               </a:rPr>
-              <a:t>瑞昱占据网卡和声卡市场超过</a:t>
+              <a:t>瑞昱占据</a:t>
+            </a:r>
+            <a:r>
+              <a:rPr lang="en-US" altLang="zh-CN" b="0" i="0" dirty="0">
+                <a:solidFill>
+                  <a:srgbClr val="333333"/>
+                </a:solidFill>
+                <a:effectLst/>
+                <a:latin typeface="PingFang SC"/>
+              </a:rPr>
+              <a:t>PC</a:t>
+            </a:r>
+            <a:r>
+              <a:rPr lang="zh-CN" altLang="en-US" b="0" i="0" dirty="0">
+                <a:solidFill>
+                  <a:srgbClr val="333333"/>
+                </a:solidFill>
+                <a:effectLst/>
+                <a:latin typeface="PingFang SC"/>
+              </a:rPr>
+              <a:t>网卡和声卡市场超过</a:t>
             </a:r>
             <a:r>
               <a:rPr lang="en-US" altLang="zh-CN" b="0" i="0" dirty="0">
@@ -9795,103 +9091,6 @@
 </file>
 
 <file path=ppt/slides/slide6.xml><?xml version="1.0" encoding="utf-8"?>
-<p:sld xmlns:a="http://schemas.openxmlformats.org/drawingml/2006/main" xmlns:r="http://schemas.openxmlformats.org/officeDocument/2006/relationships" xmlns:p="http://schemas.openxmlformats.org/presentationml/2006/main">
-  <p:cSld>
-    <p:spTree>
-      <p:nvGrpSpPr>
-        <p:cNvPr id="1" name=""/>
-        <p:cNvGrpSpPr/>
-        <p:nvPr/>
-      </p:nvGrpSpPr>
-      <p:grpSpPr>
-        <a:xfrm>
-          <a:off x="0" y="0"/>
-          <a:ext cx="0" cy="0"/>
-          <a:chOff x="0" y="0"/>
-          <a:chExt cx="0" cy="0"/>
-        </a:xfrm>
-      </p:grpSpPr>
-      <p:sp>
-        <p:nvSpPr>
-          <p:cNvPr id="2" name="标题 1">
-            <a:extLst>
-              <a:ext uri="{FF2B5EF4-FFF2-40B4-BE49-F238E27FC236}">
-                <a16:creationId xmlns:a16="http://schemas.microsoft.com/office/drawing/2014/main" id="{D31F25CB-930E-A67A-1833-D50C47409F1D}"/>
-              </a:ext>
-            </a:extLst>
-          </p:cNvPr>
-          <p:cNvSpPr>
-            <a:spLocks noGrp="1"/>
-          </p:cNvSpPr>
-          <p:nvPr>
-            <p:ph type="title"/>
-          </p:nvPr>
-        </p:nvSpPr>
-        <p:spPr/>
-        <p:txBody>
-          <a:bodyPr/>
-          <a:lstStyle/>
-          <a:p>
-            <a:r>
-              <a:rPr lang="en-US" altLang="zh-CN" dirty="0"/>
-              <a:t>Audio</a:t>
-            </a:r>
-            <a:r>
-              <a:rPr lang="zh-CN" altLang="en-US" dirty="0"/>
-              <a:t>芯片的对比</a:t>
-            </a:r>
-          </a:p>
-        </p:txBody>
-      </p:sp>
-      <p:pic>
-        <p:nvPicPr>
-          <p:cNvPr id="5" name="内容占位符 4">
-            <a:extLst>
-              <a:ext uri="{FF2B5EF4-FFF2-40B4-BE49-F238E27FC236}">
-                <a16:creationId xmlns:a16="http://schemas.microsoft.com/office/drawing/2014/main" id="{4F72D5FE-0101-C3AA-7865-E17052EACD12}"/>
-              </a:ext>
-            </a:extLst>
-          </p:cNvPr>
-          <p:cNvPicPr>
-            <a:picLocks noGrp="1" noChangeAspect="1"/>
-          </p:cNvPicPr>
-          <p:nvPr>
-            <p:ph idx="1"/>
-          </p:nvPr>
-        </p:nvPicPr>
-        <p:blipFill>
-          <a:blip r:embed="rId2">
-            <a:extLst>
-              <a:ext uri="{28A0092B-C50C-407E-A947-70E740481C1C}">
-                <a14:useLocalDpi xmlns:a14="http://schemas.microsoft.com/office/drawing/2010/main" val="0"/>
-              </a:ext>
-            </a:extLst>
-          </a:blip>
-          <a:stretch>
-            <a:fillRect/>
-          </a:stretch>
-        </p:blipFill>
-        <p:spPr>
-          <a:xfrm>
-            <a:off x="838200" y="2382573"/>
-            <a:ext cx="10515600" cy="3237441"/>
-          </a:xfrm>
-        </p:spPr>
-      </p:pic>
-    </p:spTree>
-    <p:extLst>
-      <p:ext uri="{BB962C8B-B14F-4D97-AF65-F5344CB8AC3E}">
-        <p14:creationId xmlns:p14="http://schemas.microsoft.com/office/powerpoint/2010/main" val="1347721371"/>
-      </p:ext>
-    </p:extLst>
-  </p:cSld>
-  <p:clrMapOvr>
-    <a:masterClrMapping/>
-  </p:clrMapOvr>
-</p:sld>
-</file>
-
-<file path=ppt/slides/slide7.xml><?xml version="1.0" encoding="utf-8"?>
 <p:sld xmlns:a="http://schemas.openxmlformats.org/drawingml/2006/main" xmlns:r="http://schemas.openxmlformats.org/officeDocument/2006/relationships" xmlns:p="http://schemas.openxmlformats.org/presentationml/2006/main">
   <p:cSld>
     <p:spTree>
@@ -10401,7 +9600,7 @@
 </p:sld>
 </file>
 
-<file path=ppt/slides/slide8.xml><?xml version="1.0" encoding="utf-8"?>
+<file path=ppt/slides/slide7.xml><?xml version="1.0" encoding="utf-8"?>
 <p:sld xmlns:a="http://schemas.openxmlformats.org/drawingml/2006/main" xmlns:r="http://schemas.openxmlformats.org/officeDocument/2006/relationships" xmlns:p="http://schemas.openxmlformats.org/presentationml/2006/main">
   <p:cSld>
     <p:spTree>
@@ -10516,7 +9715,67 @@
           <a:bodyPr/>
           <a:lstStyle/>
           <a:p>
-            <a:endParaRPr lang="zh-CN" altLang="en-US" dirty="0"/>
+            <a:r>
+              <a:rPr lang="en-US" altLang="zh-CN" dirty="0"/>
+              <a:t>USB</a:t>
+            </a:r>
+            <a:r>
+              <a:rPr lang="zh-CN" altLang="en-US" dirty="0"/>
+              <a:t>耳放系列应用，根据不同的受众，功能定位不一样，解决方案厂商也很多</a:t>
+            </a:r>
+            <a:endParaRPr lang="en-US" altLang="zh-CN" dirty="0"/>
+          </a:p>
+          <a:p>
+            <a:r>
+              <a:rPr lang="zh-CN" altLang="en-US" dirty="0"/>
+              <a:t>根据功能参数和受众，可以分为以下</a:t>
+            </a:r>
+            <a:r>
+              <a:rPr lang="en-US" altLang="zh-CN" dirty="0"/>
+              <a:t>3</a:t>
+            </a:r>
+            <a:r>
+              <a:rPr lang="zh-CN" altLang="en-US" dirty="0"/>
+              <a:t>类：</a:t>
+            </a:r>
+            <a:endParaRPr lang="en-US" altLang="zh-CN" dirty="0"/>
+          </a:p>
+          <a:p>
+            <a:pPr lvl="1"/>
+            <a:r>
+              <a:rPr lang="zh-CN" altLang="en-US" dirty="0"/>
+              <a:t>基础音频转换器：</a:t>
+            </a:r>
+            <a:r>
+              <a:rPr lang="en-US" altLang="zh-CN" dirty="0"/>
+              <a:t>USB</a:t>
+            </a:r>
+            <a:r>
+              <a:rPr lang="zh-CN" altLang="en-US" dirty="0"/>
+              <a:t>转</a:t>
+            </a:r>
+            <a:r>
+              <a:rPr lang="en-US" altLang="zh-CN" dirty="0"/>
+              <a:t>3.5mm</a:t>
+            </a:r>
+          </a:p>
+          <a:p>
+            <a:pPr lvl="1"/>
+            <a:endParaRPr lang="en-US" altLang="zh-CN" dirty="0"/>
+          </a:p>
+          <a:p>
+            <a:pPr lvl="1"/>
+            <a:endParaRPr lang="en-US" altLang="zh-CN" dirty="0"/>
+          </a:p>
+          <a:p>
+            <a:r>
+              <a:rPr lang="en-US" altLang="zh-CN" dirty="0"/>
+              <a:t>USB</a:t>
+            </a:r>
+            <a:r>
+              <a:rPr lang="zh-CN" altLang="en-US" dirty="0"/>
+              <a:t>耳放竞品分析见以下</a:t>
+            </a:r>
           </a:p>
         </p:txBody>
       </p:sp>
@@ -10533,7 +9792,7 @@
 </p:sld>
 </file>
 
-<file path=ppt/slides/slide9.xml><?xml version="1.0" encoding="utf-8"?>
+<file path=ppt/slides/slide8.xml><?xml version="1.0" encoding="utf-8"?>
 <p:sld xmlns:a="http://schemas.openxmlformats.org/drawingml/2006/main" xmlns:r="http://schemas.openxmlformats.org/officeDocument/2006/relationships" xmlns:p="http://schemas.openxmlformats.org/presentationml/2006/main">
   <p:cSld>
     <p:spTree>
@@ -10780,6 +10039,728 @@
     <p:extLst>
       <p:ext uri="{BB962C8B-B14F-4D97-AF65-F5344CB8AC3E}">
         <p14:creationId xmlns:p14="http://schemas.microsoft.com/office/powerpoint/2010/main" val="1234028764"/>
+      </p:ext>
+    </p:extLst>
+  </p:cSld>
+  <p:clrMapOvr>
+    <a:masterClrMapping/>
+  </p:clrMapOvr>
+</p:sld>
+</file>
+
+<file path=ppt/slides/slide9.xml><?xml version="1.0" encoding="utf-8"?>
+<p:sld xmlns:a="http://schemas.openxmlformats.org/drawingml/2006/main" xmlns:r="http://schemas.openxmlformats.org/officeDocument/2006/relationships" xmlns:p="http://schemas.openxmlformats.org/presentationml/2006/main">
+  <p:cSld>
+    <p:spTree>
+      <p:nvGrpSpPr>
+        <p:cNvPr id="1" name=""/>
+        <p:cNvGrpSpPr/>
+        <p:nvPr/>
+      </p:nvGrpSpPr>
+      <p:grpSpPr>
+        <a:xfrm>
+          <a:off x="0" y="0"/>
+          <a:ext cx="0" cy="0"/>
+          <a:chOff x="0" y="0"/>
+          <a:chExt cx="0" cy="0"/>
+        </a:xfrm>
+      </p:grpSpPr>
+      <p:sp>
+        <p:nvSpPr>
+          <p:cNvPr id="2" name="标题 1">
+            <a:extLst>
+              <a:ext uri="{FF2B5EF4-FFF2-40B4-BE49-F238E27FC236}">
+                <a16:creationId xmlns:a16="http://schemas.microsoft.com/office/drawing/2014/main" id="{9F503F54-AB57-4AFF-2C4B-5AA15A1392C1}"/>
+              </a:ext>
+            </a:extLst>
+          </p:cNvPr>
+          <p:cNvSpPr>
+            <a:spLocks noGrp="1"/>
+          </p:cNvSpPr>
+          <p:nvPr>
+            <p:ph type="title"/>
+          </p:nvPr>
+        </p:nvSpPr>
+        <p:spPr/>
+        <p:txBody>
+          <a:bodyPr/>
+          <a:lstStyle/>
+          <a:p>
+            <a:r>
+              <a:rPr lang="zh-CN" altLang="en-US" b="1" dirty="0"/>
+              <a:t>瑞昱音频相关产品线情况 </a:t>
+            </a:r>
+            <a:r>
+              <a:rPr lang="en-US" altLang="zh-CN" b="1" dirty="0"/>
+              <a:t>—</a:t>
+            </a:r>
+            <a:r>
+              <a:rPr lang="zh-CN" altLang="en-US" b="1" dirty="0"/>
+              <a:t> 蓝牙</a:t>
+            </a:r>
+          </a:p>
+        </p:txBody>
+      </p:sp>
+      <p:sp>
+        <p:nvSpPr>
+          <p:cNvPr id="3" name="内容占位符 2">
+            <a:extLst>
+              <a:ext uri="{FF2B5EF4-FFF2-40B4-BE49-F238E27FC236}">
+                <a16:creationId xmlns:a16="http://schemas.microsoft.com/office/drawing/2014/main" id="{6A3F4699-1CB3-6603-26C3-D86811A06FEB}"/>
+              </a:ext>
+            </a:extLst>
+          </p:cNvPr>
+          <p:cNvSpPr>
+            <a:spLocks noGrp="1"/>
+          </p:cNvSpPr>
+          <p:nvPr>
+            <p:ph idx="1"/>
+          </p:nvPr>
+        </p:nvSpPr>
+        <p:spPr/>
+        <p:txBody>
+          <a:bodyPr>
+            <a:normAutofit fontScale="92500" lnSpcReduction="20000"/>
+          </a:bodyPr>
+          <a:lstStyle/>
+          <a:p>
+            <a:r>
+              <a:rPr lang="zh-CN" altLang="en-US" dirty="0"/>
+              <a:t>蓝牙</a:t>
+            </a:r>
+            <a:endParaRPr lang="en-US" altLang="zh-CN" dirty="0"/>
+          </a:p>
+          <a:p>
+            <a:pPr lvl="1"/>
+            <a:r>
+              <a:rPr lang="zh-CN" altLang="en-US" dirty="0"/>
+              <a:t>主要应用在</a:t>
+            </a:r>
+            <a:r>
+              <a:rPr lang="en-US" altLang="zh-CN" dirty="0"/>
+              <a:t>TWS</a:t>
+            </a:r>
+            <a:r>
+              <a:rPr lang="zh-CN" altLang="en-US" dirty="0"/>
+              <a:t>耳机</a:t>
+            </a:r>
+            <a:endParaRPr lang="en-US" altLang="zh-CN" dirty="0"/>
+          </a:p>
+          <a:p>
+            <a:pPr lvl="2"/>
+            <a:r>
+              <a:rPr lang="zh-CN" altLang="en-US" dirty="0"/>
+              <a:t>销量占比：</a:t>
+            </a:r>
+            <a:endParaRPr lang="en-US" altLang="zh-CN" dirty="0"/>
+          </a:p>
+          <a:p>
+            <a:pPr lvl="2"/>
+            <a:r>
+              <a:rPr lang="zh-CN" altLang="en-US" b="0" i="0" dirty="0">
+                <a:solidFill>
+                  <a:srgbClr val="333333"/>
+                </a:solidFill>
+                <a:effectLst/>
+                <a:latin typeface="PingFang SC"/>
+              </a:rPr>
+              <a:t>市场份额占比：</a:t>
+            </a:r>
+            <a:endParaRPr lang="en-US" altLang="zh-CN" b="0" i="0" dirty="0">
+              <a:solidFill>
+                <a:srgbClr val="333333"/>
+              </a:solidFill>
+              <a:effectLst/>
+              <a:latin typeface="PingFang SC"/>
+            </a:endParaRPr>
+          </a:p>
+          <a:p>
+            <a:pPr lvl="2"/>
+            <a:r>
+              <a:rPr lang="zh-CN" altLang="en-US" dirty="0"/>
+              <a:t>竞争对手：</a:t>
+            </a:r>
+            <a:endParaRPr lang="en-US" altLang="zh-CN" dirty="0"/>
+          </a:p>
+          <a:p>
+            <a:pPr lvl="1"/>
+            <a:r>
+              <a:rPr lang="zh-CN" altLang="en-US" dirty="0">
+                <a:solidFill>
+                  <a:srgbClr val="4D4D4D"/>
+                </a:solidFill>
+                <a:latin typeface="-apple-system"/>
+              </a:rPr>
+              <a:t>蓝牙产品线主攻的市场</a:t>
+            </a:r>
+            <a:endParaRPr lang="en-US" altLang="zh-CN" sz="2800" dirty="0">
+              <a:solidFill>
+                <a:srgbClr val="4D4D4D"/>
+              </a:solidFill>
+              <a:latin typeface="-apple-system"/>
+            </a:endParaRPr>
+          </a:p>
+          <a:p>
+            <a:pPr lvl="2"/>
+            <a:r>
+              <a:rPr lang="zh-CN" altLang="en-US" dirty="0"/>
+              <a:t>蓝牙遥控器 ，这是一个亿级市场，</a:t>
+            </a:r>
+            <a:r>
+              <a:rPr lang="en-US" altLang="zh-CN" dirty="0"/>
+              <a:t>2018</a:t>
+            </a:r>
+            <a:r>
+              <a:rPr lang="zh-CN" altLang="en-US" dirty="0"/>
+              <a:t>市场出货</a:t>
+            </a:r>
+            <a:r>
+              <a:rPr lang="en-US" altLang="zh-CN" dirty="0"/>
+              <a:t>1.3</a:t>
+            </a:r>
+            <a:r>
+              <a:rPr lang="zh-CN" altLang="en-US" dirty="0"/>
+              <a:t>亿颗，</a:t>
+            </a:r>
+            <a:r>
+              <a:rPr lang="en-US" altLang="zh-CN" dirty="0"/>
+              <a:t>2019</a:t>
+            </a:r>
+            <a:r>
+              <a:rPr lang="zh-CN" altLang="en-US" dirty="0"/>
+              <a:t>市场出货</a:t>
+            </a:r>
+            <a:r>
+              <a:rPr lang="en-US" altLang="zh-CN" dirty="0"/>
+              <a:t>1.6</a:t>
+            </a:r>
+            <a:r>
+              <a:rPr lang="zh-CN" altLang="en-US" dirty="0"/>
+              <a:t>亿颗；</a:t>
+            </a:r>
+            <a:endParaRPr lang="en-US" altLang="zh-CN" dirty="0"/>
+          </a:p>
+          <a:p>
+            <a:pPr lvl="2"/>
+            <a:r>
+              <a:rPr lang="en-US" altLang="zh-CN" sz="2100" dirty="0"/>
+              <a:t>HID</a:t>
+            </a:r>
+            <a:r>
+              <a:rPr lang="zh-CN" altLang="en-US" sz="2100" dirty="0"/>
+              <a:t>设备</a:t>
+            </a:r>
+            <a:r>
+              <a:rPr lang="en-US" altLang="zh-CN" sz="2100" dirty="0"/>
+              <a:t>(</a:t>
+            </a:r>
+            <a:r>
+              <a:rPr lang="zh-CN" altLang="en-US" sz="2100" dirty="0"/>
+              <a:t>鼠标，键盘等</a:t>
+            </a:r>
+            <a:r>
+              <a:rPr lang="en-US" altLang="zh-CN" sz="2100" dirty="0"/>
+              <a:t>) </a:t>
+            </a:r>
+            <a:r>
+              <a:rPr lang="zh-CN" altLang="en-US" sz="2100" dirty="0"/>
+              <a:t>，</a:t>
+            </a:r>
+            <a:r>
+              <a:rPr lang="en-US" altLang="zh-CN" sz="2100" dirty="0"/>
+              <a:t>2018</a:t>
+            </a:r>
+            <a:r>
+              <a:rPr lang="zh-CN" altLang="en-US" sz="2100" dirty="0"/>
+              <a:t>市场出货</a:t>
+            </a:r>
+            <a:r>
+              <a:rPr lang="en-US" altLang="zh-CN" sz="2100" dirty="0"/>
+              <a:t>5300</a:t>
+            </a:r>
+            <a:r>
+              <a:rPr lang="zh-CN" altLang="en-US" sz="2100" dirty="0"/>
+              <a:t>万颗，</a:t>
+            </a:r>
+            <a:r>
+              <a:rPr lang="en-US" altLang="zh-CN" sz="2100" dirty="0"/>
+              <a:t>2019</a:t>
+            </a:r>
+            <a:r>
+              <a:rPr lang="zh-CN" altLang="en-US" sz="2100" dirty="0"/>
+              <a:t>市场出货</a:t>
+            </a:r>
+            <a:r>
+              <a:rPr lang="en-US" altLang="zh-CN" sz="2100" dirty="0"/>
+              <a:t>6530</a:t>
+            </a:r>
+            <a:r>
+              <a:rPr lang="zh-CN" altLang="en-US" sz="2100" dirty="0"/>
+              <a:t>万颗；</a:t>
+            </a:r>
+            <a:endParaRPr lang="en-US" altLang="zh-CN" sz="2100" dirty="0"/>
+          </a:p>
+          <a:p>
+            <a:pPr lvl="2"/>
+            <a:r>
+              <a:rPr lang="en-US" altLang="zh-CN" sz="2100" dirty="0"/>
+              <a:t>BLE </a:t>
+            </a:r>
+            <a:r>
+              <a:rPr lang="zh-CN" altLang="en-US" sz="2100" dirty="0"/>
+              <a:t>照明，</a:t>
+            </a:r>
+            <a:r>
+              <a:rPr lang="en-US" altLang="zh-CN" sz="2100" dirty="0"/>
+              <a:t>2018</a:t>
+            </a:r>
+            <a:r>
+              <a:rPr lang="zh-CN" altLang="en-US" sz="2100" dirty="0"/>
+              <a:t>市场出货</a:t>
+            </a:r>
+            <a:r>
+              <a:rPr lang="en-US" altLang="zh-CN" sz="2100" dirty="0"/>
+              <a:t>1000</a:t>
+            </a:r>
+            <a:r>
+              <a:rPr lang="zh-CN" altLang="en-US" sz="2100" dirty="0"/>
+              <a:t>万，</a:t>
+            </a:r>
+            <a:r>
+              <a:rPr lang="en-US" altLang="zh-CN" sz="2100" dirty="0"/>
+              <a:t>2019</a:t>
+            </a:r>
+            <a:r>
+              <a:rPr lang="zh-CN" altLang="en-US" sz="2100" dirty="0"/>
+              <a:t>市场出货</a:t>
+            </a:r>
+            <a:r>
+              <a:rPr lang="en-US" altLang="zh-CN" sz="2100" dirty="0"/>
+              <a:t>2300</a:t>
+            </a:r>
+            <a:r>
+              <a:rPr lang="zh-CN" altLang="en-US" sz="2100" dirty="0"/>
+              <a:t>万；</a:t>
+            </a:r>
+            <a:endParaRPr lang="en-US" altLang="zh-CN" sz="2100" dirty="0"/>
+          </a:p>
+          <a:p>
+            <a:pPr lvl="2"/>
+            <a:r>
+              <a:rPr lang="zh-CN" altLang="en-US" sz="2100" dirty="0">
+                <a:solidFill>
+                  <a:srgbClr val="FF0000"/>
+                </a:solidFill>
+              </a:rPr>
+              <a:t>耳机 ，整个耳机市场，</a:t>
+            </a:r>
+            <a:r>
+              <a:rPr lang="en-US" altLang="zh-CN" sz="2100" dirty="0">
+                <a:solidFill>
+                  <a:srgbClr val="FF0000"/>
+                </a:solidFill>
+              </a:rPr>
+              <a:t>2018</a:t>
+            </a:r>
+            <a:r>
+              <a:rPr lang="zh-CN" altLang="en-US" sz="2100" dirty="0">
+                <a:solidFill>
+                  <a:srgbClr val="FF0000"/>
+                </a:solidFill>
+              </a:rPr>
+              <a:t>市场出货</a:t>
+            </a:r>
+            <a:r>
+              <a:rPr lang="en-US" altLang="zh-CN" sz="2100" dirty="0">
+                <a:solidFill>
+                  <a:srgbClr val="FF0000"/>
+                </a:solidFill>
+              </a:rPr>
+              <a:t>7.1</a:t>
+            </a:r>
+            <a:r>
+              <a:rPr lang="zh-CN" altLang="en-US" sz="2100" dirty="0">
+                <a:solidFill>
+                  <a:srgbClr val="FF0000"/>
+                </a:solidFill>
+              </a:rPr>
+              <a:t>亿，</a:t>
+            </a:r>
+            <a:r>
+              <a:rPr lang="en-US" altLang="zh-CN" sz="2100" dirty="0">
+                <a:solidFill>
+                  <a:srgbClr val="FF0000"/>
+                </a:solidFill>
+              </a:rPr>
+              <a:t>2019</a:t>
+            </a:r>
+            <a:r>
+              <a:rPr lang="zh-CN" altLang="en-US" sz="2100" dirty="0">
+                <a:solidFill>
+                  <a:srgbClr val="FF0000"/>
+                </a:solidFill>
+              </a:rPr>
+              <a:t>市场出货</a:t>
+            </a:r>
+            <a:r>
+              <a:rPr lang="en-US" altLang="zh-CN" sz="2100" dirty="0">
+                <a:solidFill>
+                  <a:srgbClr val="FF0000"/>
+                </a:solidFill>
+              </a:rPr>
+              <a:t>11.9</a:t>
+            </a:r>
+            <a:r>
+              <a:rPr lang="zh-CN" altLang="en-US" sz="2100" dirty="0">
+                <a:solidFill>
+                  <a:srgbClr val="FF0000"/>
+                </a:solidFill>
+              </a:rPr>
+              <a:t>亿；</a:t>
+            </a:r>
+            <a:endParaRPr lang="en-US" altLang="zh-CN" sz="2100" dirty="0">
+              <a:solidFill>
+                <a:srgbClr val="FF0000"/>
+              </a:solidFill>
+            </a:endParaRPr>
+          </a:p>
+          <a:p>
+            <a:pPr lvl="2"/>
+            <a:r>
+              <a:rPr lang="zh-CN" altLang="en-US" sz="2100" dirty="0"/>
+              <a:t>智能手表 ，</a:t>
+            </a:r>
+            <a:r>
+              <a:rPr lang="en-US" altLang="zh-CN" sz="2100" dirty="0"/>
+              <a:t>2018</a:t>
+            </a:r>
+            <a:r>
+              <a:rPr lang="zh-CN" altLang="en-US" sz="2100" dirty="0"/>
+              <a:t>市场出货</a:t>
+            </a:r>
+            <a:r>
+              <a:rPr lang="en-US" altLang="zh-CN" sz="2100" dirty="0"/>
+              <a:t>8000</a:t>
+            </a:r>
+            <a:r>
+              <a:rPr lang="zh-CN" altLang="en-US" sz="2100" dirty="0"/>
+              <a:t>万，</a:t>
+            </a:r>
+            <a:r>
+              <a:rPr lang="en-US" altLang="zh-CN" sz="2100" dirty="0"/>
+              <a:t>2019</a:t>
+            </a:r>
+            <a:r>
+              <a:rPr lang="zh-CN" altLang="en-US" sz="2100" dirty="0"/>
+              <a:t>市场出货</a:t>
+            </a:r>
+            <a:r>
+              <a:rPr lang="en-US" altLang="zh-CN" sz="2100" dirty="0"/>
+              <a:t>10,000</a:t>
+            </a:r>
+            <a:r>
+              <a:rPr lang="zh-CN" altLang="en-US" sz="2100" dirty="0"/>
+              <a:t>万；</a:t>
+            </a:r>
+            <a:endParaRPr lang="en-US" altLang="zh-CN" sz="2100" dirty="0"/>
+          </a:p>
+          <a:p>
+            <a:pPr lvl="2"/>
+            <a:r>
+              <a:rPr lang="zh-CN" altLang="en-US" sz="2100" dirty="0"/>
+              <a:t>追踪器 ，追踪器市场以海外为主，</a:t>
+            </a:r>
+            <a:r>
+              <a:rPr lang="en-US" altLang="zh-CN" sz="2100" dirty="0"/>
+              <a:t>2018</a:t>
+            </a:r>
+            <a:r>
+              <a:rPr lang="zh-CN" altLang="en-US" sz="2100" dirty="0"/>
+              <a:t>市场出货</a:t>
+            </a:r>
+            <a:r>
+              <a:rPr lang="en-US" altLang="zh-CN" sz="2100" dirty="0"/>
+              <a:t>1.3</a:t>
+            </a:r>
+            <a:r>
+              <a:rPr lang="zh-CN" altLang="en-US" sz="2100" dirty="0"/>
+              <a:t>亿，</a:t>
+            </a:r>
+            <a:r>
+              <a:rPr lang="en-US" altLang="zh-CN" sz="2100" dirty="0"/>
+              <a:t>2019</a:t>
+            </a:r>
+            <a:r>
+              <a:rPr lang="zh-CN" altLang="en-US" sz="2100" dirty="0"/>
+              <a:t>市场出货</a:t>
+            </a:r>
+            <a:r>
+              <a:rPr lang="en-US" altLang="zh-CN" sz="2100" dirty="0"/>
+              <a:t>1.4</a:t>
+            </a:r>
+            <a:r>
+              <a:rPr lang="zh-CN" altLang="en-US" sz="2100" dirty="0"/>
+              <a:t>亿；</a:t>
+            </a:r>
+            <a:endParaRPr lang="en-US" altLang="zh-CN" sz="2100" dirty="0"/>
+          </a:p>
+          <a:p>
+            <a:pPr lvl="1"/>
+            <a:r>
+              <a:rPr lang="zh-CN" altLang="en-US" sz="2500" dirty="0"/>
+              <a:t>主要客户</a:t>
+            </a:r>
+            <a:endParaRPr lang="en-US" altLang="zh-CN" sz="2500" dirty="0"/>
+          </a:p>
+          <a:p>
+            <a:pPr lvl="2"/>
+            <a:r>
+              <a:rPr lang="zh-CN" altLang="en-US" sz="2100" dirty="0"/>
+              <a:t>小米、漫步者</a:t>
+            </a:r>
+          </a:p>
+        </p:txBody>
+      </p:sp>
+      <p:sp>
+        <p:nvSpPr>
+          <p:cNvPr id="4" name="内容占位符 2">
+            <a:extLst>
+              <a:ext uri="{FF2B5EF4-FFF2-40B4-BE49-F238E27FC236}">
+                <a16:creationId xmlns:a16="http://schemas.microsoft.com/office/drawing/2014/main" id="{9B13C352-FABF-9867-D3E3-131D3774531C}"/>
+              </a:ext>
+            </a:extLst>
+          </p:cNvPr>
+          <p:cNvSpPr txBox="1">
+            <a:spLocks/>
+          </p:cNvSpPr>
+          <p:nvPr/>
+        </p:nvSpPr>
+        <p:spPr>
+          <a:xfrm>
+            <a:off x="990600" y="1978025"/>
+            <a:ext cx="10515600" cy="4351338"/>
+          </a:xfrm>
+          <a:prstGeom prst="rect">
+            <a:avLst/>
+          </a:prstGeom>
+        </p:spPr>
+        <p:txBody>
+          <a:bodyPr vert="horz" lIns="91440" tIns="45720" rIns="91440" bIns="45720" rtlCol="0">
+            <a:normAutofit/>
+          </a:bodyPr>
+          <a:lstStyle>
+            <a:lvl1pPr marL="228600" indent="-228600" algn="l" defTabSz="914400" rtl="0" eaLnBrk="1" latinLnBrk="0" hangingPunct="1">
+              <a:lnSpc>
+                <a:spcPct val="90000"/>
+              </a:lnSpc>
+              <a:spcBef>
+                <a:spcPts val="1000"/>
+              </a:spcBef>
+              <a:buFont typeface="Arial" panose="020B0604020202020204" pitchFamily="34" charset="0"/>
+              <a:buChar char="•"/>
+              <a:defRPr sz="2800" kern="1200">
+                <a:solidFill>
+                  <a:schemeClr val="tx1"/>
+                </a:solidFill>
+                <a:latin typeface="+mn-lt"/>
+                <a:ea typeface="+mn-ea"/>
+                <a:cs typeface="+mn-cs"/>
+              </a:defRPr>
+            </a:lvl1pPr>
+            <a:lvl2pPr marL="685800" indent="-228600" algn="l" defTabSz="914400" rtl="0" eaLnBrk="1" latinLnBrk="0" hangingPunct="1">
+              <a:lnSpc>
+                <a:spcPct val="90000"/>
+              </a:lnSpc>
+              <a:spcBef>
+                <a:spcPts val="500"/>
+              </a:spcBef>
+              <a:buFont typeface="Arial" panose="020B0604020202020204" pitchFamily="34" charset="0"/>
+              <a:buChar char="•"/>
+              <a:defRPr sz="2400" kern="1200">
+                <a:solidFill>
+                  <a:schemeClr val="tx1"/>
+                </a:solidFill>
+                <a:latin typeface="+mn-lt"/>
+                <a:ea typeface="+mn-ea"/>
+                <a:cs typeface="+mn-cs"/>
+              </a:defRPr>
+            </a:lvl2pPr>
+            <a:lvl3pPr marL="1143000" indent="-228600" algn="l" defTabSz="914400" rtl="0" eaLnBrk="1" latinLnBrk="0" hangingPunct="1">
+              <a:lnSpc>
+                <a:spcPct val="90000"/>
+              </a:lnSpc>
+              <a:spcBef>
+                <a:spcPts val="500"/>
+              </a:spcBef>
+              <a:buFont typeface="Arial" panose="020B0604020202020204" pitchFamily="34" charset="0"/>
+              <a:buChar char="•"/>
+              <a:defRPr sz="2000" kern="1200">
+                <a:solidFill>
+                  <a:schemeClr val="tx1"/>
+                </a:solidFill>
+                <a:latin typeface="+mn-lt"/>
+                <a:ea typeface="+mn-ea"/>
+                <a:cs typeface="+mn-cs"/>
+              </a:defRPr>
+            </a:lvl3pPr>
+            <a:lvl4pPr marL="1600200" indent="-228600" algn="l" defTabSz="914400" rtl="0" eaLnBrk="1" latinLnBrk="0" hangingPunct="1">
+              <a:lnSpc>
+                <a:spcPct val="90000"/>
+              </a:lnSpc>
+              <a:spcBef>
+                <a:spcPts val="500"/>
+              </a:spcBef>
+              <a:buFont typeface="Arial" panose="020B0604020202020204" pitchFamily="34" charset="0"/>
+              <a:buChar char="•"/>
+              <a:defRPr sz="1800" kern="1200">
+                <a:solidFill>
+                  <a:schemeClr val="tx1"/>
+                </a:solidFill>
+                <a:latin typeface="+mn-lt"/>
+                <a:ea typeface="+mn-ea"/>
+                <a:cs typeface="+mn-cs"/>
+              </a:defRPr>
+            </a:lvl4pPr>
+            <a:lvl5pPr marL="2057400" indent="-228600" algn="l" defTabSz="914400" rtl="0" eaLnBrk="1" latinLnBrk="0" hangingPunct="1">
+              <a:lnSpc>
+                <a:spcPct val="90000"/>
+              </a:lnSpc>
+              <a:spcBef>
+                <a:spcPts val="500"/>
+              </a:spcBef>
+              <a:buFont typeface="Arial" panose="020B0604020202020204" pitchFamily="34" charset="0"/>
+              <a:buChar char="•"/>
+              <a:defRPr sz="1800" kern="1200">
+                <a:solidFill>
+                  <a:schemeClr val="tx1"/>
+                </a:solidFill>
+                <a:latin typeface="+mn-lt"/>
+                <a:ea typeface="+mn-ea"/>
+                <a:cs typeface="+mn-cs"/>
+              </a:defRPr>
+            </a:lvl5pPr>
+            <a:lvl6pPr marL="2514600" indent="-228600" algn="l" defTabSz="914400" rtl="0" eaLnBrk="1" latinLnBrk="0" hangingPunct="1">
+              <a:lnSpc>
+                <a:spcPct val="90000"/>
+              </a:lnSpc>
+              <a:spcBef>
+                <a:spcPts val="500"/>
+              </a:spcBef>
+              <a:buFont typeface="Arial" panose="020B0604020202020204" pitchFamily="34" charset="0"/>
+              <a:buChar char="•"/>
+              <a:defRPr sz="1800" kern="1200">
+                <a:solidFill>
+                  <a:schemeClr val="tx1"/>
+                </a:solidFill>
+                <a:latin typeface="+mn-lt"/>
+                <a:ea typeface="+mn-ea"/>
+                <a:cs typeface="+mn-cs"/>
+              </a:defRPr>
+            </a:lvl6pPr>
+            <a:lvl7pPr marL="2971800" indent="-228600" algn="l" defTabSz="914400" rtl="0" eaLnBrk="1" latinLnBrk="0" hangingPunct="1">
+              <a:lnSpc>
+                <a:spcPct val="90000"/>
+              </a:lnSpc>
+              <a:spcBef>
+                <a:spcPts val="500"/>
+              </a:spcBef>
+              <a:buFont typeface="Arial" panose="020B0604020202020204" pitchFamily="34" charset="0"/>
+              <a:buChar char="•"/>
+              <a:defRPr sz="1800" kern="1200">
+                <a:solidFill>
+                  <a:schemeClr val="tx1"/>
+                </a:solidFill>
+                <a:latin typeface="+mn-lt"/>
+                <a:ea typeface="+mn-ea"/>
+                <a:cs typeface="+mn-cs"/>
+              </a:defRPr>
+            </a:lvl7pPr>
+            <a:lvl8pPr marL="3429000" indent="-228600" algn="l" defTabSz="914400" rtl="0" eaLnBrk="1" latinLnBrk="0" hangingPunct="1">
+              <a:lnSpc>
+                <a:spcPct val="90000"/>
+              </a:lnSpc>
+              <a:spcBef>
+                <a:spcPts val="500"/>
+              </a:spcBef>
+              <a:buFont typeface="Arial" panose="020B0604020202020204" pitchFamily="34" charset="0"/>
+              <a:buChar char="•"/>
+              <a:defRPr sz="1800" kern="1200">
+                <a:solidFill>
+                  <a:schemeClr val="tx1"/>
+                </a:solidFill>
+                <a:latin typeface="+mn-lt"/>
+                <a:ea typeface="+mn-ea"/>
+                <a:cs typeface="+mn-cs"/>
+              </a:defRPr>
+            </a:lvl8pPr>
+            <a:lvl9pPr marL="3886200" indent="-228600" algn="l" defTabSz="914400" rtl="0" eaLnBrk="1" latinLnBrk="0" hangingPunct="1">
+              <a:lnSpc>
+                <a:spcPct val="90000"/>
+              </a:lnSpc>
+              <a:spcBef>
+                <a:spcPts val="500"/>
+              </a:spcBef>
+              <a:buFont typeface="Arial" panose="020B0604020202020204" pitchFamily="34" charset="0"/>
+              <a:buChar char="•"/>
+              <a:defRPr sz="1800" kern="1200">
+                <a:solidFill>
+                  <a:schemeClr val="tx1"/>
+                </a:solidFill>
+                <a:latin typeface="+mn-lt"/>
+                <a:ea typeface="+mn-ea"/>
+                <a:cs typeface="+mn-cs"/>
+              </a:defRPr>
+            </a:lvl9pPr>
+          </a:lstStyle>
+          <a:p>
+            <a:pPr marL="0" indent="0">
+              <a:buFont typeface="Arial" panose="020B0604020202020204" pitchFamily="34" charset="0"/>
+              <a:buNone/>
+            </a:pPr>
+            <a:endParaRPr lang="zh-CN" altLang="en-US" sz="1600" dirty="0"/>
+          </a:p>
+        </p:txBody>
+      </p:sp>
+      <p:pic>
+        <p:nvPicPr>
+          <p:cNvPr id="5" name="内容占位符 4">
+            <a:extLst>
+              <a:ext uri="{FF2B5EF4-FFF2-40B4-BE49-F238E27FC236}">
+                <a16:creationId xmlns:a16="http://schemas.microsoft.com/office/drawing/2014/main" id="{C3A236F6-7D3C-E16A-AD26-61FF3077AC7B}"/>
+              </a:ext>
+            </a:extLst>
+          </p:cNvPr>
+          <p:cNvPicPr>
+            <a:picLocks noChangeAspect="1"/>
+          </p:cNvPicPr>
+          <p:nvPr/>
+        </p:nvPicPr>
+        <p:blipFill>
+          <a:blip r:embed="rId2">
+            <a:extLst>
+              <a:ext uri="{28A0092B-C50C-407E-A947-70E740481C1C}">
+                <a14:useLocalDpi xmlns:a14="http://schemas.microsoft.com/office/drawing/2010/main" val="0"/>
+              </a:ext>
+            </a:extLst>
+          </a:blip>
+          <a:stretch>
+            <a:fillRect/>
+          </a:stretch>
+        </p:blipFill>
+        <p:spPr>
+          <a:xfrm>
+            <a:off x="8176847" y="1374421"/>
+            <a:ext cx="4015154" cy="2469359"/>
+          </a:xfrm>
+          <a:prstGeom prst="rect">
+            <a:avLst/>
+          </a:prstGeom>
+        </p:spPr>
+      </p:pic>
+    </p:spTree>
+    <p:extLst>
+      <p:ext uri="{BB962C8B-B14F-4D97-AF65-F5344CB8AC3E}">
+        <p14:creationId xmlns:p14="http://schemas.microsoft.com/office/powerpoint/2010/main" val="2250246380"/>
       </p:ext>
     </p:extLst>
   </p:cSld>

--- a/2023/02产品/SNC8x/01)竞品分析/00)竞品芯片分析/品牌产品路线分析/Realtek/Realtek产品线分析2.pptx
+++ b/2023/02产品/SNC8x/01)竞品分析/00)竞品芯片分析/品牌产品路线分析/Realtek/Realtek产品线分析2.pptx
@@ -9,17 +9,17 @@
   </p:notesMasterIdLst>
   <p:sldIdLst>
     <p:sldId id="256" r:id="rId2"/>
-    <p:sldId id="274" r:id="rId3"/>
-    <p:sldId id="275" r:id="rId4"/>
-    <p:sldId id="258" r:id="rId5"/>
+    <p:sldId id="275" r:id="rId3"/>
+    <p:sldId id="258" r:id="rId4"/>
+    <p:sldId id="286" r:id="rId5"/>
     <p:sldId id="270" r:id="rId6"/>
     <p:sldId id="271" r:id="rId7"/>
     <p:sldId id="282" r:id="rId8"/>
-    <p:sldId id="273" r:id="rId9"/>
-    <p:sldId id="281" r:id="rId10"/>
-    <p:sldId id="264" r:id="rId11"/>
-    <p:sldId id="279" r:id="rId12"/>
-    <p:sldId id="277" r:id="rId13"/>
+    <p:sldId id="283" r:id="rId9"/>
+    <p:sldId id="264" r:id="rId10"/>
+    <p:sldId id="281" r:id="rId11"/>
+    <p:sldId id="273" r:id="rId12"/>
+    <p:sldId id="279" r:id="rId13"/>
     <p:sldId id="278" r:id="rId14"/>
   </p:sldIdLst>
   <p:sldSz cx="12192000" cy="6858000"/>
@@ -125,9 +125,13 @@
         <p14:section name="默认节" id="{AA360A88-545B-F346-B8C8-BD3132B5D57F}">
           <p14:sldIdLst>
             <p14:sldId id="256"/>
-            <p14:sldId id="274"/>
             <p14:sldId id="275"/>
             <p14:sldId id="258"/>
+          </p14:sldIdLst>
+        </p14:section>
+        <p14:section name="小结" id="{390BFBD4-55B4-49FC-99BD-05B57EB7816B}">
+          <p14:sldIdLst>
+            <p14:sldId id="286"/>
           </p14:sldIdLst>
         </p14:section>
         <p14:section name="音频编解码产品线" id="{CBB7A4E8-E55C-CC4B-BF7F-70E63E1FBC4F}">
@@ -135,19 +139,19 @@
             <p14:sldId id="270"/>
             <p14:sldId id="271"/>
             <p14:sldId id="282"/>
-            <p14:sldId id="273"/>
+            <p14:sldId id="283"/>
           </p14:sldIdLst>
         </p14:section>
         <p14:section name="蓝牙产品线" id="{ED3AB9BF-9B95-4931-9426-A1755EF33D80}">
           <p14:sldIdLst>
+            <p14:sldId id="264"/>
             <p14:sldId id="281"/>
-            <p14:sldId id="264"/>
+            <p14:sldId id="273"/>
           </p14:sldIdLst>
         </p14:section>
         <p14:section name="无线产品线情况" id="{29BA8E00-06BC-6E42-862D-F28F0E84654B}">
           <p14:sldIdLst>
             <p14:sldId id="279"/>
-            <p14:sldId id="277"/>
             <p14:sldId id="278"/>
           </p14:sldIdLst>
         </p14:section>
@@ -158,6 +162,18 @@
     </p:ext>
   </p:extLst>
 </p:presentation>
+</file>
+
+<file path=ppt/commentAuthors.xml><?xml version="1.0" encoding="utf-8"?>
+<p:cmAuthorLst xmlns:a="http://schemas.openxmlformats.org/drawingml/2006/main" xmlns:r="http://schemas.openxmlformats.org/officeDocument/2006/relationships" xmlns:p="http://schemas.openxmlformats.org/presentationml/2006/main">
+  <p:cmAuthor id="1" name="Rong Bai" initials="RB" lastIdx="1" clrIdx="0">
+    <p:extLst>
+      <p:ext uri="{19B8F6BF-5375-455C-9EA6-DF929625EA0E}">
+        <p15:presenceInfo xmlns:p15="http://schemas.microsoft.com/office/powerpoint/2012/main" userId="ed9b1f8d9d247da1" providerId="Windows Live"/>
+      </p:ext>
+    </p:extLst>
+  </p:cmAuthor>
+</p:cmAuthorLst>
 </file>
 
 <file path=ppt/notesMasters/notesMaster1.xml><?xml version="1.0" encoding="utf-8"?>
@@ -242,7 +258,7 @@
           <a:p>
             <a:fld id="{28EA0F69-1204-4BA0-B38F-9FCC649F2CF7}" type="datetimeFigureOut">
               <a:rPr lang="zh-CN" altLang="en-US" smtClean="0"/>
-              <a:t>2023/5/23</a:t>
+              <a:t>2023/5/26</a:t>
             </a:fld>
             <a:endParaRPr lang="zh-CN" altLang="en-US"/>
           </a:p>
@@ -1047,7 +1063,7 @@
           <a:p>
             <a:fld id="{3F04F934-21C7-4C57-A156-D36005DEA771}" type="slidenum">
               <a:rPr lang="zh-CN" altLang="en-US" smtClean="0"/>
-              <a:t>4</a:t>
+              <a:t>3</a:t>
             </a:fld>
             <a:endParaRPr lang="zh-CN" altLang="en-US"/>
           </a:p>
@@ -1213,7 +1229,7 @@
           <a:p>
             <a:fld id="{F0D76D53-A3B4-4B96-A8CF-9D3A30CCA9B8}" type="datetimeFigureOut">
               <a:rPr lang="zh-CN" altLang="en-US" smtClean="0"/>
-              <a:t>2023/5/23</a:t>
+              <a:t>2023/5/26</a:t>
             </a:fld>
             <a:endParaRPr lang="zh-CN" altLang="en-US"/>
           </a:p>
@@ -1411,7 +1427,7 @@
           <a:p>
             <a:fld id="{F0D76D53-A3B4-4B96-A8CF-9D3A30CCA9B8}" type="datetimeFigureOut">
               <a:rPr lang="zh-CN" altLang="en-US" smtClean="0"/>
-              <a:t>2023/5/23</a:t>
+              <a:t>2023/5/26</a:t>
             </a:fld>
             <a:endParaRPr lang="zh-CN" altLang="en-US"/>
           </a:p>
@@ -1619,7 +1635,7 @@
           <a:p>
             <a:fld id="{F0D76D53-A3B4-4B96-A8CF-9D3A30CCA9B8}" type="datetimeFigureOut">
               <a:rPr lang="zh-CN" altLang="en-US" smtClean="0"/>
-              <a:t>2023/5/23</a:t>
+              <a:t>2023/5/26</a:t>
             </a:fld>
             <a:endParaRPr lang="zh-CN" altLang="en-US"/>
           </a:p>
@@ -1817,7 +1833,7 @@
           <a:p>
             <a:fld id="{F0D76D53-A3B4-4B96-A8CF-9D3A30CCA9B8}" type="datetimeFigureOut">
               <a:rPr lang="zh-CN" altLang="en-US" smtClean="0"/>
-              <a:t>2023/5/23</a:t>
+              <a:t>2023/5/26</a:t>
             </a:fld>
             <a:endParaRPr lang="zh-CN" altLang="en-US"/>
           </a:p>
@@ -2092,7 +2108,7 @@
           <a:p>
             <a:fld id="{F0D76D53-A3B4-4B96-A8CF-9D3A30CCA9B8}" type="datetimeFigureOut">
               <a:rPr lang="zh-CN" altLang="en-US" smtClean="0"/>
-              <a:t>2023/5/23</a:t>
+              <a:t>2023/5/26</a:t>
             </a:fld>
             <a:endParaRPr lang="zh-CN" altLang="en-US"/>
           </a:p>
@@ -2357,7 +2373,7 @@
           <a:p>
             <a:fld id="{F0D76D53-A3B4-4B96-A8CF-9D3A30CCA9B8}" type="datetimeFigureOut">
               <a:rPr lang="zh-CN" altLang="en-US" smtClean="0"/>
-              <a:t>2023/5/23</a:t>
+              <a:t>2023/5/26</a:t>
             </a:fld>
             <a:endParaRPr lang="zh-CN" altLang="en-US"/>
           </a:p>
@@ -2769,7 +2785,7 @@
           <a:p>
             <a:fld id="{F0D76D53-A3B4-4B96-A8CF-9D3A30CCA9B8}" type="datetimeFigureOut">
               <a:rPr lang="zh-CN" altLang="en-US" smtClean="0"/>
-              <a:t>2023/5/23</a:t>
+              <a:t>2023/5/26</a:t>
             </a:fld>
             <a:endParaRPr lang="zh-CN" altLang="en-US"/>
           </a:p>
@@ -2910,7 +2926,7 @@
           <a:p>
             <a:fld id="{F0D76D53-A3B4-4B96-A8CF-9D3A30CCA9B8}" type="datetimeFigureOut">
               <a:rPr lang="zh-CN" altLang="en-US" smtClean="0"/>
-              <a:t>2023/5/23</a:t>
+              <a:t>2023/5/26</a:t>
             </a:fld>
             <a:endParaRPr lang="zh-CN" altLang="en-US"/>
           </a:p>
@@ -3023,7 +3039,7 @@
           <a:p>
             <a:fld id="{F0D76D53-A3B4-4B96-A8CF-9D3A30CCA9B8}" type="datetimeFigureOut">
               <a:rPr lang="zh-CN" altLang="en-US" smtClean="0"/>
-              <a:t>2023/5/23</a:t>
+              <a:t>2023/5/26</a:t>
             </a:fld>
             <a:endParaRPr lang="zh-CN" altLang="en-US"/>
           </a:p>
@@ -3334,7 +3350,7 @@
           <a:p>
             <a:fld id="{F0D76D53-A3B4-4B96-A8CF-9D3A30CCA9B8}" type="datetimeFigureOut">
               <a:rPr lang="zh-CN" altLang="en-US" smtClean="0"/>
-              <a:t>2023/5/23</a:t>
+              <a:t>2023/5/26</a:t>
             </a:fld>
             <a:endParaRPr lang="zh-CN" altLang="en-US"/>
           </a:p>
@@ -3622,7 +3638,7 @@
           <a:p>
             <a:fld id="{F0D76D53-A3B4-4B96-A8CF-9D3A30CCA9B8}" type="datetimeFigureOut">
               <a:rPr lang="zh-CN" altLang="en-US" smtClean="0"/>
-              <a:t>2023/5/23</a:t>
+              <a:t>2023/5/26</a:t>
             </a:fld>
             <a:endParaRPr lang="zh-CN" altLang="en-US"/>
           </a:p>
@@ -3863,7 +3879,7 @@
           <a:p>
             <a:fld id="{F0D76D53-A3B4-4B96-A8CF-9D3A30CCA9B8}" type="datetimeFigureOut">
               <a:rPr lang="zh-CN" altLang="en-US" smtClean="0"/>
-              <a:t>2023/5/23</a:t>
+              <a:t>2023/5/26</a:t>
             </a:fld>
             <a:endParaRPr lang="zh-CN" altLang="en-US"/>
           </a:p>
@@ -4301,7 +4317,14 @@
           <a:bodyPr/>
           <a:lstStyle/>
           <a:p>
-            <a:endParaRPr lang="zh-CN" altLang="en-US"/>
+            <a:r>
+              <a:rPr lang="en-US" altLang="zh-CN" dirty="0"/>
+              <a:t>Realtek </a:t>
+            </a:r>
+            <a:r>
+              <a:rPr lang="zh-CN" altLang="en-US" dirty="0"/>
+              <a:t>产品线分析</a:t>
+            </a:r>
           </a:p>
         </p:txBody>
       </p:sp>
@@ -4326,7 +4349,11 @@
           <a:bodyPr/>
           <a:lstStyle/>
           <a:p>
-            <a:endParaRPr lang="zh-CN" altLang="en-US"/>
+            <a:r>
+              <a:rPr lang="en-US" altLang="zh-CN" dirty="0"/>
+              <a:t>2023-5-20</a:t>
+            </a:r>
+            <a:endParaRPr lang="zh-CN" altLang="en-US" dirty="0"/>
           </a:p>
         </p:txBody>
       </p:sp>
@@ -4365,7 +4392,7 @@
           <p:cNvPr id="2" name="标题 1">
             <a:extLst>
               <a:ext uri="{FF2B5EF4-FFF2-40B4-BE49-F238E27FC236}">
-                <a16:creationId xmlns:a16="http://schemas.microsoft.com/office/drawing/2014/main" id="{5D91B373-4DA1-3F20-B3B7-5C29897E4235}"/>
+                <a16:creationId xmlns:a16="http://schemas.microsoft.com/office/drawing/2014/main" id="{9F503F54-AB57-4AFF-2C4B-5AA15A1392C1}"/>
               </a:ext>
             </a:extLst>
           </p:cNvPr>
@@ -4382,84 +4409,649 @@
           <a:lstStyle/>
           <a:p>
             <a:r>
-              <a:rPr lang="zh-CN" altLang="en-US" dirty="0"/>
-              <a:t>蓝牙音频</a:t>
-            </a:r>
-            <a:r>
-              <a:rPr lang="en-US" altLang="zh-CN" dirty="0"/>
-              <a:t> </a:t>
-            </a:r>
-            <a:r>
-              <a:rPr lang="zh-CN" altLang="en-US" dirty="0"/>
-              <a:t>产品线</a:t>
+              <a:rPr lang="zh-CN" altLang="en-US" b="1" dirty="0"/>
+              <a:t>瑞昱音频相关产品线情况 </a:t>
+            </a:r>
+            <a:r>
+              <a:rPr lang="en-US" altLang="zh-CN" b="1" dirty="0"/>
+              <a:t>—</a:t>
+            </a:r>
+            <a:r>
+              <a:rPr lang="zh-CN" altLang="en-US" b="1" dirty="0"/>
+              <a:t> 蓝牙</a:t>
             </a:r>
           </a:p>
         </p:txBody>
       </p:sp>
-      <p:pic>
-        <p:nvPicPr>
-          <p:cNvPr id="4" name="图片 3">
+      <p:sp>
+        <p:nvSpPr>
+          <p:cNvPr id="3" name="内容占位符 2">
             <a:extLst>
               <a:ext uri="{FF2B5EF4-FFF2-40B4-BE49-F238E27FC236}">
-                <a16:creationId xmlns:a16="http://schemas.microsoft.com/office/drawing/2014/main" id="{B26386DE-A862-F346-C1DE-23E86B9DAFA6}"/>
+                <a16:creationId xmlns:a16="http://schemas.microsoft.com/office/drawing/2014/main" id="{6A3F4699-1CB3-6603-26C3-D86811A06FEB}"/>
               </a:ext>
             </a:extLst>
           </p:cNvPr>
-          <p:cNvPicPr>
-            <a:picLocks noChangeAspect="1"/>
-          </p:cNvPicPr>
-          <p:nvPr/>
-        </p:nvPicPr>
-        <p:blipFill>
-          <a:blip r:embed="rId2"/>
-          <a:stretch>
-            <a:fillRect/>
-          </a:stretch>
-        </p:blipFill>
+          <p:cNvSpPr>
+            <a:spLocks noGrp="1"/>
+          </p:cNvSpPr>
+          <p:nvPr>
+            <p:ph idx="1"/>
+          </p:nvPr>
+        </p:nvSpPr>
         <p:spPr>
           <a:xfrm>
-            <a:off x="838200" y="1274410"/>
-            <a:ext cx="8560249" cy="5364769"/>
+            <a:off x="838200" y="1821107"/>
+            <a:ext cx="10515600" cy="4351338"/>
+          </a:xfrm>
+        </p:spPr>
+        <p:txBody>
+          <a:bodyPr>
+            <a:normAutofit fontScale="92500" lnSpcReduction="20000"/>
+          </a:bodyPr>
+          <a:lstStyle/>
+          <a:p>
+            <a:r>
+              <a:rPr lang="zh-CN" altLang="en-US" dirty="0"/>
+              <a:t>蓝牙</a:t>
+            </a:r>
+            <a:endParaRPr lang="en-US" altLang="zh-CN" dirty="0"/>
+          </a:p>
+          <a:p>
+            <a:pPr lvl="1"/>
+            <a:r>
+              <a:rPr lang="zh-CN" altLang="en-US" dirty="0"/>
+              <a:t>主要应用在</a:t>
+            </a:r>
+            <a:r>
+              <a:rPr lang="en-US" altLang="zh-CN" dirty="0"/>
+              <a:t>TWS</a:t>
+            </a:r>
+            <a:r>
+              <a:rPr lang="zh-CN" altLang="en-US" dirty="0"/>
+              <a:t>耳机</a:t>
+            </a:r>
+            <a:endParaRPr lang="en-US" altLang="zh-CN" dirty="0"/>
+          </a:p>
+          <a:p>
+            <a:pPr lvl="2"/>
+            <a:r>
+              <a:rPr lang="zh-CN" altLang="en-US" dirty="0"/>
+              <a:t>销量占比：</a:t>
+            </a:r>
+            <a:endParaRPr lang="en-US" altLang="zh-CN" dirty="0"/>
+          </a:p>
+          <a:p>
+            <a:pPr lvl="2"/>
+            <a:r>
+              <a:rPr lang="zh-CN" altLang="en-US" b="0" i="0" dirty="0">
+                <a:solidFill>
+                  <a:srgbClr val="333333"/>
+                </a:solidFill>
+                <a:effectLst/>
+                <a:latin typeface="PingFang SC"/>
+              </a:rPr>
+              <a:t>市场份额占比：</a:t>
+            </a:r>
+            <a:endParaRPr lang="en-US" altLang="zh-CN" b="0" i="0" dirty="0">
+              <a:solidFill>
+                <a:srgbClr val="333333"/>
+              </a:solidFill>
+              <a:effectLst/>
+              <a:latin typeface="PingFang SC"/>
+            </a:endParaRPr>
+          </a:p>
+          <a:p>
+            <a:pPr lvl="2"/>
+            <a:r>
+              <a:rPr lang="zh-CN" altLang="en-US" dirty="0"/>
+              <a:t>竞争对手：</a:t>
+            </a:r>
+            <a:endParaRPr lang="en-US" altLang="zh-CN" dirty="0"/>
+          </a:p>
+          <a:p>
+            <a:pPr lvl="1"/>
+            <a:r>
+              <a:rPr lang="zh-CN" altLang="en-US" dirty="0">
+                <a:solidFill>
+                  <a:srgbClr val="4D4D4D"/>
+                </a:solidFill>
+                <a:latin typeface="-apple-system"/>
+              </a:rPr>
+              <a:t>蓝牙产品线主攻的市场</a:t>
+            </a:r>
+            <a:endParaRPr lang="en-US" altLang="zh-CN" sz="2800" dirty="0">
+              <a:solidFill>
+                <a:srgbClr val="4D4D4D"/>
+              </a:solidFill>
+              <a:latin typeface="-apple-system"/>
+            </a:endParaRPr>
+          </a:p>
+          <a:p>
+            <a:pPr lvl="2"/>
+            <a:r>
+              <a:rPr lang="zh-CN" altLang="en-US" dirty="0"/>
+              <a:t>蓝牙遥控器 ，这是一个亿级市场，</a:t>
+            </a:r>
+            <a:r>
+              <a:rPr lang="en-US" altLang="zh-CN" dirty="0"/>
+              <a:t>2018</a:t>
+            </a:r>
+            <a:r>
+              <a:rPr lang="zh-CN" altLang="en-US" dirty="0"/>
+              <a:t>市场出货</a:t>
+            </a:r>
+            <a:r>
+              <a:rPr lang="en-US" altLang="zh-CN" dirty="0"/>
+              <a:t>1.3</a:t>
+            </a:r>
+            <a:r>
+              <a:rPr lang="zh-CN" altLang="en-US" dirty="0"/>
+              <a:t>亿颗，</a:t>
+            </a:r>
+            <a:r>
+              <a:rPr lang="en-US" altLang="zh-CN" dirty="0"/>
+              <a:t>2019</a:t>
+            </a:r>
+            <a:r>
+              <a:rPr lang="zh-CN" altLang="en-US" dirty="0"/>
+              <a:t>市场出货</a:t>
+            </a:r>
+            <a:r>
+              <a:rPr lang="en-US" altLang="zh-CN" dirty="0"/>
+              <a:t>1.6</a:t>
+            </a:r>
+            <a:r>
+              <a:rPr lang="zh-CN" altLang="en-US" dirty="0"/>
+              <a:t>亿颗；</a:t>
+            </a:r>
+            <a:endParaRPr lang="en-US" altLang="zh-CN" dirty="0"/>
+          </a:p>
+          <a:p>
+            <a:pPr lvl="2"/>
+            <a:r>
+              <a:rPr lang="en-US" altLang="zh-CN" sz="2100" dirty="0"/>
+              <a:t>HID</a:t>
+            </a:r>
+            <a:r>
+              <a:rPr lang="zh-CN" altLang="en-US" sz="2100" dirty="0"/>
+              <a:t>设备</a:t>
+            </a:r>
+            <a:r>
+              <a:rPr lang="en-US" altLang="zh-CN" sz="2100" dirty="0"/>
+              <a:t>(</a:t>
+            </a:r>
+            <a:r>
+              <a:rPr lang="zh-CN" altLang="en-US" sz="2100" dirty="0"/>
+              <a:t>鼠标，键盘等</a:t>
+            </a:r>
+            <a:r>
+              <a:rPr lang="en-US" altLang="zh-CN" sz="2100" dirty="0"/>
+              <a:t>) </a:t>
+            </a:r>
+            <a:r>
+              <a:rPr lang="zh-CN" altLang="en-US" sz="2100" dirty="0"/>
+              <a:t>，</a:t>
+            </a:r>
+            <a:r>
+              <a:rPr lang="en-US" altLang="zh-CN" sz="2100" dirty="0"/>
+              <a:t>2018</a:t>
+            </a:r>
+            <a:r>
+              <a:rPr lang="zh-CN" altLang="en-US" sz="2100" dirty="0"/>
+              <a:t>市场出货</a:t>
+            </a:r>
+            <a:r>
+              <a:rPr lang="en-US" altLang="zh-CN" sz="2100" dirty="0"/>
+              <a:t>5300</a:t>
+            </a:r>
+            <a:r>
+              <a:rPr lang="zh-CN" altLang="en-US" sz="2100" dirty="0"/>
+              <a:t>万颗，</a:t>
+            </a:r>
+            <a:r>
+              <a:rPr lang="en-US" altLang="zh-CN" sz="2100" dirty="0"/>
+              <a:t>2019</a:t>
+            </a:r>
+            <a:r>
+              <a:rPr lang="zh-CN" altLang="en-US" sz="2100" dirty="0"/>
+              <a:t>市场出货</a:t>
+            </a:r>
+            <a:r>
+              <a:rPr lang="en-US" altLang="zh-CN" sz="2100" dirty="0"/>
+              <a:t>6530</a:t>
+            </a:r>
+            <a:r>
+              <a:rPr lang="zh-CN" altLang="en-US" sz="2100" dirty="0"/>
+              <a:t>万颗；</a:t>
+            </a:r>
+            <a:endParaRPr lang="en-US" altLang="zh-CN" sz="2100" dirty="0"/>
+          </a:p>
+          <a:p>
+            <a:pPr lvl="2"/>
+            <a:r>
+              <a:rPr lang="en-US" altLang="zh-CN" sz="2100" dirty="0"/>
+              <a:t>BLE </a:t>
+            </a:r>
+            <a:r>
+              <a:rPr lang="zh-CN" altLang="en-US" sz="2100" dirty="0"/>
+              <a:t>照明，</a:t>
+            </a:r>
+            <a:r>
+              <a:rPr lang="en-US" altLang="zh-CN" sz="2100" dirty="0"/>
+              <a:t>2018</a:t>
+            </a:r>
+            <a:r>
+              <a:rPr lang="zh-CN" altLang="en-US" sz="2100" dirty="0"/>
+              <a:t>市场出货</a:t>
+            </a:r>
+            <a:r>
+              <a:rPr lang="en-US" altLang="zh-CN" sz="2100" dirty="0"/>
+              <a:t>1000</a:t>
+            </a:r>
+            <a:r>
+              <a:rPr lang="zh-CN" altLang="en-US" sz="2100" dirty="0"/>
+              <a:t>万，</a:t>
+            </a:r>
+            <a:r>
+              <a:rPr lang="en-US" altLang="zh-CN" sz="2100" dirty="0"/>
+              <a:t>2019</a:t>
+            </a:r>
+            <a:r>
+              <a:rPr lang="zh-CN" altLang="en-US" sz="2100" dirty="0"/>
+              <a:t>市场出货</a:t>
+            </a:r>
+            <a:r>
+              <a:rPr lang="en-US" altLang="zh-CN" sz="2100" dirty="0"/>
+              <a:t>2300</a:t>
+            </a:r>
+            <a:r>
+              <a:rPr lang="zh-CN" altLang="en-US" sz="2100" dirty="0"/>
+              <a:t>万；</a:t>
+            </a:r>
+            <a:endParaRPr lang="en-US" altLang="zh-CN" sz="2100" dirty="0"/>
+          </a:p>
+          <a:p>
+            <a:pPr lvl="2"/>
+            <a:r>
+              <a:rPr lang="zh-CN" altLang="en-US" sz="2100" dirty="0">
+                <a:solidFill>
+                  <a:srgbClr val="FF0000"/>
+                </a:solidFill>
+              </a:rPr>
+              <a:t>耳机 ，整个耳机市场，</a:t>
+            </a:r>
+            <a:r>
+              <a:rPr lang="en-US" altLang="zh-CN" sz="2100" dirty="0">
+                <a:solidFill>
+                  <a:srgbClr val="FF0000"/>
+                </a:solidFill>
+              </a:rPr>
+              <a:t>2018</a:t>
+            </a:r>
+            <a:r>
+              <a:rPr lang="zh-CN" altLang="en-US" sz="2100" dirty="0">
+                <a:solidFill>
+                  <a:srgbClr val="FF0000"/>
+                </a:solidFill>
+              </a:rPr>
+              <a:t>市场出货</a:t>
+            </a:r>
+            <a:r>
+              <a:rPr lang="en-US" altLang="zh-CN" sz="2100" dirty="0">
+                <a:solidFill>
+                  <a:srgbClr val="FF0000"/>
+                </a:solidFill>
+              </a:rPr>
+              <a:t>7.1</a:t>
+            </a:r>
+            <a:r>
+              <a:rPr lang="zh-CN" altLang="en-US" sz="2100" dirty="0">
+                <a:solidFill>
+                  <a:srgbClr val="FF0000"/>
+                </a:solidFill>
+              </a:rPr>
+              <a:t>亿，</a:t>
+            </a:r>
+            <a:r>
+              <a:rPr lang="en-US" altLang="zh-CN" sz="2100" dirty="0">
+                <a:solidFill>
+                  <a:srgbClr val="FF0000"/>
+                </a:solidFill>
+              </a:rPr>
+              <a:t>2019</a:t>
+            </a:r>
+            <a:r>
+              <a:rPr lang="zh-CN" altLang="en-US" sz="2100" dirty="0">
+                <a:solidFill>
+                  <a:srgbClr val="FF0000"/>
+                </a:solidFill>
+              </a:rPr>
+              <a:t>市场出货</a:t>
+            </a:r>
+            <a:r>
+              <a:rPr lang="en-US" altLang="zh-CN" sz="2100" dirty="0">
+                <a:solidFill>
+                  <a:srgbClr val="FF0000"/>
+                </a:solidFill>
+              </a:rPr>
+              <a:t>11.9</a:t>
+            </a:r>
+            <a:r>
+              <a:rPr lang="zh-CN" altLang="en-US" sz="2100" dirty="0">
+                <a:solidFill>
+                  <a:srgbClr val="FF0000"/>
+                </a:solidFill>
+              </a:rPr>
+              <a:t>亿；</a:t>
+            </a:r>
+            <a:endParaRPr lang="en-US" altLang="zh-CN" sz="2100" dirty="0">
+              <a:solidFill>
+                <a:srgbClr val="FF0000"/>
+              </a:solidFill>
+            </a:endParaRPr>
+          </a:p>
+          <a:p>
+            <a:pPr lvl="2"/>
+            <a:r>
+              <a:rPr lang="zh-CN" altLang="en-US" sz="2100" dirty="0"/>
+              <a:t>智能手表 ，</a:t>
+            </a:r>
+            <a:r>
+              <a:rPr lang="en-US" altLang="zh-CN" sz="2100" dirty="0"/>
+              <a:t>2018</a:t>
+            </a:r>
+            <a:r>
+              <a:rPr lang="zh-CN" altLang="en-US" sz="2100" dirty="0"/>
+              <a:t>市场出货</a:t>
+            </a:r>
+            <a:r>
+              <a:rPr lang="en-US" altLang="zh-CN" sz="2100" dirty="0"/>
+              <a:t>8000</a:t>
+            </a:r>
+            <a:r>
+              <a:rPr lang="zh-CN" altLang="en-US" sz="2100" dirty="0"/>
+              <a:t>万，</a:t>
+            </a:r>
+            <a:r>
+              <a:rPr lang="en-US" altLang="zh-CN" sz="2100" dirty="0"/>
+              <a:t>2019</a:t>
+            </a:r>
+            <a:r>
+              <a:rPr lang="zh-CN" altLang="en-US" sz="2100" dirty="0"/>
+              <a:t>市场出货</a:t>
+            </a:r>
+            <a:r>
+              <a:rPr lang="en-US" altLang="zh-CN" sz="2100" dirty="0"/>
+              <a:t>10,000</a:t>
+            </a:r>
+            <a:r>
+              <a:rPr lang="zh-CN" altLang="en-US" sz="2100" dirty="0"/>
+              <a:t>万；</a:t>
+            </a:r>
+            <a:endParaRPr lang="en-US" altLang="zh-CN" sz="2100" dirty="0"/>
+          </a:p>
+          <a:p>
+            <a:pPr lvl="2"/>
+            <a:r>
+              <a:rPr lang="zh-CN" altLang="en-US" sz="2100" dirty="0"/>
+              <a:t>追踪器 ，追踪器市场以海外为主，</a:t>
+            </a:r>
+            <a:r>
+              <a:rPr lang="en-US" altLang="zh-CN" sz="2100" dirty="0"/>
+              <a:t>2018</a:t>
+            </a:r>
+            <a:r>
+              <a:rPr lang="zh-CN" altLang="en-US" sz="2100" dirty="0"/>
+              <a:t>市场出货</a:t>
+            </a:r>
+            <a:r>
+              <a:rPr lang="en-US" altLang="zh-CN" sz="2100" dirty="0"/>
+              <a:t>1.3</a:t>
+            </a:r>
+            <a:r>
+              <a:rPr lang="zh-CN" altLang="en-US" sz="2100" dirty="0"/>
+              <a:t>亿，</a:t>
+            </a:r>
+            <a:r>
+              <a:rPr lang="en-US" altLang="zh-CN" sz="2100" dirty="0"/>
+              <a:t>2019</a:t>
+            </a:r>
+            <a:r>
+              <a:rPr lang="zh-CN" altLang="en-US" sz="2100" dirty="0"/>
+              <a:t>市场出货</a:t>
+            </a:r>
+            <a:r>
+              <a:rPr lang="en-US" altLang="zh-CN" sz="2100" dirty="0"/>
+              <a:t>1.4</a:t>
+            </a:r>
+            <a:r>
+              <a:rPr lang="zh-CN" altLang="en-US" sz="2100" dirty="0"/>
+              <a:t>亿；</a:t>
+            </a:r>
+            <a:endParaRPr lang="en-US" altLang="zh-CN" sz="2100" dirty="0"/>
+          </a:p>
+          <a:p>
+            <a:pPr lvl="1"/>
+            <a:r>
+              <a:rPr lang="zh-CN" altLang="en-US" sz="2500" dirty="0"/>
+              <a:t>主要客户</a:t>
+            </a:r>
+            <a:endParaRPr lang="en-US" altLang="zh-CN" sz="2500" dirty="0"/>
+          </a:p>
+          <a:p>
+            <a:pPr lvl="2"/>
+            <a:r>
+              <a:rPr lang="zh-CN" altLang="en-US" sz="2100" dirty="0"/>
+              <a:t>小米、漫步者</a:t>
+            </a:r>
+          </a:p>
+        </p:txBody>
+      </p:sp>
+      <p:sp>
+        <p:nvSpPr>
+          <p:cNvPr id="4" name="内容占位符 2">
+            <a:extLst>
+              <a:ext uri="{FF2B5EF4-FFF2-40B4-BE49-F238E27FC236}">
+                <a16:creationId xmlns:a16="http://schemas.microsoft.com/office/drawing/2014/main" id="{9B13C352-FABF-9867-D3E3-131D3774531C}"/>
+              </a:ext>
+            </a:extLst>
+          </p:cNvPr>
+          <p:cNvSpPr txBox="1">
+            <a:spLocks/>
+          </p:cNvSpPr>
+          <p:nvPr/>
+        </p:nvSpPr>
+        <p:spPr>
+          <a:xfrm>
+            <a:off x="990600" y="1978025"/>
+            <a:ext cx="10515600" cy="4351338"/>
           </a:xfrm>
           <a:prstGeom prst="rect">
             <a:avLst/>
           </a:prstGeom>
         </p:spPr>
-      </p:pic>
-      <p:pic>
-        <p:nvPicPr>
-          <p:cNvPr id="5" name="图片 4">
-            <a:extLst>
-              <a:ext uri="{FF2B5EF4-FFF2-40B4-BE49-F238E27FC236}">
-                <a16:creationId xmlns:a16="http://schemas.microsoft.com/office/drawing/2014/main" id="{E67B22C9-2271-A175-18A0-73AEC5BDF838}"/>
-              </a:ext>
-            </a:extLst>
-          </p:cNvPr>
-          <p:cNvPicPr>
-            <a:picLocks noChangeAspect="1"/>
-          </p:cNvPicPr>
-          <p:nvPr/>
-        </p:nvPicPr>
-        <p:blipFill>
-          <a:blip r:embed="rId3"/>
-          <a:stretch>
-            <a:fillRect/>
-          </a:stretch>
-        </p:blipFill>
-        <p:spPr>
-          <a:xfrm>
-            <a:off x="9108277" y="2880024"/>
-            <a:ext cx="3083723" cy="2153539"/>
-          </a:xfrm>
-          <a:prstGeom prst="rect">
-            <a:avLst/>
-          </a:prstGeom>
-        </p:spPr>
-      </p:pic>
+        <p:txBody>
+          <a:bodyPr vert="horz" lIns="91440" tIns="45720" rIns="91440" bIns="45720" rtlCol="0">
+            <a:normAutofit/>
+          </a:bodyPr>
+          <a:lstStyle>
+            <a:lvl1pPr marL="228600" indent="-228600" algn="l" defTabSz="914400" rtl="0" eaLnBrk="1" latinLnBrk="0" hangingPunct="1">
+              <a:lnSpc>
+                <a:spcPct val="90000"/>
+              </a:lnSpc>
+              <a:spcBef>
+                <a:spcPts val="1000"/>
+              </a:spcBef>
+              <a:buFont typeface="Arial" panose="020B0604020202020204" pitchFamily="34" charset="0"/>
+              <a:buChar char="•"/>
+              <a:defRPr sz="2800" kern="1200">
+                <a:solidFill>
+                  <a:schemeClr val="tx1"/>
+                </a:solidFill>
+                <a:latin typeface="+mn-lt"/>
+                <a:ea typeface="+mn-ea"/>
+                <a:cs typeface="+mn-cs"/>
+              </a:defRPr>
+            </a:lvl1pPr>
+            <a:lvl2pPr marL="685800" indent="-228600" algn="l" defTabSz="914400" rtl="0" eaLnBrk="1" latinLnBrk="0" hangingPunct="1">
+              <a:lnSpc>
+                <a:spcPct val="90000"/>
+              </a:lnSpc>
+              <a:spcBef>
+                <a:spcPts val="500"/>
+              </a:spcBef>
+              <a:buFont typeface="Arial" panose="020B0604020202020204" pitchFamily="34" charset="0"/>
+              <a:buChar char="•"/>
+              <a:defRPr sz="2400" kern="1200">
+                <a:solidFill>
+                  <a:schemeClr val="tx1"/>
+                </a:solidFill>
+                <a:latin typeface="+mn-lt"/>
+                <a:ea typeface="+mn-ea"/>
+                <a:cs typeface="+mn-cs"/>
+              </a:defRPr>
+            </a:lvl2pPr>
+            <a:lvl3pPr marL="1143000" indent="-228600" algn="l" defTabSz="914400" rtl="0" eaLnBrk="1" latinLnBrk="0" hangingPunct="1">
+              <a:lnSpc>
+                <a:spcPct val="90000"/>
+              </a:lnSpc>
+              <a:spcBef>
+                <a:spcPts val="500"/>
+              </a:spcBef>
+              <a:buFont typeface="Arial" panose="020B0604020202020204" pitchFamily="34" charset="0"/>
+              <a:buChar char="•"/>
+              <a:defRPr sz="2000" kern="1200">
+                <a:solidFill>
+                  <a:schemeClr val="tx1"/>
+                </a:solidFill>
+                <a:latin typeface="+mn-lt"/>
+                <a:ea typeface="+mn-ea"/>
+                <a:cs typeface="+mn-cs"/>
+              </a:defRPr>
+            </a:lvl3pPr>
+            <a:lvl4pPr marL="1600200" indent="-228600" algn="l" defTabSz="914400" rtl="0" eaLnBrk="1" latinLnBrk="0" hangingPunct="1">
+              <a:lnSpc>
+                <a:spcPct val="90000"/>
+              </a:lnSpc>
+              <a:spcBef>
+                <a:spcPts val="500"/>
+              </a:spcBef>
+              <a:buFont typeface="Arial" panose="020B0604020202020204" pitchFamily="34" charset="0"/>
+              <a:buChar char="•"/>
+              <a:defRPr sz="1800" kern="1200">
+                <a:solidFill>
+                  <a:schemeClr val="tx1"/>
+                </a:solidFill>
+                <a:latin typeface="+mn-lt"/>
+                <a:ea typeface="+mn-ea"/>
+                <a:cs typeface="+mn-cs"/>
+              </a:defRPr>
+            </a:lvl4pPr>
+            <a:lvl5pPr marL="2057400" indent="-228600" algn="l" defTabSz="914400" rtl="0" eaLnBrk="1" latinLnBrk="0" hangingPunct="1">
+              <a:lnSpc>
+                <a:spcPct val="90000"/>
+              </a:lnSpc>
+              <a:spcBef>
+                <a:spcPts val="500"/>
+              </a:spcBef>
+              <a:buFont typeface="Arial" panose="020B0604020202020204" pitchFamily="34" charset="0"/>
+              <a:buChar char="•"/>
+              <a:defRPr sz="1800" kern="1200">
+                <a:solidFill>
+                  <a:schemeClr val="tx1"/>
+                </a:solidFill>
+                <a:latin typeface="+mn-lt"/>
+                <a:ea typeface="+mn-ea"/>
+                <a:cs typeface="+mn-cs"/>
+              </a:defRPr>
+            </a:lvl5pPr>
+            <a:lvl6pPr marL="2514600" indent="-228600" algn="l" defTabSz="914400" rtl="0" eaLnBrk="1" latinLnBrk="0" hangingPunct="1">
+              <a:lnSpc>
+                <a:spcPct val="90000"/>
+              </a:lnSpc>
+              <a:spcBef>
+                <a:spcPts val="500"/>
+              </a:spcBef>
+              <a:buFont typeface="Arial" panose="020B0604020202020204" pitchFamily="34" charset="0"/>
+              <a:buChar char="•"/>
+              <a:defRPr sz="1800" kern="1200">
+                <a:solidFill>
+                  <a:schemeClr val="tx1"/>
+                </a:solidFill>
+                <a:latin typeface="+mn-lt"/>
+                <a:ea typeface="+mn-ea"/>
+                <a:cs typeface="+mn-cs"/>
+              </a:defRPr>
+            </a:lvl6pPr>
+            <a:lvl7pPr marL="2971800" indent="-228600" algn="l" defTabSz="914400" rtl="0" eaLnBrk="1" latinLnBrk="0" hangingPunct="1">
+              <a:lnSpc>
+                <a:spcPct val="90000"/>
+              </a:lnSpc>
+              <a:spcBef>
+                <a:spcPts val="500"/>
+              </a:spcBef>
+              <a:buFont typeface="Arial" panose="020B0604020202020204" pitchFamily="34" charset="0"/>
+              <a:buChar char="•"/>
+              <a:defRPr sz="1800" kern="1200">
+                <a:solidFill>
+                  <a:schemeClr val="tx1"/>
+                </a:solidFill>
+                <a:latin typeface="+mn-lt"/>
+                <a:ea typeface="+mn-ea"/>
+                <a:cs typeface="+mn-cs"/>
+              </a:defRPr>
+            </a:lvl7pPr>
+            <a:lvl8pPr marL="3429000" indent="-228600" algn="l" defTabSz="914400" rtl="0" eaLnBrk="1" latinLnBrk="0" hangingPunct="1">
+              <a:lnSpc>
+                <a:spcPct val="90000"/>
+              </a:lnSpc>
+              <a:spcBef>
+                <a:spcPts val="500"/>
+              </a:spcBef>
+              <a:buFont typeface="Arial" panose="020B0604020202020204" pitchFamily="34" charset="0"/>
+              <a:buChar char="•"/>
+              <a:defRPr sz="1800" kern="1200">
+                <a:solidFill>
+                  <a:schemeClr val="tx1"/>
+                </a:solidFill>
+                <a:latin typeface="+mn-lt"/>
+                <a:ea typeface="+mn-ea"/>
+                <a:cs typeface="+mn-cs"/>
+              </a:defRPr>
+            </a:lvl8pPr>
+            <a:lvl9pPr marL="3886200" indent="-228600" algn="l" defTabSz="914400" rtl="0" eaLnBrk="1" latinLnBrk="0" hangingPunct="1">
+              <a:lnSpc>
+                <a:spcPct val="90000"/>
+              </a:lnSpc>
+              <a:spcBef>
+                <a:spcPts val="500"/>
+              </a:spcBef>
+              <a:buFont typeface="Arial" panose="020B0604020202020204" pitchFamily="34" charset="0"/>
+              <a:buChar char="•"/>
+              <a:defRPr sz="1800" kern="1200">
+                <a:solidFill>
+                  <a:schemeClr val="tx1"/>
+                </a:solidFill>
+                <a:latin typeface="+mn-lt"/>
+                <a:ea typeface="+mn-ea"/>
+                <a:cs typeface="+mn-cs"/>
+              </a:defRPr>
+            </a:lvl9pPr>
+          </a:lstStyle>
+          <a:p>
+            <a:pPr marL="0" indent="0">
+              <a:buFont typeface="Arial" panose="020B0604020202020204" pitchFamily="34" charset="0"/>
+              <a:buNone/>
+            </a:pPr>
+            <a:endParaRPr lang="zh-CN" altLang="en-US" sz="1600" dirty="0"/>
+          </a:p>
+        </p:txBody>
+      </p:sp>
     </p:spTree>
     <p:extLst>
       <p:ext uri="{BB962C8B-B14F-4D97-AF65-F5344CB8AC3E}">
-        <p14:creationId xmlns:p14="http://schemas.microsoft.com/office/powerpoint/2010/main" val="4057805692"/>
+        <p14:creationId xmlns:p14="http://schemas.microsoft.com/office/powerpoint/2010/main" val="2250246380"/>
       </p:ext>
     </p:extLst>
   </p:cSld>
@@ -4470,6 +5062,324 @@
 </file>
 
 <file path=ppt/slides/slide11.xml><?xml version="1.0" encoding="utf-8"?>
+<p:sld xmlns:a="http://schemas.openxmlformats.org/drawingml/2006/main" xmlns:r="http://schemas.openxmlformats.org/officeDocument/2006/relationships" xmlns:p="http://schemas.openxmlformats.org/presentationml/2006/main">
+  <p:cSld>
+    <p:spTree>
+      <p:nvGrpSpPr>
+        <p:cNvPr id="1" name=""/>
+        <p:cNvGrpSpPr/>
+        <p:nvPr/>
+      </p:nvGrpSpPr>
+      <p:grpSpPr>
+        <a:xfrm>
+          <a:off x="0" y="0"/>
+          <a:ext cx="0" cy="0"/>
+          <a:chOff x="0" y="0"/>
+          <a:chExt cx="0" cy="0"/>
+        </a:xfrm>
+      </p:grpSpPr>
+      <p:sp>
+        <p:nvSpPr>
+          <p:cNvPr id="2" name="标题 1">
+            <a:extLst>
+              <a:ext uri="{FF2B5EF4-FFF2-40B4-BE49-F238E27FC236}">
+                <a16:creationId xmlns:a16="http://schemas.microsoft.com/office/drawing/2014/main" id="{C1528AD8-A3DA-2BC4-91C6-76CDE601CEF8}"/>
+              </a:ext>
+            </a:extLst>
+          </p:cNvPr>
+          <p:cNvSpPr>
+            <a:spLocks noGrp="1"/>
+          </p:cNvSpPr>
+          <p:nvPr>
+            <p:ph type="title"/>
+          </p:nvPr>
+        </p:nvSpPr>
+        <p:spPr/>
+        <p:txBody>
+          <a:bodyPr/>
+          <a:lstStyle/>
+          <a:p>
+            <a:r>
+              <a:rPr lang="zh-CN" altLang="en-US" b="1" dirty="0"/>
+              <a:t>蓝牙游戏耳机、声卡</a:t>
+            </a:r>
+          </a:p>
+        </p:txBody>
+      </p:sp>
+      <p:sp>
+        <p:nvSpPr>
+          <p:cNvPr id="3" name="内容占位符 2">
+            <a:extLst>
+              <a:ext uri="{FF2B5EF4-FFF2-40B4-BE49-F238E27FC236}">
+                <a16:creationId xmlns:a16="http://schemas.microsoft.com/office/drawing/2014/main" id="{02A5EBA6-94AB-8FE6-8809-FCD1CFA94373}"/>
+              </a:ext>
+            </a:extLst>
+          </p:cNvPr>
+          <p:cNvSpPr>
+            <a:spLocks noGrp="1"/>
+          </p:cNvSpPr>
+          <p:nvPr>
+            <p:ph idx="1"/>
+          </p:nvPr>
+        </p:nvSpPr>
+        <p:spPr/>
+        <p:txBody>
+          <a:bodyPr vert="horz" lIns="91440" tIns="45720" rIns="91440" bIns="45720" rtlCol="0">
+            <a:normAutofit/>
+          </a:bodyPr>
+          <a:lstStyle/>
+          <a:p>
+            <a:r>
+              <a:rPr lang="zh-CN" altLang="en-US" dirty="0"/>
+              <a:t>市场规模：</a:t>
+            </a:r>
+            <a:endParaRPr lang="en-US" altLang="zh-CN" dirty="0"/>
+          </a:p>
+          <a:p>
+            <a:pPr lvl="1"/>
+            <a:r>
+              <a:rPr lang="zh-CN" altLang="en-US" dirty="0"/>
+              <a:t>全球游戏声卡市场规模</a:t>
+            </a:r>
+            <a:r>
+              <a:rPr lang="en-US" altLang="zh-CN" dirty="0"/>
+              <a:t>2021</a:t>
+            </a:r>
+            <a:r>
+              <a:rPr lang="zh-CN" altLang="en-US" dirty="0"/>
+              <a:t>年达</a:t>
+            </a:r>
+            <a:r>
+              <a:rPr lang="en-US" altLang="zh-CN" dirty="0"/>
+              <a:t>24.06</a:t>
+            </a:r>
+            <a:r>
+              <a:rPr lang="zh-CN" altLang="en-US" dirty="0"/>
+              <a:t>亿元（人民币）。</a:t>
+            </a:r>
+            <a:endParaRPr lang="en-US" altLang="zh-CN" dirty="0"/>
+          </a:p>
+          <a:p>
+            <a:pPr lvl="1"/>
+            <a:r>
+              <a:rPr lang="zh-CN" altLang="en-US" dirty="0"/>
+              <a:t>主要区域（北美、欧洲、以及亚太等主要地区）在全球游戏声卡市场中的份额占比。其中，</a:t>
+            </a:r>
+            <a:r>
+              <a:rPr lang="en-US" altLang="zh-CN" dirty="0"/>
+              <a:t>2021</a:t>
+            </a:r>
+            <a:r>
+              <a:rPr lang="zh-CN" altLang="en-US" dirty="0"/>
+              <a:t>年中国占全球游戏声卡市场的</a:t>
+            </a:r>
+            <a:r>
+              <a:rPr lang="en-US" altLang="zh-CN" dirty="0"/>
+              <a:t>34.58%</a:t>
+            </a:r>
+            <a:r>
+              <a:rPr lang="zh-CN" altLang="en-US" dirty="0"/>
+              <a:t>。贝哲斯咨询预测，至</a:t>
+            </a:r>
+            <a:r>
+              <a:rPr lang="en-US" altLang="zh-CN" dirty="0"/>
+              <a:t>2027</a:t>
+            </a:r>
+            <a:r>
+              <a:rPr lang="zh-CN" altLang="en-US" dirty="0"/>
+              <a:t>年全球游戏声卡市场规模将以</a:t>
+            </a:r>
+            <a:r>
+              <a:rPr lang="en-US" altLang="zh-CN" dirty="0"/>
+              <a:t>6.75%</a:t>
+            </a:r>
+            <a:r>
+              <a:rPr lang="zh-CN" altLang="en-US" dirty="0"/>
+              <a:t>的</a:t>
+            </a:r>
+            <a:r>
+              <a:rPr lang="en-US" altLang="zh-CN" dirty="0"/>
+              <a:t>CAGR</a:t>
+            </a:r>
+            <a:r>
+              <a:rPr lang="zh-CN" altLang="en-US" dirty="0"/>
+              <a:t>达到</a:t>
+            </a:r>
+            <a:r>
+              <a:rPr lang="en-US" altLang="zh-CN" dirty="0"/>
+              <a:t>35.69</a:t>
+            </a:r>
+            <a:r>
+              <a:rPr lang="zh-CN" altLang="en-US" dirty="0"/>
+              <a:t>亿元。</a:t>
+            </a:r>
+          </a:p>
+          <a:p>
+            <a:pPr lvl="1"/>
+            <a:r>
+              <a:rPr lang="zh-CN" altLang="en-US" dirty="0"/>
+              <a:t>报告出版商</a:t>
+            </a:r>
+            <a:r>
+              <a:rPr lang="en-US" altLang="zh-CN" dirty="0"/>
+              <a:t>: </a:t>
+            </a:r>
+            <a:r>
+              <a:rPr lang="zh-CN" altLang="en-US" dirty="0"/>
+              <a:t>湖南贝哲斯信息咨询有限公司</a:t>
+            </a:r>
+            <a:endParaRPr lang="en-US" altLang="zh-CN" dirty="0"/>
+          </a:p>
+          <a:p>
+            <a:r>
+              <a:rPr lang="zh-CN" altLang="en-US" dirty="0"/>
+              <a:t>附件</a:t>
+            </a:r>
+            <a:endParaRPr lang="en-US" altLang="zh-CN" dirty="0"/>
+          </a:p>
+          <a:p>
+            <a:pPr lvl="1"/>
+            <a:r>
+              <a:rPr lang="zh-CN" altLang="en-US" dirty="0"/>
+              <a:t>蓝牙音频游戏解决方案</a:t>
+            </a:r>
+            <a:endParaRPr lang="en-US" altLang="zh-CN" dirty="0"/>
+          </a:p>
+          <a:p>
+            <a:pPr lvl="2"/>
+            <a:r>
+              <a:rPr lang="en-US" altLang="zh-CN" dirty="0"/>
+              <a:t>Realtek BT Audio gaming Solution Q4`20.pdf</a:t>
+            </a:r>
+            <a:endParaRPr lang="zh-CN" altLang="en-US" dirty="0"/>
+          </a:p>
+          <a:p>
+            <a:endParaRPr lang="zh-CN" altLang="en-US" dirty="0"/>
+          </a:p>
+        </p:txBody>
+      </p:sp>
+      <p:pic>
+        <p:nvPicPr>
+          <p:cNvPr id="1026" name="Picture 2">
+            <a:extLst>
+              <a:ext uri="{FF2B5EF4-FFF2-40B4-BE49-F238E27FC236}">
+                <a16:creationId xmlns:a16="http://schemas.microsoft.com/office/drawing/2014/main" id="{93BE0554-8265-FF93-3DD2-1D94BDFA4259}"/>
+              </a:ext>
+            </a:extLst>
+          </p:cNvPr>
+          <p:cNvPicPr>
+            <a:picLocks noChangeAspect="1" noChangeArrowheads="1"/>
+          </p:cNvPicPr>
+          <p:nvPr/>
+        </p:nvPicPr>
+        <p:blipFill rotWithShape="1">
+          <a:blip r:embed="rId2">
+            <a:extLst>
+              <a:ext uri="{28A0092B-C50C-407E-A947-70E740481C1C}">
+                <a14:useLocalDpi xmlns:a14="http://schemas.microsoft.com/office/drawing/2010/main" val="0"/>
+              </a:ext>
+            </a:extLst>
+          </a:blip>
+          <a:srcRect t="2657" b="5180"/>
+          <a:stretch/>
+        </p:blipFill>
+        <p:spPr bwMode="auto">
+          <a:xfrm>
+            <a:off x="8815753" y="3774831"/>
+            <a:ext cx="2467708" cy="2274277"/>
+          </a:xfrm>
+          <a:prstGeom prst="rect">
+            <a:avLst/>
+          </a:prstGeom>
+          <a:noFill/>
+          <a:extLst>
+            <a:ext uri="{909E8E84-426E-40DD-AFC4-6F175D3DCCD1}">
+              <a14:hiddenFill xmlns:a14="http://schemas.microsoft.com/office/drawing/2010/main">
+                <a:solidFill>
+                  <a:srgbClr val="FFFFFF"/>
+                </a:solidFill>
+              </a14:hiddenFill>
+            </a:ext>
+          </a:extLst>
+        </p:spPr>
+      </p:pic>
+      <p:graphicFrame>
+        <p:nvGraphicFramePr>
+          <p:cNvPr id="4" name="对象 3">
+            <a:extLst>
+              <a:ext uri="{FF2B5EF4-FFF2-40B4-BE49-F238E27FC236}">
+                <a16:creationId xmlns:a16="http://schemas.microsoft.com/office/drawing/2014/main" id="{E34F9D7A-0E18-A0B7-AFBB-EFA047364560}"/>
+              </a:ext>
+            </a:extLst>
+          </p:cNvPr>
+          <p:cNvGraphicFramePr>
+            <a:graphicFrameLocks noChangeAspect="1"/>
+          </p:cNvGraphicFramePr>
+          <p:nvPr>
+            <p:extLst>
+              <p:ext uri="{D42A27DB-BD31-4B8C-83A1-F6EECF244321}">
+                <p14:modId xmlns:p14="http://schemas.microsoft.com/office/powerpoint/2010/main" val="2815900095"/>
+              </p:ext>
+            </p:extLst>
+          </p:nvPr>
+        </p:nvGraphicFramePr>
+        <p:xfrm>
+          <a:off x="7158892" y="5154125"/>
+          <a:ext cx="914400" cy="792162"/>
+        </p:xfrm>
+        <a:graphic>
+          <a:graphicData uri="http://schemas.openxmlformats.org/presentationml/2006/ole">
+            <mc:AlternateContent xmlns:mc="http://schemas.openxmlformats.org/markup-compatibility/2006">
+              <mc:Choice xmlns:v="urn:schemas-microsoft-com:vml" Requires="v">
+                <p:oleObj name="Acrobat Document" showAsIcon="1" r:id="rId3" imgW="914400" imgH="792360" progId="Acrobat.Document.DC">
+                  <p:embed/>
+                </p:oleObj>
+              </mc:Choice>
+              <mc:Fallback>
+                <p:oleObj name="Acrobat Document" showAsIcon="1" r:id="rId3" imgW="914400" imgH="792360" progId="Acrobat.Document.DC">
+                  <p:embed/>
+                  <p:pic>
+                    <p:nvPicPr>
+                      <p:cNvPr id="0" name=""/>
+                      <p:cNvPicPr/>
+                      <p:nvPr/>
+                    </p:nvPicPr>
+                    <p:blipFill>
+                      <a:blip r:embed="rId4"/>
+                      <a:stretch>
+                        <a:fillRect/>
+                      </a:stretch>
+                    </p:blipFill>
+                    <p:spPr>
+                      <a:xfrm>
+                        <a:off x="7158892" y="5154125"/>
+                        <a:ext cx="914400" cy="792162"/>
+                      </a:xfrm>
+                      <a:prstGeom prst="rect">
+                        <a:avLst/>
+                      </a:prstGeom>
+                    </p:spPr>
+                  </p:pic>
+                </p:oleObj>
+              </mc:Fallback>
+            </mc:AlternateContent>
+          </a:graphicData>
+        </a:graphic>
+      </p:graphicFrame>
+    </p:spTree>
+    <p:extLst>
+      <p:ext uri="{BB962C8B-B14F-4D97-AF65-F5344CB8AC3E}">
+        <p14:creationId xmlns:p14="http://schemas.microsoft.com/office/powerpoint/2010/main" val="1234028764"/>
+      </p:ext>
+    </p:extLst>
+  </p:cSld>
+  <p:clrMapOvr>
+    <a:masterClrMapping/>
+  </p:clrMapOvr>
+</p:sld>
+</file>
+
+<file path=ppt/slides/slide12.xml><?xml version="1.0" encoding="utf-8"?>
 <p:sld xmlns:a="http://schemas.openxmlformats.org/drawingml/2006/main" xmlns:r="http://schemas.openxmlformats.org/officeDocument/2006/relationships" xmlns:p="http://schemas.openxmlformats.org/presentationml/2006/main">
   <p:cSld>
     <p:spTree>
@@ -4515,7 +5425,7 @@
                 <a:effectLst/>
                 <a:latin typeface="-apple-system"/>
               </a:rPr>
-              <a:t>Realtek</a:t>
+              <a:t>Realtek </a:t>
             </a:r>
             <a:r>
               <a:rPr lang="zh-CN" altLang="en-US" b="1" i="0" u="none" strike="noStrike" dirty="0">
@@ -4525,7 +5435,7 @@
                 <a:effectLst/>
                 <a:latin typeface="-apple-system"/>
               </a:rPr>
-              <a:t>无线产品表现</a:t>
+              <a:t>无线产品线表现</a:t>
             </a:r>
             <a:endParaRPr kumimoji="1" lang="zh-CN" altLang="en-US" dirty="0"/>
           </a:p>
@@ -4549,95 +5459,282 @@
         </p:nvSpPr>
         <p:spPr/>
         <p:txBody>
-          <a:bodyPr/>
+          <a:bodyPr vert="horz" lIns="91440" tIns="45720" rIns="91440" bIns="45720" rtlCol="0">
+            <a:normAutofit/>
+          </a:bodyPr>
           <a:lstStyle/>
           <a:p>
-            <a:pPr marL="0" indent="0" algn="l">
+            <a:r>
+              <a:rPr lang="en-US" altLang="zh-CN" dirty="0" err="1"/>
+              <a:t>WiFi</a:t>
+            </a:r>
+            <a:r>
+              <a:rPr lang="zh-CN" altLang="en-US" dirty="0"/>
+              <a:t>及</a:t>
+            </a:r>
+            <a:r>
+              <a:rPr lang="en-US" altLang="zh-CN" dirty="0"/>
+              <a:t>BLE</a:t>
+            </a:r>
+            <a:r>
+              <a:rPr lang="zh-CN" altLang="en-US" dirty="0"/>
+              <a:t>产品线</a:t>
+            </a:r>
+            <a:endParaRPr lang="en-US" altLang="zh-CN" dirty="0"/>
+          </a:p>
+          <a:p>
+            <a:pPr lvl="1"/>
+            <a:r>
+              <a:rPr lang="en-US" altLang="zh-CN" dirty="0"/>
+              <a:t>2019</a:t>
+            </a:r>
+            <a:r>
+              <a:rPr lang="zh-CN" altLang="en-US" dirty="0"/>
+              <a:t>总出货</a:t>
+            </a:r>
+            <a:r>
+              <a:rPr lang="en-US" altLang="zh-CN" dirty="0"/>
+              <a:t>~8</a:t>
+            </a:r>
+            <a:r>
+              <a:rPr lang="zh-CN" altLang="en-US" dirty="0"/>
+              <a:t>亿，且维持了高速增长，排名非常考前；位列全球第四；</a:t>
+            </a:r>
+            <a:endParaRPr lang="en-US" altLang="zh-CN" dirty="0"/>
+          </a:p>
+          <a:p>
+            <a:pPr marL="0" indent="0">
               <a:buNone/>
             </a:pPr>
-            <a:r>
-              <a:rPr lang="en-US" altLang="zh-CN" b="0" i="0" u="none" strike="noStrike" dirty="0" err="1">
-                <a:solidFill>
-                  <a:srgbClr val="4D4D4D"/>
-                </a:solidFill>
-                <a:effectLst/>
-                <a:latin typeface="-apple-system"/>
-              </a:rPr>
+            <a:endParaRPr lang="en-US" altLang="zh-CN" dirty="0"/>
+          </a:p>
+          <a:p>
+            <a:r>
+              <a:rPr lang="zh-CN" altLang="en-US" dirty="0"/>
+              <a:t>主攻的市场</a:t>
+            </a:r>
+            <a:endParaRPr lang="en-US" altLang="zh-CN" dirty="0"/>
+          </a:p>
+          <a:p>
+            <a:pPr lvl="1"/>
+            <a:r>
+              <a:rPr lang="zh-CN" altLang="en-US" dirty="0"/>
+              <a:t>主要是</a:t>
+            </a:r>
+            <a:r>
+              <a:rPr lang="en-US" altLang="zh-CN" dirty="0" err="1"/>
               <a:t>WiFi</a:t>
             </a:r>
             <a:r>
-              <a:rPr lang="zh-CN" altLang="en-US" b="0" i="0" u="none" strike="noStrike" dirty="0">
-                <a:solidFill>
-                  <a:srgbClr val="4D4D4D"/>
-                </a:solidFill>
-                <a:effectLst/>
-                <a:latin typeface="-apple-system"/>
-              </a:rPr>
-              <a:t>及</a:t>
-            </a:r>
-            <a:r>
-              <a:rPr lang="en-US" altLang="zh-CN" b="0" i="0" u="none" strike="noStrike" dirty="0">
-                <a:solidFill>
-                  <a:srgbClr val="4D4D4D"/>
-                </a:solidFill>
-                <a:effectLst/>
-                <a:latin typeface="-apple-system"/>
-              </a:rPr>
-              <a:t>BLE</a:t>
-            </a:r>
-            <a:r>
-              <a:rPr lang="zh-CN" altLang="en-US" b="0" i="0" u="none" strike="noStrike" dirty="0">
-                <a:solidFill>
-                  <a:srgbClr val="4D4D4D"/>
-                </a:solidFill>
-                <a:effectLst/>
-                <a:latin typeface="-apple-system"/>
-              </a:rPr>
-              <a:t>产品线，</a:t>
-            </a:r>
-            <a:r>
-              <a:rPr lang="en-US" altLang="zh-CN" b="0" i="0" u="none" strike="noStrike" dirty="0">
-                <a:solidFill>
-                  <a:srgbClr val="4D4D4D"/>
-                </a:solidFill>
-                <a:effectLst/>
-                <a:latin typeface="-apple-system"/>
-              </a:rPr>
+              <a:rPr lang="zh-CN" altLang="en-US" dirty="0"/>
+              <a:t>收发器，以及</a:t>
+            </a:r>
+            <a:r>
+              <a:rPr lang="en-US" altLang="zh-CN" dirty="0" err="1"/>
+              <a:t>WiFi&amp;BT</a:t>
+            </a:r>
+            <a:r>
+              <a:rPr lang="zh-CN" altLang="en-US" dirty="0"/>
+              <a:t>，</a:t>
+            </a:r>
+            <a:r>
+              <a:rPr lang="en-US" altLang="zh-CN" dirty="0" err="1"/>
+              <a:t>WiFi&amp;BLE</a:t>
+            </a:r>
+            <a:r>
+              <a:rPr lang="zh-CN" altLang="en-US" dirty="0"/>
+              <a:t>收发器，主要配合主处理器</a:t>
+            </a:r>
+            <a:endParaRPr lang="en-US" altLang="zh-CN" dirty="0"/>
+          </a:p>
+          <a:p>
+            <a:pPr lvl="2"/>
+            <a:r>
+              <a:rPr lang="zh-CN" altLang="en-US" dirty="0"/>
+              <a:t>笔记本，市场出货量下降，</a:t>
+            </a:r>
+            <a:r>
+              <a:rPr lang="en-US" altLang="zh-CN" dirty="0"/>
               <a:t>2019</a:t>
             </a:r>
             <a:r>
-              <a:rPr lang="zh-CN" altLang="en-US" b="0" i="0" u="none" strike="noStrike" dirty="0">
-                <a:solidFill>
-                  <a:srgbClr val="4D4D4D"/>
-                </a:solidFill>
-                <a:effectLst/>
-                <a:latin typeface="-apple-system"/>
-              </a:rPr>
-              <a:t>总出货</a:t>
-            </a:r>
-            <a:r>
-              <a:rPr lang="en-US" altLang="zh-CN" b="0" i="0" u="none" strike="noStrike" dirty="0">
-                <a:solidFill>
-                  <a:srgbClr val="4D4D4D"/>
-                </a:solidFill>
-                <a:effectLst/>
-                <a:latin typeface="-apple-system"/>
-              </a:rPr>
-              <a:t>~8</a:t>
-            </a:r>
-            <a:r>
-              <a:rPr lang="zh-CN" altLang="en-US" b="0" i="0" u="none" strike="noStrike" dirty="0">
-                <a:solidFill>
-                  <a:srgbClr val="4D4D4D"/>
-                </a:solidFill>
-                <a:effectLst/>
-                <a:latin typeface="-apple-system"/>
-              </a:rPr>
-              <a:t>亿，且维持了高速增长，排名非常考前；位列全球第四；</a:t>
-            </a:r>
-          </a:p>
-          <a:p>
-            <a:endParaRPr kumimoji="1" lang="zh-CN" altLang="en-US" dirty="0"/>
+              <a:rPr lang="zh-CN" altLang="en-US" dirty="0"/>
+              <a:t>年</a:t>
+            </a:r>
+            <a:r>
+              <a:rPr lang="en-US" altLang="zh-CN" dirty="0"/>
+              <a:t>1.5</a:t>
+            </a:r>
+            <a:r>
+              <a:rPr lang="zh-CN" altLang="en-US" dirty="0"/>
+              <a:t>亿；</a:t>
+            </a:r>
+          </a:p>
+          <a:p>
+            <a:pPr lvl="2"/>
+            <a:r>
+              <a:rPr lang="zh-CN" altLang="en-US" dirty="0"/>
+              <a:t>平板电脑，市场出货基本稳定，</a:t>
+            </a:r>
+            <a:r>
+              <a:rPr lang="en-US" altLang="zh-CN" dirty="0"/>
+              <a:t>2019</a:t>
+            </a:r>
+            <a:r>
+              <a:rPr lang="zh-CN" altLang="en-US" dirty="0"/>
+              <a:t>年</a:t>
+            </a:r>
+            <a:r>
+              <a:rPr lang="en-US" altLang="zh-CN" dirty="0"/>
+              <a:t>1.6</a:t>
+            </a:r>
+            <a:r>
+              <a:rPr lang="zh-CN" altLang="en-US" dirty="0"/>
+              <a:t>亿；</a:t>
+            </a:r>
+          </a:p>
+          <a:p>
+            <a:pPr lvl="2"/>
+            <a:r>
+              <a:rPr lang="zh-CN" altLang="en-US" dirty="0"/>
+              <a:t>路由器</a:t>
+            </a:r>
+            <a:r>
+              <a:rPr lang="en-US" altLang="zh-CN" dirty="0"/>
+              <a:t>/</a:t>
+            </a:r>
+            <a:r>
+              <a:rPr lang="zh-CN" altLang="en-US" dirty="0"/>
+              <a:t>网关，市场出货基本稳定，</a:t>
+            </a:r>
+            <a:r>
+              <a:rPr lang="en-US" altLang="zh-CN" dirty="0"/>
+              <a:t>2019</a:t>
+            </a:r>
+            <a:r>
+              <a:rPr lang="zh-CN" altLang="en-US" dirty="0"/>
+              <a:t>年</a:t>
+            </a:r>
+            <a:r>
+              <a:rPr lang="en-US" altLang="zh-CN" dirty="0"/>
+              <a:t>3.2</a:t>
+            </a:r>
+            <a:r>
+              <a:rPr lang="zh-CN" altLang="en-US" dirty="0"/>
+              <a:t>亿；</a:t>
+            </a:r>
+          </a:p>
+          <a:p>
+            <a:pPr lvl="2"/>
+            <a:r>
+              <a:rPr lang="en-US" altLang="zh-CN" dirty="0"/>
+              <a:t>OTT</a:t>
+            </a:r>
+            <a:r>
+              <a:rPr lang="zh-CN" altLang="en-US" dirty="0"/>
+              <a:t>盒子，</a:t>
+            </a:r>
+            <a:r>
+              <a:rPr lang="en-US" altLang="zh-CN" dirty="0"/>
+              <a:t>2018</a:t>
+            </a:r>
+            <a:r>
+              <a:rPr lang="zh-CN" altLang="en-US" dirty="0"/>
+              <a:t>年经过快速增长后，</a:t>
+            </a:r>
+            <a:r>
+              <a:rPr lang="en-US" altLang="zh-CN" dirty="0"/>
+              <a:t>2019</a:t>
+            </a:r>
+            <a:r>
+              <a:rPr lang="zh-CN" altLang="en-US" dirty="0"/>
+              <a:t>年掉了</a:t>
+            </a:r>
+            <a:r>
+              <a:rPr lang="en-US" altLang="zh-CN" dirty="0"/>
+              <a:t>13%</a:t>
+            </a:r>
+            <a:r>
+              <a:rPr lang="zh-CN" altLang="en-US" dirty="0"/>
+              <a:t>左右，出货</a:t>
+            </a:r>
+            <a:r>
+              <a:rPr lang="en-US" altLang="zh-CN" dirty="0"/>
+              <a:t>1.3</a:t>
+            </a:r>
+            <a:r>
+              <a:rPr lang="zh-CN" altLang="en-US" dirty="0"/>
+              <a:t>亿元；</a:t>
+            </a:r>
+          </a:p>
+          <a:p>
+            <a:pPr lvl="2"/>
+            <a:r>
+              <a:rPr lang="zh-CN" altLang="en-US" dirty="0"/>
+              <a:t>智能音箱，</a:t>
+            </a:r>
+            <a:r>
+              <a:rPr lang="en-US" altLang="zh-CN" dirty="0"/>
+              <a:t>2019</a:t>
+            </a:r>
+            <a:r>
+              <a:rPr lang="zh-CN" altLang="en-US" dirty="0"/>
+              <a:t>年接近翻番，出货</a:t>
+            </a:r>
+            <a:r>
+              <a:rPr lang="en-US" altLang="zh-CN" dirty="0"/>
+              <a:t>1.3</a:t>
+            </a:r>
+            <a:r>
+              <a:rPr lang="zh-CN" altLang="en-US" dirty="0"/>
+              <a:t>亿；</a:t>
+            </a:r>
+            <a:r>
+              <a:rPr lang="en-US" altLang="zh-CN" dirty="0"/>
+              <a:t>(2020</a:t>
+            </a:r>
+            <a:r>
+              <a:rPr lang="zh-CN" altLang="en-US" dirty="0"/>
+              <a:t>年不增反掉</a:t>
+            </a:r>
+            <a:r>
+              <a:rPr lang="en-US" altLang="zh-CN" dirty="0"/>
+              <a:t>)</a:t>
+            </a:r>
+            <a:r>
+              <a:rPr lang="zh-CN" altLang="en-US" dirty="0"/>
+              <a:t>；</a:t>
+            </a:r>
+          </a:p>
+          <a:p>
+            <a:pPr lvl="2"/>
+            <a:r>
+              <a:rPr lang="zh-CN" altLang="en-US" dirty="0"/>
+              <a:t>网络摄像机，</a:t>
+            </a:r>
+            <a:r>
+              <a:rPr lang="en-US" altLang="zh-CN" dirty="0"/>
+              <a:t>2019</a:t>
+            </a:r>
+            <a:r>
+              <a:rPr lang="zh-CN" altLang="en-US" dirty="0"/>
+              <a:t>年持续增长，出货接近</a:t>
+            </a:r>
+            <a:r>
+              <a:rPr lang="en-US" altLang="zh-CN" dirty="0"/>
+              <a:t>1</a:t>
+            </a:r>
+            <a:r>
+              <a:rPr lang="zh-CN" altLang="en-US" dirty="0"/>
+              <a:t>亿元；</a:t>
+            </a:r>
+          </a:p>
+          <a:p>
+            <a:pPr lvl="1"/>
+            <a:endParaRPr lang="zh-CN" altLang="en-US" dirty="0"/>
+          </a:p>
+          <a:p>
+            <a:endParaRPr lang="zh-CN" altLang="en-US" dirty="0"/>
           </a:p>
         </p:txBody>
       </p:sp>
@@ -4670,8 +5767,8 @@
         </p:blipFill>
         <p:spPr bwMode="auto">
           <a:xfrm>
-            <a:off x="3213100" y="2794000"/>
-            <a:ext cx="5765800" cy="1270000"/>
+            <a:off x="4453301" y="2705344"/>
+            <a:ext cx="3285398" cy="723656"/>
           </a:xfrm>
           <a:prstGeom prst="rect">
             <a:avLst/>
@@ -4692,428 +5789,6 @@
     <p:extLst>
       <p:ext uri="{BB962C8B-B14F-4D97-AF65-F5344CB8AC3E}">
         <p14:creationId xmlns:p14="http://schemas.microsoft.com/office/powerpoint/2010/main" val="113064724"/>
-      </p:ext>
-    </p:extLst>
-  </p:cSld>
-  <p:clrMapOvr>
-    <a:masterClrMapping/>
-  </p:clrMapOvr>
-</p:sld>
-</file>
-
-<file path=ppt/slides/slide12.xml><?xml version="1.0" encoding="utf-8"?>
-<p:sld xmlns:a="http://schemas.openxmlformats.org/drawingml/2006/main" xmlns:r="http://schemas.openxmlformats.org/officeDocument/2006/relationships" xmlns:p="http://schemas.openxmlformats.org/presentationml/2006/main">
-  <p:cSld>
-    <p:spTree>
-      <p:nvGrpSpPr>
-        <p:cNvPr id="1" name=""/>
-        <p:cNvGrpSpPr/>
-        <p:nvPr/>
-      </p:nvGrpSpPr>
-      <p:grpSpPr>
-        <a:xfrm>
-          <a:off x="0" y="0"/>
-          <a:ext cx="0" cy="0"/>
-          <a:chOff x="0" y="0"/>
-          <a:chExt cx="0" cy="0"/>
-        </a:xfrm>
-      </p:grpSpPr>
-      <p:sp>
-        <p:nvSpPr>
-          <p:cNvPr id="2" name="标题 1">
-            <a:extLst>
-              <a:ext uri="{FF2B5EF4-FFF2-40B4-BE49-F238E27FC236}">
-                <a16:creationId xmlns:a16="http://schemas.microsoft.com/office/drawing/2014/main" id="{32A86A6A-9F4E-C4A6-F59E-778946C78D2F}"/>
-              </a:ext>
-            </a:extLst>
-          </p:cNvPr>
-          <p:cNvSpPr>
-            <a:spLocks noGrp="1"/>
-          </p:cNvSpPr>
-          <p:nvPr>
-            <p:ph type="title"/>
-          </p:nvPr>
-        </p:nvSpPr>
-        <p:spPr/>
-        <p:txBody>
-          <a:bodyPr>
-            <a:normAutofit/>
-          </a:bodyPr>
-          <a:lstStyle/>
-          <a:p>
-            <a:r>
-              <a:rPr lang="en-US" altLang="zh-CN" b="1" i="0" u="none" strike="noStrike" dirty="0" err="1">
-                <a:solidFill>
-                  <a:srgbClr val="4D4D4D"/>
-                </a:solidFill>
-                <a:effectLst/>
-                <a:latin typeface="-apple-system"/>
-              </a:rPr>
-              <a:t>WiFi</a:t>
-            </a:r>
-            <a:r>
-              <a:rPr lang="zh-CN" altLang="en-US" b="1" i="0" u="none" strike="noStrike" dirty="0">
-                <a:solidFill>
-                  <a:srgbClr val="4D4D4D"/>
-                </a:solidFill>
-                <a:effectLst/>
-                <a:latin typeface="-apple-system"/>
-              </a:rPr>
-              <a:t>产品线主攻的市场</a:t>
-            </a:r>
-            <a:endParaRPr kumimoji="1" lang="zh-CN" altLang="en-US" dirty="0"/>
-          </a:p>
-        </p:txBody>
-      </p:sp>
-      <p:sp>
-        <p:nvSpPr>
-          <p:cNvPr id="3" name="内容占位符 2">
-            <a:extLst>
-              <a:ext uri="{FF2B5EF4-FFF2-40B4-BE49-F238E27FC236}">
-                <a16:creationId xmlns:a16="http://schemas.microsoft.com/office/drawing/2014/main" id="{A7B0EC64-2082-7F9A-904A-0B342C9064A5}"/>
-              </a:ext>
-            </a:extLst>
-          </p:cNvPr>
-          <p:cNvSpPr>
-            <a:spLocks noGrp="1"/>
-          </p:cNvSpPr>
-          <p:nvPr>
-            <p:ph idx="1"/>
-          </p:nvPr>
-        </p:nvSpPr>
-        <p:spPr/>
-        <p:txBody>
-          <a:bodyPr>
-            <a:normAutofit fontScale="92500" lnSpcReduction="20000"/>
-          </a:bodyPr>
-          <a:lstStyle/>
-          <a:p>
-            <a:pPr marL="0" indent="0">
-              <a:buNone/>
-            </a:pPr>
-            <a:r>
-              <a:rPr lang="zh-CN" altLang="en-US" b="1" i="0" u="none" strike="noStrike" dirty="0">
-                <a:solidFill>
-                  <a:srgbClr val="4D4D4D"/>
-                </a:solidFill>
-                <a:effectLst/>
-                <a:latin typeface="-apple-system"/>
-              </a:rPr>
-              <a:t>主要是</a:t>
-            </a:r>
-            <a:r>
-              <a:rPr lang="en-US" altLang="zh-CN" b="1" i="0" u="none" strike="noStrike" dirty="0" err="1">
-                <a:solidFill>
-                  <a:srgbClr val="4D4D4D"/>
-                </a:solidFill>
-                <a:effectLst/>
-                <a:latin typeface="-apple-system"/>
-              </a:rPr>
-              <a:t>WiFi</a:t>
-            </a:r>
-            <a:r>
-              <a:rPr lang="zh-CN" altLang="en-US" b="1" i="0" u="none" strike="noStrike" dirty="0">
-                <a:solidFill>
-                  <a:srgbClr val="4D4D4D"/>
-                </a:solidFill>
-                <a:effectLst/>
-                <a:latin typeface="-apple-system"/>
-              </a:rPr>
-              <a:t>收发器，以及</a:t>
-            </a:r>
-            <a:r>
-              <a:rPr lang="en-US" altLang="zh-CN" b="1" i="0" u="none" strike="noStrike" dirty="0" err="1">
-                <a:solidFill>
-                  <a:srgbClr val="4D4D4D"/>
-                </a:solidFill>
-                <a:effectLst/>
-                <a:latin typeface="-apple-system"/>
-              </a:rPr>
-              <a:t>WiFi&amp;BT</a:t>
-            </a:r>
-            <a:r>
-              <a:rPr lang="zh-CN" altLang="en-US" b="1" i="0" u="none" strike="noStrike" dirty="0">
-                <a:solidFill>
-                  <a:srgbClr val="4D4D4D"/>
-                </a:solidFill>
-                <a:effectLst/>
-                <a:latin typeface="-apple-system"/>
-              </a:rPr>
-              <a:t>，</a:t>
-            </a:r>
-            <a:r>
-              <a:rPr lang="en-US" altLang="zh-CN" b="1" i="0" u="none" strike="noStrike" dirty="0" err="1">
-                <a:solidFill>
-                  <a:srgbClr val="4D4D4D"/>
-                </a:solidFill>
-                <a:effectLst/>
-                <a:latin typeface="-apple-system"/>
-              </a:rPr>
-              <a:t>WiFi&amp;BLE</a:t>
-            </a:r>
-            <a:r>
-              <a:rPr lang="zh-CN" altLang="en-US" b="1" i="0" u="none" strike="noStrike" dirty="0">
-                <a:solidFill>
-                  <a:srgbClr val="4D4D4D"/>
-                </a:solidFill>
-                <a:effectLst/>
-                <a:latin typeface="-apple-system"/>
-              </a:rPr>
-              <a:t>收发器，主要配合主处理器</a:t>
-            </a:r>
-            <a:endParaRPr lang="en-US" altLang="zh-CN" b="1" i="0" u="none" strike="noStrike" dirty="0">
-              <a:solidFill>
-                <a:srgbClr val="4D4D4D"/>
-              </a:solidFill>
-              <a:effectLst/>
-              <a:latin typeface="-apple-system"/>
-            </a:endParaRPr>
-          </a:p>
-          <a:p>
-            <a:pPr marL="457200" lvl="1" indent="0">
-              <a:buNone/>
-            </a:pPr>
-            <a:r>
-              <a:rPr kumimoji="1" lang="zh-CN" altLang="en-US" dirty="0"/>
-              <a:t>笔记本，市场出货量下降，</a:t>
-            </a:r>
-            <a:r>
-              <a:rPr kumimoji="1" lang="en-US" altLang="zh-CN" dirty="0"/>
-              <a:t>2019</a:t>
-            </a:r>
-            <a:r>
-              <a:rPr kumimoji="1" lang="zh-CN" altLang="en-US" dirty="0"/>
-              <a:t>年</a:t>
-            </a:r>
-            <a:r>
-              <a:rPr kumimoji="1" lang="en-US" altLang="zh-CN" dirty="0"/>
-              <a:t>1.5</a:t>
-            </a:r>
-            <a:r>
-              <a:rPr kumimoji="1" lang="zh-CN" altLang="en-US" dirty="0"/>
-              <a:t>亿；</a:t>
-            </a:r>
-          </a:p>
-          <a:p>
-            <a:pPr marL="457200" lvl="1" indent="0">
-              <a:buNone/>
-            </a:pPr>
-            <a:r>
-              <a:rPr kumimoji="1" lang="zh-CN" altLang="en-US" dirty="0"/>
-              <a:t> </a:t>
-            </a:r>
-          </a:p>
-          <a:p>
-            <a:pPr marL="457200" lvl="1" indent="0">
-              <a:buNone/>
-            </a:pPr>
-            <a:r>
-              <a:rPr kumimoji="1" lang="zh-CN" altLang="en-US" dirty="0"/>
-              <a:t>平板电脑，市场出货基本稳定，</a:t>
-            </a:r>
-            <a:r>
-              <a:rPr kumimoji="1" lang="en-US" altLang="zh-CN" dirty="0"/>
-              <a:t>2019</a:t>
-            </a:r>
-            <a:r>
-              <a:rPr kumimoji="1" lang="zh-CN" altLang="en-US" dirty="0"/>
-              <a:t>年</a:t>
-            </a:r>
-            <a:r>
-              <a:rPr kumimoji="1" lang="en-US" altLang="zh-CN" dirty="0"/>
-              <a:t>1.6</a:t>
-            </a:r>
-            <a:r>
-              <a:rPr kumimoji="1" lang="zh-CN" altLang="en-US" dirty="0"/>
-              <a:t>亿；</a:t>
-            </a:r>
-          </a:p>
-          <a:p>
-            <a:pPr marL="457200" lvl="1" indent="0">
-              <a:buNone/>
-            </a:pPr>
-            <a:r>
-              <a:rPr kumimoji="1" lang="zh-CN" altLang="en-US" dirty="0"/>
-              <a:t> </a:t>
-            </a:r>
-          </a:p>
-          <a:p>
-            <a:pPr marL="457200" lvl="1" indent="0">
-              <a:buNone/>
-            </a:pPr>
-            <a:r>
-              <a:rPr kumimoji="1" lang="zh-CN" altLang="en-US" dirty="0"/>
-              <a:t>路由器</a:t>
-            </a:r>
-            <a:r>
-              <a:rPr kumimoji="1" lang="en-US" altLang="zh-CN" dirty="0"/>
-              <a:t>/</a:t>
-            </a:r>
-            <a:r>
-              <a:rPr kumimoji="1" lang="zh-CN" altLang="en-US" dirty="0"/>
-              <a:t>网关，市场出货基本稳定，</a:t>
-            </a:r>
-            <a:r>
-              <a:rPr kumimoji="1" lang="en-US" altLang="zh-CN" dirty="0"/>
-              <a:t>2019</a:t>
-            </a:r>
-            <a:r>
-              <a:rPr kumimoji="1" lang="zh-CN" altLang="en-US" dirty="0"/>
-              <a:t>年</a:t>
-            </a:r>
-            <a:r>
-              <a:rPr kumimoji="1" lang="en-US" altLang="zh-CN" dirty="0"/>
-              <a:t>3.2</a:t>
-            </a:r>
-            <a:r>
-              <a:rPr kumimoji="1" lang="zh-CN" altLang="en-US" dirty="0"/>
-              <a:t>亿；</a:t>
-            </a:r>
-          </a:p>
-          <a:p>
-            <a:pPr marL="457200" lvl="1" indent="0">
-              <a:buNone/>
-            </a:pPr>
-            <a:r>
-              <a:rPr kumimoji="1" lang="zh-CN" altLang="en-US" dirty="0"/>
-              <a:t> </a:t>
-            </a:r>
-          </a:p>
-          <a:p>
-            <a:pPr marL="457200" lvl="1" indent="0">
-              <a:buNone/>
-            </a:pPr>
-            <a:r>
-              <a:rPr kumimoji="1" lang="en-US" altLang="zh-CN" dirty="0"/>
-              <a:t>OTT</a:t>
-            </a:r>
-            <a:r>
-              <a:rPr kumimoji="1" lang="zh-CN" altLang="en-US" dirty="0"/>
-              <a:t>盒子，</a:t>
-            </a:r>
-            <a:r>
-              <a:rPr kumimoji="1" lang="en-US" altLang="zh-CN" dirty="0"/>
-              <a:t>2018</a:t>
-            </a:r>
-            <a:r>
-              <a:rPr kumimoji="1" lang="zh-CN" altLang="en-US" dirty="0"/>
-              <a:t>年经过快速增长后，</a:t>
-            </a:r>
-            <a:r>
-              <a:rPr kumimoji="1" lang="en-US" altLang="zh-CN" dirty="0"/>
-              <a:t>2019</a:t>
-            </a:r>
-            <a:r>
-              <a:rPr kumimoji="1" lang="zh-CN" altLang="en-US" dirty="0"/>
-              <a:t>年掉了</a:t>
-            </a:r>
-            <a:r>
-              <a:rPr kumimoji="1" lang="en-US" altLang="zh-CN" dirty="0"/>
-              <a:t>13%</a:t>
-            </a:r>
-            <a:r>
-              <a:rPr kumimoji="1" lang="zh-CN" altLang="en-US" dirty="0"/>
-              <a:t>左右，出货</a:t>
-            </a:r>
-            <a:r>
-              <a:rPr kumimoji="1" lang="en-US" altLang="zh-CN" dirty="0"/>
-              <a:t>1.3</a:t>
-            </a:r>
-            <a:r>
-              <a:rPr kumimoji="1" lang="zh-CN" altLang="en-US" dirty="0"/>
-              <a:t>亿元；</a:t>
-            </a:r>
-          </a:p>
-          <a:p>
-            <a:pPr marL="457200" lvl="1" indent="0">
-              <a:buNone/>
-            </a:pPr>
-            <a:r>
-              <a:rPr kumimoji="1" lang="zh-CN" altLang="en-US" dirty="0"/>
-              <a:t> </a:t>
-            </a:r>
-          </a:p>
-          <a:p>
-            <a:pPr marL="457200" lvl="1" indent="0">
-              <a:buNone/>
-            </a:pPr>
-            <a:r>
-              <a:rPr kumimoji="1" lang="zh-CN" altLang="en-US" dirty="0"/>
-              <a:t>智能音箱，</a:t>
-            </a:r>
-            <a:r>
-              <a:rPr kumimoji="1" lang="en-US" altLang="zh-CN" dirty="0"/>
-              <a:t>2019</a:t>
-            </a:r>
-            <a:r>
-              <a:rPr kumimoji="1" lang="zh-CN" altLang="en-US" dirty="0"/>
-              <a:t>年接近翻番，出货</a:t>
-            </a:r>
-            <a:r>
-              <a:rPr kumimoji="1" lang="en-US" altLang="zh-CN" dirty="0"/>
-              <a:t>1.3</a:t>
-            </a:r>
-            <a:r>
-              <a:rPr kumimoji="1" lang="zh-CN" altLang="en-US" dirty="0"/>
-              <a:t>亿；</a:t>
-            </a:r>
-            <a:r>
-              <a:rPr kumimoji="1" lang="en-US" altLang="zh-CN" dirty="0"/>
-              <a:t>(2020</a:t>
-            </a:r>
-            <a:r>
-              <a:rPr kumimoji="1" lang="zh-CN" altLang="en-US" dirty="0"/>
-              <a:t>年不增反掉</a:t>
-            </a:r>
-            <a:r>
-              <a:rPr kumimoji="1" lang="en-US" altLang="zh-CN" dirty="0"/>
-              <a:t>)</a:t>
-            </a:r>
-            <a:r>
-              <a:rPr kumimoji="1" lang="zh-CN" altLang="en-US" dirty="0"/>
-              <a:t>；</a:t>
-            </a:r>
-          </a:p>
-          <a:p>
-            <a:pPr marL="457200" lvl="1" indent="0">
-              <a:buNone/>
-            </a:pPr>
-            <a:r>
-              <a:rPr kumimoji="1" lang="zh-CN" altLang="en-US" dirty="0"/>
-              <a:t> </a:t>
-            </a:r>
-          </a:p>
-          <a:p>
-            <a:pPr marL="457200" lvl="1" indent="0">
-              <a:buNone/>
-            </a:pPr>
-            <a:r>
-              <a:rPr kumimoji="1" lang="zh-CN" altLang="en-US" dirty="0"/>
-              <a:t>网络摄像机，</a:t>
-            </a:r>
-            <a:r>
-              <a:rPr kumimoji="1" lang="en-US" altLang="zh-CN" dirty="0"/>
-              <a:t>2019</a:t>
-            </a:r>
-            <a:r>
-              <a:rPr kumimoji="1" lang="zh-CN" altLang="en-US" dirty="0"/>
-              <a:t>年持续增长，出货接近</a:t>
-            </a:r>
-            <a:r>
-              <a:rPr kumimoji="1" lang="en-US" altLang="zh-CN" dirty="0"/>
-              <a:t>1</a:t>
-            </a:r>
-            <a:r>
-              <a:rPr kumimoji="1" lang="zh-CN" altLang="en-US" dirty="0"/>
-              <a:t>亿元；</a:t>
-            </a:r>
-          </a:p>
-        </p:txBody>
-      </p:sp>
-    </p:spTree>
-    <p:extLst>
-      <p:ext uri="{BB962C8B-B14F-4D97-AF65-F5344CB8AC3E}">
-        <p14:creationId xmlns:p14="http://schemas.microsoft.com/office/powerpoint/2010/main" val="3197990076"/>
       </p:ext>
     </p:extLst>
   </p:cSld>
@@ -5203,390 +5878,167 @@
         </p:nvSpPr>
         <p:spPr/>
         <p:txBody>
-          <a:bodyPr/>
+          <a:bodyPr vert="horz" lIns="91440" tIns="45720" rIns="91440" bIns="45720" rtlCol="0">
+            <a:normAutofit/>
+          </a:bodyPr>
           <a:lstStyle/>
           <a:p>
-            <a:pPr marL="0" indent="0">
-              <a:buNone/>
-            </a:pPr>
-            <a:r>
-              <a:rPr lang="zh-CN" altLang="en-US" b="1" i="0" u="none" strike="noStrike" dirty="0">
-                <a:solidFill>
-                  <a:srgbClr val="4D4D4D"/>
-                </a:solidFill>
-                <a:effectLst/>
-                <a:latin typeface="-apple-system"/>
-              </a:rPr>
-              <a:t>主要是</a:t>
-            </a:r>
-            <a:r>
-              <a:rPr lang="en-US" altLang="zh-CN" b="1" i="0" u="none" strike="noStrike" dirty="0">
-                <a:solidFill>
-                  <a:srgbClr val="4D4D4D"/>
-                </a:solidFill>
-                <a:effectLst/>
-                <a:latin typeface="-apple-system"/>
-              </a:rPr>
+            <a:r>
+              <a:rPr lang="zh-CN" altLang="en-US" dirty="0"/>
+              <a:t>主要分类</a:t>
+            </a:r>
+            <a:endParaRPr lang="en-US" altLang="zh-CN" dirty="0"/>
+          </a:p>
+          <a:p>
+            <a:pPr lvl="1"/>
+            <a:r>
+              <a:rPr lang="en-US" altLang="zh-CN" dirty="0"/>
               <a:t>IoT </a:t>
             </a:r>
             <a:r>
-              <a:rPr lang="en-US" altLang="zh-CN" b="1" i="0" u="none" strike="noStrike" dirty="0" err="1">
-                <a:solidFill>
-                  <a:srgbClr val="4D4D4D"/>
-                </a:solidFill>
-                <a:effectLst/>
-                <a:latin typeface="-apple-system"/>
-              </a:rPr>
+              <a:rPr lang="en-US" altLang="zh-CN" dirty="0" err="1"/>
               <a:t>WiFi</a:t>
             </a:r>
             <a:r>
-              <a:rPr lang="en-US" altLang="zh-CN" b="1" i="0" u="none" strike="noStrike" dirty="0">
-                <a:solidFill>
-                  <a:srgbClr val="4D4D4D"/>
-                </a:solidFill>
-                <a:effectLst/>
-                <a:latin typeface="-apple-system"/>
-              </a:rPr>
+              <a:rPr lang="en-US" altLang="zh-CN" dirty="0"/>
               <a:t> &amp; IoT </a:t>
             </a:r>
             <a:r>
-              <a:rPr lang="en-US" altLang="zh-CN" b="1" i="0" u="none" strike="noStrike" dirty="0" err="1">
-                <a:solidFill>
-                  <a:srgbClr val="4D4D4D"/>
-                </a:solidFill>
-                <a:effectLst/>
-                <a:latin typeface="-apple-system"/>
-              </a:rPr>
+              <a:rPr lang="en-US" altLang="zh-CN" dirty="0" err="1"/>
               <a:t>WiFi&amp;BLE</a:t>
             </a:r>
             <a:r>
-              <a:rPr lang="en-US" altLang="zh-CN" b="1" i="0" u="none" strike="noStrike" dirty="0">
-                <a:solidFill>
-                  <a:srgbClr val="4D4D4D"/>
-                </a:solidFill>
-                <a:effectLst/>
-                <a:latin typeface="-apple-system"/>
-              </a:rPr>
+              <a:rPr lang="en-US" altLang="zh-CN" dirty="0"/>
               <a:t> Combo</a:t>
             </a:r>
-            <a:r>
-              <a:rPr lang="zh-CN" altLang="en-US" b="1" i="0" u="none" strike="noStrike" dirty="0">
-                <a:solidFill>
-                  <a:srgbClr val="4D4D4D"/>
-                </a:solidFill>
-                <a:effectLst/>
-                <a:latin typeface="-apple-system"/>
-              </a:rPr>
-              <a:t>，主打的市场为智能照明，智能插座，智能家电，以为物联网网关等</a:t>
-            </a:r>
-            <a:endParaRPr lang="en-US" altLang="zh-CN" b="1" i="0" u="none" strike="noStrike" dirty="0">
-              <a:solidFill>
-                <a:srgbClr val="4D4D4D"/>
-              </a:solidFill>
-              <a:effectLst/>
-              <a:latin typeface="-apple-system"/>
-            </a:endParaRPr>
-          </a:p>
-          <a:p>
-            <a:pPr marL="0" indent="0" algn="l">
-              <a:buNone/>
-            </a:pPr>
-            <a:r>
-              <a:rPr lang="zh-CN" altLang="en-US" b="0" i="0" u="none" strike="noStrike" dirty="0">
-                <a:solidFill>
-                  <a:srgbClr val="4F4F4F"/>
-                </a:solidFill>
-                <a:effectLst/>
-                <a:latin typeface="-apple-system"/>
-              </a:rPr>
+          </a:p>
+          <a:p>
+            <a:r>
+              <a:rPr lang="zh-CN" altLang="en-US" dirty="0"/>
+              <a:t>主打市场：</a:t>
+            </a:r>
+            <a:endParaRPr lang="en-US" altLang="zh-CN" dirty="0"/>
+          </a:p>
+          <a:p>
+            <a:pPr lvl="1"/>
+            <a:r>
+              <a:rPr lang="zh-CN" altLang="en-US" dirty="0"/>
+              <a:t>智能照明，智能插座，智能家电，以为物联网网关等</a:t>
+            </a:r>
+            <a:endParaRPr lang="en-US" altLang="zh-CN" dirty="0"/>
+          </a:p>
+          <a:p>
+            <a:pPr lvl="2"/>
+            <a:r>
+              <a:rPr lang="zh-CN" altLang="en-US" dirty="0"/>
               <a:t>智能插座，</a:t>
             </a:r>
             <a:r>
-              <a:rPr lang="en-US" altLang="zh-CN" b="0" i="0" u="none" strike="noStrike" dirty="0">
-                <a:solidFill>
-                  <a:srgbClr val="4F4F4F"/>
-                </a:solidFill>
-                <a:effectLst/>
-                <a:latin typeface="-apple-system"/>
-              </a:rPr>
+              <a:rPr lang="en-US" altLang="zh-CN" dirty="0"/>
               <a:t>2018</a:t>
             </a:r>
             <a:r>
-              <a:rPr lang="zh-CN" altLang="en-US" b="0" i="0" u="none" strike="noStrike" dirty="0">
-                <a:solidFill>
-                  <a:srgbClr val="4F4F4F"/>
-                </a:solidFill>
-                <a:effectLst/>
-                <a:latin typeface="-apple-system"/>
-              </a:rPr>
+              <a:rPr lang="zh-CN" altLang="en-US" dirty="0"/>
               <a:t>年市场出货</a:t>
             </a:r>
             <a:r>
-              <a:rPr lang="en-US" altLang="zh-CN" b="0" i="0" u="none" strike="noStrike" dirty="0">
-                <a:solidFill>
-                  <a:srgbClr val="4F4F4F"/>
-                </a:solidFill>
-                <a:effectLst/>
-                <a:latin typeface="-apple-system"/>
-              </a:rPr>
+              <a:rPr lang="en-US" altLang="zh-CN" dirty="0"/>
               <a:t>2100</a:t>
             </a:r>
             <a:r>
-              <a:rPr lang="zh-CN" altLang="en-US" b="0" i="0" u="none" strike="noStrike" dirty="0">
-                <a:solidFill>
-                  <a:srgbClr val="4F4F4F"/>
-                </a:solidFill>
-                <a:effectLst/>
-                <a:latin typeface="-apple-system"/>
-              </a:rPr>
+              <a:rPr lang="zh-CN" altLang="en-US" dirty="0"/>
               <a:t>万，</a:t>
             </a:r>
             <a:r>
-              <a:rPr lang="en-US" altLang="zh-CN" b="0" i="0" u="none" strike="noStrike" dirty="0">
-                <a:solidFill>
-                  <a:srgbClr val="4F4F4F"/>
-                </a:solidFill>
-                <a:effectLst/>
-                <a:latin typeface="-apple-system"/>
-              </a:rPr>
+              <a:rPr lang="en-US" altLang="zh-CN" dirty="0"/>
               <a:t>2019</a:t>
             </a:r>
             <a:r>
-              <a:rPr lang="zh-CN" altLang="en-US" b="0" i="0" u="none" strike="noStrike" dirty="0">
-                <a:solidFill>
-                  <a:srgbClr val="4F4F4F"/>
-                </a:solidFill>
-                <a:effectLst/>
-                <a:latin typeface="-apple-system"/>
-              </a:rPr>
+              <a:rPr lang="zh-CN" altLang="en-US" dirty="0"/>
               <a:t>出货</a:t>
             </a:r>
             <a:r>
-              <a:rPr lang="en-US" altLang="zh-CN" b="0" i="0" u="none" strike="noStrike" dirty="0">
-                <a:solidFill>
-                  <a:srgbClr val="4F4F4F"/>
-                </a:solidFill>
-                <a:effectLst/>
-                <a:latin typeface="-apple-system"/>
-              </a:rPr>
+              <a:rPr lang="en-US" altLang="zh-CN" dirty="0"/>
               <a:t>4000</a:t>
             </a:r>
             <a:r>
-              <a:rPr lang="zh-CN" altLang="en-US" b="0" i="0" u="none" strike="noStrike" dirty="0">
-                <a:solidFill>
-                  <a:srgbClr val="4F4F4F"/>
-                </a:solidFill>
-                <a:effectLst/>
-                <a:latin typeface="-apple-system"/>
-              </a:rPr>
+              <a:rPr lang="zh-CN" altLang="en-US" dirty="0"/>
               <a:t>万；</a:t>
             </a:r>
           </a:p>
           <a:p>
-            <a:pPr marL="0" indent="0" algn="l">
-              <a:buNone/>
-            </a:pPr>
-            <a:r>
-              <a:rPr lang="zh-CN" altLang="en-US" b="0" i="0" u="none" strike="noStrike" dirty="0">
-                <a:solidFill>
-                  <a:srgbClr val="4F4F4F"/>
-                </a:solidFill>
-                <a:effectLst/>
-                <a:latin typeface="-apple-system"/>
-              </a:rPr>
-              <a:t> </a:t>
-            </a:r>
-          </a:p>
-          <a:p>
-            <a:pPr marL="0" indent="0" algn="l">
-              <a:buNone/>
-            </a:pPr>
-            <a:r>
-              <a:rPr lang="zh-CN" altLang="en-US" b="0" i="0" u="none" strike="noStrike" dirty="0">
-                <a:solidFill>
-                  <a:srgbClr val="4F4F4F"/>
-                </a:solidFill>
-                <a:effectLst/>
-                <a:latin typeface="-apple-system"/>
-              </a:rPr>
+            <a:pPr lvl="2"/>
+            <a:r>
+              <a:rPr lang="zh-CN" altLang="en-US" dirty="0"/>
               <a:t>智能照明，</a:t>
             </a:r>
             <a:r>
-              <a:rPr lang="en-US" altLang="zh-CN" b="0" i="0" u="none" strike="noStrike" dirty="0">
-                <a:solidFill>
-                  <a:srgbClr val="4F4F4F"/>
-                </a:solidFill>
-                <a:effectLst/>
-                <a:latin typeface="-apple-system"/>
-              </a:rPr>
+              <a:rPr lang="en-US" altLang="zh-CN" dirty="0"/>
               <a:t>2018</a:t>
             </a:r>
             <a:r>
-              <a:rPr lang="zh-CN" altLang="en-US" b="0" i="0" u="none" strike="noStrike" dirty="0">
-                <a:solidFill>
-                  <a:srgbClr val="4F4F4F"/>
-                </a:solidFill>
-                <a:effectLst/>
-                <a:latin typeface="-apple-system"/>
-              </a:rPr>
+              <a:rPr lang="zh-CN" altLang="en-US" dirty="0"/>
               <a:t>年市场出货</a:t>
             </a:r>
             <a:r>
-              <a:rPr lang="en-US" altLang="zh-CN" b="0" i="0" u="none" strike="noStrike" dirty="0">
-                <a:solidFill>
-                  <a:srgbClr val="4F4F4F"/>
-                </a:solidFill>
-                <a:effectLst/>
-                <a:latin typeface="-apple-system"/>
-              </a:rPr>
+              <a:rPr lang="en-US" altLang="zh-CN" dirty="0"/>
               <a:t>3900</a:t>
             </a:r>
             <a:r>
-              <a:rPr lang="zh-CN" altLang="en-US" b="0" i="0" u="none" strike="noStrike" dirty="0">
-                <a:solidFill>
-                  <a:srgbClr val="4F4F4F"/>
-                </a:solidFill>
-                <a:effectLst/>
-                <a:latin typeface="-apple-system"/>
-              </a:rPr>
+              <a:rPr lang="zh-CN" altLang="en-US" dirty="0"/>
               <a:t>万，</a:t>
             </a:r>
             <a:r>
-              <a:rPr lang="en-US" altLang="zh-CN" b="0" i="0" u="none" strike="noStrike" dirty="0">
-                <a:solidFill>
-                  <a:srgbClr val="4F4F4F"/>
-                </a:solidFill>
-                <a:effectLst/>
-                <a:latin typeface="-apple-system"/>
-              </a:rPr>
+              <a:rPr lang="en-US" altLang="zh-CN" dirty="0"/>
               <a:t>2019</a:t>
             </a:r>
             <a:r>
-              <a:rPr lang="zh-CN" altLang="en-US" b="0" i="0" u="none" strike="noStrike" dirty="0">
-                <a:solidFill>
-                  <a:srgbClr val="4F4F4F"/>
-                </a:solidFill>
-                <a:effectLst/>
-                <a:latin typeface="-apple-system"/>
-              </a:rPr>
+              <a:rPr lang="zh-CN" altLang="en-US" dirty="0"/>
               <a:t>年出货</a:t>
             </a:r>
             <a:r>
-              <a:rPr lang="en-US" altLang="zh-CN" b="0" i="0" u="none" strike="noStrike" dirty="0">
-                <a:solidFill>
-                  <a:srgbClr val="4F4F4F"/>
-                </a:solidFill>
-                <a:effectLst/>
-                <a:latin typeface="-apple-system"/>
-              </a:rPr>
+              <a:rPr lang="en-US" altLang="zh-CN" dirty="0"/>
               <a:t>5900</a:t>
             </a:r>
             <a:r>
-              <a:rPr lang="zh-CN" altLang="en-US" b="0" i="0" u="none" strike="noStrike" dirty="0">
-                <a:solidFill>
-                  <a:srgbClr val="4F4F4F"/>
-                </a:solidFill>
-                <a:effectLst/>
-                <a:latin typeface="-apple-system"/>
-              </a:rPr>
+              <a:rPr lang="zh-CN" altLang="en-US" dirty="0"/>
               <a:t>万；</a:t>
             </a:r>
           </a:p>
           <a:p>
-            <a:pPr marL="0" indent="0" algn="l">
-              <a:buNone/>
-            </a:pPr>
-            <a:r>
-              <a:rPr lang="zh-CN" altLang="en-US" b="0" i="0" u="none" strike="noStrike" dirty="0">
-                <a:solidFill>
-                  <a:srgbClr val="4F4F4F"/>
-                </a:solidFill>
-                <a:effectLst/>
-                <a:latin typeface="-apple-system"/>
-              </a:rPr>
-              <a:t> </a:t>
-            </a:r>
-          </a:p>
-          <a:p>
-            <a:pPr marL="0" indent="0" algn="l">
-              <a:buNone/>
-            </a:pPr>
-            <a:r>
-              <a:rPr lang="zh-CN" altLang="en-US" b="0" i="0" u="none" strike="noStrike" dirty="0">
-                <a:solidFill>
-                  <a:srgbClr val="4F4F4F"/>
-                </a:solidFill>
-                <a:effectLst/>
-                <a:latin typeface="-apple-system"/>
-              </a:rPr>
+            <a:pPr lvl="2"/>
+            <a:r>
+              <a:rPr lang="zh-CN" altLang="en-US" dirty="0"/>
               <a:t>智能家电，</a:t>
             </a:r>
             <a:r>
-              <a:rPr lang="en-US" altLang="zh-CN" b="0" i="0" u="none" strike="noStrike" dirty="0">
-                <a:solidFill>
-                  <a:srgbClr val="4F4F4F"/>
-                </a:solidFill>
-                <a:effectLst/>
-                <a:latin typeface="-apple-system"/>
-              </a:rPr>
+              <a:rPr lang="en-US" altLang="zh-CN" dirty="0"/>
               <a:t>2018</a:t>
             </a:r>
             <a:r>
-              <a:rPr lang="zh-CN" altLang="en-US" b="0" i="0" u="none" strike="noStrike" dirty="0">
-                <a:solidFill>
-                  <a:srgbClr val="4F4F4F"/>
-                </a:solidFill>
-                <a:effectLst/>
-                <a:latin typeface="-apple-system"/>
-              </a:rPr>
+              <a:rPr lang="zh-CN" altLang="en-US" dirty="0"/>
               <a:t>年市场出货</a:t>
             </a:r>
             <a:r>
-              <a:rPr lang="en-US" altLang="zh-CN" b="0" i="0" u="none" strike="noStrike" dirty="0">
-                <a:solidFill>
-                  <a:srgbClr val="4F4F4F"/>
-                </a:solidFill>
-                <a:effectLst/>
-                <a:latin typeface="-apple-system"/>
-              </a:rPr>
+              <a:rPr lang="en-US" altLang="zh-CN" dirty="0"/>
               <a:t>6600</a:t>
             </a:r>
             <a:r>
-              <a:rPr lang="zh-CN" altLang="en-US" b="0" i="0" u="none" strike="noStrike" dirty="0">
-                <a:solidFill>
-                  <a:srgbClr val="4F4F4F"/>
-                </a:solidFill>
-                <a:effectLst/>
-                <a:latin typeface="-apple-system"/>
-              </a:rPr>
+              <a:rPr lang="zh-CN" altLang="en-US" dirty="0"/>
               <a:t>万，</a:t>
             </a:r>
             <a:r>
-              <a:rPr lang="en-US" altLang="zh-CN" b="0" i="0" u="none" strike="noStrike" dirty="0">
-                <a:solidFill>
-                  <a:srgbClr val="4F4F4F"/>
-                </a:solidFill>
-                <a:effectLst/>
-                <a:latin typeface="-apple-system"/>
-              </a:rPr>
+              <a:rPr lang="en-US" altLang="zh-CN" dirty="0"/>
               <a:t>2019</a:t>
             </a:r>
             <a:r>
-              <a:rPr lang="zh-CN" altLang="en-US" b="0" i="0" u="none" strike="noStrike" dirty="0">
-                <a:solidFill>
-                  <a:srgbClr val="4F4F4F"/>
-                </a:solidFill>
-                <a:effectLst/>
-                <a:latin typeface="-apple-system"/>
-              </a:rPr>
+              <a:rPr lang="zh-CN" altLang="en-US" dirty="0"/>
               <a:t>年出货破亿；</a:t>
             </a:r>
           </a:p>
           <a:p>
-            <a:pPr marL="457200" lvl="1" indent="0">
-              <a:buNone/>
-            </a:pPr>
-            <a:endParaRPr kumimoji="1" lang="zh-CN" altLang="en-US" dirty="0"/>
+            <a:pPr lvl="1"/>
+            <a:endParaRPr lang="zh-CN" altLang="en-US" dirty="0"/>
           </a:p>
         </p:txBody>
       </p:sp>
@@ -5604,96 +6056,6 @@
 </file>
 
 <file path=ppt/slides/slide2.xml><?xml version="1.0" encoding="utf-8"?>
-<p:sld xmlns:a="http://schemas.openxmlformats.org/drawingml/2006/main" xmlns:r="http://schemas.openxmlformats.org/officeDocument/2006/relationships" xmlns:p="http://schemas.openxmlformats.org/presentationml/2006/main">
-  <p:cSld>
-    <p:spTree>
-      <p:nvGrpSpPr>
-        <p:cNvPr id="1" name=""/>
-        <p:cNvGrpSpPr/>
-        <p:nvPr/>
-      </p:nvGrpSpPr>
-      <p:grpSpPr>
-        <a:xfrm>
-          <a:off x="0" y="0"/>
-          <a:ext cx="0" cy="0"/>
-          <a:chOff x="0" y="0"/>
-          <a:chExt cx="0" cy="0"/>
-        </a:xfrm>
-      </p:grpSpPr>
-      <p:sp>
-        <p:nvSpPr>
-          <p:cNvPr id="2" name="标题 1">
-            <a:extLst>
-              <a:ext uri="{FF2B5EF4-FFF2-40B4-BE49-F238E27FC236}">
-                <a16:creationId xmlns:a16="http://schemas.microsoft.com/office/drawing/2014/main" id="{F44D6908-F871-AA56-9945-84255A37EB21}"/>
-              </a:ext>
-            </a:extLst>
-          </p:cNvPr>
-          <p:cNvSpPr>
-            <a:spLocks noGrp="1"/>
-          </p:cNvSpPr>
-          <p:nvPr>
-            <p:ph type="title"/>
-          </p:nvPr>
-        </p:nvSpPr>
-        <p:spPr/>
-        <p:txBody>
-          <a:bodyPr/>
-          <a:lstStyle/>
-          <a:p>
-            <a:endParaRPr kumimoji="1" lang="zh-CN" altLang="en-US" dirty="0"/>
-          </a:p>
-        </p:txBody>
-      </p:sp>
-      <p:sp>
-        <p:nvSpPr>
-          <p:cNvPr id="3" name="内容占位符 2">
-            <a:extLst>
-              <a:ext uri="{FF2B5EF4-FFF2-40B4-BE49-F238E27FC236}">
-                <a16:creationId xmlns:a16="http://schemas.microsoft.com/office/drawing/2014/main" id="{A30F24EE-667C-7BA6-8C68-65E4A29E3700}"/>
-              </a:ext>
-            </a:extLst>
-          </p:cNvPr>
-          <p:cNvSpPr>
-            <a:spLocks noGrp="1"/>
-          </p:cNvSpPr>
-          <p:nvPr>
-            <p:ph idx="1"/>
-          </p:nvPr>
-        </p:nvSpPr>
-        <p:spPr/>
-        <p:txBody>
-          <a:bodyPr/>
-          <a:lstStyle/>
-          <a:p>
-            <a:r>
-              <a:rPr lang="zh-CN" altLang="en-US" dirty="0">
-                <a:effectLst/>
-                <a:latin typeface="Microsoft YaHei" panose="020B0503020204020204" pitchFamily="34" charset="-122"/>
-                <a:ea typeface="Microsoft YaHei" panose="020B0503020204020204" pitchFamily="34" charset="-122"/>
-              </a:rPr>
-              <a:t>哪些产品线比较好？包括未来考虑国产化替代的</a:t>
-            </a:r>
-          </a:p>
-          <a:p>
-            <a:endParaRPr kumimoji="1" lang="zh-CN" altLang="en-US" dirty="0"/>
-          </a:p>
-        </p:txBody>
-      </p:sp>
-    </p:spTree>
-    <p:extLst>
-      <p:ext uri="{BB962C8B-B14F-4D97-AF65-F5344CB8AC3E}">
-        <p14:creationId xmlns:p14="http://schemas.microsoft.com/office/powerpoint/2010/main" val="203034177"/>
-      </p:ext>
-    </p:extLst>
-  </p:cSld>
-  <p:clrMapOvr>
-    <a:masterClrMapping/>
-  </p:clrMapOvr>
-</p:sld>
-</file>
-
-<file path=ppt/slides/slide3.xml><?xml version="1.0" encoding="utf-8"?>
 <p:sld xmlns:a="http://schemas.openxmlformats.org/drawingml/2006/main" xmlns:r="http://schemas.openxmlformats.org/officeDocument/2006/relationships" xmlns:p="http://schemas.openxmlformats.org/presentationml/2006/main">
   <p:cSld>
     <p:spTree>
@@ -5737,7 +6099,7 @@
         </p:blipFill>
         <p:spPr>
           <a:xfrm>
-            <a:off x="0" y="112712"/>
+            <a:off x="62524" y="112712"/>
             <a:ext cx="7562052" cy="6632575"/>
           </a:xfrm>
           <a:prstGeom prst="rect">
@@ -5769,7 +6131,7 @@
             <a:pPr algn="r"/>
             <a:r>
               <a:rPr kumimoji="1" lang="zh-CN" altLang="en-US" b="1" dirty="0"/>
-              <a:t>瑞昱产品线汇总</a:t>
+              <a:t>瑞昱官网产品线汇总</a:t>
             </a:r>
           </a:p>
         </p:txBody>
@@ -5792,8 +6154,8 @@
         </p:nvSpPr>
         <p:spPr>
           <a:xfrm>
-            <a:off x="7007469" y="1690688"/>
-            <a:ext cx="4545623" cy="4802187"/>
+            <a:off x="6721231" y="1816894"/>
+            <a:ext cx="4986215" cy="4802187"/>
           </a:xfrm>
         </p:spPr>
         <p:txBody>
@@ -5803,26 +6165,26 @@
           <a:lstStyle/>
           <a:p>
             <a:r>
-              <a:rPr lang="zh-CN" altLang="en-US" sz="1800" dirty="0"/>
+              <a:rPr lang="zh-CN" altLang="en-US" sz="1800" b="1" dirty="0"/>
               <a:t>瑞昱业务主要可分</a:t>
             </a:r>
             <a:r>
-              <a:rPr lang="en-US" altLang="zh-CN" sz="1800" dirty="0"/>
+              <a:rPr lang="en-US" altLang="zh-CN" sz="1800" b="1" dirty="0"/>
               <a:t>PC</a:t>
             </a:r>
             <a:r>
-              <a:rPr lang="zh-CN" altLang="en-US" sz="1800" dirty="0"/>
+              <a:rPr lang="zh-CN" altLang="en-US" sz="1800" b="1" dirty="0"/>
               <a:t>和非</a:t>
             </a:r>
             <a:r>
-              <a:rPr lang="en-US" altLang="zh-CN" sz="1800" dirty="0"/>
+              <a:rPr lang="en-US" altLang="zh-CN" sz="1800" b="1" dirty="0"/>
               <a:t>PC</a:t>
             </a:r>
             <a:r>
-              <a:rPr lang="zh-CN" altLang="en-US" sz="1800" dirty="0"/>
+              <a:rPr lang="zh-CN" altLang="en-US" sz="1800" b="1" dirty="0"/>
               <a:t>类</a:t>
             </a:r>
-            <a:endParaRPr lang="en-US" altLang="zh-CN" sz="1800" dirty="0"/>
+            <a:endParaRPr lang="en-US" altLang="zh-CN" sz="1800" b="1" dirty="0"/>
           </a:p>
           <a:p>
             <a:pPr lvl="1"/>
@@ -5864,7 +6226,7 @@
             <a:pPr lvl="1"/>
             <a:r>
               <a:rPr lang="zh-CN" altLang="en-US" sz="1600" dirty="0"/>
-              <a:t>非</a:t>
+              <a:t>在</a:t>
             </a:r>
             <a:r>
               <a:rPr lang="en-US" altLang="zh-CN" sz="1600" dirty="0"/>
@@ -5872,6 +6234,62 @@
             </a:r>
             <a:r>
               <a:rPr lang="zh-CN" altLang="en-US" sz="1600" dirty="0"/>
+              <a:t>相关产品部分，主要包含</a:t>
+            </a:r>
+            <a:r>
+              <a:rPr lang="en-US" altLang="zh-CN" sz="1600" dirty="0"/>
+              <a:t>Audio codec (</a:t>
+            </a:r>
+            <a:r>
+              <a:rPr lang="zh-CN" altLang="en-US" sz="1600" dirty="0"/>
+              <a:t>音频编解码器</a:t>
+            </a:r>
+            <a:r>
+              <a:rPr lang="en-US" altLang="zh-CN" sz="1600" dirty="0"/>
+              <a:t>)</a:t>
+            </a:r>
+            <a:r>
+              <a:rPr lang="zh-CN" altLang="en-US" sz="1600" dirty="0"/>
+              <a:t>、</a:t>
+            </a:r>
+            <a:r>
+              <a:rPr lang="en-US" altLang="zh-CN" sz="1600" dirty="0"/>
+              <a:t>PC cam</a:t>
+            </a:r>
+            <a:r>
+              <a:rPr lang="zh-CN" altLang="en-US" sz="1600" dirty="0"/>
+              <a:t>等相关芯片。</a:t>
+            </a:r>
+            <a:r>
+              <a:rPr lang="en-US" altLang="zh-CN" sz="1600" dirty="0"/>
+              <a:t>17</a:t>
+            </a:r>
+            <a:r>
+              <a:rPr lang="zh-CN" altLang="en-US" sz="1600" dirty="0"/>
+              <a:t>年开始</a:t>
+            </a:r>
+            <a:r>
+              <a:rPr lang="en-US" altLang="zh-CN" sz="1600" dirty="0"/>
+              <a:t>Audio</a:t>
+            </a:r>
+            <a:r>
+              <a:rPr lang="zh-CN" altLang="en-US" sz="1600" dirty="0"/>
+              <a:t>产品线于蓝牙耳机应用明显增长</a:t>
+            </a:r>
+            <a:endParaRPr lang="en-US" altLang="zh-CN" sz="1600" dirty="0"/>
+          </a:p>
+          <a:p>
+            <a:pPr lvl="1"/>
+            <a:r>
+              <a:rPr lang="zh-CN" altLang="en-US" sz="1600" dirty="0"/>
+              <a:t>非</a:t>
+            </a:r>
+            <a:r>
+              <a:rPr lang="en-US" altLang="zh-CN" sz="1600" dirty="0"/>
+              <a:t>PC</a:t>
+            </a:r>
+            <a:r>
+              <a:rPr lang="zh-CN" altLang="en-US" sz="1600" dirty="0"/>
               <a:t>相关，主要包含网通与多媒体产品。网通产品包含</a:t>
             </a:r>
             <a:r>
@@ -5909,67 +6327,11 @@
             <a:endParaRPr lang="en-US" altLang="zh-CN" sz="1600" dirty="0"/>
           </a:p>
           <a:p>
-            <a:pPr lvl="1"/>
-            <a:r>
-              <a:rPr lang="zh-CN" altLang="en-US" sz="1600" dirty="0"/>
-              <a:t>在</a:t>
-            </a:r>
-            <a:r>
-              <a:rPr lang="en-US" altLang="zh-CN" sz="1600" dirty="0"/>
-              <a:t>PC</a:t>
-            </a:r>
-            <a:r>
-              <a:rPr lang="zh-CN" altLang="en-US" sz="1600" dirty="0"/>
-              <a:t>相关产品部分，主要包含</a:t>
-            </a:r>
-            <a:r>
-              <a:rPr lang="en-US" altLang="zh-CN" sz="1600" dirty="0"/>
-              <a:t>Audio codec (</a:t>
-            </a:r>
-            <a:r>
-              <a:rPr lang="zh-CN" altLang="en-US" sz="1600" dirty="0"/>
-              <a:t>音频编解码器</a:t>
-            </a:r>
-            <a:r>
-              <a:rPr lang="en-US" altLang="zh-CN" sz="1600" dirty="0"/>
-              <a:t>)</a:t>
-            </a:r>
-            <a:r>
-              <a:rPr lang="zh-CN" altLang="en-US" sz="1600" dirty="0"/>
-              <a:t>、</a:t>
-            </a:r>
-            <a:r>
-              <a:rPr lang="en-US" altLang="zh-CN" sz="1600" dirty="0"/>
-              <a:t>PC cam</a:t>
-            </a:r>
-            <a:r>
-              <a:rPr lang="zh-CN" altLang="en-US" sz="1600" dirty="0"/>
-              <a:t>等相关芯片。</a:t>
-            </a:r>
-            <a:r>
-              <a:rPr lang="en-US" altLang="zh-CN" sz="1600" dirty="0"/>
-              <a:t>17</a:t>
-            </a:r>
-            <a:r>
-              <a:rPr lang="zh-CN" altLang="en-US" sz="1600" dirty="0"/>
-              <a:t>年开始</a:t>
-            </a:r>
-            <a:r>
-              <a:rPr lang="en-US" altLang="zh-CN" sz="1600" dirty="0"/>
-              <a:t>Audio</a:t>
-            </a:r>
-            <a:r>
-              <a:rPr lang="zh-CN" altLang="en-US" sz="1600" dirty="0"/>
-              <a:t>产品线于蓝牙耳机应用明显增长</a:t>
-            </a:r>
-            <a:endParaRPr lang="en-US" altLang="zh-CN" sz="1600" dirty="0"/>
-          </a:p>
-          <a:p>
-            <a:r>
-              <a:rPr lang="zh-CN" altLang="en-US" sz="1800" dirty="0"/>
+            <a:r>
+              <a:rPr lang="zh-CN" altLang="en-US" sz="1800" b="1" dirty="0"/>
               <a:t>与九音芯片相关的产品线</a:t>
             </a:r>
-            <a:endParaRPr lang="en-US" altLang="zh-CN" sz="1800" dirty="0"/>
+            <a:endParaRPr lang="en-US" altLang="zh-CN" sz="1800" b="1" dirty="0"/>
           </a:p>
           <a:p>
             <a:pPr lvl="1"/>
@@ -6002,24 +6364,79 @@
               <a:t>接口系列</a:t>
             </a:r>
             <a:r>
-              <a:rPr lang="en-US" altLang="zh-CN" sz="1400" b="1" dirty="0"/>
+              <a:rPr lang="en-US" altLang="zh-CN" sz="1400" dirty="0"/>
               <a:t>(</a:t>
             </a:r>
             <a:r>
-              <a:rPr lang="zh-CN" altLang="en-US" sz="1400" b="1" dirty="0"/>
+              <a:rPr lang="zh-CN" altLang="en-US" sz="1400" dirty="0"/>
               <a:t>具体见</a:t>
             </a:r>
             <a:r>
-              <a:rPr lang="en-US" altLang="zh-CN" sz="1400" b="1" dirty="0"/>
+              <a:rPr lang="en-US" altLang="zh-CN" sz="1400" dirty="0"/>
               <a:t>Audio</a:t>
             </a:r>
             <a:r>
-              <a:rPr lang="zh-CN" altLang="en-US" sz="1400" b="1" dirty="0"/>
+              <a:rPr lang="zh-CN" altLang="en-US" sz="1400" dirty="0"/>
               <a:t>产品线详细分析</a:t>
             </a:r>
             <a:r>
-              <a:rPr lang="en-US" altLang="zh-CN" sz="1400" b="1" dirty="0"/>
+              <a:rPr lang="en-US" altLang="zh-CN" sz="1400" dirty="0"/>
               <a:t>)</a:t>
+            </a:r>
+          </a:p>
+          <a:p>
+            <a:pPr lvl="2"/>
+            <a:r>
+              <a:rPr lang="zh-CN" altLang="en-US" sz="1400" dirty="0"/>
+              <a:t>该产品线占瑞昱</a:t>
+            </a:r>
+            <a:r>
+              <a:rPr lang="en-US" altLang="zh-CN" sz="1400" dirty="0"/>
+              <a:t>20</a:t>
+            </a:r>
+            <a:r>
+              <a:rPr lang="zh-CN" altLang="en-US" sz="1400" dirty="0"/>
+              <a:t>、</a:t>
+            </a:r>
+            <a:r>
+              <a:rPr lang="en-US" altLang="zh-CN" sz="1400" dirty="0"/>
+              <a:t>21</a:t>
+            </a:r>
+            <a:r>
+              <a:rPr lang="zh-CN" altLang="en-US" sz="1400" dirty="0"/>
+              <a:t>财年</a:t>
+            </a:r>
+            <a:r>
+              <a:rPr lang="zh-CN" altLang="en-US" sz="1400" b="1" dirty="0">
+                <a:solidFill>
+                  <a:srgbClr val="FF0000"/>
+                </a:solidFill>
+              </a:rPr>
+              <a:t>营收的</a:t>
+            </a:r>
+            <a:r>
+              <a:rPr lang="en-US" altLang="zh-CN" sz="1400" b="1" dirty="0">
+                <a:solidFill>
+                  <a:srgbClr val="FF0000"/>
+                </a:solidFill>
+              </a:rPr>
+              <a:t>2%</a:t>
+            </a:r>
+            <a:r>
+              <a:rPr lang="zh-CN" altLang="en-US" sz="1400" b="1" dirty="0">
+                <a:solidFill>
+                  <a:srgbClr val="FF0000"/>
+                </a:solidFill>
+              </a:rPr>
+              <a:t>、</a:t>
+            </a:r>
+            <a:r>
+              <a:rPr lang="en-US" altLang="zh-CN" sz="1400" b="1" dirty="0">
+                <a:solidFill>
+                  <a:srgbClr val="FF0000"/>
+                </a:solidFill>
+              </a:rPr>
+              <a:t>3%</a:t>
             </a:r>
           </a:p>
           <a:p>
@@ -6041,16 +6458,71 @@
               <a:t>降噪部分</a:t>
             </a:r>
             <a:r>
-              <a:rPr lang="en-US" altLang="zh-CN" sz="1400" b="1" dirty="0"/>
+              <a:rPr lang="en-US" altLang="zh-CN" sz="1400" dirty="0"/>
               <a:t>(</a:t>
             </a:r>
             <a:r>
-              <a:rPr lang="zh-CN" altLang="en-US" sz="1400" b="1" dirty="0"/>
+              <a:rPr lang="zh-CN" altLang="en-US" sz="1400" dirty="0"/>
               <a:t>具体见蓝牙产品线详细分析</a:t>
             </a:r>
             <a:r>
-              <a:rPr lang="en-US" altLang="zh-CN" sz="1400" b="1" dirty="0"/>
+              <a:rPr lang="en-US" altLang="zh-CN" sz="1400" dirty="0"/>
               <a:t>)</a:t>
+            </a:r>
+          </a:p>
+          <a:p>
+            <a:pPr lvl="2"/>
+            <a:r>
+              <a:rPr lang="zh-CN" altLang="en-US" sz="1400" dirty="0"/>
+              <a:t>该产品线占瑞昱</a:t>
+            </a:r>
+            <a:r>
+              <a:rPr lang="en-US" altLang="zh-CN" sz="1400" dirty="0"/>
+              <a:t>20</a:t>
+            </a:r>
+            <a:r>
+              <a:rPr lang="zh-CN" altLang="en-US" sz="1400" dirty="0"/>
+              <a:t>、</a:t>
+            </a:r>
+            <a:r>
+              <a:rPr lang="en-US" altLang="zh-CN" sz="1400" dirty="0"/>
+              <a:t>21</a:t>
+            </a:r>
+            <a:r>
+              <a:rPr lang="zh-CN" altLang="en-US" sz="1400" dirty="0"/>
+              <a:t>财年</a:t>
+            </a:r>
+            <a:r>
+              <a:rPr lang="zh-CN" altLang="en-US" sz="1400" b="1" dirty="0">
+                <a:solidFill>
+                  <a:srgbClr val="FF0000"/>
+                </a:solidFill>
+              </a:rPr>
+              <a:t>营收的</a:t>
+            </a:r>
+            <a:r>
+              <a:rPr lang="en-US" altLang="zh-CN" sz="1400" b="1" dirty="0">
+                <a:solidFill>
+                  <a:srgbClr val="FF0000"/>
+                </a:solidFill>
+              </a:rPr>
+              <a:t>12%</a:t>
+            </a:r>
+            <a:r>
+              <a:rPr lang="zh-CN" altLang="en-US" sz="1400" b="1" dirty="0">
+                <a:solidFill>
+                  <a:srgbClr val="FF0000"/>
+                </a:solidFill>
+              </a:rPr>
+              <a:t>、</a:t>
+            </a:r>
+            <a:r>
+              <a:rPr lang="en-US" altLang="zh-CN" sz="1400" b="1" dirty="0">
+                <a:solidFill>
+                  <a:srgbClr val="FF0000"/>
+                </a:solidFill>
+              </a:rPr>
+              <a:t>13%</a:t>
             </a:r>
           </a:p>
           <a:p>
@@ -6089,7 +6561,7 @@
 </p:sld>
 </file>
 
-<file path=ppt/slides/slide4.xml><?xml version="1.0" encoding="utf-8"?>
+<file path=ppt/slides/slide3.xml><?xml version="1.0" encoding="utf-8"?>
 <p:sld xmlns:a="http://schemas.openxmlformats.org/drawingml/2006/main" xmlns:r="http://schemas.openxmlformats.org/officeDocument/2006/relationships" xmlns:p="http://schemas.openxmlformats.org/presentationml/2006/main">
   <p:cSld>
     <p:spTree>
@@ -6791,30 +7263,30 @@
                     <a:p>
                       <a:pPr algn="l" fontAlgn="ctr"/>
                       <a:r>
-                        <a:rPr lang="zh-CN" altLang="en-US" sz="1400" u="none" strike="noStrike">
+                        <a:rPr lang="zh-CN" altLang="en-US" sz="1400" u="none" strike="noStrike" dirty="0">
                           <a:effectLst/>
                         </a:rPr>
                         <a:t>网管型交换机</a:t>
                       </a:r>
                       <a:r>
-                        <a:rPr lang="en-US" altLang="zh-CN" sz="1400" u="none" strike="noStrike">
+                        <a:rPr lang="en-US" altLang="zh-CN" sz="1400" u="none" strike="noStrike" dirty="0">
                           <a:effectLst/>
                         </a:rPr>
                         <a:t>2000</a:t>
                       </a:r>
                       <a:r>
-                        <a:rPr lang="zh-CN" altLang="en-US" sz="1400" u="none" strike="noStrike">
+                        <a:rPr lang="zh-CN" altLang="en-US" sz="1400" u="none" strike="noStrike" dirty="0">
                           <a:effectLst/>
                         </a:rPr>
                         <a:t>万个单位</a:t>
                       </a:r>
                       <a:r>
-                        <a:rPr lang="en-US" sz="1400" u="none" strike="noStrike">
+                        <a:rPr lang="en-US" sz="1400" u="none" strike="noStrike" dirty="0">
                           <a:effectLst/>
                         </a:rPr>
                         <a:t>TAM X S 5ASP，10G PON</a:t>
                       </a:r>
-                      <a:endParaRPr lang="en-US" sz="1400" b="0" i="0" u="none" strike="noStrike">
+                      <a:endParaRPr lang="en-US" sz="1400" b="0" i="0" u="none" strike="noStrike" dirty="0">
                         <a:solidFill>
                           <a:srgbClr val="000000"/>
                         </a:solidFill>
@@ -8723,6 +9195,1312 @@
     <p:extLst>
       <p:ext uri="{BB962C8B-B14F-4D97-AF65-F5344CB8AC3E}">
         <p14:creationId xmlns:p14="http://schemas.microsoft.com/office/powerpoint/2010/main" val="2958364624"/>
+      </p:ext>
+    </p:extLst>
+  </p:cSld>
+  <p:clrMapOvr>
+    <a:masterClrMapping/>
+  </p:clrMapOvr>
+</p:sld>
+</file>
+
+<file path=ppt/slides/slide4.xml><?xml version="1.0" encoding="utf-8"?>
+<p:sld xmlns:a="http://schemas.openxmlformats.org/drawingml/2006/main" xmlns:r="http://schemas.openxmlformats.org/officeDocument/2006/relationships" xmlns:p="http://schemas.openxmlformats.org/presentationml/2006/main">
+  <p:cSld>
+    <p:spTree>
+      <p:nvGrpSpPr>
+        <p:cNvPr id="1" name=""/>
+        <p:cNvGrpSpPr/>
+        <p:nvPr/>
+      </p:nvGrpSpPr>
+      <p:grpSpPr>
+        <a:xfrm>
+          <a:off x="0" y="0"/>
+          <a:ext cx="0" cy="0"/>
+          <a:chOff x="0" y="0"/>
+          <a:chExt cx="0" cy="0"/>
+        </a:xfrm>
+      </p:grpSpPr>
+      <p:sp>
+        <p:nvSpPr>
+          <p:cNvPr id="2" name="标题 1">
+            <a:extLst>
+              <a:ext uri="{FF2B5EF4-FFF2-40B4-BE49-F238E27FC236}">
+                <a16:creationId xmlns:a16="http://schemas.microsoft.com/office/drawing/2014/main" id="{DFB1AFB4-E8E0-C386-F3BF-C76B76F5E319}"/>
+              </a:ext>
+            </a:extLst>
+          </p:cNvPr>
+          <p:cNvSpPr>
+            <a:spLocks noGrp="1"/>
+          </p:cNvSpPr>
+          <p:nvPr>
+            <p:ph type="title"/>
+          </p:nvPr>
+        </p:nvSpPr>
+        <p:spPr/>
+        <p:txBody>
+          <a:bodyPr/>
+          <a:lstStyle/>
+          <a:p>
+            <a:r>
+              <a:rPr lang="zh-CN" altLang="en-US" dirty="0"/>
+              <a:t>产品线相关度调研小结</a:t>
+            </a:r>
+          </a:p>
+        </p:txBody>
+      </p:sp>
+      <p:graphicFrame>
+        <p:nvGraphicFramePr>
+          <p:cNvPr id="4" name="表格 4">
+            <a:extLst>
+              <a:ext uri="{FF2B5EF4-FFF2-40B4-BE49-F238E27FC236}">
+                <a16:creationId xmlns:a16="http://schemas.microsoft.com/office/drawing/2014/main" id="{592D53F0-4303-D4F5-4BAB-21C4D10219FF}"/>
+              </a:ext>
+            </a:extLst>
+          </p:cNvPr>
+          <p:cNvGraphicFramePr>
+            <a:graphicFrameLocks noGrp="1"/>
+          </p:cNvGraphicFramePr>
+          <p:nvPr>
+            <p:ph idx="1"/>
+            <p:extLst>
+              <p:ext uri="{D42A27DB-BD31-4B8C-83A1-F6EECF244321}">
+                <p14:modId xmlns:p14="http://schemas.microsoft.com/office/powerpoint/2010/main" val="3911136521"/>
+              </p:ext>
+            </p:extLst>
+          </p:nvPr>
+        </p:nvGraphicFramePr>
+        <p:xfrm>
+          <a:off x="171939" y="1531816"/>
+          <a:ext cx="11832491" cy="4684440"/>
+        </p:xfrm>
+        <a:graphic>
+          <a:graphicData uri="http://schemas.openxmlformats.org/drawingml/2006/table">
+            <a:tbl>
+              <a:tblPr firstRow="1" bandRow="1">
+                <a:tableStyleId>{5C22544A-7EE6-4342-B048-85BDC9FD1C3A}</a:tableStyleId>
+              </a:tblPr>
+              <a:tblGrid>
+                <a:gridCol w="913343">
+                  <a:extLst>
+                    <a:ext uri="{9D8B030D-6E8A-4147-A177-3AD203B41FA5}">
+                      <a16:colId xmlns:a16="http://schemas.microsoft.com/office/drawing/2014/main" val="2415559606"/>
+                    </a:ext>
+                  </a:extLst>
+                </a:gridCol>
+                <a:gridCol w="1901296">
+                  <a:extLst>
+                    <a:ext uri="{9D8B030D-6E8A-4147-A177-3AD203B41FA5}">
+                      <a16:colId xmlns:a16="http://schemas.microsoft.com/office/drawing/2014/main" val="168385516"/>
+                    </a:ext>
+                  </a:extLst>
+                </a:gridCol>
+                <a:gridCol w="2538448">
+                  <a:extLst>
+                    <a:ext uri="{9D8B030D-6E8A-4147-A177-3AD203B41FA5}">
+                      <a16:colId xmlns:a16="http://schemas.microsoft.com/office/drawing/2014/main" val="3507664837"/>
+                    </a:ext>
+                  </a:extLst>
+                </a:gridCol>
+                <a:gridCol w="2186686">
+                  <a:extLst>
+                    <a:ext uri="{9D8B030D-6E8A-4147-A177-3AD203B41FA5}">
+                      <a16:colId xmlns:a16="http://schemas.microsoft.com/office/drawing/2014/main" val="2446810797"/>
+                    </a:ext>
+                  </a:extLst>
+                </a:gridCol>
+                <a:gridCol w="2046042">
+                  <a:extLst>
+                    <a:ext uri="{9D8B030D-6E8A-4147-A177-3AD203B41FA5}">
+                      <a16:colId xmlns:a16="http://schemas.microsoft.com/office/drawing/2014/main" val="2600392039"/>
+                    </a:ext>
+                  </a:extLst>
+                </a:gridCol>
+                <a:gridCol w="2246676">
+                  <a:extLst>
+                    <a:ext uri="{9D8B030D-6E8A-4147-A177-3AD203B41FA5}">
+                      <a16:colId xmlns:a16="http://schemas.microsoft.com/office/drawing/2014/main" val="2294258715"/>
+                    </a:ext>
+                  </a:extLst>
+                </a:gridCol>
+              </a:tblGrid>
+              <a:tr h="436975">
+                <a:tc>
+                  <a:txBody>
+                    <a:bodyPr/>
+                    <a:lstStyle/>
+                    <a:p>
+                      <a:pPr algn="ctr"/>
+                      <a:r>
+                        <a:rPr lang="zh-CN" altLang="en-US" sz="1400" dirty="0"/>
+                        <a:t>产品线</a:t>
+                      </a:r>
+                    </a:p>
+                  </a:txBody>
+                  <a:tcPr anchor="ctr"/>
+                </a:tc>
+                <a:tc>
+                  <a:txBody>
+                    <a:bodyPr/>
+                    <a:lstStyle/>
+                    <a:p>
+                      <a:pPr marL="0" marR="0" lvl="0" indent="0" algn="ctr" defTabSz="914400" rtl="0" eaLnBrk="1" fontAlgn="auto" latinLnBrk="0" hangingPunct="1">
+                        <a:lnSpc>
+                          <a:spcPct val="100000"/>
+                        </a:lnSpc>
+                        <a:spcBef>
+                          <a:spcPts val="0"/>
+                        </a:spcBef>
+                        <a:spcAft>
+                          <a:spcPts val="0"/>
+                        </a:spcAft>
+                        <a:buClrTx/>
+                        <a:buSzTx/>
+                        <a:buFontTx/>
+                        <a:buNone/>
+                        <a:tabLst/>
+                        <a:defRPr/>
+                      </a:pPr>
+                      <a:r>
+                        <a:rPr lang="zh-CN" altLang="en-US" sz="1400" dirty="0"/>
+                        <a:t>标准内置声卡</a:t>
+                      </a:r>
+                      <a:endParaRPr lang="en-US" altLang="zh-CN" sz="1400" dirty="0"/>
+                    </a:p>
+                  </a:txBody>
+                  <a:tcPr anchor="ctr"/>
+                </a:tc>
+                <a:tc>
+                  <a:txBody>
+                    <a:bodyPr/>
+                    <a:lstStyle/>
+                    <a:p>
+                      <a:pPr algn="ctr"/>
+                      <a:r>
+                        <a:rPr lang="zh-CN" altLang="en-US" sz="1400" dirty="0"/>
+                        <a:t>外置</a:t>
+                      </a:r>
+                      <a:r>
+                        <a:rPr lang="en-US" altLang="zh-CN" sz="1400" dirty="0"/>
+                        <a:t>USB</a:t>
+                      </a:r>
+                      <a:r>
+                        <a:rPr lang="zh-CN" altLang="en-US" sz="1400" dirty="0"/>
+                        <a:t>声卡</a:t>
+                      </a:r>
+                      <a:r>
+                        <a:rPr lang="en-US" altLang="zh-CN" sz="1400" dirty="0"/>
+                        <a:t>—</a:t>
+                      </a:r>
+                      <a:r>
+                        <a:rPr lang="zh-CN" altLang="en-US" sz="1400" dirty="0"/>
+                        <a:t>耳放</a:t>
+                      </a:r>
+                    </a:p>
+                  </a:txBody>
+                  <a:tcPr anchor="ctr"/>
+                </a:tc>
+                <a:tc>
+                  <a:txBody>
+                    <a:bodyPr/>
+                    <a:lstStyle/>
+                    <a:p>
+                      <a:pPr algn="ctr"/>
+                      <a:r>
+                        <a:rPr lang="en-US" altLang="zh-CN" sz="1400" dirty="0"/>
+                        <a:t>USB Audio</a:t>
+                      </a:r>
+                      <a:endParaRPr lang="zh-CN" altLang="en-US" sz="1400" dirty="0"/>
+                    </a:p>
+                  </a:txBody>
+                  <a:tcPr anchor="ctr"/>
+                </a:tc>
+                <a:tc>
+                  <a:txBody>
+                    <a:bodyPr/>
+                    <a:lstStyle/>
+                    <a:p>
+                      <a:pPr algn="ctr"/>
+                      <a:r>
+                        <a:rPr lang="zh-CN" altLang="en-US" sz="1400" dirty="0"/>
+                        <a:t>游戏声卡</a:t>
+                      </a:r>
+                    </a:p>
+                  </a:txBody>
+                  <a:tcPr anchor="ctr"/>
+                </a:tc>
+                <a:tc>
+                  <a:txBody>
+                    <a:bodyPr/>
+                    <a:lstStyle/>
+                    <a:p>
+                      <a:pPr algn="ctr"/>
+                      <a:r>
+                        <a:rPr lang="zh-CN" altLang="en-US" sz="1400" dirty="0"/>
+                        <a:t>游戏耳机</a:t>
+                      </a:r>
+                    </a:p>
+                  </a:txBody>
+                  <a:tcPr anchor="ctr"/>
+                </a:tc>
+                <a:extLst>
+                  <a:ext uri="{0D108BD9-81ED-4DB2-BD59-A6C34878D82A}">
+                    <a16:rowId xmlns:a16="http://schemas.microsoft.com/office/drawing/2014/main" val="622765060"/>
+                  </a:ext>
+                </a:extLst>
+              </a:tr>
+              <a:tr h="1084094">
+                <a:tc>
+                  <a:txBody>
+                    <a:bodyPr/>
+                    <a:lstStyle/>
+                    <a:p>
+                      <a:pPr algn="ctr"/>
+                      <a:r>
+                        <a:rPr lang="zh-CN" altLang="en-US" sz="1200" b="1" dirty="0"/>
+                        <a:t>市场调研</a:t>
+                      </a:r>
+                    </a:p>
+                  </a:txBody>
+                  <a:tcPr anchor="ctr"/>
+                </a:tc>
+                <a:tc>
+                  <a:txBody>
+                    <a:bodyPr/>
+                    <a:lstStyle/>
+                    <a:p>
+                      <a:pPr marL="0" marR="0" lvl="0" indent="0" algn="l" defTabSz="914400" rtl="0" eaLnBrk="1" fontAlgn="auto" latinLnBrk="0" hangingPunct="1">
+                        <a:lnSpc>
+                          <a:spcPct val="100000"/>
+                        </a:lnSpc>
+                        <a:spcBef>
+                          <a:spcPts val="0"/>
+                        </a:spcBef>
+                        <a:spcAft>
+                          <a:spcPts val="0"/>
+                        </a:spcAft>
+                        <a:buClrTx/>
+                        <a:buSzTx/>
+                        <a:buFontTx/>
+                        <a:buNone/>
+                        <a:tabLst/>
+                        <a:defRPr/>
+                      </a:pPr>
+                      <a:r>
+                        <a:rPr lang="en-US" altLang="zh-CN" sz="1200" dirty="0"/>
+                        <a:t>2021</a:t>
+                      </a:r>
+                      <a:r>
+                        <a:rPr lang="zh-CN" altLang="en-US" sz="1200" dirty="0"/>
+                        <a:t>年因为瑞昱缺货，骅讯、昆腾微等均切入了声卡市场；随着缺货问题解决，市场已回归瑞昱</a:t>
+                      </a:r>
+                      <a:endParaRPr lang="en-US" altLang="zh-CN" sz="1200" dirty="0"/>
+                    </a:p>
+                  </a:txBody>
+                  <a:tcPr anchor="ctr"/>
+                </a:tc>
+                <a:tc rowSpan="2">
+                  <a:txBody>
+                    <a:bodyPr/>
+                    <a:lstStyle/>
+                    <a:p>
+                      <a:pPr marL="0" marR="0" lvl="0" indent="0" algn="l" defTabSz="914400" rtl="0" eaLnBrk="1" fontAlgn="auto" latinLnBrk="0" hangingPunct="1">
+                        <a:lnSpc>
+                          <a:spcPct val="100000"/>
+                        </a:lnSpc>
+                        <a:spcBef>
+                          <a:spcPts val="0"/>
+                        </a:spcBef>
+                        <a:spcAft>
+                          <a:spcPts val="0"/>
+                        </a:spcAft>
+                        <a:buClrTx/>
+                        <a:buSzTx/>
+                        <a:buFontTx/>
+                        <a:buNone/>
+                        <a:tabLst/>
+                        <a:defRPr/>
+                      </a:pPr>
+                      <a:r>
+                        <a:rPr lang="zh-CN" altLang="en-US" sz="1200" dirty="0"/>
+                        <a:t>见本资料第</a:t>
+                      </a:r>
+                      <a:r>
+                        <a:rPr lang="en-US" altLang="zh-CN" sz="1200" dirty="0"/>
+                        <a:t>7</a:t>
+                      </a:r>
+                      <a:r>
+                        <a:rPr lang="zh-CN" altLang="en-US" sz="1200" dirty="0"/>
+                        <a:t>页竞品分析：作为</a:t>
+                      </a:r>
+                      <a:r>
+                        <a:rPr lang="en-US" altLang="zh-CN" sz="1200" dirty="0"/>
+                        <a:t>USB</a:t>
+                      </a:r>
+                      <a:r>
+                        <a:rPr lang="zh-CN" altLang="en-US" sz="1200" dirty="0"/>
+                        <a:t>耳放，基本以采样率和</a:t>
+                      </a:r>
+                      <a:r>
+                        <a:rPr lang="en-US" altLang="zh-CN" sz="1200" dirty="0"/>
+                        <a:t>DSD</a:t>
+                      </a:r>
+                      <a:r>
+                        <a:rPr lang="zh-CN" altLang="en-US" sz="1200" dirty="0"/>
+                        <a:t>解码要求为分水岭</a:t>
+                      </a:r>
+                      <a:endParaRPr lang="en-US" altLang="zh-CN" sz="1200" dirty="0"/>
+                    </a:p>
+                    <a:p>
+                      <a:pPr marL="0" marR="0" lvl="0" indent="0" algn="l" defTabSz="914400" rtl="0" eaLnBrk="1" fontAlgn="auto" latinLnBrk="0" hangingPunct="1">
+                        <a:lnSpc>
+                          <a:spcPct val="100000"/>
+                        </a:lnSpc>
+                        <a:spcBef>
+                          <a:spcPts val="0"/>
+                        </a:spcBef>
+                        <a:spcAft>
+                          <a:spcPts val="0"/>
+                        </a:spcAft>
+                        <a:buClrTx/>
+                        <a:buSzTx/>
+                        <a:buFontTx/>
+                        <a:buNone/>
+                        <a:tabLst/>
+                        <a:defRPr/>
+                      </a:pPr>
+                      <a:endParaRPr lang="zh-CN" altLang="en-US" sz="1200" dirty="0"/>
+                    </a:p>
+                    <a:p>
+                      <a:pPr/>
+                      <a:r>
+                        <a:rPr lang="zh-CN" altLang="en-US" sz="1200" dirty="0"/>
+                        <a:t>中高端以</a:t>
+                      </a:r>
+                      <a:r>
+                        <a:rPr lang="en-US" altLang="zh-CN" sz="1200" dirty="0"/>
+                        <a:t>384K</a:t>
+                      </a:r>
+                      <a:r>
+                        <a:rPr lang="zh-CN" altLang="en-US" sz="1200" dirty="0"/>
+                        <a:t>采样率和支持</a:t>
+                      </a:r>
+                      <a:r>
+                        <a:rPr lang="en-US" altLang="zh-CN" sz="1200" dirty="0"/>
+                        <a:t>DSD</a:t>
+                      </a:r>
+                      <a:r>
+                        <a:rPr lang="zh-CN" altLang="en-US" sz="1200" dirty="0"/>
+                        <a:t>解码功能为起步</a:t>
+                      </a:r>
+                    </a:p>
+                  </a:txBody>
+                  <a:tcPr anchor="ctr"/>
+                </a:tc>
+                <a:tc>
+                  <a:txBody>
+                    <a:bodyPr/>
+                    <a:lstStyle/>
+                    <a:p>
+                      <a:r>
+                        <a:rPr lang="zh-CN" altLang="en-US" sz="1200" dirty="0"/>
+                        <a:t>线上找不到瑞昱和</a:t>
+                      </a:r>
+                      <a:r>
+                        <a:rPr lang="en-US" altLang="zh-CN" sz="1200" dirty="0"/>
+                        <a:t>USB Audio</a:t>
+                      </a:r>
+                      <a:r>
+                        <a:rPr lang="zh-CN" altLang="en-US" sz="1200" dirty="0"/>
+                        <a:t>相关的任何信息；据和其他代理商沟通信息：近年相关产品规划信息比较保密，不是注册用户基本拿不到产品信息</a:t>
+                      </a:r>
+                    </a:p>
+                  </a:txBody>
+                  <a:tcPr anchor="ctr"/>
+                </a:tc>
+                <a:tc>
+                  <a:txBody>
+                    <a:bodyPr/>
+                    <a:lstStyle/>
+                    <a:p>
+                      <a:r>
+                        <a:rPr lang="zh-CN" altLang="en-US" sz="1200" dirty="0"/>
+                        <a:t>根据游戏声卡的市场报告，游戏类产品的份额呈上升趋势；</a:t>
+                      </a:r>
+                      <a:endParaRPr lang="en-US" altLang="zh-CN" sz="1200" dirty="0"/>
+                    </a:p>
+                    <a:p>
+                      <a:endParaRPr lang="en-US" altLang="zh-CN" sz="1200" dirty="0"/>
+                    </a:p>
+                  </a:txBody>
+                  <a:tcPr anchor="ctr"/>
+                </a:tc>
+                <a:tc>
+                  <a:txBody>
+                    <a:bodyPr/>
+                    <a:lstStyle/>
+                    <a:p>
+                      <a:r>
+                        <a:rPr lang="zh-CN" altLang="en-US" sz="1200" dirty="0"/>
+                        <a:t>近期对游戏听声辨位和</a:t>
+                      </a:r>
+                      <a:r>
+                        <a:rPr lang="en-US" altLang="zh-CN" sz="1200" dirty="0"/>
+                        <a:t>3D</a:t>
+                      </a:r>
+                      <a:r>
+                        <a:rPr lang="zh-CN" altLang="en-US" sz="1200" dirty="0"/>
+                        <a:t>音效的需求走高</a:t>
+                      </a:r>
+                      <a:endParaRPr lang="en-US" altLang="zh-CN" sz="1200" dirty="0"/>
+                    </a:p>
+                    <a:p>
+                      <a:endParaRPr lang="en-US" altLang="zh-CN" sz="1200" dirty="0"/>
+                    </a:p>
+                    <a:p>
+                      <a:r>
+                        <a:rPr lang="zh-CN" altLang="en-US" sz="1200" dirty="0"/>
+                        <a:t>待更多数据补充</a:t>
+                      </a:r>
+                      <a:endParaRPr lang="en-US" altLang="zh-CN" sz="1200" dirty="0"/>
+                    </a:p>
+                    <a:p>
+                      <a:endParaRPr lang="en-US" altLang="zh-CN" sz="1200" dirty="0"/>
+                    </a:p>
+                  </a:txBody>
+                  <a:tcPr anchor="ctr"/>
+                </a:tc>
+                <a:extLst>
+                  <a:ext uri="{0D108BD9-81ED-4DB2-BD59-A6C34878D82A}">
+                    <a16:rowId xmlns:a16="http://schemas.microsoft.com/office/drawing/2014/main" val="1279138730"/>
+                  </a:ext>
+                </a:extLst>
+              </a:tr>
+              <a:tr h="1084094">
+                <a:tc>
+                  <a:txBody>
+                    <a:bodyPr/>
+                    <a:lstStyle/>
+                    <a:p>
+                      <a:pPr algn="ctr"/>
+                      <a:r>
+                        <a:rPr lang="zh-CN" altLang="en-US" sz="1200" b="1" u="none" dirty="0"/>
+                        <a:t>技术调研</a:t>
+                      </a:r>
+                    </a:p>
+                  </a:txBody>
+                  <a:tcPr anchor="ctr"/>
+                </a:tc>
+                <a:tc>
+                  <a:txBody>
+                    <a:bodyPr/>
+                    <a:lstStyle/>
+                    <a:p>
+                      <a:r>
+                        <a:rPr lang="zh-CN" altLang="en-US" sz="1200" dirty="0"/>
+                        <a:t>声卡产品需满足行业标准，并大多支持</a:t>
+                      </a:r>
+                      <a:r>
+                        <a:rPr lang="en-US" altLang="zh-CN" sz="1200" dirty="0"/>
+                        <a:t>PCIE</a:t>
+                      </a:r>
+                      <a:r>
+                        <a:rPr lang="zh-CN" altLang="en-US" sz="1200" dirty="0"/>
+                        <a:t>接口；</a:t>
+                      </a:r>
+                      <a:endParaRPr lang="en-US" altLang="zh-CN" sz="1200" dirty="0"/>
+                    </a:p>
+                    <a:p>
+                      <a:r>
+                        <a:rPr lang="zh-CN" altLang="en-US" sz="1200" dirty="0"/>
+                        <a:t>其中</a:t>
+                      </a:r>
+                      <a:r>
+                        <a:rPr lang="en-US" altLang="zh-CN" sz="1200" dirty="0"/>
+                        <a:t>HD Audio</a:t>
+                      </a:r>
+                      <a:r>
+                        <a:rPr lang="zh-CN" altLang="en-US" sz="1200" dirty="0"/>
+                        <a:t>标准为主流标准，声卡产品需要配驱动以符合该标准</a:t>
+                      </a:r>
+                    </a:p>
+                  </a:txBody>
+                  <a:tcPr anchor="ctr"/>
+                </a:tc>
+                <a:tc vMerge="1">
+                  <a:txBody>
+                    <a:bodyPr/>
+                    <a:lstStyle/>
+                    <a:p>
+                      <a:pPr marL="0" marR="0" lvl="0" indent="0" algn="l" defTabSz="914400" rtl="0" eaLnBrk="1" fontAlgn="auto" latinLnBrk="0" hangingPunct="1">
+                        <a:lnSpc>
+                          <a:spcPct val="100000"/>
+                        </a:lnSpc>
+                        <a:spcBef>
+                          <a:spcPts val="0"/>
+                        </a:spcBef>
+                        <a:spcAft>
+                          <a:spcPts val="0"/>
+                        </a:spcAft>
+                        <a:buClrTx/>
+                        <a:buSzTx/>
+                        <a:buFontTx/>
+                        <a:buNone/>
+                        <a:tabLst/>
+                        <a:defRPr/>
+                      </a:pPr>
+                      <a:r>
+                        <a:rPr lang="zh-CN" altLang="en-US" sz="1200" dirty="0"/>
+                        <a:t>见本资料第</a:t>
+                      </a:r>
+                      <a:r>
+                        <a:rPr lang="en-US" altLang="zh-CN" sz="1200" dirty="0"/>
+                        <a:t>7</a:t>
+                      </a:r>
+                      <a:r>
+                        <a:rPr lang="zh-CN" altLang="en-US" sz="1200" dirty="0"/>
+                        <a:t>页竞品分析：作为</a:t>
+                      </a:r>
+                      <a:r>
+                        <a:rPr lang="en-US" altLang="zh-CN" sz="1200" dirty="0"/>
+                        <a:t>USB</a:t>
+                      </a:r>
+                      <a:r>
+                        <a:rPr lang="zh-CN" altLang="en-US" sz="1200" dirty="0"/>
+                        <a:t>耳放，在采样率和</a:t>
+                      </a:r>
+                      <a:r>
+                        <a:rPr lang="en-US" altLang="zh-CN" sz="1200" dirty="0"/>
+                        <a:t>DSD</a:t>
+                      </a:r>
+                      <a:r>
+                        <a:rPr lang="zh-CN" altLang="en-US" sz="1200" dirty="0"/>
+                        <a:t>解码要求下定位偏中等，指标略差</a:t>
+                      </a:r>
+                    </a:p>
+                    <a:p>
+                      <a:endParaRPr lang="zh-CN" altLang="en-US" sz="1200" dirty="0"/>
+                    </a:p>
+                  </a:txBody>
+                  <a:tcPr/>
+                </a:tc>
+                <a:tc>
+                  <a:txBody>
+                    <a:bodyPr/>
+                    <a:lstStyle/>
+                    <a:p>
+                      <a:pPr marL="0" marR="0" lvl="0" indent="0" algn="l" defTabSz="914400" rtl="0" eaLnBrk="1" fontAlgn="auto" latinLnBrk="0" hangingPunct="1">
+                        <a:lnSpc>
+                          <a:spcPct val="100000"/>
+                        </a:lnSpc>
+                        <a:spcBef>
+                          <a:spcPts val="0"/>
+                        </a:spcBef>
+                        <a:spcAft>
+                          <a:spcPts val="0"/>
+                        </a:spcAft>
+                        <a:buClrTx/>
+                        <a:buSzTx/>
+                        <a:buFontTx/>
+                        <a:buNone/>
+                        <a:tabLst/>
+                        <a:defRPr/>
+                      </a:pPr>
+                      <a:r>
+                        <a:rPr lang="zh-CN" altLang="en-US" sz="1200" dirty="0"/>
+                        <a:t>见本资料第</a:t>
+                      </a:r>
+                      <a:r>
+                        <a:rPr lang="en-US" altLang="zh-CN" sz="1200" dirty="0"/>
+                        <a:t>8</a:t>
+                      </a:r>
+                      <a:r>
+                        <a:rPr lang="zh-CN" altLang="en-US" sz="1200" dirty="0"/>
+                        <a:t>页信息，瑞昱的耳机、麦克风和会议音箱部分，和九音产品线有强相关；</a:t>
+                      </a:r>
+                      <a:endParaRPr lang="en-US" altLang="zh-CN" sz="1200" dirty="0"/>
+                    </a:p>
+                    <a:p>
+                      <a:pPr marL="0" marR="0" lvl="0" indent="0" algn="l" defTabSz="914400" rtl="0" eaLnBrk="1" fontAlgn="auto" latinLnBrk="0" hangingPunct="1">
+                        <a:lnSpc>
+                          <a:spcPct val="100000"/>
+                        </a:lnSpc>
+                        <a:spcBef>
+                          <a:spcPts val="0"/>
+                        </a:spcBef>
+                        <a:spcAft>
+                          <a:spcPts val="0"/>
+                        </a:spcAft>
+                        <a:buClrTx/>
+                        <a:buSzTx/>
+                        <a:buFontTx/>
+                        <a:buNone/>
+                        <a:tabLst/>
+                        <a:defRPr/>
+                      </a:pPr>
+                      <a:r>
+                        <a:rPr lang="zh-CN" altLang="en-US" sz="1200" dirty="0"/>
+                        <a:t>目前未找到相关市场销售数据及方案信息</a:t>
+                      </a:r>
+                      <a:endParaRPr lang="en-US" altLang="zh-CN" sz="1200" dirty="0"/>
+                    </a:p>
+                  </a:txBody>
+                  <a:tcPr anchor="ctr"/>
+                </a:tc>
+                <a:tc>
+                  <a:txBody>
+                    <a:bodyPr/>
+                    <a:lstStyle/>
+                    <a:p>
+                      <a:pPr marL="0" marR="0" lvl="0" indent="0" algn="l" defTabSz="914400" rtl="0" eaLnBrk="1" fontAlgn="auto" latinLnBrk="0" hangingPunct="1">
+                        <a:lnSpc>
+                          <a:spcPct val="100000"/>
+                        </a:lnSpc>
+                        <a:spcBef>
+                          <a:spcPts val="0"/>
+                        </a:spcBef>
+                        <a:spcAft>
+                          <a:spcPts val="0"/>
+                        </a:spcAft>
+                        <a:buClrTx/>
+                        <a:buSzTx/>
+                        <a:buFontTx/>
+                        <a:buNone/>
+                        <a:tabLst/>
+                        <a:defRPr/>
+                      </a:pPr>
+                      <a:r>
+                        <a:rPr lang="zh-CN" altLang="en-US" sz="1200" dirty="0"/>
+                        <a:t>瑞昱蓝牙产品线</a:t>
+                      </a:r>
+                      <a:r>
+                        <a:rPr lang="en-US" altLang="zh-CN" sz="1200" dirty="0"/>
+                        <a:t>Roadmap</a:t>
+                      </a:r>
+                      <a:r>
+                        <a:rPr lang="zh-CN" altLang="en-US" sz="1200" dirty="0"/>
+                        <a:t>中，</a:t>
+                      </a:r>
+                      <a:r>
+                        <a:rPr lang="en-US" altLang="zh-CN" sz="1200" dirty="0"/>
+                        <a:t>Gaming</a:t>
+                      </a:r>
+                      <a:r>
+                        <a:rPr lang="zh-CN" altLang="en-US" sz="1200" dirty="0"/>
+                        <a:t>的解决方案的指标主要集中在无线收发延迟上；其中有支持</a:t>
+                      </a:r>
+                      <a:r>
+                        <a:rPr lang="en-US" altLang="zh-CN" sz="1200" dirty="0"/>
+                        <a:t>3D</a:t>
+                      </a:r>
+                      <a:r>
+                        <a:rPr lang="zh-CN" altLang="en-US" sz="1200" dirty="0"/>
+                        <a:t>音效但</a:t>
+                      </a:r>
+                      <a:r>
+                        <a:rPr lang="en-US" altLang="zh-CN" sz="1200" dirty="0"/>
+                        <a:t>Roadmap</a:t>
+                      </a:r>
+                      <a:r>
+                        <a:rPr lang="zh-CN" altLang="en-US" sz="1200" dirty="0"/>
+                        <a:t>中无重点宣传（第</a:t>
+                      </a:r>
+                      <a:r>
+                        <a:rPr lang="en-US" altLang="zh-CN" sz="1200" dirty="0"/>
+                        <a:t>10</a:t>
+                      </a:r>
+                      <a:r>
+                        <a:rPr lang="zh-CN" altLang="en-US" sz="1200" dirty="0"/>
+                        <a:t>页信息）</a:t>
+                      </a:r>
+                    </a:p>
+                  </a:txBody>
+                  <a:tcPr anchor="ctr"/>
+                </a:tc>
+                <a:tc>
+                  <a:txBody>
+                    <a:bodyPr/>
+                    <a:lstStyle/>
+                    <a:p>
+                      <a:r>
+                        <a:rPr lang="zh-CN" altLang="en-US" sz="1200" dirty="0"/>
+                        <a:t>中低端：有远场空间感音效，但不支持实际方位；</a:t>
+                      </a:r>
+                      <a:endParaRPr lang="en-US" altLang="zh-CN" sz="1200" dirty="0"/>
+                    </a:p>
+                    <a:p>
+                      <a:r>
+                        <a:rPr lang="zh-CN" altLang="en-US" sz="1200" dirty="0"/>
+                        <a:t>高端：希望支持</a:t>
+                      </a:r>
+                      <a:r>
+                        <a:rPr lang="en-US" altLang="zh-CN" sz="1200" dirty="0"/>
+                        <a:t>3D</a:t>
+                      </a:r>
+                      <a:r>
+                        <a:rPr lang="zh-CN" altLang="en-US" sz="1200" dirty="0"/>
+                        <a:t>音效以及听声辨位以支持和平精英等游戏</a:t>
+                      </a:r>
+                      <a:endParaRPr lang="en-US" altLang="zh-CN" sz="1200" dirty="0"/>
+                    </a:p>
+                    <a:p>
+                      <a:r>
+                        <a:rPr lang="zh-CN" altLang="en-US" sz="1200" dirty="0"/>
+                        <a:t>九音无相关解决方案，第</a:t>
+                      </a:r>
+                      <a:r>
+                        <a:rPr lang="en-US" altLang="zh-CN" sz="1200" dirty="0"/>
+                        <a:t>3</a:t>
+                      </a:r>
+                      <a:r>
+                        <a:rPr lang="zh-CN" altLang="en-US" sz="1200" dirty="0"/>
+                        <a:t>方算法公司可实现；</a:t>
+                      </a:r>
+                      <a:endParaRPr lang="en-US" altLang="zh-CN" sz="1200" dirty="0"/>
+                    </a:p>
+                  </a:txBody>
+                  <a:tcPr anchor="ctr"/>
+                </a:tc>
+                <a:extLst>
+                  <a:ext uri="{0D108BD9-81ED-4DB2-BD59-A6C34878D82A}">
+                    <a16:rowId xmlns:a16="http://schemas.microsoft.com/office/drawing/2014/main" val="1402291035"/>
+                  </a:ext>
+                </a:extLst>
+              </a:tr>
+              <a:tr h="693448">
+                <a:tc>
+                  <a:txBody>
+                    <a:bodyPr/>
+                    <a:lstStyle/>
+                    <a:p>
+                      <a:pPr algn="ctr"/>
+                      <a:r>
+                        <a:rPr lang="zh-CN" altLang="en-US" sz="1200" b="1" dirty="0"/>
+                        <a:t>竞品调研</a:t>
+                      </a:r>
+                    </a:p>
+                  </a:txBody>
+                  <a:tcPr anchor="ctr"/>
+                </a:tc>
+                <a:tc>
+                  <a:txBody>
+                    <a:bodyPr/>
+                    <a:lstStyle/>
+                    <a:p>
+                      <a:r>
+                        <a:rPr lang="zh-CN" altLang="en-US" sz="1200" dirty="0"/>
+                        <a:t>无</a:t>
+                      </a:r>
+                    </a:p>
+                  </a:txBody>
+                  <a:tcPr anchor="ctr"/>
+                </a:tc>
+                <a:tc>
+                  <a:txBody>
+                    <a:bodyPr/>
+                    <a:lstStyle/>
+                    <a:p>
+                      <a:pPr marL="0" marR="0" lvl="0" indent="0" algn="l" defTabSz="914400" rtl="0" eaLnBrk="1" fontAlgn="auto" latinLnBrk="0" hangingPunct="1">
+                        <a:lnSpc>
+                          <a:spcPct val="100000"/>
+                        </a:lnSpc>
+                        <a:spcBef>
+                          <a:spcPts val="0"/>
+                        </a:spcBef>
+                        <a:spcAft>
+                          <a:spcPts val="0"/>
+                        </a:spcAft>
+                        <a:buClrTx/>
+                        <a:buSzTx/>
+                        <a:buFontTx/>
+                        <a:buNone/>
+                        <a:tabLst/>
+                        <a:defRPr/>
+                      </a:pPr>
+                      <a:r>
+                        <a:rPr lang="zh-CN" altLang="en-US" sz="1200" dirty="0"/>
+                        <a:t>该产品参与的竞品</a:t>
+                      </a:r>
+                      <a:r>
+                        <a:rPr lang="en-US" altLang="zh-CN" sz="1200" dirty="0"/>
+                        <a:t>IC</a:t>
+                      </a:r>
+                      <a:r>
+                        <a:rPr lang="zh-CN" altLang="en-US" sz="1200" dirty="0"/>
+                        <a:t>较多：</a:t>
+                      </a:r>
+                      <a:endParaRPr lang="en-US" altLang="zh-CN" sz="1200" dirty="0"/>
+                    </a:p>
+                    <a:p>
+                      <a:pPr marL="0" marR="0" lvl="0" indent="0" algn="l" defTabSz="914400" rtl="0" eaLnBrk="1" fontAlgn="auto" latinLnBrk="0" hangingPunct="1">
+                        <a:lnSpc>
+                          <a:spcPct val="100000"/>
+                        </a:lnSpc>
+                        <a:spcBef>
+                          <a:spcPts val="0"/>
+                        </a:spcBef>
+                        <a:spcAft>
+                          <a:spcPts val="0"/>
+                        </a:spcAft>
+                        <a:buClrTx/>
+                        <a:buSzTx/>
+                        <a:buFontTx/>
+                        <a:buNone/>
+                        <a:tabLst/>
+                        <a:defRPr/>
+                      </a:pPr>
+                      <a:r>
+                        <a:rPr lang="zh-CN" altLang="en-US" sz="1200" dirty="0"/>
+                        <a:t>高端</a:t>
+                      </a:r>
+                      <a:r>
+                        <a:rPr lang="en-US" altLang="zh-CN" sz="1200" dirty="0"/>
+                        <a:t>DAC</a:t>
+                      </a:r>
+                      <a:r>
+                        <a:rPr lang="zh-CN" altLang="en-US" sz="1200" dirty="0"/>
+                        <a:t>选型：</a:t>
+                      </a:r>
+                      <a:r>
+                        <a:rPr lang="en-US" altLang="zh-CN" sz="1200" dirty="0"/>
+                        <a:t>ESS</a:t>
+                      </a:r>
+                      <a:r>
+                        <a:rPr lang="zh-CN" altLang="en-US" sz="1200" dirty="0"/>
+                        <a:t>、</a:t>
+                      </a:r>
+                      <a:r>
+                        <a:rPr lang="en-US" altLang="zh-CN" sz="1200" dirty="0" err="1"/>
+                        <a:t>CirrusLogic</a:t>
+                      </a:r>
+                      <a:r>
+                        <a:rPr lang="zh-CN" altLang="en-US" sz="1200" dirty="0"/>
+                        <a:t>；</a:t>
+                      </a:r>
+                      <a:endParaRPr lang="en-US" altLang="zh-CN" sz="1200" dirty="0"/>
+                    </a:p>
+                    <a:p>
+                      <a:pPr marL="0" marR="0" lvl="0" indent="0" algn="l" defTabSz="914400" rtl="0" eaLnBrk="1" fontAlgn="auto" latinLnBrk="0" hangingPunct="1">
+                        <a:lnSpc>
+                          <a:spcPct val="100000"/>
+                        </a:lnSpc>
+                        <a:spcBef>
+                          <a:spcPts val="0"/>
+                        </a:spcBef>
+                        <a:spcAft>
+                          <a:spcPts val="0"/>
+                        </a:spcAft>
+                        <a:buClrTx/>
+                        <a:buSzTx/>
+                        <a:buFontTx/>
+                        <a:buNone/>
+                        <a:tabLst/>
+                        <a:defRPr/>
+                      </a:pPr>
+                      <a:r>
+                        <a:rPr lang="zh-CN" altLang="en-US" sz="1200" dirty="0"/>
+                        <a:t>中端选型：瑞昱</a:t>
+                      </a:r>
+                      <a:endParaRPr lang="en-US" altLang="zh-CN" sz="1200" dirty="0"/>
+                    </a:p>
+                  </a:txBody>
+                  <a:tcPr anchor="ctr"/>
+                </a:tc>
+                <a:tc>
+                  <a:txBody>
+                    <a:bodyPr/>
+                    <a:lstStyle/>
+                    <a:p>
+                      <a:r>
+                        <a:rPr lang="zh-CN" altLang="en-US" sz="1200" dirty="0"/>
+                        <a:t>低端选型：骅讯</a:t>
+                      </a:r>
+                      <a:endParaRPr lang="en-US" altLang="zh-CN" sz="1200" dirty="0"/>
+                    </a:p>
+                    <a:p>
+                      <a:r>
+                        <a:rPr lang="zh-CN" altLang="en-US" sz="1200" dirty="0"/>
+                        <a:t>中端：瑞昱</a:t>
+                      </a:r>
+                      <a:endParaRPr lang="en-US" altLang="zh-CN" sz="1200" dirty="0"/>
+                    </a:p>
+                    <a:p>
+                      <a:r>
+                        <a:rPr lang="zh-CN" altLang="en-US" sz="1200" dirty="0"/>
+                        <a:t>高端：高通、</a:t>
+                      </a:r>
+                      <a:r>
+                        <a:rPr lang="en-US" altLang="zh-CN" sz="1200" dirty="0"/>
+                        <a:t>XMOS</a:t>
+                      </a:r>
+                      <a:endParaRPr lang="zh-CN" altLang="en-US" sz="1200" dirty="0"/>
+                    </a:p>
+                  </a:txBody>
+                  <a:tcPr anchor="ctr"/>
+                </a:tc>
+                <a:tc>
+                  <a:txBody>
+                    <a:bodyPr/>
+                    <a:lstStyle/>
+                    <a:p>
+                      <a:pPr marL="0" marR="0" lvl="0" indent="0" algn="l" defTabSz="914400" rtl="0" eaLnBrk="1" fontAlgn="auto" latinLnBrk="0" hangingPunct="1">
+                        <a:lnSpc>
+                          <a:spcPct val="100000"/>
+                        </a:lnSpc>
+                        <a:spcBef>
+                          <a:spcPts val="0"/>
+                        </a:spcBef>
+                        <a:spcAft>
+                          <a:spcPts val="0"/>
+                        </a:spcAft>
+                        <a:buClrTx/>
+                        <a:buSzTx/>
+                        <a:buFontTx/>
+                        <a:buNone/>
+                        <a:tabLst/>
+                        <a:defRPr/>
+                      </a:pPr>
+                      <a:r>
+                        <a:rPr lang="zh-CN" altLang="en-US" sz="1200" dirty="0"/>
+                        <a:t>暂未调研</a:t>
+                      </a:r>
+                    </a:p>
+                  </a:txBody>
+                  <a:tcPr anchor="ctr"/>
+                </a:tc>
+                <a:tc>
+                  <a:txBody>
+                    <a:bodyPr/>
+                    <a:lstStyle/>
+                    <a:p>
+                      <a:r>
+                        <a:rPr lang="zh-CN" altLang="en-US" sz="1200" dirty="0"/>
+                        <a:t>低端选型：骅讯</a:t>
+                      </a:r>
+                      <a:endParaRPr lang="en-US" altLang="zh-CN" sz="1200" dirty="0"/>
+                    </a:p>
+                    <a:p>
+                      <a:r>
+                        <a:rPr lang="zh-CN" altLang="en-US" sz="1200" dirty="0"/>
+                        <a:t>中端：瑞昱</a:t>
+                      </a:r>
+                      <a:endParaRPr lang="en-US" altLang="zh-CN" sz="1200" dirty="0"/>
+                    </a:p>
+                    <a:p>
+                      <a:r>
+                        <a:rPr lang="zh-CN" altLang="en-US" sz="1200" dirty="0"/>
+                        <a:t>高端：高通、</a:t>
+                      </a:r>
+                      <a:r>
+                        <a:rPr lang="en-US" altLang="zh-CN" sz="1200" dirty="0"/>
+                        <a:t>XMOS</a:t>
+                      </a:r>
+                      <a:endParaRPr lang="zh-CN" altLang="en-US" sz="1200" dirty="0"/>
+                    </a:p>
+                  </a:txBody>
+                  <a:tcPr anchor="ctr"/>
+                </a:tc>
+                <a:extLst>
+                  <a:ext uri="{0D108BD9-81ED-4DB2-BD59-A6C34878D82A}">
+                    <a16:rowId xmlns:a16="http://schemas.microsoft.com/office/drawing/2014/main" val="3493053962"/>
+                  </a:ext>
+                </a:extLst>
+              </a:tr>
+              <a:tr h="1281203">
+                <a:tc>
+                  <a:txBody>
+                    <a:bodyPr/>
+                    <a:lstStyle/>
+                    <a:p>
+                      <a:pPr algn="ctr"/>
+                      <a:r>
+                        <a:rPr lang="zh-CN" altLang="en-US" sz="1200" b="1" dirty="0"/>
+                        <a:t>小结</a:t>
+                      </a:r>
+                    </a:p>
+                  </a:txBody>
+                  <a:tcPr anchor="ctr"/>
+                </a:tc>
+                <a:tc>
+                  <a:txBody>
+                    <a:bodyPr/>
+                    <a:lstStyle/>
+                    <a:p>
+                      <a:r>
+                        <a:rPr lang="zh-CN" altLang="en-US" sz="1200" dirty="0"/>
+                        <a:t>在目前声卡不缺货的情况下，市场可能很</a:t>
+                      </a:r>
+                      <a:r>
+                        <a:rPr lang="zh-CN" altLang="en-US" sz="1200" dirty="0">
+                          <a:highlight>
+                            <a:srgbClr val="FFFF00"/>
+                          </a:highlight>
+                        </a:rPr>
+                        <a:t>难切入</a:t>
+                      </a:r>
+                      <a:r>
+                        <a:rPr lang="en-US" altLang="zh-CN" sz="1200" dirty="0"/>
+                        <a:t>;</a:t>
+                      </a:r>
+                    </a:p>
+                    <a:p>
+                      <a:endParaRPr lang="en-US" altLang="zh-CN" sz="1200" dirty="0"/>
+                    </a:p>
+                    <a:p>
+                      <a:r>
+                        <a:rPr lang="zh-CN" altLang="en-US" sz="1200" dirty="0"/>
+                        <a:t>九音产品方案暂未涉及过该部分，技术上可能</a:t>
+                      </a:r>
+                      <a:r>
+                        <a:rPr lang="zh-CN" altLang="en-US" sz="1200" dirty="0">
+                          <a:highlight>
+                            <a:srgbClr val="FFFF00"/>
+                          </a:highlight>
+                        </a:rPr>
+                        <a:t>无法短时间切入</a:t>
+                      </a:r>
+                      <a:endParaRPr lang="zh-CN" altLang="en-US" sz="1200" dirty="0"/>
+                    </a:p>
+                  </a:txBody>
+                  <a:tcPr anchor="ctr"/>
+                </a:tc>
+                <a:tc>
+                  <a:txBody>
+                    <a:bodyPr/>
+                    <a:lstStyle/>
+                    <a:p>
+                      <a:pPr marL="0" marR="0" lvl="0" indent="0" algn="l" defTabSz="914400" rtl="0" eaLnBrk="1" fontAlgn="auto" latinLnBrk="0" hangingPunct="1">
+                        <a:lnSpc>
+                          <a:spcPct val="100000"/>
+                        </a:lnSpc>
+                        <a:spcBef>
+                          <a:spcPts val="0"/>
+                        </a:spcBef>
+                        <a:spcAft>
+                          <a:spcPts val="0"/>
+                        </a:spcAft>
+                        <a:buClrTx/>
+                        <a:buSzTx/>
+                        <a:buFontTx/>
+                        <a:buNone/>
+                        <a:tabLst/>
+                        <a:defRPr/>
+                      </a:pPr>
+                      <a:r>
+                        <a:rPr lang="en-US" altLang="zh-CN" sz="1200" dirty="0"/>
+                        <a:t>99</a:t>
+                      </a:r>
+                      <a:r>
+                        <a:rPr lang="zh-CN" altLang="en-US" sz="1200" dirty="0"/>
+                        <a:t>元以内的低端耳放可直接覆盖；</a:t>
+                      </a:r>
+                      <a:r>
+                        <a:rPr lang="en-US" altLang="zh-CN" sz="1200" dirty="0"/>
+                        <a:t>299</a:t>
+                      </a:r>
+                      <a:r>
+                        <a:rPr lang="zh-CN" altLang="en-US" sz="1200" dirty="0"/>
+                        <a:t>以内的中端耳放，不拼指标的产品可能有机会；高端</a:t>
+                      </a:r>
+                      <a:r>
+                        <a:rPr lang="en-US" altLang="zh-CN" sz="1200" dirty="0"/>
+                        <a:t>Hi-Res</a:t>
+                      </a:r>
+                      <a:r>
+                        <a:rPr lang="zh-CN" altLang="en-US" sz="1200" dirty="0"/>
+                        <a:t>产品指标无法达到；</a:t>
+                      </a:r>
+                      <a:endParaRPr lang="en-US" altLang="zh-CN" sz="1200" dirty="0"/>
+                    </a:p>
+                    <a:p>
+                      <a:pPr marL="0" marR="0" lvl="0" indent="0" algn="l" defTabSz="914400" rtl="0" eaLnBrk="1" fontAlgn="auto" latinLnBrk="0" hangingPunct="1">
+                        <a:lnSpc>
+                          <a:spcPct val="100000"/>
+                        </a:lnSpc>
+                        <a:spcBef>
+                          <a:spcPts val="0"/>
+                        </a:spcBef>
+                        <a:spcAft>
+                          <a:spcPts val="0"/>
+                        </a:spcAft>
+                        <a:buClrTx/>
+                        <a:buSzTx/>
+                        <a:buFontTx/>
+                        <a:buNone/>
+                        <a:tabLst/>
+                        <a:defRPr/>
+                      </a:pPr>
+                      <a:endParaRPr lang="en-US" altLang="zh-CN" sz="1200" dirty="0"/>
+                    </a:p>
+                    <a:p>
+                      <a:pPr marL="0" marR="0" lvl="0" indent="0" algn="l" defTabSz="914400" rtl="0" eaLnBrk="1" fontAlgn="auto" latinLnBrk="0" hangingPunct="1">
+                        <a:lnSpc>
+                          <a:spcPct val="100000"/>
+                        </a:lnSpc>
+                        <a:spcBef>
+                          <a:spcPts val="0"/>
+                        </a:spcBef>
+                        <a:spcAft>
+                          <a:spcPts val="0"/>
+                        </a:spcAft>
+                        <a:buClrTx/>
+                        <a:buSzTx/>
+                        <a:buFontTx/>
+                        <a:buNone/>
+                        <a:tabLst/>
+                        <a:defRPr/>
+                      </a:pPr>
+                      <a:r>
+                        <a:rPr lang="zh-CN" altLang="en-US" sz="1200" dirty="0"/>
+                        <a:t>预估要在细分产品中</a:t>
+                      </a:r>
+                      <a:r>
+                        <a:rPr lang="zh-CN" altLang="en-US" sz="1200" dirty="0">
+                          <a:highlight>
+                            <a:srgbClr val="FFFF00"/>
+                          </a:highlight>
+                        </a:rPr>
+                        <a:t>找机会切入</a:t>
+                      </a:r>
+                      <a:endParaRPr lang="en-US" altLang="zh-CN" sz="1200" dirty="0">
+                        <a:highlight>
+                          <a:srgbClr val="FFFF00"/>
+                        </a:highlight>
+                      </a:endParaRPr>
+                    </a:p>
+                  </a:txBody>
+                  <a:tcPr anchor="ctr"/>
+                </a:tc>
+                <a:tc>
+                  <a:txBody>
+                    <a:bodyPr/>
+                    <a:lstStyle/>
+                    <a:p>
+                      <a:r>
+                        <a:rPr lang="zh-CN" altLang="en-US" sz="1200" dirty="0"/>
+                        <a:t>耳机、麦克风和会议音箱也是九音主要产品线，和瑞昱方案可能基本处于相同价位</a:t>
+                      </a:r>
+                      <a:endParaRPr lang="en-US" altLang="zh-CN" sz="1200" dirty="0"/>
+                    </a:p>
+                    <a:p>
+                      <a:endParaRPr lang="en-US" altLang="zh-CN" sz="1200" dirty="0"/>
+                    </a:p>
+                    <a:p>
+                      <a:r>
+                        <a:rPr lang="zh-CN" altLang="en-US" sz="1200" dirty="0"/>
+                        <a:t>通过算法差异化和性价比切入同一市场</a:t>
+                      </a:r>
+                    </a:p>
+                  </a:txBody>
+                  <a:tcPr anchor="ctr"/>
+                </a:tc>
+                <a:tc>
+                  <a:txBody>
+                    <a:bodyPr/>
+                    <a:lstStyle/>
+                    <a:p>
+                      <a:endParaRPr lang="en-US" altLang="zh-CN" sz="1200" dirty="0"/>
+                    </a:p>
+                    <a:p>
+                      <a:r>
+                        <a:rPr lang="zh-CN" altLang="en-US" sz="1200" dirty="0"/>
+                        <a:t>待继续完善调研</a:t>
+                      </a:r>
+                    </a:p>
+                  </a:txBody>
+                  <a:tcPr anchor="ctr"/>
+                </a:tc>
+                <a:tc>
+                  <a:txBody>
+                    <a:bodyPr/>
+                    <a:lstStyle/>
+                    <a:p>
+                      <a:r>
+                        <a:rPr lang="zh-CN" altLang="en-US" sz="1200" dirty="0"/>
+                        <a:t>待市场数据完善，具体评估是否介入</a:t>
+                      </a:r>
+                      <a:endParaRPr lang="en-US" altLang="zh-CN" sz="1200" dirty="0"/>
+                    </a:p>
+                  </a:txBody>
+                  <a:tcPr anchor="ctr"/>
+                </a:tc>
+                <a:extLst>
+                  <a:ext uri="{0D108BD9-81ED-4DB2-BD59-A6C34878D82A}">
+                    <a16:rowId xmlns:a16="http://schemas.microsoft.com/office/drawing/2014/main" val="2737160100"/>
+                  </a:ext>
+                </a:extLst>
+              </a:tr>
+            </a:tbl>
+          </a:graphicData>
+        </a:graphic>
+      </p:graphicFrame>
+      <p:graphicFrame>
+        <p:nvGraphicFramePr>
+          <p:cNvPr id="6" name="对象 5">
+            <a:extLst>
+              <a:ext uri="{FF2B5EF4-FFF2-40B4-BE49-F238E27FC236}">
+                <a16:creationId xmlns:a16="http://schemas.microsoft.com/office/drawing/2014/main" id="{3D4441B9-C649-E39F-B7FA-9C99CD0EDF57}"/>
+              </a:ext>
+            </a:extLst>
+          </p:cNvPr>
+          <p:cNvGraphicFramePr>
+            <a:graphicFrameLocks noChangeAspect="1"/>
+          </p:cNvGraphicFramePr>
+          <p:nvPr>
+            <p:extLst>
+              <p:ext uri="{D42A27DB-BD31-4B8C-83A1-F6EECF244321}">
+                <p14:modId xmlns:p14="http://schemas.microsoft.com/office/powerpoint/2010/main" val="371582525"/>
+              </p:ext>
+            </p:extLst>
+          </p:nvPr>
+        </p:nvGraphicFramePr>
+        <p:xfrm>
+          <a:off x="9003323" y="2604631"/>
+          <a:ext cx="583498" cy="505496"/>
+        </p:xfrm>
+        <a:graphic>
+          <a:graphicData uri="http://schemas.openxmlformats.org/presentationml/2006/ole">
+            <mc:AlternateContent xmlns:mc="http://schemas.openxmlformats.org/markup-compatibility/2006">
+              <mc:Choice xmlns:v="urn:schemas-microsoft-com:vml" Requires="v">
+                <p:oleObj name="Acrobat Document" showAsIcon="1" r:id="rId2" imgW="914400" imgH="792360" progId="Acrobat.Document.DC">
+                  <p:link updateAutomatic="1"/>
+                </p:oleObj>
+              </mc:Choice>
+              <mc:Fallback>
+                <p:oleObj name="Acrobat Document" showAsIcon="1" r:id="rId2" imgW="914400" imgH="792360" progId="Acrobat.Document.DC">
+                  <p:link updateAutomatic="1"/>
+                  <p:pic>
+                    <p:nvPicPr>
+                      <p:cNvPr id="0" name=""/>
+                      <p:cNvPicPr/>
+                      <p:nvPr/>
+                    </p:nvPicPr>
+                    <p:blipFill>
+                      <a:blip r:embed="rId3"/>
+                      <a:stretch>
+                        <a:fillRect/>
+                      </a:stretch>
+                    </p:blipFill>
+                    <p:spPr>
+                      <a:xfrm>
+                        <a:off x="9003323" y="2604631"/>
+                        <a:ext cx="583498" cy="505496"/>
+                      </a:xfrm>
+                      <a:prstGeom prst="rect">
+                        <a:avLst/>
+                      </a:prstGeom>
+                    </p:spPr>
+                  </p:pic>
+                </p:oleObj>
+              </mc:Fallback>
+            </mc:AlternateContent>
+          </a:graphicData>
+        </a:graphic>
+      </p:graphicFrame>
+    </p:spTree>
+    <p:extLst>
+      <p:ext uri="{BB962C8B-B14F-4D97-AF65-F5344CB8AC3E}">
+        <p14:creationId xmlns:p14="http://schemas.microsoft.com/office/powerpoint/2010/main" val="1101122668"/>
       </p:ext>
     </p:extLst>
   </p:cSld>
@@ -8779,7 +10557,7 @@
               <a:t>—</a:t>
             </a:r>
             <a:r>
-              <a:rPr lang="zh-CN" altLang="en-US" b="1" dirty="0"/>
+              <a:rPr lang="zh-CN" altLang="en-US" dirty="0"/>
               <a:t>音频编解码器</a:t>
             </a:r>
           </a:p>
@@ -8804,7 +10582,7 @@
         <p:spPr/>
         <p:txBody>
           <a:bodyPr>
-            <a:normAutofit/>
+            <a:normAutofit fontScale="92500" lnSpcReduction="10000"/>
           </a:bodyPr>
           <a:lstStyle/>
           <a:p>
@@ -8818,52 +10596,9 @@
             <a:pPr lvl="1"/>
             <a:r>
               <a:rPr lang="zh-CN" altLang="en-US" dirty="0"/>
-              <a:t>主要集中在</a:t>
-            </a:r>
-            <a:r>
-              <a:rPr lang="en-US" altLang="zh-CN" dirty="0"/>
-              <a:t>PC</a:t>
-            </a:r>
-            <a:r>
-              <a:rPr lang="zh-CN" altLang="en-US" dirty="0"/>
-              <a:t>音频、声卡</a:t>
+              <a:t>产品份额：</a:t>
             </a:r>
             <a:endParaRPr lang="en-US" altLang="zh-CN" dirty="0"/>
-          </a:p>
-          <a:p>
-            <a:pPr lvl="2"/>
-            <a:r>
-              <a:rPr lang="zh-CN" altLang="en-US" dirty="0"/>
-              <a:t>销量占比：</a:t>
-            </a:r>
-            <a:r>
-              <a:rPr lang="en-US" altLang="zh-CN" dirty="0"/>
-              <a:t>20</a:t>
-            </a:r>
-            <a:r>
-              <a:rPr lang="zh-CN" altLang="en-US" dirty="0"/>
-              <a:t>年</a:t>
-            </a:r>
-            <a:r>
-              <a:rPr lang="en-US" altLang="zh-CN" dirty="0"/>
-              <a:t>2%</a:t>
-            </a:r>
-            <a:r>
-              <a:rPr lang="zh-CN" altLang="en-US" dirty="0"/>
-              <a:t>，</a:t>
-            </a:r>
-            <a:r>
-              <a:rPr lang="en-US" altLang="zh-CN" dirty="0"/>
-              <a:t>21</a:t>
-            </a:r>
-            <a:r>
-              <a:rPr lang="zh-CN" altLang="en-US" dirty="0"/>
-              <a:t>年</a:t>
-            </a:r>
-            <a:r>
-              <a:rPr lang="en-US" altLang="zh-CN" dirty="0"/>
-              <a:t>3%</a:t>
-            </a:r>
           </a:p>
           <a:p>
             <a:pPr lvl="2"/>
@@ -8875,7 +10610,47 @@
                 <a:effectLst/>
                 <a:latin typeface="PingFang SC"/>
               </a:rPr>
-              <a:t>市场份额占比：</a:t>
+              <a:t>瑞昱占据</a:t>
+            </a:r>
+            <a:r>
+              <a:rPr lang="en-US" altLang="zh-CN" b="0" i="0" dirty="0">
+                <a:solidFill>
+                  <a:srgbClr val="333333"/>
+                </a:solidFill>
+                <a:effectLst/>
+                <a:latin typeface="PingFang SC"/>
+              </a:rPr>
+              <a:t>PC</a:t>
+            </a:r>
+            <a:r>
+              <a:rPr lang="zh-CN" altLang="en-US" b="0" i="0" dirty="0">
+                <a:solidFill>
+                  <a:srgbClr val="333333"/>
+                </a:solidFill>
+                <a:effectLst/>
+                <a:latin typeface="PingFang SC"/>
+              </a:rPr>
+              <a:t>网卡和声卡市场超过</a:t>
+            </a:r>
+            <a:r>
+              <a:rPr lang="en-US" altLang="zh-CN" b="0" i="0" dirty="0">
+                <a:solidFill>
+                  <a:srgbClr val="333333"/>
+                </a:solidFill>
+                <a:effectLst/>
+                <a:latin typeface="PingFang SC"/>
+              </a:rPr>
+              <a:t>70%</a:t>
+            </a:r>
+            <a:r>
+              <a:rPr lang="zh-CN" altLang="en-US" b="0" i="0" dirty="0">
+                <a:solidFill>
+                  <a:srgbClr val="333333"/>
+                </a:solidFill>
+                <a:effectLst/>
+                <a:latin typeface="PingFang SC"/>
+              </a:rPr>
+              <a:t>的份额；</a:t>
             </a:r>
             <a:endParaRPr lang="en-US" altLang="zh-CN" b="0" i="0" dirty="0">
               <a:solidFill>
@@ -8886,65 +10661,19 @@
             </a:endParaRPr>
           </a:p>
           <a:p>
-            <a:pPr lvl="3"/>
-            <a:r>
-              <a:rPr lang="zh-CN" altLang="en-US" b="0" i="0" dirty="0">
+            <a:pPr lvl="2"/>
+            <a:r>
+              <a:rPr lang="zh-CN" altLang="en-US" dirty="0"/>
+              <a:t>音频产品线在瑞昱全系列产品中总份额占比不高，全部</a:t>
+            </a:r>
+            <a:r>
+              <a:rPr lang="zh-CN" altLang="en-US" dirty="0">
                 <a:solidFill>
                   <a:srgbClr val="333333"/>
                 </a:solidFill>
-                <a:effectLst/>
                 <a:latin typeface="PingFang SC"/>
               </a:rPr>
-              <a:t>瑞昱占据</a:t>
-            </a:r>
-            <a:r>
-              <a:rPr lang="en-US" altLang="zh-CN" b="0" i="0" dirty="0">
-                <a:solidFill>
-                  <a:srgbClr val="333333"/>
-                </a:solidFill>
-                <a:effectLst/>
-                <a:latin typeface="PingFang SC"/>
-              </a:rPr>
-              <a:t>PC</a:t>
-            </a:r>
-            <a:r>
-              <a:rPr lang="zh-CN" altLang="en-US" b="0" i="0" dirty="0">
-                <a:solidFill>
-                  <a:srgbClr val="333333"/>
-                </a:solidFill>
-                <a:effectLst/>
-                <a:latin typeface="PingFang SC"/>
-              </a:rPr>
-              <a:t>网卡和声卡市场超过</a:t>
-            </a:r>
-            <a:r>
-              <a:rPr lang="en-US" altLang="zh-CN" b="0" i="0" dirty="0">
-                <a:solidFill>
-                  <a:srgbClr val="333333"/>
-                </a:solidFill>
-                <a:effectLst/>
-                <a:latin typeface="PingFang SC"/>
-              </a:rPr>
-              <a:t>70%</a:t>
-            </a:r>
-            <a:r>
-              <a:rPr lang="zh-CN" altLang="en-US" b="0" i="0" dirty="0">
-                <a:solidFill>
-                  <a:srgbClr val="333333"/>
-                </a:solidFill>
-                <a:effectLst/>
-                <a:latin typeface="PingFang SC"/>
-              </a:rPr>
-              <a:t>的份额；</a:t>
-            </a:r>
-            <a:r>
-              <a:rPr lang="zh-CN" altLang="en-US" dirty="0">
-                <a:solidFill>
-                  <a:srgbClr val="333333"/>
-                </a:solidFill>
-                <a:latin typeface="PingFang SC"/>
-              </a:rPr>
-              <a:t>其中音频编解码市占超过</a:t>
+              <a:t>音频编解码器产品市占超过</a:t>
             </a:r>
             <a:r>
               <a:rPr lang="en-US" altLang="zh-CN" dirty="0">
@@ -8972,9 +10701,9 @@
             </a:endParaRPr>
           </a:p>
           <a:p>
-            <a:pPr lvl="3"/>
-            <a:r>
-              <a:rPr lang="en-US" altLang="zh-CN" sz="1900" dirty="0">
+            <a:pPr lvl="2"/>
+            <a:r>
+              <a:rPr lang="en-US" altLang="zh-CN" sz="2000" dirty="0">
                 <a:solidFill>
                   <a:srgbClr val="333333"/>
                 </a:solidFill>
@@ -8983,7 +10712,7 @@
               <a:t>20</a:t>
             </a:r>
             <a:r>
-              <a:rPr lang="zh-CN" altLang="en-US" sz="1900" dirty="0">
+              <a:rPr lang="zh-CN" altLang="en-US" sz="2000" dirty="0">
                 <a:solidFill>
                   <a:srgbClr val="333333"/>
                 </a:solidFill>
@@ -8992,7 +10721,7 @@
               <a:t>年第三季以来</a:t>
             </a:r>
             <a:r>
-              <a:rPr lang="en-US" altLang="zh-CN" sz="1900" dirty="0">
+              <a:rPr lang="en-US" altLang="zh-CN" sz="2000" dirty="0">
                 <a:solidFill>
                   <a:srgbClr val="333333"/>
                 </a:solidFill>
@@ -9001,7 +10730,7 @@
               <a:t>,</a:t>
             </a:r>
             <a:r>
-              <a:rPr lang="zh-CN" altLang="en-US" sz="1900" dirty="0">
+              <a:rPr lang="zh-CN" altLang="en-US" sz="2000" dirty="0">
                 <a:solidFill>
                   <a:srgbClr val="333333"/>
                 </a:solidFill>
@@ -9009,10 +10738,67 @@
               </a:rPr>
               <a:t> 音频编解码芯片已不在前五大产品线上</a:t>
             </a:r>
-            <a:endParaRPr lang="en-US" altLang="zh-CN" sz="1900" dirty="0">
+            <a:endParaRPr lang="en-US" altLang="zh-CN" dirty="0"/>
+          </a:p>
+          <a:p>
+            <a:pPr lvl="1"/>
+            <a:r>
+              <a:rPr lang="zh-CN" altLang="en-US" dirty="0"/>
+              <a:t>产品主要集中在</a:t>
+            </a:r>
+            <a:r>
+              <a:rPr lang="en-US" altLang="zh-CN" dirty="0"/>
+              <a:t>PC</a:t>
+            </a:r>
+            <a:r>
+              <a:rPr lang="zh-CN" altLang="en-US" dirty="0"/>
+              <a:t>音频、声卡</a:t>
+            </a:r>
+            <a:endParaRPr lang="en-US" altLang="zh-CN" dirty="0"/>
+          </a:p>
+          <a:p>
+            <a:pPr lvl="2"/>
+            <a:r>
+              <a:rPr lang="zh-CN" altLang="en-US" dirty="0"/>
+              <a:t>销量占比：</a:t>
+            </a:r>
+            <a:endParaRPr lang="en-US" altLang="zh-CN" dirty="0"/>
+          </a:p>
+          <a:p>
+            <a:pPr lvl="3"/>
+            <a:r>
+              <a:rPr lang="en-US" altLang="zh-CN" dirty="0"/>
+              <a:t>20</a:t>
+            </a:r>
+            <a:r>
+              <a:rPr lang="zh-CN" altLang="en-US" dirty="0"/>
+              <a:t>年</a:t>
+            </a:r>
+            <a:r>
+              <a:rPr lang="en-US" altLang="zh-CN" dirty="0"/>
+              <a:t>2%</a:t>
+            </a:r>
+            <a:r>
+              <a:rPr lang="zh-CN" altLang="en-US" dirty="0"/>
+              <a:t>，</a:t>
+            </a:r>
+            <a:r>
+              <a:rPr lang="en-US" altLang="zh-CN" dirty="0"/>
+              <a:t>21</a:t>
+            </a:r>
+            <a:r>
+              <a:rPr lang="zh-CN" altLang="en-US" dirty="0"/>
+              <a:t>年</a:t>
+            </a:r>
+            <a:r>
+              <a:rPr lang="en-US" altLang="zh-CN" dirty="0"/>
+              <a:t>3%</a:t>
+            </a:r>
+            <a:endParaRPr lang="en-US" altLang="zh-CN" b="0" i="0" dirty="0">
               <a:solidFill>
                 <a:srgbClr val="333333"/>
               </a:solidFill>
+              <a:effectLst/>
               <a:latin typeface="PingFang SC"/>
             </a:endParaRPr>
           </a:p>
@@ -9022,6 +10808,10 @@
               <a:rPr lang="zh-CN" altLang="en-US" dirty="0"/>
               <a:t>竞争对手：</a:t>
             </a:r>
+            <a:endParaRPr lang="en-US" altLang="zh-CN" dirty="0"/>
+          </a:p>
+          <a:p>
+            <a:pPr lvl="3"/>
             <a:r>
               <a:rPr lang="en-US" altLang="zh-CN" dirty="0"/>
               <a:t>Cirrus Logic(10%)</a:t>
@@ -9062,18 +10852,34 @@
           <a:p>
             <a:pPr lvl="2"/>
             <a:r>
+              <a:rPr lang="zh-CN" altLang="en-US" dirty="0"/>
+              <a:t>内置</a:t>
+            </a:r>
+            <a:r>
               <a:rPr lang="en-US" altLang="zh-CN" dirty="0"/>
               <a:t>PC</a:t>
             </a:r>
             <a:r>
               <a:rPr lang="zh-CN" altLang="en-US" dirty="0"/>
-              <a:t>、笔电</a:t>
+              <a:t>声卡、笔记本电脑声卡</a:t>
             </a:r>
             <a:endParaRPr lang="en-US" altLang="zh-CN" dirty="0"/>
           </a:p>
           <a:p>
-            <a:pPr lvl="1"/>
-            <a:endParaRPr lang="zh-CN" altLang="en-US" dirty="0"/>
+            <a:pPr lvl="2"/>
+            <a:r>
+              <a:rPr lang="zh-CN" altLang="en-US" dirty="0"/>
+              <a:t>外置</a:t>
+            </a:r>
+            <a:r>
+              <a:rPr lang="en-US" altLang="zh-CN" dirty="0"/>
+              <a:t>USB</a:t>
+            </a:r>
+            <a:r>
+              <a:rPr lang="zh-CN" altLang="en-US" dirty="0"/>
+              <a:t>声卡</a:t>
+            </a:r>
+            <a:endParaRPr lang="en-US" altLang="zh-CN" dirty="0"/>
           </a:p>
         </p:txBody>
       </p:sp>
@@ -9129,12 +10935,20 @@
           <a:lstStyle/>
           <a:p>
             <a:r>
+              <a:rPr lang="zh-CN" altLang="en-US" b="1" dirty="0"/>
+              <a:t>音频编解码器</a:t>
+            </a:r>
+            <a:r>
+              <a:rPr lang="en-US" altLang="zh-CN" b="1" dirty="0"/>
+              <a:t>——</a:t>
+            </a:r>
+            <a:r>
               <a:rPr lang="en-US" altLang="zh-CN" dirty="0"/>
               <a:t>PC</a:t>
             </a:r>
             <a:r>
               <a:rPr lang="zh-CN" altLang="en-US" dirty="0"/>
-              <a:t>声卡</a:t>
+              <a:t>内置声卡</a:t>
             </a:r>
           </a:p>
         </p:txBody>
@@ -9157,201 +10971,374 @@
         </p:nvSpPr>
         <p:spPr>
           <a:xfrm>
-            <a:off x="838201" y="1825625"/>
-            <a:ext cx="5257800" cy="4351338"/>
+            <a:off x="1236785" y="3606799"/>
+            <a:ext cx="5257800" cy="2675671"/>
           </a:xfrm>
+          <a:noFill/>
         </p:spPr>
         <p:txBody>
           <a:bodyPr>
-            <a:normAutofit fontScale="92500"/>
+            <a:normAutofit fontScale="70000" lnSpcReduction="20000"/>
           </a:bodyPr>
           <a:lstStyle/>
           <a:p>
             <a:r>
-              <a:rPr lang="en-US" altLang="zh-CN" dirty="0"/>
+              <a:rPr lang="en-US" altLang="zh-CN" dirty="0">
+                <a:solidFill>
+                  <a:schemeClr val="bg1"/>
+                </a:solidFill>
+              </a:rPr>
               <a:t>HD Audio</a:t>
             </a:r>
             <a:r>
-              <a:rPr lang="zh-CN" altLang="en-US" dirty="0"/>
+              <a:rPr lang="zh-CN" altLang="en-US" dirty="0">
+                <a:solidFill>
+                  <a:schemeClr val="bg1"/>
+                </a:solidFill>
+              </a:rPr>
               <a:t>音频技术规范 </a:t>
             </a:r>
-            <a:endParaRPr lang="en-US" altLang="zh-CN" dirty="0"/>
+            <a:endParaRPr lang="en-US" altLang="zh-CN" dirty="0">
+              <a:solidFill>
+                <a:schemeClr val="bg1"/>
+              </a:solidFill>
+            </a:endParaRPr>
           </a:p>
           <a:p>
             <a:pPr lvl="1"/>
             <a:r>
-              <a:rPr lang="en-US" altLang="zh-CN" dirty="0"/>
+              <a:rPr lang="en-US" altLang="zh-CN" dirty="0">
+                <a:solidFill>
+                  <a:schemeClr val="bg1"/>
+                </a:solidFill>
+              </a:rPr>
               <a:t>HD Audio</a:t>
             </a:r>
           </a:p>
           <a:p>
             <a:pPr lvl="2"/>
             <a:r>
-              <a:rPr lang="en-US" altLang="zh-CN" dirty="0"/>
+              <a:rPr lang="en-US" altLang="zh-CN" dirty="0">
+                <a:solidFill>
+                  <a:schemeClr val="bg1"/>
+                </a:solidFill>
+              </a:rPr>
               <a:t>High Definition Audio Codecs</a:t>
             </a:r>
           </a:p>
           <a:p>
             <a:pPr lvl="1"/>
             <a:r>
-              <a:rPr lang="zh-CN" altLang="en-US" dirty="0"/>
+              <a:rPr lang="zh-CN" altLang="en-US" dirty="0">
+                <a:solidFill>
+                  <a:schemeClr val="bg1"/>
+                </a:solidFill>
+              </a:rPr>
               <a:t>符合</a:t>
             </a:r>
             <a:r>
-              <a:rPr lang="en-US" altLang="zh-CN" dirty="0"/>
+              <a:rPr lang="en-US" altLang="zh-CN" dirty="0">
+                <a:solidFill>
+                  <a:schemeClr val="bg1"/>
+                </a:solidFill>
+              </a:rPr>
               <a:t>HD Audio</a:t>
             </a:r>
             <a:r>
-              <a:rPr lang="zh-CN" altLang="en-US" dirty="0"/>
+              <a:rPr lang="zh-CN" altLang="en-US" dirty="0">
+                <a:solidFill>
+                  <a:schemeClr val="bg1"/>
+                </a:solidFill>
+              </a:rPr>
               <a:t>规范的芯片：</a:t>
             </a:r>
-            <a:endParaRPr lang="en-US" altLang="zh-CN" dirty="0"/>
+            <a:endParaRPr lang="en-US" altLang="zh-CN" dirty="0">
+              <a:solidFill>
+                <a:schemeClr val="bg1"/>
+              </a:solidFill>
+            </a:endParaRPr>
           </a:p>
           <a:p>
             <a:pPr lvl="2"/>
             <a:r>
-              <a:rPr lang="en-US" altLang="zh-CN" dirty="0"/>
+              <a:rPr lang="en-US" altLang="zh-CN" dirty="0">
+                <a:solidFill>
+                  <a:schemeClr val="bg1"/>
+                </a:solidFill>
+              </a:rPr>
               <a:t>Realtek</a:t>
             </a:r>
             <a:r>
-              <a:rPr lang="zh-CN" altLang="en-US" dirty="0"/>
+              <a:rPr lang="zh-CN" altLang="en-US" dirty="0">
+                <a:solidFill>
+                  <a:schemeClr val="bg1"/>
+                </a:solidFill>
+              </a:rPr>
               <a:t>瑞昱：</a:t>
             </a:r>
             <a:r>
-              <a:rPr lang="en-US" altLang="zh-CN" dirty="0"/>
+              <a:rPr lang="en-US" altLang="zh-CN" dirty="0">
+                <a:solidFill>
+                  <a:schemeClr val="bg1"/>
+                </a:solidFill>
+              </a:rPr>
               <a:t>ALC880</a:t>
             </a:r>
             <a:r>
-              <a:rPr lang="zh-CN" altLang="en-US" dirty="0"/>
+              <a:rPr lang="zh-CN" altLang="en-US" dirty="0">
+                <a:solidFill>
+                  <a:schemeClr val="bg1"/>
+                </a:solidFill>
+              </a:rPr>
               <a:t>、</a:t>
             </a:r>
             <a:r>
-              <a:rPr lang="en-US" altLang="zh-CN" dirty="0"/>
+              <a:rPr lang="en-US" altLang="zh-CN" dirty="0">
+                <a:solidFill>
+                  <a:schemeClr val="bg1"/>
+                </a:solidFill>
+              </a:rPr>
               <a:t>ALC882</a:t>
             </a:r>
             <a:r>
-              <a:rPr lang="zh-CN" altLang="en-US" dirty="0"/>
+              <a:rPr lang="zh-CN" altLang="en-US" dirty="0">
+                <a:solidFill>
+                  <a:schemeClr val="bg1"/>
+                </a:solidFill>
+              </a:rPr>
               <a:t>、</a:t>
             </a:r>
             <a:r>
-              <a:rPr lang="en-US" altLang="zh-CN" dirty="0"/>
+              <a:rPr lang="en-US" altLang="zh-CN" dirty="0">
+                <a:solidFill>
+                  <a:schemeClr val="bg1"/>
+                </a:solidFill>
+              </a:rPr>
               <a:t>ALC883</a:t>
             </a:r>
             <a:r>
-              <a:rPr lang="zh-CN" altLang="en-US" dirty="0"/>
+              <a:rPr lang="zh-CN" altLang="en-US" dirty="0">
+                <a:solidFill>
+                  <a:schemeClr val="bg1"/>
+                </a:solidFill>
+              </a:rPr>
               <a:t>、</a:t>
             </a:r>
             <a:r>
-              <a:rPr lang="en-US" altLang="zh-CN" dirty="0"/>
+              <a:rPr lang="en-US" altLang="zh-CN" dirty="0">
+                <a:solidFill>
+                  <a:schemeClr val="bg1"/>
+                </a:solidFill>
+              </a:rPr>
               <a:t>ALC885</a:t>
             </a:r>
             <a:r>
-              <a:rPr lang="zh-CN" altLang="en-US" dirty="0"/>
+              <a:rPr lang="zh-CN" altLang="en-US" dirty="0">
+                <a:solidFill>
+                  <a:schemeClr val="bg1"/>
+                </a:solidFill>
+              </a:rPr>
               <a:t>、</a:t>
             </a:r>
             <a:r>
-              <a:rPr lang="en-US" altLang="zh-CN" dirty="0"/>
+              <a:rPr lang="en-US" altLang="zh-CN" dirty="0">
+                <a:solidFill>
+                  <a:schemeClr val="bg1"/>
+                </a:solidFill>
+              </a:rPr>
               <a:t>ALC888</a:t>
             </a:r>
             <a:r>
-              <a:rPr lang="zh-CN" altLang="en-US" dirty="0"/>
+              <a:rPr lang="zh-CN" altLang="en-US" dirty="0">
+                <a:solidFill>
+                  <a:schemeClr val="bg1"/>
+                </a:solidFill>
+              </a:rPr>
               <a:t>、</a:t>
             </a:r>
             <a:r>
-              <a:rPr lang="en-US" altLang="zh-CN" dirty="0"/>
+              <a:rPr lang="en-US" altLang="zh-CN" dirty="0">
+                <a:solidFill>
+                  <a:schemeClr val="bg1"/>
+                </a:solidFill>
+              </a:rPr>
               <a:t>ALC260</a:t>
             </a:r>
             <a:r>
-              <a:rPr lang="zh-CN" altLang="en-US" dirty="0"/>
+              <a:rPr lang="zh-CN" altLang="en-US" dirty="0">
+                <a:solidFill>
+                  <a:schemeClr val="bg1"/>
+                </a:solidFill>
+              </a:rPr>
               <a:t>、</a:t>
             </a:r>
             <a:r>
-              <a:rPr lang="en-US" altLang="zh-CN" dirty="0"/>
+              <a:rPr lang="en-US" altLang="zh-CN" dirty="0">
+                <a:solidFill>
+                  <a:schemeClr val="bg1"/>
+                </a:solidFill>
+              </a:rPr>
               <a:t>ALC262</a:t>
             </a:r>
             <a:r>
-              <a:rPr lang="zh-CN" altLang="en-US" dirty="0"/>
+              <a:rPr lang="zh-CN" altLang="en-US" dirty="0">
+                <a:solidFill>
+                  <a:schemeClr val="bg1"/>
+                </a:solidFill>
+              </a:rPr>
               <a:t>、</a:t>
             </a:r>
             <a:r>
-              <a:rPr lang="en-US" altLang="zh-CN" dirty="0"/>
+              <a:rPr lang="en-US" altLang="zh-CN" dirty="0">
+                <a:solidFill>
+                  <a:schemeClr val="bg1"/>
+                </a:solidFill>
+              </a:rPr>
               <a:t>ALC268</a:t>
             </a:r>
             <a:r>
-              <a:rPr lang="zh-CN" altLang="en-US" dirty="0"/>
+              <a:rPr lang="zh-CN" altLang="en-US" dirty="0">
+                <a:solidFill>
+                  <a:schemeClr val="bg1"/>
+                </a:solidFill>
+              </a:rPr>
               <a:t>、</a:t>
             </a:r>
             <a:r>
-              <a:rPr lang="en-US" altLang="zh-CN" dirty="0"/>
+              <a:rPr lang="en-US" altLang="zh-CN" dirty="0">
+                <a:solidFill>
+                  <a:schemeClr val="bg1"/>
+                </a:solidFill>
+              </a:rPr>
               <a:t>ALC861</a:t>
             </a:r>
             <a:r>
-              <a:rPr lang="zh-CN" altLang="en-US" dirty="0"/>
+              <a:rPr lang="zh-CN" altLang="en-US" dirty="0">
+                <a:solidFill>
+                  <a:schemeClr val="bg1"/>
+                </a:solidFill>
+              </a:rPr>
               <a:t>等</a:t>
             </a:r>
-            <a:endParaRPr lang="en-US" altLang="zh-CN" dirty="0"/>
+            <a:endParaRPr lang="en-US" altLang="zh-CN" dirty="0">
+              <a:solidFill>
+                <a:schemeClr val="bg1"/>
+              </a:solidFill>
+            </a:endParaRPr>
           </a:p>
           <a:p>
             <a:pPr lvl="2"/>
             <a:r>
-              <a:rPr lang="zh-CN" altLang="en-US" dirty="0"/>
+              <a:rPr lang="zh-CN" altLang="en-US" dirty="0">
+                <a:solidFill>
+                  <a:schemeClr val="bg1"/>
+                </a:solidFill>
+              </a:rPr>
               <a:t>其他厂商：</a:t>
             </a:r>
             <a:r>
-              <a:rPr lang="en-US" altLang="zh-CN" dirty="0" err="1"/>
+              <a:rPr lang="en-US" altLang="zh-CN" dirty="0" err="1">
+                <a:solidFill>
+                  <a:schemeClr val="bg1"/>
+                </a:solidFill>
+              </a:rPr>
               <a:t>Cmedia</a:t>
             </a:r>
             <a:r>
-              <a:rPr lang="zh-CN" altLang="en-US" dirty="0"/>
+              <a:rPr lang="zh-CN" altLang="en-US" dirty="0">
+                <a:solidFill>
+                  <a:schemeClr val="bg1"/>
+                </a:solidFill>
+              </a:rPr>
               <a:t>、</a:t>
             </a:r>
             <a:r>
-              <a:rPr lang="en-US" altLang="zh-CN" dirty="0"/>
+              <a:rPr lang="en-US" altLang="zh-CN" dirty="0">
+                <a:solidFill>
+                  <a:schemeClr val="bg1"/>
+                </a:solidFill>
+              </a:rPr>
               <a:t>ADI</a:t>
             </a:r>
             <a:r>
-              <a:rPr lang="zh-CN" altLang="en-US" dirty="0"/>
+              <a:rPr lang="zh-CN" altLang="en-US" dirty="0">
+                <a:solidFill>
+                  <a:schemeClr val="bg1"/>
+                </a:solidFill>
+              </a:rPr>
               <a:t>、</a:t>
             </a:r>
             <a:r>
-              <a:rPr lang="en-US" altLang="zh-CN" dirty="0"/>
+              <a:rPr lang="en-US" altLang="zh-CN" dirty="0">
+                <a:solidFill>
+                  <a:schemeClr val="bg1"/>
+                </a:solidFill>
+              </a:rPr>
               <a:t> </a:t>
             </a:r>
             <a:r>
-              <a:rPr lang="en-US" altLang="zh-CN" dirty="0" err="1"/>
+              <a:rPr lang="en-US" altLang="zh-CN" dirty="0" err="1">
+                <a:solidFill>
+                  <a:schemeClr val="bg1"/>
+                </a:solidFill>
+              </a:rPr>
               <a:t>Sigmatel</a:t>
             </a:r>
             <a:r>
-              <a:rPr lang="zh-CN" altLang="en-US" dirty="0"/>
+              <a:rPr lang="zh-CN" altLang="en-US" dirty="0">
+                <a:solidFill>
+                  <a:schemeClr val="bg1"/>
+                </a:solidFill>
+              </a:rPr>
               <a:t>、</a:t>
             </a:r>
             <a:r>
-              <a:rPr lang="en-US" altLang="zh-CN" dirty="0"/>
+              <a:rPr lang="en-US" altLang="zh-CN" dirty="0">
+                <a:solidFill>
+                  <a:schemeClr val="bg1"/>
+                </a:solidFill>
+              </a:rPr>
               <a:t>VIA</a:t>
             </a:r>
           </a:p>
           <a:p>
             <a:pPr lvl="1"/>
             <a:r>
-              <a:rPr lang="zh-CN" altLang="en-US" dirty="0"/>
+              <a:rPr lang="zh-CN" altLang="en-US" dirty="0">
+                <a:solidFill>
+                  <a:schemeClr val="bg1"/>
+                </a:solidFill>
+              </a:rPr>
               <a:t>主要应用</a:t>
             </a:r>
-            <a:endParaRPr lang="en-US" altLang="zh-CN" dirty="0"/>
+            <a:endParaRPr lang="en-US" altLang="zh-CN" dirty="0">
+              <a:solidFill>
+                <a:schemeClr val="bg1"/>
+              </a:solidFill>
+            </a:endParaRPr>
           </a:p>
           <a:p>
             <a:pPr lvl="2"/>
             <a:r>
-              <a:rPr lang="zh-CN" altLang="en-US" dirty="0"/>
+              <a:rPr lang="zh-CN" altLang="en-US" dirty="0">
+                <a:solidFill>
+                  <a:schemeClr val="bg1"/>
+                </a:solidFill>
+              </a:rPr>
               <a:t>笔记本电脑</a:t>
             </a:r>
-            <a:endParaRPr lang="en-US" altLang="zh-CN" dirty="0"/>
+            <a:endParaRPr lang="en-US" altLang="zh-CN" dirty="0">
+              <a:solidFill>
+                <a:schemeClr val="bg1"/>
+              </a:solidFill>
+            </a:endParaRPr>
           </a:p>
           <a:p>
             <a:pPr lvl="2"/>
             <a:r>
               <a:rPr lang="en-US" altLang="zh-CN" b="0" i="0" dirty="0">
                 <a:solidFill>
-                  <a:srgbClr val="666666"/>
+                  <a:schemeClr val="bg1"/>
                 </a:solidFill>
                 <a:effectLst/>
                 <a:latin typeface="Ubuntu" panose="020B0504030602030204" pitchFamily="34" charset="0"/>
@@ -9361,19 +11348,27 @@
             <a:r>
               <a:rPr lang="zh-CN" altLang="en-US" b="0" i="0" dirty="0">
                 <a:solidFill>
-                  <a:srgbClr val="666666"/>
+                  <a:schemeClr val="bg1"/>
                 </a:solidFill>
                 <a:effectLst/>
                 <a:latin typeface="Ubuntu" panose="020B0504030602030204" pitchFamily="34" charset="0"/>
               </a:rPr>
               <a:t>声卡？？</a:t>
             </a:r>
-            <a:endParaRPr lang="en-US" altLang="zh-CN" dirty="0"/>
+            <a:endParaRPr lang="en-US" altLang="zh-CN" dirty="0">
+              <a:solidFill>
+                <a:schemeClr val="bg1"/>
+              </a:solidFill>
+            </a:endParaRPr>
           </a:p>
           <a:p>
             <a:pPr lvl="1"/>
             <a:r>
-              <a:rPr lang="zh-CN" altLang="en-US" dirty="0"/>
+              <a:rPr lang="zh-CN" altLang="en-US" dirty="0">
+                <a:solidFill>
+                  <a:schemeClr val="bg1"/>
+                </a:solidFill>
+              </a:rPr>
               <a:t>出货占比</a:t>
             </a:r>
           </a:p>
@@ -9395,12 +11390,13 @@
         </p:nvSpPr>
         <p:spPr>
           <a:xfrm>
-            <a:off x="6403730" y="1825625"/>
-            <a:ext cx="5257799" cy="4351338"/>
+            <a:off x="6825761" y="3606799"/>
+            <a:ext cx="5257799" cy="2675671"/>
           </a:xfrm>
           <a:prstGeom prst="rect">
             <a:avLst/>
           </a:prstGeom>
+          <a:noFill/>
         </p:spPr>
         <p:txBody>
           <a:bodyPr vert="horz" lIns="91440" tIns="45720" rIns="91440" bIns="45720" rtlCol="0">
@@ -9572,18 +11568,305 @@
           </a:lstStyle>
           <a:p>
             <a:r>
-              <a:rPr lang="en-US" altLang="zh-CN" dirty="0"/>
+              <a:rPr lang="en-US" altLang="zh-CN" dirty="0">
+                <a:solidFill>
+                  <a:schemeClr val="bg1"/>
+                </a:solidFill>
+              </a:rPr>
               <a:t>AC'97</a:t>
             </a:r>
             <a:r>
-              <a:rPr lang="zh-CN" altLang="en-US" dirty="0"/>
+              <a:rPr lang="zh-CN" altLang="en-US" dirty="0">
+                <a:solidFill>
+                  <a:schemeClr val="bg1"/>
+                </a:solidFill>
+              </a:rPr>
               <a:t>音频技术规范</a:t>
             </a:r>
-            <a:endParaRPr lang="en-US" altLang="zh-CN" dirty="0"/>
+            <a:endParaRPr lang="en-US" altLang="zh-CN" dirty="0">
+              <a:solidFill>
+                <a:schemeClr val="bg1"/>
+              </a:solidFill>
+            </a:endParaRPr>
           </a:p>
           <a:p>
             <a:pPr lvl="1"/>
-            <a:endParaRPr lang="zh-CN" altLang="en-US" dirty="0"/>
+            <a:endParaRPr lang="zh-CN" altLang="en-US" dirty="0">
+              <a:solidFill>
+                <a:schemeClr val="bg1"/>
+              </a:solidFill>
+            </a:endParaRPr>
+          </a:p>
+        </p:txBody>
+      </p:sp>
+      <p:sp>
+        <p:nvSpPr>
+          <p:cNvPr id="5" name="内容占位符 2">
+            <a:extLst>
+              <a:ext uri="{FF2B5EF4-FFF2-40B4-BE49-F238E27FC236}">
+                <a16:creationId xmlns:a16="http://schemas.microsoft.com/office/drawing/2014/main" id="{13F0941A-A06D-0F29-BD03-2D651E5565C5}"/>
+              </a:ext>
+            </a:extLst>
+          </p:cNvPr>
+          <p:cNvSpPr txBox="1">
+            <a:spLocks/>
+          </p:cNvSpPr>
+          <p:nvPr/>
+        </p:nvSpPr>
+        <p:spPr>
+          <a:xfrm>
+            <a:off x="838201" y="1871784"/>
+            <a:ext cx="10572261" cy="1989016"/>
+          </a:xfrm>
+          <a:prstGeom prst="rect">
+            <a:avLst/>
+          </a:prstGeom>
+        </p:spPr>
+        <p:txBody>
+          <a:bodyPr vert="horz" lIns="91440" tIns="45720" rIns="91440" bIns="45720" rtlCol="0">
+            <a:normAutofit fontScale="92500" lnSpcReduction="10000"/>
+          </a:bodyPr>
+          <a:lstStyle>
+            <a:lvl1pPr marL="228600" indent="-228600" algn="l" defTabSz="914400" rtl="0" eaLnBrk="1" latinLnBrk="0" hangingPunct="1">
+              <a:lnSpc>
+                <a:spcPct val="90000"/>
+              </a:lnSpc>
+              <a:spcBef>
+                <a:spcPts val="1000"/>
+              </a:spcBef>
+              <a:buFont typeface="Arial" panose="020B0604020202020204" pitchFamily="34" charset="0"/>
+              <a:buChar char="•"/>
+              <a:defRPr sz="2800" kern="1200">
+                <a:solidFill>
+                  <a:schemeClr val="tx1"/>
+                </a:solidFill>
+                <a:latin typeface="+mn-lt"/>
+                <a:ea typeface="+mn-ea"/>
+                <a:cs typeface="+mn-cs"/>
+              </a:defRPr>
+            </a:lvl1pPr>
+            <a:lvl2pPr marL="685800" indent="-228600" algn="l" defTabSz="914400" rtl="0" eaLnBrk="1" latinLnBrk="0" hangingPunct="1">
+              <a:lnSpc>
+                <a:spcPct val="90000"/>
+              </a:lnSpc>
+              <a:spcBef>
+                <a:spcPts val="500"/>
+              </a:spcBef>
+              <a:buFont typeface="Arial" panose="020B0604020202020204" pitchFamily="34" charset="0"/>
+              <a:buChar char="•"/>
+              <a:defRPr sz="2400" kern="1200">
+                <a:solidFill>
+                  <a:schemeClr val="tx1"/>
+                </a:solidFill>
+                <a:latin typeface="+mn-lt"/>
+                <a:ea typeface="+mn-ea"/>
+                <a:cs typeface="+mn-cs"/>
+              </a:defRPr>
+            </a:lvl2pPr>
+            <a:lvl3pPr marL="1143000" indent="-228600" algn="l" defTabSz="914400" rtl="0" eaLnBrk="1" latinLnBrk="0" hangingPunct="1">
+              <a:lnSpc>
+                <a:spcPct val="90000"/>
+              </a:lnSpc>
+              <a:spcBef>
+                <a:spcPts val="500"/>
+              </a:spcBef>
+              <a:buFont typeface="Arial" panose="020B0604020202020204" pitchFamily="34" charset="0"/>
+              <a:buChar char="•"/>
+              <a:defRPr sz="2000" kern="1200">
+                <a:solidFill>
+                  <a:schemeClr val="tx1"/>
+                </a:solidFill>
+                <a:latin typeface="+mn-lt"/>
+                <a:ea typeface="+mn-ea"/>
+                <a:cs typeface="+mn-cs"/>
+              </a:defRPr>
+            </a:lvl3pPr>
+            <a:lvl4pPr marL="1600200" indent="-228600" algn="l" defTabSz="914400" rtl="0" eaLnBrk="1" latinLnBrk="0" hangingPunct="1">
+              <a:lnSpc>
+                <a:spcPct val="90000"/>
+              </a:lnSpc>
+              <a:spcBef>
+                <a:spcPts val="500"/>
+              </a:spcBef>
+              <a:buFont typeface="Arial" panose="020B0604020202020204" pitchFamily="34" charset="0"/>
+              <a:buChar char="•"/>
+              <a:defRPr sz="1800" kern="1200">
+                <a:solidFill>
+                  <a:schemeClr val="tx1"/>
+                </a:solidFill>
+                <a:latin typeface="+mn-lt"/>
+                <a:ea typeface="+mn-ea"/>
+                <a:cs typeface="+mn-cs"/>
+              </a:defRPr>
+            </a:lvl4pPr>
+            <a:lvl5pPr marL="2057400" indent="-228600" algn="l" defTabSz="914400" rtl="0" eaLnBrk="1" latinLnBrk="0" hangingPunct="1">
+              <a:lnSpc>
+                <a:spcPct val="90000"/>
+              </a:lnSpc>
+              <a:spcBef>
+                <a:spcPts val="500"/>
+              </a:spcBef>
+              <a:buFont typeface="Arial" panose="020B0604020202020204" pitchFamily="34" charset="0"/>
+              <a:buChar char="•"/>
+              <a:defRPr sz="1800" kern="1200">
+                <a:solidFill>
+                  <a:schemeClr val="tx1"/>
+                </a:solidFill>
+                <a:latin typeface="+mn-lt"/>
+                <a:ea typeface="+mn-ea"/>
+                <a:cs typeface="+mn-cs"/>
+              </a:defRPr>
+            </a:lvl5pPr>
+            <a:lvl6pPr marL="2514600" indent="-228600" algn="l" defTabSz="914400" rtl="0" eaLnBrk="1" latinLnBrk="0" hangingPunct="1">
+              <a:lnSpc>
+                <a:spcPct val="90000"/>
+              </a:lnSpc>
+              <a:spcBef>
+                <a:spcPts val="500"/>
+              </a:spcBef>
+              <a:buFont typeface="Arial" panose="020B0604020202020204" pitchFamily="34" charset="0"/>
+              <a:buChar char="•"/>
+              <a:defRPr sz="1800" kern="1200">
+                <a:solidFill>
+                  <a:schemeClr val="tx1"/>
+                </a:solidFill>
+                <a:latin typeface="+mn-lt"/>
+                <a:ea typeface="+mn-ea"/>
+                <a:cs typeface="+mn-cs"/>
+              </a:defRPr>
+            </a:lvl6pPr>
+            <a:lvl7pPr marL="2971800" indent="-228600" algn="l" defTabSz="914400" rtl="0" eaLnBrk="1" latinLnBrk="0" hangingPunct="1">
+              <a:lnSpc>
+                <a:spcPct val="90000"/>
+              </a:lnSpc>
+              <a:spcBef>
+                <a:spcPts val="500"/>
+              </a:spcBef>
+              <a:buFont typeface="Arial" panose="020B0604020202020204" pitchFamily="34" charset="0"/>
+              <a:buChar char="•"/>
+              <a:defRPr sz="1800" kern="1200">
+                <a:solidFill>
+                  <a:schemeClr val="tx1"/>
+                </a:solidFill>
+                <a:latin typeface="+mn-lt"/>
+                <a:ea typeface="+mn-ea"/>
+                <a:cs typeface="+mn-cs"/>
+              </a:defRPr>
+            </a:lvl7pPr>
+            <a:lvl8pPr marL="3429000" indent="-228600" algn="l" defTabSz="914400" rtl="0" eaLnBrk="1" latinLnBrk="0" hangingPunct="1">
+              <a:lnSpc>
+                <a:spcPct val="90000"/>
+              </a:lnSpc>
+              <a:spcBef>
+                <a:spcPts val="500"/>
+              </a:spcBef>
+              <a:buFont typeface="Arial" panose="020B0604020202020204" pitchFamily="34" charset="0"/>
+              <a:buChar char="•"/>
+              <a:defRPr sz="1800" kern="1200">
+                <a:solidFill>
+                  <a:schemeClr val="tx1"/>
+                </a:solidFill>
+                <a:latin typeface="+mn-lt"/>
+                <a:ea typeface="+mn-ea"/>
+                <a:cs typeface="+mn-cs"/>
+              </a:defRPr>
+            </a:lvl8pPr>
+            <a:lvl9pPr marL="3886200" indent="-228600" algn="l" defTabSz="914400" rtl="0" eaLnBrk="1" latinLnBrk="0" hangingPunct="1">
+              <a:lnSpc>
+                <a:spcPct val="90000"/>
+              </a:lnSpc>
+              <a:spcBef>
+                <a:spcPts val="500"/>
+              </a:spcBef>
+              <a:buFont typeface="Arial" panose="020B0604020202020204" pitchFamily="34" charset="0"/>
+              <a:buChar char="•"/>
+              <a:defRPr sz="1800" kern="1200">
+                <a:solidFill>
+                  <a:schemeClr val="tx1"/>
+                </a:solidFill>
+                <a:latin typeface="+mn-lt"/>
+                <a:ea typeface="+mn-ea"/>
+                <a:cs typeface="+mn-cs"/>
+              </a:defRPr>
+            </a:lvl9pPr>
+          </a:lstStyle>
+          <a:p>
+            <a:r>
+              <a:rPr lang="en-US" altLang="zh-CN" sz="2400" dirty="0"/>
+              <a:t>PC</a:t>
+            </a:r>
+            <a:r>
+              <a:rPr lang="zh-CN" altLang="en-US" sz="2400" dirty="0"/>
+              <a:t>内置声卡，基本需要符合以下两个标准才能满足</a:t>
+            </a:r>
+            <a:endParaRPr lang="en-US" altLang="zh-CN" sz="2400" dirty="0"/>
+          </a:p>
+          <a:p>
+            <a:pPr lvl="1"/>
+            <a:r>
+              <a:rPr lang="en-US" altLang="zh-CN" sz="1800" dirty="0"/>
+              <a:t>AC'97</a:t>
+            </a:r>
+            <a:r>
+              <a:rPr lang="zh-CN" altLang="en-US" sz="1800" dirty="0"/>
+              <a:t>音频技术规范</a:t>
+            </a:r>
+            <a:endParaRPr lang="en-US" altLang="zh-CN" sz="1800" dirty="0"/>
+          </a:p>
+          <a:p>
+            <a:pPr lvl="1"/>
+            <a:r>
+              <a:rPr lang="en-US" altLang="zh-CN" sz="1800" dirty="0"/>
+              <a:t>HD Audio</a:t>
+            </a:r>
+            <a:r>
+              <a:rPr lang="zh-CN" altLang="en-US" sz="1800" dirty="0"/>
+              <a:t>音频技术规范 </a:t>
+            </a:r>
+            <a:endParaRPr lang="en-US" altLang="zh-CN" sz="1800" dirty="0"/>
+          </a:p>
+          <a:p>
+            <a:r>
+              <a:rPr lang="en-US" altLang="zh-CN" sz="2400" dirty="0"/>
+              <a:t>PC </a:t>
+            </a:r>
+            <a:r>
+              <a:rPr lang="zh-CN" altLang="en-US" sz="2400" dirty="0"/>
+              <a:t>内置声卡基本都是瑞昱方案</a:t>
+            </a:r>
+            <a:endParaRPr lang="en-US" altLang="zh-CN" sz="2400" dirty="0"/>
+          </a:p>
+          <a:p>
+            <a:pPr lvl="1"/>
+            <a:r>
+              <a:rPr lang="en-US" altLang="zh-CN" sz="1800" dirty="0"/>
+              <a:t>2021</a:t>
+            </a:r>
+            <a:r>
+              <a:rPr lang="zh-CN" altLang="en-US" sz="1800" dirty="0"/>
+              <a:t>年因为瑞昱缺货，骅讯、昆腾微等均切入了声卡市场；</a:t>
+            </a:r>
+            <a:endParaRPr lang="en-US" altLang="zh-CN" sz="1800" dirty="0"/>
+          </a:p>
+          <a:p>
+            <a:pPr lvl="1"/>
+            <a:r>
+              <a:rPr lang="zh-CN" altLang="en-US" sz="1800" dirty="0"/>
+              <a:t>随着缺货问题解决，市场已回归瑞昱</a:t>
+            </a:r>
+            <a:endParaRPr lang="en-US" altLang="zh-CN" sz="1800" dirty="0"/>
+          </a:p>
+          <a:p>
+            <a:pPr lvl="1"/>
+            <a:endParaRPr lang="en-US" altLang="zh-CN" sz="1800" dirty="0"/>
+          </a:p>
+          <a:p>
+            <a:pPr lvl="1"/>
+            <a:endParaRPr lang="en-US" altLang="zh-CN" sz="1800" dirty="0"/>
+          </a:p>
+          <a:p>
+            <a:pPr lvl="1"/>
+            <a:endParaRPr lang="zh-CN" altLang="en-US" sz="1800" dirty="0"/>
           </a:p>
         </p:txBody>
       </p:sp>
@@ -9639,14 +11922,32 @@
           <a:lstStyle/>
           <a:p>
             <a:r>
-              <a:rPr lang="zh-CN" altLang="en-US" b="0" i="0" dirty="0">
+              <a:rPr lang="zh-CN" altLang="en-US" b="1" dirty="0"/>
+              <a:t>音频编解码器</a:t>
+            </a:r>
+            <a:r>
+              <a:rPr lang="en-US" altLang="zh-CN" b="1" dirty="0"/>
+              <a:t>——</a:t>
+            </a:r>
+            <a:r>
+              <a:rPr lang="zh-CN" altLang="en-US" i="0" dirty="0">
                 <a:solidFill>
                   <a:srgbClr val="2A2A2A"/>
                 </a:solidFill>
                 <a:effectLst/>
                 <a:latin typeface="Arial" panose="020B0604020202020204" pitchFamily="34" charset="0"/>
               </a:rPr>
-              <a:t>线形</a:t>
+              <a:t>外置</a:t>
+            </a:r>
+            <a:r>
+              <a:rPr lang="en-US" altLang="zh-CN" i="0" dirty="0">
+                <a:solidFill>
+                  <a:srgbClr val="2A2A2A"/>
+                </a:solidFill>
+                <a:effectLst/>
+                <a:latin typeface="Arial" panose="020B0604020202020204" pitchFamily="34" charset="0"/>
+              </a:rPr>
+              <a:t>USB</a:t>
             </a:r>
             <a:r>
               <a:rPr lang="zh-CN" altLang="en-US" i="0" dirty="0">
@@ -9656,37 +11957,7 @@
                 <a:effectLst/>
                 <a:latin typeface="+mn-lt"/>
               </a:rPr>
-              <a:t>声卡 </a:t>
-            </a:r>
-            <a:r>
-              <a:rPr lang="en-US" altLang="zh-CN" i="0" dirty="0">
-                <a:solidFill>
-                  <a:srgbClr val="2A2A2A"/>
-                </a:solidFill>
-                <a:effectLst/>
-                <a:latin typeface="+mn-lt"/>
-              </a:rPr>
-              <a:t>(USB</a:t>
-            </a:r>
-            <a:r>
-              <a:rPr lang="zh-CN" altLang="en-US" i="0" dirty="0">
-                <a:solidFill>
-                  <a:srgbClr val="2A2A2A"/>
-                </a:solidFill>
-                <a:effectLst/>
-                <a:latin typeface="+mn-lt"/>
-              </a:rPr>
-              <a:t> 耳放</a:t>
-            </a:r>
-            <a:r>
-              <a:rPr lang="en-US" altLang="zh-CN" i="0" dirty="0">
-                <a:solidFill>
-                  <a:srgbClr val="2A2A2A"/>
-                </a:solidFill>
-                <a:effectLst/>
-                <a:latin typeface="+mn-lt"/>
-              </a:rPr>
-              <a:t>)</a:t>
+              <a:t>声卡（耳放）</a:t>
             </a:r>
             <a:endParaRPr lang="zh-CN" altLang="en-US" dirty="0">
               <a:latin typeface="+mn-lt"/>
@@ -9694,6 +11965,99 @@
           </a:p>
         </p:txBody>
       </p:sp>
+      <p:graphicFrame>
+        <p:nvGraphicFramePr>
+          <p:cNvPr id="4" name="对象 3">
+            <a:extLst>
+              <a:ext uri="{FF2B5EF4-FFF2-40B4-BE49-F238E27FC236}">
+                <a16:creationId xmlns:a16="http://schemas.microsoft.com/office/drawing/2014/main" id="{9B0BEAFE-56AB-C036-D7B4-DA07DA2DCB82}"/>
+              </a:ext>
+            </a:extLst>
+          </p:cNvPr>
+          <p:cNvGraphicFramePr>
+            <a:graphicFrameLocks noChangeAspect="1"/>
+          </p:cNvGraphicFramePr>
+          <p:nvPr>
+            <p:extLst>
+              <p:ext uri="{D42A27DB-BD31-4B8C-83A1-F6EECF244321}">
+                <p14:modId xmlns:p14="http://schemas.microsoft.com/office/powerpoint/2010/main" val="679896892"/>
+              </p:ext>
+            </p:extLst>
+          </p:nvPr>
+        </p:nvGraphicFramePr>
+        <p:xfrm>
+          <a:off x="1785816" y="5412823"/>
+          <a:ext cx="914400" cy="792163"/>
+        </p:xfrm>
+        <a:graphic>
+          <a:graphicData uri="http://schemas.openxmlformats.org/presentationml/2006/ole">
+            <mc:AlternateContent xmlns:mc="http://schemas.openxmlformats.org/markup-compatibility/2006">
+              <mc:Choice xmlns:v="urn:schemas-microsoft-com:vml" Requires="v">
+                <p:oleObj name="Worksheet" showAsIcon="1" r:id="rId2" imgW="914400" imgH="792360" progId="Excel.Sheet.12">
+                  <p:link updateAutomatic="1"/>
+                </p:oleObj>
+              </mc:Choice>
+              <mc:Fallback>
+                <p:oleObj name="Worksheet" showAsIcon="1" r:id="rId2" imgW="914400" imgH="792360" progId="Excel.Sheet.12">
+                  <p:link updateAutomatic="1"/>
+                  <p:pic>
+                    <p:nvPicPr>
+                      <p:cNvPr id="0" name=""/>
+                      <p:cNvPicPr/>
+                      <p:nvPr/>
+                    </p:nvPicPr>
+                    <p:blipFill>
+                      <a:blip r:embed="rId3"/>
+                      <a:stretch>
+                        <a:fillRect/>
+                      </a:stretch>
+                    </p:blipFill>
+                    <p:spPr>
+                      <a:xfrm>
+                        <a:off x="1785816" y="5412823"/>
+                        <a:ext cx="914400" cy="792163"/>
+                      </a:xfrm>
+                      <a:prstGeom prst="rect">
+                        <a:avLst/>
+                      </a:prstGeom>
+                    </p:spPr>
+                  </p:pic>
+                </p:oleObj>
+              </mc:Fallback>
+            </mc:AlternateContent>
+          </a:graphicData>
+        </a:graphic>
+      </p:graphicFrame>
+      <p:pic>
+        <p:nvPicPr>
+          <p:cNvPr id="6" name="图片 5">
+            <a:extLst>
+              <a:ext uri="{FF2B5EF4-FFF2-40B4-BE49-F238E27FC236}">
+                <a16:creationId xmlns:a16="http://schemas.microsoft.com/office/drawing/2014/main" id="{79283C34-BC0C-48F6-693D-191F5DF90CB8}"/>
+              </a:ext>
+            </a:extLst>
+          </p:cNvPr>
+          <p:cNvPicPr>
+            <a:picLocks noChangeAspect="1"/>
+          </p:cNvPicPr>
+          <p:nvPr/>
+        </p:nvPicPr>
+        <p:blipFill>
+          <a:blip r:embed="rId4"/>
+          <a:stretch>
+            <a:fillRect/>
+          </a:stretch>
+        </p:blipFill>
+        <p:spPr>
+          <a:xfrm>
+            <a:off x="3837354" y="4717594"/>
+            <a:ext cx="7659077" cy="1939437"/>
+          </a:xfrm>
+          <a:prstGeom prst="rect">
+            <a:avLst/>
+          </a:prstGeom>
+        </p:spPr>
+      </p:pic>
       <p:sp>
         <p:nvSpPr>
           <p:cNvPr id="3" name="内容占位符 2">
@@ -9710,9 +12074,16 @@
             <p:ph idx="1"/>
           </p:nvPr>
         </p:nvSpPr>
-        <p:spPr/>
+        <p:spPr>
+          <a:xfrm>
+            <a:off x="838200" y="1825624"/>
+            <a:ext cx="10515600" cy="3762376"/>
+          </a:xfrm>
+        </p:spPr>
         <p:txBody>
-          <a:bodyPr/>
+          <a:bodyPr>
+            <a:normAutofit fontScale="62500" lnSpcReduction="20000"/>
+          </a:bodyPr>
           <a:lstStyle/>
           <a:p>
             <a:r>
@@ -9721,7 +12092,15 @@
             </a:r>
             <a:r>
               <a:rPr lang="zh-CN" altLang="en-US" dirty="0"/>
-              <a:t>耳放系列应用，根据不同的受众，功能定位不一样，解决方案厂商也很多</a:t>
+              <a:t>耳放作为外置</a:t>
+            </a:r>
+            <a:r>
+              <a:rPr lang="en-US" altLang="zh-CN" dirty="0"/>
+              <a:t>USB</a:t>
+            </a:r>
+            <a:r>
+              <a:rPr lang="zh-CN" altLang="en-US" dirty="0"/>
+              <a:t>声卡的应用系列，根据不同的受众，功能定位不一样，解决方案厂商也很多</a:t>
             </a:r>
             <a:endParaRPr lang="en-US" altLang="zh-CN" dirty="0"/>
           </a:p>
@@ -9746,6 +12125,14 @@
               <a:rPr lang="zh-CN" altLang="en-US" dirty="0"/>
               <a:t>基础音频转换器：</a:t>
             </a:r>
+            <a:endParaRPr lang="en-US" altLang="zh-CN" dirty="0"/>
+          </a:p>
+          <a:p>
+            <a:pPr lvl="2"/>
+            <a:r>
+              <a:rPr lang="zh-CN" altLang="en-US" dirty="0"/>
+              <a:t>接口要求：</a:t>
+            </a:r>
             <a:r>
               <a:rPr lang="en-US" altLang="zh-CN" dirty="0"/>
               <a:t>USB</a:t>
@@ -9758,24 +12145,216 @@
               <a:rPr lang="en-US" altLang="zh-CN" dirty="0"/>
               <a:t>3.5mm</a:t>
             </a:r>
+            <a:r>
+              <a:rPr lang="zh-CN" altLang="en-US" dirty="0"/>
+              <a:t>接口</a:t>
+            </a:r>
+            <a:endParaRPr lang="en-US" altLang="zh-CN" dirty="0"/>
+          </a:p>
+          <a:p>
+            <a:pPr lvl="2"/>
+            <a:r>
+              <a:rPr lang="zh-CN" altLang="en-US" dirty="0"/>
+              <a:t>采样率</a:t>
+            </a:r>
+            <a:r>
+              <a:rPr lang="en-US" altLang="zh-CN" dirty="0"/>
+              <a:t>/</a:t>
+            </a:r>
+            <a:r>
+              <a:rPr lang="zh-CN" altLang="en-US" dirty="0"/>
+              <a:t>编解码要求：一般作为数模转换头，无硬性指标要求</a:t>
+            </a:r>
+            <a:endParaRPr lang="en-US" altLang="zh-CN" dirty="0"/>
           </a:p>
           <a:p>
             <a:pPr lvl="1"/>
-            <a:endParaRPr lang="en-US" altLang="zh-CN" dirty="0"/>
-          </a:p>
-          <a:p>
-            <a:pPr lvl="1"/>
-            <a:endParaRPr lang="en-US" altLang="zh-CN" dirty="0"/>
-          </a:p>
-          <a:p>
+            <a:r>
+              <a:rPr lang="zh-CN" altLang="en-US" dirty="0"/>
+              <a:t>中阶</a:t>
+            </a:r>
             <a:r>
               <a:rPr lang="en-US" altLang="zh-CN" dirty="0"/>
               <a:t>USB</a:t>
             </a:r>
             <a:r>
               <a:rPr lang="zh-CN" altLang="en-US" dirty="0"/>
+              <a:t>耳放：</a:t>
+            </a:r>
+            <a:endParaRPr lang="en-US" altLang="zh-CN" dirty="0"/>
+          </a:p>
+          <a:p>
+            <a:pPr lvl="2"/>
+            <a:r>
+              <a:rPr lang="zh-CN" altLang="en-US" dirty="0"/>
+              <a:t>接口要求：</a:t>
+            </a:r>
+            <a:r>
+              <a:rPr lang="en-US" altLang="zh-CN" dirty="0"/>
+              <a:t>USB</a:t>
+            </a:r>
+            <a:r>
+              <a:rPr lang="zh-CN" altLang="en-US" dirty="0"/>
+              <a:t>转</a:t>
+            </a:r>
+            <a:r>
+              <a:rPr lang="en-US" altLang="zh-CN" dirty="0"/>
+              <a:t>3.5mm</a:t>
+            </a:r>
+            <a:r>
+              <a:rPr lang="zh-CN" altLang="en-US" dirty="0"/>
+              <a:t>，或外加</a:t>
+            </a:r>
+            <a:r>
+              <a:rPr lang="en-US" altLang="zh-CN" dirty="0"/>
+              <a:t>4.4</a:t>
+            </a:r>
+            <a:r>
+              <a:rPr lang="zh-CN" altLang="en-US" dirty="0"/>
+              <a:t>平衡接口</a:t>
+            </a:r>
+            <a:endParaRPr lang="en-US" altLang="zh-CN" dirty="0"/>
+          </a:p>
+          <a:p>
+            <a:pPr lvl="2"/>
+            <a:r>
+              <a:rPr lang="zh-CN" altLang="en-US" dirty="0"/>
+              <a:t>采样率要求：达到</a:t>
+            </a:r>
+            <a:r>
+              <a:rPr lang="en-US" altLang="zh-CN" dirty="0"/>
+              <a:t>32Bit/384K</a:t>
+            </a:r>
+            <a:r>
+              <a:rPr lang="zh-CN" altLang="en-US" dirty="0"/>
+              <a:t>；</a:t>
+            </a:r>
+            <a:endParaRPr lang="en-US" altLang="zh-CN" dirty="0"/>
+          </a:p>
+          <a:p>
+            <a:pPr lvl="2"/>
+            <a:r>
+              <a:rPr lang="zh-CN" altLang="en-US" dirty="0"/>
+              <a:t>编解码要求：支持</a:t>
+            </a:r>
+            <a:r>
+              <a:rPr lang="en-US" altLang="zh-CN" dirty="0"/>
+              <a:t>DoP128</a:t>
+            </a:r>
+            <a:r>
+              <a:rPr lang="zh-CN" altLang="en-US" dirty="0"/>
+              <a:t>，</a:t>
+            </a:r>
+            <a:r>
+              <a:rPr lang="en-US" altLang="zh-CN" dirty="0"/>
+              <a:t>DSD64/DSD128</a:t>
+            </a:r>
+          </a:p>
+          <a:p>
+            <a:pPr lvl="1"/>
+            <a:r>
+              <a:rPr lang="en-US" altLang="zh-CN" dirty="0"/>
+              <a:t>Hi-Res USB</a:t>
+            </a:r>
+            <a:r>
+              <a:rPr lang="zh-CN" altLang="en-US" dirty="0"/>
+              <a:t>耳放：</a:t>
+            </a:r>
+            <a:endParaRPr lang="en-US" altLang="zh-CN" dirty="0"/>
+          </a:p>
+          <a:p>
+            <a:pPr lvl="2"/>
+            <a:r>
+              <a:rPr lang="zh-CN" altLang="en-US" dirty="0"/>
+              <a:t>接口要求：</a:t>
+            </a:r>
+            <a:r>
+              <a:rPr lang="en-US" altLang="zh-CN" dirty="0"/>
+              <a:t>USB</a:t>
+            </a:r>
+            <a:r>
+              <a:rPr lang="zh-CN" altLang="en-US" dirty="0"/>
+              <a:t>转</a:t>
+            </a:r>
+            <a:r>
+              <a:rPr lang="en-US" altLang="zh-CN" dirty="0"/>
+              <a:t>3.5mm</a:t>
+            </a:r>
+            <a:r>
+              <a:rPr lang="zh-CN" altLang="en-US" dirty="0"/>
+              <a:t>，或外加</a:t>
+            </a:r>
+            <a:r>
+              <a:rPr lang="en-US" altLang="zh-CN" dirty="0"/>
+              <a:t>4.4</a:t>
+            </a:r>
+            <a:r>
+              <a:rPr lang="zh-CN" altLang="en-US" dirty="0"/>
+              <a:t>平衡接口</a:t>
+            </a:r>
+            <a:endParaRPr lang="en-US" altLang="zh-CN" dirty="0"/>
+          </a:p>
+          <a:p>
+            <a:pPr lvl="2"/>
+            <a:r>
+              <a:rPr lang="zh-CN" altLang="en-US" dirty="0"/>
+              <a:t>采样率要求：达到</a:t>
+            </a:r>
+            <a:r>
+              <a:rPr lang="en-US" altLang="zh-CN" dirty="0"/>
+              <a:t>32Bit/768K</a:t>
+            </a:r>
+            <a:r>
+              <a:rPr lang="zh-CN" altLang="en-US" dirty="0"/>
+              <a:t>甚至更高；</a:t>
+            </a:r>
+            <a:endParaRPr lang="en-US" altLang="zh-CN" dirty="0"/>
+          </a:p>
+          <a:p>
+            <a:pPr lvl="2"/>
+            <a:r>
+              <a:rPr lang="zh-CN" altLang="en-US" dirty="0"/>
+              <a:t>编解码要求：支持</a:t>
+            </a:r>
+            <a:r>
+              <a:rPr lang="en-US" altLang="zh-CN" dirty="0"/>
+              <a:t>DoP128/256</a:t>
+            </a:r>
+            <a:r>
+              <a:rPr lang="zh-CN" altLang="en-US" dirty="0"/>
+              <a:t>，</a:t>
+            </a:r>
+            <a:r>
+              <a:rPr lang="en-US" altLang="zh-CN" dirty="0"/>
+              <a:t>DSD64/DSD128/DSD256/DSD512</a:t>
+            </a:r>
+          </a:p>
+          <a:p>
+            <a:r>
+              <a:rPr lang="en-US" altLang="zh-CN" dirty="0"/>
+              <a:t>USB</a:t>
+            </a:r>
+            <a:r>
+              <a:rPr lang="zh-CN" altLang="en-US" dirty="0"/>
               <a:t>耳放竞品分析见以下</a:t>
             </a:r>
+            <a:endParaRPr lang="en-US" altLang="zh-CN" dirty="0"/>
+          </a:p>
+          <a:p>
+            <a:pPr lvl="1"/>
+            <a:r>
+              <a:rPr lang="en-US" altLang="zh-CN" dirty="0"/>
+              <a:t>USB</a:t>
+            </a:r>
+            <a:r>
+              <a:rPr lang="zh-CN" altLang="en-US" dirty="0"/>
+              <a:t>耳放竞品分析</a:t>
+            </a:r>
+            <a:endParaRPr lang="en-US" altLang="zh-CN" dirty="0"/>
+          </a:p>
+          <a:p>
+            <a:pPr lvl="1"/>
+            <a:endParaRPr lang="zh-CN" altLang="en-US" dirty="0"/>
           </a:p>
         </p:txBody>
       </p:sp>
@@ -9814,7 +12393,7 @@
           <p:cNvPr id="2" name="标题 1">
             <a:extLst>
               <a:ext uri="{FF2B5EF4-FFF2-40B4-BE49-F238E27FC236}">
-                <a16:creationId xmlns:a16="http://schemas.microsoft.com/office/drawing/2014/main" id="{C1528AD8-A3DA-2BC4-91C6-76CDE601CEF8}"/>
+                <a16:creationId xmlns:a16="http://schemas.microsoft.com/office/drawing/2014/main" id="{48E05228-6BDF-EBF3-C044-DF336B5279FA}"/>
               </a:ext>
             </a:extLst>
           </p:cNvPr>
@@ -9831,214 +12410,63 @@
           <a:lstStyle/>
           <a:p>
             <a:r>
-              <a:rPr lang="zh-CN" altLang="en-US" dirty="0"/>
-              <a:t>游戏声卡</a:t>
-            </a:r>
-          </a:p>
-        </p:txBody>
-      </p:sp>
-      <p:sp>
-        <p:nvSpPr>
-          <p:cNvPr id="3" name="内容占位符 2">
-            <a:extLst>
-              <a:ext uri="{FF2B5EF4-FFF2-40B4-BE49-F238E27FC236}">
-                <a16:creationId xmlns:a16="http://schemas.microsoft.com/office/drawing/2014/main" id="{02A5EBA6-94AB-8FE6-8809-FCD1CFA94373}"/>
-              </a:ext>
-            </a:extLst>
-          </p:cNvPr>
-          <p:cNvSpPr>
-            <a:spLocks noGrp="1"/>
-          </p:cNvSpPr>
-          <p:nvPr>
-            <p:ph idx="1"/>
-          </p:nvPr>
-        </p:nvSpPr>
-        <p:spPr/>
-        <p:txBody>
-          <a:bodyPr vert="horz" lIns="91440" tIns="45720" rIns="91440" bIns="45720" rtlCol="0">
-            <a:normAutofit/>
-          </a:bodyPr>
-          <a:lstStyle/>
-          <a:p>
-            <a:r>
-              <a:rPr lang="zh-CN" altLang="en-US" dirty="0"/>
-              <a:t>市场规模：</a:t>
-            </a:r>
-            <a:endParaRPr lang="en-US" altLang="zh-CN" dirty="0"/>
-          </a:p>
-          <a:p>
-            <a:pPr lvl="1"/>
-            <a:r>
-              <a:rPr lang="zh-CN" altLang="en-US" dirty="0"/>
-              <a:t>全球游戏声卡市场规模</a:t>
-            </a:r>
-            <a:r>
-              <a:rPr lang="en-US" altLang="zh-CN" dirty="0"/>
-              <a:t>2021</a:t>
-            </a:r>
-            <a:r>
-              <a:rPr lang="zh-CN" altLang="en-US" dirty="0"/>
-              <a:t>年达</a:t>
-            </a:r>
-            <a:r>
-              <a:rPr lang="en-US" altLang="zh-CN" dirty="0"/>
-              <a:t>24.06</a:t>
-            </a:r>
-            <a:r>
-              <a:rPr lang="zh-CN" altLang="en-US" dirty="0"/>
-              <a:t>亿元（人民币）。</a:t>
-            </a:r>
-            <a:endParaRPr lang="en-US" altLang="zh-CN" dirty="0"/>
-          </a:p>
-          <a:p>
-            <a:pPr lvl="1"/>
-            <a:r>
-              <a:rPr lang="zh-CN" altLang="en-US" dirty="0"/>
-              <a:t>主要区域（北美、欧洲、以及亚太等主要地区）在全球游戏声卡市场中的份额占比。其中，</a:t>
-            </a:r>
-            <a:r>
-              <a:rPr lang="en-US" altLang="zh-CN" dirty="0"/>
-              <a:t>2021</a:t>
-            </a:r>
-            <a:r>
-              <a:rPr lang="zh-CN" altLang="en-US" dirty="0"/>
-              <a:t>年中国占全球游戏声卡市场的</a:t>
-            </a:r>
-            <a:r>
-              <a:rPr lang="en-US" altLang="zh-CN" dirty="0"/>
-              <a:t>34.58%</a:t>
-            </a:r>
-            <a:r>
-              <a:rPr lang="zh-CN" altLang="en-US" dirty="0"/>
-              <a:t>。贝哲斯咨询预测，至</a:t>
-            </a:r>
-            <a:r>
-              <a:rPr lang="en-US" altLang="zh-CN" dirty="0"/>
-              <a:t>2027</a:t>
-            </a:r>
-            <a:r>
-              <a:rPr lang="zh-CN" altLang="en-US" dirty="0"/>
-              <a:t>年全球游戏声卡市场规模将以</a:t>
-            </a:r>
-            <a:r>
-              <a:rPr lang="en-US" altLang="zh-CN" dirty="0"/>
-              <a:t>6.75%</a:t>
-            </a:r>
-            <a:r>
-              <a:rPr lang="zh-CN" altLang="en-US" dirty="0"/>
-              <a:t>的</a:t>
-            </a:r>
-            <a:r>
-              <a:rPr lang="en-US" altLang="zh-CN" dirty="0"/>
-              <a:t>CAGR</a:t>
-            </a:r>
-            <a:r>
-              <a:rPr lang="zh-CN" altLang="en-US" dirty="0"/>
-              <a:t>达到</a:t>
-            </a:r>
-            <a:r>
-              <a:rPr lang="en-US" altLang="zh-CN" dirty="0"/>
-              <a:t>35.69</a:t>
-            </a:r>
-            <a:r>
-              <a:rPr lang="zh-CN" altLang="en-US" dirty="0"/>
-              <a:t>亿元。</a:t>
-            </a:r>
-          </a:p>
-          <a:p>
-            <a:pPr lvl="1"/>
-            <a:r>
-              <a:rPr lang="zh-CN" altLang="en-US" dirty="0"/>
-              <a:t>报告出版商</a:t>
-            </a:r>
-            <a:r>
-              <a:rPr lang="en-US" altLang="zh-CN" dirty="0"/>
-              <a:t>: </a:t>
-            </a:r>
-            <a:r>
-              <a:rPr lang="zh-CN" altLang="en-US" dirty="0"/>
-              <a:t>湖南贝哲斯信息咨询有限公司</a:t>
-            </a:r>
-            <a:endParaRPr lang="en-US" altLang="zh-CN" dirty="0"/>
-          </a:p>
-          <a:p>
-            <a:r>
-              <a:rPr lang="en-US" altLang="zh-CN" dirty="0"/>
-              <a:t>2022</a:t>
-            </a:r>
-            <a:r>
-              <a:rPr lang="zh-CN" altLang="en-US" dirty="0"/>
-              <a:t>年游戏用</a:t>
-            </a:r>
-            <a:r>
-              <a:rPr lang="en-US" altLang="zh-CN" dirty="0"/>
-              <a:t>USB</a:t>
-            </a:r>
-            <a:r>
-              <a:rPr lang="zh-CN" altLang="en-US" dirty="0"/>
-              <a:t>声卡可行性行业调研报告</a:t>
-            </a:r>
-          </a:p>
-          <a:p>
-            <a:pPr lvl="1"/>
-            <a:endParaRPr lang="zh-CN" altLang="en-US" dirty="0"/>
-          </a:p>
-          <a:p>
-            <a:endParaRPr lang="zh-CN" altLang="en-US" dirty="0"/>
+              <a:rPr lang="zh-CN" altLang="en-US" b="1" dirty="0"/>
+              <a:t>音频编解码器</a:t>
+            </a:r>
+            <a:r>
+              <a:rPr lang="en-US" altLang="zh-CN" b="1" dirty="0"/>
+              <a:t>—— </a:t>
+            </a:r>
+            <a:r>
+              <a:rPr lang="en-US" altLang="zh-CN" dirty="0">
+                <a:solidFill>
+                  <a:srgbClr val="FF0000"/>
+                </a:solidFill>
+              </a:rPr>
+              <a:t>USB Audio</a:t>
+            </a:r>
+            <a:endParaRPr lang="zh-CN" altLang="en-US" dirty="0">
+              <a:solidFill>
+                <a:srgbClr val="FF0000"/>
+              </a:solidFill>
+            </a:endParaRPr>
           </a:p>
         </p:txBody>
       </p:sp>
       <p:pic>
         <p:nvPicPr>
-          <p:cNvPr id="1026" name="Picture 2">
+          <p:cNvPr id="5" name="图片 4">
             <a:extLst>
               <a:ext uri="{FF2B5EF4-FFF2-40B4-BE49-F238E27FC236}">
-                <a16:creationId xmlns:a16="http://schemas.microsoft.com/office/drawing/2014/main" id="{93BE0554-8265-FF93-3DD2-1D94BDFA4259}"/>
+                <a16:creationId xmlns:a16="http://schemas.microsoft.com/office/drawing/2014/main" id="{F3013DDD-0CAE-B767-9DA1-ACDAED533813}"/>
               </a:ext>
             </a:extLst>
           </p:cNvPr>
           <p:cNvPicPr>
-            <a:picLocks noChangeAspect="1" noChangeArrowheads="1"/>
+            <a:picLocks noChangeAspect="1"/>
           </p:cNvPicPr>
           <p:nvPr/>
         </p:nvPicPr>
         <p:blipFill>
-          <a:blip r:embed="rId2">
-            <a:extLst>
-              <a:ext uri="{28A0092B-C50C-407E-A947-70E740481C1C}">
-                <a14:useLocalDpi xmlns:a14="http://schemas.microsoft.com/office/drawing/2010/main" val="0"/>
-              </a:ext>
-            </a:extLst>
-          </a:blip>
-          <a:srcRect/>
+          <a:blip r:embed="rId2"/>
           <a:stretch>
             <a:fillRect/>
           </a:stretch>
         </p:blipFill>
-        <p:spPr bwMode="auto">
+        <p:spPr>
           <a:xfrm>
-            <a:off x="8620369" y="3709255"/>
-            <a:ext cx="2467708" cy="2467708"/>
+            <a:off x="945660" y="1433664"/>
+            <a:ext cx="8815755" cy="5123174"/>
           </a:xfrm>
           <a:prstGeom prst="rect">
             <a:avLst/>
           </a:prstGeom>
-          <a:noFill/>
-          <a:extLst>
-            <a:ext uri="{909E8E84-426E-40DD-AFC4-6F175D3DCCD1}">
-              <a14:hiddenFill xmlns:a14="http://schemas.microsoft.com/office/drawing/2010/main">
-                <a:solidFill>
-                  <a:srgbClr val="FFFFFF"/>
-                </a:solidFill>
-              </a14:hiddenFill>
-            </a:ext>
-          </a:extLst>
         </p:spPr>
       </p:pic>
     </p:spTree>
     <p:extLst>
       <p:ext uri="{BB962C8B-B14F-4D97-AF65-F5344CB8AC3E}">
-        <p14:creationId xmlns:p14="http://schemas.microsoft.com/office/powerpoint/2010/main" val="1234028764"/>
+        <p14:creationId xmlns:p14="http://schemas.microsoft.com/office/powerpoint/2010/main" val="4216548596"/>
       </p:ext>
     </p:extLst>
   </p:cSld>
@@ -10070,7 +12498,7 @@
           <p:cNvPr id="2" name="标题 1">
             <a:extLst>
               <a:ext uri="{FF2B5EF4-FFF2-40B4-BE49-F238E27FC236}">
-                <a16:creationId xmlns:a16="http://schemas.microsoft.com/office/drawing/2014/main" id="{9F503F54-AB57-4AFF-2C4B-5AA15A1392C1}"/>
+                <a16:creationId xmlns:a16="http://schemas.microsoft.com/office/drawing/2014/main" id="{5D91B373-4DA1-3F20-B3B7-5C29897E4235}"/>
               </a:ext>
             </a:extLst>
           </p:cNvPr>
@@ -10088,645 +12516,294 @@
           <a:p>
             <a:r>
               <a:rPr lang="zh-CN" altLang="en-US" b="1" dirty="0"/>
-              <a:t>瑞昱音频相关产品线情况 </a:t>
+              <a:t>蓝牙音频</a:t>
             </a:r>
             <a:r>
               <a:rPr lang="en-US" altLang="zh-CN" b="1" dirty="0"/>
-              <a:t>—</a:t>
+              <a:t> </a:t>
             </a:r>
             <a:r>
               <a:rPr lang="zh-CN" altLang="en-US" b="1" dirty="0"/>
-              <a:t> 蓝牙</a:t>
+              <a:t>产品线</a:t>
             </a:r>
           </a:p>
         </p:txBody>
       </p:sp>
-      <p:sp>
-        <p:nvSpPr>
-          <p:cNvPr id="3" name="内容占位符 2">
+      <p:grpSp>
+        <p:nvGrpSpPr>
+          <p:cNvPr id="12" name="组合 11">
             <a:extLst>
               <a:ext uri="{FF2B5EF4-FFF2-40B4-BE49-F238E27FC236}">
-                <a16:creationId xmlns:a16="http://schemas.microsoft.com/office/drawing/2014/main" id="{6A3F4699-1CB3-6603-26C3-D86811A06FEB}"/>
+                <a16:creationId xmlns:a16="http://schemas.microsoft.com/office/drawing/2014/main" id="{FA2DF2FA-73B7-8E1C-7E8E-74FF4C3C2D06}"/>
               </a:ext>
             </a:extLst>
           </p:cNvPr>
-          <p:cNvSpPr>
-            <a:spLocks noGrp="1"/>
-          </p:cNvSpPr>
-          <p:nvPr>
-            <p:ph idx="1"/>
-          </p:nvPr>
-        </p:nvSpPr>
-        <p:spPr/>
-        <p:txBody>
-          <a:bodyPr>
-            <a:normAutofit fontScale="92500" lnSpcReduction="20000"/>
-          </a:bodyPr>
-          <a:lstStyle/>
-          <a:p>
-            <a:r>
-              <a:rPr lang="zh-CN" altLang="en-US" dirty="0"/>
-              <a:t>蓝牙</a:t>
-            </a:r>
-            <a:endParaRPr lang="en-US" altLang="zh-CN" dirty="0"/>
-          </a:p>
-          <a:p>
-            <a:pPr lvl="1"/>
-            <a:r>
-              <a:rPr lang="zh-CN" altLang="en-US" dirty="0"/>
-              <a:t>主要应用在</a:t>
-            </a:r>
-            <a:r>
-              <a:rPr lang="en-US" altLang="zh-CN" dirty="0"/>
-              <a:t>TWS</a:t>
-            </a:r>
-            <a:r>
-              <a:rPr lang="zh-CN" altLang="en-US" dirty="0"/>
-              <a:t>耳机</a:t>
-            </a:r>
-            <a:endParaRPr lang="en-US" altLang="zh-CN" dirty="0"/>
-          </a:p>
-          <a:p>
-            <a:pPr lvl="2"/>
-            <a:r>
-              <a:rPr lang="zh-CN" altLang="en-US" dirty="0"/>
-              <a:t>销量占比：</a:t>
-            </a:r>
-            <a:endParaRPr lang="en-US" altLang="zh-CN" dirty="0"/>
-          </a:p>
-          <a:p>
-            <a:pPr lvl="2"/>
-            <a:r>
-              <a:rPr lang="zh-CN" altLang="en-US" b="0" i="0" dirty="0">
-                <a:solidFill>
-                  <a:srgbClr val="333333"/>
-                </a:solidFill>
-                <a:effectLst/>
-                <a:latin typeface="PingFang SC"/>
-              </a:rPr>
-              <a:t>市场份额占比：</a:t>
-            </a:r>
-            <a:endParaRPr lang="en-US" altLang="zh-CN" b="0" i="0" dirty="0">
-              <a:solidFill>
-                <a:srgbClr val="333333"/>
-              </a:solidFill>
-              <a:effectLst/>
-              <a:latin typeface="PingFang SC"/>
-            </a:endParaRPr>
-          </a:p>
-          <a:p>
-            <a:pPr lvl="2"/>
-            <a:r>
-              <a:rPr lang="zh-CN" altLang="en-US" dirty="0"/>
-              <a:t>竞争对手：</a:t>
-            </a:r>
-            <a:endParaRPr lang="en-US" altLang="zh-CN" dirty="0"/>
-          </a:p>
-          <a:p>
-            <a:pPr lvl="1"/>
-            <a:r>
-              <a:rPr lang="zh-CN" altLang="en-US" dirty="0">
-                <a:solidFill>
-                  <a:srgbClr val="4D4D4D"/>
-                </a:solidFill>
-                <a:latin typeface="-apple-system"/>
-              </a:rPr>
-              <a:t>蓝牙产品线主攻的市场</a:t>
-            </a:r>
-            <a:endParaRPr lang="en-US" altLang="zh-CN" sz="2800" dirty="0">
-              <a:solidFill>
-                <a:srgbClr val="4D4D4D"/>
-              </a:solidFill>
-              <a:latin typeface="-apple-system"/>
-            </a:endParaRPr>
-          </a:p>
-          <a:p>
-            <a:pPr lvl="2"/>
-            <a:r>
-              <a:rPr lang="zh-CN" altLang="en-US" dirty="0"/>
-              <a:t>蓝牙遥控器 ，这是一个亿级市场，</a:t>
-            </a:r>
-            <a:r>
-              <a:rPr lang="en-US" altLang="zh-CN" dirty="0"/>
-              <a:t>2018</a:t>
-            </a:r>
-            <a:r>
-              <a:rPr lang="zh-CN" altLang="en-US" dirty="0"/>
-              <a:t>市场出货</a:t>
-            </a:r>
-            <a:r>
-              <a:rPr lang="en-US" altLang="zh-CN" dirty="0"/>
-              <a:t>1.3</a:t>
-            </a:r>
-            <a:r>
-              <a:rPr lang="zh-CN" altLang="en-US" dirty="0"/>
-              <a:t>亿颗，</a:t>
-            </a:r>
-            <a:r>
-              <a:rPr lang="en-US" altLang="zh-CN" dirty="0"/>
-              <a:t>2019</a:t>
-            </a:r>
-            <a:r>
-              <a:rPr lang="zh-CN" altLang="en-US" dirty="0"/>
-              <a:t>市场出货</a:t>
-            </a:r>
-            <a:r>
-              <a:rPr lang="en-US" altLang="zh-CN" dirty="0"/>
-              <a:t>1.6</a:t>
-            </a:r>
-            <a:r>
-              <a:rPr lang="zh-CN" altLang="en-US" dirty="0"/>
-              <a:t>亿颗；</a:t>
-            </a:r>
-            <a:endParaRPr lang="en-US" altLang="zh-CN" dirty="0"/>
-          </a:p>
-          <a:p>
-            <a:pPr lvl="2"/>
-            <a:r>
-              <a:rPr lang="en-US" altLang="zh-CN" sz="2100" dirty="0"/>
-              <a:t>HID</a:t>
-            </a:r>
-            <a:r>
-              <a:rPr lang="zh-CN" altLang="en-US" sz="2100" dirty="0"/>
-              <a:t>设备</a:t>
-            </a:r>
-            <a:r>
-              <a:rPr lang="en-US" altLang="zh-CN" sz="2100" dirty="0"/>
-              <a:t>(</a:t>
-            </a:r>
-            <a:r>
-              <a:rPr lang="zh-CN" altLang="en-US" sz="2100" dirty="0"/>
-              <a:t>鼠标，键盘等</a:t>
-            </a:r>
-            <a:r>
-              <a:rPr lang="en-US" altLang="zh-CN" sz="2100" dirty="0"/>
-              <a:t>) </a:t>
-            </a:r>
-            <a:r>
-              <a:rPr lang="zh-CN" altLang="en-US" sz="2100" dirty="0"/>
-              <a:t>，</a:t>
-            </a:r>
-            <a:r>
-              <a:rPr lang="en-US" altLang="zh-CN" sz="2100" dirty="0"/>
-              <a:t>2018</a:t>
-            </a:r>
-            <a:r>
-              <a:rPr lang="zh-CN" altLang="en-US" sz="2100" dirty="0"/>
-              <a:t>市场出货</a:t>
-            </a:r>
-            <a:r>
-              <a:rPr lang="en-US" altLang="zh-CN" sz="2100" dirty="0"/>
-              <a:t>5300</a:t>
-            </a:r>
-            <a:r>
-              <a:rPr lang="zh-CN" altLang="en-US" sz="2100" dirty="0"/>
-              <a:t>万颗，</a:t>
-            </a:r>
-            <a:r>
-              <a:rPr lang="en-US" altLang="zh-CN" sz="2100" dirty="0"/>
-              <a:t>2019</a:t>
-            </a:r>
-            <a:r>
-              <a:rPr lang="zh-CN" altLang="en-US" sz="2100" dirty="0"/>
-              <a:t>市场出货</a:t>
-            </a:r>
-            <a:r>
-              <a:rPr lang="en-US" altLang="zh-CN" sz="2100" dirty="0"/>
-              <a:t>6530</a:t>
-            </a:r>
-            <a:r>
-              <a:rPr lang="zh-CN" altLang="en-US" sz="2100" dirty="0"/>
-              <a:t>万颗；</a:t>
-            </a:r>
-            <a:endParaRPr lang="en-US" altLang="zh-CN" sz="2100" dirty="0"/>
-          </a:p>
-          <a:p>
-            <a:pPr lvl="2"/>
-            <a:r>
-              <a:rPr lang="en-US" altLang="zh-CN" sz="2100" dirty="0"/>
-              <a:t>BLE </a:t>
-            </a:r>
-            <a:r>
-              <a:rPr lang="zh-CN" altLang="en-US" sz="2100" dirty="0"/>
-              <a:t>照明，</a:t>
-            </a:r>
-            <a:r>
-              <a:rPr lang="en-US" altLang="zh-CN" sz="2100" dirty="0"/>
-              <a:t>2018</a:t>
-            </a:r>
-            <a:r>
-              <a:rPr lang="zh-CN" altLang="en-US" sz="2100" dirty="0"/>
-              <a:t>市场出货</a:t>
-            </a:r>
-            <a:r>
-              <a:rPr lang="en-US" altLang="zh-CN" sz="2100" dirty="0"/>
-              <a:t>1000</a:t>
-            </a:r>
-            <a:r>
-              <a:rPr lang="zh-CN" altLang="en-US" sz="2100" dirty="0"/>
-              <a:t>万，</a:t>
-            </a:r>
-            <a:r>
-              <a:rPr lang="en-US" altLang="zh-CN" sz="2100" dirty="0"/>
-              <a:t>2019</a:t>
-            </a:r>
-            <a:r>
-              <a:rPr lang="zh-CN" altLang="en-US" sz="2100" dirty="0"/>
-              <a:t>市场出货</a:t>
-            </a:r>
-            <a:r>
-              <a:rPr lang="en-US" altLang="zh-CN" sz="2100" dirty="0"/>
-              <a:t>2300</a:t>
-            </a:r>
-            <a:r>
-              <a:rPr lang="zh-CN" altLang="en-US" sz="2100" dirty="0"/>
-              <a:t>万；</a:t>
-            </a:r>
-            <a:endParaRPr lang="en-US" altLang="zh-CN" sz="2100" dirty="0"/>
-          </a:p>
-          <a:p>
-            <a:pPr lvl="2"/>
-            <a:r>
-              <a:rPr lang="zh-CN" altLang="en-US" sz="2100" dirty="0">
-                <a:solidFill>
-                  <a:srgbClr val="FF0000"/>
-                </a:solidFill>
-              </a:rPr>
-              <a:t>耳机 ，整个耳机市场，</a:t>
-            </a:r>
-            <a:r>
-              <a:rPr lang="en-US" altLang="zh-CN" sz="2100" dirty="0">
-                <a:solidFill>
-                  <a:srgbClr val="FF0000"/>
-                </a:solidFill>
-              </a:rPr>
-              <a:t>2018</a:t>
-            </a:r>
-            <a:r>
-              <a:rPr lang="zh-CN" altLang="en-US" sz="2100" dirty="0">
-                <a:solidFill>
-                  <a:srgbClr val="FF0000"/>
-                </a:solidFill>
-              </a:rPr>
-              <a:t>市场出货</a:t>
-            </a:r>
-            <a:r>
-              <a:rPr lang="en-US" altLang="zh-CN" sz="2100" dirty="0">
-                <a:solidFill>
-                  <a:srgbClr val="FF0000"/>
-                </a:solidFill>
-              </a:rPr>
-              <a:t>7.1</a:t>
-            </a:r>
-            <a:r>
-              <a:rPr lang="zh-CN" altLang="en-US" sz="2100" dirty="0">
-                <a:solidFill>
-                  <a:srgbClr val="FF0000"/>
-                </a:solidFill>
-              </a:rPr>
-              <a:t>亿，</a:t>
-            </a:r>
-            <a:r>
-              <a:rPr lang="en-US" altLang="zh-CN" sz="2100" dirty="0">
-                <a:solidFill>
-                  <a:srgbClr val="FF0000"/>
-                </a:solidFill>
-              </a:rPr>
-              <a:t>2019</a:t>
-            </a:r>
-            <a:r>
-              <a:rPr lang="zh-CN" altLang="en-US" sz="2100" dirty="0">
-                <a:solidFill>
-                  <a:srgbClr val="FF0000"/>
-                </a:solidFill>
-              </a:rPr>
-              <a:t>市场出货</a:t>
-            </a:r>
-            <a:r>
-              <a:rPr lang="en-US" altLang="zh-CN" sz="2100" dirty="0">
-                <a:solidFill>
-                  <a:srgbClr val="FF0000"/>
-                </a:solidFill>
-              </a:rPr>
-              <a:t>11.9</a:t>
-            </a:r>
-            <a:r>
-              <a:rPr lang="zh-CN" altLang="en-US" sz="2100" dirty="0">
-                <a:solidFill>
-                  <a:srgbClr val="FF0000"/>
-                </a:solidFill>
-              </a:rPr>
-              <a:t>亿；</a:t>
-            </a:r>
-            <a:endParaRPr lang="en-US" altLang="zh-CN" sz="2100" dirty="0">
-              <a:solidFill>
-                <a:srgbClr val="FF0000"/>
-              </a:solidFill>
-            </a:endParaRPr>
-          </a:p>
-          <a:p>
-            <a:pPr lvl="2"/>
-            <a:r>
-              <a:rPr lang="zh-CN" altLang="en-US" sz="2100" dirty="0"/>
-              <a:t>智能手表 ，</a:t>
-            </a:r>
-            <a:r>
-              <a:rPr lang="en-US" altLang="zh-CN" sz="2100" dirty="0"/>
-              <a:t>2018</a:t>
-            </a:r>
-            <a:r>
-              <a:rPr lang="zh-CN" altLang="en-US" sz="2100" dirty="0"/>
-              <a:t>市场出货</a:t>
-            </a:r>
-            <a:r>
-              <a:rPr lang="en-US" altLang="zh-CN" sz="2100" dirty="0"/>
-              <a:t>8000</a:t>
-            </a:r>
-            <a:r>
-              <a:rPr lang="zh-CN" altLang="en-US" sz="2100" dirty="0"/>
-              <a:t>万，</a:t>
-            </a:r>
-            <a:r>
-              <a:rPr lang="en-US" altLang="zh-CN" sz="2100" dirty="0"/>
-              <a:t>2019</a:t>
-            </a:r>
-            <a:r>
-              <a:rPr lang="zh-CN" altLang="en-US" sz="2100" dirty="0"/>
-              <a:t>市场出货</a:t>
-            </a:r>
-            <a:r>
-              <a:rPr lang="en-US" altLang="zh-CN" sz="2100" dirty="0"/>
-              <a:t>10,000</a:t>
-            </a:r>
-            <a:r>
-              <a:rPr lang="zh-CN" altLang="en-US" sz="2100" dirty="0"/>
-              <a:t>万；</a:t>
-            </a:r>
-            <a:endParaRPr lang="en-US" altLang="zh-CN" sz="2100" dirty="0"/>
-          </a:p>
-          <a:p>
-            <a:pPr lvl="2"/>
-            <a:r>
-              <a:rPr lang="zh-CN" altLang="en-US" sz="2100" dirty="0"/>
-              <a:t>追踪器 ，追踪器市场以海外为主，</a:t>
-            </a:r>
-            <a:r>
-              <a:rPr lang="en-US" altLang="zh-CN" sz="2100" dirty="0"/>
-              <a:t>2018</a:t>
-            </a:r>
-            <a:r>
-              <a:rPr lang="zh-CN" altLang="en-US" sz="2100" dirty="0"/>
-              <a:t>市场出货</a:t>
-            </a:r>
-            <a:r>
-              <a:rPr lang="en-US" altLang="zh-CN" sz="2100" dirty="0"/>
-              <a:t>1.3</a:t>
-            </a:r>
-            <a:r>
-              <a:rPr lang="zh-CN" altLang="en-US" sz="2100" dirty="0"/>
-              <a:t>亿，</a:t>
-            </a:r>
-            <a:r>
-              <a:rPr lang="en-US" altLang="zh-CN" sz="2100" dirty="0"/>
-              <a:t>2019</a:t>
-            </a:r>
-            <a:r>
-              <a:rPr lang="zh-CN" altLang="en-US" sz="2100" dirty="0"/>
-              <a:t>市场出货</a:t>
-            </a:r>
-            <a:r>
-              <a:rPr lang="en-US" altLang="zh-CN" sz="2100" dirty="0"/>
-              <a:t>1.4</a:t>
-            </a:r>
-            <a:r>
-              <a:rPr lang="zh-CN" altLang="en-US" sz="2100" dirty="0"/>
-              <a:t>亿；</a:t>
-            </a:r>
-            <a:endParaRPr lang="en-US" altLang="zh-CN" sz="2100" dirty="0"/>
-          </a:p>
-          <a:p>
-            <a:pPr lvl="1"/>
-            <a:r>
-              <a:rPr lang="zh-CN" altLang="en-US" sz="2500" dirty="0"/>
-              <a:t>主要客户</a:t>
-            </a:r>
-            <a:endParaRPr lang="en-US" altLang="zh-CN" sz="2500" dirty="0"/>
-          </a:p>
-          <a:p>
-            <a:pPr lvl="2"/>
-            <a:r>
-              <a:rPr lang="zh-CN" altLang="en-US" sz="2100" dirty="0"/>
-              <a:t>小米、漫步者</a:t>
-            </a:r>
-          </a:p>
-        </p:txBody>
-      </p:sp>
+          <p:cNvGrpSpPr/>
+          <p:nvPr/>
+        </p:nvGrpSpPr>
+        <p:grpSpPr>
+          <a:xfrm>
+            <a:off x="7870827" y="1125034"/>
+            <a:ext cx="4015154" cy="5318240"/>
+            <a:chOff x="8042764" y="1433622"/>
+            <a:chExt cx="4015154" cy="5318240"/>
+          </a:xfrm>
+        </p:grpSpPr>
+        <p:pic>
+          <p:nvPicPr>
+            <p:cNvPr id="10" name="内容占位符 4">
+              <a:extLst>
+                <a:ext uri="{FF2B5EF4-FFF2-40B4-BE49-F238E27FC236}">
+                  <a16:creationId xmlns:a16="http://schemas.microsoft.com/office/drawing/2014/main" id="{09954FFD-9B88-75DC-2FDD-0FB2E569DAB1}"/>
+                </a:ext>
+              </a:extLst>
+            </p:cNvPr>
+            <p:cNvPicPr>
+              <a:picLocks noChangeAspect="1"/>
+            </p:cNvPicPr>
+            <p:nvPr/>
+          </p:nvPicPr>
+          <p:blipFill>
+            <a:blip r:embed="rId2">
+              <a:extLst>
+                <a:ext uri="{28A0092B-C50C-407E-A947-70E740481C1C}">
+                  <a14:useLocalDpi xmlns:a14="http://schemas.microsoft.com/office/drawing/2010/main" val="0"/>
+                </a:ext>
+              </a:extLst>
+            </a:blip>
+            <a:stretch>
+              <a:fillRect/>
+            </a:stretch>
+          </p:blipFill>
+          <p:spPr>
+            <a:xfrm>
+              <a:off x="8042764" y="4600933"/>
+              <a:ext cx="4015154" cy="2150929"/>
+            </a:xfrm>
+            <a:prstGeom prst="rect">
+              <a:avLst/>
+            </a:prstGeom>
+          </p:spPr>
+        </p:pic>
+        <p:pic>
+          <p:nvPicPr>
+            <p:cNvPr id="5" name="图片 4">
+              <a:extLst>
+                <a:ext uri="{FF2B5EF4-FFF2-40B4-BE49-F238E27FC236}">
+                  <a16:creationId xmlns:a16="http://schemas.microsoft.com/office/drawing/2014/main" id="{E67B22C9-2271-A175-18A0-73AEC5BDF838}"/>
+                </a:ext>
+              </a:extLst>
+            </p:cNvPr>
+            <p:cNvPicPr>
+              <a:picLocks noChangeAspect="1"/>
+            </p:cNvPicPr>
+            <p:nvPr/>
+          </p:nvPicPr>
+          <p:blipFill>
+            <a:blip r:embed="rId3"/>
+            <a:stretch>
+              <a:fillRect/>
+            </a:stretch>
+          </p:blipFill>
+          <p:spPr>
+            <a:xfrm>
+              <a:off x="8423715" y="1874718"/>
+              <a:ext cx="3083723" cy="2153539"/>
+            </a:xfrm>
+            <a:prstGeom prst="rect">
+              <a:avLst/>
+            </a:prstGeom>
+          </p:spPr>
+        </p:pic>
+        <p:sp>
+          <p:nvSpPr>
+            <p:cNvPr id="3" name="文本框 2">
+              <a:extLst>
+                <a:ext uri="{FF2B5EF4-FFF2-40B4-BE49-F238E27FC236}">
+                  <a16:creationId xmlns:a16="http://schemas.microsoft.com/office/drawing/2014/main" id="{DB9244AB-FA6E-94D6-F073-8509F25EB235}"/>
+                </a:ext>
+              </a:extLst>
+            </p:cNvPr>
+            <p:cNvSpPr txBox="1"/>
+            <p:nvPr/>
+          </p:nvSpPr>
+          <p:spPr>
+            <a:xfrm>
+              <a:off x="8645733" y="1433622"/>
+              <a:ext cx="2712602" cy="646331"/>
+            </a:xfrm>
+            <a:prstGeom prst="rect">
+              <a:avLst/>
+            </a:prstGeom>
+            <a:noFill/>
+          </p:spPr>
+          <p:txBody>
+            <a:bodyPr wrap="square" rtlCol="0">
+              <a:spAutoFit/>
+            </a:bodyPr>
+            <a:lstStyle/>
+            <a:p>
+              <a:r>
+                <a:rPr lang="en-US" altLang="zh-CN" dirty="0"/>
+                <a:t>TWS</a:t>
+              </a:r>
+              <a:r>
+                <a:rPr lang="zh-CN" altLang="en-US" dirty="0"/>
+                <a:t>耳机的蓝牙厂商占比</a:t>
+              </a:r>
+              <a:endParaRPr lang="en-US" altLang="zh-CN" dirty="0"/>
+            </a:p>
+            <a:p>
+              <a:endParaRPr lang="zh-CN" altLang="en-US" dirty="0"/>
+            </a:p>
+          </p:txBody>
+        </p:sp>
+        <p:sp>
+          <p:nvSpPr>
+            <p:cNvPr id="11" name="文本框 10">
+              <a:extLst>
+                <a:ext uri="{FF2B5EF4-FFF2-40B4-BE49-F238E27FC236}">
+                  <a16:creationId xmlns:a16="http://schemas.microsoft.com/office/drawing/2014/main" id="{3F5EFE97-4088-01C1-CBD4-28965A26E0F2}"/>
+                </a:ext>
+              </a:extLst>
+            </p:cNvPr>
+            <p:cNvSpPr txBox="1"/>
+            <p:nvPr/>
+          </p:nvSpPr>
+          <p:spPr>
+            <a:xfrm>
+              <a:off x="8339014" y="4129929"/>
+              <a:ext cx="3422655" cy="369332"/>
+            </a:xfrm>
+            <a:prstGeom prst="rect">
+              <a:avLst/>
+            </a:prstGeom>
+            <a:noFill/>
+          </p:spPr>
+          <p:txBody>
+            <a:bodyPr wrap="square" rtlCol="0">
+              <a:spAutoFit/>
+            </a:bodyPr>
+            <a:lstStyle/>
+            <a:p>
+              <a:r>
+                <a:rPr lang="en-US" altLang="zh-CN" dirty="0"/>
+                <a:t>TWS</a:t>
+              </a:r>
+              <a:r>
+                <a:rPr lang="zh-CN" altLang="en-US" dirty="0"/>
+                <a:t>耳机的品牌和蓝牙方案选型</a:t>
+              </a:r>
+            </a:p>
+          </p:txBody>
+        </p:sp>
+      </p:grpSp>
       <p:sp>
         <p:nvSpPr>
-          <p:cNvPr id="4" name="内容占位符 2">
+          <p:cNvPr id="9" name="文本框 8">
             <a:extLst>
               <a:ext uri="{FF2B5EF4-FFF2-40B4-BE49-F238E27FC236}">
-                <a16:creationId xmlns:a16="http://schemas.microsoft.com/office/drawing/2014/main" id="{9B13C352-FABF-9867-D3E3-131D3774531C}"/>
+                <a16:creationId xmlns:a16="http://schemas.microsoft.com/office/drawing/2014/main" id="{FCF524F3-D435-F527-E81C-D1EFC2461220}"/>
               </a:ext>
             </a:extLst>
           </p:cNvPr>
-          <p:cNvSpPr txBox="1">
-            <a:spLocks/>
-          </p:cNvSpPr>
+          <p:cNvSpPr txBox="1"/>
           <p:nvPr/>
         </p:nvSpPr>
         <p:spPr>
           <a:xfrm>
-            <a:off x="990600" y="1978025"/>
-            <a:ext cx="10515600" cy="4351338"/>
+            <a:off x="572358" y="5708097"/>
+            <a:ext cx="3637195" cy="954107"/>
           </a:xfrm>
           <a:prstGeom prst="rect">
             <a:avLst/>
           </a:prstGeom>
+          <a:noFill/>
         </p:spPr>
         <p:txBody>
-          <a:bodyPr vert="horz" lIns="91440" tIns="45720" rIns="91440" bIns="45720" rtlCol="0">
-            <a:normAutofit/>
+          <a:bodyPr wrap="square" rtlCol="0">
+            <a:spAutoFit/>
           </a:bodyPr>
-          <a:lstStyle>
-            <a:lvl1pPr marL="228600" indent="-228600" algn="l" defTabSz="914400" rtl="0" eaLnBrk="1" latinLnBrk="0" hangingPunct="1">
-              <a:lnSpc>
-                <a:spcPct val="90000"/>
-              </a:lnSpc>
-              <a:spcBef>
-                <a:spcPts val="1000"/>
-              </a:spcBef>
-              <a:buFont typeface="Arial" panose="020B0604020202020204" pitchFamily="34" charset="0"/>
-              <a:buChar char="•"/>
-              <a:defRPr sz="2800" kern="1200">
-                <a:solidFill>
-                  <a:schemeClr val="tx1"/>
-                </a:solidFill>
-                <a:latin typeface="+mn-lt"/>
-                <a:ea typeface="+mn-ea"/>
-                <a:cs typeface="+mn-cs"/>
-              </a:defRPr>
-            </a:lvl1pPr>
-            <a:lvl2pPr marL="685800" indent="-228600" algn="l" defTabSz="914400" rtl="0" eaLnBrk="1" latinLnBrk="0" hangingPunct="1">
-              <a:lnSpc>
-                <a:spcPct val="90000"/>
-              </a:lnSpc>
-              <a:spcBef>
-                <a:spcPts val="500"/>
-              </a:spcBef>
-              <a:buFont typeface="Arial" panose="020B0604020202020204" pitchFamily="34" charset="0"/>
-              <a:buChar char="•"/>
-              <a:defRPr sz="2400" kern="1200">
-                <a:solidFill>
-                  <a:schemeClr val="tx1"/>
-                </a:solidFill>
-                <a:latin typeface="+mn-lt"/>
-                <a:ea typeface="+mn-ea"/>
-                <a:cs typeface="+mn-cs"/>
-              </a:defRPr>
-            </a:lvl2pPr>
-            <a:lvl3pPr marL="1143000" indent="-228600" algn="l" defTabSz="914400" rtl="0" eaLnBrk="1" latinLnBrk="0" hangingPunct="1">
-              <a:lnSpc>
-                <a:spcPct val="90000"/>
-              </a:lnSpc>
-              <a:spcBef>
-                <a:spcPts val="500"/>
-              </a:spcBef>
-              <a:buFont typeface="Arial" panose="020B0604020202020204" pitchFamily="34" charset="0"/>
-              <a:buChar char="•"/>
-              <a:defRPr sz="2000" kern="1200">
-                <a:solidFill>
-                  <a:schemeClr val="tx1"/>
-                </a:solidFill>
-                <a:latin typeface="+mn-lt"/>
-                <a:ea typeface="+mn-ea"/>
-                <a:cs typeface="+mn-cs"/>
-              </a:defRPr>
-            </a:lvl3pPr>
-            <a:lvl4pPr marL="1600200" indent="-228600" algn="l" defTabSz="914400" rtl="0" eaLnBrk="1" latinLnBrk="0" hangingPunct="1">
-              <a:lnSpc>
-                <a:spcPct val="90000"/>
-              </a:lnSpc>
-              <a:spcBef>
-                <a:spcPts val="500"/>
-              </a:spcBef>
-              <a:buFont typeface="Arial" panose="020B0604020202020204" pitchFamily="34" charset="0"/>
-              <a:buChar char="•"/>
-              <a:defRPr sz="1800" kern="1200">
-                <a:solidFill>
-                  <a:schemeClr val="tx1"/>
-                </a:solidFill>
-                <a:latin typeface="+mn-lt"/>
-                <a:ea typeface="+mn-ea"/>
-                <a:cs typeface="+mn-cs"/>
-              </a:defRPr>
-            </a:lvl4pPr>
-            <a:lvl5pPr marL="2057400" indent="-228600" algn="l" defTabSz="914400" rtl="0" eaLnBrk="1" latinLnBrk="0" hangingPunct="1">
-              <a:lnSpc>
-                <a:spcPct val="90000"/>
-              </a:lnSpc>
-              <a:spcBef>
-                <a:spcPts val="500"/>
-              </a:spcBef>
-              <a:buFont typeface="Arial" panose="020B0604020202020204" pitchFamily="34" charset="0"/>
-              <a:buChar char="•"/>
-              <a:defRPr sz="1800" kern="1200">
-                <a:solidFill>
-                  <a:schemeClr val="tx1"/>
-                </a:solidFill>
-                <a:latin typeface="+mn-lt"/>
-                <a:ea typeface="+mn-ea"/>
-                <a:cs typeface="+mn-cs"/>
-              </a:defRPr>
-            </a:lvl5pPr>
-            <a:lvl6pPr marL="2514600" indent="-228600" algn="l" defTabSz="914400" rtl="0" eaLnBrk="1" latinLnBrk="0" hangingPunct="1">
-              <a:lnSpc>
-                <a:spcPct val="90000"/>
-              </a:lnSpc>
-              <a:spcBef>
-                <a:spcPts val="500"/>
-              </a:spcBef>
-              <a:buFont typeface="Arial" panose="020B0604020202020204" pitchFamily="34" charset="0"/>
-              <a:buChar char="•"/>
-              <a:defRPr sz="1800" kern="1200">
-                <a:solidFill>
-                  <a:schemeClr val="tx1"/>
-                </a:solidFill>
-                <a:latin typeface="+mn-lt"/>
-                <a:ea typeface="+mn-ea"/>
-                <a:cs typeface="+mn-cs"/>
-              </a:defRPr>
-            </a:lvl6pPr>
-            <a:lvl7pPr marL="2971800" indent="-228600" algn="l" defTabSz="914400" rtl="0" eaLnBrk="1" latinLnBrk="0" hangingPunct="1">
-              <a:lnSpc>
-                <a:spcPct val="90000"/>
-              </a:lnSpc>
-              <a:spcBef>
-                <a:spcPts val="500"/>
-              </a:spcBef>
-              <a:buFont typeface="Arial" panose="020B0604020202020204" pitchFamily="34" charset="0"/>
-              <a:buChar char="•"/>
-              <a:defRPr sz="1800" kern="1200">
-                <a:solidFill>
-                  <a:schemeClr val="tx1"/>
-                </a:solidFill>
-                <a:latin typeface="+mn-lt"/>
-                <a:ea typeface="+mn-ea"/>
-                <a:cs typeface="+mn-cs"/>
-              </a:defRPr>
-            </a:lvl7pPr>
-            <a:lvl8pPr marL="3429000" indent="-228600" algn="l" defTabSz="914400" rtl="0" eaLnBrk="1" latinLnBrk="0" hangingPunct="1">
-              <a:lnSpc>
-                <a:spcPct val="90000"/>
-              </a:lnSpc>
-              <a:spcBef>
-                <a:spcPts val="500"/>
-              </a:spcBef>
-              <a:buFont typeface="Arial" panose="020B0604020202020204" pitchFamily="34" charset="0"/>
-              <a:buChar char="•"/>
-              <a:defRPr sz="1800" kern="1200">
-                <a:solidFill>
-                  <a:schemeClr val="tx1"/>
-                </a:solidFill>
-                <a:latin typeface="+mn-lt"/>
-                <a:ea typeface="+mn-ea"/>
-                <a:cs typeface="+mn-cs"/>
-              </a:defRPr>
-            </a:lvl8pPr>
-            <a:lvl9pPr marL="3886200" indent="-228600" algn="l" defTabSz="914400" rtl="0" eaLnBrk="1" latinLnBrk="0" hangingPunct="1">
-              <a:lnSpc>
-                <a:spcPct val="90000"/>
-              </a:lnSpc>
-              <a:spcBef>
-                <a:spcPts val="500"/>
-              </a:spcBef>
-              <a:buFont typeface="Arial" panose="020B0604020202020204" pitchFamily="34" charset="0"/>
-              <a:buChar char="•"/>
-              <a:defRPr sz="1800" kern="1200">
-                <a:solidFill>
-                  <a:schemeClr val="tx1"/>
-                </a:solidFill>
-                <a:latin typeface="+mn-lt"/>
-                <a:ea typeface="+mn-ea"/>
-                <a:cs typeface="+mn-cs"/>
-              </a:defRPr>
-            </a:lvl9pPr>
-          </a:lstStyle>
-          <a:p>
-            <a:pPr marL="0" indent="0">
-              <a:buFont typeface="Arial" panose="020B0604020202020204" pitchFamily="34" charset="0"/>
-              <a:buNone/>
-            </a:pPr>
-            <a:endParaRPr lang="zh-CN" altLang="en-US" sz="1600" dirty="0"/>
+          <a:lstStyle/>
+          <a:p>
+            <a:r>
+              <a:rPr lang="zh-CN" altLang="en-US" sz="1400" b="1" dirty="0"/>
+              <a:t>备注：</a:t>
+            </a:r>
+            <a:endParaRPr lang="en-US" altLang="zh-CN" sz="1400" b="1" dirty="0"/>
+          </a:p>
+          <a:p>
+            <a:r>
+              <a:rPr lang="en-US" altLang="zh-CN" sz="1400" dirty="0"/>
+              <a:t>    RTL8773</a:t>
+            </a:r>
+            <a:r>
+              <a:rPr lang="zh-CN" altLang="en-US" sz="1400" dirty="0"/>
+              <a:t>的</a:t>
+            </a:r>
+            <a:r>
+              <a:rPr lang="en-US" altLang="zh-CN" sz="1400" dirty="0"/>
+              <a:t>B</a:t>
+            </a:r>
+            <a:r>
+              <a:rPr lang="zh-CN" altLang="en-US" sz="1400" dirty="0"/>
+              <a:t>系列和</a:t>
+            </a:r>
+            <a:r>
+              <a:rPr lang="en-US" altLang="zh-CN" sz="1400" dirty="0"/>
+              <a:t>C</a:t>
+            </a:r>
+            <a:r>
+              <a:rPr lang="zh-CN" altLang="en-US" sz="1400" dirty="0"/>
+              <a:t>系列是已经量产过；</a:t>
+            </a:r>
+            <a:endParaRPr lang="en-US" altLang="zh-CN" sz="1400" dirty="0"/>
+          </a:p>
+          <a:p>
+            <a:r>
+              <a:rPr lang="en-US" altLang="zh-CN" sz="1400" dirty="0"/>
+              <a:t>    RTL8773</a:t>
+            </a:r>
+            <a:r>
+              <a:rPr lang="zh-CN" altLang="en-US" sz="1400" dirty="0"/>
+              <a:t>的</a:t>
+            </a:r>
+            <a:r>
+              <a:rPr lang="en-US" altLang="zh-CN" sz="1400" dirty="0"/>
+              <a:t>D</a:t>
+            </a:r>
+            <a:r>
+              <a:rPr lang="zh-CN" altLang="en-US" sz="1400" dirty="0"/>
+              <a:t>系列漫步者在使用，</a:t>
+            </a:r>
+            <a:endParaRPr lang="en-US" altLang="zh-CN" sz="1400" dirty="0"/>
+          </a:p>
+          <a:p>
+            <a:r>
+              <a:rPr lang="en-US" altLang="zh-CN" sz="1400" dirty="0"/>
+              <a:t>    RTL8773</a:t>
+            </a:r>
+            <a:r>
+              <a:rPr lang="zh-CN" altLang="en-US" sz="1400" dirty="0"/>
+              <a:t>的</a:t>
+            </a:r>
+            <a:r>
+              <a:rPr lang="en-US" altLang="zh-CN" sz="1400" dirty="0"/>
+              <a:t>E</a:t>
+            </a:r>
+            <a:r>
+              <a:rPr lang="zh-CN" altLang="en-US" sz="1400" dirty="0"/>
+              <a:t>系列量产情况暂时未知</a:t>
+            </a:r>
           </a:p>
         </p:txBody>
       </p:sp>
       <p:pic>
         <p:nvPicPr>
-          <p:cNvPr id="5" name="内容占位符 4">
+          <p:cNvPr id="14" name="图片 13">
             <a:extLst>
               <a:ext uri="{FF2B5EF4-FFF2-40B4-BE49-F238E27FC236}">
-                <a16:creationId xmlns:a16="http://schemas.microsoft.com/office/drawing/2014/main" id="{C3A236F6-7D3C-E16A-AD26-61FF3077AC7B}"/>
+                <a16:creationId xmlns:a16="http://schemas.microsoft.com/office/drawing/2014/main" id="{41181C33-3129-4258-E699-EDDC0AEC0B88}"/>
               </a:ext>
             </a:extLst>
           </p:cNvPr>
@@ -10736,31 +12813,90 @@
           <p:nvPr/>
         </p:nvPicPr>
         <p:blipFill>
-          <a:blip r:embed="rId2">
-            <a:extLst>
-              <a:ext uri="{28A0092B-C50C-407E-A947-70E740481C1C}">
-                <a14:useLocalDpi xmlns:a14="http://schemas.microsoft.com/office/drawing/2010/main" val="0"/>
-              </a:ext>
-            </a:extLst>
-          </a:blip>
+          <a:blip r:embed="rId4"/>
           <a:stretch>
             <a:fillRect/>
           </a:stretch>
         </p:blipFill>
         <p:spPr>
           <a:xfrm>
-            <a:off x="8176847" y="1374421"/>
-            <a:ext cx="4015154" cy="2469359"/>
+            <a:off x="677776" y="1690056"/>
+            <a:ext cx="7090316" cy="3950823"/>
           </a:xfrm>
           <a:prstGeom prst="rect">
             <a:avLst/>
           </a:prstGeom>
         </p:spPr>
       </p:pic>
+      <p:sp>
+        <p:nvSpPr>
+          <p:cNvPr id="15" name="文本框 14">
+            <a:extLst>
+              <a:ext uri="{FF2B5EF4-FFF2-40B4-BE49-F238E27FC236}">
+                <a16:creationId xmlns:a16="http://schemas.microsoft.com/office/drawing/2014/main" id="{465590F9-57A8-0D05-20DA-330AA0871C98}"/>
+              </a:ext>
+            </a:extLst>
+          </p:cNvPr>
+          <p:cNvSpPr txBox="1"/>
+          <p:nvPr/>
+        </p:nvSpPr>
+        <p:spPr>
+          <a:xfrm>
+            <a:off x="4105516" y="5775947"/>
+            <a:ext cx="3940146" cy="738664"/>
+          </a:xfrm>
+          <a:prstGeom prst="rect">
+            <a:avLst/>
+          </a:prstGeom>
+          <a:noFill/>
+        </p:spPr>
+        <p:txBody>
+          <a:bodyPr wrap="square" rtlCol="0">
+            <a:spAutoFit/>
+          </a:bodyPr>
+          <a:lstStyle/>
+          <a:p>
+            <a:r>
+              <a:rPr lang="zh-CN" altLang="en-US" sz="1400" b="1" dirty="0"/>
+              <a:t>算法支持</a:t>
+            </a:r>
+            <a:r>
+              <a:rPr lang="zh-CN" altLang="en-US" sz="1400" dirty="0"/>
+              <a:t>：</a:t>
+            </a:r>
+            <a:endParaRPr lang="en-US" altLang="zh-CN" sz="1400" dirty="0"/>
+          </a:p>
+          <a:p>
+            <a:r>
+              <a:rPr lang="zh-CN" altLang="en-US" sz="1400" dirty="0"/>
+              <a:t>    神经网络双麦降噪，用于上行</a:t>
+            </a:r>
+            <a:r>
+              <a:rPr lang="en-US" altLang="zh-CN" sz="1400" dirty="0"/>
+              <a:t>ENC</a:t>
+            </a:r>
+            <a:r>
+              <a:rPr lang="zh-CN" altLang="en-US" sz="1400" dirty="0"/>
+              <a:t>降噪耳机</a:t>
+            </a:r>
+            <a:endParaRPr lang="en-US" altLang="zh-CN" sz="1400" dirty="0"/>
+          </a:p>
+          <a:p>
+            <a:r>
+              <a:rPr lang="en-US" altLang="zh-CN" sz="1400" dirty="0"/>
+              <a:t>    3D</a:t>
+            </a:r>
+            <a:r>
+              <a:rPr lang="zh-CN" altLang="en-US" sz="1400" dirty="0"/>
+              <a:t>音效处理用于游戏耳机</a:t>
+            </a:r>
+          </a:p>
+        </p:txBody>
+      </p:sp>
     </p:spTree>
     <p:extLst>
       <p:ext uri="{BB962C8B-B14F-4D97-AF65-F5344CB8AC3E}">
-        <p14:creationId xmlns:p14="http://schemas.microsoft.com/office/powerpoint/2010/main" val="2250246380"/>
+        <p14:creationId xmlns:p14="http://schemas.microsoft.com/office/powerpoint/2010/main" val="4057805692"/>
       </p:ext>
     </p:extLst>
   </p:cSld>
